--- a/admin/plot-editing.pptx
+++ b/admin/plot-editing.pptx
@@ -4,10 +4,17 @@
   <p:sldMasterIdLst>
     <p:sldMasterId id="2147483660" r:id="rId1"/>
   </p:sldMasterIdLst>
+  <p:notesMasterIdLst>
+    <p:notesMasterId r:id="rId9"/>
+  </p:notesMasterIdLst>
   <p:sldIdLst>
-    <p:sldId id="256" r:id="rId2"/>
-    <p:sldId id="258" r:id="rId3"/>
-    <p:sldId id="259" r:id="rId4"/>
+    <p:sldId id="316" r:id="rId2"/>
+    <p:sldId id="260" r:id="rId3"/>
+    <p:sldId id="261" r:id="rId4"/>
+    <p:sldId id="262" r:id="rId5"/>
+    <p:sldId id="264" r:id="rId6"/>
+    <p:sldId id="263" r:id="rId7"/>
+    <p:sldId id="265" r:id="rId8"/>
   </p:sldIdLst>
   <p:sldSz cx="9144000" cy="6858000" type="screen4x3"/>
   <p:notesSz cx="6858000" cy="9144000"/>
@@ -114,6 +121,439 @@
 </p:presentation>
 </file>
 
+<file path=ppt/notesMasters/notesMaster1.xml><?xml version="1.0" encoding="utf-8"?>
+<p:notesMaster xmlns:a="http://schemas.openxmlformats.org/drawingml/2006/main" xmlns:r="http://schemas.openxmlformats.org/officeDocument/2006/relationships" xmlns:p="http://schemas.openxmlformats.org/presentationml/2006/main">
+  <p:cSld>
+    <p:bg>
+      <p:bgRef idx="1001">
+        <a:schemeClr val="bg1"/>
+      </p:bgRef>
+    </p:bg>
+    <p:spTree>
+      <p:nvGrpSpPr>
+        <p:cNvPr id="1" name=""/>
+        <p:cNvGrpSpPr/>
+        <p:nvPr/>
+      </p:nvGrpSpPr>
+      <p:grpSpPr>
+        <a:xfrm>
+          <a:off x="0" y="0"/>
+          <a:ext cx="0" cy="0"/>
+          <a:chOff x="0" y="0"/>
+          <a:chExt cx="0" cy="0"/>
+        </a:xfrm>
+      </p:grpSpPr>
+      <p:sp>
+        <p:nvSpPr>
+          <p:cNvPr id="2" name="Header Placeholder 1"/>
+          <p:cNvSpPr>
+            <a:spLocks noGrp="1"/>
+          </p:cNvSpPr>
+          <p:nvPr>
+            <p:ph type="hdr" sz="quarter"/>
+          </p:nvPr>
+        </p:nvSpPr>
+        <p:spPr>
+          <a:xfrm>
+            <a:off x="0" y="0"/>
+            <a:ext cx="2971800" cy="458788"/>
+          </a:xfrm>
+          <a:prstGeom prst="rect">
+            <a:avLst/>
+          </a:prstGeom>
+        </p:spPr>
+        <p:txBody>
+          <a:bodyPr vert="horz" lIns="91440" tIns="45720" rIns="91440" bIns="45720" rtlCol="0"/>
+          <a:lstStyle>
+            <a:lvl1pPr algn="l">
+              <a:defRPr sz="1200"/>
+            </a:lvl1pPr>
+          </a:lstStyle>
+          <a:p>
+            <a:endParaRPr lang="en-US"/>
+          </a:p>
+        </p:txBody>
+      </p:sp>
+      <p:sp>
+        <p:nvSpPr>
+          <p:cNvPr id="3" name="Date Placeholder 2"/>
+          <p:cNvSpPr>
+            <a:spLocks noGrp="1"/>
+          </p:cNvSpPr>
+          <p:nvPr>
+            <p:ph type="dt" idx="1"/>
+          </p:nvPr>
+        </p:nvSpPr>
+        <p:spPr>
+          <a:xfrm>
+            <a:off x="3884613" y="0"/>
+            <a:ext cx="2971800" cy="458788"/>
+          </a:xfrm>
+          <a:prstGeom prst="rect">
+            <a:avLst/>
+          </a:prstGeom>
+        </p:spPr>
+        <p:txBody>
+          <a:bodyPr vert="horz" lIns="91440" tIns="45720" rIns="91440" bIns="45720" rtlCol="0"/>
+          <a:lstStyle>
+            <a:lvl1pPr algn="r">
+              <a:defRPr sz="1200"/>
+            </a:lvl1pPr>
+          </a:lstStyle>
+          <a:p>
+            <a:fld id="{28BB845A-8D3D-7546-82B5-222C64D3BA4D}" type="datetimeFigureOut">
+              <a:rPr lang="en-US" smtClean="0"/>
+              <a:t>9/2/19</a:t>
+            </a:fld>
+            <a:endParaRPr lang="en-US"/>
+          </a:p>
+        </p:txBody>
+      </p:sp>
+      <p:sp>
+        <p:nvSpPr>
+          <p:cNvPr id="4" name="Slide Image Placeholder 3"/>
+          <p:cNvSpPr>
+            <a:spLocks noGrp="1" noRot="1" noChangeAspect="1"/>
+          </p:cNvSpPr>
+          <p:nvPr>
+            <p:ph type="sldImg" idx="2"/>
+          </p:nvPr>
+        </p:nvSpPr>
+        <p:spPr>
+          <a:xfrm>
+            <a:off x="1371600" y="1143000"/>
+            <a:ext cx="4114800" cy="3086100"/>
+          </a:xfrm>
+          <a:prstGeom prst="rect">
+            <a:avLst/>
+          </a:prstGeom>
+          <a:noFill/>
+          <a:ln w="12700">
+            <a:solidFill>
+              <a:prstClr val="black"/>
+            </a:solidFill>
+          </a:ln>
+        </p:spPr>
+        <p:txBody>
+          <a:bodyPr vert="horz" lIns="91440" tIns="45720" rIns="91440" bIns="45720" rtlCol="0" anchor="ctr"/>
+          <a:lstStyle/>
+          <a:p>
+            <a:endParaRPr lang="en-US"/>
+          </a:p>
+        </p:txBody>
+      </p:sp>
+      <p:sp>
+        <p:nvSpPr>
+          <p:cNvPr id="5" name="Notes Placeholder 4"/>
+          <p:cNvSpPr>
+            <a:spLocks noGrp="1"/>
+          </p:cNvSpPr>
+          <p:nvPr>
+            <p:ph type="body" sz="quarter" idx="3"/>
+          </p:nvPr>
+        </p:nvSpPr>
+        <p:spPr>
+          <a:xfrm>
+            <a:off x="685800" y="4400550"/>
+            <a:ext cx="5486400" cy="3600450"/>
+          </a:xfrm>
+          <a:prstGeom prst="rect">
+            <a:avLst/>
+          </a:prstGeom>
+        </p:spPr>
+        <p:txBody>
+          <a:bodyPr vert="horz" lIns="91440" tIns="45720" rIns="91440" bIns="45720" rtlCol="0"/>
+          <a:lstStyle/>
+          <a:p>
+            <a:pPr lvl="0"/>
+            <a:r>
+              <a:rPr lang="en-US"/>
+              <a:t>Click to edit Master text styles</a:t>
+            </a:r>
+          </a:p>
+          <a:p>
+            <a:pPr lvl="1"/>
+            <a:r>
+              <a:rPr lang="en-US"/>
+              <a:t>Second level</a:t>
+            </a:r>
+          </a:p>
+          <a:p>
+            <a:pPr lvl="2"/>
+            <a:r>
+              <a:rPr lang="en-US"/>
+              <a:t>Third level</a:t>
+            </a:r>
+          </a:p>
+          <a:p>
+            <a:pPr lvl="3"/>
+            <a:r>
+              <a:rPr lang="en-US"/>
+              <a:t>Fourth level</a:t>
+            </a:r>
+          </a:p>
+          <a:p>
+            <a:pPr lvl="4"/>
+            <a:r>
+              <a:rPr lang="en-US"/>
+              <a:t>Fifth level</a:t>
+            </a:r>
+          </a:p>
+        </p:txBody>
+      </p:sp>
+      <p:sp>
+        <p:nvSpPr>
+          <p:cNvPr id="6" name="Footer Placeholder 5"/>
+          <p:cNvSpPr>
+            <a:spLocks noGrp="1"/>
+          </p:cNvSpPr>
+          <p:nvPr>
+            <p:ph type="ftr" sz="quarter" idx="4"/>
+          </p:nvPr>
+        </p:nvSpPr>
+        <p:spPr>
+          <a:xfrm>
+            <a:off x="0" y="8685213"/>
+            <a:ext cx="2971800" cy="458787"/>
+          </a:xfrm>
+          <a:prstGeom prst="rect">
+            <a:avLst/>
+          </a:prstGeom>
+        </p:spPr>
+        <p:txBody>
+          <a:bodyPr vert="horz" lIns="91440" tIns="45720" rIns="91440" bIns="45720" rtlCol="0" anchor="b"/>
+          <a:lstStyle>
+            <a:lvl1pPr algn="l">
+              <a:defRPr sz="1200"/>
+            </a:lvl1pPr>
+          </a:lstStyle>
+          <a:p>
+            <a:endParaRPr lang="en-US"/>
+          </a:p>
+        </p:txBody>
+      </p:sp>
+      <p:sp>
+        <p:nvSpPr>
+          <p:cNvPr id="7" name="Slide Number Placeholder 6"/>
+          <p:cNvSpPr>
+            <a:spLocks noGrp="1"/>
+          </p:cNvSpPr>
+          <p:nvPr>
+            <p:ph type="sldNum" sz="quarter" idx="5"/>
+          </p:nvPr>
+        </p:nvSpPr>
+        <p:spPr>
+          <a:xfrm>
+            <a:off x="3884613" y="8685213"/>
+            <a:ext cx="2971800" cy="458787"/>
+          </a:xfrm>
+          <a:prstGeom prst="rect">
+            <a:avLst/>
+          </a:prstGeom>
+        </p:spPr>
+        <p:txBody>
+          <a:bodyPr vert="horz" lIns="91440" tIns="45720" rIns="91440" bIns="45720" rtlCol="0" anchor="b"/>
+          <a:lstStyle>
+            <a:lvl1pPr algn="r">
+              <a:defRPr sz="1200"/>
+            </a:lvl1pPr>
+          </a:lstStyle>
+          <a:p>
+            <a:fld id="{0BC4BCB4-C391-0646-B367-4B5FCD26BE64}" type="slidenum">
+              <a:rPr lang="en-US" smtClean="0"/>
+              <a:t>‹#›</a:t>
+            </a:fld>
+            <a:endParaRPr lang="en-US"/>
+          </a:p>
+        </p:txBody>
+      </p:sp>
+    </p:spTree>
+    <p:extLst>
+      <p:ext uri="{BB962C8B-B14F-4D97-AF65-F5344CB8AC3E}">
+        <p14:creationId xmlns:p14="http://schemas.microsoft.com/office/powerpoint/2010/main" val="2053229083"/>
+      </p:ext>
+    </p:extLst>
+  </p:cSld>
+  <p:clrMap bg1="lt1" tx1="dk1" bg2="lt2" tx2="dk2" accent1="accent1" accent2="accent2" accent3="accent3" accent4="accent4" accent5="accent5" accent6="accent6" hlink="hlink" folHlink="folHlink"/>
+  <p:notesStyle>
+    <a:lvl1pPr marL="0" algn="l" defTabSz="914400" rtl="0" eaLnBrk="1" latinLnBrk="0" hangingPunct="1">
+      <a:defRPr sz="1200" kern="1200">
+        <a:solidFill>
+          <a:schemeClr val="tx1"/>
+        </a:solidFill>
+        <a:latin typeface="+mn-lt"/>
+        <a:ea typeface="+mn-ea"/>
+        <a:cs typeface="+mn-cs"/>
+      </a:defRPr>
+    </a:lvl1pPr>
+    <a:lvl2pPr marL="457200" algn="l" defTabSz="914400" rtl="0" eaLnBrk="1" latinLnBrk="0" hangingPunct="1">
+      <a:defRPr sz="1200" kern="1200">
+        <a:solidFill>
+          <a:schemeClr val="tx1"/>
+        </a:solidFill>
+        <a:latin typeface="+mn-lt"/>
+        <a:ea typeface="+mn-ea"/>
+        <a:cs typeface="+mn-cs"/>
+      </a:defRPr>
+    </a:lvl2pPr>
+    <a:lvl3pPr marL="914400" algn="l" defTabSz="914400" rtl="0" eaLnBrk="1" latinLnBrk="0" hangingPunct="1">
+      <a:defRPr sz="1200" kern="1200">
+        <a:solidFill>
+          <a:schemeClr val="tx1"/>
+        </a:solidFill>
+        <a:latin typeface="+mn-lt"/>
+        <a:ea typeface="+mn-ea"/>
+        <a:cs typeface="+mn-cs"/>
+      </a:defRPr>
+    </a:lvl3pPr>
+    <a:lvl4pPr marL="1371600" algn="l" defTabSz="914400" rtl="0" eaLnBrk="1" latinLnBrk="0" hangingPunct="1">
+      <a:defRPr sz="1200" kern="1200">
+        <a:solidFill>
+          <a:schemeClr val="tx1"/>
+        </a:solidFill>
+        <a:latin typeface="+mn-lt"/>
+        <a:ea typeface="+mn-ea"/>
+        <a:cs typeface="+mn-cs"/>
+      </a:defRPr>
+    </a:lvl4pPr>
+    <a:lvl5pPr marL="1828800" algn="l" defTabSz="914400" rtl="0" eaLnBrk="1" latinLnBrk="0" hangingPunct="1">
+      <a:defRPr sz="1200" kern="1200">
+        <a:solidFill>
+          <a:schemeClr val="tx1"/>
+        </a:solidFill>
+        <a:latin typeface="+mn-lt"/>
+        <a:ea typeface="+mn-ea"/>
+        <a:cs typeface="+mn-cs"/>
+      </a:defRPr>
+    </a:lvl5pPr>
+    <a:lvl6pPr marL="2286000" algn="l" defTabSz="914400" rtl="0" eaLnBrk="1" latinLnBrk="0" hangingPunct="1">
+      <a:defRPr sz="1200" kern="1200">
+        <a:solidFill>
+          <a:schemeClr val="tx1"/>
+        </a:solidFill>
+        <a:latin typeface="+mn-lt"/>
+        <a:ea typeface="+mn-ea"/>
+        <a:cs typeface="+mn-cs"/>
+      </a:defRPr>
+    </a:lvl6pPr>
+    <a:lvl7pPr marL="2743200" algn="l" defTabSz="914400" rtl="0" eaLnBrk="1" latinLnBrk="0" hangingPunct="1">
+      <a:defRPr sz="1200" kern="1200">
+        <a:solidFill>
+          <a:schemeClr val="tx1"/>
+        </a:solidFill>
+        <a:latin typeface="+mn-lt"/>
+        <a:ea typeface="+mn-ea"/>
+        <a:cs typeface="+mn-cs"/>
+      </a:defRPr>
+    </a:lvl7pPr>
+    <a:lvl8pPr marL="3200400" algn="l" defTabSz="914400" rtl="0" eaLnBrk="1" latinLnBrk="0" hangingPunct="1">
+      <a:defRPr sz="1200" kern="1200">
+        <a:solidFill>
+          <a:schemeClr val="tx1"/>
+        </a:solidFill>
+        <a:latin typeface="+mn-lt"/>
+        <a:ea typeface="+mn-ea"/>
+        <a:cs typeface="+mn-cs"/>
+      </a:defRPr>
+    </a:lvl8pPr>
+    <a:lvl9pPr marL="3657600" algn="l" defTabSz="914400" rtl="0" eaLnBrk="1" latinLnBrk="0" hangingPunct="1">
+      <a:defRPr sz="1200" kern="1200">
+        <a:solidFill>
+          <a:schemeClr val="tx1"/>
+        </a:solidFill>
+        <a:latin typeface="+mn-lt"/>
+        <a:ea typeface="+mn-ea"/>
+        <a:cs typeface="+mn-cs"/>
+      </a:defRPr>
+    </a:lvl9pPr>
+  </p:notesStyle>
+</p:notesMaster>
+</file>
+
+<file path=ppt/notesSlides/notesSlide1.xml><?xml version="1.0" encoding="utf-8"?>
+<p:notes xmlns:a="http://schemas.openxmlformats.org/drawingml/2006/main" xmlns:r="http://schemas.openxmlformats.org/officeDocument/2006/relationships" xmlns:p="http://schemas.openxmlformats.org/presentationml/2006/main">
+  <p:cSld>
+    <p:spTree>
+      <p:nvGrpSpPr>
+        <p:cNvPr id="1" name=""/>
+        <p:cNvGrpSpPr/>
+        <p:nvPr/>
+      </p:nvGrpSpPr>
+      <p:grpSpPr>
+        <a:xfrm>
+          <a:off x="0" y="0"/>
+          <a:ext cx="0" cy="0"/>
+          <a:chOff x="0" y="0"/>
+          <a:chExt cx="0" cy="0"/>
+        </a:xfrm>
+      </p:grpSpPr>
+      <p:sp>
+        <p:nvSpPr>
+          <p:cNvPr id="2" name="Slide Image Placeholder 1"/>
+          <p:cNvSpPr>
+            <a:spLocks noGrp="1" noRot="1" noChangeAspect="1"/>
+          </p:cNvSpPr>
+          <p:nvPr>
+            <p:ph type="sldImg"/>
+          </p:nvPr>
+        </p:nvSpPr>
+        <p:spPr/>
+      </p:sp>
+      <p:sp>
+        <p:nvSpPr>
+          <p:cNvPr id="3" name="Notes Placeholder 2"/>
+          <p:cNvSpPr>
+            <a:spLocks noGrp="1"/>
+          </p:cNvSpPr>
+          <p:nvPr>
+            <p:ph type="body" idx="1"/>
+          </p:nvPr>
+        </p:nvSpPr>
+        <p:spPr/>
+        <p:txBody>
+          <a:bodyPr/>
+          <a:lstStyle/>
+          <a:p>
+            <a:endParaRPr lang="en-US" dirty="0"/>
+          </a:p>
+        </p:txBody>
+      </p:sp>
+      <p:sp>
+        <p:nvSpPr>
+          <p:cNvPr id="4" name="Slide Number Placeholder 3"/>
+          <p:cNvSpPr>
+            <a:spLocks noGrp="1"/>
+          </p:cNvSpPr>
+          <p:nvPr>
+            <p:ph type="sldNum" sz="quarter" idx="5"/>
+          </p:nvPr>
+        </p:nvSpPr>
+        <p:spPr/>
+        <p:txBody>
+          <a:bodyPr/>
+          <a:lstStyle/>
+          <a:p>
+            <a:fld id="{B68D2766-C49B-4C1A-9FEE-6F146754B02B}" type="slidenum">
+              <a:rPr lang="en-US" smtClean="0"/>
+              <a:t>1</a:t>
+            </a:fld>
+            <a:endParaRPr lang="en-US"/>
+          </a:p>
+        </p:txBody>
+      </p:sp>
+    </p:spTree>
+    <p:extLst>
+      <p:ext uri="{BB962C8B-B14F-4D97-AF65-F5344CB8AC3E}">
+        <p14:creationId xmlns:p14="http://schemas.microsoft.com/office/powerpoint/2010/main" val="2165066559"/>
+      </p:ext>
+    </p:extLst>
+  </p:cSld>
+  <p:clrMapOvr>
+    <a:masterClrMapping/>
+  </p:clrMapOvr>
+</p:notes>
+</file>
+
 <file path=ppt/slideLayouts/slideLayout1.xml><?xml version="1.0" encoding="utf-8"?>
 <p:sldLayout xmlns:a="http://schemas.openxmlformats.org/drawingml/2006/main" xmlns:r="http://schemas.openxmlformats.org/officeDocument/2006/relationships" xmlns:p="http://schemas.openxmlformats.org/presentationml/2006/main" type="title" preserve="1">
   <p:cSld name="Title Slide">
@@ -245,7 +685,7 @@
           <a:p>
             <a:fld id="{9347E118-E456-1F40-BBD6-4856F8C7E635}" type="datetimeFigureOut">
               <a:rPr lang="en-US" smtClean="0"/>
-              <a:t>4/24/19</a:t>
+              <a:t>8/27/19</a:t>
             </a:fld>
             <a:endParaRPr lang="en-US"/>
           </a:p>
@@ -415,7 +855,7 @@
           <a:p>
             <a:fld id="{9347E118-E456-1F40-BBD6-4856F8C7E635}" type="datetimeFigureOut">
               <a:rPr lang="en-US" smtClean="0"/>
-              <a:t>4/24/19</a:t>
+              <a:t>8/27/19</a:t>
             </a:fld>
             <a:endParaRPr lang="en-US"/>
           </a:p>
@@ -595,7 +1035,7 @@
           <a:p>
             <a:fld id="{9347E118-E456-1F40-BBD6-4856F8C7E635}" type="datetimeFigureOut">
               <a:rPr lang="en-US" smtClean="0"/>
-              <a:t>4/24/19</a:t>
+              <a:t>8/27/19</a:t>
             </a:fld>
             <a:endParaRPr lang="en-US"/>
           </a:p>
@@ -765,7 +1205,7 @@
           <a:p>
             <a:fld id="{9347E118-E456-1F40-BBD6-4856F8C7E635}" type="datetimeFigureOut">
               <a:rPr lang="en-US" smtClean="0"/>
-              <a:t>4/24/19</a:t>
+              <a:t>8/27/19</a:t>
             </a:fld>
             <a:endParaRPr lang="en-US"/>
           </a:p>
@@ -1009,7 +1449,7 @@
           <a:p>
             <a:fld id="{9347E118-E456-1F40-BBD6-4856F8C7E635}" type="datetimeFigureOut">
               <a:rPr lang="en-US" smtClean="0"/>
-              <a:t>4/24/19</a:t>
+              <a:t>8/27/19</a:t>
             </a:fld>
             <a:endParaRPr lang="en-US"/>
           </a:p>
@@ -1241,7 +1681,7 @@
           <a:p>
             <a:fld id="{9347E118-E456-1F40-BBD6-4856F8C7E635}" type="datetimeFigureOut">
               <a:rPr lang="en-US" smtClean="0"/>
-              <a:t>4/24/19</a:t>
+              <a:t>8/27/19</a:t>
             </a:fld>
             <a:endParaRPr lang="en-US"/>
           </a:p>
@@ -1608,7 +2048,7 @@
           <a:p>
             <a:fld id="{9347E118-E456-1F40-BBD6-4856F8C7E635}" type="datetimeFigureOut">
               <a:rPr lang="en-US" smtClean="0"/>
-              <a:t>4/24/19</a:t>
+              <a:t>8/27/19</a:t>
             </a:fld>
             <a:endParaRPr lang="en-US"/>
           </a:p>
@@ -1726,7 +2166,7 @@
           <a:p>
             <a:fld id="{9347E118-E456-1F40-BBD6-4856F8C7E635}" type="datetimeFigureOut">
               <a:rPr lang="en-US" smtClean="0"/>
-              <a:t>4/24/19</a:t>
+              <a:t>8/27/19</a:t>
             </a:fld>
             <a:endParaRPr lang="en-US"/>
           </a:p>
@@ -1821,7 +2261,7 @@
           <a:p>
             <a:fld id="{9347E118-E456-1F40-BBD6-4856F8C7E635}" type="datetimeFigureOut">
               <a:rPr lang="en-US" smtClean="0"/>
-              <a:t>4/24/19</a:t>
+              <a:t>8/27/19</a:t>
             </a:fld>
             <a:endParaRPr lang="en-US"/>
           </a:p>
@@ -2098,7 +2538,7 @@
           <a:p>
             <a:fld id="{9347E118-E456-1F40-BBD6-4856F8C7E635}" type="datetimeFigureOut">
               <a:rPr lang="en-US" smtClean="0"/>
-              <a:t>4/24/19</a:t>
+              <a:t>8/27/19</a:t>
             </a:fld>
             <a:endParaRPr lang="en-US"/>
           </a:p>
@@ -2355,7 +2795,7 @@
           <a:p>
             <a:fld id="{9347E118-E456-1F40-BBD6-4856F8C7E635}" type="datetimeFigureOut">
               <a:rPr lang="en-US" smtClean="0"/>
-              <a:t>4/24/19</a:t>
+              <a:t>8/27/19</a:t>
             </a:fld>
             <a:endParaRPr lang="en-US"/>
           </a:p>
@@ -2568,7 +3008,7 @@
           <a:p>
             <a:fld id="{9347E118-E456-1F40-BBD6-4856F8C7E635}" type="datetimeFigureOut">
               <a:rPr lang="en-US" smtClean="0"/>
-              <a:t>4/24/19</a:t>
+              <a:t>8/27/19</a:t>
             </a:fld>
             <a:endParaRPr lang="en-US"/>
           </a:p>
@@ -2973,6 +3413,4849 @@
           <a:chExt cx="0" cy="0"/>
         </a:xfrm>
       </p:grpSpPr>
+      <p:grpSp>
+        <p:nvGrpSpPr>
+          <p:cNvPr id="33" name="Group 32">
+            <a:extLst>
+              <a:ext uri="{FF2B5EF4-FFF2-40B4-BE49-F238E27FC236}">
+                <a16:creationId xmlns:a16="http://schemas.microsoft.com/office/drawing/2014/main" id="{CDA72E83-F87C-AA46-8F59-5ED51B9934FA}"/>
+              </a:ext>
+            </a:extLst>
+          </p:cNvPr>
+          <p:cNvGrpSpPr/>
+          <p:nvPr/>
+        </p:nvGrpSpPr>
+        <p:grpSpPr>
+          <a:xfrm>
+            <a:off x="1489902" y="1753528"/>
+            <a:ext cx="6578335" cy="3836858"/>
+            <a:chOff x="384220" y="1743254"/>
+            <a:chExt cx="6578335" cy="3836858"/>
+          </a:xfrm>
+        </p:grpSpPr>
+        <p:cxnSp>
+          <p:nvCxnSpPr>
+            <p:cNvPr id="71" name="40 Conector recto">
+              <a:extLst>
+                <a:ext uri="{FF2B5EF4-FFF2-40B4-BE49-F238E27FC236}">
+                  <a16:creationId xmlns:a16="http://schemas.microsoft.com/office/drawing/2014/main" id="{CFDAD28D-D8A6-5442-8D48-D71F60757076}"/>
+                </a:ext>
+              </a:extLst>
+            </p:cNvPr>
+            <p:cNvCxnSpPr>
+              <a:cxnSpLocks/>
+            </p:cNvCxnSpPr>
+            <p:nvPr/>
+          </p:nvCxnSpPr>
+          <p:spPr>
+            <a:xfrm flipV="1">
+              <a:off x="1406829" y="1849074"/>
+              <a:ext cx="0" cy="1612641"/>
+            </a:xfrm>
+            <a:prstGeom prst="line">
+              <a:avLst/>
+            </a:prstGeom>
+            <a:ln w="12700">
+              <a:solidFill>
+                <a:schemeClr val="tx1">
+                  <a:lumMod val="65000"/>
+                  <a:lumOff val="35000"/>
+                </a:schemeClr>
+              </a:solidFill>
+            </a:ln>
+          </p:spPr>
+          <p:style>
+            <a:lnRef idx="1">
+              <a:schemeClr val="accent1"/>
+            </a:lnRef>
+            <a:fillRef idx="0">
+              <a:schemeClr val="accent1"/>
+            </a:fillRef>
+            <a:effectRef idx="0">
+              <a:schemeClr val="accent1"/>
+            </a:effectRef>
+            <a:fontRef idx="minor">
+              <a:schemeClr val="tx1"/>
+            </a:fontRef>
+          </p:style>
+        </p:cxnSp>
+        <p:cxnSp>
+          <p:nvCxnSpPr>
+            <p:cNvPr id="64" name="40 Conector recto">
+              <a:extLst>
+                <a:ext uri="{FF2B5EF4-FFF2-40B4-BE49-F238E27FC236}">
+                  <a16:creationId xmlns:a16="http://schemas.microsoft.com/office/drawing/2014/main" id="{94E227CE-11C4-024D-ABD6-CF269E8EFB1B}"/>
+                </a:ext>
+              </a:extLst>
+            </p:cNvPr>
+            <p:cNvCxnSpPr>
+              <a:cxnSpLocks/>
+            </p:cNvCxnSpPr>
+            <p:nvPr/>
+          </p:nvCxnSpPr>
+          <p:spPr>
+            <a:xfrm flipV="1">
+              <a:off x="2537599" y="2139956"/>
+              <a:ext cx="4124" cy="1317916"/>
+            </a:xfrm>
+            <a:prstGeom prst="line">
+              <a:avLst/>
+            </a:prstGeom>
+            <a:ln w="12700">
+              <a:solidFill>
+                <a:schemeClr val="tx1">
+                  <a:lumMod val="65000"/>
+                  <a:lumOff val="35000"/>
+                </a:schemeClr>
+              </a:solidFill>
+            </a:ln>
+          </p:spPr>
+          <p:style>
+            <a:lnRef idx="1">
+              <a:schemeClr val="accent1"/>
+            </a:lnRef>
+            <a:fillRef idx="0">
+              <a:schemeClr val="accent1"/>
+            </a:fillRef>
+            <a:effectRef idx="0">
+              <a:schemeClr val="accent1"/>
+            </a:effectRef>
+            <a:fontRef idx="minor">
+              <a:schemeClr val="tx1"/>
+            </a:fontRef>
+          </p:style>
+        </p:cxnSp>
+        <p:cxnSp>
+          <p:nvCxnSpPr>
+            <p:cNvPr id="65" name="40 Conector recto">
+              <a:extLst>
+                <a:ext uri="{FF2B5EF4-FFF2-40B4-BE49-F238E27FC236}">
+                  <a16:creationId xmlns:a16="http://schemas.microsoft.com/office/drawing/2014/main" id="{3F967D21-B4E5-2E48-B48D-E0965735EB7B}"/>
+                </a:ext>
+              </a:extLst>
+            </p:cNvPr>
+            <p:cNvCxnSpPr>
+              <a:cxnSpLocks/>
+            </p:cNvCxnSpPr>
+            <p:nvPr/>
+          </p:nvCxnSpPr>
+          <p:spPr>
+            <a:xfrm flipV="1">
+              <a:off x="3456081" y="2133946"/>
+              <a:ext cx="4124" cy="1317916"/>
+            </a:xfrm>
+            <a:prstGeom prst="line">
+              <a:avLst/>
+            </a:prstGeom>
+            <a:ln w="12700">
+              <a:solidFill>
+                <a:schemeClr val="tx1">
+                  <a:lumMod val="65000"/>
+                  <a:lumOff val="35000"/>
+                </a:schemeClr>
+              </a:solidFill>
+            </a:ln>
+          </p:spPr>
+          <p:style>
+            <a:lnRef idx="1">
+              <a:schemeClr val="accent1"/>
+            </a:lnRef>
+            <a:fillRef idx="0">
+              <a:schemeClr val="accent1"/>
+            </a:fillRef>
+            <a:effectRef idx="0">
+              <a:schemeClr val="accent1"/>
+            </a:effectRef>
+            <a:fontRef idx="minor">
+              <a:schemeClr val="tx1"/>
+            </a:fontRef>
+          </p:style>
+        </p:cxnSp>
+        <p:cxnSp>
+          <p:nvCxnSpPr>
+            <p:cNvPr id="162" name="Straight Connector 161">
+              <a:extLst>
+                <a:ext uri="{FF2B5EF4-FFF2-40B4-BE49-F238E27FC236}">
+                  <a16:creationId xmlns:a16="http://schemas.microsoft.com/office/drawing/2014/main" id="{BC0B9CA1-6DD7-024C-A3F5-57E1481794B6}"/>
+                </a:ext>
+              </a:extLst>
+            </p:cNvPr>
+            <p:cNvCxnSpPr>
+              <a:cxnSpLocks/>
+            </p:cNvCxnSpPr>
+            <p:nvPr/>
+          </p:nvCxnSpPr>
+          <p:spPr>
+            <a:xfrm>
+              <a:off x="1191196" y="3328346"/>
+              <a:ext cx="0" cy="130154"/>
+            </a:xfrm>
+            <a:prstGeom prst="line">
+              <a:avLst/>
+            </a:prstGeom>
+            <a:ln w="9525">
+              <a:solidFill>
+                <a:schemeClr val="tx1">
+                  <a:lumMod val="65000"/>
+                  <a:lumOff val="35000"/>
+                </a:schemeClr>
+              </a:solidFill>
+            </a:ln>
+          </p:spPr>
+          <p:style>
+            <a:lnRef idx="1">
+              <a:schemeClr val="accent1"/>
+            </a:lnRef>
+            <a:fillRef idx="0">
+              <a:schemeClr val="accent1"/>
+            </a:fillRef>
+            <a:effectRef idx="0">
+              <a:schemeClr val="accent1"/>
+            </a:effectRef>
+            <a:fontRef idx="minor">
+              <a:schemeClr val="tx1"/>
+            </a:fontRef>
+          </p:style>
+        </p:cxnSp>
+        <p:cxnSp>
+          <p:nvCxnSpPr>
+            <p:cNvPr id="157" name="Straight Connector 156">
+              <a:extLst>
+                <a:ext uri="{FF2B5EF4-FFF2-40B4-BE49-F238E27FC236}">
+                  <a16:creationId xmlns:a16="http://schemas.microsoft.com/office/drawing/2014/main" id="{28467253-7E87-674A-B78D-4EFD854F5652}"/>
+                </a:ext>
+              </a:extLst>
+            </p:cNvPr>
+            <p:cNvCxnSpPr>
+              <a:cxnSpLocks/>
+            </p:cNvCxnSpPr>
+            <p:nvPr/>
+          </p:nvCxnSpPr>
+          <p:spPr>
+            <a:xfrm>
+              <a:off x="1669911" y="3328346"/>
+              <a:ext cx="0" cy="130154"/>
+            </a:xfrm>
+            <a:prstGeom prst="line">
+              <a:avLst/>
+            </a:prstGeom>
+            <a:ln w="9525">
+              <a:solidFill>
+                <a:schemeClr val="tx1">
+                  <a:lumMod val="65000"/>
+                  <a:lumOff val="35000"/>
+                </a:schemeClr>
+              </a:solidFill>
+            </a:ln>
+          </p:spPr>
+          <p:style>
+            <a:lnRef idx="1">
+              <a:schemeClr val="accent1"/>
+            </a:lnRef>
+            <a:fillRef idx="0">
+              <a:schemeClr val="accent1"/>
+            </a:fillRef>
+            <a:effectRef idx="0">
+              <a:schemeClr val="accent1"/>
+            </a:effectRef>
+            <a:fontRef idx="minor">
+              <a:schemeClr val="tx1"/>
+            </a:fontRef>
+          </p:style>
+        </p:cxnSp>
+        <p:cxnSp>
+          <p:nvCxnSpPr>
+            <p:cNvPr id="148" name="Straight Connector 147">
+              <a:extLst>
+                <a:ext uri="{FF2B5EF4-FFF2-40B4-BE49-F238E27FC236}">
+                  <a16:creationId xmlns:a16="http://schemas.microsoft.com/office/drawing/2014/main" id="{99B6B09F-38DE-924F-B103-87FF3D2B0349}"/>
+                </a:ext>
+              </a:extLst>
+            </p:cNvPr>
+            <p:cNvCxnSpPr>
+              <a:cxnSpLocks/>
+            </p:cNvCxnSpPr>
+            <p:nvPr/>
+          </p:nvCxnSpPr>
+          <p:spPr>
+            <a:xfrm>
+              <a:off x="2017781" y="3331598"/>
+              <a:ext cx="0" cy="130154"/>
+            </a:xfrm>
+            <a:prstGeom prst="line">
+              <a:avLst/>
+            </a:prstGeom>
+            <a:ln w="9525">
+              <a:solidFill>
+                <a:schemeClr val="tx1">
+                  <a:lumMod val="65000"/>
+                  <a:lumOff val="35000"/>
+                </a:schemeClr>
+              </a:solidFill>
+            </a:ln>
+          </p:spPr>
+          <p:style>
+            <a:lnRef idx="1">
+              <a:schemeClr val="accent1"/>
+            </a:lnRef>
+            <a:fillRef idx="0">
+              <a:schemeClr val="accent1"/>
+            </a:fillRef>
+            <a:effectRef idx="0">
+              <a:schemeClr val="accent1"/>
+            </a:effectRef>
+            <a:fontRef idx="minor">
+              <a:schemeClr val="tx1"/>
+            </a:fontRef>
+          </p:style>
+        </p:cxnSp>
+        <p:cxnSp>
+          <p:nvCxnSpPr>
+            <p:cNvPr id="144" name="Straight Connector 143">
+              <a:extLst>
+                <a:ext uri="{FF2B5EF4-FFF2-40B4-BE49-F238E27FC236}">
+                  <a16:creationId xmlns:a16="http://schemas.microsoft.com/office/drawing/2014/main" id="{990CC7EC-C3D6-7040-8C2B-B5F598C34680}"/>
+                </a:ext>
+              </a:extLst>
+            </p:cNvPr>
+            <p:cNvCxnSpPr>
+              <a:cxnSpLocks/>
+            </p:cNvCxnSpPr>
+            <p:nvPr/>
+          </p:nvCxnSpPr>
+          <p:spPr>
+            <a:xfrm>
+              <a:off x="2473787" y="3330373"/>
+              <a:ext cx="0" cy="130154"/>
+            </a:xfrm>
+            <a:prstGeom prst="line">
+              <a:avLst/>
+            </a:prstGeom>
+            <a:ln w="9525">
+              <a:solidFill>
+                <a:schemeClr val="tx1">
+                  <a:lumMod val="65000"/>
+                  <a:lumOff val="35000"/>
+                </a:schemeClr>
+              </a:solidFill>
+            </a:ln>
+          </p:spPr>
+          <p:style>
+            <a:lnRef idx="1">
+              <a:schemeClr val="accent1"/>
+            </a:lnRef>
+            <a:fillRef idx="0">
+              <a:schemeClr val="accent1"/>
+            </a:fillRef>
+            <a:effectRef idx="0">
+              <a:schemeClr val="accent1"/>
+            </a:effectRef>
+            <a:fontRef idx="minor">
+              <a:schemeClr val="tx1"/>
+            </a:fontRef>
+          </p:style>
+        </p:cxnSp>
+        <p:cxnSp>
+          <p:nvCxnSpPr>
+            <p:cNvPr id="142" name="Straight Connector 141">
+              <a:extLst>
+                <a:ext uri="{FF2B5EF4-FFF2-40B4-BE49-F238E27FC236}">
+                  <a16:creationId xmlns:a16="http://schemas.microsoft.com/office/drawing/2014/main" id="{3A9EA9D9-0D59-C74F-B5AF-FABF926BCACA}"/>
+                </a:ext>
+              </a:extLst>
+            </p:cNvPr>
+            <p:cNvCxnSpPr>
+              <a:cxnSpLocks/>
+            </p:cNvCxnSpPr>
+            <p:nvPr/>
+          </p:nvCxnSpPr>
+          <p:spPr>
+            <a:xfrm>
+              <a:off x="2986285" y="3323163"/>
+              <a:ext cx="0" cy="130154"/>
+            </a:xfrm>
+            <a:prstGeom prst="line">
+              <a:avLst/>
+            </a:prstGeom>
+            <a:ln w="9525">
+              <a:solidFill>
+                <a:schemeClr val="tx1">
+                  <a:lumMod val="65000"/>
+                  <a:lumOff val="35000"/>
+                </a:schemeClr>
+              </a:solidFill>
+            </a:ln>
+          </p:spPr>
+          <p:style>
+            <a:lnRef idx="1">
+              <a:schemeClr val="accent1"/>
+            </a:lnRef>
+            <a:fillRef idx="0">
+              <a:schemeClr val="accent1"/>
+            </a:fillRef>
+            <a:effectRef idx="0">
+              <a:schemeClr val="accent1"/>
+            </a:effectRef>
+            <a:fontRef idx="minor">
+              <a:schemeClr val="tx1"/>
+            </a:fontRef>
+          </p:style>
+        </p:cxnSp>
+        <p:cxnSp>
+          <p:nvCxnSpPr>
+            <p:cNvPr id="133" name="Straight Connector 132">
+              <a:extLst>
+                <a:ext uri="{FF2B5EF4-FFF2-40B4-BE49-F238E27FC236}">
+                  <a16:creationId xmlns:a16="http://schemas.microsoft.com/office/drawing/2014/main" id="{E47AB478-01CB-9F47-BDBD-82383B06936A}"/>
+                </a:ext>
+              </a:extLst>
+            </p:cNvPr>
+            <p:cNvCxnSpPr>
+              <a:cxnSpLocks/>
+            </p:cNvCxnSpPr>
+            <p:nvPr/>
+          </p:nvCxnSpPr>
+          <p:spPr>
+            <a:xfrm>
+              <a:off x="3640496" y="3320506"/>
+              <a:ext cx="0" cy="130154"/>
+            </a:xfrm>
+            <a:prstGeom prst="line">
+              <a:avLst/>
+            </a:prstGeom>
+            <a:ln w="9525">
+              <a:solidFill>
+                <a:schemeClr val="tx1">
+                  <a:lumMod val="65000"/>
+                  <a:lumOff val="35000"/>
+                </a:schemeClr>
+              </a:solidFill>
+            </a:ln>
+          </p:spPr>
+          <p:style>
+            <a:lnRef idx="1">
+              <a:schemeClr val="accent1"/>
+            </a:lnRef>
+            <a:fillRef idx="0">
+              <a:schemeClr val="accent1"/>
+            </a:fillRef>
+            <a:effectRef idx="0">
+              <a:schemeClr val="accent1"/>
+            </a:effectRef>
+            <a:fontRef idx="minor">
+              <a:schemeClr val="tx1"/>
+            </a:fontRef>
+          </p:style>
+        </p:cxnSp>
+        <p:cxnSp>
+          <p:nvCxnSpPr>
+            <p:cNvPr id="135" name="Straight Connector 134">
+              <a:extLst>
+                <a:ext uri="{FF2B5EF4-FFF2-40B4-BE49-F238E27FC236}">
+                  <a16:creationId xmlns:a16="http://schemas.microsoft.com/office/drawing/2014/main" id="{C9B14E8E-0FC1-EF4D-B7FA-95B5A9F270D8}"/>
+                </a:ext>
+              </a:extLst>
+            </p:cNvPr>
+            <p:cNvCxnSpPr>
+              <a:cxnSpLocks/>
+            </p:cNvCxnSpPr>
+            <p:nvPr/>
+          </p:nvCxnSpPr>
+          <p:spPr>
+            <a:xfrm flipH="1">
+              <a:off x="3401349" y="3320506"/>
+              <a:ext cx="978" cy="138171"/>
+            </a:xfrm>
+            <a:prstGeom prst="line">
+              <a:avLst/>
+            </a:prstGeom>
+            <a:ln w="9525">
+              <a:solidFill>
+                <a:schemeClr val="tx1">
+                  <a:lumMod val="65000"/>
+                  <a:lumOff val="35000"/>
+                </a:schemeClr>
+              </a:solidFill>
+            </a:ln>
+          </p:spPr>
+          <p:style>
+            <a:lnRef idx="1">
+              <a:schemeClr val="accent1"/>
+            </a:lnRef>
+            <a:fillRef idx="0">
+              <a:schemeClr val="accent1"/>
+            </a:fillRef>
+            <a:effectRef idx="0">
+              <a:schemeClr val="accent1"/>
+            </a:effectRef>
+            <a:fontRef idx="minor">
+              <a:schemeClr val="tx1"/>
+            </a:fontRef>
+          </p:style>
+        </p:cxnSp>
+        <p:cxnSp>
+          <p:nvCxnSpPr>
+            <p:cNvPr id="108" name="Straight Connector 107">
+              <a:extLst>
+                <a:ext uri="{FF2B5EF4-FFF2-40B4-BE49-F238E27FC236}">
+                  <a16:creationId xmlns:a16="http://schemas.microsoft.com/office/drawing/2014/main" id="{72B4D89F-802A-3743-B67A-11FA6604D65E}"/>
+                </a:ext>
+              </a:extLst>
+            </p:cNvPr>
+            <p:cNvCxnSpPr>
+              <a:cxnSpLocks/>
+            </p:cNvCxnSpPr>
+            <p:nvPr/>
+          </p:nvCxnSpPr>
+          <p:spPr>
+            <a:xfrm>
+              <a:off x="4135299" y="3321273"/>
+              <a:ext cx="0" cy="130154"/>
+            </a:xfrm>
+            <a:prstGeom prst="line">
+              <a:avLst/>
+            </a:prstGeom>
+            <a:ln w="9525">
+              <a:solidFill>
+                <a:schemeClr val="tx1">
+                  <a:lumMod val="65000"/>
+                  <a:lumOff val="35000"/>
+                </a:schemeClr>
+              </a:solidFill>
+            </a:ln>
+          </p:spPr>
+          <p:style>
+            <a:lnRef idx="1">
+              <a:schemeClr val="accent1"/>
+            </a:lnRef>
+            <a:fillRef idx="0">
+              <a:schemeClr val="accent1"/>
+            </a:fillRef>
+            <a:effectRef idx="0">
+              <a:schemeClr val="accent1"/>
+            </a:effectRef>
+            <a:fontRef idx="minor">
+              <a:schemeClr val="tx1"/>
+            </a:fontRef>
+          </p:style>
+        </p:cxnSp>
+        <p:sp>
+          <p:nvSpPr>
+            <p:cNvPr id="92" name="Rectangle 91">
+              <a:extLst>
+                <a:ext uri="{FF2B5EF4-FFF2-40B4-BE49-F238E27FC236}">
+                  <a16:creationId xmlns:a16="http://schemas.microsoft.com/office/drawing/2014/main" id="{ED806C97-1F68-9645-A8E7-45F47064A930}"/>
+                </a:ext>
+              </a:extLst>
+            </p:cNvPr>
+            <p:cNvSpPr/>
+            <p:nvPr/>
+          </p:nvSpPr>
+          <p:spPr>
+            <a:xfrm>
+              <a:off x="595359" y="5008126"/>
+              <a:ext cx="5576104" cy="534200"/>
+            </a:xfrm>
+            <a:prstGeom prst="rect">
+              <a:avLst/>
+            </a:prstGeom>
+            <a:solidFill>
+              <a:schemeClr val="bg1">
+                <a:lumMod val="85000"/>
+              </a:schemeClr>
+            </a:solidFill>
+            <a:ln w="9525">
+              <a:noFill/>
+            </a:ln>
+          </p:spPr>
+          <p:style>
+            <a:lnRef idx="2">
+              <a:schemeClr val="accent1">
+                <a:shade val="50000"/>
+              </a:schemeClr>
+            </a:lnRef>
+            <a:fillRef idx="1">
+              <a:schemeClr val="accent1"/>
+            </a:fillRef>
+            <a:effectRef idx="0">
+              <a:schemeClr val="accent1"/>
+            </a:effectRef>
+            <a:fontRef idx="minor">
+              <a:schemeClr val="lt1"/>
+            </a:fontRef>
+          </p:style>
+          <p:txBody>
+            <a:bodyPr rtlCol="0" anchor="t"/>
+            <a:lstStyle/>
+            <a:p>
+              <a:pPr>
+                <a:spcBef>
+                  <a:spcPts val="600"/>
+                </a:spcBef>
+              </a:pPr>
+              <a:endParaRPr lang="en-US" sz="1050" i="1" dirty="0">
+                <a:solidFill>
+                  <a:schemeClr val="tx1">
+                    <a:lumMod val="65000"/>
+                    <a:lumOff val="35000"/>
+                  </a:schemeClr>
+                </a:solidFill>
+                <a:latin typeface="Arial" panose="020B0604020202020204" pitchFamily="34" charset="0"/>
+                <a:cs typeface="Arial" panose="020B0604020202020204" pitchFamily="34" charset="0"/>
+              </a:endParaRPr>
+            </a:p>
+          </p:txBody>
+        </p:sp>
+        <p:cxnSp>
+          <p:nvCxnSpPr>
+            <p:cNvPr id="446" name="40 Conector recto">
+              <a:extLst>
+                <a:ext uri="{FF2B5EF4-FFF2-40B4-BE49-F238E27FC236}">
+                  <a16:creationId xmlns:a16="http://schemas.microsoft.com/office/drawing/2014/main" id="{BCC49EBA-B4C1-404C-82FA-B7391AB87B6D}"/>
+                </a:ext>
+              </a:extLst>
+            </p:cNvPr>
+            <p:cNvCxnSpPr>
+              <a:cxnSpLocks/>
+              <a:stCxn id="438" idx="0"/>
+            </p:cNvCxnSpPr>
+            <p:nvPr/>
+          </p:nvCxnSpPr>
+          <p:spPr>
+            <a:xfrm flipV="1">
+              <a:off x="4334715" y="1794933"/>
+              <a:ext cx="0" cy="1612641"/>
+            </a:xfrm>
+            <a:prstGeom prst="line">
+              <a:avLst/>
+            </a:prstGeom>
+            <a:ln w="12700">
+              <a:solidFill>
+                <a:schemeClr val="tx1">
+                  <a:lumMod val="65000"/>
+                  <a:lumOff val="35000"/>
+                </a:schemeClr>
+              </a:solidFill>
+            </a:ln>
+          </p:spPr>
+          <p:style>
+            <a:lnRef idx="1">
+              <a:schemeClr val="accent1"/>
+            </a:lnRef>
+            <a:fillRef idx="0">
+              <a:schemeClr val="accent1"/>
+            </a:fillRef>
+            <a:effectRef idx="0">
+              <a:schemeClr val="accent1"/>
+            </a:effectRef>
+            <a:fontRef idx="minor">
+              <a:schemeClr val="tx1"/>
+            </a:fontRef>
+          </p:style>
+        </p:cxnSp>
+        <p:cxnSp>
+          <p:nvCxnSpPr>
+            <p:cNvPr id="9" name="40 Conector recto"/>
+            <p:cNvCxnSpPr>
+              <a:cxnSpLocks/>
+            </p:cNvCxnSpPr>
+            <p:nvPr/>
+          </p:nvCxnSpPr>
+          <p:spPr>
+            <a:xfrm flipV="1">
+              <a:off x="668885" y="2147194"/>
+              <a:ext cx="0" cy="1313223"/>
+            </a:xfrm>
+            <a:prstGeom prst="line">
+              <a:avLst/>
+            </a:prstGeom>
+            <a:ln w="12700">
+              <a:solidFill>
+                <a:schemeClr val="tx1">
+                  <a:lumMod val="65000"/>
+                  <a:lumOff val="35000"/>
+                </a:schemeClr>
+              </a:solidFill>
+            </a:ln>
+          </p:spPr>
+          <p:style>
+            <a:lnRef idx="1">
+              <a:schemeClr val="accent1"/>
+            </a:lnRef>
+            <a:fillRef idx="0">
+              <a:schemeClr val="accent1"/>
+            </a:fillRef>
+            <a:effectRef idx="0">
+              <a:schemeClr val="accent1"/>
+            </a:effectRef>
+            <a:fontRef idx="minor">
+              <a:schemeClr val="tx1"/>
+            </a:fontRef>
+          </p:style>
+        </p:cxnSp>
+        <p:sp>
+          <p:nvSpPr>
+            <p:cNvPr id="267" name="Rectangle 266">
+              <a:extLst>
+                <a:ext uri="{FF2B5EF4-FFF2-40B4-BE49-F238E27FC236}">
+                  <a16:creationId xmlns:a16="http://schemas.microsoft.com/office/drawing/2014/main" id="{19C204D0-A0DB-9243-A6DE-FDCF03846A0A}"/>
+                </a:ext>
+              </a:extLst>
+            </p:cNvPr>
+            <p:cNvSpPr/>
+            <p:nvPr/>
+          </p:nvSpPr>
+          <p:spPr>
+            <a:xfrm>
+              <a:off x="603977" y="3460415"/>
+              <a:ext cx="5567916" cy="1529811"/>
+            </a:xfrm>
+            <a:prstGeom prst="rect">
+              <a:avLst/>
+            </a:prstGeom>
+            <a:solidFill>
+              <a:schemeClr val="bg1">
+                <a:lumMod val="95000"/>
+              </a:schemeClr>
+            </a:solidFill>
+            <a:ln w="9525">
+              <a:noFill/>
+            </a:ln>
+          </p:spPr>
+          <p:style>
+            <a:lnRef idx="2">
+              <a:schemeClr val="accent1">
+                <a:shade val="50000"/>
+              </a:schemeClr>
+            </a:lnRef>
+            <a:fillRef idx="1">
+              <a:schemeClr val="accent1"/>
+            </a:fillRef>
+            <a:effectRef idx="0">
+              <a:schemeClr val="accent1"/>
+            </a:effectRef>
+            <a:fontRef idx="minor">
+              <a:schemeClr val="lt1"/>
+            </a:fontRef>
+          </p:style>
+          <p:txBody>
+            <a:bodyPr rtlCol="0" anchor="t"/>
+            <a:lstStyle/>
+            <a:p>
+              <a:pPr>
+                <a:spcBef>
+                  <a:spcPts val="600"/>
+                </a:spcBef>
+              </a:pPr>
+              <a:endParaRPr lang="en-US" sz="1050" i="1" dirty="0">
+                <a:solidFill>
+                  <a:schemeClr val="tx1">
+                    <a:lumMod val="65000"/>
+                    <a:lumOff val="35000"/>
+                  </a:schemeClr>
+                </a:solidFill>
+                <a:latin typeface="Arial" panose="020B0604020202020204" pitchFamily="34" charset="0"/>
+                <a:cs typeface="Arial" panose="020B0604020202020204" pitchFamily="34" charset="0"/>
+              </a:endParaRPr>
+            </a:p>
+          </p:txBody>
+        </p:sp>
+        <p:cxnSp>
+          <p:nvCxnSpPr>
+            <p:cNvPr id="4" name="18 Conector recto"/>
+            <p:cNvCxnSpPr>
+              <a:cxnSpLocks/>
+              <a:stCxn id="363" idx="2"/>
+              <a:endCxn id="496" idx="6"/>
+            </p:cNvCxnSpPr>
+            <p:nvPr/>
+          </p:nvCxnSpPr>
+          <p:spPr>
+            <a:xfrm flipV="1">
+              <a:off x="629262" y="3451427"/>
+              <a:ext cx="5579366" cy="10410"/>
+            </a:xfrm>
+            <a:prstGeom prst="line">
+              <a:avLst/>
+            </a:prstGeom>
+            <a:ln w="15875">
+              <a:solidFill>
+                <a:schemeClr val="tx1">
+                  <a:lumMod val="65000"/>
+                  <a:lumOff val="35000"/>
+                </a:schemeClr>
+              </a:solidFill>
+            </a:ln>
+          </p:spPr>
+          <p:style>
+            <a:lnRef idx="1">
+              <a:schemeClr val="accent1"/>
+            </a:lnRef>
+            <a:fillRef idx="0">
+              <a:schemeClr val="accent1"/>
+            </a:fillRef>
+            <a:effectRef idx="0">
+              <a:schemeClr val="accent1"/>
+            </a:effectRef>
+            <a:fontRef idx="minor">
+              <a:schemeClr val="tx1"/>
+            </a:fontRef>
+          </p:style>
+        </p:cxnSp>
+        <p:sp>
+          <p:nvSpPr>
+            <p:cNvPr id="56" name="Rectangle 55"/>
+            <p:cNvSpPr/>
+            <p:nvPr/>
+          </p:nvSpPr>
+          <p:spPr>
+            <a:xfrm>
+              <a:off x="624107" y="2106041"/>
+              <a:ext cx="743617" cy="707886"/>
+            </a:xfrm>
+            <a:prstGeom prst="rect">
+              <a:avLst/>
+            </a:prstGeom>
+          </p:spPr>
+          <p:txBody>
+            <a:bodyPr wrap="square">
+              <a:spAutoFit/>
+            </a:bodyPr>
+            <a:lstStyle/>
+            <a:p>
+              <a:r>
+                <a:rPr lang="en-US" sz="800" dirty="0">
+                  <a:solidFill>
+                    <a:schemeClr val="tx1">
+                      <a:lumMod val="95000"/>
+                      <a:lumOff val="5000"/>
+                    </a:schemeClr>
+                  </a:solidFill>
+                  <a:latin typeface="Arial" panose="020B0604020202020204" pitchFamily="34" charset="0"/>
+                  <a:cs typeface="Arial" panose="020B0604020202020204" pitchFamily="34" charset="0"/>
+                </a:rPr>
+                <a:t>Broodstock collected from Mud Bay, Bremerton</a:t>
+              </a:r>
+            </a:p>
+          </p:txBody>
+        </p:sp>
+        <p:sp>
+          <p:nvSpPr>
+            <p:cNvPr id="112" name="Rectangle 111">
+              <a:extLst>
+                <a:ext uri="{FF2B5EF4-FFF2-40B4-BE49-F238E27FC236}">
+                  <a16:creationId xmlns:a16="http://schemas.microsoft.com/office/drawing/2014/main" id="{12D56CDE-E781-DF4A-A372-E62F922CEBFC}"/>
+                </a:ext>
+              </a:extLst>
+            </p:cNvPr>
+            <p:cNvSpPr/>
+            <p:nvPr/>
+          </p:nvSpPr>
+          <p:spPr>
+            <a:xfrm>
+              <a:off x="1357527" y="1795139"/>
+              <a:ext cx="706802" cy="461665"/>
+            </a:xfrm>
+            <a:prstGeom prst="rect">
+              <a:avLst/>
+            </a:prstGeom>
+          </p:spPr>
+          <p:txBody>
+            <a:bodyPr wrap="square">
+              <a:spAutoFit/>
+            </a:bodyPr>
+            <a:lstStyle/>
+            <a:p>
+              <a:r>
+                <a:rPr lang="en-US" sz="800" dirty="0">
+                  <a:solidFill>
+                    <a:srgbClr val="2066AC"/>
+                  </a:solidFill>
+                  <a:latin typeface="Arial" panose="020B0604020202020204" pitchFamily="34" charset="0"/>
+                  <a:cs typeface="Arial" panose="020B0604020202020204" pitchFamily="34" charset="0"/>
+                </a:rPr>
+                <a:t>Broodstock into winter treatments</a:t>
+              </a:r>
+            </a:p>
+          </p:txBody>
+        </p:sp>
+        <p:sp>
+          <p:nvSpPr>
+            <p:cNvPr id="117" name="Rectangle 116">
+              <a:extLst>
+                <a:ext uri="{FF2B5EF4-FFF2-40B4-BE49-F238E27FC236}">
+                  <a16:creationId xmlns:a16="http://schemas.microsoft.com/office/drawing/2014/main" id="{313E0CD4-DDCF-8844-898A-A6DF73EE2DE3}"/>
+                </a:ext>
+              </a:extLst>
+            </p:cNvPr>
+            <p:cNvSpPr/>
+            <p:nvPr/>
+          </p:nvSpPr>
+          <p:spPr>
+            <a:xfrm>
+              <a:off x="2479860" y="2111232"/>
+              <a:ext cx="796639" cy="707886"/>
+            </a:xfrm>
+            <a:prstGeom prst="rect">
+              <a:avLst/>
+            </a:prstGeom>
+          </p:spPr>
+          <p:txBody>
+            <a:bodyPr wrap="square">
+              <a:spAutoFit/>
+            </a:bodyPr>
+            <a:lstStyle/>
+            <a:p>
+              <a:r>
+                <a:rPr lang="en-US" sz="800" dirty="0">
+                  <a:solidFill>
+                    <a:schemeClr val="tx1">
+                      <a:lumMod val="95000"/>
+                      <a:lumOff val="5000"/>
+                    </a:schemeClr>
+                  </a:solidFill>
+                  <a:latin typeface="Arial" panose="020B0604020202020204" pitchFamily="34" charset="0"/>
+                  <a:cs typeface="Arial" panose="020B0604020202020204" pitchFamily="34" charset="0"/>
+                </a:rPr>
+                <a:t>47-day exposure ends, spawning begins</a:t>
+              </a:r>
+            </a:p>
+          </p:txBody>
+        </p:sp>
+        <p:sp>
+          <p:nvSpPr>
+            <p:cNvPr id="126" name="Rectangle 125">
+              <a:extLst>
+                <a:ext uri="{FF2B5EF4-FFF2-40B4-BE49-F238E27FC236}">
+                  <a16:creationId xmlns:a16="http://schemas.microsoft.com/office/drawing/2014/main" id="{D961CE0E-2E18-A044-8DD5-B6EC54AF21B8}"/>
+                </a:ext>
+              </a:extLst>
+            </p:cNvPr>
+            <p:cNvSpPr/>
+            <p:nvPr/>
+          </p:nvSpPr>
+          <p:spPr>
+            <a:xfrm>
+              <a:off x="1479543" y="3534810"/>
+              <a:ext cx="1914156" cy="461665"/>
+            </a:xfrm>
+            <a:prstGeom prst="rect">
+              <a:avLst/>
+            </a:prstGeom>
+            <a:solidFill>
+              <a:schemeClr val="accent1">
+                <a:lumMod val="20000"/>
+                <a:lumOff val="80000"/>
+              </a:schemeClr>
+            </a:solidFill>
+            <a:ln>
+              <a:noFill/>
+            </a:ln>
+          </p:spPr>
+          <p:txBody>
+            <a:bodyPr wrap="square">
+              <a:spAutoFit/>
+            </a:bodyPr>
+            <a:lstStyle/>
+            <a:p>
+              <a:pPr algn="ctr"/>
+              <a:r>
+                <a:rPr lang="en-US" sz="800" b="1" i="1" dirty="0">
+                  <a:solidFill>
+                    <a:schemeClr val="tx1">
+                      <a:lumMod val="95000"/>
+                      <a:lumOff val="5000"/>
+                    </a:schemeClr>
+                  </a:solidFill>
+                  <a:latin typeface="Arial" panose="020B0604020202020204" pitchFamily="34" charset="0"/>
+                  <a:cs typeface="Arial" panose="020B0604020202020204" pitchFamily="34" charset="0"/>
+                </a:rPr>
+                <a:t>Winter broodstock treatments</a:t>
+              </a:r>
+            </a:p>
+            <a:p>
+              <a:pPr algn="ctr"/>
+              <a:r>
+                <a:rPr lang="en-US" sz="800" dirty="0">
+                  <a:solidFill>
+                    <a:schemeClr val="tx1">
+                      <a:lumMod val="95000"/>
+                      <a:lumOff val="5000"/>
+                    </a:schemeClr>
+                  </a:solidFill>
+                  <a:latin typeface="Arial" panose="020B0604020202020204" pitchFamily="34" charset="0"/>
+                  <a:cs typeface="Arial" panose="020B0604020202020204" pitchFamily="34" charset="0"/>
+                </a:rPr>
+                <a:t>6ºC+high-food, 6ºC+low-food</a:t>
+              </a:r>
+            </a:p>
+            <a:p>
+              <a:pPr algn="ctr"/>
+              <a:r>
+                <a:rPr lang="en-US" sz="800" dirty="0">
+                  <a:solidFill>
+                    <a:schemeClr val="tx1">
+                      <a:lumMod val="95000"/>
+                      <a:lumOff val="5000"/>
+                    </a:schemeClr>
+                  </a:solidFill>
+                  <a:latin typeface="Arial" panose="020B0604020202020204" pitchFamily="34" charset="0"/>
+                  <a:cs typeface="Arial" panose="020B0604020202020204" pitchFamily="34" charset="0"/>
+                </a:rPr>
+                <a:t>10ºC +high-food, 10ºC +low-food</a:t>
+              </a:r>
+            </a:p>
+          </p:txBody>
+        </p:sp>
+        <p:cxnSp>
+          <p:nvCxnSpPr>
+            <p:cNvPr id="167" name="40 Conector recto">
+              <a:extLst>
+                <a:ext uri="{FF2B5EF4-FFF2-40B4-BE49-F238E27FC236}">
+                  <a16:creationId xmlns:a16="http://schemas.microsoft.com/office/drawing/2014/main" id="{E4F646D8-78D7-6245-9619-F1E3BF32A6F3}"/>
+                </a:ext>
+              </a:extLst>
+            </p:cNvPr>
+            <p:cNvCxnSpPr>
+              <a:cxnSpLocks/>
+            </p:cNvCxnSpPr>
+            <p:nvPr/>
+          </p:nvCxnSpPr>
+          <p:spPr>
+            <a:xfrm>
+              <a:off x="4314453" y="5328857"/>
+              <a:ext cx="128296" cy="1"/>
+            </a:xfrm>
+            <a:prstGeom prst="line">
+              <a:avLst/>
+            </a:prstGeom>
+            <a:ln w="57150">
+              <a:solidFill>
+                <a:srgbClr val="F08A62"/>
+              </a:solidFill>
+            </a:ln>
+          </p:spPr>
+          <p:style>
+            <a:lnRef idx="1">
+              <a:schemeClr val="accent1"/>
+            </a:lnRef>
+            <a:fillRef idx="0">
+              <a:schemeClr val="accent1"/>
+            </a:fillRef>
+            <a:effectRef idx="0">
+              <a:schemeClr val="accent1"/>
+            </a:effectRef>
+            <a:fontRef idx="minor">
+              <a:schemeClr val="tx1"/>
+            </a:fontRef>
+          </p:style>
+        </p:cxnSp>
+        <p:sp>
+          <p:nvSpPr>
+            <p:cNvPr id="271" name="Rectangle 270">
+              <a:extLst>
+                <a:ext uri="{FF2B5EF4-FFF2-40B4-BE49-F238E27FC236}">
+                  <a16:creationId xmlns:a16="http://schemas.microsoft.com/office/drawing/2014/main" id="{19B589F5-BBB0-D746-8E74-A56D2DE737D0}"/>
+                </a:ext>
+              </a:extLst>
+            </p:cNvPr>
+            <p:cNvSpPr/>
+            <p:nvPr/>
+          </p:nvSpPr>
+          <p:spPr>
+            <a:xfrm>
+              <a:off x="624108" y="5038313"/>
+              <a:ext cx="805204" cy="230832"/>
+            </a:xfrm>
+            <a:prstGeom prst="rect">
+              <a:avLst/>
+            </a:prstGeom>
+            <a:solidFill>
+              <a:schemeClr val="bg1">
+                <a:lumMod val="85000"/>
+              </a:schemeClr>
+            </a:solidFill>
+            <a:ln>
+              <a:noFill/>
+            </a:ln>
+          </p:spPr>
+          <p:txBody>
+            <a:bodyPr wrap="square">
+              <a:spAutoFit/>
+            </a:bodyPr>
+            <a:lstStyle/>
+            <a:p>
+              <a:pPr algn="ctr"/>
+              <a:r>
+                <a:rPr lang="en-US" sz="900" i="1" dirty="0">
+                  <a:solidFill>
+                    <a:schemeClr val="tx1">
+                      <a:lumMod val="85000"/>
+                      <a:lumOff val="15000"/>
+                    </a:schemeClr>
+                  </a:solidFill>
+                  <a:latin typeface="Arial" panose="020B0604020202020204" pitchFamily="34" charset="0"/>
+                  <a:cs typeface="Arial" panose="020B0604020202020204" pitchFamily="34" charset="0"/>
+                </a:rPr>
+                <a:t>Larvae</a:t>
+              </a:r>
+            </a:p>
+          </p:txBody>
+        </p:sp>
+        <p:sp>
+          <p:nvSpPr>
+            <p:cNvPr id="279" name="Rectangle 278">
+              <a:extLst>
+                <a:ext uri="{FF2B5EF4-FFF2-40B4-BE49-F238E27FC236}">
+                  <a16:creationId xmlns:a16="http://schemas.microsoft.com/office/drawing/2014/main" id="{B086AE53-07ED-3345-B760-86998D5557F7}"/>
+                </a:ext>
+              </a:extLst>
+            </p:cNvPr>
+            <p:cNvSpPr/>
+            <p:nvPr/>
+          </p:nvSpPr>
+          <p:spPr>
+            <a:xfrm rot="16200000">
+              <a:off x="-584645" y="4380415"/>
+              <a:ext cx="2168562" cy="230832"/>
+            </a:xfrm>
+            <a:prstGeom prst="rect">
+              <a:avLst/>
+            </a:prstGeom>
+            <a:noFill/>
+            <a:ln>
+              <a:noFill/>
+            </a:ln>
+          </p:spPr>
+          <p:txBody>
+            <a:bodyPr wrap="square">
+              <a:spAutoFit/>
+            </a:bodyPr>
+            <a:lstStyle/>
+            <a:p>
+              <a:pPr algn="ctr"/>
+              <a:r>
+                <a:rPr lang="en-US" sz="900" i="1" dirty="0">
+                  <a:solidFill>
+                    <a:schemeClr val="tx1">
+                      <a:lumMod val="95000"/>
+                      <a:lumOff val="5000"/>
+                    </a:schemeClr>
+                  </a:solidFill>
+                  <a:latin typeface="Arial" panose="020B0604020202020204" pitchFamily="34" charset="0"/>
+                  <a:cs typeface="Arial" panose="020B0604020202020204" pitchFamily="34" charset="0"/>
+                </a:rPr>
+                <a:t>Environmental conditions </a:t>
+              </a:r>
+            </a:p>
+          </p:txBody>
+        </p:sp>
+        <p:sp>
+          <p:nvSpPr>
+            <p:cNvPr id="316" name="24 Elipse">
+              <a:extLst>
+                <a:ext uri="{FF2B5EF4-FFF2-40B4-BE49-F238E27FC236}">
+                  <a16:creationId xmlns:a16="http://schemas.microsoft.com/office/drawing/2014/main" id="{7F6C334B-8033-7542-954E-39A0E5CF441D}"/>
+                </a:ext>
+              </a:extLst>
+            </p:cNvPr>
+            <p:cNvSpPr/>
+            <p:nvPr/>
+          </p:nvSpPr>
+          <p:spPr>
+            <a:xfrm>
+              <a:off x="3416146" y="3415516"/>
+              <a:ext cx="85157" cy="85149"/>
+            </a:xfrm>
+            <a:prstGeom prst="ellipse">
+              <a:avLst/>
+            </a:prstGeom>
+            <a:solidFill>
+              <a:schemeClr val="tx1">
+                <a:lumMod val="85000"/>
+                <a:lumOff val="15000"/>
+              </a:schemeClr>
+            </a:solidFill>
+            <a:ln>
+              <a:noFill/>
+            </a:ln>
+          </p:spPr>
+          <p:style>
+            <a:lnRef idx="2">
+              <a:schemeClr val="accent1">
+                <a:shade val="50000"/>
+              </a:schemeClr>
+            </a:lnRef>
+            <a:fillRef idx="1">
+              <a:schemeClr val="accent1"/>
+            </a:fillRef>
+            <a:effectRef idx="0">
+              <a:schemeClr val="accent1"/>
+            </a:effectRef>
+            <a:fontRef idx="minor">
+              <a:schemeClr val="lt1"/>
+            </a:fontRef>
+          </p:style>
+          <p:txBody>
+            <a:bodyPr lIns="68572" tIns="34286" rIns="68572" bIns="34286" rtlCol="0" anchor="ctr"/>
+            <a:lstStyle/>
+            <a:p>
+              <a:pPr algn="ctr"/>
+              <a:endParaRPr lang="es-MX" sz="900">
+                <a:solidFill>
+                  <a:schemeClr val="tx1"/>
+                </a:solidFill>
+                <a:latin typeface="Arial" panose="020B0604020202020204" pitchFamily="34" charset="0"/>
+                <a:ea typeface="Segoe UI" panose="020B0502040204020203" pitchFamily="34" charset="0"/>
+                <a:cs typeface="Arial" panose="020B0604020202020204" pitchFamily="34" charset="0"/>
+              </a:endParaRPr>
+            </a:p>
+          </p:txBody>
+        </p:sp>
+        <p:sp>
+          <p:nvSpPr>
+            <p:cNvPr id="337" name="Rectangle 336">
+              <a:extLst>
+                <a:ext uri="{FF2B5EF4-FFF2-40B4-BE49-F238E27FC236}">
+                  <a16:creationId xmlns:a16="http://schemas.microsoft.com/office/drawing/2014/main" id="{7935120D-0A48-9B43-886A-53957514746C}"/>
+                </a:ext>
+              </a:extLst>
+            </p:cNvPr>
+            <p:cNvSpPr/>
+            <p:nvPr/>
+          </p:nvSpPr>
+          <p:spPr>
+            <a:xfrm rot="16200000">
+              <a:off x="41890" y="2471508"/>
+              <a:ext cx="1095237" cy="215444"/>
+            </a:xfrm>
+            <a:prstGeom prst="rect">
+              <a:avLst/>
+            </a:prstGeom>
+            <a:noFill/>
+            <a:ln>
+              <a:noFill/>
+            </a:ln>
+          </p:spPr>
+          <p:txBody>
+            <a:bodyPr wrap="square">
+              <a:spAutoFit/>
+            </a:bodyPr>
+            <a:lstStyle/>
+            <a:p>
+              <a:pPr algn="ctr"/>
+              <a:r>
+                <a:rPr lang="en-US" sz="800" b="1" dirty="0">
+                  <a:solidFill>
+                    <a:schemeClr val="tx1">
+                      <a:lumMod val="85000"/>
+                      <a:lumOff val="15000"/>
+                    </a:schemeClr>
+                  </a:solidFill>
+                  <a:latin typeface="Arial" panose="020B0604020202020204" pitchFamily="34" charset="0"/>
+                  <a:cs typeface="Arial" panose="020B0604020202020204" pitchFamily="34" charset="0"/>
+                </a:rPr>
+                <a:t>November  6, 2017</a:t>
+              </a:r>
+            </a:p>
+          </p:txBody>
+        </p:sp>
+        <p:sp>
+          <p:nvSpPr>
+            <p:cNvPr id="350" name="Rectangle 349">
+              <a:extLst>
+                <a:ext uri="{FF2B5EF4-FFF2-40B4-BE49-F238E27FC236}">
+                  <a16:creationId xmlns:a16="http://schemas.microsoft.com/office/drawing/2014/main" id="{ABF45771-DFEB-5149-9D12-EC4B800667DE}"/>
+                </a:ext>
+              </a:extLst>
+            </p:cNvPr>
+            <p:cNvSpPr/>
+            <p:nvPr/>
+          </p:nvSpPr>
+          <p:spPr>
+            <a:xfrm rot="16200000">
+              <a:off x="800069" y="2471863"/>
+              <a:ext cx="1061264" cy="215444"/>
+            </a:xfrm>
+            <a:prstGeom prst="rect">
+              <a:avLst/>
+            </a:prstGeom>
+            <a:noFill/>
+            <a:ln>
+              <a:noFill/>
+            </a:ln>
+          </p:spPr>
+          <p:txBody>
+            <a:bodyPr wrap="square">
+              <a:spAutoFit/>
+            </a:bodyPr>
+            <a:lstStyle/>
+            <a:p>
+              <a:pPr algn="ctr"/>
+              <a:r>
+                <a:rPr lang="en-US" sz="800" b="1" dirty="0">
+                  <a:solidFill>
+                    <a:schemeClr val="tx1">
+                      <a:lumMod val="85000"/>
+                      <a:lumOff val="15000"/>
+                    </a:schemeClr>
+                  </a:solidFill>
+                  <a:latin typeface="Arial" panose="020B0604020202020204" pitchFamily="34" charset="0"/>
+                  <a:cs typeface="Arial" panose="020B0604020202020204" pitchFamily="34" charset="0"/>
+                </a:rPr>
+                <a:t>December 8, 2018</a:t>
+              </a:r>
+            </a:p>
+          </p:txBody>
+        </p:sp>
+        <p:sp>
+          <p:nvSpPr>
+            <p:cNvPr id="351" name="Rectangle 350">
+              <a:extLst>
+                <a:ext uri="{FF2B5EF4-FFF2-40B4-BE49-F238E27FC236}">
+                  <a16:creationId xmlns:a16="http://schemas.microsoft.com/office/drawing/2014/main" id="{9F003532-8309-034C-9B46-50513F247E68}"/>
+                </a:ext>
+              </a:extLst>
+            </p:cNvPr>
+            <p:cNvSpPr/>
+            <p:nvPr/>
+          </p:nvSpPr>
+          <p:spPr>
+            <a:xfrm rot="16200000">
+              <a:off x="1943162" y="2454350"/>
+              <a:ext cx="1039836" cy="215444"/>
+            </a:xfrm>
+            <a:prstGeom prst="rect">
+              <a:avLst/>
+            </a:prstGeom>
+            <a:noFill/>
+            <a:ln>
+              <a:noFill/>
+            </a:ln>
+          </p:spPr>
+          <p:txBody>
+            <a:bodyPr wrap="square">
+              <a:spAutoFit/>
+            </a:bodyPr>
+            <a:lstStyle/>
+            <a:p>
+              <a:pPr algn="ctr"/>
+              <a:r>
+                <a:rPr lang="en-US" sz="800" b="1" dirty="0">
+                  <a:solidFill>
+                    <a:schemeClr val="tx1">
+                      <a:lumMod val="85000"/>
+                      <a:lumOff val="15000"/>
+                    </a:schemeClr>
+                  </a:solidFill>
+                  <a:latin typeface="Arial" panose="020B0604020202020204" pitchFamily="34" charset="0"/>
+                  <a:cs typeface="Arial" panose="020B0604020202020204" pitchFamily="34" charset="0"/>
+                </a:rPr>
+                <a:t>January 24, 2018</a:t>
+              </a:r>
+            </a:p>
+          </p:txBody>
+        </p:sp>
+        <p:sp>
+          <p:nvSpPr>
+            <p:cNvPr id="363" name="24 Elipse">
+              <a:extLst>
+                <a:ext uri="{FF2B5EF4-FFF2-40B4-BE49-F238E27FC236}">
+                  <a16:creationId xmlns:a16="http://schemas.microsoft.com/office/drawing/2014/main" id="{371590CC-5310-6749-8C12-2EAC7A9DC300}"/>
+                </a:ext>
+              </a:extLst>
+            </p:cNvPr>
+            <p:cNvSpPr/>
+            <p:nvPr/>
+          </p:nvSpPr>
+          <p:spPr>
+            <a:xfrm>
+              <a:off x="629262" y="3419262"/>
+              <a:ext cx="85157" cy="85149"/>
+            </a:xfrm>
+            <a:prstGeom prst="ellipse">
+              <a:avLst/>
+            </a:prstGeom>
+            <a:solidFill>
+              <a:schemeClr val="tx1">
+                <a:lumMod val="85000"/>
+                <a:lumOff val="15000"/>
+              </a:schemeClr>
+            </a:solidFill>
+            <a:ln>
+              <a:noFill/>
+            </a:ln>
+          </p:spPr>
+          <p:style>
+            <a:lnRef idx="2">
+              <a:schemeClr val="accent1">
+                <a:shade val="50000"/>
+              </a:schemeClr>
+            </a:lnRef>
+            <a:fillRef idx="1">
+              <a:schemeClr val="accent1"/>
+            </a:fillRef>
+            <a:effectRef idx="0">
+              <a:schemeClr val="accent1"/>
+            </a:effectRef>
+            <a:fontRef idx="minor">
+              <a:schemeClr val="lt1"/>
+            </a:fontRef>
+          </p:style>
+          <p:txBody>
+            <a:bodyPr lIns="68572" tIns="34286" rIns="68572" bIns="34286" rtlCol="0" anchor="ctr"/>
+            <a:lstStyle/>
+            <a:p>
+              <a:pPr algn="ctr"/>
+              <a:endParaRPr lang="es-MX" sz="900">
+                <a:solidFill>
+                  <a:schemeClr val="tx1"/>
+                </a:solidFill>
+                <a:latin typeface="Arial" panose="020B0604020202020204" pitchFamily="34" charset="0"/>
+                <a:ea typeface="Segoe UI" panose="020B0502040204020203" pitchFamily="34" charset="0"/>
+                <a:cs typeface="Arial" panose="020B0604020202020204" pitchFamily="34" charset="0"/>
+              </a:endParaRPr>
+            </a:p>
+          </p:txBody>
+        </p:sp>
+        <p:sp>
+          <p:nvSpPr>
+            <p:cNvPr id="369" name="24 Elipse">
+              <a:extLst>
+                <a:ext uri="{FF2B5EF4-FFF2-40B4-BE49-F238E27FC236}">
+                  <a16:creationId xmlns:a16="http://schemas.microsoft.com/office/drawing/2014/main" id="{70E89508-788A-8F4F-88FE-87799C42A0E3}"/>
+                </a:ext>
+              </a:extLst>
+            </p:cNvPr>
+            <p:cNvSpPr/>
+            <p:nvPr/>
+          </p:nvSpPr>
+          <p:spPr>
+            <a:xfrm>
+              <a:off x="1364251" y="3422766"/>
+              <a:ext cx="85157" cy="85149"/>
+            </a:xfrm>
+            <a:prstGeom prst="ellipse">
+              <a:avLst/>
+            </a:prstGeom>
+            <a:solidFill>
+              <a:schemeClr val="tx1">
+                <a:lumMod val="85000"/>
+                <a:lumOff val="15000"/>
+              </a:schemeClr>
+            </a:solidFill>
+            <a:ln>
+              <a:noFill/>
+            </a:ln>
+          </p:spPr>
+          <p:style>
+            <a:lnRef idx="2">
+              <a:schemeClr val="accent1">
+                <a:shade val="50000"/>
+              </a:schemeClr>
+            </a:lnRef>
+            <a:fillRef idx="1">
+              <a:schemeClr val="accent1"/>
+            </a:fillRef>
+            <a:effectRef idx="0">
+              <a:schemeClr val="accent1"/>
+            </a:effectRef>
+            <a:fontRef idx="minor">
+              <a:schemeClr val="lt1"/>
+            </a:fontRef>
+          </p:style>
+          <p:txBody>
+            <a:bodyPr lIns="68572" tIns="34286" rIns="68572" bIns="34286" rtlCol="0" anchor="ctr"/>
+            <a:lstStyle/>
+            <a:p>
+              <a:pPr algn="ctr"/>
+              <a:endParaRPr lang="es-MX" sz="900">
+                <a:solidFill>
+                  <a:schemeClr val="tx1"/>
+                </a:solidFill>
+                <a:latin typeface="Arial" panose="020B0604020202020204" pitchFamily="34" charset="0"/>
+                <a:ea typeface="Segoe UI" panose="020B0502040204020203" pitchFamily="34" charset="0"/>
+                <a:cs typeface="Arial" panose="020B0604020202020204" pitchFamily="34" charset="0"/>
+              </a:endParaRPr>
+            </a:p>
+          </p:txBody>
+        </p:sp>
+        <p:sp>
+          <p:nvSpPr>
+            <p:cNvPr id="371" name="24 Elipse">
+              <a:extLst>
+                <a:ext uri="{FF2B5EF4-FFF2-40B4-BE49-F238E27FC236}">
+                  <a16:creationId xmlns:a16="http://schemas.microsoft.com/office/drawing/2014/main" id="{CA8F0316-D2C2-1F4F-A8FE-B4459CE135F3}"/>
+                </a:ext>
+              </a:extLst>
+            </p:cNvPr>
+            <p:cNvSpPr/>
+            <p:nvPr/>
+          </p:nvSpPr>
+          <p:spPr>
+            <a:xfrm>
+              <a:off x="2493616" y="3415320"/>
+              <a:ext cx="85157" cy="85149"/>
+            </a:xfrm>
+            <a:prstGeom prst="ellipse">
+              <a:avLst/>
+            </a:prstGeom>
+            <a:solidFill>
+              <a:schemeClr val="tx1">
+                <a:lumMod val="85000"/>
+                <a:lumOff val="15000"/>
+              </a:schemeClr>
+            </a:solidFill>
+            <a:ln>
+              <a:noFill/>
+            </a:ln>
+          </p:spPr>
+          <p:style>
+            <a:lnRef idx="2">
+              <a:schemeClr val="accent1">
+                <a:shade val="50000"/>
+              </a:schemeClr>
+            </a:lnRef>
+            <a:fillRef idx="1">
+              <a:schemeClr val="accent1"/>
+            </a:fillRef>
+            <a:effectRef idx="0">
+              <a:schemeClr val="accent1"/>
+            </a:effectRef>
+            <a:fontRef idx="minor">
+              <a:schemeClr val="lt1"/>
+            </a:fontRef>
+          </p:style>
+          <p:txBody>
+            <a:bodyPr lIns="68572" tIns="34286" rIns="68572" bIns="34286" rtlCol="0" anchor="ctr"/>
+            <a:lstStyle/>
+            <a:p>
+              <a:pPr algn="ctr"/>
+              <a:endParaRPr lang="es-MX" sz="900">
+                <a:solidFill>
+                  <a:schemeClr val="tx1"/>
+                </a:solidFill>
+                <a:latin typeface="Arial" panose="020B0604020202020204" pitchFamily="34" charset="0"/>
+                <a:ea typeface="Segoe UI" panose="020B0502040204020203" pitchFamily="34" charset="0"/>
+                <a:cs typeface="Arial" panose="020B0604020202020204" pitchFamily="34" charset="0"/>
+              </a:endParaRPr>
+            </a:p>
+          </p:txBody>
+        </p:sp>
+        <p:sp>
+          <p:nvSpPr>
+            <p:cNvPr id="373" name="Rectangle 372">
+              <a:extLst>
+                <a:ext uri="{FF2B5EF4-FFF2-40B4-BE49-F238E27FC236}">
+                  <a16:creationId xmlns:a16="http://schemas.microsoft.com/office/drawing/2014/main" id="{E6F8D0A8-5705-694F-9134-822685FD564C}"/>
+                </a:ext>
+              </a:extLst>
+            </p:cNvPr>
+            <p:cNvSpPr/>
+            <p:nvPr/>
+          </p:nvSpPr>
+          <p:spPr>
+            <a:xfrm rot="16200000">
+              <a:off x="2851024" y="2470263"/>
+              <a:ext cx="1060855" cy="215444"/>
+            </a:xfrm>
+            <a:prstGeom prst="rect">
+              <a:avLst/>
+            </a:prstGeom>
+            <a:noFill/>
+            <a:ln>
+              <a:noFill/>
+            </a:ln>
+          </p:spPr>
+          <p:txBody>
+            <a:bodyPr wrap="square">
+              <a:spAutoFit/>
+            </a:bodyPr>
+            <a:lstStyle/>
+            <a:p>
+              <a:pPr algn="ctr"/>
+              <a:r>
+                <a:rPr lang="en-US" sz="800" b="1" dirty="0">
+                  <a:solidFill>
+                    <a:schemeClr val="tx1">
+                      <a:lumMod val="85000"/>
+                      <a:lumOff val="15000"/>
+                    </a:schemeClr>
+                  </a:solidFill>
+                  <a:latin typeface="Arial" panose="020B0604020202020204" pitchFamily="34" charset="0"/>
+                  <a:cs typeface="Arial" panose="020B0604020202020204" pitchFamily="34" charset="0"/>
+                </a:rPr>
+                <a:t>February 28, 2018</a:t>
+              </a:r>
+            </a:p>
+          </p:txBody>
+        </p:sp>
+        <p:sp>
+          <p:nvSpPr>
+            <p:cNvPr id="437" name="Rectangle 436">
+              <a:extLst>
+                <a:ext uri="{FF2B5EF4-FFF2-40B4-BE49-F238E27FC236}">
+                  <a16:creationId xmlns:a16="http://schemas.microsoft.com/office/drawing/2014/main" id="{C76A8B28-467A-4C4E-B595-55E5005695CE}"/>
+                </a:ext>
+              </a:extLst>
+            </p:cNvPr>
+            <p:cNvSpPr/>
+            <p:nvPr/>
+          </p:nvSpPr>
+          <p:spPr>
+            <a:xfrm rot="16200000">
+              <a:off x="3717059" y="2375816"/>
+              <a:ext cx="1060856" cy="215444"/>
+            </a:xfrm>
+            <a:prstGeom prst="rect">
+              <a:avLst/>
+            </a:prstGeom>
+            <a:noFill/>
+            <a:ln>
+              <a:noFill/>
+            </a:ln>
+          </p:spPr>
+          <p:txBody>
+            <a:bodyPr wrap="square">
+              <a:spAutoFit/>
+            </a:bodyPr>
+            <a:lstStyle/>
+            <a:p>
+              <a:pPr algn="ctr"/>
+              <a:r>
+                <a:rPr lang="en-US" sz="800" b="1" dirty="0">
+                  <a:solidFill>
+                    <a:schemeClr val="tx1">
+                      <a:lumMod val="85000"/>
+                      <a:lumOff val="15000"/>
+                    </a:schemeClr>
+                  </a:solidFill>
+                  <a:latin typeface="Arial" panose="020B0604020202020204" pitchFamily="34" charset="0"/>
+                  <a:cs typeface="Arial" panose="020B0604020202020204" pitchFamily="34" charset="0"/>
+                </a:rPr>
+                <a:t>March 30, 2018</a:t>
+              </a:r>
+            </a:p>
+          </p:txBody>
+        </p:sp>
+        <p:sp>
+          <p:nvSpPr>
+            <p:cNvPr id="438" name="24 Elipse">
+              <a:extLst>
+                <a:ext uri="{FF2B5EF4-FFF2-40B4-BE49-F238E27FC236}">
+                  <a16:creationId xmlns:a16="http://schemas.microsoft.com/office/drawing/2014/main" id="{4E38BD6F-76F2-9D44-B101-DD631AE41AEE}"/>
+                </a:ext>
+              </a:extLst>
+            </p:cNvPr>
+            <p:cNvSpPr/>
+            <p:nvPr/>
+          </p:nvSpPr>
+          <p:spPr>
+            <a:xfrm>
+              <a:off x="4292136" y="3407574"/>
+              <a:ext cx="85157" cy="85149"/>
+            </a:xfrm>
+            <a:prstGeom prst="ellipse">
+              <a:avLst/>
+            </a:prstGeom>
+            <a:solidFill>
+              <a:schemeClr val="tx1">
+                <a:lumMod val="85000"/>
+                <a:lumOff val="15000"/>
+              </a:schemeClr>
+            </a:solidFill>
+            <a:ln>
+              <a:noFill/>
+            </a:ln>
+          </p:spPr>
+          <p:style>
+            <a:lnRef idx="2">
+              <a:schemeClr val="accent1">
+                <a:shade val="50000"/>
+              </a:schemeClr>
+            </a:lnRef>
+            <a:fillRef idx="1">
+              <a:schemeClr val="accent1"/>
+            </a:fillRef>
+            <a:effectRef idx="0">
+              <a:schemeClr val="accent1"/>
+            </a:effectRef>
+            <a:fontRef idx="minor">
+              <a:schemeClr val="lt1"/>
+            </a:fontRef>
+          </p:style>
+          <p:txBody>
+            <a:bodyPr lIns="68572" tIns="34286" rIns="68572" bIns="34286" rtlCol="0" anchor="ctr"/>
+            <a:lstStyle/>
+            <a:p>
+              <a:pPr algn="ctr"/>
+              <a:endParaRPr lang="es-MX" sz="900">
+                <a:solidFill>
+                  <a:schemeClr val="tx1"/>
+                </a:solidFill>
+                <a:latin typeface="Arial" panose="020B0604020202020204" pitchFamily="34" charset="0"/>
+                <a:ea typeface="Segoe UI" panose="020B0502040204020203" pitchFamily="34" charset="0"/>
+                <a:cs typeface="Arial" panose="020B0604020202020204" pitchFamily="34" charset="0"/>
+              </a:endParaRPr>
+            </a:p>
+          </p:txBody>
+        </p:sp>
+        <p:sp>
+          <p:nvSpPr>
+            <p:cNvPr id="439" name="Rectangle 438">
+              <a:extLst>
+                <a:ext uri="{FF2B5EF4-FFF2-40B4-BE49-F238E27FC236}">
+                  <a16:creationId xmlns:a16="http://schemas.microsoft.com/office/drawing/2014/main" id="{3E0BCB37-09C8-8245-A034-624B8A22E1AF}"/>
+                </a:ext>
+              </a:extLst>
+            </p:cNvPr>
+            <p:cNvSpPr/>
+            <p:nvPr/>
+          </p:nvSpPr>
+          <p:spPr>
+            <a:xfrm>
+              <a:off x="4288827" y="1743254"/>
+              <a:ext cx="838946" cy="584775"/>
+            </a:xfrm>
+            <a:prstGeom prst="rect">
+              <a:avLst/>
+            </a:prstGeom>
+          </p:spPr>
+          <p:txBody>
+            <a:bodyPr wrap="square">
+              <a:spAutoFit/>
+            </a:bodyPr>
+            <a:lstStyle/>
+            <a:p>
+              <a:r>
+                <a:rPr lang="en-US" sz="800" dirty="0">
+                  <a:solidFill>
+                    <a:schemeClr val="tx1">
+                      <a:lumMod val="95000"/>
+                      <a:lumOff val="5000"/>
+                    </a:schemeClr>
+                  </a:solidFill>
+                  <a:latin typeface="Arial" panose="020B0604020202020204" pitchFamily="34" charset="0"/>
+                  <a:cs typeface="Arial" panose="020B0604020202020204" pitchFamily="34" charset="0"/>
+                </a:rPr>
+                <a:t>Larval rearing begins </a:t>
+              </a:r>
+            </a:p>
+            <a:p>
+              <a:r>
+                <a:rPr lang="en-US" sz="800" dirty="0">
+                  <a:solidFill>
+                    <a:schemeClr val="tx1">
+                      <a:lumMod val="95000"/>
+                      <a:lumOff val="5000"/>
+                    </a:schemeClr>
+                  </a:solidFill>
+                  <a:latin typeface="Arial" panose="020B0604020202020204" pitchFamily="34" charset="0"/>
+                  <a:cs typeface="Arial" panose="020B0604020202020204" pitchFamily="34" charset="0"/>
+                </a:rPr>
+                <a:t>(82-day trial only)</a:t>
+              </a:r>
+            </a:p>
+          </p:txBody>
+        </p:sp>
+        <p:cxnSp>
+          <p:nvCxnSpPr>
+            <p:cNvPr id="455" name="40 Conector recto">
+              <a:extLst>
+                <a:ext uri="{FF2B5EF4-FFF2-40B4-BE49-F238E27FC236}">
+                  <a16:creationId xmlns:a16="http://schemas.microsoft.com/office/drawing/2014/main" id="{B2632ED2-F000-F248-B6DA-725A768D53AE}"/>
+                </a:ext>
+              </a:extLst>
+            </p:cNvPr>
+            <p:cNvCxnSpPr>
+              <a:cxnSpLocks/>
+            </p:cNvCxnSpPr>
+            <p:nvPr/>
+          </p:nvCxnSpPr>
+          <p:spPr>
+            <a:xfrm flipV="1">
+              <a:off x="5045566" y="2200451"/>
+              <a:ext cx="0" cy="1203148"/>
+            </a:xfrm>
+            <a:prstGeom prst="line">
+              <a:avLst/>
+            </a:prstGeom>
+            <a:ln w="12700">
+              <a:solidFill>
+                <a:schemeClr val="tx1">
+                  <a:lumMod val="65000"/>
+                  <a:lumOff val="35000"/>
+                </a:schemeClr>
+              </a:solidFill>
+            </a:ln>
+          </p:spPr>
+          <p:style>
+            <a:lnRef idx="1">
+              <a:schemeClr val="accent1"/>
+            </a:lnRef>
+            <a:fillRef idx="0">
+              <a:schemeClr val="accent1"/>
+            </a:fillRef>
+            <a:effectRef idx="0">
+              <a:schemeClr val="accent1"/>
+            </a:effectRef>
+            <a:fontRef idx="minor">
+              <a:schemeClr val="tx1"/>
+            </a:fontRef>
+          </p:style>
+        </p:cxnSp>
+        <p:sp>
+          <p:nvSpPr>
+            <p:cNvPr id="456" name="24 Elipse">
+              <a:extLst>
+                <a:ext uri="{FF2B5EF4-FFF2-40B4-BE49-F238E27FC236}">
+                  <a16:creationId xmlns:a16="http://schemas.microsoft.com/office/drawing/2014/main" id="{355874A9-B580-BC41-8224-27DDA81CA85E}"/>
+                </a:ext>
+              </a:extLst>
+            </p:cNvPr>
+            <p:cNvSpPr/>
+            <p:nvPr/>
+          </p:nvSpPr>
+          <p:spPr>
+            <a:xfrm>
+              <a:off x="5002987" y="3403599"/>
+              <a:ext cx="85157" cy="85149"/>
+            </a:xfrm>
+            <a:prstGeom prst="ellipse">
+              <a:avLst/>
+            </a:prstGeom>
+            <a:solidFill>
+              <a:schemeClr val="tx1">
+                <a:lumMod val="85000"/>
+                <a:lumOff val="15000"/>
+              </a:schemeClr>
+            </a:solidFill>
+            <a:ln>
+              <a:noFill/>
+            </a:ln>
+          </p:spPr>
+          <p:style>
+            <a:lnRef idx="2">
+              <a:schemeClr val="accent1">
+                <a:shade val="50000"/>
+              </a:schemeClr>
+            </a:lnRef>
+            <a:fillRef idx="1">
+              <a:schemeClr val="accent1"/>
+            </a:fillRef>
+            <a:effectRef idx="0">
+              <a:schemeClr val="accent1"/>
+            </a:effectRef>
+            <a:fontRef idx="minor">
+              <a:schemeClr val="lt1"/>
+            </a:fontRef>
+          </p:style>
+          <p:txBody>
+            <a:bodyPr lIns="68572" tIns="34286" rIns="68572" bIns="34286" rtlCol="0" anchor="ctr"/>
+            <a:lstStyle/>
+            <a:p>
+              <a:pPr algn="ctr"/>
+              <a:endParaRPr lang="es-MX" sz="900">
+                <a:solidFill>
+                  <a:schemeClr val="tx1"/>
+                </a:solidFill>
+                <a:latin typeface="Arial" panose="020B0604020202020204" pitchFamily="34" charset="0"/>
+                <a:ea typeface="Segoe UI" panose="020B0502040204020203" pitchFamily="34" charset="0"/>
+                <a:cs typeface="Arial" panose="020B0604020202020204" pitchFamily="34" charset="0"/>
+              </a:endParaRPr>
+            </a:p>
+          </p:txBody>
+        </p:sp>
+        <p:sp>
+          <p:nvSpPr>
+            <p:cNvPr id="457" name="Rectangle 456">
+              <a:extLst>
+                <a:ext uri="{FF2B5EF4-FFF2-40B4-BE49-F238E27FC236}">
+                  <a16:creationId xmlns:a16="http://schemas.microsoft.com/office/drawing/2014/main" id="{510EE2CD-46B7-CD43-A0BB-77E21038F195}"/>
+                </a:ext>
+              </a:extLst>
+            </p:cNvPr>
+            <p:cNvSpPr/>
+            <p:nvPr/>
+          </p:nvSpPr>
+          <p:spPr>
+            <a:xfrm>
+              <a:off x="4999035" y="2155355"/>
+              <a:ext cx="911715" cy="830997"/>
+            </a:xfrm>
+            <a:prstGeom prst="rect">
+              <a:avLst/>
+            </a:prstGeom>
+          </p:spPr>
+          <p:txBody>
+            <a:bodyPr wrap="square">
+              <a:spAutoFit/>
+            </a:bodyPr>
+            <a:lstStyle/>
+            <a:p>
+              <a:r>
+                <a:rPr lang="en-US" sz="800" dirty="0">
+                  <a:solidFill>
+                    <a:schemeClr val="tx1">
+                      <a:lumMod val="95000"/>
+                      <a:lumOff val="5000"/>
+                    </a:schemeClr>
+                  </a:solidFill>
+                  <a:latin typeface="Arial" panose="020B0604020202020204" pitchFamily="34" charset="0"/>
+                  <a:cs typeface="Arial" panose="020B0604020202020204" pitchFamily="34" charset="0"/>
+                </a:rPr>
+                <a:t>Last larval pulse collected to rear </a:t>
+              </a:r>
+            </a:p>
+            <a:p>
+              <a:endParaRPr lang="en-US" sz="800" dirty="0">
+                <a:solidFill>
+                  <a:schemeClr val="tx1">
+                    <a:lumMod val="95000"/>
+                    <a:lumOff val="5000"/>
+                  </a:schemeClr>
+                </a:solidFill>
+                <a:latin typeface="Arial" panose="020B0604020202020204" pitchFamily="34" charset="0"/>
+                <a:cs typeface="Arial" panose="020B0604020202020204" pitchFamily="34" charset="0"/>
+              </a:endParaRPr>
+            </a:p>
+            <a:p>
+              <a:r>
+                <a:rPr lang="en-US" sz="800" dirty="0">
+                  <a:solidFill>
+                    <a:schemeClr val="tx1">
+                      <a:lumMod val="95000"/>
+                      <a:lumOff val="5000"/>
+                    </a:schemeClr>
+                  </a:solidFill>
+                  <a:latin typeface="Arial" panose="020B0604020202020204" pitchFamily="34" charset="0"/>
+                  <a:cs typeface="Arial" panose="020B0604020202020204" pitchFamily="34" charset="0"/>
+                </a:rPr>
+                <a:t>(n=12 per treat. </a:t>
+              </a:r>
+            </a:p>
+            <a:p>
+              <a:r>
+                <a:rPr lang="en-US" sz="800" dirty="0">
+                  <a:solidFill>
+                    <a:schemeClr val="tx1">
+                      <a:lumMod val="95000"/>
+                      <a:lumOff val="5000"/>
+                    </a:schemeClr>
+                  </a:solidFill>
+                  <a:latin typeface="Arial" panose="020B0604020202020204" pitchFamily="34" charset="0"/>
+                  <a:cs typeface="Arial" panose="020B0604020202020204" pitchFamily="34" charset="0"/>
+                </a:rPr>
+                <a:t>48 total)</a:t>
+              </a:r>
+            </a:p>
+          </p:txBody>
+        </p:sp>
+        <p:sp>
+          <p:nvSpPr>
+            <p:cNvPr id="458" name="Rectangle 457">
+              <a:extLst>
+                <a:ext uri="{FF2B5EF4-FFF2-40B4-BE49-F238E27FC236}">
+                  <a16:creationId xmlns:a16="http://schemas.microsoft.com/office/drawing/2014/main" id="{4F0AB9EF-20D7-214F-A62D-8D66DF1A4CC5}"/>
+                </a:ext>
+              </a:extLst>
+            </p:cNvPr>
+            <p:cNvSpPr/>
+            <p:nvPr/>
+          </p:nvSpPr>
+          <p:spPr>
+            <a:xfrm rot="16200000">
+              <a:off x="4480707" y="2447479"/>
+              <a:ext cx="963264" cy="215444"/>
+            </a:xfrm>
+            <a:prstGeom prst="rect">
+              <a:avLst/>
+            </a:prstGeom>
+            <a:noFill/>
+            <a:ln>
+              <a:noFill/>
+            </a:ln>
+          </p:spPr>
+          <p:txBody>
+            <a:bodyPr wrap="square">
+              <a:spAutoFit/>
+            </a:bodyPr>
+            <a:lstStyle/>
+            <a:p>
+              <a:pPr algn="ctr"/>
+              <a:r>
+                <a:rPr lang="en-US" sz="800" b="1" dirty="0">
+                  <a:solidFill>
+                    <a:schemeClr val="tx1">
+                      <a:lumMod val="85000"/>
+                      <a:lumOff val="15000"/>
+                    </a:schemeClr>
+                  </a:solidFill>
+                  <a:latin typeface="Arial" panose="020B0604020202020204" pitchFamily="34" charset="0"/>
+                  <a:cs typeface="Arial" panose="020B0604020202020204" pitchFamily="34" charset="0"/>
+                </a:rPr>
+                <a:t>April 19, 2018</a:t>
+              </a:r>
+            </a:p>
+          </p:txBody>
+        </p:sp>
+        <p:sp>
+          <p:nvSpPr>
+            <p:cNvPr id="481" name="Rectangle 480">
+              <a:extLst>
+                <a:ext uri="{FF2B5EF4-FFF2-40B4-BE49-F238E27FC236}">
+                  <a16:creationId xmlns:a16="http://schemas.microsoft.com/office/drawing/2014/main" id="{30E7EDBE-6E2C-1C43-A6EC-27BAAAC56E58}"/>
+                </a:ext>
+              </a:extLst>
+            </p:cNvPr>
+            <p:cNvSpPr/>
+            <p:nvPr/>
+          </p:nvSpPr>
+          <p:spPr>
+            <a:xfrm>
+              <a:off x="3402327" y="2085743"/>
+              <a:ext cx="665492" cy="707886"/>
+            </a:xfrm>
+            <a:prstGeom prst="rect">
+              <a:avLst/>
+            </a:prstGeom>
+          </p:spPr>
+          <p:txBody>
+            <a:bodyPr wrap="square">
+              <a:spAutoFit/>
+            </a:bodyPr>
+            <a:lstStyle/>
+            <a:p>
+              <a:r>
+                <a:rPr lang="en-US" sz="800" dirty="0">
+                  <a:solidFill>
+                    <a:schemeClr val="tx1">
+                      <a:lumMod val="95000"/>
+                      <a:lumOff val="5000"/>
+                    </a:schemeClr>
+                  </a:solidFill>
+                  <a:latin typeface="Arial" panose="020B0604020202020204" pitchFamily="34" charset="0"/>
+                  <a:cs typeface="Arial" panose="020B0604020202020204" pitchFamily="34" charset="0"/>
+                </a:rPr>
+                <a:t>82-day exposure ends, spawning begins</a:t>
+              </a:r>
+            </a:p>
+          </p:txBody>
+        </p:sp>
+        <p:cxnSp>
+          <p:nvCxnSpPr>
+            <p:cNvPr id="494" name="40 Conector recto">
+              <a:extLst>
+                <a:ext uri="{FF2B5EF4-FFF2-40B4-BE49-F238E27FC236}">
+                  <a16:creationId xmlns:a16="http://schemas.microsoft.com/office/drawing/2014/main" id="{E652EB38-2288-0045-A577-8774720DAEBF}"/>
+                </a:ext>
+              </a:extLst>
+            </p:cNvPr>
+            <p:cNvCxnSpPr>
+              <a:cxnSpLocks/>
+            </p:cNvCxnSpPr>
+            <p:nvPr/>
+          </p:nvCxnSpPr>
+          <p:spPr>
+            <a:xfrm flipV="1">
+              <a:off x="6161523" y="2500756"/>
+              <a:ext cx="14494" cy="908096"/>
+            </a:xfrm>
+            <a:prstGeom prst="line">
+              <a:avLst/>
+            </a:prstGeom>
+            <a:ln w="12700">
+              <a:solidFill>
+                <a:schemeClr val="tx1">
+                  <a:lumMod val="65000"/>
+                  <a:lumOff val="35000"/>
+                </a:schemeClr>
+              </a:solidFill>
+            </a:ln>
+          </p:spPr>
+          <p:style>
+            <a:lnRef idx="1">
+              <a:schemeClr val="accent1"/>
+            </a:lnRef>
+            <a:fillRef idx="0">
+              <a:schemeClr val="accent1"/>
+            </a:fillRef>
+            <a:effectRef idx="0">
+              <a:schemeClr val="accent1"/>
+            </a:effectRef>
+            <a:fontRef idx="minor">
+              <a:schemeClr val="tx1"/>
+            </a:fontRef>
+          </p:style>
+        </p:cxnSp>
+        <p:sp>
+          <p:nvSpPr>
+            <p:cNvPr id="495" name="Rectangle 494">
+              <a:extLst>
+                <a:ext uri="{FF2B5EF4-FFF2-40B4-BE49-F238E27FC236}">
+                  <a16:creationId xmlns:a16="http://schemas.microsoft.com/office/drawing/2014/main" id="{5B2CEB1E-2C3A-F74B-9AEB-32ABFAA5674B}"/>
+                </a:ext>
+              </a:extLst>
+            </p:cNvPr>
+            <p:cNvSpPr/>
+            <p:nvPr/>
+          </p:nvSpPr>
+          <p:spPr>
+            <a:xfrm rot="16200000">
+              <a:off x="5589227" y="2724015"/>
+              <a:ext cx="1007415" cy="215444"/>
+            </a:xfrm>
+            <a:prstGeom prst="rect">
+              <a:avLst/>
+            </a:prstGeom>
+            <a:noFill/>
+            <a:ln>
+              <a:noFill/>
+            </a:ln>
+          </p:spPr>
+          <p:txBody>
+            <a:bodyPr wrap="square">
+              <a:spAutoFit/>
+            </a:bodyPr>
+            <a:lstStyle/>
+            <a:p>
+              <a:pPr algn="ctr"/>
+              <a:r>
+                <a:rPr lang="en-US" sz="800" b="1" dirty="0">
+                  <a:solidFill>
+                    <a:schemeClr val="tx1">
+                      <a:lumMod val="85000"/>
+                      <a:lumOff val="15000"/>
+                    </a:schemeClr>
+                  </a:solidFill>
+                  <a:latin typeface="Arial" panose="020B0604020202020204" pitchFamily="34" charset="0"/>
+                  <a:cs typeface="Arial" panose="020B0604020202020204" pitchFamily="34" charset="0"/>
+                </a:rPr>
+                <a:t>May - June 2018</a:t>
+              </a:r>
+            </a:p>
+          </p:txBody>
+        </p:sp>
+        <p:sp>
+          <p:nvSpPr>
+            <p:cNvPr id="496" name="24 Elipse">
+              <a:extLst>
+                <a:ext uri="{FF2B5EF4-FFF2-40B4-BE49-F238E27FC236}">
+                  <a16:creationId xmlns:a16="http://schemas.microsoft.com/office/drawing/2014/main" id="{58E9C3F3-04B8-EF43-A82D-BBC3C6EDC13D}"/>
+                </a:ext>
+              </a:extLst>
+            </p:cNvPr>
+            <p:cNvSpPr/>
+            <p:nvPr/>
+          </p:nvSpPr>
+          <p:spPr>
+            <a:xfrm>
+              <a:off x="6123471" y="3408852"/>
+              <a:ext cx="85157" cy="85149"/>
+            </a:xfrm>
+            <a:prstGeom prst="ellipse">
+              <a:avLst/>
+            </a:prstGeom>
+            <a:solidFill>
+              <a:schemeClr val="tx1">
+                <a:lumMod val="85000"/>
+                <a:lumOff val="15000"/>
+              </a:schemeClr>
+            </a:solidFill>
+            <a:ln>
+              <a:noFill/>
+            </a:ln>
+          </p:spPr>
+          <p:style>
+            <a:lnRef idx="2">
+              <a:schemeClr val="accent1">
+                <a:shade val="50000"/>
+              </a:schemeClr>
+            </a:lnRef>
+            <a:fillRef idx="1">
+              <a:schemeClr val="accent1"/>
+            </a:fillRef>
+            <a:effectRef idx="0">
+              <a:schemeClr val="accent1"/>
+            </a:effectRef>
+            <a:fontRef idx="minor">
+              <a:schemeClr val="lt1"/>
+            </a:fontRef>
+          </p:style>
+          <p:txBody>
+            <a:bodyPr lIns="68572" tIns="34286" rIns="68572" bIns="34286" rtlCol="0" anchor="ctr"/>
+            <a:lstStyle/>
+            <a:p>
+              <a:pPr algn="ctr"/>
+              <a:endParaRPr lang="es-MX" sz="900">
+                <a:solidFill>
+                  <a:schemeClr val="tx1"/>
+                </a:solidFill>
+                <a:latin typeface="Arial" panose="020B0604020202020204" pitchFamily="34" charset="0"/>
+                <a:ea typeface="Segoe UI" panose="020B0502040204020203" pitchFamily="34" charset="0"/>
+                <a:cs typeface="Arial" panose="020B0604020202020204" pitchFamily="34" charset="0"/>
+              </a:endParaRPr>
+            </a:p>
+          </p:txBody>
+        </p:sp>
+        <p:sp>
+          <p:nvSpPr>
+            <p:cNvPr id="507" name="Rectangle 506">
+              <a:extLst>
+                <a:ext uri="{FF2B5EF4-FFF2-40B4-BE49-F238E27FC236}">
+                  <a16:creationId xmlns:a16="http://schemas.microsoft.com/office/drawing/2014/main" id="{6CEF4D42-F47E-3148-98DD-E218067538AE}"/>
+                </a:ext>
+              </a:extLst>
+            </p:cNvPr>
+            <p:cNvSpPr/>
+            <p:nvPr/>
+          </p:nvSpPr>
+          <p:spPr>
+            <a:xfrm>
+              <a:off x="6158105" y="2385488"/>
+              <a:ext cx="804450" cy="707886"/>
+            </a:xfrm>
+            <a:prstGeom prst="rect">
+              <a:avLst/>
+            </a:prstGeom>
+          </p:spPr>
+          <p:txBody>
+            <a:bodyPr wrap="square">
+              <a:spAutoFit/>
+            </a:bodyPr>
+            <a:lstStyle/>
+            <a:p>
+              <a:r>
+                <a:rPr lang="en-US" sz="800" dirty="0">
+                  <a:solidFill>
+                    <a:schemeClr val="tx1">
+                      <a:lumMod val="95000"/>
+                      <a:lumOff val="5000"/>
+                    </a:schemeClr>
+                  </a:solidFill>
+                  <a:latin typeface="Arial" panose="020B0604020202020204" pitchFamily="34" charset="0"/>
+                  <a:cs typeface="Arial" panose="020B0604020202020204" pitchFamily="34" charset="0"/>
+                </a:rPr>
+                <a:t>Post-set counted for survival  </a:t>
+              </a:r>
+            </a:p>
+            <a:p>
+              <a:r>
+                <a:rPr lang="en-US" sz="800" dirty="0">
+                  <a:solidFill>
+                    <a:schemeClr val="tx1">
+                      <a:lumMod val="95000"/>
+                      <a:lumOff val="5000"/>
+                    </a:schemeClr>
+                  </a:solidFill>
+                  <a:latin typeface="Arial" panose="020B0604020202020204" pitchFamily="34" charset="0"/>
+                  <a:cs typeface="Arial" panose="020B0604020202020204" pitchFamily="34" charset="0"/>
+                </a:rPr>
+                <a:t>(35 -days after release)</a:t>
+              </a:r>
+            </a:p>
+          </p:txBody>
+        </p:sp>
+        <p:sp>
+          <p:nvSpPr>
+            <p:cNvPr id="169" name="Rectangle 168">
+              <a:extLst>
+                <a:ext uri="{FF2B5EF4-FFF2-40B4-BE49-F238E27FC236}">
+                  <a16:creationId xmlns:a16="http://schemas.microsoft.com/office/drawing/2014/main" id="{557984DC-1A3A-C34B-BB77-E61E0D113850}"/>
+                </a:ext>
+              </a:extLst>
+            </p:cNvPr>
+            <p:cNvSpPr/>
+            <p:nvPr/>
+          </p:nvSpPr>
+          <p:spPr>
+            <a:xfrm>
+              <a:off x="2161625" y="4031917"/>
+              <a:ext cx="1734074" cy="448786"/>
+            </a:xfrm>
+            <a:prstGeom prst="rect">
+              <a:avLst/>
+            </a:prstGeom>
+            <a:solidFill>
+              <a:schemeClr val="bg1">
+                <a:lumMod val="85000"/>
+              </a:schemeClr>
+            </a:solidFill>
+            <a:ln w="9525">
+              <a:noFill/>
+            </a:ln>
+          </p:spPr>
+          <p:style>
+            <a:lnRef idx="2">
+              <a:schemeClr val="accent1">
+                <a:shade val="50000"/>
+              </a:schemeClr>
+            </a:lnRef>
+            <a:fillRef idx="1">
+              <a:schemeClr val="accent1"/>
+            </a:fillRef>
+            <a:effectRef idx="0">
+              <a:schemeClr val="accent1"/>
+            </a:effectRef>
+            <a:fontRef idx="minor">
+              <a:schemeClr val="lt1"/>
+            </a:fontRef>
+          </p:style>
+          <p:txBody>
+            <a:bodyPr rtlCol="0" anchor="ctr"/>
+            <a:lstStyle/>
+            <a:p>
+              <a:pPr algn="ctr"/>
+              <a:r>
+                <a:rPr lang="en-US" sz="800" b="1" i="1" dirty="0">
+                  <a:solidFill>
+                    <a:schemeClr val="tx1">
+                      <a:lumMod val="95000"/>
+                      <a:lumOff val="5000"/>
+                    </a:schemeClr>
+                  </a:solidFill>
+                  <a:latin typeface="Arial" panose="020B0604020202020204" pitchFamily="34" charset="0"/>
+                  <a:cs typeface="Arial" panose="020B0604020202020204" pitchFamily="34" charset="0"/>
+                </a:rPr>
+                <a:t>47-day trial, broodstock</a:t>
+              </a:r>
+            </a:p>
+            <a:p>
+              <a:pPr algn="ctr"/>
+              <a:r>
+                <a:rPr lang="en-US" sz="800" dirty="0">
+                  <a:solidFill>
+                    <a:schemeClr val="tx1">
+                      <a:lumMod val="95000"/>
+                      <a:lumOff val="5000"/>
+                    </a:schemeClr>
+                  </a:solidFill>
+                  <a:latin typeface="Arial" panose="020B0604020202020204" pitchFamily="34" charset="0"/>
+                  <a:cs typeface="Arial" panose="020B0604020202020204" pitchFamily="34" charset="0"/>
+                </a:rPr>
+                <a:t>spawned common conditions</a:t>
+              </a:r>
+            </a:p>
+            <a:p>
+              <a:pPr algn="ctr"/>
+              <a:r>
+                <a:rPr lang="en-US" sz="800" dirty="0">
+                  <a:solidFill>
+                    <a:schemeClr val="tx1">
+                      <a:lumMod val="95000"/>
+                      <a:lumOff val="5000"/>
+                    </a:schemeClr>
+                  </a:solidFill>
+                  <a:latin typeface="Arial" panose="020B0604020202020204" pitchFamily="34" charset="0"/>
+                  <a:cs typeface="Arial" panose="020B0604020202020204" pitchFamily="34" charset="0"/>
+                </a:rPr>
+                <a:t> ~18ºC, 100k cells/mL</a:t>
+              </a:r>
+            </a:p>
+          </p:txBody>
+        </p:sp>
+        <p:sp>
+          <p:nvSpPr>
+            <p:cNvPr id="90" name="Rectangle 89">
+              <a:extLst>
+                <a:ext uri="{FF2B5EF4-FFF2-40B4-BE49-F238E27FC236}">
+                  <a16:creationId xmlns:a16="http://schemas.microsoft.com/office/drawing/2014/main" id="{247F7FF4-786B-8D46-99D2-8F22F145AE05}"/>
+                </a:ext>
+              </a:extLst>
+            </p:cNvPr>
+            <p:cNvSpPr/>
+            <p:nvPr/>
+          </p:nvSpPr>
+          <p:spPr>
+            <a:xfrm>
+              <a:off x="3393699" y="4509640"/>
+              <a:ext cx="1734074" cy="448786"/>
+            </a:xfrm>
+            <a:prstGeom prst="rect">
+              <a:avLst/>
+            </a:prstGeom>
+            <a:solidFill>
+              <a:schemeClr val="bg1">
+                <a:lumMod val="85000"/>
+              </a:schemeClr>
+            </a:solidFill>
+            <a:ln w="9525">
+              <a:noFill/>
+            </a:ln>
+          </p:spPr>
+          <p:style>
+            <a:lnRef idx="2">
+              <a:schemeClr val="accent1">
+                <a:shade val="50000"/>
+              </a:schemeClr>
+            </a:lnRef>
+            <a:fillRef idx="1">
+              <a:schemeClr val="accent1"/>
+            </a:fillRef>
+            <a:effectRef idx="0">
+              <a:schemeClr val="accent1"/>
+            </a:effectRef>
+            <a:fontRef idx="minor">
+              <a:schemeClr val="lt1"/>
+            </a:fontRef>
+          </p:style>
+          <p:txBody>
+            <a:bodyPr rtlCol="0" anchor="ctr"/>
+            <a:lstStyle/>
+            <a:p>
+              <a:pPr algn="ctr"/>
+              <a:r>
+                <a:rPr lang="en-US" sz="800" b="1" i="1" dirty="0">
+                  <a:solidFill>
+                    <a:schemeClr val="tx1">
+                      <a:lumMod val="95000"/>
+                      <a:lumOff val="5000"/>
+                    </a:schemeClr>
+                  </a:solidFill>
+                  <a:latin typeface="Arial" panose="020B0604020202020204" pitchFamily="34" charset="0"/>
+                  <a:cs typeface="Arial" panose="020B0604020202020204" pitchFamily="34" charset="0"/>
+                </a:rPr>
+                <a:t>82-day trial, broodstock</a:t>
+              </a:r>
+            </a:p>
+            <a:p>
+              <a:pPr algn="ctr"/>
+              <a:r>
+                <a:rPr lang="en-US" sz="800" dirty="0">
+                  <a:solidFill>
+                    <a:schemeClr val="tx1">
+                      <a:lumMod val="95000"/>
+                      <a:lumOff val="5000"/>
+                    </a:schemeClr>
+                  </a:solidFill>
+                  <a:latin typeface="Arial" panose="020B0604020202020204" pitchFamily="34" charset="0"/>
+                  <a:cs typeface="Arial" panose="020B0604020202020204" pitchFamily="34" charset="0"/>
+                </a:rPr>
+                <a:t>spawned common conditions</a:t>
+              </a:r>
+            </a:p>
+            <a:p>
+              <a:pPr algn="ctr"/>
+              <a:r>
+                <a:rPr lang="en-US" sz="800" dirty="0">
+                  <a:solidFill>
+                    <a:schemeClr val="tx1">
+                      <a:lumMod val="95000"/>
+                      <a:lumOff val="5000"/>
+                    </a:schemeClr>
+                  </a:solidFill>
+                  <a:latin typeface="Arial" panose="020B0604020202020204" pitchFamily="34" charset="0"/>
+                  <a:cs typeface="Arial" panose="020B0604020202020204" pitchFamily="34" charset="0"/>
+                </a:rPr>
+                <a:t> ~18ºC, 100k cells/mL</a:t>
+              </a:r>
+            </a:p>
+          </p:txBody>
+        </p:sp>
+        <p:sp>
+          <p:nvSpPr>
+            <p:cNvPr id="91" name="Rectangle 90">
+              <a:extLst>
+                <a:ext uri="{FF2B5EF4-FFF2-40B4-BE49-F238E27FC236}">
+                  <a16:creationId xmlns:a16="http://schemas.microsoft.com/office/drawing/2014/main" id="{D0DFB891-C997-2049-BC1B-4E5FE8FED508}"/>
+                </a:ext>
+              </a:extLst>
+            </p:cNvPr>
+            <p:cNvSpPr/>
+            <p:nvPr/>
+          </p:nvSpPr>
+          <p:spPr>
+            <a:xfrm>
+              <a:off x="3895700" y="5048910"/>
+              <a:ext cx="2227771" cy="448786"/>
+            </a:xfrm>
+            <a:prstGeom prst="rect">
+              <a:avLst/>
+            </a:prstGeom>
+            <a:solidFill>
+              <a:schemeClr val="bg1">
+                <a:lumMod val="95000"/>
+              </a:schemeClr>
+            </a:solidFill>
+            <a:ln w="9525">
+              <a:noFill/>
+            </a:ln>
+          </p:spPr>
+          <p:style>
+            <a:lnRef idx="2">
+              <a:schemeClr val="accent1">
+                <a:shade val="50000"/>
+              </a:schemeClr>
+            </a:lnRef>
+            <a:fillRef idx="1">
+              <a:schemeClr val="accent1"/>
+            </a:fillRef>
+            <a:effectRef idx="0">
+              <a:schemeClr val="accent1"/>
+            </a:effectRef>
+            <a:fontRef idx="minor">
+              <a:schemeClr val="lt1"/>
+            </a:fontRef>
+          </p:style>
+          <p:txBody>
+            <a:bodyPr rtlCol="0" anchor="ctr"/>
+            <a:lstStyle/>
+            <a:p>
+              <a:pPr algn="ctr"/>
+              <a:r>
+                <a:rPr lang="en-US" sz="800" b="1" i="1" dirty="0">
+                  <a:solidFill>
+                    <a:schemeClr val="tx1">
+                      <a:lumMod val="95000"/>
+                      <a:lumOff val="5000"/>
+                    </a:schemeClr>
+                  </a:solidFill>
+                  <a:latin typeface="Arial" panose="020B0604020202020204" pitchFamily="34" charset="0"/>
+                  <a:cs typeface="Arial" panose="020B0604020202020204" pitchFamily="34" charset="0"/>
+                </a:rPr>
+                <a:t>82-day trial, larvae</a:t>
+              </a:r>
+            </a:p>
+            <a:p>
+              <a:pPr algn="ctr"/>
+              <a:r>
+                <a:rPr lang="en-US" sz="800" dirty="0">
+                  <a:solidFill>
+                    <a:schemeClr val="tx1">
+                      <a:lumMod val="95000"/>
+                      <a:lumOff val="5000"/>
+                    </a:schemeClr>
+                  </a:solidFill>
+                  <a:latin typeface="Arial" panose="020B0604020202020204" pitchFamily="34" charset="0"/>
+                  <a:cs typeface="Arial" panose="020B0604020202020204" pitchFamily="34" charset="0"/>
+                </a:rPr>
+                <a:t>reared common conditions</a:t>
+              </a:r>
+            </a:p>
+            <a:p>
+              <a:pPr algn="ctr"/>
+              <a:r>
+                <a:rPr lang="en-US" sz="800" dirty="0">
+                  <a:solidFill>
+                    <a:schemeClr val="tx1">
+                      <a:lumMod val="95000"/>
+                      <a:lumOff val="5000"/>
+                    </a:schemeClr>
+                  </a:solidFill>
+                  <a:latin typeface="Arial" panose="020B0604020202020204" pitchFamily="34" charset="0"/>
+                  <a:cs typeface="Arial" panose="020B0604020202020204" pitchFamily="34" charset="0"/>
+                </a:rPr>
+                <a:t>static, ~18ºC, 100k cells/mL</a:t>
+              </a:r>
+            </a:p>
+          </p:txBody>
+        </p:sp>
+        <p:sp>
+          <p:nvSpPr>
+            <p:cNvPr id="93" name="Rectangle 92">
+              <a:extLst>
+                <a:ext uri="{FF2B5EF4-FFF2-40B4-BE49-F238E27FC236}">
+                  <a16:creationId xmlns:a16="http://schemas.microsoft.com/office/drawing/2014/main" id="{99BDB09C-DBEA-C444-8CC5-F9CF0D74406F}"/>
+                </a:ext>
+              </a:extLst>
+            </p:cNvPr>
+            <p:cNvSpPr/>
+            <p:nvPr/>
+          </p:nvSpPr>
+          <p:spPr>
+            <a:xfrm>
+              <a:off x="603978" y="3593432"/>
+              <a:ext cx="802852" cy="230832"/>
+            </a:xfrm>
+            <a:prstGeom prst="rect">
+              <a:avLst/>
+            </a:prstGeom>
+            <a:solidFill>
+              <a:schemeClr val="bg1">
+                <a:lumMod val="95000"/>
+              </a:schemeClr>
+            </a:solidFill>
+            <a:ln>
+              <a:noFill/>
+            </a:ln>
+          </p:spPr>
+          <p:txBody>
+            <a:bodyPr wrap="square">
+              <a:spAutoFit/>
+            </a:bodyPr>
+            <a:lstStyle/>
+            <a:p>
+              <a:pPr algn="ctr"/>
+              <a:r>
+                <a:rPr lang="en-US" sz="900" i="1" dirty="0" err="1">
+                  <a:solidFill>
+                    <a:schemeClr val="tx1">
+                      <a:lumMod val="85000"/>
+                      <a:lumOff val="15000"/>
+                    </a:schemeClr>
+                  </a:solidFill>
+                  <a:latin typeface="Arial" panose="020B0604020202020204" pitchFamily="34" charset="0"/>
+                  <a:cs typeface="Arial" panose="020B0604020202020204" pitchFamily="34" charset="0"/>
+                </a:rPr>
+                <a:t>Broodstock</a:t>
+              </a:r>
+              <a:endParaRPr lang="en-US" sz="900" i="1" dirty="0">
+                <a:solidFill>
+                  <a:schemeClr val="tx1">
+                    <a:lumMod val="85000"/>
+                    <a:lumOff val="15000"/>
+                  </a:schemeClr>
+                </a:solidFill>
+                <a:latin typeface="Arial" panose="020B0604020202020204" pitchFamily="34" charset="0"/>
+                <a:cs typeface="Arial" panose="020B0604020202020204" pitchFamily="34" charset="0"/>
+              </a:endParaRPr>
+            </a:p>
+          </p:txBody>
+        </p:sp>
+        <p:sp>
+          <p:nvSpPr>
+            <p:cNvPr id="164" name="Rectangle 163">
+              <a:extLst>
+                <a:ext uri="{FF2B5EF4-FFF2-40B4-BE49-F238E27FC236}">
+                  <a16:creationId xmlns:a16="http://schemas.microsoft.com/office/drawing/2014/main" id="{A78331B5-D6E3-9E49-870F-89EEDB4C2D8F}"/>
+                </a:ext>
+              </a:extLst>
+            </p:cNvPr>
+            <p:cNvSpPr/>
+            <p:nvPr/>
+          </p:nvSpPr>
+          <p:spPr>
+            <a:xfrm>
+              <a:off x="869752" y="3175531"/>
+              <a:ext cx="505503" cy="200055"/>
+            </a:xfrm>
+            <a:prstGeom prst="rect">
+              <a:avLst/>
+            </a:prstGeom>
+          </p:spPr>
+          <p:txBody>
+            <a:bodyPr wrap="square">
+              <a:spAutoFit/>
+            </a:bodyPr>
+            <a:lstStyle/>
+            <a:p>
+              <a:r>
+                <a:rPr lang="en-US" sz="700" dirty="0">
+                  <a:solidFill>
+                    <a:srgbClr val="F08A62"/>
+                  </a:solidFill>
+                  <a:latin typeface="Arial" panose="020B0604020202020204" pitchFamily="34" charset="0"/>
+                  <a:cs typeface="Arial" panose="020B0604020202020204" pitchFamily="34" charset="0"/>
+                </a:rPr>
+                <a:t>Nov 30</a:t>
+              </a:r>
+            </a:p>
+          </p:txBody>
+        </p:sp>
+        <p:sp>
+          <p:nvSpPr>
+            <p:cNvPr id="170" name="Rectangle 169">
+              <a:extLst>
+                <a:ext uri="{FF2B5EF4-FFF2-40B4-BE49-F238E27FC236}">
+                  <a16:creationId xmlns:a16="http://schemas.microsoft.com/office/drawing/2014/main" id="{845C95C7-A089-5146-9906-C54C52C5C802}"/>
+                </a:ext>
+              </a:extLst>
+            </p:cNvPr>
+            <p:cNvSpPr/>
+            <p:nvPr/>
+          </p:nvSpPr>
+          <p:spPr>
+            <a:xfrm>
+              <a:off x="644962" y="4706793"/>
+              <a:ext cx="1791659" cy="230832"/>
+            </a:xfrm>
+            <a:prstGeom prst="rect">
+              <a:avLst/>
+            </a:prstGeom>
+          </p:spPr>
+          <p:txBody>
+            <a:bodyPr wrap="square">
+              <a:spAutoFit/>
+            </a:bodyPr>
+            <a:lstStyle/>
+            <a:p>
+              <a:r>
+                <a:rPr lang="en-US" sz="900" dirty="0">
+                  <a:solidFill>
+                    <a:srgbClr val="F08A62"/>
+                  </a:solidFill>
+                  <a:latin typeface="Arial" panose="020B0604020202020204" pitchFamily="34" charset="0"/>
+                  <a:cs typeface="Arial" panose="020B0604020202020204" pitchFamily="34" charset="0"/>
+                </a:rPr>
+                <a:t>Dates </a:t>
+              </a:r>
+              <a:r>
+                <a:rPr lang="en-US" sz="900" dirty="0" err="1">
+                  <a:solidFill>
+                    <a:srgbClr val="F08A62"/>
+                  </a:solidFill>
+                  <a:latin typeface="Arial" panose="020B0604020202020204" pitchFamily="34" charset="0"/>
+                  <a:cs typeface="Arial" panose="020B0604020202020204" pitchFamily="34" charset="0"/>
+                </a:rPr>
+                <a:t>broodstock</a:t>
+              </a:r>
+              <a:r>
+                <a:rPr lang="en-US" sz="900" dirty="0">
+                  <a:solidFill>
+                    <a:srgbClr val="F08A62"/>
+                  </a:solidFill>
+                  <a:latin typeface="Arial" panose="020B0604020202020204" pitchFamily="34" charset="0"/>
+                  <a:cs typeface="Arial" panose="020B0604020202020204" pitchFamily="34" charset="0"/>
+                </a:rPr>
+                <a:t> sampled</a:t>
+              </a:r>
+            </a:p>
+          </p:txBody>
+        </p:sp>
+        <p:sp>
+          <p:nvSpPr>
+            <p:cNvPr id="59" name="Rectangle 58">
+              <a:extLst>
+                <a:ext uri="{FF2B5EF4-FFF2-40B4-BE49-F238E27FC236}">
+                  <a16:creationId xmlns:a16="http://schemas.microsoft.com/office/drawing/2014/main" id="{84902DE0-CD72-E045-A806-E3CF07EAB360}"/>
+                </a:ext>
+              </a:extLst>
+            </p:cNvPr>
+            <p:cNvSpPr/>
+            <p:nvPr/>
+          </p:nvSpPr>
+          <p:spPr>
+            <a:xfrm>
+              <a:off x="1345329" y="3172431"/>
+              <a:ext cx="505503" cy="200055"/>
+            </a:xfrm>
+            <a:prstGeom prst="rect">
+              <a:avLst/>
+            </a:prstGeom>
+          </p:spPr>
+          <p:txBody>
+            <a:bodyPr wrap="square">
+              <a:spAutoFit/>
+            </a:bodyPr>
+            <a:lstStyle/>
+            <a:p>
+              <a:r>
+                <a:rPr lang="en-US" sz="700" dirty="0">
+                  <a:solidFill>
+                    <a:srgbClr val="F08A62"/>
+                  </a:solidFill>
+                  <a:latin typeface="Arial" panose="020B0604020202020204" pitchFamily="34" charset="0"/>
+                  <a:cs typeface="Arial" panose="020B0604020202020204" pitchFamily="34" charset="0"/>
+                </a:rPr>
+                <a:t>Dec 20</a:t>
+              </a:r>
+            </a:p>
+          </p:txBody>
+        </p:sp>
+        <p:sp>
+          <p:nvSpPr>
+            <p:cNvPr id="60" name="Rectangle 59">
+              <a:extLst>
+                <a:ext uri="{FF2B5EF4-FFF2-40B4-BE49-F238E27FC236}">
+                  <a16:creationId xmlns:a16="http://schemas.microsoft.com/office/drawing/2014/main" id="{E9FF3352-08C3-5B4D-BAD6-140D7E757B0C}"/>
+                </a:ext>
+              </a:extLst>
+            </p:cNvPr>
+            <p:cNvSpPr/>
+            <p:nvPr/>
+          </p:nvSpPr>
+          <p:spPr>
+            <a:xfrm>
+              <a:off x="1742272" y="3175976"/>
+              <a:ext cx="505503" cy="200055"/>
+            </a:xfrm>
+            <a:prstGeom prst="rect">
+              <a:avLst/>
+            </a:prstGeom>
+          </p:spPr>
+          <p:txBody>
+            <a:bodyPr wrap="square">
+              <a:spAutoFit/>
+            </a:bodyPr>
+            <a:lstStyle/>
+            <a:p>
+              <a:r>
+                <a:rPr lang="en-US" sz="700" dirty="0">
+                  <a:solidFill>
+                    <a:srgbClr val="F08A62"/>
+                  </a:solidFill>
+                  <a:latin typeface="Arial" panose="020B0604020202020204" pitchFamily="34" charset="0"/>
+                  <a:cs typeface="Arial" panose="020B0604020202020204" pitchFamily="34" charset="0"/>
+                </a:rPr>
+                <a:t>Jan 4</a:t>
+              </a:r>
+            </a:p>
+          </p:txBody>
+        </p:sp>
+        <p:sp>
+          <p:nvSpPr>
+            <p:cNvPr id="61" name="Rectangle 60">
+              <a:extLst>
+                <a:ext uri="{FF2B5EF4-FFF2-40B4-BE49-F238E27FC236}">
+                  <a16:creationId xmlns:a16="http://schemas.microsoft.com/office/drawing/2014/main" id="{303F7BD3-5B0C-A84E-B95F-F29AD8B244BE}"/>
+                </a:ext>
+              </a:extLst>
+            </p:cNvPr>
+            <p:cNvSpPr/>
+            <p:nvPr/>
+          </p:nvSpPr>
+          <p:spPr>
+            <a:xfrm>
+              <a:off x="2158814" y="3177232"/>
+              <a:ext cx="505503" cy="200055"/>
+            </a:xfrm>
+            <a:prstGeom prst="rect">
+              <a:avLst/>
+            </a:prstGeom>
+          </p:spPr>
+          <p:txBody>
+            <a:bodyPr wrap="square">
+              <a:spAutoFit/>
+            </a:bodyPr>
+            <a:lstStyle/>
+            <a:p>
+              <a:r>
+                <a:rPr lang="en-US" sz="700" dirty="0">
+                  <a:solidFill>
+                    <a:srgbClr val="F08A62"/>
+                  </a:solidFill>
+                  <a:latin typeface="Arial" panose="020B0604020202020204" pitchFamily="34" charset="0"/>
+                  <a:cs typeface="Arial" panose="020B0604020202020204" pitchFamily="34" charset="0"/>
+                </a:rPr>
+                <a:t>Jan 23</a:t>
+              </a:r>
+            </a:p>
+          </p:txBody>
+        </p:sp>
+        <p:sp>
+          <p:nvSpPr>
+            <p:cNvPr id="62" name="Rectangle 61">
+              <a:extLst>
+                <a:ext uri="{FF2B5EF4-FFF2-40B4-BE49-F238E27FC236}">
+                  <a16:creationId xmlns:a16="http://schemas.microsoft.com/office/drawing/2014/main" id="{56D51ADE-3028-7644-A08B-224EDB075E11}"/>
+                </a:ext>
+              </a:extLst>
+            </p:cNvPr>
+            <p:cNvSpPr/>
+            <p:nvPr/>
+          </p:nvSpPr>
+          <p:spPr>
+            <a:xfrm>
+              <a:off x="2726060" y="3174033"/>
+              <a:ext cx="505503" cy="200055"/>
+            </a:xfrm>
+            <a:prstGeom prst="rect">
+              <a:avLst/>
+            </a:prstGeom>
+          </p:spPr>
+          <p:txBody>
+            <a:bodyPr wrap="square">
+              <a:spAutoFit/>
+            </a:bodyPr>
+            <a:lstStyle/>
+            <a:p>
+              <a:r>
+                <a:rPr lang="en-US" sz="700" dirty="0">
+                  <a:solidFill>
+                    <a:srgbClr val="F08A62"/>
+                  </a:solidFill>
+                  <a:latin typeface="Arial" panose="020B0604020202020204" pitchFamily="34" charset="0"/>
+                  <a:cs typeface="Arial" panose="020B0604020202020204" pitchFamily="34" charset="0"/>
+                </a:rPr>
+                <a:t>Feb 9</a:t>
+              </a:r>
+            </a:p>
+          </p:txBody>
+        </p:sp>
+        <p:sp>
+          <p:nvSpPr>
+            <p:cNvPr id="66" name="Rectangle 65">
+              <a:extLst>
+                <a:ext uri="{FF2B5EF4-FFF2-40B4-BE49-F238E27FC236}">
+                  <a16:creationId xmlns:a16="http://schemas.microsoft.com/office/drawing/2014/main" id="{C2CFEBC5-2A6F-EE4E-ADEA-E5393D5A73F0}"/>
+                </a:ext>
+              </a:extLst>
+            </p:cNvPr>
+            <p:cNvSpPr/>
+            <p:nvPr/>
+          </p:nvSpPr>
+          <p:spPr>
+            <a:xfrm>
+              <a:off x="3057932" y="3170236"/>
+              <a:ext cx="505503" cy="200055"/>
+            </a:xfrm>
+            <a:prstGeom prst="rect">
+              <a:avLst/>
+            </a:prstGeom>
+          </p:spPr>
+          <p:txBody>
+            <a:bodyPr wrap="square">
+              <a:spAutoFit/>
+            </a:bodyPr>
+            <a:lstStyle/>
+            <a:p>
+              <a:r>
+                <a:rPr lang="en-US" sz="700" dirty="0">
+                  <a:solidFill>
+                    <a:srgbClr val="F08A62"/>
+                  </a:solidFill>
+                  <a:latin typeface="Arial" panose="020B0604020202020204" pitchFamily="34" charset="0"/>
+                  <a:cs typeface="Arial" panose="020B0604020202020204" pitchFamily="34" charset="0"/>
+                </a:rPr>
+                <a:t>Feb 27</a:t>
+              </a:r>
+            </a:p>
+          </p:txBody>
+        </p:sp>
+        <p:sp>
+          <p:nvSpPr>
+            <p:cNvPr id="68" name="Rectangle 67">
+              <a:extLst>
+                <a:ext uri="{FF2B5EF4-FFF2-40B4-BE49-F238E27FC236}">
+                  <a16:creationId xmlns:a16="http://schemas.microsoft.com/office/drawing/2014/main" id="{09C40E39-6563-1A44-93EE-E54FE7EF1DF3}"/>
+                </a:ext>
+              </a:extLst>
+            </p:cNvPr>
+            <p:cNvSpPr/>
+            <p:nvPr/>
+          </p:nvSpPr>
+          <p:spPr>
+            <a:xfrm>
+              <a:off x="3489919" y="3162193"/>
+              <a:ext cx="505503" cy="200055"/>
+            </a:xfrm>
+            <a:prstGeom prst="rect">
+              <a:avLst/>
+            </a:prstGeom>
+          </p:spPr>
+          <p:txBody>
+            <a:bodyPr wrap="square">
+              <a:spAutoFit/>
+            </a:bodyPr>
+            <a:lstStyle/>
+            <a:p>
+              <a:r>
+                <a:rPr lang="en-US" sz="700" dirty="0">
+                  <a:solidFill>
+                    <a:srgbClr val="F08A62"/>
+                  </a:solidFill>
+                  <a:latin typeface="Arial" panose="020B0604020202020204" pitchFamily="34" charset="0"/>
+                  <a:cs typeface="Arial" panose="020B0604020202020204" pitchFamily="34" charset="0"/>
+                </a:rPr>
+                <a:t>Mar 3</a:t>
+              </a:r>
+            </a:p>
+          </p:txBody>
+        </p:sp>
+        <p:sp>
+          <p:nvSpPr>
+            <p:cNvPr id="69" name="Rectangle 68">
+              <a:extLst>
+                <a:ext uri="{FF2B5EF4-FFF2-40B4-BE49-F238E27FC236}">
+                  <a16:creationId xmlns:a16="http://schemas.microsoft.com/office/drawing/2014/main" id="{FCECF6C7-5A9E-8A46-9102-7B0A299794E1}"/>
+                </a:ext>
+              </a:extLst>
+            </p:cNvPr>
+            <p:cNvSpPr/>
+            <p:nvPr/>
+          </p:nvSpPr>
+          <p:spPr>
+            <a:xfrm>
+              <a:off x="3801624" y="3158396"/>
+              <a:ext cx="505503" cy="200055"/>
+            </a:xfrm>
+            <a:prstGeom prst="rect">
+              <a:avLst/>
+            </a:prstGeom>
+          </p:spPr>
+          <p:txBody>
+            <a:bodyPr wrap="square">
+              <a:spAutoFit/>
+            </a:bodyPr>
+            <a:lstStyle/>
+            <a:p>
+              <a:r>
+                <a:rPr lang="en-US" sz="700" dirty="0">
+                  <a:solidFill>
+                    <a:srgbClr val="F08A62"/>
+                  </a:solidFill>
+                  <a:latin typeface="Arial" panose="020B0604020202020204" pitchFamily="34" charset="0"/>
+                  <a:cs typeface="Arial" panose="020B0604020202020204" pitchFamily="34" charset="0"/>
+                </a:rPr>
+                <a:t>Mar 23</a:t>
+              </a:r>
+            </a:p>
+          </p:txBody>
+        </p:sp>
+      </p:grpSp>
+    </p:spTree>
+    <p:extLst>
+      <p:ext uri="{BB962C8B-B14F-4D97-AF65-F5344CB8AC3E}">
+        <p14:creationId xmlns:p14="http://schemas.microsoft.com/office/powerpoint/2010/main" val="1097321586"/>
+      </p:ext>
+    </p:extLst>
+  </p:cSld>
+  <p:clrMapOvr>
+    <a:masterClrMapping/>
+  </p:clrMapOvr>
+</p:sld>
+</file>
+
+<file path=ppt/slides/slide2.xml><?xml version="1.0" encoding="utf-8"?>
+<p:sld xmlns:a="http://schemas.openxmlformats.org/drawingml/2006/main" xmlns:r="http://schemas.openxmlformats.org/officeDocument/2006/relationships" xmlns:p="http://schemas.openxmlformats.org/presentationml/2006/main">
+  <p:cSld>
+    <p:spTree>
+      <p:nvGrpSpPr>
+        <p:cNvPr id="1" name=""/>
+        <p:cNvGrpSpPr/>
+        <p:nvPr/>
+      </p:nvGrpSpPr>
+      <p:grpSpPr>
+        <a:xfrm>
+          <a:off x="0" y="0"/>
+          <a:ext cx="0" cy="0"/>
+          <a:chOff x="0" y="0"/>
+          <a:chExt cx="0" cy="0"/>
+        </a:xfrm>
+      </p:grpSpPr>
+      <p:grpSp>
+        <p:nvGrpSpPr>
+          <p:cNvPr id="91" name="Group 90">
+            <a:extLst>
+              <a:ext uri="{FF2B5EF4-FFF2-40B4-BE49-F238E27FC236}">
+                <a16:creationId xmlns:a16="http://schemas.microsoft.com/office/drawing/2014/main" id="{0AF64FDD-70D0-6C46-9EBB-3D5FC3D00D94}"/>
+              </a:ext>
+            </a:extLst>
+          </p:cNvPr>
+          <p:cNvGrpSpPr/>
+          <p:nvPr/>
+        </p:nvGrpSpPr>
+        <p:grpSpPr>
+          <a:xfrm>
+            <a:off x="129496" y="284485"/>
+            <a:ext cx="8510917" cy="4932025"/>
+            <a:chOff x="129496" y="284485"/>
+            <a:chExt cx="8510917" cy="4932025"/>
+          </a:xfrm>
+        </p:grpSpPr>
+        <p:sp>
+          <p:nvSpPr>
+            <p:cNvPr id="7" name="TextBox 6">
+              <a:extLst>
+                <a:ext uri="{FF2B5EF4-FFF2-40B4-BE49-F238E27FC236}">
+                  <a16:creationId xmlns:a16="http://schemas.microsoft.com/office/drawing/2014/main" id="{DCD07132-0EF3-C045-AD85-4BE035150493}"/>
+                </a:ext>
+              </a:extLst>
+            </p:cNvPr>
+            <p:cNvSpPr txBox="1"/>
+            <p:nvPr/>
+          </p:nvSpPr>
+          <p:spPr>
+            <a:xfrm>
+              <a:off x="965732" y="307154"/>
+              <a:ext cx="2111501" cy="261610"/>
+            </a:xfrm>
+            <a:prstGeom prst="rect">
+              <a:avLst/>
+            </a:prstGeom>
+            <a:noFill/>
+          </p:spPr>
+          <p:txBody>
+            <a:bodyPr wrap="square" rtlCol="0">
+              <a:spAutoFit/>
+            </a:bodyPr>
+            <a:lstStyle/>
+            <a:p>
+              <a:r>
+                <a:rPr lang="en-US" sz="1100" dirty="0">
+                  <a:solidFill>
+                    <a:schemeClr val="tx1">
+                      <a:lumMod val="75000"/>
+                      <a:lumOff val="25000"/>
+                    </a:schemeClr>
+                  </a:solidFill>
+                  <a:latin typeface="Arial" panose="020B0604020202020204" pitchFamily="34" charset="0"/>
+                  <a:cs typeface="Arial" panose="020B0604020202020204" pitchFamily="34" charset="0"/>
+                </a:rPr>
+                <a:t>Predominant Gonad Sex</a:t>
+              </a:r>
+            </a:p>
+          </p:txBody>
+        </p:sp>
+        <p:sp>
+          <p:nvSpPr>
+            <p:cNvPr id="8" name="TextBox 7">
+              <a:extLst>
+                <a:ext uri="{FF2B5EF4-FFF2-40B4-BE49-F238E27FC236}">
+                  <a16:creationId xmlns:a16="http://schemas.microsoft.com/office/drawing/2014/main" id="{9DA0215A-45C1-C74D-BF67-DEB80016112A}"/>
+                </a:ext>
+              </a:extLst>
+            </p:cNvPr>
+            <p:cNvSpPr txBox="1"/>
+            <p:nvPr/>
+          </p:nvSpPr>
+          <p:spPr>
+            <a:xfrm>
+              <a:off x="3255109" y="285798"/>
+              <a:ext cx="1625177" cy="261610"/>
+            </a:xfrm>
+            <a:prstGeom prst="rect">
+              <a:avLst/>
+            </a:prstGeom>
+            <a:noFill/>
+          </p:spPr>
+          <p:txBody>
+            <a:bodyPr wrap="square" rtlCol="0">
+              <a:spAutoFit/>
+            </a:bodyPr>
+            <a:lstStyle/>
+            <a:p>
+              <a:pPr algn="ctr"/>
+              <a:r>
+                <a:rPr lang="en-US" sz="1100" dirty="0">
+                  <a:solidFill>
+                    <a:schemeClr val="tx1">
+                      <a:lumMod val="75000"/>
+                      <a:lumOff val="25000"/>
+                    </a:schemeClr>
+                  </a:solidFill>
+                  <a:latin typeface="Arial" panose="020B0604020202020204" pitchFamily="34" charset="0"/>
+                  <a:cs typeface="Arial" panose="020B0604020202020204" pitchFamily="34" charset="0"/>
+                </a:rPr>
+                <a:t>Oocyte stage</a:t>
+              </a:r>
+            </a:p>
+          </p:txBody>
+        </p:sp>
+        <p:sp>
+          <p:nvSpPr>
+            <p:cNvPr id="10" name="TextBox 9">
+              <a:extLst>
+                <a:ext uri="{FF2B5EF4-FFF2-40B4-BE49-F238E27FC236}">
+                  <a16:creationId xmlns:a16="http://schemas.microsoft.com/office/drawing/2014/main" id="{8E4D9B60-852D-5240-AB7C-E27CF74004EF}"/>
+                </a:ext>
+              </a:extLst>
+            </p:cNvPr>
+            <p:cNvSpPr txBox="1"/>
+            <p:nvPr/>
+          </p:nvSpPr>
+          <p:spPr>
+            <a:xfrm>
+              <a:off x="5858659" y="284485"/>
+              <a:ext cx="1923204" cy="261610"/>
+            </a:xfrm>
+            <a:prstGeom prst="rect">
+              <a:avLst/>
+            </a:prstGeom>
+            <a:noFill/>
+          </p:spPr>
+          <p:txBody>
+            <a:bodyPr wrap="square" rtlCol="0">
+              <a:spAutoFit/>
+            </a:bodyPr>
+            <a:lstStyle/>
+            <a:p>
+              <a:r>
+                <a:rPr lang="en-US" sz="1100" dirty="0">
+                  <a:solidFill>
+                    <a:schemeClr val="tx1">
+                      <a:lumMod val="75000"/>
+                      <a:lumOff val="25000"/>
+                    </a:schemeClr>
+                  </a:solidFill>
+                  <a:latin typeface="Arial" panose="020B0604020202020204" pitchFamily="34" charset="0"/>
+                  <a:cs typeface="Arial" panose="020B0604020202020204" pitchFamily="34" charset="0"/>
+                </a:rPr>
+                <a:t>Spermatocyte Stage</a:t>
+              </a:r>
+            </a:p>
+          </p:txBody>
+        </p:sp>
+        <p:sp>
+          <p:nvSpPr>
+            <p:cNvPr id="49" name="TextBox 48">
+              <a:extLst>
+                <a:ext uri="{FF2B5EF4-FFF2-40B4-BE49-F238E27FC236}">
+                  <a16:creationId xmlns:a16="http://schemas.microsoft.com/office/drawing/2014/main" id="{C995DEEA-F2B9-9A43-8A23-F6C7C2515277}"/>
+                </a:ext>
+              </a:extLst>
+            </p:cNvPr>
+            <p:cNvSpPr txBox="1"/>
+            <p:nvPr/>
+          </p:nvSpPr>
+          <p:spPr>
+            <a:xfrm rot="16200000">
+              <a:off x="-1041433" y="2652254"/>
+              <a:ext cx="2618858" cy="276999"/>
+            </a:xfrm>
+            <a:prstGeom prst="rect">
+              <a:avLst/>
+            </a:prstGeom>
+            <a:noFill/>
+          </p:spPr>
+          <p:txBody>
+            <a:bodyPr wrap="square" rtlCol="0">
+              <a:spAutoFit/>
+            </a:bodyPr>
+            <a:lstStyle/>
+            <a:p>
+              <a:pPr algn="r"/>
+              <a:r>
+                <a:rPr lang="en-US" sz="1200" dirty="0">
+                  <a:solidFill>
+                    <a:schemeClr val="tx1">
+                      <a:lumMod val="75000"/>
+                      <a:lumOff val="25000"/>
+                    </a:schemeClr>
+                  </a:solidFill>
+                  <a:latin typeface="Arial" panose="020B0604020202020204" pitchFamily="34" charset="0"/>
+                  <a:cs typeface="Arial" panose="020B0604020202020204" pitchFamily="34" charset="0"/>
+                </a:rPr>
+                <a:t>Percent of oysters sampled</a:t>
+              </a:r>
+            </a:p>
+          </p:txBody>
+        </p:sp>
+        <p:sp>
+          <p:nvSpPr>
+            <p:cNvPr id="50" name="TextBox 49">
+              <a:extLst>
+                <a:ext uri="{FF2B5EF4-FFF2-40B4-BE49-F238E27FC236}">
+                  <a16:creationId xmlns:a16="http://schemas.microsoft.com/office/drawing/2014/main" id="{1A97F49E-ED87-894F-A586-E05D070035B5}"/>
+                </a:ext>
+              </a:extLst>
+            </p:cNvPr>
+            <p:cNvSpPr txBox="1"/>
+            <p:nvPr/>
+          </p:nvSpPr>
+          <p:spPr>
+            <a:xfrm>
+              <a:off x="7781863" y="841506"/>
+              <a:ext cx="519201" cy="276999"/>
+            </a:xfrm>
+            <a:prstGeom prst="rect">
+              <a:avLst/>
+            </a:prstGeom>
+            <a:noFill/>
+          </p:spPr>
+          <p:txBody>
+            <a:bodyPr wrap="square" rtlCol="0">
+              <a:spAutoFit/>
+            </a:bodyPr>
+            <a:lstStyle/>
+            <a:p>
+              <a:r>
+                <a:rPr lang="en-US" sz="1200" dirty="0">
+                  <a:solidFill>
+                    <a:schemeClr val="tx1">
+                      <a:lumMod val="75000"/>
+                      <a:lumOff val="25000"/>
+                    </a:schemeClr>
+                  </a:solidFill>
+                  <a:latin typeface="Arial" panose="020B0604020202020204" pitchFamily="34" charset="0"/>
+                  <a:cs typeface="Arial" panose="020B0604020202020204" pitchFamily="34" charset="0"/>
+                </a:rPr>
+                <a:t>Wild</a:t>
+              </a:r>
+            </a:p>
+          </p:txBody>
+        </p:sp>
+        <p:sp>
+          <p:nvSpPr>
+            <p:cNvPr id="51" name="TextBox 50">
+              <a:extLst>
+                <a:ext uri="{FF2B5EF4-FFF2-40B4-BE49-F238E27FC236}">
+                  <a16:creationId xmlns:a16="http://schemas.microsoft.com/office/drawing/2014/main" id="{A4F4A89C-4D24-044B-943E-BF25BA9085DA}"/>
+                </a:ext>
+              </a:extLst>
+            </p:cNvPr>
+            <p:cNvSpPr txBox="1"/>
+            <p:nvPr/>
+          </p:nvSpPr>
+          <p:spPr>
+            <a:xfrm>
+              <a:off x="7790381" y="1568998"/>
+              <a:ext cx="850032" cy="415498"/>
+            </a:xfrm>
+            <a:prstGeom prst="rect">
+              <a:avLst/>
+            </a:prstGeom>
+            <a:noFill/>
+          </p:spPr>
+          <p:txBody>
+            <a:bodyPr wrap="square" rtlCol="0">
+              <a:spAutoFit/>
+            </a:bodyPr>
+            <a:lstStyle/>
+            <a:p>
+              <a:r>
+                <a:rPr lang="en-US" sz="1050" dirty="0">
+                  <a:solidFill>
+                    <a:schemeClr val="tx1">
+                      <a:lumMod val="75000"/>
+                      <a:lumOff val="25000"/>
+                    </a:schemeClr>
+                  </a:solidFill>
+                  <a:latin typeface="Arial" panose="020B0604020202020204" pitchFamily="34" charset="0"/>
+                  <a:cs typeface="Arial" panose="020B0604020202020204" pitchFamily="34" charset="0"/>
+                </a:rPr>
+                <a:t>7°C+ </a:t>
+              </a:r>
+            </a:p>
+            <a:p>
+              <a:r>
+                <a:rPr lang="en-US" sz="1050" dirty="0">
+                  <a:solidFill>
+                    <a:schemeClr val="tx1">
+                      <a:lumMod val="75000"/>
+                      <a:lumOff val="25000"/>
+                    </a:schemeClr>
+                  </a:solidFill>
+                  <a:latin typeface="Arial" panose="020B0604020202020204" pitchFamily="34" charset="0"/>
+                  <a:cs typeface="Arial" panose="020B0604020202020204" pitchFamily="34" charset="0"/>
+                </a:rPr>
+                <a:t>high-food</a:t>
+              </a:r>
+            </a:p>
+          </p:txBody>
+        </p:sp>
+        <p:sp>
+          <p:nvSpPr>
+            <p:cNvPr id="52" name="TextBox 51">
+              <a:extLst>
+                <a:ext uri="{FF2B5EF4-FFF2-40B4-BE49-F238E27FC236}">
+                  <a16:creationId xmlns:a16="http://schemas.microsoft.com/office/drawing/2014/main" id="{CE5D2404-81C7-7943-8BD8-8E71C8B12EA7}"/>
+                </a:ext>
+              </a:extLst>
+            </p:cNvPr>
+            <p:cNvSpPr txBox="1"/>
+            <p:nvPr/>
+          </p:nvSpPr>
+          <p:spPr>
+            <a:xfrm>
+              <a:off x="7781863" y="2446281"/>
+              <a:ext cx="850032" cy="415498"/>
+            </a:xfrm>
+            <a:prstGeom prst="rect">
+              <a:avLst/>
+            </a:prstGeom>
+            <a:noFill/>
+          </p:spPr>
+          <p:txBody>
+            <a:bodyPr wrap="square" rtlCol="0">
+              <a:spAutoFit/>
+            </a:bodyPr>
+            <a:lstStyle/>
+            <a:p>
+              <a:r>
+                <a:rPr lang="en-US" sz="1050" dirty="0">
+                  <a:solidFill>
+                    <a:schemeClr val="tx1">
+                      <a:lumMod val="75000"/>
+                      <a:lumOff val="25000"/>
+                    </a:schemeClr>
+                  </a:solidFill>
+                  <a:latin typeface="Arial" panose="020B0604020202020204" pitchFamily="34" charset="0"/>
+                  <a:cs typeface="Arial" panose="020B0604020202020204" pitchFamily="34" charset="0"/>
+                </a:rPr>
+                <a:t>7°C+</a:t>
+              </a:r>
+            </a:p>
+            <a:p>
+              <a:r>
+                <a:rPr lang="en-US" sz="1050" dirty="0">
+                  <a:solidFill>
+                    <a:schemeClr val="tx1">
+                      <a:lumMod val="75000"/>
+                      <a:lumOff val="25000"/>
+                    </a:schemeClr>
+                  </a:solidFill>
+                  <a:latin typeface="Arial" panose="020B0604020202020204" pitchFamily="34" charset="0"/>
+                  <a:cs typeface="Arial" panose="020B0604020202020204" pitchFamily="34" charset="0"/>
+                </a:rPr>
+                <a:t>low-food</a:t>
+              </a:r>
+            </a:p>
+          </p:txBody>
+        </p:sp>
+        <p:sp>
+          <p:nvSpPr>
+            <p:cNvPr id="53" name="TextBox 52">
+              <a:extLst>
+                <a:ext uri="{FF2B5EF4-FFF2-40B4-BE49-F238E27FC236}">
+                  <a16:creationId xmlns:a16="http://schemas.microsoft.com/office/drawing/2014/main" id="{5A79F14D-F9E0-E64F-A4A7-0A0C2444C88B}"/>
+                </a:ext>
+              </a:extLst>
+            </p:cNvPr>
+            <p:cNvSpPr txBox="1"/>
+            <p:nvPr/>
+          </p:nvSpPr>
+          <p:spPr>
+            <a:xfrm>
+              <a:off x="7781863" y="3257191"/>
+              <a:ext cx="850032" cy="415498"/>
+            </a:xfrm>
+            <a:prstGeom prst="rect">
+              <a:avLst/>
+            </a:prstGeom>
+            <a:noFill/>
+          </p:spPr>
+          <p:txBody>
+            <a:bodyPr wrap="square" rtlCol="0">
+              <a:spAutoFit/>
+            </a:bodyPr>
+            <a:lstStyle/>
+            <a:p>
+              <a:r>
+                <a:rPr lang="en-US" sz="1050" dirty="0">
+                  <a:solidFill>
+                    <a:schemeClr val="tx1">
+                      <a:lumMod val="75000"/>
+                      <a:lumOff val="25000"/>
+                    </a:schemeClr>
+                  </a:solidFill>
+                  <a:latin typeface="Arial" panose="020B0604020202020204" pitchFamily="34" charset="0"/>
+                  <a:cs typeface="Arial" panose="020B0604020202020204" pitchFamily="34" charset="0"/>
+                </a:rPr>
+                <a:t>10°C+</a:t>
+              </a:r>
+            </a:p>
+            <a:p>
+              <a:r>
+                <a:rPr lang="en-US" sz="1050" dirty="0">
+                  <a:solidFill>
+                    <a:schemeClr val="tx1">
+                      <a:lumMod val="75000"/>
+                      <a:lumOff val="25000"/>
+                    </a:schemeClr>
+                  </a:solidFill>
+                  <a:latin typeface="Arial" panose="020B0604020202020204" pitchFamily="34" charset="0"/>
+                  <a:cs typeface="Arial" panose="020B0604020202020204" pitchFamily="34" charset="0"/>
+                </a:rPr>
+                <a:t>high-food</a:t>
+              </a:r>
+            </a:p>
+          </p:txBody>
+        </p:sp>
+        <p:sp>
+          <p:nvSpPr>
+            <p:cNvPr id="54" name="TextBox 53">
+              <a:extLst>
+                <a:ext uri="{FF2B5EF4-FFF2-40B4-BE49-F238E27FC236}">
+                  <a16:creationId xmlns:a16="http://schemas.microsoft.com/office/drawing/2014/main" id="{B28A57F2-FD7F-784A-9E42-C15434687ADC}"/>
+                </a:ext>
+              </a:extLst>
+            </p:cNvPr>
+            <p:cNvSpPr txBox="1"/>
+            <p:nvPr/>
+          </p:nvSpPr>
+          <p:spPr>
+            <a:xfrm>
+              <a:off x="7781863" y="4086787"/>
+              <a:ext cx="850032" cy="415498"/>
+            </a:xfrm>
+            <a:prstGeom prst="rect">
+              <a:avLst/>
+            </a:prstGeom>
+            <a:noFill/>
+          </p:spPr>
+          <p:txBody>
+            <a:bodyPr wrap="square" rtlCol="0">
+              <a:spAutoFit/>
+            </a:bodyPr>
+            <a:lstStyle/>
+            <a:p>
+              <a:r>
+                <a:rPr lang="en-US" sz="1050" dirty="0">
+                  <a:solidFill>
+                    <a:schemeClr val="tx1">
+                      <a:lumMod val="75000"/>
+                      <a:lumOff val="25000"/>
+                    </a:schemeClr>
+                  </a:solidFill>
+                  <a:latin typeface="Arial" panose="020B0604020202020204" pitchFamily="34" charset="0"/>
+                  <a:cs typeface="Arial" panose="020B0604020202020204" pitchFamily="34" charset="0"/>
+                </a:rPr>
+                <a:t>10°C+</a:t>
+              </a:r>
+            </a:p>
+            <a:p>
+              <a:r>
+                <a:rPr lang="en-US" sz="1050" dirty="0">
+                  <a:solidFill>
+                    <a:schemeClr val="tx1">
+                      <a:lumMod val="75000"/>
+                      <a:lumOff val="25000"/>
+                    </a:schemeClr>
+                  </a:solidFill>
+                  <a:latin typeface="Arial" panose="020B0604020202020204" pitchFamily="34" charset="0"/>
+                  <a:cs typeface="Arial" panose="020B0604020202020204" pitchFamily="34" charset="0"/>
+                </a:rPr>
+                <a:t>low-food</a:t>
+              </a:r>
+            </a:p>
+          </p:txBody>
+        </p:sp>
+        <p:pic>
+          <p:nvPicPr>
+            <p:cNvPr id="79" name="Picture 78">
+              <a:extLst>
+                <a:ext uri="{FF2B5EF4-FFF2-40B4-BE49-F238E27FC236}">
+                  <a16:creationId xmlns:a16="http://schemas.microsoft.com/office/drawing/2014/main" id="{C2FEDB0D-9238-3744-AD6E-0B70C540FCAD}"/>
+                </a:ext>
+              </a:extLst>
+            </p:cNvPr>
+            <p:cNvPicPr>
+              <a:picLocks noChangeAspect="1"/>
+            </p:cNvPicPr>
+            <p:nvPr/>
+          </p:nvPicPr>
+          <p:blipFill>
+            <a:blip r:embed="rId2"/>
+            <a:stretch>
+              <a:fillRect/>
+            </a:stretch>
+          </p:blipFill>
+          <p:spPr>
+            <a:xfrm>
+              <a:off x="406497" y="546096"/>
+              <a:ext cx="2408376" cy="4281558"/>
+            </a:xfrm>
+            <a:prstGeom prst="rect">
+              <a:avLst/>
+            </a:prstGeom>
+          </p:spPr>
+        </p:pic>
+        <p:pic>
+          <p:nvPicPr>
+            <p:cNvPr id="83" name="Picture 82">
+              <a:extLst>
+                <a:ext uri="{FF2B5EF4-FFF2-40B4-BE49-F238E27FC236}">
+                  <a16:creationId xmlns:a16="http://schemas.microsoft.com/office/drawing/2014/main" id="{FB8D1FBD-EF4E-6941-B6F6-564DD8CE7017}"/>
+                </a:ext>
+              </a:extLst>
+            </p:cNvPr>
+            <p:cNvPicPr>
+              <a:picLocks noChangeAspect="1"/>
+            </p:cNvPicPr>
+            <p:nvPr/>
+          </p:nvPicPr>
+          <p:blipFill rotWithShape="1">
+            <a:blip r:embed="rId3"/>
+            <a:srcRect l="7083" t="56616"/>
+            <a:stretch/>
+          </p:blipFill>
+          <p:spPr>
+            <a:xfrm>
+              <a:off x="616062" y="4760214"/>
+              <a:ext cx="2198811" cy="456296"/>
+            </a:xfrm>
+            <a:prstGeom prst="rect">
+              <a:avLst/>
+            </a:prstGeom>
+          </p:spPr>
+        </p:pic>
+        <p:pic>
+          <p:nvPicPr>
+            <p:cNvPr id="85" name="Picture 84">
+              <a:extLst>
+                <a:ext uri="{FF2B5EF4-FFF2-40B4-BE49-F238E27FC236}">
+                  <a16:creationId xmlns:a16="http://schemas.microsoft.com/office/drawing/2014/main" id="{1F2A92A8-2D03-9A46-A9E2-DFE423CFAFC4}"/>
+                </a:ext>
+              </a:extLst>
+            </p:cNvPr>
+            <p:cNvPicPr>
+              <a:picLocks noChangeAspect="1"/>
+            </p:cNvPicPr>
+            <p:nvPr/>
+          </p:nvPicPr>
+          <p:blipFill>
+            <a:blip r:embed="rId4"/>
+            <a:stretch>
+              <a:fillRect/>
+            </a:stretch>
+          </p:blipFill>
+          <p:spPr>
+            <a:xfrm>
+              <a:off x="2916373" y="546095"/>
+              <a:ext cx="2408376" cy="4281559"/>
+            </a:xfrm>
+            <a:prstGeom prst="rect">
+              <a:avLst/>
+            </a:prstGeom>
+          </p:spPr>
+        </p:pic>
+        <p:pic>
+          <p:nvPicPr>
+            <p:cNvPr id="87" name="Picture 86">
+              <a:extLst>
+                <a:ext uri="{FF2B5EF4-FFF2-40B4-BE49-F238E27FC236}">
+                  <a16:creationId xmlns:a16="http://schemas.microsoft.com/office/drawing/2014/main" id="{F4DF0AC4-BAC1-C346-8891-AFA42E0F7F1D}"/>
+                </a:ext>
+              </a:extLst>
+            </p:cNvPr>
+            <p:cNvPicPr>
+              <a:picLocks noChangeAspect="1"/>
+            </p:cNvPicPr>
+            <p:nvPr/>
+          </p:nvPicPr>
+          <p:blipFill>
+            <a:blip r:embed="rId5"/>
+            <a:stretch>
+              <a:fillRect/>
+            </a:stretch>
+          </p:blipFill>
+          <p:spPr>
+            <a:xfrm>
+              <a:off x="5411501" y="546095"/>
+              <a:ext cx="2408376" cy="4281558"/>
+            </a:xfrm>
+            <a:prstGeom prst="rect">
+              <a:avLst/>
+            </a:prstGeom>
+          </p:spPr>
+        </p:pic>
+        <p:pic>
+          <p:nvPicPr>
+            <p:cNvPr id="89" name="Picture 88">
+              <a:extLst>
+                <a:ext uri="{FF2B5EF4-FFF2-40B4-BE49-F238E27FC236}">
+                  <a16:creationId xmlns:a16="http://schemas.microsoft.com/office/drawing/2014/main" id="{75A1C9BD-3FC5-CE4F-AA53-00444A883A17}"/>
+                </a:ext>
+              </a:extLst>
+            </p:cNvPr>
+            <p:cNvPicPr>
+              <a:picLocks noChangeAspect="1"/>
+            </p:cNvPicPr>
+            <p:nvPr/>
+          </p:nvPicPr>
+          <p:blipFill rotWithShape="1">
+            <a:blip r:embed="rId6"/>
+            <a:srcRect t="57371"/>
+            <a:stretch/>
+          </p:blipFill>
+          <p:spPr>
+            <a:xfrm>
+              <a:off x="2915913" y="4759539"/>
+              <a:ext cx="2408375" cy="456296"/>
+            </a:xfrm>
+            <a:prstGeom prst="rect">
+              <a:avLst/>
+            </a:prstGeom>
+          </p:spPr>
+        </p:pic>
+        <p:pic>
+          <p:nvPicPr>
+            <p:cNvPr id="90" name="Picture 89">
+              <a:extLst>
+                <a:ext uri="{FF2B5EF4-FFF2-40B4-BE49-F238E27FC236}">
+                  <a16:creationId xmlns:a16="http://schemas.microsoft.com/office/drawing/2014/main" id="{F397F59C-5DDE-B141-8D4E-46468EF968E9}"/>
+                </a:ext>
+              </a:extLst>
+            </p:cNvPr>
+            <p:cNvPicPr>
+              <a:picLocks noChangeAspect="1"/>
+            </p:cNvPicPr>
+            <p:nvPr/>
+          </p:nvPicPr>
+          <p:blipFill rotWithShape="1">
+            <a:blip r:embed="rId6"/>
+            <a:srcRect t="57371"/>
+            <a:stretch/>
+          </p:blipFill>
+          <p:spPr>
+            <a:xfrm>
+              <a:off x="5411502" y="4759539"/>
+              <a:ext cx="2408375" cy="456296"/>
+            </a:xfrm>
+            <a:prstGeom prst="rect">
+              <a:avLst/>
+            </a:prstGeom>
+          </p:spPr>
+        </p:pic>
+      </p:grpSp>
+    </p:spTree>
+    <p:extLst>
+      <p:ext uri="{BB962C8B-B14F-4D97-AF65-F5344CB8AC3E}">
+        <p14:creationId xmlns:p14="http://schemas.microsoft.com/office/powerpoint/2010/main" val="2867112445"/>
+      </p:ext>
+    </p:extLst>
+  </p:cSld>
+  <p:clrMapOvr>
+    <a:masterClrMapping/>
+  </p:clrMapOvr>
+</p:sld>
+</file>
+
+<file path=ppt/slides/slide3.xml><?xml version="1.0" encoding="utf-8"?>
+<p:sld xmlns:a="http://schemas.openxmlformats.org/drawingml/2006/main" xmlns:r="http://schemas.openxmlformats.org/officeDocument/2006/relationships" xmlns:p="http://schemas.openxmlformats.org/presentationml/2006/main">
+  <p:cSld>
+    <p:bg>
+      <p:bgPr>
+        <a:solidFill>
+          <a:schemeClr val="bg1"/>
+        </a:solidFill>
+        <a:effectLst/>
+      </p:bgPr>
+    </p:bg>
+    <p:spTree>
+      <p:nvGrpSpPr>
+        <p:cNvPr id="1" name=""/>
+        <p:cNvGrpSpPr/>
+        <p:nvPr/>
+      </p:nvGrpSpPr>
+      <p:grpSpPr>
+        <a:xfrm>
+          <a:off x="0" y="0"/>
+          <a:ext cx="0" cy="0"/>
+          <a:chOff x="0" y="0"/>
+          <a:chExt cx="0" cy="0"/>
+        </a:xfrm>
+      </p:grpSpPr>
+      <p:grpSp>
+        <p:nvGrpSpPr>
+          <p:cNvPr id="106" name="Group 105">
+            <a:extLst>
+              <a:ext uri="{FF2B5EF4-FFF2-40B4-BE49-F238E27FC236}">
+                <a16:creationId xmlns:a16="http://schemas.microsoft.com/office/drawing/2014/main" id="{9BC29308-3B4B-1B46-8CF7-2E198CCE6CB4}"/>
+              </a:ext>
+            </a:extLst>
+          </p:cNvPr>
+          <p:cNvGrpSpPr/>
+          <p:nvPr/>
+        </p:nvGrpSpPr>
+        <p:grpSpPr>
+          <a:xfrm>
+            <a:off x="267283" y="650057"/>
+            <a:ext cx="8096629" cy="5731841"/>
+            <a:chOff x="267283" y="650057"/>
+            <a:chExt cx="8096629" cy="5731841"/>
+          </a:xfrm>
+        </p:grpSpPr>
+        <p:pic>
+          <p:nvPicPr>
+            <p:cNvPr id="83" name="Picture 82">
+              <a:extLst>
+                <a:ext uri="{FF2B5EF4-FFF2-40B4-BE49-F238E27FC236}">
+                  <a16:creationId xmlns:a16="http://schemas.microsoft.com/office/drawing/2014/main" id="{BC6DB0C7-3EBA-EB43-973D-68C4A8A942B1}"/>
+                </a:ext>
+              </a:extLst>
+            </p:cNvPr>
+            <p:cNvPicPr>
+              <a:picLocks noChangeAspect="1"/>
+            </p:cNvPicPr>
+            <p:nvPr/>
+          </p:nvPicPr>
+          <p:blipFill>
+            <a:blip r:embed="rId2"/>
+            <a:stretch>
+              <a:fillRect/>
+            </a:stretch>
+          </p:blipFill>
+          <p:spPr>
+            <a:xfrm>
+              <a:off x="4881996" y="807501"/>
+              <a:ext cx="3481916" cy="5571065"/>
+            </a:xfrm>
+            <a:prstGeom prst="rect">
+              <a:avLst/>
+            </a:prstGeom>
+          </p:spPr>
+        </p:pic>
+        <p:pic>
+          <p:nvPicPr>
+            <p:cNvPr id="81" name="Picture 80">
+              <a:extLst>
+                <a:ext uri="{FF2B5EF4-FFF2-40B4-BE49-F238E27FC236}">
+                  <a16:creationId xmlns:a16="http://schemas.microsoft.com/office/drawing/2014/main" id="{150E2F6F-FD6B-8843-9F23-267DF81817FC}"/>
+                </a:ext>
+              </a:extLst>
+            </p:cNvPr>
+            <p:cNvPicPr>
+              <a:picLocks noChangeAspect="1"/>
+            </p:cNvPicPr>
+            <p:nvPr/>
+          </p:nvPicPr>
+          <p:blipFill>
+            <a:blip r:embed="rId3"/>
+            <a:stretch>
+              <a:fillRect/>
+            </a:stretch>
+          </p:blipFill>
+          <p:spPr>
+            <a:xfrm>
+              <a:off x="1830196" y="810832"/>
+              <a:ext cx="3133724" cy="5571066"/>
+            </a:xfrm>
+            <a:prstGeom prst="rect">
+              <a:avLst/>
+            </a:prstGeom>
+          </p:spPr>
+        </p:pic>
+        <p:sp>
+          <p:nvSpPr>
+            <p:cNvPr id="85" name="TextBox 84">
+              <a:extLst>
+                <a:ext uri="{FF2B5EF4-FFF2-40B4-BE49-F238E27FC236}">
+                  <a16:creationId xmlns:a16="http://schemas.microsoft.com/office/drawing/2014/main" id="{82AB9524-4327-8B4C-9755-1E46F1968571}"/>
+                </a:ext>
+              </a:extLst>
+            </p:cNvPr>
+            <p:cNvSpPr txBox="1"/>
+            <p:nvPr/>
+          </p:nvSpPr>
+          <p:spPr>
+            <a:xfrm>
+              <a:off x="267291" y="4030807"/>
+              <a:ext cx="1241498" cy="461665"/>
+            </a:xfrm>
+            <a:prstGeom prst="rect">
+              <a:avLst/>
+            </a:prstGeom>
+            <a:noFill/>
+          </p:spPr>
+          <p:txBody>
+            <a:bodyPr wrap="square" rtlCol="0">
+              <a:spAutoFit/>
+            </a:bodyPr>
+            <a:lstStyle/>
+            <a:p>
+              <a:pPr algn="r"/>
+              <a:r>
+                <a:rPr lang="en-US" sz="1200" dirty="0">
+                  <a:solidFill>
+                    <a:schemeClr val="tx1">
+                      <a:lumMod val="75000"/>
+                      <a:lumOff val="25000"/>
+                    </a:schemeClr>
+                  </a:solidFill>
+                  <a:latin typeface="Arial" panose="020B0604020202020204" pitchFamily="34" charset="0"/>
+                  <a:cs typeface="Arial" panose="020B0604020202020204" pitchFamily="34" charset="0"/>
+                </a:rPr>
+                <a:t>No. larvae </a:t>
+              </a:r>
+            </a:p>
+            <a:p>
+              <a:pPr algn="r"/>
+              <a:r>
+                <a:rPr lang="en-US" sz="1200" dirty="0">
+                  <a:solidFill>
+                    <a:schemeClr val="tx1">
+                      <a:lumMod val="75000"/>
+                      <a:lumOff val="25000"/>
+                    </a:schemeClr>
+                  </a:solidFill>
+                  <a:latin typeface="Arial" panose="020B0604020202020204" pitchFamily="34" charset="0"/>
+                  <a:cs typeface="Arial" panose="020B0604020202020204" pitchFamily="34" charset="0"/>
+                </a:rPr>
+                <a:t>released day</a:t>
+              </a:r>
+              <a:r>
+                <a:rPr lang="en-US" sz="1200" baseline="30000" dirty="0">
+                  <a:solidFill>
+                    <a:schemeClr val="tx1">
+                      <a:lumMod val="75000"/>
+                      <a:lumOff val="25000"/>
+                    </a:schemeClr>
+                  </a:solidFill>
+                  <a:latin typeface="Arial" panose="020B0604020202020204" pitchFamily="34" charset="0"/>
+                  <a:cs typeface="Arial" panose="020B0604020202020204" pitchFamily="34" charset="0"/>
+                </a:rPr>
+                <a:t>-1</a:t>
+              </a:r>
+            </a:p>
+          </p:txBody>
+        </p:sp>
+        <p:sp>
+          <p:nvSpPr>
+            <p:cNvPr id="86" name="TextBox 85">
+              <a:extLst>
+                <a:ext uri="{FF2B5EF4-FFF2-40B4-BE49-F238E27FC236}">
+                  <a16:creationId xmlns:a16="http://schemas.microsoft.com/office/drawing/2014/main" id="{C16DCF3B-86E7-A44B-B087-ED7B4AAB14FF}"/>
+                </a:ext>
+              </a:extLst>
+            </p:cNvPr>
+            <p:cNvSpPr txBox="1"/>
+            <p:nvPr/>
+          </p:nvSpPr>
+          <p:spPr>
+            <a:xfrm>
+              <a:off x="1521100" y="2723848"/>
+              <a:ext cx="850032" cy="415498"/>
+            </a:xfrm>
+            <a:prstGeom prst="rect">
+              <a:avLst/>
+            </a:prstGeom>
+            <a:noFill/>
+          </p:spPr>
+          <p:txBody>
+            <a:bodyPr wrap="square" rtlCol="0">
+              <a:spAutoFit/>
+            </a:bodyPr>
+            <a:lstStyle/>
+            <a:p>
+              <a:r>
+                <a:rPr lang="en-US" sz="1000" dirty="0">
+                  <a:solidFill>
+                    <a:schemeClr val="tx1">
+                      <a:lumMod val="75000"/>
+                      <a:lumOff val="25000"/>
+                    </a:schemeClr>
+                  </a:solidFill>
+                  <a:latin typeface="Arial" panose="020B0604020202020204" pitchFamily="34" charset="0"/>
+                  <a:cs typeface="Arial" panose="020B0604020202020204" pitchFamily="34" charset="0"/>
+                </a:rPr>
+                <a:t>7°C+</a:t>
+              </a:r>
+            </a:p>
+            <a:p>
+              <a:r>
+                <a:rPr lang="en-US" sz="1000" dirty="0">
+                  <a:solidFill>
+                    <a:schemeClr val="tx1">
+                      <a:lumMod val="75000"/>
+                      <a:lumOff val="25000"/>
+                    </a:schemeClr>
+                  </a:solidFill>
+                  <a:latin typeface="Arial" panose="020B0604020202020204" pitchFamily="34" charset="0"/>
+                  <a:cs typeface="Arial" panose="020B0604020202020204" pitchFamily="34" charset="0"/>
+                </a:rPr>
+                <a:t>high-food</a:t>
+              </a:r>
+            </a:p>
+          </p:txBody>
+        </p:sp>
+        <p:sp>
+          <p:nvSpPr>
+            <p:cNvPr id="87" name="TextBox 86">
+              <a:extLst>
+                <a:ext uri="{FF2B5EF4-FFF2-40B4-BE49-F238E27FC236}">
+                  <a16:creationId xmlns:a16="http://schemas.microsoft.com/office/drawing/2014/main" id="{C5FAF131-2821-3D4A-A92D-052FDDD5E198}"/>
+                </a:ext>
+              </a:extLst>
+            </p:cNvPr>
+            <p:cNvSpPr txBox="1"/>
+            <p:nvPr/>
+          </p:nvSpPr>
+          <p:spPr>
+            <a:xfrm>
+              <a:off x="1521100" y="3631731"/>
+              <a:ext cx="850032" cy="415498"/>
+            </a:xfrm>
+            <a:prstGeom prst="rect">
+              <a:avLst/>
+            </a:prstGeom>
+            <a:noFill/>
+          </p:spPr>
+          <p:txBody>
+            <a:bodyPr wrap="square" rtlCol="0">
+              <a:spAutoFit/>
+            </a:bodyPr>
+            <a:lstStyle/>
+            <a:p>
+              <a:r>
+                <a:rPr lang="en-US" sz="1000" dirty="0">
+                  <a:solidFill>
+                    <a:schemeClr val="tx1">
+                      <a:lumMod val="75000"/>
+                      <a:lumOff val="25000"/>
+                    </a:schemeClr>
+                  </a:solidFill>
+                  <a:latin typeface="Arial" panose="020B0604020202020204" pitchFamily="34" charset="0"/>
+                  <a:cs typeface="Arial" panose="020B0604020202020204" pitchFamily="34" charset="0"/>
+                </a:rPr>
+                <a:t>7°C+ </a:t>
+              </a:r>
+            </a:p>
+            <a:p>
+              <a:r>
+                <a:rPr lang="en-US" sz="1000" dirty="0">
+                  <a:solidFill>
+                    <a:schemeClr val="tx1">
+                      <a:lumMod val="75000"/>
+                      <a:lumOff val="25000"/>
+                    </a:schemeClr>
+                  </a:solidFill>
+                  <a:latin typeface="Arial" panose="020B0604020202020204" pitchFamily="34" charset="0"/>
+                  <a:cs typeface="Arial" panose="020B0604020202020204" pitchFamily="34" charset="0"/>
+                </a:rPr>
+                <a:t>low-food</a:t>
+              </a:r>
+            </a:p>
+          </p:txBody>
+        </p:sp>
+        <p:sp>
+          <p:nvSpPr>
+            <p:cNvPr id="88" name="TextBox 87">
+              <a:extLst>
+                <a:ext uri="{FF2B5EF4-FFF2-40B4-BE49-F238E27FC236}">
+                  <a16:creationId xmlns:a16="http://schemas.microsoft.com/office/drawing/2014/main" id="{AFD3D689-22AB-9345-8074-57F34A0B8DD3}"/>
+                </a:ext>
+              </a:extLst>
+            </p:cNvPr>
+            <p:cNvSpPr txBox="1"/>
+            <p:nvPr/>
+          </p:nvSpPr>
+          <p:spPr>
+            <a:xfrm>
+              <a:off x="1521100" y="4555037"/>
+              <a:ext cx="850032" cy="415498"/>
+            </a:xfrm>
+            <a:prstGeom prst="rect">
+              <a:avLst/>
+            </a:prstGeom>
+            <a:noFill/>
+          </p:spPr>
+          <p:txBody>
+            <a:bodyPr wrap="square" rtlCol="0">
+              <a:spAutoFit/>
+            </a:bodyPr>
+            <a:lstStyle/>
+            <a:p>
+              <a:r>
+                <a:rPr lang="en-US" sz="1000" dirty="0">
+                  <a:solidFill>
+                    <a:schemeClr val="tx1">
+                      <a:lumMod val="75000"/>
+                      <a:lumOff val="25000"/>
+                    </a:schemeClr>
+                  </a:solidFill>
+                  <a:latin typeface="Arial" panose="020B0604020202020204" pitchFamily="34" charset="0"/>
+                  <a:cs typeface="Arial" panose="020B0604020202020204" pitchFamily="34" charset="0"/>
+                </a:rPr>
+                <a:t>10°C+ </a:t>
+              </a:r>
+            </a:p>
+            <a:p>
+              <a:r>
+                <a:rPr lang="en-US" sz="1000" dirty="0">
+                  <a:solidFill>
+                    <a:schemeClr val="tx1">
+                      <a:lumMod val="75000"/>
+                      <a:lumOff val="25000"/>
+                    </a:schemeClr>
+                  </a:solidFill>
+                  <a:latin typeface="Arial" panose="020B0604020202020204" pitchFamily="34" charset="0"/>
+                  <a:cs typeface="Arial" panose="020B0604020202020204" pitchFamily="34" charset="0"/>
+                </a:rPr>
+                <a:t>high-food</a:t>
+              </a:r>
+            </a:p>
+          </p:txBody>
+        </p:sp>
+        <p:sp>
+          <p:nvSpPr>
+            <p:cNvPr id="89" name="TextBox 88">
+              <a:extLst>
+                <a:ext uri="{FF2B5EF4-FFF2-40B4-BE49-F238E27FC236}">
+                  <a16:creationId xmlns:a16="http://schemas.microsoft.com/office/drawing/2014/main" id="{494D5BDB-0AEF-974F-86D8-CF501CBC2355}"/>
+                </a:ext>
+              </a:extLst>
+            </p:cNvPr>
+            <p:cNvSpPr txBox="1"/>
+            <p:nvPr/>
+          </p:nvSpPr>
+          <p:spPr>
+            <a:xfrm>
+              <a:off x="1521100" y="5478343"/>
+              <a:ext cx="850032" cy="415498"/>
+            </a:xfrm>
+            <a:prstGeom prst="rect">
+              <a:avLst/>
+            </a:prstGeom>
+            <a:noFill/>
+          </p:spPr>
+          <p:txBody>
+            <a:bodyPr wrap="square" rtlCol="0">
+              <a:spAutoFit/>
+            </a:bodyPr>
+            <a:lstStyle/>
+            <a:p>
+              <a:r>
+                <a:rPr lang="en-US" sz="1000" dirty="0">
+                  <a:solidFill>
+                    <a:schemeClr val="tx1">
+                      <a:lumMod val="75000"/>
+                      <a:lumOff val="25000"/>
+                    </a:schemeClr>
+                  </a:solidFill>
+                  <a:latin typeface="Arial" panose="020B0604020202020204" pitchFamily="34" charset="0"/>
+                  <a:cs typeface="Arial" panose="020B0604020202020204" pitchFamily="34" charset="0"/>
+                </a:rPr>
+                <a:t>10°C+ </a:t>
+              </a:r>
+            </a:p>
+            <a:p>
+              <a:r>
+                <a:rPr lang="en-US" sz="1000" dirty="0">
+                  <a:solidFill>
+                    <a:schemeClr val="tx1">
+                      <a:lumMod val="75000"/>
+                      <a:lumOff val="25000"/>
+                    </a:schemeClr>
+                  </a:solidFill>
+                  <a:latin typeface="Arial" panose="020B0604020202020204" pitchFamily="34" charset="0"/>
+                  <a:cs typeface="Arial" panose="020B0604020202020204" pitchFamily="34" charset="0"/>
+                </a:rPr>
+                <a:t>low-food</a:t>
+              </a:r>
+            </a:p>
+          </p:txBody>
+        </p:sp>
+        <p:sp>
+          <p:nvSpPr>
+            <p:cNvPr id="90" name="TextBox 89">
+              <a:extLst>
+                <a:ext uri="{FF2B5EF4-FFF2-40B4-BE49-F238E27FC236}">
+                  <a16:creationId xmlns:a16="http://schemas.microsoft.com/office/drawing/2014/main" id="{C14559EE-C4CB-7F4A-8EDF-FF7000044A6D}"/>
+                </a:ext>
+              </a:extLst>
+            </p:cNvPr>
+            <p:cNvSpPr txBox="1"/>
+            <p:nvPr/>
+          </p:nvSpPr>
+          <p:spPr>
+            <a:xfrm>
+              <a:off x="267283" y="1370163"/>
+              <a:ext cx="1230385" cy="646331"/>
+            </a:xfrm>
+            <a:prstGeom prst="rect">
+              <a:avLst/>
+            </a:prstGeom>
+            <a:noFill/>
+          </p:spPr>
+          <p:txBody>
+            <a:bodyPr wrap="square" rtlCol="0">
+              <a:spAutoFit/>
+            </a:bodyPr>
+            <a:lstStyle/>
+            <a:p>
+              <a:pPr algn="r"/>
+              <a:r>
+                <a:rPr lang="en-US" sz="1200" dirty="0">
+                  <a:solidFill>
+                    <a:schemeClr val="tx1">
+                      <a:lumMod val="75000"/>
+                      <a:lumOff val="25000"/>
+                    </a:schemeClr>
+                  </a:solidFill>
+                  <a:latin typeface="Arial" panose="020B0604020202020204" pitchFamily="34" charset="0"/>
+                  <a:cs typeface="Arial" panose="020B0604020202020204" pitchFamily="34" charset="0"/>
+                </a:rPr>
+                <a:t>Cumulative larvae released </a:t>
+              </a:r>
+            </a:p>
+            <a:p>
+              <a:pPr algn="r"/>
+              <a:r>
+                <a:rPr lang="en-US" sz="1200" dirty="0">
+                  <a:solidFill>
+                    <a:schemeClr val="tx1">
+                      <a:lumMod val="75000"/>
+                      <a:lumOff val="25000"/>
+                    </a:schemeClr>
+                  </a:solidFill>
+                  <a:latin typeface="Arial" panose="020B0604020202020204" pitchFamily="34" charset="0"/>
+                  <a:cs typeface="Arial" panose="020B0604020202020204" pitchFamily="34" charset="0"/>
+                </a:rPr>
+                <a:t>broodstock</a:t>
+              </a:r>
+              <a:r>
+                <a:rPr lang="en-US" sz="1200" baseline="30000" dirty="0">
+                  <a:solidFill>
+                    <a:schemeClr val="tx1">
+                      <a:lumMod val="75000"/>
+                      <a:lumOff val="25000"/>
+                    </a:schemeClr>
+                  </a:solidFill>
+                  <a:latin typeface="Arial" panose="020B0604020202020204" pitchFamily="34" charset="0"/>
+                  <a:cs typeface="Arial" panose="020B0604020202020204" pitchFamily="34" charset="0"/>
+                </a:rPr>
+                <a:t>-1</a:t>
+              </a:r>
+            </a:p>
+          </p:txBody>
+        </p:sp>
+        <p:sp>
+          <p:nvSpPr>
+            <p:cNvPr id="91" name="TextBox 90">
+              <a:extLst>
+                <a:ext uri="{FF2B5EF4-FFF2-40B4-BE49-F238E27FC236}">
+                  <a16:creationId xmlns:a16="http://schemas.microsoft.com/office/drawing/2014/main" id="{7D4039AB-1CDA-D240-B7F3-5A328F7ACDA2}"/>
+                </a:ext>
+              </a:extLst>
+            </p:cNvPr>
+            <p:cNvSpPr txBox="1"/>
+            <p:nvPr/>
+          </p:nvSpPr>
+          <p:spPr>
+            <a:xfrm>
+              <a:off x="1915536" y="650057"/>
+              <a:ext cx="2618858" cy="292388"/>
+            </a:xfrm>
+            <a:prstGeom prst="rect">
+              <a:avLst/>
+            </a:prstGeom>
+            <a:noFill/>
+          </p:spPr>
+          <p:txBody>
+            <a:bodyPr wrap="square" rtlCol="0">
+              <a:spAutoFit/>
+            </a:bodyPr>
+            <a:lstStyle/>
+            <a:p>
+              <a:pPr algn="ctr"/>
+              <a:r>
+                <a:rPr lang="en-US" sz="1300" dirty="0">
+                  <a:solidFill>
+                    <a:schemeClr val="tx1">
+                      <a:lumMod val="75000"/>
+                      <a:lumOff val="25000"/>
+                    </a:schemeClr>
+                  </a:solidFill>
+                  <a:latin typeface="Arial" panose="020B0604020202020204" pitchFamily="34" charset="0"/>
+                  <a:cs typeface="Arial" panose="020B0604020202020204" pitchFamily="34" charset="0"/>
+                </a:rPr>
+                <a:t>47-day trial</a:t>
+              </a:r>
+            </a:p>
+          </p:txBody>
+        </p:sp>
+        <p:sp>
+          <p:nvSpPr>
+            <p:cNvPr id="92" name="TextBox 91">
+              <a:extLst>
+                <a:ext uri="{FF2B5EF4-FFF2-40B4-BE49-F238E27FC236}">
+                  <a16:creationId xmlns:a16="http://schemas.microsoft.com/office/drawing/2014/main" id="{CE02C528-9156-E147-8B65-6386D79A880C}"/>
+                </a:ext>
+              </a:extLst>
+            </p:cNvPr>
+            <p:cNvSpPr txBox="1"/>
+            <p:nvPr/>
+          </p:nvSpPr>
+          <p:spPr>
+            <a:xfrm>
+              <a:off x="5084864" y="650057"/>
+              <a:ext cx="2618858" cy="292388"/>
+            </a:xfrm>
+            <a:prstGeom prst="rect">
+              <a:avLst/>
+            </a:prstGeom>
+            <a:noFill/>
+          </p:spPr>
+          <p:txBody>
+            <a:bodyPr wrap="square" rtlCol="0">
+              <a:spAutoFit/>
+            </a:bodyPr>
+            <a:lstStyle/>
+            <a:p>
+              <a:pPr algn="ctr"/>
+              <a:r>
+                <a:rPr lang="en-US" sz="1300" dirty="0">
+                  <a:solidFill>
+                    <a:schemeClr val="tx1">
+                      <a:lumMod val="75000"/>
+                      <a:lumOff val="25000"/>
+                    </a:schemeClr>
+                  </a:solidFill>
+                  <a:latin typeface="Arial" panose="020B0604020202020204" pitchFamily="34" charset="0"/>
+                  <a:cs typeface="Arial" panose="020B0604020202020204" pitchFamily="34" charset="0"/>
+                </a:rPr>
+                <a:t>82-day trial</a:t>
+              </a:r>
+            </a:p>
+          </p:txBody>
+        </p:sp>
+        <p:cxnSp>
+          <p:nvCxnSpPr>
+            <p:cNvPr id="93" name="Straight Connector 92">
+              <a:extLst>
+                <a:ext uri="{FF2B5EF4-FFF2-40B4-BE49-F238E27FC236}">
+                  <a16:creationId xmlns:a16="http://schemas.microsoft.com/office/drawing/2014/main" id="{B5308FA0-AC67-4F47-956C-4DD21714C26C}"/>
+                </a:ext>
+              </a:extLst>
+            </p:cNvPr>
+            <p:cNvCxnSpPr>
+              <a:cxnSpLocks/>
+            </p:cNvCxnSpPr>
+            <p:nvPr/>
+          </p:nvCxnSpPr>
+          <p:spPr>
+            <a:xfrm flipV="1">
+              <a:off x="1524968" y="2713892"/>
+              <a:ext cx="0" cy="3557955"/>
+            </a:xfrm>
+            <a:prstGeom prst="line">
+              <a:avLst/>
+            </a:prstGeom>
+            <a:ln w="9525">
+              <a:solidFill>
+                <a:schemeClr val="bg1">
+                  <a:lumMod val="50000"/>
+                </a:schemeClr>
+              </a:solidFill>
+            </a:ln>
+          </p:spPr>
+          <p:style>
+            <a:lnRef idx="1">
+              <a:schemeClr val="accent1"/>
+            </a:lnRef>
+            <a:fillRef idx="0">
+              <a:schemeClr val="accent1"/>
+            </a:fillRef>
+            <a:effectRef idx="0">
+              <a:schemeClr val="accent1"/>
+            </a:effectRef>
+            <a:fontRef idx="minor">
+              <a:schemeClr val="tx1"/>
+            </a:fontRef>
+          </p:style>
+        </p:cxnSp>
+        <p:cxnSp>
+          <p:nvCxnSpPr>
+            <p:cNvPr id="95" name="Straight Connector 94">
+              <a:extLst>
+                <a:ext uri="{FF2B5EF4-FFF2-40B4-BE49-F238E27FC236}">
+                  <a16:creationId xmlns:a16="http://schemas.microsoft.com/office/drawing/2014/main" id="{718CE5C6-0FD1-CD40-A2B6-D34BCDDFD051}"/>
+                </a:ext>
+              </a:extLst>
+            </p:cNvPr>
+            <p:cNvCxnSpPr>
+              <a:cxnSpLocks/>
+            </p:cNvCxnSpPr>
+            <p:nvPr/>
+          </p:nvCxnSpPr>
+          <p:spPr>
+            <a:xfrm flipV="1">
+              <a:off x="1524968" y="765800"/>
+              <a:ext cx="0" cy="1672600"/>
+            </a:xfrm>
+            <a:prstGeom prst="line">
+              <a:avLst/>
+            </a:prstGeom>
+            <a:ln w="9525">
+              <a:solidFill>
+                <a:schemeClr val="bg1">
+                  <a:lumMod val="50000"/>
+                </a:schemeClr>
+              </a:solidFill>
+            </a:ln>
+          </p:spPr>
+          <p:style>
+            <a:lnRef idx="1">
+              <a:schemeClr val="accent1"/>
+            </a:lnRef>
+            <a:fillRef idx="0">
+              <a:schemeClr val="accent1"/>
+            </a:fillRef>
+            <a:effectRef idx="0">
+              <a:schemeClr val="accent1"/>
+            </a:effectRef>
+            <a:fontRef idx="minor">
+              <a:schemeClr val="tx1"/>
+            </a:fontRef>
+          </p:style>
+        </p:cxnSp>
+      </p:grpSp>
+    </p:spTree>
+    <p:extLst>
+      <p:ext uri="{BB962C8B-B14F-4D97-AF65-F5344CB8AC3E}">
+        <p14:creationId xmlns:p14="http://schemas.microsoft.com/office/powerpoint/2010/main" val="4289498777"/>
+      </p:ext>
+    </p:extLst>
+  </p:cSld>
+  <p:clrMapOvr>
+    <a:masterClrMapping/>
+  </p:clrMapOvr>
+</p:sld>
+</file>
+
+<file path=ppt/slides/slide4.xml><?xml version="1.0" encoding="utf-8"?>
+<p:sld xmlns:a="http://schemas.openxmlformats.org/drawingml/2006/main" xmlns:r="http://schemas.openxmlformats.org/officeDocument/2006/relationships" xmlns:p="http://schemas.openxmlformats.org/presentationml/2006/main">
+  <p:cSld>
+    <p:spTree>
+      <p:nvGrpSpPr>
+        <p:cNvPr id="1" name=""/>
+        <p:cNvGrpSpPr/>
+        <p:nvPr/>
+      </p:nvGrpSpPr>
+      <p:grpSpPr>
+        <a:xfrm>
+          <a:off x="0" y="0"/>
+          <a:ext cx="0" cy="0"/>
+          <a:chOff x="0" y="0"/>
+          <a:chExt cx="0" cy="0"/>
+        </a:xfrm>
+      </p:grpSpPr>
+      <p:grpSp>
+        <p:nvGrpSpPr>
+          <p:cNvPr id="32" name="Group 31">
+            <a:extLst>
+              <a:ext uri="{FF2B5EF4-FFF2-40B4-BE49-F238E27FC236}">
+                <a16:creationId xmlns:a16="http://schemas.microsoft.com/office/drawing/2014/main" id="{85A485BF-2CC8-0A4E-B998-25462D807492}"/>
+              </a:ext>
+            </a:extLst>
+          </p:cNvPr>
+          <p:cNvGrpSpPr/>
+          <p:nvPr/>
+        </p:nvGrpSpPr>
+        <p:grpSpPr>
+          <a:xfrm>
+            <a:off x="438912" y="676656"/>
+            <a:ext cx="6400800" cy="3200400"/>
+            <a:chOff x="438912" y="676656"/>
+            <a:chExt cx="6400800" cy="3200400"/>
+          </a:xfrm>
+        </p:grpSpPr>
+        <p:pic>
+          <p:nvPicPr>
+            <p:cNvPr id="31" name="Picture 30">
+              <a:extLst>
+                <a:ext uri="{FF2B5EF4-FFF2-40B4-BE49-F238E27FC236}">
+                  <a16:creationId xmlns:a16="http://schemas.microsoft.com/office/drawing/2014/main" id="{0F8A3CB9-F168-F94F-A3D7-C8D8A6444C16}"/>
+                </a:ext>
+              </a:extLst>
+            </p:cNvPr>
+            <p:cNvPicPr>
+              <a:picLocks noChangeAspect="1"/>
+            </p:cNvPicPr>
+            <p:nvPr/>
+          </p:nvPicPr>
+          <p:blipFill>
+            <a:blip r:embed="rId2"/>
+            <a:stretch>
+              <a:fillRect/>
+            </a:stretch>
+          </p:blipFill>
+          <p:spPr>
+            <a:xfrm>
+              <a:off x="438912" y="676656"/>
+              <a:ext cx="6400800" cy="3200400"/>
+            </a:xfrm>
+            <a:prstGeom prst="rect">
+              <a:avLst/>
+            </a:prstGeom>
+          </p:spPr>
+        </p:pic>
+        <p:sp>
+          <p:nvSpPr>
+            <p:cNvPr id="14" name="TextBox 13">
+              <a:extLst>
+                <a:ext uri="{FF2B5EF4-FFF2-40B4-BE49-F238E27FC236}">
+                  <a16:creationId xmlns:a16="http://schemas.microsoft.com/office/drawing/2014/main" id="{C8984E74-44F2-EB4C-91FB-D0C565F330CB}"/>
+                </a:ext>
+              </a:extLst>
+            </p:cNvPr>
+            <p:cNvSpPr txBox="1"/>
+            <p:nvPr/>
+          </p:nvSpPr>
+          <p:spPr>
+            <a:xfrm>
+              <a:off x="4749842" y="1778808"/>
+              <a:ext cx="370614" cy="246221"/>
+            </a:xfrm>
+            <a:prstGeom prst="rect">
+              <a:avLst/>
+            </a:prstGeom>
+            <a:noFill/>
+          </p:spPr>
+          <p:txBody>
+            <a:bodyPr wrap="none" rtlCol="0">
+              <a:spAutoFit/>
+            </a:bodyPr>
+            <a:lstStyle/>
+            <a:p>
+              <a:r>
+                <a:rPr lang="en-US" sz="1000" dirty="0">
+                  <a:solidFill>
+                    <a:srgbClr val="0370B0"/>
+                  </a:solidFill>
+                  <a:latin typeface="Arial" panose="020B0604020202020204" pitchFamily="34" charset="0"/>
+                  <a:cs typeface="Arial" panose="020B0604020202020204" pitchFamily="34" charset="0"/>
+                </a:rPr>
+                <a:t>ND</a:t>
+              </a:r>
+            </a:p>
+          </p:txBody>
+        </p:sp>
+      </p:grpSp>
+    </p:spTree>
+    <p:extLst>
+      <p:ext uri="{BB962C8B-B14F-4D97-AF65-F5344CB8AC3E}">
+        <p14:creationId xmlns:p14="http://schemas.microsoft.com/office/powerpoint/2010/main" val="3877459302"/>
+      </p:ext>
+    </p:extLst>
+  </p:cSld>
+  <p:clrMapOvr>
+    <a:masterClrMapping/>
+  </p:clrMapOvr>
+</p:sld>
+</file>
+
+<file path=ppt/slides/slide5.xml><?xml version="1.0" encoding="utf-8"?>
+<p:sld xmlns:a="http://schemas.openxmlformats.org/drawingml/2006/main" xmlns:r="http://schemas.openxmlformats.org/officeDocument/2006/relationships" xmlns:p="http://schemas.openxmlformats.org/presentationml/2006/main">
+  <p:cSld>
+    <p:spTree>
+      <p:nvGrpSpPr>
+        <p:cNvPr id="1" name=""/>
+        <p:cNvGrpSpPr/>
+        <p:nvPr/>
+      </p:nvGrpSpPr>
+      <p:grpSpPr>
+        <a:xfrm>
+          <a:off x="0" y="0"/>
+          <a:ext cx="0" cy="0"/>
+          <a:chOff x="0" y="0"/>
+          <a:chExt cx="0" cy="0"/>
+        </a:xfrm>
+      </p:grpSpPr>
+      <p:grpSp>
+        <p:nvGrpSpPr>
+          <p:cNvPr id="5" name="Group 4">
+            <a:extLst>
+              <a:ext uri="{FF2B5EF4-FFF2-40B4-BE49-F238E27FC236}">
+                <a16:creationId xmlns:a16="http://schemas.microsoft.com/office/drawing/2014/main" id="{E888CF4D-AC0B-7140-BEC9-E90780CA102F}"/>
+              </a:ext>
+            </a:extLst>
+          </p:cNvPr>
+          <p:cNvGrpSpPr/>
+          <p:nvPr/>
+        </p:nvGrpSpPr>
+        <p:grpSpPr>
+          <a:xfrm>
+            <a:off x="858117" y="627993"/>
+            <a:ext cx="5710849" cy="4572000"/>
+            <a:chOff x="858117" y="627993"/>
+            <a:chExt cx="5710849" cy="4572000"/>
+          </a:xfrm>
+        </p:grpSpPr>
+        <p:pic>
+          <p:nvPicPr>
+            <p:cNvPr id="3" name="Picture 2">
+              <a:extLst>
+                <a:ext uri="{FF2B5EF4-FFF2-40B4-BE49-F238E27FC236}">
+                  <a16:creationId xmlns:a16="http://schemas.microsoft.com/office/drawing/2014/main" id="{93596AB2-7299-1645-8AC0-7C26D3BA9D00}"/>
+                </a:ext>
+              </a:extLst>
+            </p:cNvPr>
+            <p:cNvPicPr>
+              <a:picLocks noChangeAspect="1"/>
+            </p:cNvPicPr>
+            <p:nvPr/>
+          </p:nvPicPr>
+          <p:blipFill>
+            <a:blip r:embed="rId2"/>
+            <a:stretch>
+              <a:fillRect/>
+            </a:stretch>
+          </p:blipFill>
+          <p:spPr>
+            <a:xfrm>
+              <a:off x="1082566" y="627993"/>
+              <a:ext cx="5486400" cy="4572000"/>
+            </a:xfrm>
+            <a:prstGeom prst="rect">
+              <a:avLst/>
+            </a:prstGeom>
+          </p:spPr>
+        </p:pic>
+        <p:sp>
+          <p:nvSpPr>
+            <p:cNvPr id="8" name="TextBox 7">
+              <a:extLst>
+                <a:ext uri="{FF2B5EF4-FFF2-40B4-BE49-F238E27FC236}">
+                  <a16:creationId xmlns:a16="http://schemas.microsoft.com/office/drawing/2014/main" id="{C90F28CE-1080-A44F-8926-20640D72D144}"/>
+                </a:ext>
+              </a:extLst>
+            </p:cNvPr>
+            <p:cNvSpPr txBox="1"/>
+            <p:nvPr/>
+          </p:nvSpPr>
+          <p:spPr>
+            <a:xfrm rot="16200000">
+              <a:off x="197192" y="2930773"/>
+              <a:ext cx="1598849" cy="276999"/>
+            </a:xfrm>
+            <a:prstGeom prst="rect">
+              <a:avLst/>
+            </a:prstGeom>
+            <a:noFill/>
+          </p:spPr>
+          <p:txBody>
+            <a:bodyPr wrap="square" rtlCol="0">
+              <a:spAutoFit/>
+            </a:bodyPr>
+            <a:lstStyle/>
+            <a:p>
+              <a:pPr algn="r"/>
+              <a:r>
+                <a:rPr lang="en-US" sz="1200" dirty="0">
+                  <a:solidFill>
+                    <a:schemeClr val="tx1">
+                      <a:lumMod val="75000"/>
+                      <a:lumOff val="25000"/>
+                    </a:schemeClr>
+                  </a:solidFill>
+                  <a:latin typeface="Arial" panose="020B0604020202020204" pitchFamily="34" charset="0"/>
+                  <a:cs typeface="Arial" panose="020B0604020202020204" pitchFamily="34" charset="0"/>
+                </a:rPr>
+                <a:t>Percent survival</a:t>
+              </a:r>
+              <a:endParaRPr lang="en-US" sz="1200" baseline="30000" dirty="0">
+                <a:solidFill>
+                  <a:schemeClr val="tx1">
+                    <a:lumMod val="75000"/>
+                    <a:lumOff val="25000"/>
+                  </a:schemeClr>
+                </a:solidFill>
+                <a:latin typeface="Arial" panose="020B0604020202020204" pitchFamily="34" charset="0"/>
+                <a:cs typeface="Arial" panose="020B0604020202020204" pitchFamily="34" charset="0"/>
+              </a:endParaRPr>
+            </a:p>
+          </p:txBody>
+        </p:sp>
+        <p:sp>
+          <p:nvSpPr>
+            <p:cNvPr id="11" name="TextBox 10">
+              <a:extLst>
+                <a:ext uri="{FF2B5EF4-FFF2-40B4-BE49-F238E27FC236}">
+                  <a16:creationId xmlns:a16="http://schemas.microsoft.com/office/drawing/2014/main" id="{B97C44F2-AE6A-8A42-BAB3-C50AB750ADCD}"/>
+                </a:ext>
+              </a:extLst>
+            </p:cNvPr>
+            <p:cNvSpPr txBox="1"/>
+            <p:nvPr/>
+          </p:nvSpPr>
+          <p:spPr>
+            <a:xfrm>
+              <a:off x="1589020" y="2411392"/>
+              <a:ext cx="891418" cy="246221"/>
+            </a:xfrm>
+            <a:prstGeom prst="rect">
+              <a:avLst/>
+            </a:prstGeom>
+            <a:noFill/>
+          </p:spPr>
+          <p:txBody>
+            <a:bodyPr wrap="square" rtlCol="0">
+              <a:spAutoFit/>
+            </a:bodyPr>
+            <a:lstStyle/>
+            <a:p>
+              <a:r>
+                <a:rPr lang="en-US" sz="1000" dirty="0">
+                  <a:solidFill>
+                    <a:schemeClr val="tx1">
+                      <a:lumMod val="75000"/>
+                      <a:lumOff val="25000"/>
+                    </a:schemeClr>
+                  </a:solidFill>
+                  <a:latin typeface="Arial" panose="020B0604020202020204" pitchFamily="34" charset="0"/>
+                  <a:cs typeface="Arial" panose="020B0604020202020204" pitchFamily="34" charset="0"/>
+                </a:rPr>
+                <a:t>47-day trial</a:t>
+              </a:r>
+            </a:p>
+          </p:txBody>
+        </p:sp>
+        <p:sp>
+          <p:nvSpPr>
+            <p:cNvPr id="12" name="TextBox 11">
+              <a:extLst>
+                <a:ext uri="{FF2B5EF4-FFF2-40B4-BE49-F238E27FC236}">
+                  <a16:creationId xmlns:a16="http://schemas.microsoft.com/office/drawing/2014/main" id="{68ADDA8A-756D-594C-AED6-2E18E0BF7CAF}"/>
+                </a:ext>
+              </a:extLst>
+            </p:cNvPr>
+            <p:cNvSpPr txBox="1"/>
+            <p:nvPr/>
+          </p:nvSpPr>
+          <p:spPr>
+            <a:xfrm>
+              <a:off x="1589020" y="4514582"/>
+              <a:ext cx="891419" cy="246221"/>
+            </a:xfrm>
+            <a:prstGeom prst="rect">
+              <a:avLst/>
+            </a:prstGeom>
+            <a:noFill/>
+          </p:spPr>
+          <p:txBody>
+            <a:bodyPr wrap="square" rtlCol="0">
+              <a:spAutoFit/>
+            </a:bodyPr>
+            <a:lstStyle/>
+            <a:p>
+              <a:r>
+                <a:rPr lang="en-US" sz="1000" dirty="0">
+                  <a:solidFill>
+                    <a:schemeClr val="tx1">
+                      <a:lumMod val="75000"/>
+                      <a:lumOff val="25000"/>
+                    </a:schemeClr>
+                  </a:solidFill>
+                  <a:latin typeface="Arial" panose="020B0604020202020204" pitchFamily="34" charset="0"/>
+                  <a:cs typeface="Arial" panose="020B0604020202020204" pitchFamily="34" charset="0"/>
+                </a:rPr>
+                <a:t>82-day trial</a:t>
+              </a:r>
+            </a:p>
+          </p:txBody>
+        </p:sp>
+      </p:grpSp>
+      <p:pic>
+        <p:nvPicPr>
+          <p:cNvPr id="13" name="Picture 12">
+            <a:extLst>
+              <a:ext uri="{FF2B5EF4-FFF2-40B4-BE49-F238E27FC236}">
+                <a16:creationId xmlns:a16="http://schemas.microsoft.com/office/drawing/2014/main" id="{A64EB255-77A5-9243-960C-B765454C9493}"/>
+              </a:ext>
+            </a:extLst>
+          </p:cNvPr>
+          <p:cNvPicPr>
+            <a:picLocks noChangeAspect="1"/>
+          </p:cNvPicPr>
+          <p:nvPr/>
+        </p:nvPicPr>
+        <p:blipFill rotWithShape="1">
+          <a:blip r:embed="rId3"/>
+          <a:srcRect l="67471" t="30000" b="21322"/>
+          <a:stretch/>
+        </p:blipFill>
+        <p:spPr>
+          <a:xfrm>
+            <a:off x="6684580" y="1298609"/>
+            <a:ext cx="1487214" cy="2225566"/>
+          </a:xfrm>
+          <a:prstGeom prst="rect">
+            <a:avLst/>
+          </a:prstGeom>
+        </p:spPr>
+      </p:pic>
+    </p:spTree>
+    <p:extLst>
+      <p:ext uri="{BB962C8B-B14F-4D97-AF65-F5344CB8AC3E}">
+        <p14:creationId xmlns:p14="http://schemas.microsoft.com/office/powerpoint/2010/main" val="3386112634"/>
+      </p:ext>
+    </p:extLst>
+  </p:cSld>
+  <p:clrMapOvr>
+    <a:masterClrMapping/>
+  </p:clrMapOvr>
+</p:sld>
+</file>
+
+<file path=ppt/slides/slide6.xml><?xml version="1.0" encoding="utf-8"?>
+<p:sld xmlns:a="http://schemas.openxmlformats.org/drawingml/2006/main" xmlns:r="http://schemas.openxmlformats.org/officeDocument/2006/relationships" xmlns:p="http://schemas.openxmlformats.org/presentationml/2006/main">
+  <p:cSld>
+    <p:spTree>
+      <p:nvGrpSpPr>
+        <p:cNvPr id="1" name=""/>
+        <p:cNvGrpSpPr/>
+        <p:nvPr/>
+      </p:nvGrpSpPr>
+      <p:grpSpPr>
+        <a:xfrm>
+          <a:off x="0" y="0"/>
+          <a:ext cx="0" cy="0"/>
+          <a:chOff x="0" y="0"/>
+          <a:chExt cx="0" cy="0"/>
+        </a:xfrm>
+      </p:grpSpPr>
+      <p:pic>
+        <p:nvPicPr>
+          <p:cNvPr id="9" name="Picture 8">
+            <a:extLst>
+              <a:ext uri="{FF2B5EF4-FFF2-40B4-BE49-F238E27FC236}">
+                <a16:creationId xmlns:a16="http://schemas.microsoft.com/office/drawing/2014/main" id="{E5A99A56-2E10-294D-82A5-698063DBA443}"/>
+              </a:ext>
+            </a:extLst>
+          </p:cNvPr>
+          <p:cNvPicPr>
+            <a:picLocks noChangeAspect="1"/>
+          </p:cNvPicPr>
+          <p:nvPr/>
+        </p:nvPicPr>
+        <p:blipFill>
+          <a:blip r:embed="rId2"/>
+          <a:stretch>
+            <a:fillRect/>
+          </a:stretch>
+        </p:blipFill>
+        <p:spPr>
+          <a:xfrm>
+            <a:off x="331076" y="1143000"/>
+            <a:ext cx="4572000" cy="4572000"/>
+          </a:xfrm>
+          <a:prstGeom prst="rect">
+            <a:avLst/>
+          </a:prstGeom>
+        </p:spPr>
+      </p:pic>
+      <p:pic>
+        <p:nvPicPr>
+          <p:cNvPr id="13" name="Picture 12">
+            <a:extLst>
+              <a:ext uri="{FF2B5EF4-FFF2-40B4-BE49-F238E27FC236}">
+                <a16:creationId xmlns:a16="http://schemas.microsoft.com/office/drawing/2014/main" id="{4C38BCFE-4C7F-7A4B-9588-3FBA8B44CDE0}"/>
+              </a:ext>
+            </a:extLst>
+          </p:cNvPr>
+          <p:cNvPicPr>
+            <a:picLocks noChangeAspect="1"/>
+          </p:cNvPicPr>
+          <p:nvPr/>
+        </p:nvPicPr>
+        <p:blipFill rotWithShape="1">
+          <a:blip r:embed="rId3"/>
+          <a:srcRect l="67471" t="53655" b="21322"/>
+          <a:stretch/>
+        </p:blipFill>
+        <p:spPr>
+          <a:xfrm>
+            <a:off x="5171786" y="3623982"/>
+            <a:ext cx="1487214" cy="1144046"/>
+          </a:xfrm>
+          <a:prstGeom prst="rect">
+            <a:avLst/>
+          </a:prstGeom>
+        </p:spPr>
+      </p:pic>
+    </p:spTree>
+    <p:extLst>
+      <p:ext uri="{BB962C8B-B14F-4D97-AF65-F5344CB8AC3E}">
+        <p14:creationId xmlns:p14="http://schemas.microsoft.com/office/powerpoint/2010/main" val="1703919590"/>
+      </p:ext>
+    </p:extLst>
+  </p:cSld>
+  <p:clrMapOvr>
+    <a:masterClrMapping/>
+  </p:clrMapOvr>
+</p:sld>
+</file>
+
+<file path=ppt/slides/slide7.xml><?xml version="1.0" encoding="utf-8"?>
+<p:sld xmlns:a="http://schemas.openxmlformats.org/drawingml/2006/main" xmlns:r="http://schemas.openxmlformats.org/officeDocument/2006/relationships" xmlns:p="http://schemas.openxmlformats.org/presentationml/2006/main">
+  <p:cSld>
+    <p:spTree>
+      <p:nvGrpSpPr>
+        <p:cNvPr id="1" name=""/>
+        <p:cNvGrpSpPr/>
+        <p:nvPr/>
+      </p:nvGrpSpPr>
+      <p:grpSpPr>
+        <a:xfrm>
+          <a:off x="0" y="0"/>
+          <a:ext cx="0" cy="0"/>
+          <a:chOff x="0" y="0"/>
+          <a:chExt cx="0" cy="0"/>
+        </a:xfrm>
+      </p:grpSpPr>
       <p:pic>
         <p:nvPicPr>
           <p:cNvPr id="7" name="Picture 6">
@@ -3063,373 +8346,7 @@
     </p:spTree>
     <p:extLst>
       <p:ext uri="{BB962C8B-B14F-4D97-AF65-F5344CB8AC3E}">
-        <p14:creationId xmlns:p14="http://schemas.microsoft.com/office/powerpoint/2010/main" val="1512627212"/>
-      </p:ext>
-    </p:extLst>
-  </p:cSld>
-  <p:clrMapOvr>
-    <a:masterClrMapping/>
-  </p:clrMapOvr>
-</p:sld>
-</file>
-
-<file path=ppt/slides/slide2.xml><?xml version="1.0" encoding="utf-8"?>
-<p:sld xmlns:a="http://schemas.openxmlformats.org/drawingml/2006/main" xmlns:r="http://schemas.openxmlformats.org/officeDocument/2006/relationships" xmlns:p="http://schemas.openxmlformats.org/presentationml/2006/main">
-  <p:cSld>
-    <p:spTree>
-      <p:nvGrpSpPr>
-        <p:cNvPr id="1" name=""/>
-        <p:cNvGrpSpPr/>
-        <p:nvPr/>
-      </p:nvGrpSpPr>
-      <p:grpSpPr>
-        <a:xfrm>
-          <a:off x="0" y="0"/>
-          <a:ext cx="0" cy="0"/>
-          <a:chOff x="0" y="0"/>
-          <a:chExt cx="0" cy="0"/>
-        </a:xfrm>
-      </p:grpSpPr>
-      <p:grpSp>
-        <p:nvGrpSpPr>
-          <p:cNvPr id="15" name="Group 14">
-            <a:extLst>
-              <a:ext uri="{FF2B5EF4-FFF2-40B4-BE49-F238E27FC236}">
-                <a16:creationId xmlns:a16="http://schemas.microsoft.com/office/drawing/2014/main" id="{BBA54BB1-A200-0D40-8916-F53656882243}"/>
-              </a:ext>
-            </a:extLst>
-          </p:cNvPr>
-          <p:cNvGrpSpPr/>
-          <p:nvPr/>
-        </p:nvGrpSpPr>
-        <p:grpSpPr>
-          <a:xfrm>
-            <a:off x="382791" y="544530"/>
-            <a:ext cx="3698432" cy="3252156"/>
-            <a:chOff x="3814360" y="-1"/>
-            <a:chExt cx="3698432" cy="3252156"/>
-          </a:xfrm>
-        </p:grpSpPr>
-        <p:pic>
-          <p:nvPicPr>
-            <p:cNvPr id="4" name="Picture 3">
-              <a:extLst>
-                <a:ext uri="{FF2B5EF4-FFF2-40B4-BE49-F238E27FC236}">
-                  <a16:creationId xmlns:a16="http://schemas.microsoft.com/office/drawing/2014/main" id="{8D24573E-EBA6-E747-9D8B-1A496F8AC221}"/>
-                </a:ext>
-              </a:extLst>
-            </p:cNvPr>
-            <p:cNvPicPr>
-              <a:picLocks noChangeAspect="1"/>
-            </p:cNvPicPr>
-            <p:nvPr/>
-          </p:nvPicPr>
-          <p:blipFill>
-            <a:blip r:embed="rId2"/>
-            <a:stretch>
-              <a:fillRect/>
-            </a:stretch>
-          </p:blipFill>
-          <p:spPr>
-            <a:xfrm>
-              <a:off x="3814360" y="0"/>
-              <a:ext cx="2095796" cy="1676637"/>
-            </a:xfrm>
-            <a:prstGeom prst="rect">
-              <a:avLst/>
-            </a:prstGeom>
-          </p:spPr>
-        </p:pic>
-        <p:pic>
-          <p:nvPicPr>
-            <p:cNvPr id="6" name="Picture 5">
-              <a:extLst>
-                <a:ext uri="{FF2B5EF4-FFF2-40B4-BE49-F238E27FC236}">
-                  <a16:creationId xmlns:a16="http://schemas.microsoft.com/office/drawing/2014/main" id="{D8902941-77A0-044D-81F0-00C982D66B62}"/>
-                </a:ext>
-              </a:extLst>
-            </p:cNvPr>
-            <p:cNvPicPr>
-              <a:picLocks noChangeAspect="1"/>
-            </p:cNvPicPr>
-            <p:nvPr/>
-          </p:nvPicPr>
-          <p:blipFill rotWithShape="1">
-            <a:blip r:embed="rId3"/>
-            <a:srcRect l="11487"/>
-            <a:stretch/>
-          </p:blipFill>
-          <p:spPr>
-            <a:xfrm>
-              <a:off x="5653302" y="-1"/>
-              <a:ext cx="1855045" cy="1676637"/>
-            </a:xfrm>
-            <a:prstGeom prst="rect">
-              <a:avLst/>
-            </a:prstGeom>
-          </p:spPr>
-        </p:pic>
-        <p:pic>
-          <p:nvPicPr>
-            <p:cNvPr id="12" name="Picture 11">
-              <a:extLst>
-                <a:ext uri="{FF2B5EF4-FFF2-40B4-BE49-F238E27FC236}">
-                  <a16:creationId xmlns:a16="http://schemas.microsoft.com/office/drawing/2014/main" id="{5FD4B11F-31F4-254C-AC40-987EDC6071E5}"/>
-                </a:ext>
-              </a:extLst>
-            </p:cNvPr>
-            <p:cNvPicPr>
-              <a:picLocks noChangeAspect="1"/>
-            </p:cNvPicPr>
-            <p:nvPr/>
-          </p:nvPicPr>
-          <p:blipFill>
-            <a:blip r:embed="rId4"/>
-            <a:stretch>
-              <a:fillRect/>
-            </a:stretch>
-          </p:blipFill>
-          <p:spPr>
-            <a:xfrm>
-              <a:off x="3814360" y="1575518"/>
-              <a:ext cx="2095796" cy="1676637"/>
-            </a:xfrm>
-            <a:prstGeom prst="rect">
-              <a:avLst/>
-            </a:prstGeom>
-          </p:spPr>
-        </p:pic>
-        <p:pic>
-          <p:nvPicPr>
-            <p:cNvPr id="14" name="Picture 13">
-              <a:extLst>
-                <a:ext uri="{FF2B5EF4-FFF2-40B4-BE49-F238E27FC236}">
-                  <a16:creationId xmlns:a16="http://schemas.microsoft.com/office/drawing/2014/main" id="{3BF9929C-2AF8-0A4D-BEB5-F796888236ED}"/>
-                </a:ext>
-              </a:extLst>
-            </p:cNvPr>
-            <p:cNvPicPr>
-              <a:picLocks noChangeAspect="1"/>
-            </p:cNvPicPr>
-            <p:nvPr/>
-          </p:nvPicPr>
-          <p:blipFill rotWithShape="1">
-            <a:blip r:embed="rId5"/>
-            <a:srcRect l="11275"/>
-            <a:stretch/>
-          </p:blipFill>
-          <p:spPr>
-            <a:xfrm>
-              <a:off x="5653302" y="1574388"/>
-              <a:ext cx="1859490" cy="1676637"/>
-            </a:xfrm>
-            <a:prstGeom prst="rect">
-              <a:avLst/>
-            </a:prstGeom>
-          </p:spPr>
-        </p:pic>
-      </p:grpSp>
-      <p:grpSp>
-        <p:nvGrpSpPr>
-          <p:cNvPr id="16" name="Group 15">
-            <a:extLst>
-              <a:ext uri="{FF2B5EF4-FFF2-40B4-BE49-F238E27FC236}">
-                <a16:creationId xmlns:a16="http://schemas.microsoft.com/office/drawing/2014/main" id="{CE96D669-F6A1-9849-A03C-2C326D1154ED}"/>
-              </a:ext>
-            </a:extLst>
-          </p:cNvPr>
-          <p:cNvGrpSpPr/>
-          <p:nvPr/>
-        </p:nvGrpSpPr>
-        <p:grpSpPr>
-          <a:xfrm>
-            <a:off x="4572000" y="572695"/>
-            <a:ext cx="3708540" cy="3285819"/>
-            <a:chOff x="0" y="0"/>
-            <a:chExt cx="3708540" cy="3285819"/>
-          </a:xfrm>
-        </p:grpSpPr>
-        <p:pic>
-          <p:nvPicPr>
-            <p:cNvPr id="17" name="Picture 16">
-              <a:extLst>
-                <a:ext uri="{FF2B5EF4-FFF2-40B4-BE49-F238E27FC236}">
-                  <a16:creationId xmlns:a16="http://schemas.microsoft.com/office/drawing/2014/main" id="{75233B3A-9607-5C4C-8537-6F97982C4FC9}"/>
-                </a:ext>
-              </a:extLst>
-            </p:cNvPr>
-            <p:cNvPicPr>
-              <a:picLocks noChangeAspect="1"/>
-            </p:cNvPicPr>
-            <p:nvPr/>
-          </p:nvPicPr>
-          <p:blipFill rotWithShape="1">
-            <a:blip r:embed="rId6"/>
-            <a:srcRect l="11472"/>
-            <a:stretch/>
-          </p:blipFill>
-          <p:spPr>
-            <a:xfrm>
-              <a:off x="1840388" y="0"/>
-              <a:ext cx="1855379" cy="1676637"/>
-            </a:xfrm>
-            <a:prstGeom prst="rect">
-              <a:avLst/>
-            </a:prstGeom>
-          </p:spPr>
-        </p:pic>
-        <p:pic>
-          <p:nvPicPr>
-            <p:cNvPr id="18" name="Picture 17">
-              <a:extLst>
-                <a:ext uri="{FF2B5EF4-FFF2-40B4-BE49-F238E27FC236}">
-                  <a16:creationId xmlns:a16="http://schemas.microsoft.com/office/drawing/2014/main" id="{C58E1806-4C0C-4643-AA68-540AE316EF65}"/>
-                </a:ext>
-              </a:extLst>
-            </p:cNvPr>
-            <p:cNvPicPr>
-              <a:picLocks noChangeAspect="1"/>
-            </p:cNvPicPr>
-            <p:nvPr/>
-          </p:nvPicPr>
-          <p:blipFill rotWithShape="1">
-            <a:blip r:embed="rId7"/>
-            <a:srcRect r="11472"/>
-            <a:stretch/>
-          </p:blipFill>
-          <p:spPr>
-            <a:xfrm>
-              <a:off x="0" y="0"/>
-              <a:ext cx="1855378" cy="1676637"/>
-            </a:xfrm>
-            <a:prstGeom prst="rect">
-              <a:avLst/>
-            </a:prstGeom>
-          </p:spPr>
-        </p:pic>
-        <p:pic>
-          <p:nvPicPr>
-            <p:cNvPr id="19" name="Picture 18">
-              <a:extLst>
-                <a:ext uri="{FF2B5EF4-FFF2-40B4-BE49-F238E27FC236}">
-                  <a16:creationId xmlns:a16="http://schemas.microsoft.com/office/drawing/2014/main" id="{EF6555B0-6961-004A-94BE-014E6DC2DF77}"/>
-                </a:ext>
-              </a:extLst>
-            </p:cNvPr>
-            <p:cNvPicPr>
-              <a:picLocks noChangeAspect="1"/>
-            </p:cNvPicPr>
-            <p:nvPr/>
-          </p:nvPicPr>
-          <p:blipFill rotWithShape="1">
-            <a:blip r:embed="rId8"/>
-            <a:srcRect l="10988"/>
-            <a:stretch/>
-          </p:blipFill>
-          <p:spPr>
-            <a:xfrm>
-              <a:off x="1843027" y="1609182"/>
-              <a:ext cx="1865513" cy="1676637"/>
-            </a:xfrm>
-            <a:prstGeom prst="rect">
-              <a:avLst/>
-            </a:prstGeom>
-          </p:spPr>
-        </p:pic>
-        <p:pic>
-          <p:nvPicPr>
-            <p:cNvPr id="20" name="Picture 19">
-              <a:extLst>
-                <a:ext uri="{FF2B5EF4-FFF2-40B4-BE49-F238E27FC236}">
-                  <a16:creationId xmlns:a16="http://schemas.microsoft.com/office/drawing/2014/main" id="{E14ABCD8-9E11-8F45-8E85-91EE95521AFB}"/>
-                </a:ext>
-              </a:extLst>
-            </p:cNvPr>
-            <p:cNvPicPr>
-              <a:picLocks noChangeAspect="1"/>
-            </p:cNvPicPr>
-            <p:nvPr/>
-          </p:nvPicPr>
-          <p:blipFill rotWithShape="1">
-            <a:blip r:embed="rId9"/>
-            <a:srcRect r="10988"/>
-            <a:stretch/>
-          </p:blipFill>
-          <p:spPr>
-            <a:xfrm>
-              <a:off x="2428" y="1609181"/>
-              <a:ext cx="1865512" cy="1676637"/>
-            </a:xfrm>
-            <a:prstGeom prst="rect">
-              <a:avLst/>
-            </a:prstGeom>
-          </p:spPr>
-        </p:pic>
-      </p:grpSp>
-    </p:spTree>
-    <p:extLst>
-      <p:ext uri="{BB962C8B-B14F-4D97-AF65-F5344CB8AC3E}">
-        <p14:creationId xmlns:p14="http://schemas.microsoft.com/office/powerpoint/2010/main" val="215482450"/>
-      </p:ext>
-    </p:extLst>
-  </p:cSld>
-  <p:clrMapOvr>
-    <a:masterClrMapping/>
-  </p:clrMapOvr>
-</p:sld>
-</file>
-
-<file path=ppt/slides/slide3.xml><?xml version="1.0" encoding="utf-8"?>
-<p:sld xmlns:a="http://schemas.openxmlformats.org/drawingml/2006/main" xmlns:r="http://schemas.openxmlformats.org/officeDocument/2006/relationships" xmlns:p="http://schemas.openxmlformats.org/presentationml/2006/main">
-  <p:cSld>
-    <p:spTree>
-      <p:nvGrpSpPr>
-        <p:cNvPr id="1" name=""/>
-        <p:cNvGrpSpPr/>
-        <p:nvPr/>
-      </p:nvGrpSpPr>
-      <p:grpSpPr>
-        <a:xfrm>
-          <a:off x="0" y="0"/>
-          <a:ext cx="0" cy="0"/>
-          <a:chOff x="0" y="0"/>
-          <a:chExt cx="0" cy="0"/>
-        </a:xfrm>
-      </p:grpSpPr>
-      <p:pic>
-        <p:nvPicPr>
-          <p:cNvPr id="8" name="Picture 7">
-            <a:extLst>
-              <a:ext uri="{FF2B5EF4-FFF2-40B4-BE49-F238E27FC236}">
-                <a16:creationId xmlns:a16="http://schemas.microsoft.com/office/drawing/2014/main" id="{BB6CBD82-DE3A-1644-A219-12977059465A}"/>
-              </a:ext>
-            </a:extLst>
-          </p:cNvPr>
-          <p:cNvPicPr>
-            <a:picLocks noChangeAspect="1"/>
-          </p:cNvPicPr>
-          <p:nvPr/>
-        </p:nvPicPr>
-        <p:blipFill>
-          <a:blip r:embed="rId2"/>
-          <a:stretch>
-            <a:fillRect/>
-          </a:stretch>
-        </p:blipFill>
-        <p:spPr>
-          <a:xfrm>
-            <a:off x="4166577" y="295031"/>
-            <a:ext cx="4445000" cy="2540000"/>
-          </a:xfrm>
-          <a:prstGeom prst="rect">
-            <a:avLst/>
-          </a:prstGeom>
-        </p:spPr>
-      </p:pic>
-    </p:spTree>
-    <p:extLst>
-      <p:ext uri="{BB962C8B-B14F-4D97-AF65-F5344CB8AC3E}">
-        <p14:creationId xmlns:p14="http://schemas.microsoft.com/office/powerpoint/2010/main" val="2146760771"/>
+        <p14:creationId xmlns:p14="http://schemas.microsoft.com/office/powerpoint/2010/main" val="3576426135"/>
       </p:ext>
     </p:extLst>
   </p:cSld>
@@ -3698,4 +8615,299 @@
     </a:ext>
   </a:extLst>
 </a:theme>
+</file>
+
+<file path=ppt/theme/theme2.xml><?xml version="1.0" encoding="utf-8"?>
+<a:theme xmlns:a="http://schemas.openxmlformats.org/drawingml/2006/main" name="Office Theme">
+  <a:themeElements>
+    <a:clrScheme name="Office">
+      <a:dk1>
+        <a:sysClr val="windowText" lastClr="000000"/>
+      </a:dk1>
+      <a:lt1>
+        <a:sysClr val="window" lastClr="FFFFFF"/>
+      </a:lt1>
+      <a:dk2>
+        <a:srgbClr val="44546A"/>
+      </a:dk2>
+      <a:lt2>
+        <a:srgbClr val="E7E6E6"/>
+      </a:lt2>
+      <a:accent1>
+        <a:srgbClr val="4472C4"/>
+      </a:accent1>
+      <a:accent2>
+        <a:srgbClr val="ED7D31"/>
+      </a:accent2>
+      <a:accent3>
+        <a:srgbClr val="A5A5A5"/>
+      </a:accent3>
+      <a:accent4>
+        <a:srgbClr val="FFC000"/>
+      </a:accent4>
+      <a:accent5>
+        <a:srgbClr val="5B9BD5"/>
+      </a:accent5>
+      <a:accent6>
+        <a:srgbClr val="70AD47"/>
+      </a:accent6>
+      <a:hlink>
+        <a:srgbClr val="0563C1"/>
+      </a:hlink>
+      <a:folHlink>
+        <a:srgbClr val="954F72"/>
+      </a:folHlink>
+    </a:clrScheme>
+    <a:fontScheme name="Office">
+      <a:majorFont>
+        <a:latin typeface="Calibri Light" panose="020F0302020204030204"/>
+        <a:ea typeface=""/>
+        <a:cs typeface=""/>
+        <a:font script="Jpan" typeface="游ゴシック Light"/>
+        <a:font script="Hang" typeface="맑은 고딕"/>
+        <a:font script="Hans" typeface="等线 Light"/>
+        <a:font script="Hant" typeface="新細明體"/>
+        <a:font script="Arab" typeface="Times New Roman"/>
+        <a:font script="Hebr" typeface="Times New Roman"/>
+        <a:font script="Thai" typeface="Angsana New"/>
+        <a:font script="Ethi" typeface="Nyala"/>
+        <a:font script="Beng" typeface="Vrinda"/>
+        <a:font script="Gujr" typeface="Shruti"/>
+        <a:font script="Khmr" typeface="MoolBoran"/>
+        <a:font script="Knda" typeface="Tunga"/>
+        <a:font script="Guru" typeface="Raavi"/>
+        <a:font script="Cans" typeface="Euphemia"/>
+        <a:font script="Cher" typeface="Plantagenet Cherokee"/>
+        <a:font script="Yiii" typeface="Microsoft Yi Baiti"/>
+        <a:font script="Tibt" typeface="Microsoft Himalaya"/>
+        <a:font script="Thaa" typeface="MV Boli"/>
+        <a:font script="Deva" typeface="Mangal"/>
+        <a:font script="Telu" typeface="Gautami"/>
+        <a:font script="Taml" typeface="Latha"/>
+        <a:font script="Syrc" typeface="Estrangelo Edessa"/>
+        <a:font script="Orya" typeface="Kalinga"/>
+        <a:font script="Mlym" typeface="Kartika"/>
+        <a:font script="Laoo" typeface="DokChampa"/>
+        <a:font script="Sinh" typeface="Iskoola Pota"/>
+        <a:font script="Mong" typeface="Mongolian Baiti"/>
+        <a:font script="Viet" typeface="Times New Roman"/>
+        <a:font script="Uigh" typeface="Microsoft Uighur"/>
+        <a:font script="Geor" typeface="Sylfaen"/>
+        <a:font script="Armn" typeface="Arial"/>
+        <a:font script="Bugi" typeface="Leelawadee UI"/>
+        <a:font script="Bopo" typeface="Microsoft JhengHei"/>
+        <a:font script="Java" typeface="Javanese Text"/>
+        <a:font script="Lisu" typeface="Segoe UI"/>
+        <a:font script="Mymr" typeface="Myanmar Text"/>
+        <a:font script="Nkoo" typeface="Ebrima"/>
+        <a:font script="Olck" typeface="Nirmala UI"/>
+        <a:font script="Osma" typeface="Ebrima"/>
+        <a:font script="Phag" typeface="Phagspa"/>
+        <a:font script="Syrn" typeface="Estrangelo Edessa"/>
+        <a:font script="Syrj" typeface="Estrangelo Edessa"/>
+        <a:font script="Syre" typeface="Estrangelo Edessa"/>
+        <a:font script="Sora" typeface="Nirmala UI"/>
+        <a:font script="Tale" typeface="Microsoft Tai Le"/>
+        <a:font script="Talu" typeface="Microsoft New Tai Lue"/>
+        <a:font script="Tfng" typeface="Ebrima"/>
+      </a:majorFont>
+      <a:minorFont>
+        <a:latin typeface="Calibri" panose="020F0502020204030204"/>
+        <a:ea typeface=""/>
+        <a:cs typeface=""/>
+        <a:font script="Jpan" typeface="游ゴシック"/>
+        <a:font script="Hang" typeface="맑은 고딕"/>
+        <a:font script="Hans" typeface="等线"/>
+        <a:font script="Hant" typeface="新細明體"/>
+        <a:font script="Arab" typeface="Arial"/>
+        <a:font script="Hebr" typeface="Arial"/>
+        <a:font script="Thai" typeface="Cordia New"/>
+        <a:font script="Ethi" typeface="Nyala"/>
+        <a:font script="Beng" typeface="Vrinda"/>
+        <a:font script="Gujr" typeface="Shruti"/>
+        <a:font script="Khmr" typeface="DaunPenh"/>
+        <a:font script="Knda" typeface="Tunga"/>
+        <a:font script="Guru" typeface="Raavi"/>
+        <a:font script="Cans" typeface="Euphemia"/>
+        <a:font script="Cher" typeface="Plantagenet Cherokee"/>
+        <a:font script="Yiii" typeface="Microsoft Yi Baiti"/>
+        <a:font script="Tibt" typeface="Microsoft Himalaya"/>
+        <a:font script="Thaa" typeface="MV Boli"/>
+        <a:font script="Deva" typeface="Mangal"/>
+        <a:font script="Telu" typeface="Gautami"/>
+        <a:font script="Taml" typeface="Latha"/>
+        <a:font script="Syrc" typeface="Estrangelo Edessa"/>
+        <a:font script="Orya" typeface="Kalinga"/>
+        <a:font script="Mlym" typeface="Kartika"/>
+        <a:font script="Laoo" typeface="DokChampa"/>
+        <a:font script="Sinh" typeface="Iskoola Pota"/>
+        <a:font script="Mong" typeface="Mongolian Baiti"/>
+        <a:font script="Viet" typeface="Arial"/>
+        <a:font script="Uigh" typeface="Microsoft Uighur"/>
+        <a:font script="Geor" typeface="Sylfaen"/>
+        <a:font script="Armn" typeface="Arial"/>
+        <a:font script="Bugi" typeface="Leelawadee UI"/>
+        <a:font script="Bopo" typeface="Microsoft JhengHei"/>
+        <a:font script="Java" typeface="Javanese Text"/>
+        <a:font script="Lisu" typeface="Segoe UI"/>
+        <a:font script="Mymr" typeface="Myanmar Text"/>
+        <a:font script="Nkoo" typeface="Ebrima"/>
+        <a:font script="Olck" typeface="Nirmala UI"/>
+        <a:font script="Osma" typeface="Ebrima"/>
+        <a:font script="Phag" typeface="Phagspa"/>
+        <a:font script="Syrn" typeface="Estrangelo Edessa"/>
+        <a:font script="Syrj" typeface="Estrangelo Edessa"/>
+        <a:font script="Syre" typeface="Estrangelo Edessa"/>
+        <a:font script="Sora" typeface="Nirmala UI"/>
+        <a:font script="Tale" typeface="Microsoft Tai Le"/>
+        <a:font script="Talu" typeface="Microsoft New Tai Lue"/>
+        <a:font script="Tfng" typeface="Ebrima"/>
+      </a:minorFont>
+    </a:fontScheme>
+    <a:fmtScheme name="Office">
+      <a:fillStyleLst>
+        <a:solidFill>
+          <a:schemeClr val="phClr"/>
+        </a:solidFill>
+        <a:gradFill rotWithShape="1">
+          <a:gsLst>
+            <a:gs pos="0">
+              <a:schemeClr val="phClr">
+                <a:lumMod val="110000"/>
+                <a:satMod val="105000"/>
+                <a:tint val="67000"/>
+              </a:schemeClr>
+            </a:gs>
+            <a:gs pos="50000">
+              <a:schemeClr val="phClr">
+                <a:lumMod val="105000"/>
+                <a:satMod val="103000"/>
+                <a:tint val="73000"/>
+              </a:schemeClr>
+            </a:gs>
+            <a:gs pos="100000">
+              <a:schemeClr val="phClr">
+                <a:lumMod val="105000"/>
+                <a:satMod val="109000"/>
+                <a:tint val="81000"/>
+              </a:schemeClr>
+            </a:gs>
+          </a:gsLst>
+          <a:lin ang="5400000" scaled="0"/>
+        </a:gradFill>
+        <a:gradFill rotWithShape="1">
+          <a:gsLst>
+            <a:gs pos="0">
+              <a:schemeClr val="phClr">
+                <a:satMod val="103000"/>
+                <a:lumMod val="102000"/>
+                <a:tint val="94000"/>
+              </a:schemeClr>
+            </a:gs>
+            <a:gs pos="50000">
+              <a:schemeClr val="phClr">
+                <a:satMod val="110000"/>
+                <a:lumMod val="100000"/>
+                <a:shade val="100000"/>
+              </a:schemeClr>
+            </a:gs>
+            <a:gs pos="100000">
+              <a:schemeClr val="phClr">
+                <a:lumMod val="99000"/>
+                <a:satMod val="120000"/>
+                <a:shade val="78000"/>
+              </a:schemeClr>
+            </a:gs>
+          </a:gsLst>
+          <a:lin ang="5400000" scaled="0"/>
+        </a:gradFill>
+      </a:fillStyleLst>
+      <a:lnStyleLst>
+        <a:ln w="6350" cap="flat" cmpd="sng" algn="ctr">
+          <a:solidFill>
+            <a:schemeClr val="phClr"/>
+          </a:solidFill>
+          <a:prstDash val="solid"/>
+          <a:miter lim="800000"/>
+        </a:ln>
+        <a:ln w="12700" cap="flat" cmpd="sng" algn="ctr">
+          <a:solidFill>
+            <a:schemeClr val="phClr"/>
+          </a:solidFill>
+          <a:prstDash val="solid"/>
+          <a:miter lim="800000"/>
+        </a:ln>
+        <a:ln w="19050" cap="flat" cmpd="sng" algn="ctr">
+          <a:solidFill>
+            <a:schemeClr val="phClr"/>
+          </a:solidFill>
+          <a:prstDash val="solid"/>
+          <a:miter lim="800000"/>
+        </a:ln>
+      </a:lnStyleLst>
+      <a:effectStyleLst>
+        <a:effectStyle>
+          <a:effectLst/>
+        </a:effectStyle>
+        <a:effectStyle>
+          <a:effectLst/>
+        </a:effectStyle>
+        <a:effectStyle>
+          <a:effectLst>
+            <a:outerShdw blurRad="57150" dist="19050" dir="5400000" algn="ctr" rotWithShape="0">
+              <a:srgbClr val="000000">
+                <a:alpha val="63000"/>
+              </a:srgbClr>
+            </a:outerShdw>
+          </a:effectLst>
+        </a:effectStyle>
+      </a:effectStyleLst>
+      <a:bgFillStyleLst>
+        <a:solidFill>
+          <a:schemeClr val="phClr"/>
+        </a:solidFill>
+        <a:solidFill>
+          <a:schemeClr val="phClr">
+            <a:tint val="95000"/>
+            <a:satMod val="170000"/>
+          </a:schemeClr>
+        </a:solidFill>
+        <a:gradFill rotWithShape="1">
+          <a:gsLst>
+            <a:gs pos="0">
+              <a:schemeClr val="phClr">
+                <a:tint val="93000"/>
+                <a:satMod val="150000"/>
+                <a:shade val="98000"/>
+                <a:lumMod val="102000"/>
+              </a:schemeClr>
+            </a:gs>
+            <a:gs pos="50000">
+              <a:schemeClr val="phClr">
+                <a:tint val="98000"/>
+                <a:satMod val="130000"/>
+                <a:shade val="90000"/>
+                <a:lumMod val="103000"/>
+              </a:schemeClr>
+            </a:gs>
+            <a:gs pos="100000">
+              <a:schemeClr val="phClr">
+                <a:shade val="63000"/>
+                <a:satMod val="120000"/>
+              </a:schemeClr>
+            </a:gs>
+          </a:gsLst>
+          <a:lin ang="5400000" scaled="0"/>
+        </a:gradFill>
+      </a:bgFillStyleLst>
+    </a:fmtScheme>
+  </a:themeElements>
+  <a:objectDefaults/>
+  <a:extraClrSchemeLst/>
+  <a:extLst>
+    <a:ext uri="{05A4C25C-085E-4340-85A3-A5531E510DB2}">
+      <thm15:themeFamily xmlns:thm15="http://schemas.microsoft.com/office/thememl/2012/main" name="Office Theme" id="{62F939B6-93AF-4DB8-9C6B-D6C7DFDC589F}" vid="{4A3C46E8-61CC-4603-A589-7422A47A8E4A}"/>
+    </a:ext>
+  </a:extLst>
+</a:theme>
 </file>
--- a/admin/plot-editing.pptx
+++ b/admin/plot-editing.pptx
@@ -5,7 +5,7 @@
     <p:sldMasterId id="2147483660" r:id="rId1"/>
   </p:sldMasterIdLst>
   <p:notesMasterIdLst>
-    <p:notesMasterId r:id="rId9"/>
+    <p:notesMasterId r:id="rId10"/>
   </p:notesMasterIdLst>
   <p:sldIdLst>
     <p:sldId id="316" r:id="rId2"/>
@@ -15,6 +15,7 @@
     <p:sldId id="264" r:id="rId6"/>
     <p:sldId id="263" r:id="rId7"/>
     <p:sldId id="265" r:id="rId8"/>
+    <p:sldId id="317" r:id="rId9"/>
   </p:sldIdLst>
   <p:sldSz cx="9144000" cy="6858000" type="screen4x3"/>
   <p:notesSz cx="6858000" cy="9144000"/>
@@ -203,7 +204,7 @@
           <a:p>
             <a:fld id="{28BB845A-8D3D-7546-82B5-222C64D3BA4D}" type="datetimeFigureOut">
               <a:rPr lang="en-US" smtClean="0"/>
-              <a:t>9/2/19</a:t>
+              <a:t>4/20/20</a:t>
             </a:fld>
             <a:endParaRPr lang="en-US"/>
           </a:p>
@@ -685,7 +686,7 @@
           <a:p>
             <a:fld id="{9347E118-E456-1F40-BBD6-4856F8C7E635}" type="datetimeFigureOut">
               <a:rPr lang="en-US" smtClean="0"/>
-              <a:t>8/27/19</a:t>
+              <a:t>4/20/20</a:t>
             </a:fld>
             <a:endParaRPr lang="en-US"/>
           </a:p>
@@ -855,7 +856,7 @@
           <a:p>
             <a:fld id="{9347E118-E456-1F40-BBD6-4856F8C7E635}" type="datetimeFigureOut">
               <a:rPr lang="en-US" smtClean="0"/>
-              <a:t>8/27/19</a:t>
+              <a:t>4/20/20</a:t>
             </a:fld>
             <a:endParaRPr lang="en-US"/>
           </a:p>
@@ -1035,7 +1036,7 @@
           <a:p>
             <a:fld id="{9347E118-E456-1F40-BBD6-4856F8C7E635}" type="datetimeFigureOut">
               <a:rPr lang="en-US" smtClean="0"/>
-              <a:t>8/27/19</a:t>
+              <a:t>4/20/20</a:t>
             </a:fld>
             <a:endParaRPr lang="en-US"/>
           </a:p>
@@ -1205,7 +1206,7 @@
           <a:p>
             <a:fld id="{9347E118-E456-1F40-BBD6-4856F8C7E635}" type="datetimeFigureOut">
               <a:rPr lang="en-US" smtClean="0"/>
-              <a:t>8/27/19</a:t>
+              <a:t>4/20/20</a:t>
             </a:fld>
             <a:endParaRPr lang="en-US"/>
           </a:p>
@@ -1449,7 +1450,7 @@
           <a:p>
             <a:fld id="{9347E118-E456-1F40-BBD6-4856F8C7E635}" type="datetimeFigureOut">
               <a:rPr lang="en-US" smtClean="0"/>
-              <a:t>8/27/19</a:t>
+              <a:t>4/20/20</a:t>
             </a:fld>
             <a:endParaRPr lang="en-US"/>
           </a:p>
@@ -1681,7 +1682,7 @@
           <a:p>
             <a:fld id="{9347E118-E456-1F40-BBD6-4856F8C7E635}" type="datetimeFigureOut">
               <a:rPr lang="en-US" smtClean="0"/>
-              <a:t>8/27/19</a:t>
+              <a:t>4/20/20</a:t>
             </a:fld>
             <a:endParaRPr lang="en-US"/>
           </a:p>
@@ -2048,7 +2049,7 @@
           <a:p>
             <a:fld id="{9347E118-E456-1F40-BBD6-4856F8C7E635}" type="datetimeFigureOut">
               <a:rPr lang="en-US" smtClean="0"/>
-              <a:t>8/27/19</a:t>
+              <a:t>4/20/20</a:t>
             </a:fld>
             <a:endParaRPr lang="en-US"/>
           </a:p>
@@ -2166,7 +2167,7 @@
           <a:p>
             <a:fld id="{9347E118-E456-1F40-BBD6-4856F8C7E635}" type="datetimeFigureOut">
               <a:rPr lang="en-US" smtClean="0"/>
-              <a:t>8/27/19</a:t>
+              <a:t>4/20/20</a:t>
             </a:fld>
             <a:endParaRPr lang="en-US"/>
           </a:p>
@@ -2261,7 +2262,7 @@
           <a:p>
             <a:fld id="{9347E118-E456-1F40-BBD6-4856F8C7E635}" type="datetimeFigureOut">
               <a:rPr lang="en-US" smtClean="0"/>
-              <a:t>8/27/19</a:t>
+              <a:t>4/20/20</a:t>
             </a:fld>
             <a:endParaRPr lang="en-US"/>
           </a:p>
@@ -2538,7 +2539,7 @@
           <a:p>
             <a:fld id="{9347E118-E456-1F40-BBD6-4856F8C7E635}" type="datetimeFigureOut">
               <a:rPr lang="en-US" smtClean="0"/>
-              <a:t>8/27/19</a:t>
+              <a:t>4/20/20</a:t>
             </a:fld>
             <a:endParaRPr lang="en-US"/>
           </a:p>
@@ -2795,7 +2796,7 @@
           <a:p>
             <a:fld id="{9347E118-E456-1F40-BBD6-4856F8C7E635}" type="datetimeFigureOut">
               <a:rPr lang="en-US" smtClean="0"/>
-              <a:t>8/27/19</a:t>
+              <a:t>4/20/20</a:t>
             </a:fld>
             <a:endParaRPr lang="en-US"/>
           </a:p>
@@ -3008,7 +3009,7 @@
           <a:p>
             <a:fld id="{9347E118-E456-1F40-BBD6-4856F8C7E635}" type="datetimeFigureOut">
               <a:rPr lang="en-US" smtClean="0"/>
-              <a:t>8/27/19</a:t>
+              <a:t>4/20/20</a:t>
             </a:fld>
             <a:endParaRPr lang="en-US"/>
           </a:p>
@@ -4211,7 +4212,7 @@
           <p:spPr>
             <a:xfrm>
               <a:off x="624107" y="2106041"/>
-              <a:ext cx="743617" cy="707886"/>
+              <a:ext cx="743617" cy="830997"/>
             </a:xfrm>
             <a:prstGeom prst="rect">
               <a:avLst/>
@@ -4234,7 +4235,7 @@
                   <a:latin typeface="Arial" panose="020B0604020202020204" pitchFamily="34" charset="0"/>
                   <a:cs typeface="Arial" panose="020B0604020202020204" pitchFamily="34" charset="0"/>
                 </a:rPr>
-                <a:t>Broodstock collected from Mud Bay, Bremerton</a:t>
+                <a:t>Broodstock collected from Mud Bay, Bremerton, WA</a:t>
               </a:r>
             </a:p>
           </p:txBody>
@@ -4317,7 +4318,7 @@
                   <a:latin typeface="Arial" panose="020B0604020202020204" pitchFamily="34" charset="0"/>
                   <a:cs typeface="Arial" panose="020B0604020202020204" pitchFamily="34" charset="0"/>
                 </a:rPr>
-                <a:t>47-day exposure ends, spawning begins</a:t>
+                <a:t>7-week exposure ends, spawning begins</a:t>
               </a:r>
             </a:p>
           </p:txBody>
@@ -4386,7 +4387,7 @@
                   <a:latin typeface="Arial" panose="020B0604020202020204" pitchFamily="34" charset="0"/>
                   <a:cs typeface="Arial" panose="020B0604020202020204" pitchFamily="34" charset="0"/>
                 </a:rPr>
-                <a:t>6ºC+high-food, 6ºC+low-food</a:t>
+                <a:t>7ºC+high-food, 6ºC+low-food</a:t>
               </a:r>
             </a:p>
             <a:p>
@@ -5153,7 +5154,7 @@
                   <a:latin typeface="Arial" panose="020B0604020202020204" pitchFamily="34" charset="0"/>
                   <a:cs typeface="Arial" panose="020B0604020202020204" pitchFamily="34" charset="0"/>
                 </a:rPr>
-                <a:t>(82-day trial only)</a:t>
+                <a:t>(12-week trial only)</a:t>
               </a:r>
             </a:p>
           </p:txBody>
@@ -5437,7 +5438,7 @@
                   <a:latin typeface="Arial" panose="020B0604020202020204" pitchFamily="34" charset="0"/>
                   <a:cs typeface="Arial" panose="020B0604020202020204" pitchFamily="34" charset="0"/>
                 </a:rPr>
-                <a:t>82-day exposure ends, spawning begins</a:t>
+                <a:t>12-week exposure ends, spawning begins</a:t>
               </a:r>
             </a:p>
           </p:txBody>
@@ -5651,7 +5652,7 @@
                   <a:latin typeface="Arial" panose="020B0604020202020204" pitchFamily="34" charset="0"/>
                   <a:cs typeface="Arial" panose="020B0604020202020204" pitchFamily="34" charset="0"/>
                 </a:rPr>
-                <a:t>(35 -days after release)</a:t>
+                <a:t>(35-days after release)</a:t>
               </a:r>
             </a:p>
           </p:txBody>
@@ -5717,7 +5718,7 @@
                   <a:latin typeface="Arial" panose="020B0604020202020204" pitchFamily="34" charset="0"/>
                   <a:cs typeface="Arial" panose="020B0604020202020204" pitchFamily="34" charset="0"/>
                 </a:rPr>
-                <a:t>47-day trial, broodstock</a:t>
+                <a:t>7-week trial, broodstock</a:t>
               </a:r>
             </a:p>
             <a:p>
@@ -5815,7 +5816,7 @@
                   <a:latin typeface="Arial" panose="020B0604020202020204" pitchFamily="34" charset="0"/>
                   <a:cs typeface="Arial" panose="020B0604020202020204" pitchFamily="34" charset="0"/>
                 </a:rPr>
-                <a:t>82-day trial, broodstock</a:t>
+                <a:t>12-week trial, broodstock</a:t>
               </a:r>
             </a:p>
             <a:p>
@@ -5913,7 +5914,7 @@
                   <a:latin typeface="Arial" panose="020B0604020202020204" pitchFamily="34" charset="0"/>
                   <a:cs typeface="Arial" panose="020B0604020202020204" pitchFamily="34" charset="0"/>
                 </a:rPr>
-                <a:t>82-day trial, larvae</a:t>
+                <a:t>12-week trial, larvae</a:t>
               </a:r>
             </a:p>
             <a:p>
@@ -6026,7 +6027,7 @@
           </p:nvSpPr>
           <p:spPr>
             <a:xfrm>
-              <a:off x="869752" y="3175531"/>
+              <a:off x="957213" y="3175531"/>
               <a:ext cx="505503" cy="200055"/>
             </a:xfrm>
             <a:prstGeom prst="rect">
@@ -6126,7 +6127,7 @@
           </p:nvSpPr>
           <p:spPr>
             <a:xfrm>
-              <a:off x="1345329" y="3172431"/>
+              <a:off x="1416888" y="3172431"/>
               <a:ext cx="505503" cy="200055"/>
             </a:xfrm>
             <a:prstGeom prst="rect">
@@ -6166,7 +6167,7 @@
           </p:nvSpPr>
           <p:spPr>
             <a:xfrm>
-              <a:off x="1742272" y="3175976"/>
+              <a:off x="1813831" y="3175976"/>
               <a:ext cx="505503" cy="200055"/>
             </a:xfrm>
             <a:prstGeom prst="rect">
@@ -6246,7 +6247,7 @@
           </p:nvSpPr>
           <p:spPr>
             <a:xfrm>
-              <a:off x="2726060" y="3174033"/>
+              <a:off x="2741962" y="3174033"/>
               <a:ext cx="505503" cy="200055"/>
             </a:xfrm>
             <a:prstGeom prst="rect">
@@ -6326,7 +6327,7 @@
           </p:nvSpPr>
           <p:spPr>
             <a:xfrm>
-              <a:off x="3489919" y="3162193"/>
+              <a:off x="3442213" y="3162193"/>
               <a:ext cx="505503" cy="200055"/>
             </a:xfrm>
             <a:prstGeom prst="rect">
@@ -6347,7 +6348,7 @@
                   <a:latin typeface="Arial" panose="020B0604020202020204" pitchFamily="34" charset="0"/>
                   <a:cs typeface="Arial" panose="020B0604020202020204" pitchFamily="34" charset="0"/>
                 </a:rPr>
-                <a:t>Mar 3</a:t>
+                <a:t>Mar 13</a:t>
               </a:r>
             </a:p>
           </p:txBody>
@@ -6366,7 +6367,7 @@
           </p:nvSpPr>
           <p:spPr>
             <a:xfrm>
-              <a:off x="3801624" y="3158396"/>
+              <a:off x="3897036" y="3158396"/>
               <a:ext cx="505503" cy="200055"/>
             </a:xfrm>
             <a:prstGeom prst="rect">
@@ -6425,10 +6426,10 @@
       </p:grpSpPr>
       <p:grpSp>
         <p:nvGrpSpPr>
-          <p:cNvPr id="91" name="Group 90">
+          <p:cNvPr id="20" name="Group 19">
             <a:extLst>
               <a:ext uri="{FF2B5EF4-FFF2-40B4-BE49-F238E27FC236}">
-                <a16:creationId xmlns:a16="http://schemas.microsoft.com/office/drawing/2014/main" id="{0AF64FDD-70D0-6C46-9EBB-3D5FC3D00D94}"/>
+                <a16:creationId xmlns:a16="http://schemas.microsoft.com/office/drawing/2014/main" id="{BF62BA24-0033-CC48-8690-EEBBD18DAAF4}"/>
               </a:ext>
             </a:extLst>
           </p:cNvPr>
@@ -6437,18 +6438,473 @@
         </p:nvGrpSpPr>
         <p:grpSpPr>
           <a:xfrm>
-            <a:off x="129496" y="284485"/>
-            <a:ext cx="8510917" cy="4932025"/>
-            <a:chOff x="129496" y="284485"/>
-            <a:chExt cx="8510917" cy="4932025"/>
+            <a:off x="129551" y="635557"/>
+            <a:ext cx="8425618" cy="4889279"/>
+            <a:chOff x="129551" y="635557"/>
+            <a:chExt cx="8425618" cy="4889279"/>
           </a:xfrm>
         </p:grpSpPr>
+        <p:pic>
+          <p:nvPicPr>
+            <p:cNvPr id="19" name="Picture 18">
+              <a:extLst>
+                <a:ext uri="{FF2B5EF4-FFF2-40B4-BE49-F238E27FC236}">
+                  <a16:creationId xmlns:a16="http://schemas.microsoft.com/office/drawing/2014/main" id="{EE3D3E7C-0F4C-1E4D-B2DD-FE4872BA20E0}"/>
+                </a:ext>
+              </a:extLst>
+            </p:cNvPr>
+            <p:cNvPicPr>
+              <a:picLocks noChangeAspect="1"/>
+            </p:cNvPicPr>
+            <p:nvPr/>
+          </p:nvPicPr>
+          <p:blipFill>
+            <a:blip r:embed="rId2"/>
+            <a:stretch>
+              <a:fillRect/>
+            </a:stretch>
+          </p:blipFill>
+          <p:spPr>
+            <a:xfrm>
+              <a:off x="5760710" y="896865"/>
+              <a:ext cx="2523858" cy="4213745"/>
+            </a:xfrm>
+            <a:prstGeom prst="rect">
+              <a:avLst/>
+            </a:prstGeom>
+          </p:spPr>
+        </p:pic>
+        <p:pic>
+          <p:nvPicPr>
+            <p:cNvPr id="17" name="Picture 16">
+              <a:extLst>
+                <a:ext uri="{FF2B5EF4-FFF2-40B4-BE49-F238E27FC236}">
+                  <a16:creationId xmlns:a16="http://schemas.microsoft.com/office/drawing/2014/main" id="{44F70E73-ACCD-A74A-A554-11C62795C50D}"/>
+                </a:ext>
+              </a:extLst>
+            </p:cNvPr>
+            <p:cNvPicPr>
+              <a:picLocks noChangeAspect="1"/>
+            </p:cNvPicPr>
+            <p:nvPr/>
+          </p:nvPicPr>
+          <p:blipFill>
+            <a:blip r:embed="rId3"/>
+            <a:stretch>
+              <a:fillRect/>
+            </a:stretch>
+          </p:blipFill>
+          <p:spPr>
+            <a:xfrm>
+              <a:off x="3352863" y="898052"/>
+              <a:ext cx="2373347" cy="4219283"/>
+            </a:xfrm>
+            <a:prstGeom prst="rect">
+              <a:avLst/>
+            </a:prstGeom>
+          </p:spPr>
+        </p:pic>
+        <p:pic>
+          <p:nvPicPr>
+            <p:cNvPr id="15" name="Picture 14">
+              <a:extLst>
+                <a:ext uri="{FF2B5EF4-FFF2-40B4-BE49-F238E27FC236}">
+                  <a16:creationId xmlns:a16="http://schemas.microsoft.com/office/drawing/2014/main" id="{F99B17E9-95EF-624D-906F-DA9FA88C2CD8}"/>
+                </a:ext>
+              </a:extLst>
+            </p:cNvPr>
+            <p:cNvPicPr>
+              <a:picLocks noChangeAspect="1"/>
+            </p:cNvPicPr>
+            <p:nvPr/>
+          </p:nvPicPr>
+          <p:blipFill>
+            <a:blip r:embed="rId4"/>
+            <a:stretch>
+              <a:fillRect/>
+            </a:stretch>
+          </p:blipFill>
+          <p:spPr>
+            <a:xfrm>
+              <a:off x="949617" y="896866"/>
+              <a:ext cx="2376157" cy="4224279"/>
+            </a:xfrm>
+            <a:prstGeom prst="rect">
+              <a:avLst/>
+            </a:prstGeom>
+          </p:spPr>
+        </p:pic>
+        <p:grpSp>
+          <p:nvGrpSpPr>
+            <p:cNvPr id="11" name="Group 10">
+              <a:extLst>
+                <a:ext uri="{FF2B5EF4-FFF2-40B4-BE49-F238E27FC236}">
+                  <a16:creationId xmlns:a16="http://schemas.microsoft.com/office/drawing/2014/main" id="{A2044059-DDF2-2346-8666-6B772F47ADC0}"/>
+                </a:ext>
+              </a:extLst>
+            </p:cNvPr>
+            <p:cNvGrpSpPr/>
+            <p:nvPr/>
+          </p:nvGrpSpPr>
+          <p:grpSpPr>
+            <a:xfrm>
+              <a:off x="844342" y="635557"/>
+              <a:ext cx="7710827" cy="4889279"/>
+              <a:chOff x="501442" y="284485"/>
+              <a:chExt cx="7710827" cy="4889279"/>
+            </a:xfrm>
+          </p:grpSpPr>
+          <p:grpSp>
+            <p:nvGrpSpPr>
+              <p:cNvPr id="91" name="Group 90">
+                <a:extLst>
+                  <a:ext uri="{FF2B5EF4-FFF2-40B4-BE49-F238E27FC236}">
+                    <a16:creationId xmlns:a16="http://schemas.microsoft.com/office/drawing/2014/main" id="{0AF64FDD-70D0-6C46-9EBB-3D5FC3D00D94}"/>
+                  </a:ext>
+                </a:extLst>
+              </p:cNvPr>
+              <p:cNvGrpSpPr/>
+              <p:nvPr/>
+            </p:nvGrpSpPr>
+            <p:grpSpPr>
+              <a:xfrm>
+                <a:off x="965732" y="284485"/>
+                <a:ext cx="7246537" cy="3392284"/>
+                <a:chOff x="965732" y="284485"/>
+                <a:chExt cx="7246537" cy="3392284"/>
+              </a:xfrm>
+            </p:grpSpPr>
+            <p:sp>
+              <p:nvSpPr>
+                <p:cNvPr id="7" name="TextBox 6">
+                  <a:extLst>
+                    <a:ext uri="{FF2B5EF4-FFF2-40B4-BE49-F238E27FC236}">
+                      <a16:creationId xmlns:a16="http://schemas.microsoft.com/office/drawing/2014/main" id="{DCD07132-0EF3-C045-AD85-4BE035150493}"/>
+                    </a:ext>
+                  </a:extLst>
+                </p:cNvPr>
+                <p:cNvSpPr txBox="1"/>
+                <p:nvPr/>
+              </p:nvSpPr>
+              <p:spPr>
+                <a:xfrm>
+                  <a:off x="965732" y="307154"/>
+                  <a:ext cx="2111501" cy="261610"/>
+                </a:xfrm>
+                <a:prstGeom prst="rect">
+                  <a:avLst/>
+                </a:prstGeom>
+                <a:noFill/>
+              </p:spPr>
+              <p:txBody>
+                <a:bodyPr wrap="square" rtlCol="0">
+                  <a:spAutoFit/>
+                </a:bodyPr>
+                <a:lstStyle/>
+                <a:p>
+                  <a:r>
+                    <a:rPr lang="en-US" sz="1100" dirty="0">
+                      <a:solidFill>
+                        <a:schemeClr val="tx1">
+                          <a:lumMod val="75000"/>
+                          <a:lumOff val="25000"/>
+                        </a:schemeClr>
+                      </a:solidFill>
+                      <a:latin typeface="Arial" panose="020B0604020202020204" pitchFamily="34" charset="0"/>
+                      <a:cs typeface="Arial" panose="020B0604020202020204" pitchFamily="34" charset="0"/>
+                    </a:rPr>
+                    <a:t>Predominant Gonad Sex</a:t>
+                  </a:r>
+                </a:p>
+              </p:txBody>
+            </p:sp>
+            <p:sp>
+              <p:nvSpPr>
+                <p:cNvPr id="8" name="TextBox 7">
+                  <a:extLst>
+                    <a:ext uri="{FF2B5EF4-FFF2-40B4-BE49-F238E27FC236}">
+                      <a16:creationId xmlns:a16="http://schemas.microsoft.com/office/drawing/2014/main" id="{9DA0215A-45C1-C74D-BF67-DEB80016112A}"/>
+                    </a:ext>
+                  </a:extLst>
+                </p:cNvPr>
+                <p:cNvSpPr txBox="1"/>
+                <p:nvPr/>
+              </p:nvSpPr>
+              <p:spPr>
+                <a:xfrm>
+                  <a:off x="3255109" y="285798"/>
+                  <a:ext cx="1625177" cy="261610"/>
+                </a:xfrm>
+                <a:prstGeom prst="rect">
+                  <a:avLst/>
+                </a:prstGeom>
+                <a:noFill/>
+              </p:spPr>
+              <p:txBody>
+                <a:bodyPr wrap="square" rtlCol="0">
+                  <a:spAutoFit/>
+                </a:bodyPr>
+                <a:lstStyle/>
+                <a:p>
+                  <a:pPr algn="ctr"/>
+                  <a:r>
+                    <a:rPr lang="en-US" sz="1100" dirty="0">
+                      <a:solidFill>
+                        <a:schemeClr val="tx1">
+                          <a:lumMod val="75000"/>
+                          <a:lumOff val="25000"/>
+                        </a:schemeClr>
+                      </a:solidFill>
+                      <a:latin typeface="Arial" panose="020B0604020202020204" pitchFamily="34" charset="0"/>
+                      <a:cs typeface="Arial" panose="020B0604020202020204" pitchFamily="34" charset="0"/>
+                    </a:rPr>
+                    <a:t>Oocyte stage</a:t>
+                  </a:r>
+                </a:p>
+              </p:txBody>
+            </p:sp>
+            <p:sp>
+              <p:nvSpPr>
+                <p:cNvPr id="10" name="TextBox 9">
+                  <a:extLst>
+                    <a:ext uri="{FF2B5EF4-FFF2-40B4-BE49-F238E27FC236}">
+                      <a16:creationId xmlns:a16="http://schemas.microsoft.com/office/drawing/2014/main" id="{8E4D9B60-852D-5240-AB7C-E27CF74004EF}"/>
+                    </a:ext>
+                  </a:extLst>
+                </p:cNvPr>
+                <p:cNvSpPr txBox="1"/>
+                <p:nvPr/>
+              </p:nvSpPr>
+              <p:spPr>
+                <a:xfrm>
+                  <a:off x="5858659" y="284485"/>
+                  <a:ext cx="1923204" cy="261610"/>
+                </a:xfrm>
+                <a:prstGeom prst="rect">
+                  <a:avLst/>
+                </a:prstGeom>
+                <a:noFill/>
+              </p:spPr>
+              <p:txBody>
+                <a:bodyPr wrap="square" rtlCol="0">
+                  <a:spAutoFit/>
+                </a:bodyPr>
+                <a:lstStyle/>
+                <a:p>
+                  <a:r>
+                    <a:rPr lang="en-US" sz="1100" dirty="0">
+                      <a:solidFill>
+                        <a:schemeClr val="tx1">
+                          <a:lumMod val="75000"/>
+                          <a:lumOff val="25000"/>
+                        </a:schemeClr>
+                      </a:solidFill>
+                      <a:latin typeface="Arial" panose="020B0604020202020204" pitchFamily="34" charset="0"/>
+                      <a:cs typeface="Arial" panose="020B0604020202020204" pitchFamily="34" charset="0"/>
+                    </a:rPr>
+                    <a:t>Spermatocyte Stage</a:t>
+                  </a:r>
+                </a:p>
+              </p:txBody>
+            </p:sp>
+            <p:sp>
+              <p:nvSpPr>
+                <p:cNvPr id="49" name="TextBox 48">
+                  <a:extLst>
+                    <a:ext uri="{FF2B5EF4-FFF2-40B4-BE49-F238E27FC236}">
+                      <a16:creationId xmlns:a16="http://schemas.microsoft.com/office/drawing/2014/main" id="{C995DEEA-F2B9-9A43-8A23-F6C7C2515277}"/>
+                    </a:ext>
+                  </a:extLst>
+                </p:cNvPr>
+                <p:cNvSpPr txBox="1"/>
+                <p:nvPr/>
+              </p:nvSpPr>
+              <p:spPr>
+                <a:xfrm rot="5400000">
+                  <a:off x="6764341" y="2228840"/>
+                  <a:ext cx="2618858" cy="276999"/>
+                </a:xfrm>
+                <a:prstGeom prst="rect">
+                  <a:avLst/>
+                </a:prstGeom>
+                <a:noFill/>
+              </p:spPr>
+              <p:txBody>
+                <a:bodyPr wrap="square" rtlCol="0">
+                  <a:spAutoFit/>
+                </a:bodyPr>
+                <a:lstStyle/>
+                <a:p>
+                  <a:pPr algn="r"/>
+                  <a:r>
+                    <a:rPr lang="en-US" sz="1200" dirty="0">
+                      <a:solidFill>
+                        <a:schemeClr val="tx1">
+                          <a:lumMod val="75000"/>
+                          <a:lumOff val="25000"/>
+                        </a:schemeClr>
+                      </a:solidFill>
+                      <a:latin typeface="Arial" panose="020B0604020202020204" pitchFamily="34" charset="0"/>
+                      <a:cs typeface="Arial" panose="020B0604020202020204" pitchFamily="34" charset="0"/>
+                    </a:rPr>
+                    <a:t>Percent of oysters sampled</a:t>
+                  </a:r>
+                </a:p>
+              </p:txBody>
+            </p:sp>
+          </p:grpSp>
+          <p:pic>
+            <p:nvPicPr>
+              <p:cNvPr id="3" name="Picture 2">
+                <a:extLst>
+                  <a:ext uri="{FF2B5EF4-FFF2-40B4-BE49-F238E27FC236}">
+                    <a16:creationId xmlns:a16="http://schemas.microsoft.com/office/drawing/2014/main" id="{5D59D35F-C058-2F41-A619-03812C72C1F9}"/>
+                  </a:ext>
+                </a:extLst>
+              </p:cNvPr>
+              <p:cNvPicPr>
+                <a:picLocks noChangeAspect="1"/>
+              </p:cNvPicPr>
+              <p:nvPr/>
+            </p:nvPicPr>
+            <p:blipFill rotWithShape="1">
+              <a:blip r:embed="rId5"/>
+              <a:srcRect t="57380" b="25879"/>
+              <a:stretch/>
+            </p:blipFill>
+            <p:spPr>
+              <a:xfrm>
+                <a:off x="3011722" y="4712098"/>
+                <a:ext cx="2373347" cy="176583"/>
+              </a:xfrm>
+              <a:prstGeom prst="rect">
+                <a:avLst/>
+              </a:prstGeom>
+            </p:spPr>
+          </p:pic>
+          <p:pic>
+            <p:nvPicPr>
+              <p:cNvPr id="9" name="Picture 8">
+                <a:extLst>
+                  <a:ext uri="{FF2B5EF4-FFF2-40B4-BE49-F238E27FC236}">
+                    <a16:creationId xmlns:a16="http://schemas.microsoft.com/office/drawing/2014/main" id="{E046EBFC-676B-C347-9B08-E54AD7C8849F}"/>
+                  </a:ext>
+                </a:extLst>
+              </p:cNvPr>
+              <p:cNvPicPr>
+                <a:picLocks noChangeAspect="1"/>
+              </p:cNvPicPr>
+              <p:nvPr/>
+            </p:nvPicPr>
+            <p:blipFill rotWithShape="1">
+              <a:blip r:embed="rId6"/>
+              <a:srcRect t="57529"/>
+              <a:stretch/>
+            </p:blipFill>
+            <p:spPr>
+              <a:xfrm>
+                <a:off x="5393498" y="4722940"/>
+                <a:ext cx="2388365" cy="450824"/>
+              </a:xfrm>
+              <a:prstGeom prst="rect">
+                <a:avLst/>
+              </a:prstGeom>
+            </p:spPr>
+          </p:pic>
+          <p:pic>
+            <p:nvPicPr>
+              <p:cNvPr id="5" name="Picture 4">
+                <a:extLst>
+                  <a:ext uri="{FF2B5EF4-FFF2-40B4-BE49-F238E27FC236}">
+                    <a16:creationId xmlns:a16="http://schemas.microsoft.com/office/drawing/2014/main" id="{4FD53668-9271-8841-8EF5-C92E9F552462}"/>
+                  </a:ext>
+                </a:extLst>
+              </p:cNvPr>
+              <p:cNvPicPr>
+                <a:picLocks noChangeAspect="1"/>
+              </p:cNvPicPr>
+              <p:nvPr/>
+            </p:nvPicPr>
+            <p:blipFill rotWithShape="1">
+              <a:blip r:embed="rId7"/>
+              <a:srcRect t="57430" b="26991"/>
+              <a:stretch/>
+            </p:blipFill>
+            <p:spPr>
+              <a:xfrm>
+                <a:off x="502895" y="4716764"/>
+                <a:ext cx="2482885" cy="171918"/>
+              </a:xfrm>
+              <a:prstGeom prst="rect">
+                <a:avLst/>
+              </a:prstGeom>
+            </p:spPr>
+          </p:pic>
+          <p:pic>
+            <p:nvPicPr>
+              <p:cNvPr id="38" name="Picture 37">
+                <a:extLst>
+                  <a:ext uri="{FF2B5EF4-FFF2-40B4-BE49-F238E27FC236}">
+                    <a16:creationId xmlns:a16="http://schemas.microsoft.com/office/drawing/2014/main" id="{487FC253-E6F5-D744-8AC5-32310D9CD796}"/>
+                  </a:ext>
+                </a:extLst>
+              </p:cNvPr>
+              <p:cNvPicPr>
+                <a:picLocks noChangeAspect="1"/>
+              </p:cNvPicPr>
+              <p:nvPr/>
+            </p:nvPicPr>
+            <p:blipFill rotWithShape="1">
+              <a:blip r:embed="rId6"/>
+              <a:srcRect t="67629"/>
+              <a:stretch/>
+            </p:blipFill>
+            <p:spPr>
+              <a:xfrm>
+                <a:off x="2982874" y="4830143"/>
+                <a:ext cx="2388365" cy="343621"/>
+              </a:xfrm>
+              <a:prstGeom prst="rect">
+                <a:avLst/>
+              </a:prstGeom>
+            </p:spPr>
+          </p:pic>
+          <p:pic>
+            <p:nvPicPr>
+              <p:cNvPr id="39" name="Picture 38">
+                <a:extLst>
+                  <a:ext uri="{FF2B5EF4-FFF2-40B4-BE49-F238E27FC236}">
+                    <a16:creationId xmlns:a16="http://schemas.microsoft.com/office/drawing/2014/main" id="{D3935997-124D-B548-B9AA-EEF6368B2BD4}"/>
+                  </a:ext>
+                </a:extLst>
+              </p:cNvPr>
+              <p:cNvPicPr>
+                <a:picLocks noChangeAspect="1"/>
+              </p:cNvPicPr>
+              <p:nvPr/>
+            </p:nvPicPr>
+            <p:blipFill rotWithShape="1">
+              <a:blip r:embed="rId7"/>
+              <a:srcRect t="72864"/>
+              <a:stretch/>
+            </p:blipFill>
+            <p:spPr>
+              <a:xfrm>
+                <a:off x="501442" y="4871409"/>
+                <a:ext cx="2482885" cy="299456"/>
+              </a:xfrm>
+              <a:prstGeom prst="rect">
+                <a:avLst/>
+              </a:prstGeom>
+            </p:spPr>
+          </p:pic>
+        </p:grpSp>
         <p:sp>
           <p:nvSpPr>
-            <p:cNvPr id="7" name="TextBox 6">
+            <p:cNvPr id="25" name="TextBox 24">
               <a:extLst>
                 <a:ext uri="{FF2B5EF4-FFF2-40B4-BE49-F238E27FC236}">
-                  <a16:creationId xmlns:a16="http://schemas.microsoft.com/office/drawing/2014/main" id="{DCD07132-0EF3-C045-AD85-4BE035150493}"/>
+                  <a16:creationId xmlns:a16="http://schemas.microsoft.com/office/drawing/2014/main" id="{26B44784-6193-F449-8A4B-595196E3F621}"/>
                 </a:ext>
               </a:extLst>
             </p:cNvPr>
@@ -6457,141 +6913,8 @@
           </p:nvSpPr>
           <p:spPr>
             <a:xfrm>
-              <a:off x="965732" y="307154"/>
-              <a:ext cx="2111501" cy="261610"/>
-            </a:xfrm>
-            <a:prstGeom prst="rect">
-              <a:avLst/>
-            </a:prstGeom>
-            <a:noFill/>
-          </p:spPr>
-          <p:txBody>
-            <a:bodyPr wrap="square" rtlCol="0">
-              <a:spAutoFit/>
-            </a:bodyPr>
-            <a:lstStyle/>
-            <a:p>
-              <a:r>
-                <a:rPr lang="en-US" sz="1100" dirty="0">
-                  <a:solidFill>
-                    <a:schemeClr val="tx1">
-                      <a:lumMod val="75000"/>
-                      <a:lumOff val="25000"/>
-                    </a:schemeClr>
-                  </a:solidFill>
-                  <a:latin typeface="Arial" panose="020B0604020202020204" pitchFamily="34" charset="0"/>
-                  <a:cs typeface="Arial" panose="020B0604020202020204" pitchFamily="34" charset="0"/>
-                </a:rPr>
-                <a:t>Predominant Gonad Sex</a:t>
-              </a:r>
-            </a:p>
-          </p:txBody>
-        </p:sp>
-        <p:sp>
-          <p:nvSpPr>
-            <p:cNvPr id="8" name="TextBox 7">
-              <a:extLst>
-                <a:ext uri="{FF2B5EF4-FFF2-40B4-BE49-F238E27FC236}">
-                  <a16:creationId xmlns:a16="http://schemas.microsoft.com/office/drawing/2014/main" id="{9DA0215A-45C1-C74D-BF67-DEB80016112A}"/>
-                </a:ext>
-              </a:extLst>
-            </p:cNvPr>
-            <p:cNvSpPr txBox="1"/>
-            <p:nvPr/>
-          </p:nvSpPr>
-          <p:spPr>
-            <a:xfrm>
-              <a:off x="3255109" y="285798"/>
-              <a:ext cx="1625177" cy="261610"/>
-            </a:xfrm>
-            <a:prstGeom prst="rect">
-              <a:avLst/>
-            </a:prstGeom>
-            <a:noFill/>
-          </p:spPr>
-          <p:txBody>
-            <a:bodyPr wrap="square" rtlCol="0">
-              <a:spAutoFit/>
-            </a:bodyPr>
-            <a:lstStyle/>
-            <a:p>
-              <a:pPr algn="ctr"/>
-              <a:r>
-                <a:rPr lang="en-US" sz="1100" dirty="0">
-                  <a:solidFill>
-                    <a:schemeClr val="tx1">
-                      <a:lumMod val="75000"/>
-                      <a:lumOff val="25000"/>
-                    </a:schemeClr>
-                  </a:solidFill>
-                  <a:latin typeface="Arial" panose="020B0604020202020204" pitchFamily="34" charset="0"/>
-                  <a:cs typeface="Arial" panose="020B0604020202020204" pitchFamily="34" charset="0"/>
-                </a:rPr>
-                <a:t>Oocyte stage</a:t>
-              </a:r>
-            </a:p>
-          </p:txBody>
-        </p:sp>
-        <p:sp>
-          <p:nvSpPr>
-            <p:cNvPr id="10" name="TextBox 9">
-              <a:extLst>
-                <a:ext uri="{FF2B5EF4-FFF2-40B4-BE49-F238E27FC236}">
-                  <a16:creationId xmlns:a16="http://schemas.microsoft.com/office/drawing/2014/main" id="{8E4D9B60-852D-5240-AB7C-E27CF74004EF}"/>
-                </a:ext>
-              </a:extLst>
-            </p:cNvPr>
-            <p:cNvSpPr txBox="1"/>
-            <p:nvPr/>
-          </p:nvSpPr>
-          <p:spPr>
-            <a:xfrm>
-              <a:off x="5858659" y="284485"/>
-              <a:ext cx="1923204" cy="261610"/>
-            </a:xfrm>
-            <a:prstGeom prst="rect">
-              <a:avLst/>
-            </a:prstGeom>
-            <a:noFill/>
-          </p:spPr>
-          <p:txBody>
-            <a:bodyPr wrap="square" rtlCol="0">
-              <a:spAutoFit/>
-            </a:bodyPr>
-            <a:lstStyle/>
-            <a:p>
-              <a:r>
-                <a:rPr lang="en-US" sz="1100" dirty="0">
-                  <a:solidFill>
-                    <a:schemeClr val="tx1">
-                      <a:lumMod val="75000"/>
-                      <a:lumOff val="25000"/>
-                    </a:schemeClr>
-                  </a:solidFill>
-                  <a:latin typeface="Arial" panose="020B0604020202020204" pitchFamily="34" charset="0"/>
-                  <a:cs typeface="Arial" panose="020B0604020202020204" pitchFamily="34" charset="0"/>
-                </a:rPr>
-                <a:t>Spermatocyte Stage</a:t>
-              </a:r>
-            </a:p>
-          </p:txBody>
-        </p:sp>
-        <p:sp>
-          <p:nvSpPr>
-            <p:cNvPr id="49" name="TextBox 48">
-              <a:extLst>
-                <a:ext uri="{FF2B5EF4-FFF2-40B4-BE49-F238E27FC236}">
-                  <a16:creationId xmlns:a16="http://schemas.microsoft.com/office/drawing/2014/main" id="{C995DEEA-F2B9-9A43-8A23-F6C7C2515277}"/>
-                </a:ext>
-              </a:extLst>
-            </p:cNvPr>
-            <p:cNvSpPr txBox="1"/>
-            <p:nvPr/>
-          </p:nvSpPr>
-          <p:spPr>
-            <a:xfrm rot="16200000">
-              <a:off x="-1041433" y="2652254"/>
-              <a:ext cx="2618858" cy="276999"/>
+              <a:off x="427510" y="1155066"/>
+              <a:ext cx="519201" cy="253916"/>
             </a:xfrm>
             <a:prstGeom prst="rect">
               <a:avLst/>
@@ -6606,51 +6929,7 @@
             <a:p>
               <a:pPr algn="r"/>
               <a:r>
-                <a:rPr lang="en-US" sz="1200" dirty="0">
-                  <a:solidFill>
-                    <a:schemeClr val="tx1">
-                      <a:lumMod val="75000"/>
-                      <a:lumOff val="25000"/>
-                    </a:schemeClr>
-                  </a:solidFill>
-                  <a:latin typeface="Arial" panose="020B0604020202020204" pitchFamily="34" charset="0"/>
-                  <a:cs typeface="Arial" panose="020B0604020202020204" pitchFamily="34" charset="0"/>
-                </a:rPr>
-                <a:t>Percent of oysters sampled</a:t>
-              </a:r>
-            </a:p>
-          </p:txBody>
-        </p:sp>
-        <p:sp>
-          <p:nvSpPr>
-            <p:cNvPr id="50" name="TextBox 49">
-              <a:extLst>
-                <a:ext uri="{FF2B5EF4-FFF2-40B4-BE49-F238E27FC236}">
-                  <a16:creationId xmlns:a16="http://schemas.microsoft.com/office/drawing/2014/main" id="{1A97F49E-ED87-894F-A586-E05D070035B5}"/>
-                </a:ext>
-              </a:extLst>
-            </p:cNvPr>
-            <p:cNvSpPr txBox="1"/>
-            <p:nvPr/>
-          </p:nvSpPr>
-          <p:spPr>
-            <a:xfrm>
-              <a:off x="7781863" y="841506"/>
-              <a:ext cx="519201" cy="276999"/>
-            </a:xfrm>
-            <a:prstGeom prst="rect">
-              <a:avLst/>
-            </a:prstGeom>
-            <a:noFill/>
-          </p:spPr>
-          <p:txBody>
-            <a:bodyPr wrap="square" rtlCol="0">
-              <a:spAutoFit/>
-            </a:bodyPr>
-            <a:lstStyle/>
-            <a:p>
-              <a:r>
-                <a:rPr lang="en-US" sz="1200" dirty="0">
+                <a:rPr lang="en-US" sz="1050" dirty="0">
                   <a:solidFill>
                     <a:schemeClr val="tx1">
                       <a:lumMod val="75000"/>
@@ -6667,10 +6946,10 @@
         </p:sp>
         <p:sp>
           <p:nvSpPr>
-            <p:cNvPr id="51" name="TextBox 50">
+            <p:cNvPr id="26" name="TextBox 25">
               <a:extLst>
                 <a:ext uri="{FF2B5EF4-FFF2-40B4-BE49-F238E27FC236}">
-                  <a16:creationId xmlns:a16="http://schemas.microsoft.com/office/drawing/2014/main" id="{A4F4A89C-4D24-044B-943E-BF25BA9085DA}"/>
+                  <a16:creationId xmlns:a16="http://schemas.microsoft.com/office/drawing/2014/main" id="{B3878E72-09F9-524A-9914-F34843124E5E}"/>
                 </a:ext>
               </a:extLst>
             </p:cNvPr>
@@ -6679,7 +6958,7 @@
           </p:nvSpPr>
           <p:spPr>
             <a:xfrm>
-              <a:off x="7790381" y="1568998"/>
+              <a:off x="138069" y="1974572"/>
               <a:ext cx="850032" cy="415498"/>
             </a:xfrm>
             <a:prstGeom prst="rect">
@@ -6693,6 +6972,7 @@
             </a:bodyPr>
             <a:lstStyle/>
             <a:p>
+              <a:pPr algn="r"/>
               <a:r>
                 <a:rPr lang="en-US" sz="1050" dirty="0">
                   <a:solidFill>
@@ -6708,6 +6988,7 @@
               </a:r>
             </a:p>
             <a:p>
+              <a:pPr algn="r"/>
               <a:r>
                 <a:rPr lang="en-US" sz="1050" dirty="0">
                   <a:solidFill>
@@ -6726,10 +7007,10 @@
         </p:sp>
         <p:sp>
           <p:nvSpPr>
-            <p:cNvPr id="52" name="TextBox 51">
+            <p:cNvPr id="27" name="TextBox 26">
               <a:extLst>
                 <a:ext uri="{FF2B5EF4-FFF2-40B4-BE49-F238E27FC236}">
-                  <a16:creationId xmlns:a16="http://schemas.microsoft.com/office/drawing/2014/main" id="{CE5D2404-81C7-7943-8BD8-8E71C8B12EA7}"/>
+                  <a16:creationId xmlns:a16="http://schemas.microsoft.com/office/drawing/2014/main" id="{4DA35E14-E139-094F-8BBA-5BF01ADEC28D}"/>
                 </a:ext>
               </a:extLst>
             </p:cNvPr>
@@ -6738,7 +7019,7 @@
           </p:nvSpPr>
           <p:spPr>
             <a:xfrm>
-              <a:off x="7781863" y="2446281"/>
+              <a:off x="129551" y="2838407"/>
               <a:ext cx="850032" cy="415498"/>
             </a:xfrm>
             <a:prstGeom prst="rect">
@@ -6752,6 +7033,7 @@
             </a:bodyPr>
             <a:lstStyle/>
             <a:p>
+              <a:pPr algn="r"/>
               <a:r>
                 <a:rPr lang="en-US" sz="1050" dirty="0">
                   <a:solidFill>
@@ -6767,6 +7049,7 @@
               </a:r>
             </a:p>
             <a:p>
+              <a:pPr algn="r"/>
               <a:r>
                 <a:rPr lang="en-US" sz="1050" dirty="0">
                   <a:solidFill>
@@ -6785,10 +7068,10 @@
         </p:sp>
         <p:sp>
           <p:nvSpPr>
-            <p:cNvPr id="53" name="TextBox 52">
+            <p:cNvPr id="28" name="TextBox 27">
               <a:extLst>
                 <a:ext uri="{FF2B5EF4-FFF2-40B4-BE49-F238E27FC236}">
-                  <a16:creationId xmlns:a16="http://schemas.microsoft.com/office/drawing/2014/main" id="{5A79F14D-F9E0-E64F-A4A7-0A0C2444C88B}"/>
+                  <a16:creationId xmlns:a16="http://schemas.microsoft.com/office/drawing/2014/main" id="{133458E7-DFAC-1D49-AC30-3B2ADB842070}"/>
                 </a:ext>
               </a:extLst>
             </p:cNvPr>
@@ -6797,7 +7080,7 @@
           </p:nvSpPr>
           <p:spPr>
             <a:xfrm>
-              <a:off x="7781863" y="3257191"/>
+              <a:off x="129551" y="3649317"/>
               <a:ext cx="850032" cy="415498"/>
             </a:xfrm>
             <a:prstGeom prst="rect">
@@ -6811,6 +7094,7 @@
             </a:bodyPr>
             <a:lstStyle/>
             <a:p>
+              <a:pPr algn="r"/>
               <a:r>
                 <a:rPr lang="en-US" sz="1050" dirty="0">
                   <a:solidFill>
@@ -6826,6 +7110,7 @@
               </a:r>
             </a:p>
             <a:p>
+              <a:pPr algn="r"/>
               <a:r>
                 <a:rPr lang="en-US" sz="1050" dirty="0">
                   <a:solidFill>
@@ -6844,10 +7129,10 @@
         </p:sp>
         <p:sp>
           <p:nvSpPr>
-            <p:cNvPr id="54" name="TextBox 53">
+            <p:cNvPr id="29" name="TextBox 28">
               <a:extLst>
                 <a:ext uri="{FF2B5EF4-FFF2-40B4-BE49-F238E27FC236}">
-                  <a16:creationId xmlns:a16="http://schemas.microsoft.com/office/drawing/2014/main" id="{B28A57F2-FD7F-784A-9E42-C15434687ADC}"/>
+                  <a16:creationId xmlns:a16="http://schemas.microsoft.com/office/drawing/2014/main" id="{81042790-3F90-5D4D-B5EC-E33B5D50FCBE}"/>
                 </a:ext>
               </a:extLst>
             </p:cNvPr>
@@ -6856,7 +7141,7 @@
           </p:nvSpPr>
           <p:spPr>
             <a:xfrm>
-              <a:off x="7781863" y="4086787"/>
+              <a:off x="129551" y="4478913"/>
               <a:ext cx="850032" cy="415498"/>
             </a:xfrm>
             <a:prstGeom prst="rect">
@@ -6870,6 +7155,7 @@
             </a:bodyPr>
             <a:lstStyle/>
             <a:p>
+              <a:pPr algn="r"/>
               <a:r>
                 <a:rPr lang="en-US" sz="1050" dirty="0">
                   <a:solidFill>
@@ -6885,6 +7171,7 @@
               </a:r>
             </a:p>
             <a:p>
+              <a:pPr algn="r"/>
               <a:r>
                 <a:rPr lang="en-US" sz="1050" dirty="0">
                   <a:solidFill>
@@ -6901,183 +7188,6 @@
             </a:p>
           </p:txBody>
         </p:sp>
-        <p:pic>
-          <p:nvPicPr>
-            <p:cNvPr id="79" name="Picture 78">
-              <a:extLst>
-                <a:ext uri="{FF2B5EF4-FFF2-40B4-BE49-F238E27FC236}">
-                  <a16:creationId xmlns:a16="http://schemas.microsoft.com/office/drawing/2014/main" id="{C2FEDB0D-9238-3744-AD6E-0B70C540FCAD}"/>
-                </a:ext>
-              </a:extLst>
-            </p:cNvPr>
-            <p:cNvPicPr>
-              <a:picLocks noChangeAspect="1"/>
-            </p:cNvPicPr>
-            <p:nvPr/>
-          </p:nvPicPr>
-          <p:blipFill>
-            <a:blip r:embed="rId2"/>
-            <a:stretch>
-              <a:fillRect/>
-            </a:stretch>
-          </p:blipFill>
-          <p:spPr>
-            <a:xfrm>
-              <a:off x="406497" y="546096"/>
-              <a:ext cx="2408376" cy="4281558"/>
-            </a:xfrm>
-            <a:prstGeom prst="rect">
-              <a:avLst/>
-            </a:prstGeom>
-          </p:spPr>
-        </p:pic>
-        <p:pic>
-          <p:nvPicPr>
-            <p:cNvPr id="83" name="Picture 82">
-              <a:extLst>
-                <a:ext uri="{FF2B5EF4-FFF2-40B4-BE49-F238E27FC236}">
-                  <a16:creationId xmlns:a16="http://schemas.microsoft.com/office/drawing/2014/main" id="{FB8D1FBD-EF4E-6941-B6F6-564DD8CE7017}"/>
-                </a:ext>
-              </a:extLst>
-            </p:cNvPr>
-            <p:cNvPicPr>
-              <a:picLocks noChangeAspect="1"/>
-            </p:cNvPicPr>
-            <p:nvPr/>
-          </p:nvPicPr>
-          <p:blipFill rotWithShape="1">
-            <a:blip r:embed="rId3"/>
-            <a:srcRect l="7083" t="56616"/>
-            <a:stretch/>
-          </p:blipFill>
-          <p:spPr>
-            <a:xfrm>
-              <a:off x="616062" y="4760214"/>
-              <a:ext cx="2198811" cy="456296"/>
-            </a:xfrm>
-            <a:prstGeom prst="rect">
-              <a:avLst/>
-            </a:prstGeom>
-          </p:spPr>
-        </p:pic>
-        <p:pic>
-          <p:nvPicPr>
-            <p:cNvPr id="85" name="Picture 84">
-              <a:extLst>
-                <a:ext uri="{FF2B5EF4-FFF2-40B4-BE49-F238E27FC236}">
-                  <a16:creationId xmlns:a16="http://schemas.microsoft.com/office/drawing/2014/main" id="{1F2A92A8-2D03-9A46-A9E2-DFE423CFAFC4}"/>
-                </a:ext>
-              </a:extLst>
-            </p:cNvPr>
-            <p:cNvPicPr>
-              <a:picLocks noChangeAspect="1"/>
-            </p:cNvPicPr>
-            <p:nvPr/>
-          </p:nvPicPr>
-          <p:blipFill>
-            <a:blip r:embed="rId4"/>
-            <a:stretch>
-              <a:fillRect/>
-            </a:stretch>
-          </p:blipFill>
-          <p:spPr>
-            <a:xfrm>
-              <a:off x="2916373" y="546095"/>
-              <a:ext cx="2408376" cy="4281559"/>
-            </a:xfrm>
-            <a:prstGeom prst="rect">
-              <a:avLst/>
-            </a:prstGeom>
-          </p:spPr>
-        </p:pic>
-        <p:pic>
-          <p:nvPicPr>
-            <p:cNvPr id="87" name="Picture 86">
-              <a:extLst>
-                <a:ext uri="{FF2B5EF4-FFF2-40B4-BE49-F238E27FC236}">
-                  <a16:creationId xmlns:a16="http://schemas.microsoft.com/office/drawing/2014/main" id="{F4DF0AC4-BAC1-C346-8891-AFA42E0F7F1D}"/>
-                </a:ext>
-              </a:extLst>
-            </p:cNvPr>
-            <p:cNvPicPr>
-              <a:picLocks noChangeAspect="1"/>
-            </p:cNvPicPr>
-            <p:nvPr/>
-          </p:nvPicPr>
-          <p:blipFill>
-            <a:blip r:embed="rId5"/>
-            <a:stretch>
-              <a:fillRect/>
-            </a:stretch>
-          </p:blipFill>
-          <p:spPr>
-            <a:xfrm>
-              <a:off x="5411501" y="546095"/>
-              <a:ext cx="2408376" cy="4281558"/>
-            </a:xfrm>
-            <a:prstGeom prst="rect">
-              <a:avLst/>
-            </a:prstGeom>
-          </p:spPr>
-        </p:pic>
-        <p:pic>
-          <p:nvPicPr>
-            <p:cNvPr id="89" name="Picture 88">
-              <a:extLst>
-                <a:ext uri="{FF2B5EF4-FFF2-40B4-BE49-F238E27FC236}">
-                  <a16:creationId xmlns:a16="http://schemas.microsoft.com/office/drawing/2014/main" id="{75A1C9BD-3FC5-CE4F-AA53-00444A883A17}"/>
-                </a:ext>
-              </a:extLst>
-            </p:cNvPr>
-            <p:cNvPicPr>
-              <a:picLocks noChangeAspect="1"/>
-            </p:cNvPicPr>
-            <p:nvPr/>
-          </p:nvPicPr>
-          <p:blipFill rotWithShape="1">
-            <a:blip r:embed="rId6"/>
-            <a:srcRect t="57371"/>
-            <a:stretch/>
-          </p:blipFill>
-          <p:spPr>
-            <a:xfrm>
-              <a:off x="2915913" y="4759539"/>
-              <a:ext cx="2408375" cy="456296"/>
-            </a:xfrm>
-            <a:prstGeom prst="rect">
-              <a:avLst/>
-            </a:prstGeom>
-          </p:spPr>
-        </p:pic>
-        <p:pic>
-          <p:nvPicPr>
-            <p:cNvPr id="90" name="Picture 89">
-              <a:extLst>
-                <a:ext uri="{FF2B5EF4-FFF2-40B4-BE49-F238E27FC236}">
-                  <a16:creationId xmlns:a16="http://schemas.microsoft.com/office/drawing/2014/main" id="{F397F59C-5DDE-B141-8D4E-46468EF968E9}"/>
-                </a:ext>
-              </a:extLst>
-            </p:cNvPr>
-            <p:cNvPicPr>
-              <a:picLocks noChangeAspect="1"/>
-            </p:cNvPicPr>
-            <p:nvPr/>
-          </p:nvPicPr>
-          <p:blipFill rotWithShape="1">
-            <a:blip r:embed="rId6"/>
-            <a:srcRect t="57371"/>
-            <a:stretch/>
-          </p:blipFill>
-          <p:spPr>
-            <a:xfrm>
-              <a:off x="5411502" y="4759539"/>
-              <a:ext cx="2408375" cy="456296"/>
-            </a:xfrm>
-            <a:prstGeom prst="rect">
-              <a:avLst/>
-            </a:prstGeom>
-          </p:spPr>
-        </p:pic>
       </p:grpSp>
     </p:spTree>
     <p:extLst>
@@ -7621,7 +7731,7 @@
                   <a:latin typeface="Arial" panose="020B0604020202020204" pitchFamily="34" charset="0"/>
                   <a:cs typeface="Arial" panose="020B0604020202020204" pitchFamily="34" charset="0"/>
                 </a:rPr>
-                <a:t>47-day trial</a:t>
+                <a:t>7-week exposure</a:t>
               </a:r>
             </a:p>
           </p:txBody>
@@ -7666,7 +7776,7 @@
                   <a:latin typeface="Arial" panose="020B0604020202020204" pitchFamily="34" charset="0"/>
                   <a:cs typeface="Arial" panose="020B0604020202020204" pitchFamily="34" charset="0"/>
                 </a:rPr>
-                <a:t>82-day trial</a:t>
+                <a:t>12 week exposure</a:t>
               </a:r>
             </a:p>
           </p:txBody>
@@ -7792,98 +7902,36 @@
           <a:chExt cx="0" cy="0"/>
         </a:xfrm>
       </p:grpSpPr>
-      <p:grpSp>
-        <p:nvGrpSpPr>
-          <p:cNvPr id="32" name="Group 31">
+      <p:pic>
+        <p:nvPicPr>
+          <p:cNvPr id="31" name="Picture 30">
             <a:extLst>
               <a:ext uri="{FF2B5EF4-FFF2-40B4-BE49-F238E27FC236}">
-                <a16:creationId xmlns:a16="http://schemas.microsoft.com/office/drawing/2014/main" id="{85A485BF-2CC8-0A4E-B998-25462D807492}"/>
+                <a16:creationId xmlns:a16="http://schemas.microsoft.com/office/drawing/2014/main" id="{0F8A3CB9-F168-F94F-A3D7-C8D8A6444C16}"/>
               </a:ext>
             </a:extLst>
           </p:cNvPr>
-          <p:cNvGrpSpPr/>
+          <p:cNvPicPr>
+            <a:picLocks noChangeAspect="1"/>
+          </p:cNvPicPr>
           <p:nvPr/>
-        </p:nvGrpSpPr>
-        <p:grpSpPr>
+        </p:nvPicPr>
+        <p:blipFill>
+          <a:blip r:embed="rId2"/>
+          <a:stretch>
+            <a:fillRect/>
+          </a:stretch>
+        </p:blipFill>
+        <p:spPr>
           <a:xfrm>
             <a:off x="438912" y="676656"/>
             <a:ext cx="6400800" cy="3200400"/>
-            <a:chOff x="438912" y="676656"/>
-            <a:chExt cx="6400800" cy="3200400"/>
           </a:xfrm>
-        </p:grpSpPr>
-        <p:pic>
-          <p:nvPicPr>
-            <p:cNvPr id="31" name="Picture 30">
-              <a:extLst>
-                <a:ext uri="{FF2B5EF4-FFF2-40B4-BE49-F238E27FC236}">
-                  <a16:creationId xmlns:a16="http://schemas.microsoft.com/office/drawing/2014/main" id="{0F8A3CB9-F168-F94F-A3D7-C8D8A6444C16}"/>
-                </a:ext>
-              </a:extLst>
-            </p:cNvPr>
-            <p:cNvPicPr>
-              <a:picLocks noChangeAspect="1"/>
-            </p:cNvPicPr>
-            <p:nvPr/>
-          </p:nvPicPr>
-          <p:blipFill>
-            <a:blip r:embed="rId2"/>
-            <a:stretch>
-              <a:fillRect/>
-            </a:stretch>
-          </p:blipFill>
-          <p:spPr>
-            <a:xfrm>
-              <a:off x="438912" y="676656"/>
-              <a:ext cx="6400800" cy="3200400"/>
-            </a:xfrm>
-            <a:prstGeom prst="rect">
-              <a:avLst/>
-            </a:prstGeom>
-          </p:spPr>
-        </p:pic>
-        <p:sp>
-          <p:nvSpPr>
-            <p:cNvPr id="14" name="TextBox 13">
-              <a:extLst>
-                <a:ext uri="{FF2B5EF4-FFF2-40B4-BE49-F238E27FC236}">
-                  <a16:creationId xmlns:a16="http://schemas.microsoft.com/office/drawing/2014/main" id="{C8984E74-44F2-EB4C-91FB-D0C565F330CB}"/>
-                </a:ext>
-              </a:extLst>
-            </p:cNvPr>
-            <p:cNvSpPr txBox="1"/>
-            <p:nvPr/>
-          </p:nvSpPr>
-          <p:spPr>
-            <a:xfrm>
-              <a:off x="4749842" y="1778808"/>
-              <a:ext cx="370614" cy="246221"/>
-            </a:xfrm>
-            <a:prstGeom prst="rect">
-              <a:avLst/>
-            </a:prstGeom>
-            <a:noFill/>
-          </p:spPr>
-          <p:txBody>
-            <a:bodyPr wrap="none" rtlCol="0">
-              <a:spAutoFit/>
-            </a:bodyPr>
-            <a:lstStyle/>
-            <a:p>
-              <a:r>
-                <a:rPr lang="en-US" sz="1000" dirty="0">
-                  <a:solidFill>
-                    <a:srgbClr val="0370B0"/>
-                  </a:solidFill>
-                  <a:latin typeface="Arial" panose="020B0604020202020204" pitchFamily="34" charset="0"/>
-                  <a:cs typeface="Arial" panose="020B0604020202020204" pitchFamily="34" charset="0"/>
-                </a:rPr>
-                <a:t>ND</a:t>
-              </a:r>
-            </a:p>
-          </p:txBody>
-        </p:sp>
-      </p:grpSp>
+          <a:prstGeom prst="rect">
+            <a:avLst/>
+          </a:prstGeom>
+        </p:spPr>
+      </p:pic>
     </p:spTree>
     <p:extLst>
       <p:ext uri="{BB962C8B-B14F-4D97-AF65-F5344CB8AC3E}">
@@ -8058,7 +8106,7 @@
                   <a:latin typeface="Arial" panose="020B0604020202020204" pitchFamily="34" charset="0"/>
                   <a:cs typeface="Arial" panose="020B0604020202020204" pitchFamily="34" charset="0"/>
                 </a:rPr>
-                <a:t>47-day trial</a:t>
+                <a:t>7-week trial</a:t>
               </a:r>
             </a:p>
           </p:txBody>
@@ -8077,8 +8125,8 @@
           </p:nvSpPr>
           <p:spPr>
             <a:xfrm>
-              <a:off x="1589020" y="4514582"/>
-              <a:ext cx="891419" cy="246221"/>
+              <a:off x="1589021" y="4514582"/>
+              <a:ext cx="969244" cy="246221"/>
             </a:xfrm>
             <a:prstGeom prst="rect">
               <a:avLst/>
@@ -8102,7 +8150,7 @@
                   <a:latin typeface="Arial" panose="020B0604020202020204" pitchFamily="34" charset="0"/>
                   <a:cs typeface="Arial" panose="020B0604020202020204" pitchFamily="34" charset="0"/>
                 </a:rPr>
-                <a:t>82-day trial</a:t>
+                <a:t>12-week trial</a:t>
               </a:r>
             </a:p>
           </p:txBody>
@@ -8124,13 +8172,13 @@
         </p:nvPicPr>
         <p:blipFill rotWithShape="1">
           <a:blip r:embed="rId3"/>
-          <a:srcRect l="67471" t="30000" b="21322"/>
+          <a:srcRect l="67471" t="54339" b="21322"/>
           <a:stretch/>
         </p:blipFill>
         <p:spPr>
           <a:xfrm>
-            <a:off x="6684580" y="1298609"/>
-            <a:ext cx="1487214" cy="2225566"/>
+            <a:off x="6501700" y="3166765"/>
+            <a:ext cx="1487214" cy="1112783"/>
           </a:xfrm>
           <a:prstGeom prst="rect">
             <a:avLst/>
@@ -8218,7 +8266,7 @@
         </p:blipFill>
         <p:spPr>
           <a:xfrm>
-            <a:off x="5171786" y="3623982"/>
+            <a:off x="7529223" y="5481357"/>
             <a:ext cx="1487214" cy="1144046"/>
           </a:xfrm>
           <a:prstGeom prst="rect">
@@ -8347,6 +8395,66 @@
     <p:extLst>
       <p:ext uri="{BB962C8B-B14F-4D97-AF65-F5344CB8AC3E}">
         <p14:creationId xmlns:p14="http://schemas.microsoft.com/office/powerpoint/2010/main" val="3576426135"/>
+      </p:ext>
+    </p:extLst>
+  </p:cSld>
+  <p:clrMapOvr>
+    <a:masterClrMapping/>
+  </p:clrMapOvr>
+</p:sld>
+</file>
+
+<file path=ppt/slides/slide8.xml><?xml version="1.0" encoding="utf-8"?>
+<p:sld xmlns:a="http://schemas.openxmlformats.org/drawingml/2006/main" xmlns:r="http://schemas.openxmlformats.org/officeDocument/2006/relationships" xmlns:p="http://schemas.openxmlformats.org/presentationml/2006/main">
+  <p:cSld>
+    <p:spTree>
+      <p:nvGrpSpPr>
+        <p:cNvPr id="1" name=""/>
+        <p:cNvGrpSpPr/>
+        <p:nvPr/>
+      </p:nvGrpSpPr>
+      <p:grpSpPr>
+        <a:xfrm>
+          <a:off x="0" y="0"/>
+          <a:ext cx="0" cy="0"/>
+          <a:chOff x="0" y="0"/>
+          <a:chExt cx="0" cy="0"/>
+        </a:xfrm>
+      </p:grpSpPr>
+      <p:pic>
+        <p:nvPicPr>
+          <p:cNvPr id="5" name="Picture 4">
+            <a:extLst>
+              <a:ext uri="{FF2B5EF4-FFF2-40B4-BE49-F238E27FC236}">
+                <a16:creationId xmlns:a16="http://schemas.microsoft.com/office/drawing/2014/main" id="{F10F54B1-A393-0749-8C27-FC47CDD4768A}"/>
+              </a:ext>
+            </a:extLst>
+          </p:cNvPr>
+          <p:cNvPicPr>
+            <a:picLocks noChangeAspect="1"/>
+          </p:cNvPicPr>
+          <p:nvPr/>
+        </p:nvPicPr>
+        <p:blipFill>
+          <a:blip r:embed="rId2"/>
+          <a:stretch>
+            <a:fillRect/>
+          </a:stretch>
+        </p:blipFill>
+        <p:spPr>
+          <a:xfrm>
+            <a:off x="500063" y="685800"/>
+            <a:ext cx="5486400" cy="5486400"/>
+          </a:xfrm>
+          <a:prstGeom prst="rect">
+            <a:avLst/>
+          </a:prstGeom>
+        </p:spPr>
+      </p:pic>
+    </p:spTree>
+    <p:extLst>
+      <p:ext uri="{BB962C8B-B14F-4D97-AF65-F5344CB8AC3E}">
+        <p14:creationId xmlns:p14="http://schemas.microsoft.com/office/powerpoint/2010/main" val="1357512634"/>
       </p:ext>
     </p:extLst>
   </p:cSld>

--- a/admin/plot-editing.pptx
+++ b/admin/plot-editing.pptx
@@ -5,17 +5,18 @@
     <p:sldMasterId id="2147483660" r:id="rId1"/>
   </p:sldMasterIdLst>
   <p:notesMasterIdLst>
-    <p:notesMasterId r:id="rId10"/>
+    <p:notesMasterId r:id="rId11"/>
   </p:notesMasterIdLst>
   <p:sldIdLst>
     <p:sldId id="316" r:id="rId2"/>
     <p:sldId id="260" r:id="rId3"/>
-    <p:sldId id="261" r:id="rId4"/>
-    <p:sldId id="262" r:id="rId5"/>
-    <p:sldId id="264" r:id="rId6"/>
-    <p:sldId id="263" r:id="rId7"/>
-    <p:sldId id="265" r:id="rId8"/>
+    <p:sldId id="318" r:id="rId4"/>
+    <p:sldId id="261" r:id="rId5"/>
+    <p:sldId id="262" r:id="rId6"/>
+    <p:sldId id="264" r:id="rId7"/>
+    <p:sldId id="263" r:id="rId8"/>
     <p:sldId id="317" r:id="rId9"/>
+    <p:sldId id="319" r:id="rId10"/>
   </p:sldIdLst>
   <p:sldSz cx="9144000" cy="6858000" type="screen4x3"/>
   <p:notesSz cx="6858000" cy="9144000"/>
@@ -204,7 +205,7 @@
           <a:p>
             <a:fld id="{28BB845A-8D3D-7546-82B5-222C64D3BA4D}" type="datetimeFigureOut">
               <a:rPr lang="en-US" smtClean="0"/>
-              <a:t>4/20/20</a:t>
+              <a:t>6/30/20</a:t>
             </a:fld>
             <a:endParaRPr lang="en-US"/>
           </a:p>
@@ -686,7 +687,7 @@
           <a:p>
             <a:fld id="{9347E118-E456-1F40-BBD6-4856F8C7E635}" type="datetimeFigureOut">
               <a:rPr lang="en-US" smtClean="0"/>
-              <a:t>4/20/20</a:t>
+              <a:t>6/30/20</a:t>
             </a:fld>
             <a:endParaRPr lang="en-US"/>
           </a:p>
@@ -856,7 +857,7 @@
           <a:p>
             <a:fld id="{9347E118-E456-1F40-BBD6-4856F8C7E635}" type="datetimeFigureOut">
               <a:rPr lang="en-US" smtClean="0"/>
-              <a:t>4/20/20</a:t>
+              <a:t>6/30/20</a:t>
             </a:fld>
             <a:endParaRPr lang="en-US"/>
           </a:p>
@@ -1036,7 +1037,7 @@
           <a:p>
             <a:fld id="{9347E118-E456-1F40-BBD6-4856F8C7E635}" type="datetimeFigureOut">
               <a:rPr lang="en-US" smtClean="0"/>
-              <a:t>4/20/20</a:t>
+              <a:t>6/30/20</a:t>
             </a:fld>
             <a:endParaRPr lang="en-US"/>
           </a:p>
@@ -1206,7 +1207,7 @@
           <a:p>
             <a:fld id="{9347E118-E456-1F40-BBD6-4856F8C7E635}" type="datetimeFigureOut">
               <a:rPr lang="en-US" smtClean="0"/>
-              <a:t>4/20/20</a:t>
+              <a:t>6/30/20</a:t>
             </a:fld>
             <a:endParaRPr lang="en-US"/>
           </a:p>
@@ -1450,7 +1451,7 @@
           <a:p>
             <a:fld id="{9347E118-E456-1F40-BBD6-4856F8C7E635}" type="datetimeFigureOut">
               <a:rPr lang="en-US" smtClean="0"/>
-              <a:t>4/20/20</a:t>
+              <a:t>6/30/20</a:t>
             </a:fld>
             <a:endParaRPr lang="en-US"/>
           </a:p>
@@ -1682,7 +1683,7 @@
           <a:p>
             <a:fld id="{9347E118-E456-1F40-BBD6-4856F8C7E635}" type="datetimeFigureOut">
               <a:rPr lang="en-US" smtClean="0"/>
-              <a:t>4/20/20</a:t>
+              <a:t>6/30/20</a:t>
             </a:fld>
             <a:endParaRPr lang="en-US"/>
           </a:p>
@@ -2049,7 +2050,7 @@
           <a:p>
             <a:fld id="{9347E118-E456-1F40-BBD6-4856F8C7E635}" type="datetimeFigureOut">
               <a:rPr lang="en-US" smtClean="0"/>
-              <a:t>4/20/20</a:t>
+              <a:t>6/30/20</a:t>
             </a:fld>
             <a:endParaRPr lang="en-US"/>
           </a:p>
@@ -2167,7 +2168,7 @@
           <a:p>
             <a:fld id="{9347E118-E456-1F40-BBD6-4856F8C7E635}" type="datetimeFigureOut">
               <a:rPr lang="en-US" smtClean="0"/>
-              <a:t>4/20/20</a:t>
+              <a:t>6/30/20</a:t>
             </a:fld>
             <a:endParaRPr lang="en-US"/>
           </a:p>
@@ -2262,7 +2263,7 @@
           <a:p>
             <a:fld id="{9347E118-E456-1F40-BBD6-4856F8C7E635}" type="datetimeFigureOut">
               <a:rPr lang="en-US" smtClean="0"/>
-              <a:t>4/20/20</a:t>
+              <a:t>6/30/20</a:t>
             </a:fld>
             <a:endParaRPr lang="en-US"/>
           </a:p>
@@ -2539,7 +2540,7 @@
           <a:p>
             <a:fld id="{9347E118-E456-1F40-BBD6-4856F8C7E635}" type="datetimeFigureOut">
               <a:rPr lang="en-US" smtClean="0"/>
-              <a:t>4/20/20</a:t>
+              <a:t>6/30/20</a:t>
             </a:fld>
             <a:endParaRPr lang="en-US"/>
           </a:p>
@@ -2796,7 +2797,7 @@
           <a:p>
             <a:fld id="{9347E118-E456-1F40-BBD6-4856F8C7E635}" type="datetimeFigureOut">
               <a:rPr lang="en-US" smtClean="0"/>
-              <a:t>4/20/20</a:t>
+              <a:t>6/30/20</a:t>
             </a:fld>
             <a:endParaRPr lang="en-US"/>
           </a:p>
@@ -3009,7 +3010,7 @@
           <a:p>
             <a:fld id="{9347E118-E456-1F40-BBD6-4856F8C7E635}" type="datetimeFigureOut">
               <a:rPr lang="en-US" smtClean="0"/>
-              <a:t>4/20/20</a:t>
+              <a:t>6/30/20</a:t>
             </a:fld>
             <a:endParaRPr lang="en-US"/>
           </a:p>
@@ -6467,7 +6468,7 @@
           <p:spPr>
             <a:xfrm>
               <a:off x="5760710" y="896865"/>
-              <a:ext cx="2523858" cy="4213745"/>
+              <a:ext cx="2523857" cy="4213745"/>
             </a:xfrm>
             <a:prstGeom prst="rect">
               <a:avLst/>
@@ -6497,7 +6498,7 @@
           <p:spPr>
             <a:xfrm>
               <a:off x="3352863" y="898052"/>
-              <a:ext cx="2373347" cy="4219283"/>
+              <a:ext cx="2373346" cy="4219283"/>
             </a:xfrm>
             <a:prstGeom prst="rect">
               <a:avLst/>
@@ -6527,7 +6528,7 @@
           <p:spPr>
             <a:xfrm>
               <a:off x="949617" y="896866"/>
-              <a:ext cx="2376157" cy="4224279"/>
+              <a:ext cx="2376156" cy="4224279"/>
             </a:xfrm>
             <a:prstGeom prst="rect">
               <a:avLst/>
@@ -7203,6 +7204,851 @@
 </file>
 
 <file path=ppt/slides/slide3.xml><?xml version="1.0" encoding="utf-8"?>
+<p:sld xmlns:a="http://schemas.openxmlformats.org/drawingml/2006/main" xmlns:r="http://schemas.openxmlformats.org/officeDocument/2006/relationships" xmlns:p="http://schemas.openxmlformats.org/presentationml/2006/main">
+  <p:cSld>
+    <p:spTree>
+      <p:nvGrpSpPr>
+        <p:cNvPr id="1" name=""/>
+        <p:cNvGrpSpPr/>
+        <p:nvPr/>
+      </p:nvGrpSpPr>
+      <p:grpSpPr>
+        <a:xfrm>
+          <a:off x="0" y="0"/>
+          <a:ext cx="0" cy="0"/>
+          <a:chOff x="0" y="0"/>
+          <a:chExt cx="0" cy="0"/>
+        </a:xfrm>
+      </p:grpSpPr>
+      <p:grpSp>
+        <p:nvGrpSpPr>
+          <p:cNvPr id="16" name="Group 15">
+            <a:extLst>
+              <a:ext uri="{FF2B5EF4-FFF2-40B4-BE49-F238E27FC236}">
+                <a16:creationId xmlns:a16="http://schemas.microsoft.com/office/drawing/2014/main" id="{C58E4512-DDCB-7046-8815-764C01D4D53F}"/>
+              </a:ext>
+            </a:extLst>
+          </p:cNvPr>
+          <p:cNvGrpSpPr/>
+          <p:nvPr/>
+        </p:nvGrpSpPr>
+        <p:grpSpPr>
+          <a:xfrm>
+            <a:off x="129551" y="635557"/>
+            <a:ext cx="8425618" cy="4899883"/>
+            <a:chOff x="129551" y="635557"/>
+            <a:chExt cx="8425618" cy="4899883"/>
+          </a:xfrm>
+        </p:grpSpPr>
+        <p:grpSp>
+          <p:nvGrpSpPr>
+            <p:cNvPr id="20" name="Group 19">
+              <a:extLst>
+                <a:ext uri="{FF2B5EF4-FFF2-40B4-BE49-F238E27FC236}">
+                  <a16:creationId xmlns:a16="http://schemas.microsoft.com/office/drawing/2014/main" id="{BF62BA24-0033-CC48-8690-EEBBD18DAAF4}"/>
+                </a:ext>
+              </a:extLst>
+            </p:cNvPr>
+            <p:cNvGrpSpPr/>
+            <p:nvPr/>
+          </p:nvGrpSpPr>
+          <p:grpSpPr>
+            <a:xfrm>
+              <a:off x="129551" y="635557"/>
+              <a:ext cx="8425618" cy="4615038"/>
+              <a:chOff x="129551" y="635557"/>
+              <a:chExt cx="8425618" cy="4615038"/>
+            </a:xfrm>
+          </p:grpSpPr>
+          <p:pic>
+            <p:nvPicPr>
+              <p:cNvPr id="19" name="Picture 18">
+                <a:extLst>
+                  <a:ext uri="{FF2B5EF4-FFF2-40B4-BE49-F238E27FC236}">
+                    <a16:creationId xmlns:a16="http://schemas.microsoft.com/office/drawing/2014/main" id="{EE3D3E7C-0F4C-1E4D-B2DD-FE4872BA20E0}"/>
+                  </a:ext>
+                </a:extLst>
+              </p:cNvPr>
+              <p:cNvPicPr>
+                <a:picLocks noChangeAspect="1"/>
+              </p:cNvPicPr>
+              <p:nvPr/>
+            </p:nvPicPr>
+            <p:blipFill>
+              <a:blip r:embed="rId2"/>
+              <a:stretch>
+                <a:fillRect/>
+              </a:stretch>
+            </p:blipFill>
+            <p:spPr>
+              <a:xfrm>
+                <a:off x="5760710" y="896866"/>
+                <a:ext cx="2523857" cy="4213743"/>
+              </a:xfrm>
+              <a:prstGeom prst="rect">
+                <a:avLst/>
+              </a:prstGeom>
+            </p:spPr>
+          </p:pic>
+          <p:pic>
+            <p:nvPicPr>
+              <p:cNvPr id="17" name="Picture 16">
+                <a:extLst>
+                  <a:ext uri="{FF2B5EF4-FFF2-40B4-BE49-F238E27FC236}">
+                    <a16:creationId xmlns:a16="http://schemas.microsoft.com/office/drawing/2014/main" id="{44F70E73-ACCD-A74A-A554-11C62795C50D}"/>
+                  </a:ext>
+                </a:extLst>
+              </p:cNvPr>
+              <p:cNvPicPr>
+                <a:picLocks noChangeAspect="1"/>
+              </p:cNvPicPr>
+              <p:nvPr/>
+            </p:nvPicPr>
+            <p:blipFill>
+              <a:blip r:embed="rId3"/>
+              <a:stretch>
+                <a:fillRect/>
+              </a:stretch>
+            </p:blipFill>
+            <p:spPr>
+              <a:xfrm>
+                <a:off x="3352863" y="898053"/>
+                <a:ext cx="2373346" cy="4219281"/>
+              </a:xfrm>
+              <a:prstGeom prst="rect">
+                <a:avLst/>
+              </a:prstGeom>
+            </p:spPr>
+          </p:pic>
+          <p:pic>
+            <p:nvPicPr>
+              <p:cNvPr id="15" name="Picture 14">
+                <a:extLst>
+                  <a:ext uri="{FF2B5EF4-FFF2-40B4-BE49-F238E27FC236}">
+                    <a16:creationId xmlns:a16="http://schemas.microsoft.com/office/drawing/2014/main" id="{F99B17E9-95EF-624D-906F-DA9FA88C2CD8}"/>
+                  </a:ext>
+                </a:extLst>
+              </p:cNvPr>
+              <p:cNvPicPr>
+                <a:picLocks noChangeAspect="1"/>
+              </p:cNvPicPr>
+              <p:nvPr/>
+            </p:nvPicPr>
+            <p:blipFill>
+              <a:blip r:embed="rId4"/>
+              <a:stretch>
+                <a:fillRect/>
+              </a:stretch>
+            </p:blipFill>
+            <p:spPr>
+              <a:xfrm>
+                <a:off x="949617" y="896867"/>
+                <a:ext cx="2376156" cy="4224277"/>
+              </a:xfrm>
+              <a:prstGeom prst="rect">
+                <a:avLst/>
+              </a:prstGeom>
+            </p:spPr>
+          </p:pic>
+          <p:grpSp>
+            <p:nvGrpSpPr>
+              <p:cNvPr id="11" name="Group 10">
+                <a:extLst>
+                  <a:ext uri="{FF2B5EF4-FFF2-40B4-BE49-F238E27FC236}">
+                    <a16:creationId xmlns:a16="http://schemas.microsoft.com/office/drawing/2014/main" id="{A2044059-DDF2-2346-8666-6B772F47ADC0}"/>
+                  </a:ext>
+                </a:extLst>
+              </p:cNvPr>
+              <p:cNvGrpSpPr/>
+              <p:nvPr/>
+            </p:nvGrpSpPr>
+            <p:grpSpPr>
+              <a:xfrm>
+                <a:off x="845795" y="635557"/>
+                <a:ext cx="7709374" cy="4615038"/>
+                <a:chOff x="502895" y="284485"/>
+                <a:chExt cx="7709374" cy="4615038"/>
+              </a:xfrm>
+            </p:grpSpPr>
+            <p:grpSp>
+              <p:nvGrpSpPr>
+                <p:cNvPr id="91" name="Group 90">
+                  <a:extLst>
+                    <a:ext uri="{FF2B5EF4-FFF2-40B4-BE49-F238E27FC236}">
+                      <a16:creationId xmlns:a16="http://schemas.microsoft.com/office/drawing/2014/main" id="{0AF64FDD-70D0-6C46-9EBB-3D5FC3D00D94}"/>
+                    </a:ext>
+                  </a:extLst>
+                </p:cNvPr>
+                <p:cNvGrpSpPr/>
+                <p:nvPr/>
+              </p:nvGrpSpPr>
+              <p:grpSpPr>
+                <a:xfrm>
+                  <a:off x="965732" y="284485"/>
+                  <a:ext cx="7246537" cy="3392284"/>
+                  <a:chOff x="965732" y="284485"/>
+                  <a:chExt cx="7246537" cy="3392284"/>
+                </a:xfrm>
+              </p:grpSpPr>
+              <p:sp>
+                <p:nvSpPr>
+                  <p:cNvPr id="7" name="TextBox 6">
+                    <a:extLst>
+                      <a:ext uri="{FF2B5EF4-FFF2-40B4-BE49-F238E27FC236}">
+                        <a16:creationId xmlns:a16="http://schemas.microsoft.com/office/drawing/2014/main" id="{DCD07132-0EF3-C045-AD85-4BE035150493}"/>
+                      </a:ext>
+                    </a:extLst>
+                  </p:cNvPr>
+                  <p:cNvSpPr txBox="1"/>
+                  <p:nvPr/>
+                </p:nvSpPr>
+                <p:spPr>
+                  <a:xfrm>
+                    <a:off x="965732" y="307154"/>
+                    <a:ext cx="2111501" cy="261610"/>
+                  </a:xfrm>
+                  <a:prstGeom prst="rect">
+                    <a:avLst/>
+                  </a:prstGeom>
+                  <a:noFill/>
+                </p:spPr>
+                <p:txBody>
+                  <a:bodyPr wrap="square" rtlCol="0">
+                    <a:spAutoFit/>
+                  </a:bodyPr>
+                  <a:lstStyle/>
+                  <a:p>
+                    <a:r>
+                      <a:rPr lang="en-US" sz="1100" dirty="0">
+                        <a:solidFill>
+                          <a:schemeClr val="tx1">
+                            <a:lumMod val="75000"/>
+                            <a:lumOff val="25000"/>
+                          </a:schemeClr>
+                        </a:solidFill>
+                        <a:latin typeface="Arial" panose="020B0604020202020204" pitchFamily="34" charset="0"/>
+                        <a:cs typeface="Arial" panose="020B0604020202020204" pitchFamily="34" charset="0"/>
+                      </a:rPr>
+                      <a:t>Predominant Gonad Sex</a:t>
+                    </a:r>
+                  </a:p>
+                </p:txBody>
+              </p:sp>
+              <p:sp>
+                <p:nvSpPr>
+                  <p:cNvPr id="8" name="TextBox 7">
+                    <a:extLst>
+                      <a:ext uri="{FF2B5EF4-FFF2-40B4-BE49-F238E27FC236}">
+                        <a16:creationId xmlns:a16="http://schemas.microsoft.com/office/drawing/2014/main" id="{9DA0215A-45C1-C74D-BF67-DEB80016112A}"/>
+                      </a:ext>
+                    </a:extLst>
+                  </p:cNvPr>
+                  <p:cNvSpPr txBox="1"/>
+                  <p:nvPr/>
+                </p:nvSpPr>
+                <p:spPr>
+                  <a:xfrm>
+                    <a:off x="3255109" y="285798"/>
+                    <a:ext cx="1625177" cy="261610"/>
+                  </a:xfrm>
+                  <a:prstGeom prst="rect">
+                    <a:avLst/>
+                  </a:prstGeom>
+                  <a:noFill/>
+                </p:spPr>
+                <p:txBody>
+                  <a:bodyPr wrap="square" rtlCol="0">
+                    <a:spAutoFit/>
+                  </a:bodyPr>
+                  <a:lstStyle/>
+                  <a:p>
+                    <a:pPr algn="ctr"/>
+                    <a:r>
+                      <a:rPr lang="en-US" sz="1100" dirty="0">
+                        <a:solidFill>
+                          <a:schemeClr val="tx1">
+                            <a:lumMod val="75000"/>
+                            <a:lumOff val="25000"/>
+                          </a:schemeClr>
+                        </a:solidFill>
+                        <a:latin typeface="Arial" panose="020B0604020202020204" pitchFamily="34" charset="0"/>
+                        <a:cs typeface="Arial" panose="020B0604020202020204" pitchFamily="34" charset="0"/>
+                      </a:rPr>
+                      <a:t>Oocyte stage</a:t>
+                    </a:r>
+                  </a:p>
+                </p:txBody>
+              </p:sp>
+              <p:sp>
+                <p:nvSpPr>
+                  <p:cNvPr id="10" name="TextBox 9">
+                    <a:extLst>
+                      <a:ext uri="{FF2B5EF4-FFF2-40B4-BE49-F238E27FC236}">
+                        <a16:creationId xmlns:a16="http://schemas.microsoft.com/office/drawing/2014/main" id="{8E4D9B60-852D-5240-AB7C-E27CF74004EF}"/>
+                      </a:ext>
+                    </a:extLst>
+                  </p:cNvPr>
+                  <p:cNvSpPr txBox="1"/>
+                  <p:nvPr/>
+                </p:nvSpPr>
+                <p:spPr>
+                  <a:xfrm>
+                    <a:off x="5858659" y="284485"/>
+                    <a:ext cx="1923204" cy="261610"/>
+                  </a:xfrm>
+                  <a:prstGeom prst="rect">
+                    <a:avLst/>
+                  </a:prstGeom>
+                  <a:noFill/>
+                </p:spPr>
+                <p:txBody>
+                  <a:bodyPr wrap="square" rtlCol="0">
+                    <a:spAutoFit/>
+                  </a:bodyPr>
+                  <a:lstStyle/>
+                  <a:p>
+                    <a:r>
+                      <a:rPr lang="en-US" sz="1100" dirty="0">
+                        <a:solidFill>
+                          <a:schemeClr val="tx1">
+                            <a:lumMod val="75000"/>
+                            <a:lumOff val="25000"/>
+                          </a:schemeClr>
+                        </a:solidFill>
+                        <a:latin typeface="Arial" panose="020B0604020202020204" pitchFamily="34" charset="0"/>
+                        <a:cs typeface="Arial" panose="020B0604020202020204" pitchFamily="34" charset="0"/>
+                      </a:rPr>
+                      <a:t>Spermatocyte Stage</a:t>
+                    </a:r>
+                  </a:p>
+                </p:txBody>
+              </p:sp>
+              <p:sp>
+                <p:nvSpPr>
+                  <p:cNvPr id="49" name="TextBox 48">
+                    <a:extLst>
+                      <a:ext uri="{FF2B5EF4-FFF2-40B4-BE49-F238E27FC236}">
+                        <a16:creationId xmlns:a16="http://schemas.microsoft.com/office/drawing/2014/main" id="{C995DEEA-F2B9-9A43-8A23-F6C7C2515277}"/>
+                      </a:ext>
+                    </a:extLst>
+                  </p:cNvPr>
+                  <p:cNvSpPr txBox="1"/>
+                  <p:nvPr/>
+                </p:nvSpPr>
+                <p:spPr>
+                  <a:xfrm rot="5400000">
+                    <a:off x="6764341" y="2228840"/>
+                    <a:ext cx="2618858" cy="276999"/>
+                  </a:xfrm>
+                  <a:prstGeom prst="rect">
+                    <a:avLst/>
+                  </a:prstGeom>
+                  <a:noFill/>
+                </p:spPr>
+                <p:txBody>
+                  <a:bodyPr wrap="square" rtlCol="0">
+                    <a:spAutoFit/>
+                  </a:bodyPr>
+                  <a:lstStyle/>
+                  <a:p>
+                    <a:pPr algn="r"/>
+                    <a:r>
+                      <a:rPr lang="en-US" sz="1200" dirty="0">
+                        <a:solidFill>
+                          <a:schemeClr val="tx1">
+                            <a:lumMod val="75000"/>
+                            <a:lumOff val="25000"/>
+                          </a:schemeClr>
+                        </a:solidFill>
+                        <a:latin typeface="Arial" panose="020B0604020202020204" pitchFamily="34" charset="0"/>
+                        <a:cs typeface="Arial" panose="020B0604020202020204" pitchFamily="34" charset="0"/>
+                      </a:rPr>
+                      <a:t>Percent of oysters sampled</a:t>
+                    </a:r>
+                  </a:p>
+                </p:txBody>
+              </p:sp>
+            </p:grpSp>
+            <p:pic>
+              <p:nvPicPr>
+                <p:cNvPr id="3" name="Picture 2">
+                  <a:extLst>
+                    <a:ext uri="{FF2B5EF4-FFF2-40B4-BE49-F238E27FC236}">
+                      <a16:creationId xmlns:a16="http://schemas.microsoft.com/office/drawing/2014/main" id="{5D59D35F-C058-2F41-A619-03812C72C1F9}"/>
+                    </a:ext>
+                  </a:extLst>
+                </p:cNvPr>
+                <p:cNvPicPr>
+                  <a:picLocks noChangeAspect="1"/>
+                </p:cNvPicPr>
+                <p:nvPr/>
+              </p:nvPicPr>
+              <p:blipFill rotWithShape="1">
+                <a:blip r:embed="rId5"/>
+                <a:srcRect t="57380" b="25879"/>
+                <a:stretch/>
+              </p:blipFill>
+              <p:spPr>
+                <a:xfrm>
+                  <a:off x="3011722" y="4712098"/>
+                  <a:ext cx="2373347" cy="176583"/>
+                </a:xfrm>
+                <a:prstGeom prst="rect">
+                  <a:avLst/>
+                </a:prstGeom>
+              </p:spPr>
+            </p:pic>
+            <p:pic>
+              <p:nvPicPr>
+                <p:cNvPr id="9" name="Picture 8">
+                  <a:extLst>
+                    <a:ext uri="{FF2B5EF4-FFF2-40B4-BE49-F238E27FC236}">
+                      <a16:creationId xmlns:a16="http://schemas.microsoft.com/office/drawing/2014/main" id="{E046EBFC-676B-C347-9B08-E54AD7C8849F}"/>
+                    </a:ext>
+                  </a:extLst>
+                </p:cNvPr>
+                <p:cNvPicPr>
+                  <a:picLocks noChangeAspect="1"/>
+                </p:cNvPicPr>
+                <p:nvPr/>
+              </p:nvPicPr>
+              <p:blipFill rotWithShape="1">
+                <a:blip r:embed="rId6"/>
+                <a:srcRect t="57529" b="25836"/>
+                <a:stretch/>
+              </p:blipFill>
+              <p:spPr>
+                <a:xfrm>
+                  <a:off x="5393498" y="4722940"/>
+                  <a:ext cx="2388365" cy="176583"/>
+                </a:xfrm>
+                <a:prstGeom prst="rect">
+                  <a:avLst/>
+                </a:prstGeom>
+              </p:spPr>
+            </p:pic>
+            <p:pic>
+              <p:nvPicPr>
+                <p:cNvPr id="5" name="Picture 4">
+                  <a:extLst>
+                    <a:ext uri="{FF2B5EF4-FFF2-40B4-BE49-F238E27FC236}">
+                      <a16:creationId xmlns:a16="http://schemas.microsoft.com/office/drawing/2014/main" id="{4FD53668-9271-8841-8EF5-C92E9F552462}"/>
+                    </a:ext>
+                  </a:extLst>
+                </p:cNvPr>
+                <p:cNvPicPr>
+                  <a:picLocks noChangeAspect="1"/>
+                </p:cNvPicPr>
+                <p:nvPr/>
+              </p:nvPicPr>
+              <p:blipFill rotWithShape="1">
+                <a:blip r:embed="rId7"/>
+                <a:srcRect t="57430" b="26991"/>
+                <a:stretch/>
+              </p:blipFill>
+              <p:spPr>
+                <a:xfrm>
+                  <a:off x="502895" y="4716764"/>
+                  <a:ext cx="2482885" cy="171918"/>
+                </a:xfrm>
+                <a:prstGeom prst="rect">
+                  <a:avLst/>
+                </a:prstGeom>
+              </p:spPr>
+            </p:pic>
+          </p:grpSp>
+          <p:sp>
+            <p:nvSpPr>
+              <p:cNvPr id="25" name="TextBox 24">
+                <a:extLst>
+                  <a:ext uri="{FF2B5EF4-FFF2-40B4-BE49-F238E27FC236}">
+                    <a16:creationId xmlns:a16="http://schemas.microsoft.com/office/drawing/2014/main" id="{26B44784-6193-F449-8A4B-595196E3F621}"/>
+                  </a:ext>
+                </a:extLst>
+              </p:cNvPr>
+              <p:cNvSpPr txBox="1"/>
+              <p:nvPr/>
+            </p:nvSpPr>
+            <p:spPr>
+              <a:xfrm>
+                <a:off x="427510" y="1155066"/>
+                <a:ext cx="519201" cy="253916"/>
+              </a:xfrm>
+              <a:prstGeom prst="rect">
+                <a:avLst/>
+              </a:prstGeom>
+              <a:noFill/>
+            </p:spPr>
+            <p:txBody>
+              <a:bodyPr wrap="square" rtlCol="0">
+                <a:spAutoFit/>
+              </a:bodyPr>
+              <a:lstStyle/>
+              <a:p>
+                <a:pPr algn="r"/>
+                <a:r>
+                  <a:rPr lang="en-US" sz="1050" dirty="0">
+                    <a:solidFill>
+                      <a:schemeClr val="tx1">
+                        <a:lumMod val="75000"/>
+                        <a:lumOff val="25000"/>
+                      </a:schemeClr>
+                    </a:solidFill>
+                    <a:latin typeface="Arial" panose="020B0604020202020204" pitchFamily="34" charset="0"/>
+                    <a:cs typeface="Arial" panose="020B0604020202020204" pitchFamily="34" charset="0"/>
+                  </a:rPr>
+                  <a:t>Wild</a:t>
+                </a:r>
+              </a:p>
+            </p:txBody>
+          </p:sp>
+          <p:sp>
+            <p:nvSpPr>
+              <p:cNvPr id="26" name="TextBox 25">
+                <a:extLst>
+                  <a:ext uri="{FF2B5EF4-FFF2-40B4-BE49-F238E27FC236}">
+                    <a16:creationId xmlns:a16="http://schemas.microsoft.com/office/drawing/2014/main" id="{B3878E72-09F9-524A-9914-F34843124E5E}"/>
+                  </a:ext>
+                </a:extLst>
+              </p:cNvPr>
+              <p:cNvSpPr txBox="1"/>
+              <p:nvPr/>
+            </p:nvSpPr>
+            <p:spPr>
+              <a:xfrm>
+                <a:off x="138069" y="1974572"/>
+                <a:ext cx="850032" cy="415498"/>
+              </a:xfrm>
+              <a:prstGeom prst="rect">
+                <a:avLst/>
+              </a:prstGeom>
+              <a:noFill/>
+            </p:spPr>
+            <p:txBody>
+              <a:bodyPr wrap="square" rtlCol="0">
+                <a:spAutoFit/>
+              </a:bodyPr>
+              <a:lstStyle/>
+              <a:p>
+                <a:pPr algn="r"/>
+                <a:r>
+                  <a:rPr lang="en-US" sz="1050" dirty="0">
+                    <a:solidFill>
+                      <a:schemeClr val="tx1">
+                        <a:lumMod val="75000"/>
+                        <a:lumOff val="25000"/>
+                      </a:schemeClr>
+                    </a:solidFill>
+                    <a:latin typeface="Arial" panose="020B0604020202020204" pitchFamily="34" charset="0"/>
+                    <a:cs typeface="Arial" panose="020B0604020202020204" pitchFamily="34" charset="0"/>
+                  </a:rPr>
+                  <a:t>7°C+ </a:t>
+                </a:r>
+              </a:p>
+              <a:p>
+                <a:pPr algn="r"/>
+                <a:r>
+                  <a:rPr lang="en-US" sz="1050" dirty="0">
+                    <a:solidFill>
+                      <a:schemeClr val="tx1">
+                        <a:lumMod val="75000"/>
+                        <a:lumOff val="25000"/>
+                      </a:schemeClr>
+                    </a:solidFill>
+                    <a:latin typeface="Arial" panose="020B0604020202020204" pitchFamily="34" charset="0"/>
+                    <a:cs typeface="Arial" panose="020B0604020202020204" pitchFamily="34" charset="0"/>
+                  </a:rPr>
+                  <a:t>high-food</a:t>
+                </a:r>
+              </a:p>
+            </p:txBody>
+          </p:sp>
+          <p:sp>
+            <p:nvSpPr>
+              <p:cNvPr id="27" name="TextBox 26">
+                <a:extLst>
+                  <a:ext uri="{FF2B5EF4-FFF2-40B4-BE49-F238E27FC236}">
+                    <a16:creationId xmlns:a16="http://schemas.microsoft.com/office/drawing/2014/main" id="{4DA35E14-E139-094F-8BBA-5BF01ADEC28D}"/>
+                  </a:ext>
+                </a:extLst>
+              </p:cNvPr>
+              <p:cNvSpPr txBox="1"/>
+              <p:nvPr/>
+            </p:nvSpPr>
+            <p:spPr>
+              <a:xfrm>
+                <a:off x="129551" y="2838407"/>
+                <a:ext cx="850032" cy="415498"/>
+              </a:xfrm>
+              <a:prstGeom prst="rect">
+                <a:avLst/>
+              </a:prstGeom>
+              <a:noFill/>
+            </p:spPr>
+            <p:txBody>
+              <a:bodyPr wrap="square" rtlCol="0">
+                <a:spAutoFit/>
+              </a:bodyPr>
+              <a:lstStyle/>
+              <a:p>
+                <a:pPr algn="r"/>
+                <a:r>
+                  <a:rPr lang="en-US" sz="1050" dirty="0">
+                    <a:solidFill>
+                      <a:schemeClr val="tx1">
+                        <a:lumMod val="75000"/>
+                        <a:lumOff val="25000"/>
+                      </a:schemeClr>
+                    </a:solidFill>
+                    <a:latin typeface="Arial" panose="020B0604020202020204" pitchFamily="34" charset="0"/>
+                    <a:cs typeface="Arial" panose="020B0604020202020204" pitchFamily="34" charset="0"/>
+                  </a:rPr>
+                  <a:t>7°C+</a:t>
+                </a:r>
+              </a:p>
+              <a:p>
+                <a:pPr algn="r"/>
+                <a:r>
+                  <a:rPr lang="en-US" sz="1050" dirty="0">
+                    <a:solidFill>
+                      <a:schemeClr val="tx1">
+                        <a:lumMod val="75000"/>
+                        <a:lumOff val="25000"/>
+                      </a:schemeClr>
+                    </a:solidFill>
+                    <a:latin typeface="Arial" panose="020B0604020202020204" pitchFamily="34" charset="0"/>
+                    <a:cs typeface="Arial" panose="020B0604020202020204" pitchFamily="34" charset="0"/>
+                  </a:rPr>
+                  <a:t>low-food</a:t>
+                </a:r>
+              </a:p>
+            </p:txBody>
+          </p:sp>
+          <p:sp>
+            <p:nvSpPr>
+              <p:cNvPr id="28" name="TextBox 27">
+                <a:extLst>
+                  <a:ext uri="{FF2B5EF4-FFF2-40B4-BE49-F238E27FC236}">
+                    <a16:creationId xmlns:a16="http://schemas.microsoft.com/office/drawing/2014/main" id="{133458E7-DFAC-1D49-AC30-3B2ADB842070}"/>
+                  </a:ext>
+                </a:extLst>
+              </p:cNvPr>
+              <p:cNvSpPr txBox="1"/>
+              <p:nvPr/>
+            </p:nvSpPr>
+            <p:spPr>
+              <a:xfrm>
+                <a:off x="129551" y="3649317"/>
+                <a:ext cx="850032" cy="415498"/>
+              </a:xfrm>
+              <a:prstGeom prst="rect">
+                <a:avLst/>
+              </a:prstGeom>
+              <a:noFill/>
+            </p:spPr>
+            <p:txBody>
+              <a:bodyPr wrap="square" rtlCol="0">
+                <a:spAutoFit/>
+              </a:bodyPr>
+              <a:lstStyle/>
+              <a:p>
+                <a:pPr algn="r"/>
+                <a:r>
+                  <a:rPr lang="en-US" sz="1050" dirty="0">
+                    <a:solidFill>
+                      <a:schemeClr val="tx1">
+                        <a:lumMod val="75000"/>
+                        <a:lumOff val="25000"/>
+                      </a:schemeClr>
+                    </a:solidFill>
+                    <a:latin typeface="Arial" panose="020B0604020202020204" pitchFamily="34" charset="0"/>
+                    <a:cs typeface="Arial" panose="020B0604020202020204" pitchFamily="34" charset="0"/>
+                  </a:rPr>
+                  <a:t>10°C+</a:t>
+                </a:r>
+              </a:p>
+              <a:p>
+                <a:pPr algn="r"/>
+                <a:r>
+                  <a:rPr lang="en-US" sz="1050" dirty="0">
+                    <a:solidFill>
+                      <a:schemeClr val="tx1">
+                        <a:lumMod val="75000"/>
+                        <a:lumOff val="25000"/>
+                      </a:schemeClr>
+                    </a:solidFill>
+                    <a:latin typeface="Arial" panose="020B0604020202020204" pitchFamily="34" charset="0"/>
+                    <a:cs typeface="Arial" panose="020B0604020202020204" pitchFamily="34" charset="0"/>
+                  </a:rPr>
+                  <a:t>high-food</a:t>
+                </a:r>
+              </a:p>
+            </p:txBody>
+          </p:sp>
+          <p:sp>
+            <p:nvSpPr>
+              <p:cNvPr id="29" name="TextBox 28">
+                <a:extLst>
+                  <a:ext uri="{FF2B5EF4-FFF2-40B4-BE49-F238E27FC236}">
+                    <a16:creationId xmlns:a16="http://schemas.microsoft.com/office/drawing/2014/main" id="{81042790-3F90-5D4D-B5EC-E33B5D50FCBE}"/>
+                  </a:ext>
+                </a:extLst>
+              </p:cNvPr>
+              <p:cNvSpPr txBox="1"/>
+              <p:nvPr/>
+            </p:nvSpPr>
+            <p:spPr>
+              <a:xfrm>
+                <a:off x="129551" y="4478913"/>
+                <a:ext cx="850032" cy="415498"/>
+              </a:xfrm>
+              <a:prstGeom prst="rect">
+                <a:avLst/>
+              </a:prstGeom>
+              <a:noFill/>
+            </p:spPr>
+            <p:txBody>
+              <a:bodyPr wrap="square" rtlCol="0">
+                <a:spAutoFit/>
+              </a:bodyPr>
+              <a:lstStyle/>
+              <a:p>
+                <a:pPr algn="r"/>
+                <a:r>
+                  <a:rPr lang="en-US" sz="1050" dirty="0">
+                    <a:solidFill>
+                      <a:schemeClr val="tx1">
+                        <a:lumMod val="75000"/>
+                        <a:lumOff val="25000"/>
+                      </a:schemeClr>
+                    </a:solidFill>
+                    <a:latin typeface="Arial" panose="020B0604020202020204" pitchFamily="34" charset="0"/>
+                    <a:cs typeface="Arial" panose="020B0604020202020204" pitchFamily="34" charset="0"/>
+                  </a:rPr>
+                  <a:t>10°C+</a:t>
+                </a:r>
+              </a:p>
+              <a:p>
+                <a:pPr algn="r"/>
+                <a:r>
+                  <a:rPr lang="en-US" sz="1050" dirty="0">
+                    <a:solidFill>
+                      <a:schemeClr val="tx1">
+                        <a:lumMod val="75000"/>
+                        <a:lumOff val="25000"/>
+                      </a:schemeClr>
+                    </a:solidFill>
+                    <a:latin typeface="Arial" panose="020B0604020202020204" pitchFamily="34" charset="0"/>
+                    <a:cs typeface="Arial" panose="020B0604020202020204" pitchFamily="34" charset="0"/>
+                  </a:rPr>
+                  <a:t>low-food</a:t>
+                </a:r>
+              </a:p>
+            </p:txBody>
+          </p:sp>
+        </p:grpSp>
+        <p:pic>
+          <p:nvPicPr>
+            <p:cNvPr id="4" name="Picture 3">
+              <a:extLst>
+                <a:ext uri="{FF2B5EF4-FFF2-40B4-BE49-F238E27FC236}">
+                  <a16:creationId xmlns:a16="http://schemas.microsoft.com/office/drawing/2014/main" id="{6E4315A8-6B59-F145-9495-2650CEE5A28F}"/>
+                </a:ext>
+              </a:extLst>
+            </p:cNvPr>
+            <p:cNvPicPr>
+              <a:picLocks noChangeAspect="1"/>
+            </p:cNvPicPr>
+            <p:nvPr/>
+          </p:nvPicPr>
+          <p:blipFill rotWithShape="1">
+            <a:blip r:embed="rId8"/>
+            <a:srcRect l="5391" t="72533"/>
+            <a:stretch/>
+          </p:blipFill>
+          <p:spPr>
+            <a:xfrm>
+              <a:off x="984688" y="5235984"/>
+              <a:ext cx="2320778" cy="299456"/>
+            </a:xfrm>
+            <a:prstGeom prst="rect">
+              <a:avLst/>
+            </a:prstGeom>
+          </p:spPr>
+        </p:pic>
+        <p:pic>
+          <p:nvPicPr>
+            <p:cNvPr id="12" name="Picture 11">
+              <a:extLst>
+                <a:ext uri="{FF2B5EF4-FFF2-40B4-BE49-F238E27FC236}">
+                  <a16:creationId xmlns:a16="http://schemas.microsoft.com/office/drawing/2014/main" id="{3F1E51A0-30B4-CF42-A1A7-2F8122F27967}"/>
+                </a:ext>
+              </a:extLst>
+            </p:cNvPr>
+            <p:cNvPicPr>
+              <a:picLocks noChangeAspect="1"/>
+            </p:cNvPicPr>
+            <p:nvPr/>
+          </p:nvPicPr>
+          <p:blipFill rotWithShape="1">
+            <a:blip r:embed="rId9"/>
+            <a:srcRect l="6911" t="73461" r="3896"/>
+            <a:stretch/>
+          </p:blipFill>
+          <p:spPr>
+            <a:xfrm>
+              <a:off x="3431495" y="5235984"/>
+              <a:ext cx="2216082" cy="293061"/>
+            </a:xfrm>
+            <a:prstGeom prst="rect">
+              <a:avLst/>
+            </a:prstGeom>
+          </p:spPr>
+        </p:pic>
+        <p:pic>
+          <p:nvPicPr>
+            <p:cNvPr id="14" name="Picture 13">
+              <a:extLst>
+                <a:ext uri="{FF2B5EF4-FFF2-40B4-BE49-F238E27FC236}">
+                  <a16:creationId xmlns:a16="http://schemas.microsoft.com/office/drawing/2014/main" id="{2D26D3EE-2759-2C42-88B3-80E2286CB06A}"/>
+                </a:ext>
+              </a:extLst>
+            </p:cNvPr>
+            <p:cNvPicPr>
+              <a:picLocks noChangeAspect="1"/>
+            </p:cNvPicPr>
+            <p:nvPr/>
+          </p:nvPicPr>
+          <p:blipFill rotWithShape="1">
+            <a:blip r:embed="rId10"/>
+            <a:srcRect l="5827" t="75348"/>
+            <a:stretch/>
+          </p:blipFill>
+          <p:spPr>
+            <a:xfrm>
+              <a:off x="5771861" y="5262498"/>
+              <a:ext cx="2216083" cy="257820"/>
+            </a:xfrm>
+            <a:prstGeom prst="rect">
+              <a:avLst/>
+            </a:prstGeom>
+          </p:spPr>
+        </p:pic>
+      </p:grpSp>
+    </p:spTree>
+    <p:extLst>
+      <p:ext uri="{BB962C8B-B14F-4D97-AF65-F5344CB8AC3E}">
+        <p14:creationId xmlns:p14="http://schemas.microsoft.com/office/powerpoint/2010/main" val="1195759612"/>
+      </p:ext>
+    </p:extLst>
+  </p:cSld>
+  <p:clrMapOvr>
+    <a:masterClrMapping/>
+  </p:clrMapOvr>
+</p:sld>
+</file>
+
+<file path=ppt/slides/slide4.xml><?xml version="1.0" encoding="utf-8"?>
 <p:sld xmlns:a="http://schemas.openxmlformats.org/drawingml/2006/main" xmlns:r="http://schemas.openxmlformats.org/officeDocument/2006/relationships" xmlns:p="http://schemas.openxmlformats.org/presentationml/2006/main">
   <p:cSld>
     <p:bg>
@@ -7885,7 +8731,7 @@
 </p:sld>
 </file>
 
-<file path=ppt/slides/slide4.xml><?xml version="1.0" encoding="utf-8"?>
+<file path=ppt/slides/slide5.xml><?xml version="1.0" encoding="utf-8"?>
 <p:sld xmlns:a="http://schemas.openxmlformats.org/drawingml/2006/main" xmlns:r="http://schemas.openxmlformats.org/officeDocument/2006/relationships" xmlns:p="http://schemas.openxmlformats.org/presentationml/2006/main">
   <p:cSld>
     <p:spTree>
@@ -7945,7 +8791,7 @@
 </p:sld>
 </file>
 
-<file path=ppt/slides/slide5.xml><?xml version="1.0" encoding="utf-8"?>
+<file path=ppt/slides/slide6.xml><?xml version="1.0" encoding="utf-8"?>
 <p:sld xmlns:a="http://schemas.openxmlformats.org/drawingml/2006/main" xmlns:r="http://schemas.openxmlformats.org/officeDocument/2006/relationships" xmlns:p="http://schemas.openxmlformats.org/presentationml/2006/main">
   <p:cSld>
     <p:spTree>
@@ -7964,10 +8810,10 @@
       </p:grpSpPr>
       <p:grpSp>
         <p:nvGrpSpPr>
-          <p:cNvPr id="5" name="Group 4">
+          <p:cNvPr id="6" name="Group 5">
             <a:extLst>
               <a:ext uri="{FF2B5EF4-FFF2-40B4-BE49-F238E27FC236}">
-                <a16:creationId xmlns:a16="http://schemas.microsoft.com/office/drawing/2014/main" id="{E888CF4D-AC0B-7140-BEC9-E90780CA102F}"/>
+                <a16:creationId xmlns:a16="http://schemas.microsoft.com/office/drawing/2014/main" id="{3F44F1D6-10A0-8D44-A81B-6FF2DF6FFD9D}"/>
               </a:ext>
             </a:extLst>
           </p:cNvPr>
@@ -7976,18 +8822,18 @@
         </p:nvGrpSpPr>
         <p:grpSpPr>
           <a:xfrm>
-            <a:off x="858117" y="627993"/>
-            <a:ext cx="5710849" cy="4572000"/>
-            <a:chOff x="858117" y="627993"/>
-            <a:chExt cx="5710849" cy="4572000"/>
+            <a:off x="858117" y="645283"/>
+            <a:ext cx="7130797" cy="4572000"/>
+            <a:chOff x="858117" y="645283"/>
+            <a:chExt cx="7130797" cy="4572000"/>
           </a:xfrm>
         </p:grpSpPr>
         <p:pic>
           <p:nvPicPr>
-            <p:cNvPr id="3" name="Picture 2">
+            <p:cNvPr id="4" name="Picture 3">
               <a:extLst>
                 <a:ext uri="{FF2B5EF4-FFF2-40B4-BE49-F238E27FC236}">
-                  <a16:creationId xmlns:a16="http://schemas.microsoft.com/office/drawing/2014/main" id="{93596AB2-7299-1645-8AC0-7C26D3BA9D00}"/>
+                  <a16:creationId xmlns:a16="http://schemas.microsoft.com/office/drawing/2014/main" id="{11538F23-B54D-8A49-B111-78F7BC7E3213}"/>
                 </a:ext>
               </a:extLst>
             </p:cNvPr>
@@ -8004,7 +8850,7 @@
           </p:blipFill>
           <p:spPr>
             <a:xfrm>
-              <a:off x="1082566" y="627993"/>
+              <a:off x="1085691" y="645283"/>
               <a:ext cx="5486400" cy="4572000"/>
             </a:xfrm>
             <a:prstGeom prst="rect">
@@ -8155,36 +9001,36 @@
             </a:p>
           </p:txBody>
         </p:sp>
+        <p:pic>
+          <p:nvPicPr>
+            <p:cNvPr id="13" name="Picture 12">
+              <a:extLst>
+                <a:ext uri="{FF2B5EF4-FFF2-40B4-BE49-F238E27FC236}">
+                  <a16:creationId xmlns:a16="http://schemas.microsoft.com/office/drawing/2014/main" id="{A64EB255-77A5-9243-960C-B765454C9493}"/>
+                </a:ext>
+              </a:extLst>
+            </p:cNvPr>
+            <p:cNvPicPr>
+              <a:picLocks noChangeAspect="1"/>
+            </p:cNvPicPr>
+            <p:nvPr/>
+          </p:nvPicPr>
+          <p:blipFill rotWithShape="1">
+            <a:blip r:embed="rId3"/>
+            <a:srcRect l="67471" t="54339" b="21322"/>
+            <a:stretch/>
+          </p:blipFill>
+          <p:spPr>
+            <a:xfrm>
+              <a:off x="6501700" y="3166765"/>
+              <a:ext cx="1487214" cy="1112783"/>
+            </a:xfrm>
+            <a:prstGeom prst="rect">
+              <a:avLst/>
+            </a:prstGeom>
+          </p:spPr>
+        </p:pic>
       </p:grpSp>
-      <p:pic>
-        <p:nvPicPr>
-          <p:cNvPr id="13" name="Picture 12">
-            <a:extLst>
-              <a:ext uri="{FF2B5EF4-FFF2-40B4-BE49-F238E27FC236}">
-                <a16:creationId xmlns:a16="http://schemas.microsoft.com/office/drawing/2014/main" id="{A64EB255-77A5-9243-960C-B765454C9493}"/>
-              </a:ext>
-            </a:extLst>
-          </p:cNvPr>
-          <p:cNvPicPr>
-            <a:picLocks noChangeAspect="1"/>
-          </p:cNvPicPr>
-          <p:nvPr/>
-        </p:nvPicPr>
-        <p:blipFill rotWithShape="1">
-          <a:blip r:embed="rId3"/>
-          <a:srcRect l="67471" t="54339" b="21322"/>
-          <a:stretch/>
-        </p:blipFill>
-        <p:spPr>
-          <a:xfrm>
-            <a:off x="6501700" y="3166765"/>
-            <a:ext cx="1487214" cy="1112783"/>
-          </a:xfrm>
-          <a:prstGeom prst="rect">
-            <a:avLst/>
-          </a:prstGeom>
-        </p:spPr>
-      </p:pic>
     </p:spTree>
     <p:extLst>
       <p:ext uri="{BB962C8B-B14F-4D97-AF65-F5344CB8AC3E}">
@@ -8198,7 +9044,7 @@
 </p:sld>
 </file>
 
-<file path=ppt/slides/slide6.xml><?xml version="1.0" encoding="utf-8"?>
+<file path=ppt/slides/slide7.xml><?xml version="1.0" encoding="utf-8"?>
 <p:sld xmlns:a="http://schemas.openxmlformats.org/drawingml/2006/main" xmlns:r="http://schemas.openxmlformats.org/officeDocument/2006/relationships" xmlns:p="http://schemas.openxmlformats.org/presentationml/2006/main">
   <p:cSld>
     <p:spTree>
@@ -8287,123 +9133,6 @@
 </p:sld>
 </file>
 
-<file path=ppt/slides/slide7.xml><?xml version="1.0" encoding="utf-8"?>
-<p:sld xmlns:a="http://schemas.openxmlformats.org/drawingml/2006/main" xmlns:r="http://schemas.openxmlformats.org/officeDocument/2006/relationships" xmlns:p="http://schemas.openxmlformats.org/presentationml/2006/main">
-  <p:cSld>
-    <p:spTree>
-      <p:nvGrpSpPr>
-        <p:cNvPr id="1" name=""/>
-        <p:cNvGrpSpPr/>
-        <p:nvPr/>
-      </p:nvGrpSpPr>
-      <p:grpSpPr>
-        <a:xfrm>
-          <a:off x="0" y="0"/>
-          <a:ext cx="0" cy="0"/>
-          <a:chOff x="0" y="0"/>
-          <a:chExt cx="0" cy="0"/>
-        </a:xfrm>
-      </p:grpSpPr>
-      <p:pic>
-        <p:nvPicPr>
-          <p:cNvPr id="7" name="Picture 6">
-            <a:extLst>
-              <a:ext uri="{FF2B5EF4-FFF2-40B4-BE49-F238E27FC236}">
-                <a16:creationId xmlns:a16="http://schemas.microsoft.com/office/drawing/2014/main" id="{5680227A-6F33-064B-8D82-50FEC0AAC9B9}"/>
-              </a:ext>
-            </a:extLst>
-          </p:cNvPr>
-          <p:cNvPicPr>
-            <a:picLocks noChangeAspect="1"/>
-          </p:cNvPicPr>
-          <p:nvPr/>
-        </p:nvPicPr>
-        <p:blipFill rotWithShape="1">
-          <a:blip r:embed="rId2"/>
-          <a:srcRect l="69748" t="8059" b="57143"/>
-          <a:stretch/>
-        </p:blipFill>
-        <p:spPr>
-          <a:xfrm>
-            <a:off x="914401" y="914400"/>
-            <a:ext cx="2351314" cy="2068286"/>
-          </a:xfrm>
-          <a:prstGeom prst="rect">
-            <a:avLst/>
-          </a:prstGeom>
-        </p:spPr>
-      </p:pic>
-      <p:pic>
-        <p:nvPicPr>
-          <p:cNvPr id="9" name="Picture 8">
-            <a:extLst>
-              <a:ext uri="{FF2B5EF4-FFF2-40B4-BE49-F238E27FC236}">
-                <a16:creationId xmlns:a16="http://schemas.microsoft.com/office/drawing/2014/main" id="{5EF47965-95B0-CF44-A417-1A5025357A40}"/>
-              </a:ext>
-            </a:extLst>
-          </p:cNvPr>
-          <p:cNvPicPr>
-            <a:picLocks noChangeAspect="1"/>
-          </p:cNvPicPr>
-          <p:nvPr/>
-        </p:nvPicPr>
-        <p:blipFill rotWithShape="1">
-          <a:blip r:embed="rId3"/>
-          <a:srcRect l="69748" t="7692" b="57509"/>
-          <a:stretch/>
-        </p:blipFill>
-        <p:spPr>
-          <a:xfrm>
-            <a:off x="4310742" y="914400"/>
-            <a:ext cx="2351316" cy="2068286"/>
-          </a:xfrm>
-          <a:prstGeom prst="rect">
-            <a:avLst/>
-          </a:prstGeom>
-        </p:spPr>
-      </p:pic>
-      <p:pic>
-        <p:nvPicPr>
-          <p:cNvPr id="11" name="Picture 10">
-            <a:extLst>
-              <a:ext uri="{FF2B5EF4-FFF2-40B4-BE49-F238E27FC236}">
-                <a16:creationId xmlns:a16="http://schemas.microsoft.com/office/drawing/2014/main" id="{C2B9FBA1-93AF-2B4F-9A39-6ED9DD2306A8}"/>
-              </a:ext>
-            </a:extLst>
-          </p:cNvPr>
-          <p:cNvPicPr>
-            <a:picLocks noChangeAspect="1"/>
-          </p:cNvPicPr>
-          <p:nvPr/>
-        </p:nvPicPr>
-        <p:blipFill rotWithShape="1">
-          <a:blip r:embed="rId4"/>
-          <a:srcRect l="69748" t="7693" b="51282"/>
-          <a:stretch/>
-        </p:blipFill>
-        <p:spPr>
-          <a:xfrm>
-            <a:off x="914400" y="3243942"/>
-            <a:ext cx="2351315" cy="2438400"/>
-          </a:xfrm>
-          <a:prstGeom prst="rect">
-            <a:avLst/>
-          </a:prstGeom>
-        </p:spPr>
-      </p:pic>
-    </p:spTree>
-    <p:extLst>
-      <p:ext uri="{BB962C8B-B14F-4D97-AF65-F5344CB8AC3E}">
-        <p14:creationId xmlns:p14="http://schemas.microsoft.com/office/powerpoint/2010/main" val="3576426135"/>
-      </p:ext>
-    </p:extLst>
-  </p:cSld>
-  <p:clrMapOvr>
-    <a:masterClrMapping/>
-  </p:clrMapOvr>
-</p:sld>
-</file>
-
 <file path=ppt/slides/slide8.xml><?xml version="1.0" encoding="utf-8"?>
 <p:sld xmlns:a="http://schemas.openxmlformats.org/drawingml/2006/main" xmlns:r="http://schemas.openxmlformats.org/officeDocument/2006/relationships" xmlns:p="http://schemas.openxmlformats.org/presentationml/2006/main">
   <p:cSld>
@@ -8421,40 +9150,198 @@
           <a:chExt cx="0" cy="0"/>
         </a:xfrm>
       </p:grpSpPr>
-      <p:pic>
-        <p:nvPicPr>
-          <p:cNvPr id="5" name="Picture 4">
+      <p:grpSp>
+        <p:nvGrpSpPr>
+          <p:cNvPr id="4" name="Group 3">
             <a:extLst>
               <a:ext uri="{FF2B5EF4-FFF2-40B4-BE49-F238E27FC236}">
-                <a16:creationId xmlns:a16="http://schemas.microsoft.com/office/drawing/2014/main" id="{F10F54B1-A393-0749-8C27-FC47CDD4768A}"/>
+                <a16:creationId xmlns:a16="http://schemas.microsoft.com/office/drawing/2014/main" id="{3BFDDE80-D3BA-7A44-8FC8-4CFB5126EED9}"/>
               </a:ext>
             </a:extLst>
           </p:cNvPr>
-          <p:cNvPicPr>
-            <a:picLocks noChangeAspect="1"/>
-          </p:cNvPicPr>
+          <p:cNvGrpSpPr/>
           <p:nvPr/>
-        </p:nvPicPr>
-        <p:blipFill>
-          <a:blip r:embed="rId2"/>
-          <a:stretch>
-            <a:fillRect/>
-          </a:stretch>
-        </p:blipFill>
-        <p:spPr>
+        </p:nvGrpSpPr>
+        <p:grpSpPr>
           <a:xfrm>
-            <a:off x="500063" y="685800"/>
-            <a:ext cx="5486400" cy="5486400"/>
+            <a:off x="454524" y="775009"/>
+            <a:ext cx="7532540" cy="4767146"/>
+            <a:chOff x="433157" y="685800"/>
+            <a:chExt cx="8669029" cy="5486400"/>
           </a:xfrm>
-          <a:prstGeom prst="rect">
-            <a:avLst/>
-          </a:prstGeom>
-        </p:spPr>
-      </p:pic>
+        </p:grpSpPr>
+        <p:pic>
+          <p:nvPicPr>
+            <p:cNvPr id="5" name="Picture 4">
+              <a:extLst>
+                <a:ext uri="{FF2B5EF4-FFF2-40B4-BE49-F238E27FC236}">
+                  <a16:creationId xmlns:a16="http://schemas.microsoft.com/office/drawing/2014/main" id="{F10F54B1-A393-0749-8C27-FC47CDD4768A}"/>
+                </a:ext>
+              </a:extLst>
+            </p:cNvPr>
+            <p:cNvPicPr>
+              <a:picLocks noChangeAspect="1"/>
+            </p:cNvPicPr>
+            <p:nvPr/>
+          </p:nvPicPr>
+          <p:blipFill rotWithShape="1">
+            <a:blip r:embed="rId2"/>
+            <a:srcRect r="29948"/>
+            <a:stretch/>
+          </p:blipFill>
+          <p:spPr>
+            <a:xfrm>
+              <a:off x="433157" y="685800"/>
+              <a:ext cx="3843338" cy="5486400"/>
+            </a:xfrm>
+            <a:prstGeom prst="rect">
+              <a:avLst/>
+            </a:prstGeom>
+          </p:spPr>
+        </p:pic>
+        <p:pic>
+          <p:nvPicPr>
+            <p:cNvPr id="3" name="Picture 2">
+              <a:extLst>
+                <a:ext uri="{FF2B5EF4-FFF2-40B4-BE49-F238E27FC236}">
+                  <a16:creationId xmlns:a16="http://schemas.microsoft.com/office/drawing/2014/main" id="{56BDC90E-2808-2847-8B58-814D3336B4D6}"/>
+                </a:ext>
+              </a:extLst>
+            </p:cNvPr>
+            <p:cNvPicPr>
+              <a:picLocks noChangeAspect="1"/>
+            </p:cNvPicPr>
+            <p:nvPr/>
+          </p:nvPicPr>
+          <p:blipFill rotWithShape="1">
+            <a:blip r:embed="rId3"/>
+            <a:srcRect r="1685"/>
+            <a:stretch/>
+          </p:blipFill>
+          <p:spPr>
+            <a:xfrm>
+              <a:off x="4220740" y="744597"/>
+              <a:ext cx="4881446" cy="5416452"/>
+            </a:xfrm>
+            <a:prstGeom prst="rect">
+              <a:avLst/>
+            </a:prstGeom>
+          </p:spPr>
+        </p:pic>
+      </p:grpSp>
     </p:spTree>
     <p:extLst>
       <p:ext uri="{BB962C8B-B14F-4D97-AF65-F5344CB8AC3E}">
         <p14:creationId xmlns:p14="http://schemas.microsoft.com/office/powerpoint/2010/main" val="1357512634"/>
+      </p:ext>
+    </p:extLst>
+  </p:cSld>
+  <p:clrMapOvr>
+    <a:masterClrMapping/>
+  </p:clrMapOvr>
+</p:sld>
+</file>
+
+<file path=ppt/slides/slide9.xml><?xml version="1.0" encoding="utf-8"?>
+<p:sld xmlns:a="http://schemas.openxmlformats.org/drawingml/2006/main" xmlns:r="http://schemas.openxmlformats.org/officeDocument/2006/relationships" xmlns:p="http://schemas.openxmlformats.org/presentationml/2006/main">
+  <p:cSld>
+    <p:spTree>
+      <p:nvGrpSpPr>
+        <p:cNvPr id="1" name=""/>
+        <p:cNvGrpSpPr/>
+        <p:nvPr/>
+      </p:nvGrpSpPr>
+      <p:grpSpPr>
+        <a:xfrm>
+          <a:off x="0" y="0"/>
+          <a:ext cx="0" cy="0"/>
+          <a:chOff x="0" y="0"/>
+          <a:chExt cx="0" cy="0"/>
+        </a:xfrm>
+      </p:grpSpPr>
+      <p:grpSp>
+        <p:nvGrpSpPr>
+          <p:cNvPr id="8" name="Group 7">
+            <a:extLst>
+              <a:ext uri="{FF2B5EF4-FFF2-40B4-BE49-F238E27FC236}">
+                <a16:creationId xmlns:a16="http://schemas.microsoft.com/office/drawing/2014/main" id="{1D994E36-F81C-734F-BE8F-A593298D29E5}"/>
+              </a:ext>
+            </a:extLst>
+          </p:cNvPr>
+          <p:cNvGrpSpPr/>
+          <p:nvPr/>
+        </p:nvGrpSpPr>
+        <p:grpSpPr>
+          <a:xfrm>
+            <a:off x="914400" y="1035050"/>
+            <a:ext cx="5575610" cy="4787900"/>
+            <a:chOff x="914400" y="1035050"/>
+            <a:chExt cx="5575610" cy="4787900"/>
+          </a:xfrm>
+        </p:grpSpPr>
+        <p:pic>
+          <p:nvPicPr>
+            <p:cNvPr id="6" name="Picture 5">
+              <a:extLst>
+                <a:ext uri="{FF2B5EF4-FFF2-40B4-BE49-F238E27FC236}">
+                  <a16:creationId xmlns:a16="http://schemas.microsoft.com/office/drawing/2014/main" id="{6704E5DC-E6EA-5542-9CAE-490BD90A7D2C}"/>
+                </a:ext>
+              </a:extLst>
+            </p:cNvPr>
+            <p:cNvPicPr>
+              <a:picLocks noChangeAspect="1"/>
+            </p:cNvPicPr>
+            <p:nvPr/>
+          </p:nvPicPr>
+          <p:blipFill rotWithShape="1">
+            <a:blip r:embed="rId2"/>
+            <a:srcRect r="23780"/>
+            <a:stretch/>
+          </p:blipFill>
+          <p:spPr>
+            <a:xfrm>
+              <a:off x="914400" y="1035050"/>
+              <a:ext cx="5575610" cy="4787900"/>
+            </a:xfrm>
+            <a:prstGeom prst="rect">
+              <a:avLst/>
+            </a:prstGeom>
+          </p:spPr>
+        </p:pic>
+        <p:pic>
+          <p:nvPicPr>
+            <p:cNvPr id="7" name="Picture 6">
+              <a:extLst>
+                <a:ext uri="{FF2B5EF4-FFF2-40B4-BE49-F238E27FC236}">
+                  <a16:creationId xmlns:a16="http://schemas.microsoft.com/office/drawing/2014/main" id="{F983487C-2AF8-BF4F-94F9-9C85733B8AE5}"/>
+                </a:ext>
+              </a:extLst>
+            </p:cNvPr>
+            <p:cNvPicPr>
+              <a:picLocks noChangeAspect="1"/>
+            </p:cNvPicPr>
+            <p:nvPr/>
+          </p:nvPicPr>
+          <p:blipFill rotWithShape="1">
+            <a:blip r:embed="rId3"/>
+            <a:srcRect l="67471" t="53655" b="21322"/>
+            <a:stretch/>
+          </p:blipFill>
+          <p:spPr>
+            <a:xfrm>
+              <a:off x="1518716" y="1500372"/>
+              <a:ext cx="1487214" cy="1144046"/>
+            </a:xfrm>
+            <a:prstGeom prst="rect">
+              <a:avLst/>
+            </a:prstGeom>
+          </p:spPr>
+        </p:pic>
+      </p:grpSp>
+    </p:spTree>
+    <p:extLst>
+      <p:ext uri="{BB962C8B-B14F-4D97-AF65-F5344CB8AC3E}">
+        <p14:creationId xmlns:p14="http://schemas.microsoft.com/office/powerpoint/2010/main" val="230629001"/>
       </p:ext>
     </p:extLst>
   </p:cSld>

--- a/admin/plot-editing.pptx
+++ b/admin/plot-editing.pptx
@@ -5,7 +5,7 @@
     <p:sldMasterId id="2147483660" r:id="rId1"/>
   </p:sldMasterIdLst>
   <p:notesMasterIdLst>
-    <p:notesMasterId r:id="rId11"/>
+    <p:notesMasterId r:id="rId15"/>
   </p:notesMasterIdLst>
   <p:sldIdLst>
     <p:sldId id="316" r:id="rId2"/>
@@ -17,6 +17,10 @@
     <p:sldId id="263" r:id="rId8"/>
     <p:sldId id="317" r:id="rId9"/>
     <p:sldId id="319" r:id="rId10"/>
+    <p:sldId id="320" r:id="rId11"/>
+    <p:sldId id="322" r:id="rId12"/>
+    <p:sldId id="321" r:id="rId13"/>
+    <p:sldId id="323" r:id="rId14"/>
   </p:sldIdLst>
   <p:sldSz cx="9144000" cy="6858000" type="screen4x3"/>
   <p:notesSz cx="6858000" cy="9144000"/>
@@ -205,7 +209,7 @@
           <a:p>
             <a:fld id="{28BB845A-8D3D-7546-82B5-222C64D3BA4D}" type="datetimeFigureOut">
               <a:rPr lang="en-US" smtClean="0"/>
-              <a:t>6/30/20</a:t>
+              <a:t>10/28/20</a:t>
             </a:fld>
             <a:endParaRPr lang="en-US"/>
           </a:p>
@@ -556,6 +560,342 @@
 </p:notes>
 </file>
 
+<file path=ppt/notesSlides/notesSlide2.xml><?xml version="1.0" encoding="utf-8"?>
+<p:notes xmlns:a="http://schemas.openxmlformats.org/drawingml/2006/main" xmlns:r="http://schemas.openxmlformats.org/officeDocument/2006/relationships" xmlns:p="http://schemas.openxmlformats.org/presentationml/2006/main">
+  <p:cSld>
+    <p:spTree>
+      <p:nvGrpSpPr>
+        <p:cNvPr id="1" name=""/>
+        <p:cNvGrpSpPr/>
+        <p:nvPr/>
+      </p:nvGrpSpPr>
+      <p:grpSpPr>
+        <a:xfrm>
+          <a:off x="0" y="0"/>
+          <a:ext cx="0" cy="0"/>
+          <a:chOff x="0" y="0"/>
+          <a:chExt cx="0" cy="0"/>
+        </a:xfrm>
+      </p:grpSpPr>
+      <p:sp>
+        <p:nvSpPr>
+          <p:cNvPr id="2" name="Slide Image Placeholder 1"/>
+          <p:cNvSpPr>
+            <a:spLocks noGrp="1" noRot="1" noChangeAspect="1"/>
+          </p:cNvSpPr>
+          <p:nvPr>
+            <p:ph type="sldImg"/>
+          </p:nvPr>
+        </p:nvSpPr>
+        <p:spPr/>
+      </p:sp>
+      <p:sp>
+        <p:nvSpPr>
+          <p:cNvPr id="3" name="Notes Placeholder 2"/>
+          <p:cNvSpPr>
+            <a:spLocks noGrp="1"/>
+          </p:cNvSpPr>
+          <p:nvPr>
+            <p:ph type="body" idx="1"/>
+          </p:nvPr>
+        </p:nvSpPr>
+        <p:spPr/>
+        <p:txBody>
+          <a:bodyPr/>
+          <a:lstStyle/>
+          <a:p>
+            <a:endParaRPr lang="en-US" dirty="0"/>
+          </a:p>
+        </p:txBody>
+      </p:sp>
+      <p:sp>
+        <p:nvSpPr>
+          <p:cNvPr id="4" name="Slide Number Placeholder 3"/>
+          <p:cNvSpPr>
+            <a:spLocks noGrp="1"/>
+          </p:cNvSpPr>
+          <p:nvPr>
+            <p:ph type="sldNum" sz="quarter" idx="5"/>
+          </p:nvPr>
+        </p:nvSpPr>
+        <p:spPr/>
+        <p:txBody>
+          <a:bodyPr/>
+          <a:lstStyle/>
+          <a:p>
+            <a:fld id="{B68D2766-C49B-4C1A-9FEE-6F146754B02B}" type="slidenum">
+              <a:rPr lang="en-US" smtClean="0"/>
+              <a:t>10</a:t>
+            </a:fld>
+            <a:endParaRPr lang="en-US"/>
+          </a:p>
+        </p:txBody>
+      </p:sp>
+    </p:spTree>
+    <p:extLst>
+      <p:ext uri="{BB962C8B-B14F-4D97-AF65-F5344CB8AC3E}">
+        <p14:creationId xmlns:p14="http://schemas.microsoft.com/office/powerpoint/2010/main" val="1799849909"/>
+      </p:ext>
+    </p:extLst>
+  </p:cSld>
+  <p:clrMapOvr>
+    <a:masterClrMapping/>
+  </p:clrMapOvr>
+</p:notes>
+</file>
+
+<file path=ppt/notesSlides/notesSlide3.xml><?xml version="1.0" encoding="utf-8"?>
+<p:notes xmlns:a="http://schemas.openxmlformats.org/drawingml/2006/main" xmlns:r="http://schemas.openxmlformats.org/officeDocument/2006/relationships" xmlns:p="http://schemas.openxmlformats.org/presentationml/2006/main">
+  <p:cSld>
+    <p:spTree>
+      <p:nvGrpSpPr>
+        <p:cNvPr id="1" name=""/>
+        <p:cNvGrpSpPr/>
+        <p:nvPr/>
+      </p:nvGrpSpPr>
+      <p:grpSpPr>
+        <a:xfrm>
+          <a:off x="0" y="0"/>
+          <a:ext cx="0" cy="0"/>
+          <a:chOff x="0" y="0"/>
+          <a:chExt cx="0" cy="0"/>
+        </a:xfrm>
+      </p:grpSpPr>
+      <p:sp>
+        <p:nvSpPr>
+          <p:cNvPr id="2" name="Slide Image Placeholder 1"/>
+          <p:cNvSpPr>
+            <a:spLocks noGrp="1" noRot="1" noChangeAspect="1"/>
+          </p:cNvSpPr>
+          <p:nvPr>
+            <p:ph type="sldImg"/>
+          </p:nvPr>
+        </p:nvSpPr>
+        <p:spPr/>
+      </p:sp>
+      <p:sp>
+        <p:nvSpPr>
+          <p:cNvPr id="3" name="Notes Placeholder 2"/>
+          <p:cNvSpPr>
+            <a:spLocks noGrp="1"/>
+          </p:cNvSpPr>
+          <p:nvPr>
+            <p:ph type="body" idx="1"/>
+          </p:nvPr>
+        </p:nvSpPr>
+        <p:spPr/>
+        <p:txBody>
+          <a:bodyPr/>
+          <a:lstStyle/>
+          <a:p>
+            <a:endParaRPr lang="en-US" dirty="0"/>
+          </a:p>
+        </p:txBody>
+      </p:sp>
+      <p:sp>
+        <p:nvSpPr>
+          <p:cNvPr id="4" name="Slide Number Placeholder 3"/>
+          <p:cNvSpPr>
+            <a:spLocks noGrp="1"/>
+          </p:cNvSpPr>
+          <p:nvPr>
+            <p:ph type="sldNum" sz="quarter" idx="5"/>
+          </p:nvPr>
+        </p:nvSpPr>
+        <p:spPr/>
+        <p:txBody>
+          <a:bodyPr/>
+          <a:lstStyle/>
+          <a:p>
+            <a:fld id="{B68D2766-C49B-4C1A-9FEE-6F146754B02B}" type="slidenum">
+              <a:rPr lang="en-US" smtClean="0"/>
+              <a:t>11</a:t>
+            </a:fld>
+            <a:endParaRPr lang="en-US"/>
+          </a:p>
+        </p:txBody>
+      </p:sp>
+    </p:spTree>
+    <p:extLst>
+      <p:ext uri="{BB962C8B-B14F-4D97-AF65-F5344CB8AC3E}">
+        <p14:creationId xmlns:p14="http://schemas.microsoft.com/office/powerpoint/2010/main" val="3261310698"/>
+      </p:ext>
+    </p:extLst>
+  </p:cSld>
+  <p:clrMapOvr>
+    <a:masterClrMapping/>
+  </p:clrMapOvr>
+</p:notes>
+</file>
+
+<file path=ppt/notesSlides/notesSlide4.xml><?xml version="1.0" encoding="utf-8"?>
+<p:notes xmlns:a="http://schemas.openxmlformats.org/drawingml/2006/main" xmlns:r="http://schemas.openxmlformats.org/officeDocument/2006/relationships" xmlns:p="http://schemas.openxmlformats.org/presentationml/2006/main">
+  <p:cSld>
+    <p:spTree>
+      <p:nvGrpSpPr>
+        <p:cNvPr id="1" name=""/>
+        <p:cNvGrpSpPr/>
+        <p:nvPr/>
+      </p:nvGrpSpPr>
+      <p:grpSpPr>
+        <a:xfrm>
+          <a:off x="0" y="0"/>
+          <a:ext cx="0" cy="0"/>
+          <a:chOff x="0" y="0"/>
+          <a:chExt cx="0" cy="0"/>
+        </a:xfrm>
+      </p:grpSpPr>
+      <p:sp>
+        <p:nvSpPr>
+          <p:cNvPr id="2" name="Slide Image Placeholder 1"/>
+          <p:cNvSpPr>
+            <a:spLocks noGrp="1" noRot="1" noChangeAspect="1"/>
+          </p:cNvSpPr>
+          <p:nvPr>
+            <p:ph type="sldImg"/>
+          </p:nvPr>
+        </p:nvSpPr>
+        <p:spPr/>
+      </p:sp>
+      <p:sp>
+        <p:nvSpPr>
+          <p:cNvPr id="3" name="Notes Placeholder 2"/>
+          <p:cNvSpPr>
+            <a:spLocks noGrp="1"/>
+          </p:cNvSpPr>
+          <p:nvPr>
+            <p:ph type="body" idx="1"/>
+          </p:nvPr>
+        </p:nvSpPr>
+        <p:spPr/>
+        <p:txBody>
+          <a:bodyPr/>
+          <a:lstStyle/>
+          <a:p>
+            <a:endParaRPr lang="en-US" dirty="0"/>
+          </a:p>
+        </p:txBody>
+      </p:sp>
+      <p:sp>
+        <p:nvSpPr>
+          <p:cNvPr id="4" name="Slide Number Placeholder 3"/>
+          <p:cNvSpPr>
+            <a:spLocks noGrp="1"/>
+          </p:cNvSpPr>
+          <p:nvPr>
+            <p:ph type="sldNum" sz="quarter" idx="5"/>
+          </p:nvPr>
+        </p:nvSpPr>
+        <p:spPr/>
+        <p:txBody>
+          <a:bodyPr/>
+          <a:lstStyle/>
+          <a:p>
+            <a:fld id="{B68D2766-C49B-4C1A-9FEE-6F146754B02B}" type="slidenum">
+              <a:rPr lang="en-US" smtClean="0"/>
+              <a:t>12</a:t>
+            </a:fld>
+            <a:endParaRPr lang="en-US"/>
+          </a:p>
+        </p:txBody>
+      </p:sp>
+    </p:spTree>
+    <p:extLst>
+      <p:ext uri="{BB962C8B-B14F-4D97-AF65-F5344CB8AC3E}">
+        <p14:creationId xmlns:p14="http://schemas.microsoft.com/office/powerpoint/2010/main" val="1323020032"/>
+      </p:ext>
+    </p:extLst>
+  </p:cSld>
+  <p:clrMapOvr>
+    <a:masterClrMapping/>
+  </p:clrMapOvr>
+</p:notes>
+</file>
+
+<file path=ppt/notesSlides/notesSlide5.xml><?xml version="1.0" encoding="utf-8"?>
+<p:notes xmlns:a="http://schemas.openxmlformats.org/drawingml/2006/main" xmlns:r="http://schemas.openxmlformats.org/officeDocument/2006/relationships" xmlns:p="http://schemas.openxmlformats.org/presentationml/2006/main">
+  <p:cSld>
+    <p:spTree>
+      <p:nvGrpSpPr>
+        <p:cNvPr id="1" name=""/>
+        <p:cNvGrpSpPr/>
+        <p:nvPr/>
+      </p:nvGrpSpPr>
+      <p:grpSpPr>
+        <a:xfrm>
+          <a:off x="0" y="0"/>
+          <a:ext cx="0" cy="0"/>
+          <a:chOff x="0" y="0"/>
+          <a:chExt cx="0" cy="0"/>
+        </a:xfrm>
+      </p:grpSpPr>
+      <p:sp>
+        <p:nvSpPr>
+          <p:cNvPr id="2" name="Slide Image Placeholder 1"/>
+          <p:cNvSpPr>
+            <a:spLocks noGrp="1" noRot="1" noChangeAspect="1"/>
+          </p:cNvSpPr>
+          <p:nvPr>
+            <p:ph type="sldImg"/>
+          </p:nvPr>
+        </p:nvSpPr>
+        <p:spPr/>
+      </p:sp>
+      <p:sp>
+        <p:nvSpPr>
+          <p:cNvPr id="3" name="Notes Placeholder 2"/>
+          <p:cNvSpPr>
+            <a:spLocks noGrp="1"/>
+          </p:cNvSpPr>
+          <p:nvPr>
+            <p:ph type="body" idx="1"/>
+          </p:nvPr>
+        </p:nvSpPr>
+        <p:spPr/>
+        <p:txBody>
+          <a:bodyPr/>
+          <a:lstStyle/>
+          <a:p>
+            <a:endParaRPr lang="en-US" dirty="0"/>
+          </a:p>
+        </p:txBody>
+      </p:sp>
+      <p:sp>
+        <p:nvSpPr>
+          <p:cNvPr id="4" name="Slide Number Placeholder 3"/>
+          <p:cNvSpPr>
+            <a:spLocks noGrp="1"/>
+          </p:cNvSpPr>
+          <p:nvPr>
+            <p:ph type="sldNum" sz="quarter" idx="5"/>
+          </p:nvPr>
+        </p:nvSpPr>
+        <p:spPr/>
+        <p:txBody>
+          <a:bodyPr/>
+          <a:lstStyle/>
+          <a:p>
+            <a:fld id="{B68D2766-C49B-4C1A-9FEE-6F146754B02B}" type="slidenum">
+              <a:rPr lang="en-US" smtClean="0"/>
+              <a:t>13</a:t>
+            </a:fld>
+            <a:endParaRPr lang="en-US"/>
+          </a:p>
+        </p:txBody>
+      </p:sp>
+    </p:spTree>
+    <p:extLst>
+      <p:ext uri="{BB962C8B-B14F-4D97-AF65-F5344CB8AC3E}">
+        <p14:creationId xmlns:p14="http://schemas.microsoft.com/office/powerpoint/2010/main" val="2555168590"/>
+      </p:ext>
+    </p:extLst>
+  </p:cSld>
+  <p:clrMapOvr>
+    <a:masterClrMapping/>
+  </p:clrMapOvr>
+</p:notes>
+</file>
+
 <file path=ppt/slideLayouts/slideLayout1.xml><?xml version="1.0" encoding="utf-8"?>
 <p:sldLayout xmlns:a="http://schemas.openxmlformats.org/drawingml/2006/main" xmlns:r="http://schemas.openxmlformats.org/officeDocument/2006/relationships" xmlns:p="http://schemas.openxmlformats.org/presentationml/2006/main" type="title" preserve="1">
   <p:cSld name="Title Slide">
@@ -687,7 +1027,7 @@
           <a:p>
             <a:fld id="{9347E118-E456-1F40-BBD6-4856F8C7E635}" type="datetimeFigureOut">
               <a:rPr lang="en-US" smtClean="0"/>
-              <a:t>6/30/20</a:t>
+              <a:t>10/28/20</a:t>
             </a:fld>
             <a:endParaRPr lang="en-US"/>
           </a:p>
@@ -857,7 +1197,7 @@
           <a:p>
             <a:fld id="{9347E118-E456-1F40-BBD6-4856F8C7E635}" type="datetimeFigureOut">
               <a:rPr lang="en-US" smtClean="0"/>
-              <a:t>6/30/20</a:t>
+              <a:t>10/28/20</a:t>
             </a:fld>
             <a:endParaRPr lang="en-US"/>
           </a:p>
@@ -1037,7 +1377,7 @@
           <a:p>
             <a:fld id="{9347E118-E456-1F40-BBD6-4856F8C7E635}" type="datetimeFigureOut">
               <a:rPr lang="en-US" smtClean="0"/>
-              <a:t>6/30/20</a:t>
+              <a:t>10/28/20</a:t>
             </a:fld>
             <a:endParaRPr lang="en-US"/>
           </a:p>
@@ -1207,7 +1547,7 @@
           <a:p>
             <a:fld id="{9347E118-E456-1F40-BBD6-4856F8C7E635}" type="datetimeFigureOut">
               <a:rPr lang="en-US" smtClean="0"/>
-              <a:t>6/30/20</a:t>
+              <a:t>10/28/20</a:t>
             </a:fld>
             <a:endParaRPr lang="en-US"/>
           </a:p>
@@ -1451,7 +1791,7 @@
           <a:p>
             <a:fld id="{9347E118-E456-1F40-BBD6-4856F8C7E635}" type="datetimeFigureOut">
               <a:rPr lang="en-US" smtClean="0"/>
-              <a:t>6/30/20</a:t>
+              <a:t>10/28/20</a:t>
             </a:fld>
             <a:endParaRPr lang="en-US"/>
           </a:p>
@@ -1683,7 +2023,7 @@
           <a:p>
             <a:fld id="{9347E118-E456-1F40-BBD6-4856F8C7E635}" type="datetimeFigureOut">
               <a:rPr lang="en-US" smtClean="0"/>
-              <a:t>6/30/20</a:t>
+              <a:t>10/28/20</a:t>
             </a:fld>
             <a:endParaRPr lang="en-US"/>
           </a:p>
@@ -2050,7 +2390,7 @@
           <a:p>
             <a:fld id="{9347E118-E456-1F40-BBD6-4856F8C7E635}" type="datetimeFigureOut">
               <a:rPr lang="en-US" smtClean="0"/>
-              <a:t>6/30/20</a:t>
+              <a:t>10/28/20</a:t>
             </a:fld>
             <a:endParaRPr lang="en-US"/>
           </a:p>
@@ -2168,7 +2508,7 @@
           <a:p>
             <a:fld id="{9347E118-E456-1F40-BBD6-4856F8C7E635}" type="datetimeFigureOut">
               <a:rPr lang="en-US" smtClean="0"/>
-              <a:t>6/30/20</a:t>
+              <a:t>10/28/20</a:t>
             </a:fld>
             <a:endParaRPr lang="en-US"/>
           </a:p>
@@ -2263,7 +2603,7 @@
           <a:p>
             <a:fld id="{9347E118-E456-1F40-BBD6-4856F8C7E635}" type="datetimeFigureOut">
               <a:rPr lang="en-US" smtClean="0"/>
-              <a:t>6/30/20</a:t>
+              <a:t>10/28/20</a:t>
             </a:fld>
             <a:endParaRPr lang="en-US"/>
           </a:p>
@@ -2540,7 +2880,7 @@
           <a:p>
             <a:fld id="{9347E118-E456-1F40-BBD6-4856F8C7E635}" type="datetimeFigureOut">
               <a:rPr lang="en-US" smtClean="0"/>
-              <a:t>6/30/20</a:t>
+              <a:t>10/28/20</a:t>
             </a:fld>
             <a:endParaRPr lang="en-US"/>
           </a:p>
@@ -2797,7 +3137,7 @@
           <a:p>
             <a:fld id="{9347E118-E456-1F40-BBD6-4856F8C7E635}" type="datetimeFigureOut">
               <a:rPr lang="en-US" smtClean="0"/>
-              <a:t>6/30/20</a:t>
+              <a:t>10/28/20</a:t>
             </a:fld>
             <a:endParaRPr lang="en-US"/>
           </a:p>
@@ -3010,7 +3350,7 @@
           <a:p>
             <a:fld id="{9347E118-E456-1F40-BBD6-4856F8C7E635}" type="datetimeFigureOut">
               <a:rPr lang="en-US" smtClean="0"/>
-              <a:t>6/30/20</a:t>
+              <a:t>10/28/20</a:t>
             </a:fld>
             <a:endParaRPr lang="en-US"/>
           </a:p>
@@ -4388,7 +4728,7 @@
                   <a:latin typeface="Arial" panose="020B0604020202020204" pitchFamily="34" charset="0"/>
                   <a:cs typeface="Arial" panose="020B0604020202020204" pitchFamily="34" charset="0"/>
                 </a:rPr>
-                <a:t>7ºC+high-food, 6ºC+low-food</a:t>
+                <a:t>7ºC+high-food, 7ºC+low-food</a:t>
               </a:r>
             </a:p>
             <a:p>
@@ -6408,6 +6748,7323 @@
 </p:sld>
 </file>
 
+<file path=ppt/slides/slide10.xml><?xml version="1.0" encoding="utf-8"?>
+<p:sld xmlns:a="http://schemas.openxmlformats.org/drawingml/2006/main" xmlns:r="http://schemas.openxmlformats.org/officeDocument/2006/relationships" xmlns:p="http://schemas.openxmlformats.org/presentationml/2006/main">
+  <p:cSld>
+    <p:spTree>
+      <p:nvGrpSpPr>
+        <p:cNvPr id="1" name=""/>
+        <p:cNvGrpSpPr/>
+        <p:nvPr/>
+      </p:nvGrpSpPr>
+      <p:grpSpPr>
+        <a:xfrm>
+          <a:off x="0" y="0"/>
+          <a:ext cx="0" cy="0"/>
+          <a:chOff x="0" y="0"/>
+          <a:chExt cx="0" cy="0"/>
+        </a:xfrm>
+      </p:grpSpPr>
+      <p:grpSp>
+        <p:nvGrpSpPr>
+          <p:cNvPr id="33" name="Group 32">
+            <a:extLst>
+              <a:ext uri="{FF2B5EF4-FFF2-40B4-BE49-F238E27FC236}">
+                <a16:creationId xmlns:a16="http://schemas.microsoft.com/office/drawing/2014/main" id="{CDA72E83-F87C-AA46-8F59-5ED51B9934FA}"/>
+              </a:ext>
+            </a:extLst>
+          </p:cNvPr>
+          <p:cNvGrpSpPr/>
+          <p:nvPr/>
+        </p:nvGrpSpPr>
+        <p:grpSpPr>
+          <a:xfrm>
+            <a:off x="1489902" y="1753528"/>
+            <a:ext cx="6578335" cy="3836858"/>
+            <a:chOff x="384220" y="1743254"/>
+            <a:chExt cx="6578335" cy="3836858"/>
+          </a:xfrm>
+        </p:grpSpPr>
+        <p:cxnSp>
+          <p:nvCxnSpPr>
+            <p:cNvPr id="71" name="40 Conector recto">
+              <a:extLst>
+                <a:ext uri="{FF2B5EF4-FFF2-40B4-BE49-F238E27FC236}">
+                  <a16:creationId xmlns:a16="http://schemas.microsoft.com/office/drawing/2014/main" id="{CFDAD28D-D8A6-5442-8D48-D71F60757076}"/>
+                </a:ext>
+              </a:extLst>
+            </p:cNvPr>
+            <p:cNvCxnSpPr>
+              <a:cxnSpLocks/>
+            </p:cNvCxnSpPr>
+            <p:nvPr/>
+          </p:nvCxnSpPr>
+          <p:spPr>
+            <a:xfrm flipV="1">
+              <a:off x="1406829" y="1849074"/>
+              <a:ext cx="0" cy="1612641"/>
+            </a:xfrm>
+            <a:prstGeom prst="line">
+              <a:avLst/>
+            </a:prstGeom>
+            <a:ln w="12700">
+              <a:solidFill>
+                <a:schemeClr val="tx1">
+                  <a:lumMod val="65000"/>
+                  <a:lumOff val="35000"/>
+                </a:schemeClr>
+              </a:solidFill>
+            </a:ln>
+          </p:spPr>
+          <p:style>
+            <a:lnRef idx="1">
+              <a:schemeClr val="accent1"/>
+            </a:lnRef>
+            <a:fillRef idx="0">
+              <a:schemeClr val="accent1"/>
+            </a:fillRef>
+            <a:effectRef idx="0">
+              <a:schemeClr val="accent1"/>
+            </a:effectRef>
+            <a:fontRef idx="minor">
+              <a:schemeClr val="tx1"/>
+            </a:fontRef>
+          </p:style>
+        </p:cxnSp>
+        <p:cxnSp>
+          <p:nvCxnSpPr>
+            <p:cNvPr id="65" name="40 Conector recto">
+              <a:extLst>
+                <a:ext uri="{FF2B5EF4-FFF2-40B4-BE49-F238E27FC236}">
+                  <a16:creationId xmlns:a16="http://schemas.microsoft.com/office/drawing/2014/main" id="{3F967D21-B4E5-2E48-B48D-E0965735EB7B}"/>
+                </a:ext>
+              </a:extLst>
+            </p:cNvPr>
+            <p:cNvCxnSpPr>
+              <a:cxnSpLocks/>
+            </p:cNvCxnSpPr>
+            <p:nvPr/>
+          </p:nvCxnSpPr>
+          <p:spPr>
+            <a:xfrm flipV="1">
+              <a:off x="3456081" y="2133946"/>
+              <a:ext cx="4124" cy="1317916"/>
+            </a:xfrm>
+            <a:prstGeom prst="line">
+              <a:avLst/>
+            </a:prstGeom>
+            <a:ln w="12700">
+              <a:solidFill>
+                <a:schemeClr val="tx1">
+                  <a:lumMod val="65000"/>
+                  <a:lumOff val="35000"/>
+                </a:schemeClr>
+              </a:solidFill>
+            </a:ln>
+          </p:spPr>
+          <p:style>
+            <a:lnRef idx="1">
+              <a:schemeClr val="accent1"/>
+            </a:lnRef>
+            <a:fillRef idx="0">
+              <a:schemeClr val="accent1"/>
+            </a:fillRef>
+            <a:effectRef idx="0">
+              <a:schemeClr val="accent1"/>
+            </a:effectRef>
+            <a:fontRef idx="minor">
+              <a:schemeClr val="tx1"/>
+            </a:fontRef>
+          </p:style>
+        </p:cxnSp>
+        <p:sp>
+          <p:nvSpPr>
+            <p:cNvPr id="92" name="Rectangle 91">
+              <a:extLst>
+                <a:ext uri="{FF2B5EF4-FFF2-40B4-BE49-F238E27FC236}">
+                  <a16:creationId xmlns:a16="http://schemas.microsoft.com/office/drawing/2014/main" id="{ED806C97-1F68-9645-A8E7-45F47064A930}"/>
+                </a:ext>
+              </a:extLst>
+            </p:cNvPr>
+            <p:cNvSpPr/>
+            <p:nvPr/>
+          </p:nvSpPr>
+          <p:spPr>
+            <a:xfrm>
+              <a:off x="595359" y="4601731"/>
+              <a:ext cx="5576104" cy="534200"/>
+            </a:xfrm>
+            <a:prstGeom prst="rect">
+              <a:avLst/>
+            </a:prstGeom>
+            <a:solidFill>
+              <a:schemeClr val="bg1">
+                <a:lumMod val="85000"/>
+              </a:schemeClr>
+            </a:solidFill>
+            <a:ln w="9525">
+              <a:noFill/>
+            </a:ln>
+          </p:spPr>
+          <p:style>
+            <a:lnRef idx="2">
+              <a:schemeClr val="accent1">
+                <a:shade val="50000"/>
+              </a:schemeClr>
+            </a:lnRef>
+            <a:fillRef idx="1">
+              <a:schemeClr val="accent1"/>
+            </a:fillRef>
+            <a:effectRef idx="0">
+              <a:schemeClr val="accent1"/>
+            </a:effectRef>
+            <a:fontRef idx="minor">
+              <a:schemeClr val="lt1"/>
+            </a:fontRef>
+          </p:style>
+          <p:txBody>
+            <a:bodyPr rtlCol="0" anchor="t"/>
+            <a:lstStyle/>
+            <a:p>
+              <a:pPr>
+                <a:spcBef>
+                  <a:spcPts val="600"/>
+                </a:spcBef>
+              </a:pPr>
+              <a:endParaRPr lang="en-US" sz="1050" i="1" dirty="0">
+                <a:solidFill>
+                  <a:schemeClr val="tx1">
+                    <a:lumMod val="65000"/>
+                    <a:lumOff val="35000"/>
+                  </a:schemeClr>
+                </a:solidFill>
+                <a:latin typeface="Arial" panose="020B0604020202020204" pitchFamily="34" charset="0"/>
+                <a:cs typeface="Arial" panose="020B0604020202020204" pitchFamily="34" charset="0"/>
+              </a:endParaRPr>
+            </a:p>
+          </p:txBody>
+        </p:sp>
+        <p:cxnSp>
+          <p:nvCxnSpPr>
+            <p:cNvPr id="446" name="40 Conector recto">
+              <a:extLst>
+                <a:ext uri="{FF2B5EF4-FFF2-40B4-BE49-F238E27FC236}">
+                  <a16:creationId xmlns:a16="http://schemas.microsoft.com/office/drawing/2014/main" id="{BCC49EBA-B4C1-404C-82FA-B7391AB87B6D}"/>
+                </a:ext>
+              </a:extLst>
+            </p:cNvPr>
+            <p:cNvCxnSpPr>
+              <a:cxnSpLocks/>
+              <a:stCxn id="438" idx="0"/>
+            </p:cNvCxnSpPr>
+            <p:nvPr/>
+          </p:nvCxnSpPr>
+          <p:spPr>
+            <a:xfrm flipV="1">
+              <a:off x="4334715" y="1794933"/>
+              <a:ext cx="0" cy="1612641"/>
+            </a:xfrm>
+            <a:prstGeom prst="line">
+              <a:avLst/>
+            </a:prstGeom>
+            <a:ln w="12700">
+              <a:solidFill>
+                <a:schemeClr val="tx1">
+                  <a:lumMod val="65000"/>
+                  <a:lumOff val="35000"/>
+                </a:schemeClr>
+              </a:solidFill>
+            </a:ln>
+          </p:spPr>
+          <p:style>
+            <a:lnRef idx="1">
+              <a:schemeClr val="accent1"/>
+            </a:lnRef>
+            <a:fillRef idx="0">
+              <a:schemeClr val="accent1"/>
+            </a:fillRef>
+            <a:effectRef idx="0">
+              <a:schemeClr val="accent1"/>
+            </a:effectRef>
+            <a:fontRef idx="minor">
+              <a:schemeClr val="tx1"/>
+            </a:fontRef>
+          </p:style>
+        </p:cxnSp>
+        <p:cxnSp>
+          <p:nvCxnSpPr>
+            <p:cNvPr id="9" name="40 Conector recto"/>
+            <p:cNvCxnSpPr>
+              <a:cxnSpLocks/>
+            </p:cNvCxnSpPr>
+            <p:nvPr/>
+          </p:nvCxnSpPr>
+          <p:spPr>
+            <a:xfrm flipV="1">
+              <a:off x="668885" y="2147194"/>
+              <a:ext cx="0" cy="1313223"/>
+            </a:xfrm>
+            <a:prstGeom prst="line">
+              <a:avLst/>
+            </a:prstGeom>
+            <a:ln w="12700">
+              <a:solidFill>
+                <a:schemeClr val="tx1">
+                  <a:lumMod val="65000"/>
+                  <a:lumOff val="35000"/>
+                </a:schemeClr>
+              </a:solidFill>
+            </a:ln>
+          </p:spPr>
+          <p:style>
+            <a:lnRef idx="1">
+              <a:schemeClr val="accent1"/>
+            </a:lnRef>
+            <a:fillRef idx="0">
+              <a:schemeClr val="accent1"/>
+            </a:fillRef>
+            <a:effectRef idx="0">
+              <a:schemeClr val="accent1"/>
+            </a:effectRef>
+            <a:fontRef idx="minor">
+              <a:schemeClr val="tx1"/>
+            </a:fontRef>
+          </p:style>
+        </p:cxnSp>
+        <p:sp>
+          <p:nvSpPr>
+            <p:cNvPr id="267" name="Rectangle 266">
+              <a:extLst>
+                <a:ext uri="{FF2B5EF4-FFF2-40B4-BE49-F238E27FC236}">
+                  <a16:creationId xmlns:a16="http://schemas.microsoft.com/office/drawing/2014/main" id="{19C204D0-A0DB-9243-A6DE-FDCF03846A0A}"/>
+                </a:ext>
+              </a:extLst>
+            </p:cNvPr>
+            <p:cNvSpPr/>
+            <p:nvPr/>
+          </p:nvSpPr>
+          <p:spPr>
+            <a:xfrm>
+              <a:off x="603977" y="3460416"/>
+              <a:ext cx="5567916" cy="1081898"/>
+            </a:xfrm>
+            <a:prstGeom prst="rect">
+              <a:avLst/>
+            </a:prstGeom>
+            <a:solidFill>
+              <a:schemeClr val="bg1">
+                <a:lumMod val="95000"/>
+              </a:schemeClr>
+            </a:solidFill>
+            <a:ln w="9525">
+              <a:noFill/>
+            </a:ln>
+          </p:spPr>
+          <p:style>
+            <a:lnRef idx="2">
+              <a:schemeClr val="accent1">
+                <a:shade val="50000"/>
+              </a:schemeClr>
+            </a:lnRef>
+            <a:fillRef idx="1">
+              <a:schemeClr val="accent1"/>
+            </a:fillRef>
+            <a:effectRef idx="0">
+              <a:schemeClr val="accent1"/>
+            </a:effectRef>
+            <a:fontRef idx="minor">
+              <a:schemeClr val="lt1"/>
+            </a:fontRef>
+          </p:style>
+          <p:txBody>
+            <a:bodyPr rtlCol="0" anchor="t"/>
+            <a:lstStyle/>
+            <a:p>
+              <a:pPr>
+                <a:spcBef>
+                  <a:spcPts val="600"/>
+                </a:spcBef>
+              </a:pPr>
+              <a:endParaRPr lang="en-US" sz="1050" i="1" dirty="0">
+                <a:solidFill>
+                  <a:schemeClr val="tx1">
+                    <a:lumMod val="65000"/>
+                    <a:lumOff val="35000"/>
+                  </a:schemeClr>
+                </a:solidFill>
+                <a:latin typeface="Arial" panose="020B0604020202020204" pitchFamily="34" charset="0"/>
+                <a:cs typeface="Arial" panose="020B0604020202020204" pitchFamily="34" charset="0"/>
+              </a:endParaRPr>
+            </a:p>
+          </p:txBody>
+        </p:sp>
+        <p:cxnSp>
+          <p:nvCxnSpPr>
+            <p:cNvPr id="4" name="18 Conector recto"/>
+            <p:cNvCxnSpPr>
+              <a:cxnSpLocks/>
+              <a:stCxn id="363" idx="2"/>
+              <a:endCxn id="496" idx="6"/>
+            </p:cNvCxnSpPr>
+            <p:nvPr/>
+          </p:nvCxnSpPr>
+          <p:spPr>
+            <a:xfrm flipV="1">
+              <a:off x="629262" y="3451427"/>
+              <a:ext cx="5579366" cy="10410"/>
+            </a:xfrm>
+            <a:prstGeom prst="line">
+              <a:avLst/>
+            </a:prstGeom>
+            <a:ln w="15875">
+              <a:solidFill>
+                <a:schemeClr val="tx1">
+                  <a:lumMod val="65000"/>
+                  <a:lumOff val="35000"/>
+                </a:schemeClr>
+              </a:solidFill>
+            </a:ln>
+          </p:spPr>
+          <p:style>
+            <a:lnRef idx="1">
+              <a:schemeClr val="accent1"/>
+            </a:lnRef>
+            <a:fillRef idx="0">
+              <a:schemeClr val="accent1"/>
+            </a:fillRef>
+            <a:effectRef idx="0">
+              <a:schemeClr val="accent1"/>
+            </a:effectRef>
+            <a:fontRef idx="minor">
+              <a:schemeClr val="tx1"/>
+            </a:fontRef>
+          </p:style>
+        </p:cxnSp>
+        <p:sp>
+          <p:nvSpPr>
+            <p:cNvPr id="56" name="Rectangle 55"/>
+            <p:cNvSpPr/>
+            <p:nvPr/>
+          </p:nvSpPr>
+          <p:spPr>
+            <a:xfrm>
+              <a:off x="624107" y="2106041"/>
+              <a:ext cx="743617" cy="830997"/>
+            </a:xfrm>
+            <a:prstGeom prst="rect">
+              <a:avLst/>
+            </a:prstGeom>
+          </p:spPr>
+          <p:txBody>
+            <a:bodyPr wrap="square">
+              <a:spAutoFit/>
+            </a:bodyPr>
+            <a:lstStyle/>
+            <a:p>
+              <a:r>
+                <a:rPr lang="en-US" sz="800" dirty="0">
+                  <a:solidFill>
+                    <a:schemeClr val="tx1">
+                      <a:lumMod val="95000"/>
+                      <a:lumOff val="5000"/>
+                    </a:schemeClr>
+                  </a:solidFill>
+                  <a:latin typeface="Arial" panose="020B0604020202020204" pitchFamily="34" charset="0"/>
+                  <a:cs typeface="Arial" panose="020B0604020202020204" pitchFamily="34" charset="0"/>
+                </a:rPr>
+                <a:t>Broodstock collected from Mud Bay, Bremerton, WA</a:t>
+              </a:r>
+            </a:p>
+          </p:txBody>
+        </p:sp>
+        <p:sp>
+          <p:nvSpPr>
+            <p:cNvPr id="112" name="Rectangle 111">
+              <a:extLst>
+                <a:ext uri="{FF2B5EF4-FFF2-40B4-BE49-F238E27FC236}">
+                  <a16:creationId xmlns:a16="http://schemas.microsoft.com/office/drawing/2014/main" id="{12D56CDE-E781-DF4A-A372-E62F922CEBFC}"/>
+                </a:ext>
+              </a:extLst>
+            </p:cNvPr>
+            <p:cNvSpPr/>
+            <p:nvPr/>
+          </p:nvSpPr>
+          <p:spPr>
+            <a:xfrm>
+              <a:off x="1357527" y="1795139"/>
+              <a:ext cx="706802" cy="461665"/>
+            </a:xfrm>
+            <a:prstGeom prst="rect">
+              <a:avLst/>
+            </a:prstGeom>
+          </p:spPr>
+          <p:txBody>
+            <a:bodyPr wrap="square">
+              <a:spAutoFit/>
+            </a:bodyPr>
+            <a:lstStyle/>
+            <a:p>
+              <a:r>
+                <a:rPr lang="en-US" sz="800" dirty="0">
+                  <a:latin typeface="Arial" panose="020B0604020202020204" pitchFamily="34" charset="0"/>
+                  <a:cs typeface="Arial" panose="020B0604020202020204" pitchFamily="34" charset="0"/>
+                </a:rPr>
+                <a:t>Broodstock into winter treatments</a:t>
+              </a:r>
+            </a:p>
+          </p:txBody>
+        </p:sp>
+        <p:sp>
+          <p:nvSpPr>
+            <p:cNvPr id="126" name="Rectangle 125">
+              <a:extLst>
+                <a:ext uri="{FF2B5EF4-FFF2-40B4-BE49-F238E27FC236}">
+                  <a16:creationId xmlns:a16="http://schemas.microsoft.com/office/drawing/2014/main" id="{D961CE0E-2E18-A044-8DD5-B6EC54AF21B8}"/>
+                </a:ext>
+              </a:extLst>
+            </p:cNvPr>
+            <p:cNvSpPr/>
+            <p:nvPr/>
+          </p:nvSpPr>
+          <p:spPr>
+            <a:xfrm>
+              <a:off x="1479543" y="3534810"/>
+              <a:ext cx="1914156" cy="461665"/>
+            </a:xfrm>
+            <a:prstGeom prst="rect">
+              <a:avLst/>
+            </a:prstGeom>
+            <a:solidFill>
+              <a:schemeClr val="accent1">
+                <a:lumMod val="20000"/>
+                <a:lumOff val="80000"/>
+              </a:schemeClr>
+            </a:solidFill>
+            <a:ln>
+              <a:noFill/>
+            </a:ln>
+          </p:spPr>
+          <p:txBody>
+            <a:bodyPr wrap="square">
+              <a:spAutoFit/>
+            </a:bodyPr>
+            <a:lstStyle/>
+            <a:p>
+              <a:pPr algn="ctr"/>
+              <a:r>
+                <a:rPr lang="en-US" sz="800" b="1" i="1" dirty="0">
+                  <a:solidFill>
+                    <a:schemeClr val="tx1">
+                      <a:lumMod val="95000"/>
+                      <a:lumOff val="5000"/>
+                    </a:schemeClr>
+                  </a:solidFill>
+                  <a:latin typeface="Arial" panose="020B0604020202020204" pitchFamily="34" charset="0"/>
+                  <a:cs typeface="Arial" panose="020B0604020202020204" pitchFamily="34" charset="0"/>
+                </a:rPr>
+                <a:t>Winter broodstock treatments</a:t>
+              </a:r>
+            </a:p>
+            <a:p>
+              <a:pPr algn="ctr"/>
+              <a:r>
+                <a:rPr lang="en-US" sz="800" dirty="0">
+                  <a:solidFill>
+                    <a:srgbClr val="002060"/>
+                  </a:solidFill>
+                  <a:latin typeface="Arial" panose="020B0604020202020204" pitchFamily="34" charset="0"/>
+                  <a:cs typeface="Arial" panose="020B0604020202020204" pitchFamily="34" charset="0"/>
+                </a:rPr>
+                <a:t>7ºC+high-food</a:t>
+              </a:r>
+              <a:r>
+                <a:rPr lang="en-US" sz="800" dirty="0">
+                  <a:solidFill>
+                    <a:schemeClr val="tx1">
+                      <a:lumMod val="95000"/>
+                      <a:lumOff val="5000"/>
+                    </a:schemeClr>
+                  </a:solidFill>
+                  <a:latin typeface="Arial" panose="020B0604020202020204" pitchFamily="34" charset="0"/>
+                  <a:cs typeface="Arial" panose="020B0604020202020204" pitchFamily="34" charset="0"/>
+                </a:rPr>
+                <a:t>, </a:t>
+              </a:r>
+              <a:r>
+                <a:rPr lang="en-US" sz="800" dirty="0">
+                  <a:solidFill>
+                    <a:schemeClr val="accent5"/>
+                  </a:solidFill>
+                  <a:latin typeface="Arial" panose="020B0604020202020204" pitchFamily="34" charset="0"/>
+                  <a:cs typeface="Arial" panose="020B0604020202020204" pitchFamily="34" charset="0"/>
+                </a:rPr>
+                <a:t>7ºC+low-food</a:t>
+              </a:r>
+            </a:p>
+            <a:p>
+              <a:pPr algn="ctr"/>
+              <a:r>
+                <a:rPr lang="en-US" sz="800" dirty="0">
+                  <a:solidFill>
+                    <a:srgbClr val="C00000"/>
+                  </a:solidFill>
+                  <a:latin typeface="Arial" panose="020B0604020202020204" pitchFamily="34" charset="0"/>
+                  <a:cs typeface="Arial" panose="020B0604020202020204" pitchFamily="34" charset="0"/>
+                </a:rPr>
+                <a:t>10ºC +high-food</a:t>
+              </a:r>
+              <a:r>
+                <a:rPr lang="en-US" sz="800" dirty="0">
+                  <a:solidFill>
+                    <a:schemeClr val="tx1">
+                      <a:lumMod val="95000"/>
+                      <a:lumOff val="5000"/>
+                    </a:schemeClr>
+                  </a:solidFill>
+                  <a:latin typeface="Arial" panose="020B0604020202020204" pitchFamily="34" charset="0"/>
+                  <a:cs typeface="Arial" panose="020B0604020202020204" pitchFamily="34" charset="0"/>
+                </a:rPr>
+                <a:t>, </a:t>
+              </a:r>
+              <a:r>
+                <a:rPr lang="en-US" sz="800" dirty="0">
+                  <a:solidFill>
+                    <a:srgbClr val="FF7E79"/>
+                  </a:solidFill>
+                  <a:latin typeface="Arial" panose="020B0604020202020204" pitchFamily="34" charset="0"/>
+                  <a:cs typeface="Arial" panose="020B0604020202020204" pitchFamily="34" charset="0"/>
+                </a:rPr>
+                <a:t>10ºC +low-food</a:t>
+              </a:r>
+            </a:p>
+          </p:txBody>
+        </p:sp>
+        <p:sp>
+          <p:nvSpPr>
+            <p:cNvPr id="271" name="Rectangle 270">
+              <a:extLst>
+                <a:ext uri="{FF2B5EF4-FFF2-40B4-BE49-F238E27FC236}">
+                  <a16:creationId xmlns:a16="http://schemas.microsoft.com/office/drawing/2014/main" id="{19B589F5-BBB0-D746-8E74-A56D2DE737D0}"/>
+                </a:ext>
+              </a:extLst>
+            </p:cNvPr>
+            <p:cNvSpPr/>
+            <p:nvPr/>
+          </p:nvSpPr>
+          <p:spPr>
+            <a:xfrm>
+              <a:off x="632573" y="4605457"/>
+              <a:ext cx="911811" cy="230832"/>
+            </a:xfrm>
+            <a:prstGeom prst="rect">
+              <a:avLst/>
+            </a:prstGeom>
+            <a:solidFill>
+              <a:schemeClr val="bg1">
+                <a:lumMod val="85000"/>
+              </a:schemeClr>
+            </a:solidFill>
+            <a:ln>
+              <a:noFill/>
+            </a:ln>
+          </p:spPr>
+          <p:txBody>
+            <a:bodyPr wrap="square">
+              <a:spAutoFit/>
+            </a:bodyPr>
+            <a:lstStyle/>
+            <a:p>
+              <a:r>
+                <a:rPr lang="en-US" sz="900" i="1" dirty="0">
+                  <a:solidFill>
+                    <a:schemeClr val="tx1">
+                      <a:lumMod val="85000"/>
+                      <a:lumOff val="15000"/>
+                    </a:schemeClr>
+                  </a:solidFill>
+                  <a:latin typeface="Arial" panose="020B0604020202020204" pitchFamily="34" charset="0"/>
+                  <a:cs typeface="Arial" panose="020B0604020202020204" pitchFamily="34" charset="0"/>
+                </a:rPr>
+                <a:t>OFFSPRING</a:t>
+              </a:r>
+            </a:p>
+          </p:txBody>
+        </p:sp>
+        <p:sp>
+          <p:nvSpPr>
+            <p:cNvPr id="279" name="Rectangle 278">
+              <a:extLst>
+                <a:ext uri="{FF2B5EF4-FFF2-40B4-BE49-F238E27FC236}">
+                  <a16:creationId xmlns:a16="http://schemas.microsoft.com/office/drawing/2014/main" id="{B086AE53-07ED-3345-B760-86998D5557F7}"/>
+                </a:ext>
+              </a:extLst>
+            </p:cNvPr>
+            <p:cNvSpPr/>
+            <p:nvPr/>
+          </p:nvSpPr>
+          <p:spPr>
+            <a:xfrm rot="16200000">
+              <a:off x="-584645" y="4380415"/>
+              <a:ext cx="2168562" cy="230832"/>
+            </a:xfrm>
+            <a:prstGeom prst="rect">
+              <a:avLst/>
+            </a:prstGeom>
+            <a:noFill/>
+            <a:ln>
+              <a:noFill/>
+            </a:ln>
+          </p:spPr>
+          <p:txBody>
+            <a:bodyPr wrap="square">
+              <a:spAutoFit/>
+            </a:bodyPr>
+            <a:lstStyle/>
+            <a:p>
+              <a:pPr algn="ctr"/>
+              <a:r>
+                <a:rPr lang="en-US" sz="900" i="1" dirty="0">
+                  <a:solidFill>
+                    <a:schemeClr val="tx1">
+                      <a:lumMod val="95000"/>
+                      <a:lumOff val="5000"/>
+                    </a:schemeClr>
+                  </a:solidFill>
+                  <a:latin typeface="Arial" panose="020B0604020202020204" pitchFamily="34" charset="0"/>
+                  <a:cs typeface="Arial" panose="020B0604020202020204" pitchFamily="34" charset="0"/>
+                </a:rPr>
+                <a:t>Environmental conditions </a:t>
+              </a:r>
+            </a:p>
+          </p:txBody>
+        </p:sp>
+        <p:sp>
+          <p:nvSpPr>
+            <p:cNvPr id="316" name="24 Elipse">
+              <a:extLst>
+                <a:ext uri="{FF2B5EF4-FFF2-40B4-BE49-F238E27FC236}">
+                  <a16:creationId xmlns:a16="http://schemas.microsoft.com/office/drawing/2014/main" id="{7F6C334B-8033-7542-954E-39A0E5CF441D}"/>
+                </a:ext>
+              </a:extLst>
+            </p:cNvPr>
+            <p:cNvSpPr/>
+            <p:nvPr/>
+          </p:nvSpPr>
+          <p:spPr>
+            <a:xfrm>
+              <a:off x="3416146" y="3415516"/>
+              <a:ext cx="85157" cy="85149"/>
+            </a:xfrm>
+            <a:prstGeom prst="ellipse">
+              <a:avLst/>
+            </a:prstGeom>
+            <a:solidFill>
+              <a:schemeClr val="tx1">
+                <a:lumMod val="85000"/>
+                <a:lumOff val="15000"/>
+              </a:schemeClr>
+            </a:solidFill>
+            <a:ln>
+              <a:noFill/>
+            </a:ln>
+          </p:spPr>
+          <p:style>
+            <a:lnRef idx="2">
+              <a:schemeClr val="accent1">
+                <a:shade val="50000"/>
+              </a:schemeClr>
+            </a:lnRef>
+            <a:fillRef idx="1">
+              <a:schemeClr val="accent1"/>
+            </a:fillRef>
+            <a:effectRef idx="0">
+              <a:schemeClr val="accent1"/>
+            </a:effectRef>
+            <a:fontRef idx="minor">
+              <a:schemeClr val="lt1"/>
+            </a:fontRef>
+          </p:style>
+          <p:txBody>
+            <a:bodyPr lIns="68572" tIns="34286" rIns="68572" bIns="34286" rtlCol="0" anchor="ctr"/>
+            <a:lstStyle/>
+            <a:p>
+              <a:pPr algn="ctr"/>
+              <a:endParaRPr lang="es-MX" sz="900">
+                <a:solidFill>
+                  <a:schemeClr val="tx1"/>
+                </a:solidFill>
+                <a:latin typeface="Arial" panose="020B0604020202020204" pitchFamily="34" charset="0"/>
+                <a:ea typeface="Segoe UI" panose="020B0502040204020203" pitchFamily="34" charset="0"/>
+                <a:cs typeface="Arial" panose="020B0604020202020204" pitchFamily="34" charset="0"/>
+              </a:endParaRPr>
+            </a:p>
+          </p:txBody>
+        </p:sp>
+        <p:sp>
+          <p:nvSpPr>
+            <p:cNvPr id="337" name="Rectangle 336">
+              <a:extLst>
+                <a:ext uri="{FF2B5EF4-FFF2-40B4-BE49-F238E27FC236}">
+                  <a16:creationId xmlns:a16="http://schemas.microsoft.com/office/drawing/2014/main" id="{7935120D-0A48-9B43-886A-53957514746C}"/>
+                </a:ext>
+              </a:extLst>
+            </p:cNvPr>
+            <p:cNvSpPr/>
+            <p:nvPr/>
+          </p:nvSpPr>
+          <p:spPr>
+            <a:xfrm rot="16200000">
+              <a:off x="41890" y="2471508"/>
+              <a:ext cx="1095237" cy="215444"/>
+            </a:xfrm>
+            <a:prstGeom prst="rect">
+              <a:avLst/>
+            </a:prstGeom>
+            <a:noFill/>
+            <a:ln>
+              <a:noFill/>
+            </a:ln>
+          </p:spPr>
+          <p:txBody>
+            <a:bodyPr wrap="square">
+              <a:spAutoFit/>
+            </a:bodyPr>
+            <a:lstStyle/>
+            <a:p>
+              <a:pPr algn="ctr"/>
+              <a:r>
+                <a:rPr lang="en-US" sz="800" b="1" dirty="0">
+                  <a:solidFill>
+                    <a:schemeClr val="tx1">
+                      <a:lumMod val="85000"/>
+                      <a:lumOff val="15000"/>
+                    </a:schemeClr>
+                  </a:solidFill>
+                  <a:latin typeface="Arial" panose="020B0604020202020204" pitchFamily="34" charset="0"/>
+                  <a:cs typeface="Arial" panose="020B0604020202020204" pitchFamily="34" charset="0"/>
+                </a:rPr>
+                <a:t>November  6, 2017</a:t>
+              </a:r>
+            </a:p>
+          </p:txBody>
+        </p:sp>
+        <p:sp>
+          <p:nvSpPr>
+            <p:cNvPr id="350" name="Rectangle 349">
+              <a:extLst>
+                <a:ext uri="{FF2B5EF4-FFF2-40B4-BE49-F238E27FC236}">
+                  <a16:creationId xmlns:a16="http://schemas.microsoft.com/office/drawing/2014/main" id="{ABF45771-DFEB-5149-9D12-EC4B800667DE}"/>
+                </a:ext>
+              </a:extLst>
+            </p:cNvPr>
+            <p:cNvSpPr/>
+            <p:nvPr/>
+          </p:nvSpPr>
+          <p:spPr>
+            <a:xfrm rot="16200000">
+              <a:off x="800069" y="2471863"/>
+              <a:ext cx="1061264" cy="215444"/>
+            </a:xfrm>
+            <a:prstGeom prst="rect">
+              <a:avLst/>
+            </a:prstGeom>
+            <a:noFill/>
+            <a:ln>
+              <a:noFill/>
+            </a:ln>
+          </p:spPr>
+          <p:txBody>
+            <a:bodyPr wrap="square">
+              <a:spAutoFit/>
+            </a:bodyPr>
+            <a:lstStyle/>
+            <a:p>
+              <a:pPr algn="ctr"/>
+              <a:r>
+                <a:rPr lang="en-US" sz="800" b="1" dirty="0">
+                  <a:solidFill>
+                    <a:schemeClr val="tx1">
+                      <a:lumMod val="85000"/>
+                      <a:lumOff val="15000"/>
+                    </a:schemeClr>
+                  </a:solidFill>
+                  <a:latin typeface="Arial" panose="020B0604020202020204" pitchFamily="34" charset="0"/>
+                  <a:cs typeface="Arial" panose="020B0604020202020204" pitchFamily="34" charset="0"/>
+                </a:rPr>
+                <a:t>December 8, 2018</a:t>
+              </a:r>
+            </a:p>
+          </p:txBody>
+        </p:sp>
+        <p:sp>
+          <p:nvSpPr>
+            <p:cNvPr id="363" name="24 Elipse">
+              <a:extLst>
+                <a:ext uri="{FF2B5EF4-FFF2-40B4-BE49-F238E27FC236}">
+                  <a16:creationId xmlns:a16="http://schemas.microsoft.com/office/drawing/2014/main" id="{371590CC-5310-6749-8C12-2EAC7A9DC300}"/>
+                </a:ext>
+              </a:extLst>
+            </p:cNvPr>
+            <p:cNvSpPr/>
+            <p:nvPr/>
+          </p:nvSpPr>
+          <p:spPr>
+            <a:xfrm>
+              <a:off x="629262" y="3419262"/>
+              <a:ext cx="85157" cy="85149"/>
+            </a:xfrm>
+            <a:prstGeom prst="ellipse">
+              <a:avLst/>
+            </a:prstGeom>
+            <a:solidFill>
+              <a:schemeClr val="tx1">
+                <a:lumMod val="85000"/>
+                <a:lumOff val="15000"/>
+              </a:schemeClr>
+            </a:solidFill>
+            <a:ln>
+              <a:noFill/>
+            </a:ln>
+          </p:spPr>
+          <p:style>
+            <a:lnRef idx="2">
+              <a:schemeClr val="accent1">
+                <a:shade val="50000"/>
+              </a:schemeClr>
+            </a:lnRef>
+            <a:fillRef idx="1">
+              <a:schemeClr val="accent1"/>
+            </a:fillRef>
+            <a:effectRef idx="0">
+              <a:schemeClr val="accent1"/>
+            </a:effectRef>
+            <a:fontRef idx="minor">
+              <a:schemeClr val="lt1"/>
+            </a:fontRef>
+          </p:style>
+          <p:txBody>
+            <a:bodyPr lIns="68572" tIns="34286" rIns="68572" bIns="34286" rtlCol="0" anchor="ctr"/>
+            <a:lstStyle/>
+            <a:p>
+              <a:pPr algn="ctr"/>
+              <a:endParaRPr lang="es-MX" sz="900">
+                <a:solidFill>
+                  <a:schemeClr val="tx1"/>
+                </a:solidFill>
+                <a:latin typeface="Arial" panose="020B0604020202020204" pitchFamily="34" charset="0"/>
+                <a:ea typeface="Segoe UI" panose="020B0502040204020203" pitchFamily="34" charset="0"/>
+                <a:cs typeface="Arial" panose="020B0604020202020204" pitchFamily="34" charset="0"/>
+              </a:endParaRPr>
+            </a:p>
+          </p:txBody>
+        </p:sp>
+        <p:sp>
+          <p:nvSpPr>
+            <p:cNvPr id="369" name="24 Elipse">
+              <a:extLst>
+                <a:ext uri="{FF2B5EF4-FFF2-40B4-BE49-F238E27FC236}">
+                  <a16:creationId xmlns:a16="http://schemas.microsoft.com/office/drawing/2014/main" id="{70E89508-788A-8F4F-88FE-87799C42A0E3}"/>
+                </a:ext>
+              </a:extLst>
+            </p:cNvPr>
+            <p:cNvSpPr/>
+            <p:nvPr/>
+          </p:nvSpPr>
+          <p:spPr>
+            <a:xfrm>
+              <a:off x="1364251" y="3422766"/>
+              <a:ext cx="85157" cy="85149"/>
+            </a:xfrm>
+            <a:prstGeom prst="ellipse">
+              <a:avLst/>
+            </a:prstGeom>
+            <a:solidFill>
+              <a:schemeClr val="tx1">
+                <a:lumMod val="85000"/>
+                <a:lumOff val="15000"/>
+              </a:schemeClr>
+            </a:solidFill>
+            <a:ln>
+              <a:noFill/>
+            </a:ln>
+          </p:spPr>
+          <p:style>
+            <a:lnRef idx="2">
+              <a:schemeClr val="accent1">
+                <a:shade val="50000"/>
+              </a:schemeClr>
+            </a:lnRef>
+            <a:fillRef idx="1">
+              <a:schemeClr val="accent1"/>
+            </a:fillRef>
+            <a:effectRef idx="0">
+              <a:schemeClr val="accent1"/>
+            </a:effectRef>
+            <a:fontRef idx="minor">
+              <a:schemeClr val="lt1"/>
+            </a:fontRef>
+          </p:style>
+          <p:txBody>
+            <a:bodyPr lIns="68572" tIns="34286" rIns="68572" bIns="34286" rtlCol="0" anchor="ctr"/>
+            <a:lstStyle/>
+            <a:p>
+              <a:pPr algn="ctr"/>
+              <a:endParaRPr lang="es-MX" sz="900">
+                <a:solidFill>
+                  <a:schemeClr val="tx1"/>
+                </a:solidFill>
+                <a:latin typeface="Arial" panose="020B0604020202020204" pitchFamily="34" charset="0"/>
+                <a:ea typeface="Segoe UI" panose="020B0502040204020203" pitchFamily="34" charset="0"/>
+                <a:cs typeface="Arial" panose="020B0604020202020204" pitchFamily="34" charset="0"/>
+              </a:endParaRPr>
+            </a:p>
+          </p:txBody>
+        </p:sp>
+        <p:sp>
+          <p:nvSpPr>
+            <p:cNvPr id="373" name="Rectangle 372">
+              <a:extLst>
+                <a:ext uri="{FF2B5EF4-FFF2-40B4-BE49-F238E27FC236}">
+                  <a16:creationId xmlns:a16="http://schemas.microsoft.com/office/drawing/2014/main" id="{E6F8D0A8-5705-694F-9134-822685FD564C}"/>
+                </a:ext>
+              </a:extLst>
+            </p:cNvPr>
+            <p:cNvSpPr/>
+            <p:nvPr/>
+          </p:nvSpPr>
+          <p:spPr>
+            <a:xfrm rot="16200000">
+              <a:off x="2851024" y="2470263"/>
+              <a:ext cx="1060855" cy="215444"/>
+            </a:xfrm>
+            <a:prstGeom prst="rect">
+              <a:avLst/>
+            </a:prstGeom>
+            <a:noFill/>
+            <a:ln>
+              <a:noFill/>
+            </a:ln>
+          </p:spPr>
+          <p:txBody>
+            <a:bodyPr wrap="square">
+              <a:spAutoFit/>
+            </a:bodyPr>
+            <a:lstStyle/>
+            <a:p>
+              <a:pPr algn="ctr"/>
+              <a:r>
+                <a:rPr lang="en-US" sz="800" b="1" dirty="0">
+                  <a:solidFill>
+                    <a:schemeClr val="tx1">
+                      <a:lumMod val="85000"/>
+                      <a:lumOff val="15000"/>
+                    </a:schemeClr>
+                  </a:solidFill>
+                  <a:latin typeface="Arial" panose="020B0604020202020204" pitchFamily="34" charset="0"/>
+                  <a:cs typeface="Arial" panose="020B0604020202020204" pitchFamily="34" charset="0"/>
+                </a:rPr>
+                <a:t>February 28, 2018</a:t>
+              </a:r>
+            </a:p>
+          </p:txBody>
+        </p:sp>
+        <p:sp>
+          <p:nvSpPr>
+            <p:cNvPr id="437" name="Rectangle 436">
+              <a:extLst>
+                <a:ext uri="{FF2B5EF4-FFF2-40B4-BE49-F238E27FC236}">
+                  <a16:creationId xmlns:a16="http://schemas.microsoft.com/office/drawing/2014/main" id="{C76A8B28-467A-4C4E-B595-55E5005695CE}"/>
+                </a:ext>
+              </a:extLst>
+            </p:cNvPr>
+            <p:cNvSpPr/>
+            <p:nvPr/>
+          </p:nvSpPr>
+          <p:spPr>
+            <a:xfrm rot="16200000">
+              <a:off x="3717059" y="2375816"/>
+              <a:ext cx="1060856" cy="215444"/>
+            </a:xfrm>
+            <a:prstGeom prst="rect">
+              <a:avLst/>
+            </a:prstGeom>
+            <a:noFill/>
+            <a:ln>
+              <a:noFill/>
+            </a:ln>
+          </p:spPr>
+          <p:txBody>
+            <a:bodyPr wrap="square">
+              <a:spAutoFit/>
+            </a:bodyPr>
+            <a:lstStyle/>
+            <a:p>
+              <a:pPr algn="ctr"/>
+              <a:r>
+                <a:rPr lang="en-US" sz="800" b="1" dirty="0">
+                  <a:solidFill>
+                    <a:schemeClr val="tx1">
+                      <a:lumMod val="85000"/>
+                      <a:lumOff val="15000"/>
+                    </a:schemeClr>
+                  </a:solidFill>
+                  <a:latin typeface="Arial" panose="020B0604020202020204" pitchFamily="34" charset="0"/>
+                  <a:cs typeface="Arial" panose="020B0604020202020204" pitchFamily="34" charset="0"/>
+                </a:rPr>
+                <a:t>March 30, 2018</a:t>
+              </a:r>
+            </a:p>
+          </p:txBody>
+        </p:sp>
+        <p:sp>
+          <p:nvSpPr>
+            <p:cNvPr id="438" name="24 Elipse">
+              <a:extLst>
+                <a:ext uri="{FF2B5EF4-FFF2-40B4-BE49-F238E27FC236}">
+                  <a16:creationId xmlns:a16="http://schemas.microsoft.com/office/drawing/2014/main" id="{4E38BD6F-76F2-9D44-B101-DD631AE41AEE}"/>
+                </a:ext>
+              </a:extLst>
+            </p:cNvPr>
+            <p:cNvSpPr/>
+            <p:nvPr/>
+          </p:nvSpPr>
+          <p:spPr>
+            <a:xfrm>
+              <a:off x="4292136" y="3407574"/>
+              <a:ext cx="85157" cy="85149"/>
+            </a:xfrm>
+            <a:prstGeom prst="ellipse">
+              <a:avLst/>
+            </a:prstGeom>
+            <a:solidFill>
+              <a:schemeClr val="tx1">
+                <a:lumMod val="85000"/>
+                <a:lumOff val="15000"/>
+              </a:schemeClr>
+            </a:solidFill>
+            <a:ln>
+              <a:noFill/>
+            </a:ln>
+          </p:spPr>
+          <p:style>
+            <a:lnRef idx="2">
+              <a:schemeClr val="accent1">
+                <a:shade val="50000"/>
+              </a:schemeClr>
+            </a:lnRef>
+            <a:fillRef idx="1">
+              <a:schemeClr val="accent1"/>
+            </a:fillRef>
+            <a:effectRef idx="0">
+              <a:schemeClr val="accent1"/>
+            </a:effectRef>
+            <a:fontRef idx="minor">
+              <a:schemeClr val="lt1"/>
+            </a:fontRef>
+          </p:style>
+          <p:txBody>
+            <a:bodyPr lIns="68572" tIns="34286" rIns="68572" bIns="34286" rtlCol="0" anchor="ctr"/>
+            <a:lstStyle/>
+            <a:p>
+              <a:pPr algn="ctr"/>
+              <a:endParaRPr lang="es-MX" sz="900">
+                <a:solidFill>
+                  <a:schemeClr val="tx1"/>
+                </a:solidFill>
+                <a:latin typeface="Arial" panose="020B0604020202020204" pitchFamily="34" charset="0"/>
+                <a:ea typeface="Segoe UI" panose="020B0502040204020203" pitchFamily="34" charset="0"/>
+                <a:cs typeface="Arial" panose="020B0604020202020204" pitchFamily="34" charset="0"/>
+              </a:endParaRPr>
+            </a:p>
+          </p:txBody>
+        </p:sp>
+        <p:sp>
+          <p:nvSpPr>
+            <p:cNvPr id="439" name="Rectangle 438">
+              <a:extLst>
+                <a:ext uri="{FF2B5EF4-FFF2-40B4-BE49-F238E27FC236}">
+                  <a16:creationId xmlns:a16="http://schemas.microsoft.com/office/drawing/2014/main" id="{3E0BCB37-09C8-8245-A034-624B8A22E1AF}"/>
+                </a:ext>
+              </a:extLst>
+            </p:cNvPr>
+            <p:cNvSpPr/>
+            <p:nvPr/>
+          </p:nvSpPr>
+          <p:spPr>
+            <a:xfrm>
+              <a:off x="4288827" y="1743254"/>
+              <a:ext cx="838946" cy="338554"/>
+            </a:xfrm>
+            <a:prstGeom prst="rect">
+              <a:avLst/>
+            </a:prstGeom>
+          </p:spPr>
+          <p:txBody>
+            <a:bodyPr wrap="square">
+              <a:spAutoFit/>
+            </a:bodyPr>
+            <a:lstStyle/>
+            <a:p>
+              <a:r>
+                <a:rPr lang="en-US" sz="800" dirty="0">
+                  <a:solidFill>
+                    <a:schemeClr val="tx1">
+                      <a:lumMod val="95000"/>
+                      <a:lumOff val="5000"/>
+                    </a:schemeClr>
+                  </a:solidFill>
+                  <a:latin typeface="Arial" panose="020B0604020202020204" pitchFamily="34" charset="0"/>
+                  <a:cs typeface="Arial" panose="020B0604020202020204" pitchFamily="34" charset="0"/>
+                </a:rPr>
+                <a:t>Larval rearing begins </a:t>
+              </a:r>
+            </a:p>
+          </p:txBody>
+        </p:sp>
+        <p:cxnSp>
+          <p:nvCxnSpPr>
+            <p:cNvPr id="455" name="40 Conector recto">
+              <a:extLst>
+                <a:ext uri="{FF2B5EF4-FFF2-40B4-BE49-F238E27FC236}">
+                  <a16:creationId xmlns:a16="http://schemas.microsoft.com/office/drawing/2014/main" id="{B2632ED2-F000-F248-B6DA-725A768D53AE}"/>
+                </a:ext>
+              </a:extLst>
+            </p:cNvPr>
+            <p:cNvCxnSpPr>
+              <a:cxnSpLocks/>
+            </p:cNvCxnSpPr>
+            <p:nvPr/>
+          </p:nvCxnSpPr>
+          <p:spPr>
+            <a:xfrm flipV="1">
+              <a:off x="5045566" y="2200451"/>
+              <a:ext cx="0" cy="1203148"/>
+            </a:xfrm>
+            <a:prstGeom prst="line">
+              <a:avLst/>
+            </a:prstGeom>
+            <a:ln w="12700">
+              <a:solidFill>
+                <a:schemeClr val="tx1">
+                  <a:lumMod val="65000"/>
+                  <a:lumOff val="35000"/>
+                </a:schemeClr>
+              </a:solidFill>
+            </a:ln>
+          </p:spPr>
+          <p:style>
+            <a:lnRef idx="1">
+              <a:schemeClr val="accent1"/>
+            </a:lnRef>
+            <a:fillRef idx="0">
+              <a:schemeClr val="accent1"/>
+            </a:fillRef>
+            <a:effectRef idx="0">
+              <a:schemeClr val="accent1"/>
+            </a:effectRef>
+            <a:fontRef idx="minor">
+              <a:schemeClr val="tx1"/>
+            </a:fontRef>
+          </p:style>
+        </p:cxnSp>
+        <p:sp>
+          <p:nvSpPr>
+            <p:cNvPr id="456" name="24 Elipse">
+              <a:extLst>
+                <a:ext uri="{FF2B5EF4-FFF2-40B4-BE49-F238E27FC236}">
+                  <a16:creationId xmlns:a16="http://schemas.microsoft.com/office/drawing/2014/main" id="{355874A9-B580-BC41-8224-27DDA81CA85E}"/>
+                </a:ext>
+              </a:extLst>
+            </p:cNvPr>
+            <p:cNvSpPr/>
+            <p:nvPr/>
+          </p:nvSpPr>
+          <p:spPr>
+            <a:xfrm>
+              <a:off x="5002987" y="3403599"/>
+              <a:ext cx="85157" cy="85149"/>
+            </a:xfrm>
+            <a:prstGeom prst="ellipse">
+              <a:avLst/>
+            </a:prstGeom>
+            <a:solidFill>
+              <a:schemeClr val="tx1">
+                <a:lumMod val="85000"/>
+                <a:lumOff val="15000"/>
+              </a:schemeClr>
+            </a:solidFill>
+            <a:ln>
+              <a:noFill/>
+            </a:ln>
+          </p:spPr>
+          <p:style>
+            <a:lnRef idx="2">
+              <a:schemeClr val="accent1">
+                <a:shade val="50000"/>
+              </a:schemeClr>
+            </a:lnRef>
+            <a:fillRef idx="1">
+              <a:schemeClr val="accent1"/>
+            </a:fillRef>
+            <a:effectRef idx="0">
+              <a:schemeClr val="accent1"/>
+            </a:effectRef>
+            <a:fontRef idx="minor">
+              <a:schemeClr val="lt1"/>
+            </a:fontRef>
+          </p:style>
+          <p:txBody>
+            <a:bodyPr lIns="68572" tIns="34286" rIns="68572" bIns="34286" rtlCol="0" anchor="ctr"/>
+            <a:lstStyle/>
+            <a:p>
+              <a:pPr algn="ctr"/>
+              <a:endParaRPr lang="es-MX" sz="900">
+                <a:solidFill>
+                  <a:schemeClr val="tx1"/>
+                </a:solidFill>
+                <a:latin typeface="Arial" panose="020B0604020202020204" pitchFamily="34" charset="0"/>
+                <a:ea typeface="Segoe UI" panose="020B0502040204020203" pitchFamily="34" charset="0"/>
+                <a:cs typeface="Arial" panose="020B0604020202020204" pitchFamily="34" charset="0"/>
+              </a:endParaRPr>
+            </a:p>
+          </p:txBody>
+        </p:sp>
+        <p:sp>
+          <p:nvSpPr>
+            <p:cNvPr id="457" name="Rectangle 456">
+              <a:extLst>
+                <a:ext uri="{FF2B5EF4-FFF2-40B4-BE49-F238E27FC236}">
+                  <a16:creationId xmlns:a16="http://schemas.microsoft.com/office/drawing/2014/main" id="{510EE2CD-46B7-CD43-A0BB-77E21038F195}"/>
+                </a:ext>
+              </a:extLst>
+            </p:cNvPr>
+            <p:cNvSpPr/>
+            <p:nvPr/>
+          </p:nvSpPr>
+          <p:spPr>
+            <a:xfrm>
+              <a:off x="4999035" y="2155355"/>
+              <a:ext cx="911715" cy="830997"/>
+            </a:xfrm>
+            <a:prstGeom prst="rect">
+              <a:avLst/>
+            </a:prstGeom>
+          </p:spPr>
+          <p:txBody>
+            <a:bodyPr wrap="square">
+              <a:spAutoFit/>
+            </a:bodyPr>
+            <a:lstStyle/>
+            <a:p>
+              <a:r>
+                <a:rPr lang="en-US" sz="800" dirty="0">
+                  <a:solidFill>
+                    <a:schemeClr val="tx1">
+                      <a:lumMod val="95000"/>
+                      <a:lumOff val="5000"/>
+                    </a:schemeClr>
+                  </a:solidFill>
+                  <a:latin typeface="Arial" panose="020B0604020202020204" pitchFamily="34" charset="0"/>
+                  <a:cs typeface="Arial" panose="020B0604020202020204" pitchFamily="34" charset="0"/>
+                </a:rPr>
+                <a:t>Last larval pulse collected to rear </a:t>
+              </a:r>
+            </a:p>
+            <a:p>
+              <a:endParaRPr lang="en-US" sz="800" dirty="0">
+                <a:solidFill>
+                  <a:schemeClr val="tx1">
+                    <a:lumMod val="95000"/>
+                    <a:lumOff val="5000"/>
+                  </a:schemeClr>
+                </a:solidFill>
+                <a:latin typeface="Arial" panose="020B0604020202020204" pitchFamily="34" charset="0"/>
+                <a:cs typeface="Arial" panose="020B0604020202020204" pitchFamily="34" charset="0"/>
+              </a:endParaRPr>
+            </a:p>
+            <a:p>
+              <a:r>
+                <a:rPr lang="en-US" sz="800" dirty="0">
+                  <a:solidFill>
+                    <a:schemeClr val="tx1">
+                      <a:lumMod val="95000"/>
+                      <a:lumOff val="5000"/>
+                    </a:schemeClr>
+                  </a:solidFill>
+                  <a:latin typeface="Arial" panose="020B0604020202020204" pitchFamily="34" charset="0"/>
+                  <a:cs typeface="Arial" panose="020B0604020202020204" pitchFamily="34" charset="0"/>
+                </a:rPr>
+                <a:t>(n=12 per treat. </a:t>
+              </a:r>
+            </a:p>
+            <a:p>
+              <a:r>
+                <a:rPr lang="en-US" sz="800" dirty="0">
+                  <a:solidFill>
+                    <a:schemeClr val="tx1">
+                      <a:lumMod val="95000"/>
+                      <a:lumOff val="5000"/>
+                    </a:schemeClr>
+                  </a:solidFill>
+                  <a:latin typeface="Arial" panose="020B0604020202020204" pitchFamily="34" charset="0"/>
+                  <a:cs typeface="Arial" panose="020B0604020202020204" pitchFamily="34" charset="0"/>
+                </a:rPr>
+                <a:t>48 total)</a:t>
+              </a:r>
+            </a:p>
+          </p:txBody>
+        </p:sp>
+        <p:sp>
+          <p:nvSpPr>
+            <p:cNvPr id="458" name="Rectangle 457">
+              <a:extLst>
+                <a:ext uri="{FF2B5EF4-FFF2-40B4-BE49-F238E27FC236}">
+                  <a16:creationId xmlns:a16="http://schemas.microsoft.com/office/drawing/2014/main" id="{4F0AB9EF-20D7-214F-A62D-8D66DF1A4CC5}"/>
+                </a:ext>
+              </a:extLst>
+            </p:cNvPr>
+            <p:cNvSpPr/>
+            <p:nvPr/>
+          </p:nvSpPr>
+          <p:spPr>
+            <a:xfrm rot="16200000">
+              <a:off x="4480707" y="2447479"/>
+              <a:ext cx="963264" cy="215444"/>
+            </a:xfrm>
+            <a:prstGeom prst="rect">
+              <a:avLst/>
+            </a:prstGeom>
+            <a:noFill/>
+            <a:ln>
+              <a:noFill/>
+            </a:ln>
+          </p:spPr>
+          <p:txBody>
+            <a:bodyPr wrap="square">
+              <a:spAutoFit/>
+            </a:bodyPr>
+            <a:lstStyle/>
+            <a:p>
+              <a:pPr algn="ctr"/>
+              <a:r>
+                <a:rPr lang="en-US" sz="800" b="1" dirty="0">
+                  <a:solidFill>
+                    <a:schemeClr val="tx1">
+                      <a:lumMod val="85000"/>
+                      <a:lumOff val="15000"/>
+                    </a:schemeClr>
+                  </a:solidFill>
+                  <a:latin typeface="Arial" panose="020B0604020202020204" pitchFamily="34" charset="0"/>
+                  <a:cs typeface="Arial" panose="020B0604020202020204" pitchFamily="34" charset="0"/>
+                </a:rPr>
+                <a:t>April 19, 2018</a:t>
+              </a:r>
+            </a:p>
+          </p:txBody>
+        </p:sp>
+        <p:sp>
+          <p:nvSpPr>
+            <p:cNvPr id="481" name="Rectangle 480">
+              <a:extLst>
+                <a:ext uri="{FF2B5EF4-FFF2-40B4-BE49-F238E27FC236}">
+                  <a16:creationId xmlns:a16="http://schemas.microsoft.com/office/drawing/2014/main" id="{30E7EDBE-6E2C-1C43-A6EC-27BAAAC56E58}"/>
+                </a:ext>
+              </a:extLst>
+            </p:cNvPr>
+            <p:cNvSpPr/>
+            <p:nvPr/>
+          </p:nvSpPr>
+          <p:spPr>
+            <a:xfrm>
+              <a:off x="3402326" y="2085743"/>
+              <a:ext cx="737437" cy="830997"/>
+            </a:xfrm>
+            <a:prstGeom prst="rect">
+              <a:avLst/>
+            </a:prstGeom>
+          </p:spPr>
+          <p:txBody>
+            <a:bodyPr wrap="square">
+              <a:spAutoFit/>
+            </a:bodyPr>
+            <a:lstStyle/>
+            <a:p>
+              <a:r>
+                <a:rPr lang="en-US" sz="800" dirty="0" err="1">
+                  <a:solidFill>
+                    <a:schemeClr val="tx1">
+                      <a:lumMod val="95000"/>
+                      <a:lumOff val="5000"/>
+                    </a:schemeClr>
+                  </a:solidFill>
+                  <a:latin typeface="Arial" panose="020B0604020202020204" pitchFamily="34" charset="0"/>
+                  <a:cs typeface="Arial" panose="020B0604020202020204" pitchFamily="34" charset="0"/>
+                </a:rPr>
+                <a:t>Broodstock</a:t>
+              </a:r>
+              <a:r>
+                <a:rPr lang="en-US" sz="800" dirty="0">
+                  <a:solidFill>
+                    <a:schemeClr val="tx1">
+                      <a:lumMod val="95000"/>
+                      <a:lumOff val="5000"/>
+                    </a:schemeClr>
+                  </a:solidFill>
+                  <a:latin typeface="Arial" panose="020B0604020202020204" pitchFamily="34" charset="0"/>
+                  <a:cs typeface="Arial" panose="020B0604020202020204" pitchFamily="34" charset="0"/>
+                </a:rPr>
+                <a:t> exposure ends, conditioning &amp; spawning begins</a:t>
+              </a:r>
+            </a:p>
+          </p:txBody>
+        </p:sp>
+        <p:cxnSp>
+          <p:nvCxnSpPr>
+            <p:cNvPr id="494" name="40 Conector recto">
+              <a:extLst>
+                <a:ext uri="{FF2B5EF4-FFF2-40B4-BE49-F238E27FC236}">
+                  <a16:creationId xmlns:a16="http://schemas.microsoft.com/office/drawing/2014/main" id="{E652EB38-2288-0045-A577-8774720DAEBF}"/>
+                </a:ext>
+              </a:extLst>
+            </p:cNvPr>
+            <p:cNvCxnSpPr>
+              <a:cxnSpLocks/>
+            </p:cNvCxnSpPr>
+            <p:nvPr/>
+          </p:nvCxnSpPr>
+          <p:spPr>
+            <a:xfrm flipV="1">
+              <a:off x="6161523" y="2500756"/>
+              <a:ext cx="14494" cy="908096"/>
+            </a:xfrm>
+            <a:prstGeom prst="line">
+              <a:avLst/>
+            </a:prstGeom>
+            <a:ln w="12700">
+              <a:solidFill>
+                <a:schemeClr val="tx1">
+                  <a:lumMod val="65000"/>
+                  <a:lumOff val="35000"/>
+                </a:schemeClr>
+              </a:solidFill>
+            </a:ln>
+          </p:spPr>
+          <p:style>
+            <a:lnRef idx="1">
+              <a:schemeClr val="accent1"/>
+            </a:lnRef>
+            <a:fillRef idx="0">
+              <a:schemeClr val="accent1"/>
+            </a:fillRef>
+            <a:effectRef idx="0">
+              <a:schemeClr val="accent1"/>
+            </a:effectRef>
+            <a:fontRef idx="minor">
+              <a:schemeClr val="tx1"/>
+            </a:fontRef>
+          </p:style>
+        </p:cxnSp>
+        <p:sp>
+          <p:nvSpPr>
+            <p:cNvPr id="495" name="Rectangle 494">
+              <a:extLst>
+                <a:ext uri="{FF2B5EF4-FFF2-40B4-BE49-F238E27FC236}">
+                  <a16:creationId xmlns:a16="http://schemas.microsoft.com/office/drawing/2014/main" id="{5B2CEB1E-2C3A-F74B-9AEB-32ABFAA5674B}"/>
+                </a:ext>
+              </a:extLst>
+            </p:cNvPr>
+            <p:cNvSpPr/>
+            <p:nvPr/>
+          </p:nvSpPr>
+          <p:spPr>
+            <a:xfrm rot="16200000">
+              <a:off x="5589227" y="2724015"/>
+              <a:ext cx="1007415" cy="215444"/>
+            </a:xfrm>
+            <a:prstGeom prst="rect">
+              <a:avLst/>
+            </a:prstGeom>
+            <a:noFill/>
+            <a:ln>
+              <a:noFill/>
+            </a:ln>
+          </p:spPr>
+          <p:txBody>
+            <a:bodyPr wrap="square">
+              <a:spAutoFit/>
+            </a:bodyPr>
+            <a:lstStyle/>
+            <a:p>
+              <a:pPr algn="ctr"/>
+              <a:r>
+                <a:rPr lang="en-US" sz="800" b="1" dirty="0">
+                  <a:solidFill>
+                    <a:schemeClr val="tx1">
+                      <a:lumMod val="85000"/>
+                      <a:lumOff val="15000"/>
+                    </a:schemeClr>
+                  </a:solidFill>
+                  <a:latin typeface="Arial" panose="020B0604020202020204" pitchFamily="34" charset="0"/>
+                  <a:cs typeface="Arial" panose="020B0604020202020204" pitchFamily="34" charset="0"/>
+                </a:rPr>
+                <a:t>May - June 2018</a:t>
+              </a:r>
+            </a:p>
+          </p:txBody>
+        </p:sp>
+        <p:sp>
+          <p:nvSpPr>
+            <p:cNvPr id="496" name="24 Elipse">
+              <a:extLst>
+                <a:ext uri="{FF2B5EF4-FFF2-40B4-BE49-F238E27FC236}">
+                  <a16:creationId xmlns:a16="http://schemas.microsoft.com/office/drawing/2014/main" id="{58E9C3F3-04B8-EF43-A82D-BBC3C6EDC13D}"/>
+                </a:ext>
+              </a:extLst>
+            </p:cNvPr>
+            <p:cNvSpPr/>
+            <p:nvPr/>
+          </p:nvSpPr>
+          <p:spPr>
+            <a:xfrm>
+              <a:off x="6123471" y="3408852"/>
+              <a:ext cx="85157" cy="85149"/>
+            </a:xfrm>
+            <a:prstGeom prst="ellipse">
+              <a:avLst/>
+            </a:prstGeom>
+            <a:solidFill>
+              <a:schemeClr val="tx1">
+                <a:lumMod val="85000"/>
+                <a:lumOff val="15000"/>
+              </a:schemeClr>
+            </a:solidFill>
+            <a:ln>
+              <a:noFill/>
+            </a:ln>
+          </p:spPr>
+          <p:style>
+            <a:lnRef idx="2">
+              <a:schemeClr val="accent1">
+                <a:shade val="50000"/>
+              </a:schemeClr>
+            </a:lnRef>
+            <a:fillRef idx="1">
+              <a:schemeClr val="accent1"/>
+            </a:fillRef>
+            <a:effectRef idx="0">
+              <a:schemeClr val="accent1"/>
+            </a:effectRef>
+            <a:fontRef idx="minor">
+              <a:schemeClr val="lt1"/>
+            </a:fontRef>
+          </p:style>
+          <p:txBody>
+            <a:bodyPr lIns="68572" tIns="34286" rIns="68572" bIns="34286" rtlCol="0" anchor="ctr"/>
+            <a:lstStyle/>
+            <a:p>
+              <a:pPr algn="ctr"/>
+              <a:endParaRPr lang="es-MX" sz="900">
+                <a:solidFill>
+                  <a:schemeClr val="tx1"/>
+                </a:solidFill>
+                <a:latin typeface="Arial" panose="020B0604020202020204" pitchFamily="34" charset="0"/>
+                <a:ea typeface="Segoe UI" panose="020B0502040204020203" pitchFamily="34" charset="0"/>
+                <a:cs typeface="Arial" panose="020B0604020202020204" pitchFamily="34" charset="0"/>
+              </a:endParaRPr>
+            </a:p>
+          </p:txBody>
+        </p:sp>
+        <p:sp>
+          <p:nvSpPr>
+            <p:cNvPr id="507" name="Rectangle 506">
+              <a:extLst>
+                <a:ext uri="{FF2B5EF4-FFF2-40B4-BE49-F238E27FC236}">
+                  <a16:creationId xmlns:a16="http://schemas.microsoft.com/office/drawing/2014/main" id="{6CEF4D42-F47E-3148-98DD-E218067538AE}"/>
+                </a:ext>
+              </a:extLst>
+            </p:cNvPr>
+            <p:cNvSpPr/>
+            <p:nvPr/>
+          </p:nvSpPr>
+          <p:spPr>
+            <a:xfrm>
+              <a:off x="6158105" y="2385488"/>
+              <a:ext cx="804450" cy="707886"/>
+            </a:xfrm>
+            <a:prstGeom prst="rect">
+              <a:avLst/>
+            </a:prstGeom>
+          </p:spPr>
+          <p:txBody>
+            <a:bodyPr wrap="square">
+              <a:spAutoFit/>
+            </a:bodyPr>
+            <a:lstStyle/>
+            <a:p>
+              <a:r>
+                <a:rPr lang="en-US" sz="800" dirty="0">
+                  <a:solidFill>
+                    <a:schemeClr val="tx1">
+                      <a:lumMod val="95000"/>
+                      <a:lumOff val="5000"/>
+                    </a:schemeClr>
+                  </a:solidFill>
+                  <a:latin typeface="Arial" panose="020B0604020202020204" pitchFamily="34" charset="0"/>
+                  <a:cs typeface="Arial" panose="020B0604020202020204" pitchFamily="34" charset="0"/>
+                </a:rPr>
+                <a:t>Post-set counted for survival  </a:t>
+              </a:r>
+            </a:p>
+            <a:p>
+              <a:r>
+                <a:rPr lang="en-US" sz="800" dirty="0">
+                  <a:solidFill>
+                    <a:schemeClr val="tx1">
+                      <a:lumMod val="95000"/>
+                      <a:lumOff val="5000"/>
+                    </a:schemeClr>
+                  </a:solidFill>
+                  <a:latin typeface="Arial" panose="020B0604020202020204" pitchFamily="34" charset="0"/>
+                  <a:cs typeface="Arial" panose="020B0604020202020204" pitchFamily="34" charset="0"/>
+                </a:rPr>
+                <a:t>(35-days after release)</a:t>
+              </a:r>
+            </a:p>
+          </p:txBody>
+        </p:sp>
+        <p:sp>
+          <p:nvSpPr>
+            <p:cNvPr id="90" name="Rectangle 89">
+              <a:extLst>
+                <a:ext uri="{FF2B5EF4-FFF2-40B4-BE49-F238E27FC236}">
+                  <a16:creationId xmlns:a16="http://schemas.microsoft.com/office/drawing/2014/main" id="{247F7FF4-786B-8D46-99D2-8F22F145AE05}"/>
+                </a:ext>
+              </a:extLst>
+            </p:cNvPr>
+            <p:cNvSpPr/>
+            <p:nvPr/>
+          </p:nvSpPr>
+          <p:spPr>
+            <a:xfrm>
+              <a:off x="3393699" y="4028549"/>
+              <a:ext cx="1734074" cy="448786"/>
+            </a:xfrm>
+            <a:prstGeom prst="rect">
+              <a:avLst/>
+            </a:prstGeom>
+            <a:solidFill>
+              <a:schemeClr val="bg1">
+                <a:lumMod val="85000"/>
+              </a:schemeClr>
+            </a:solidFill>
+            <a:ln w="9525">
+              <a:noFill/>
+            </a:ln>
+          </p:spPr>
+          <p:style>
+            <a:lnRef idx="2">
+              <a:schemeClr val="accent1">
+                <a:shade val="50000"/>
+              </a:schemeClr>
+            </a:lnRef>
+            <a:fillRef idx="1">
+              <a:schemeClr val="accent1"/>
+            </a:fillRef>
+            <a:effectRef idx="0">
+              <a:schemeClr val="accent1"/>
+            </a:effectRef>
+            <a:fontRef idx="minor">
+              <a:schemeClr val="lt1"/>
+            </a:fontRef>
+          </p:style>
+          <p:txBody>
+            <a:bodyPr rtlCol="0" anchor="ctr"/>
+            <a:lstStyle/>
+            <a:p>
+              <a:pPr algn="ctr"/>
+              <a:r>
+                <a:rPr lang="en-US" sz="800" b="1" i="1" dirty="0" err="1">
+                  <a:solidFill>
+                    <a:schemeClr val="tx1">
+                      <a:lumMod val="95000"/>
+                      <a:lumOff val="5000"/>
+                    </a:schemeClr>
+                  </a:solidFill>
+                  <a:latin typeface="Arial" panose="020B0604020202020204" pitchFamily="34" charset="0"/>
+                  <a:cs typeface="Arial" panose="020B0604020202020204" pitchFamily="34" charset="0"/>
+                </a:rPr>
+                <a:t>Broodstock</a:t>
+              </a:r>
+              <a:r>
+                <a:rPr lang="en-US" sz="800" b="1" i="1" dirty="0">
+                  <a:solidFill>
+                    <a:schemeClr val="tx1">
+                      <a:lumMod val="95000"/>
+                      <a:lumOff val="5000"/>
+                    </a:schemeClr>
+                  </a:solidFill>
+                  <a:latin typeface="Arial" panose="020B0604020202020204" pitchFamily="34" charset="0"/>
+                  <a:cs typeface="Arial" panose="020B0604020202020204" pitchFamily="34" charset="0"/>
+                </a:rPr>
+                <a:t> spawn</a:t>
+              </a:r>
+            </a:p>
+            <a:p>
+              <a:pPr algn="ctr"/>
+              <a:r>
+                <a:rPr lang="en-US" sz="800" dirty="0">
+                  <a:solidFill>
+                    <a:schemeClr val="tx1">
+                      <a:lumMod val="95000"/>
+                      <a:lumOff val="5000"/>
+                    </a:schemeClr>
+                  </a:solidFill>
+                  <a:latin typeface="Arial" panose="020B0604020202020204" pitchFamily="34" charset="0"/>
+                  <a:cs typeface="Arial" panose="020B0604020202020204" pitchFamily="34" charset="0"/>
+                </a:rPr>
+                <a:t>spawned common conditions</a:t>
+              </a:r>
+            </a:p>
+            <a:p>
+              <a:pPr algn="ctr"/>
+              <a:r>
+                <a:rPr lang="en-US" sz="800" dirty="0">
+                  <a:solidFill>
+                    <a:schemeClr val="tx1">
+                      <a:lumMod val="95000"/>
+                      <a:lumOff val="5000"/>
+                    </a:schemeClr>
+                  </a:solidFill>
+                  <a:latin typeface="Arial" panose="020B0604020202020204" pitchFamily="34" charset="0"/>
+                  <a:cs typeface="Arial" panose="020B0604020202020204" pitchFamily="34" charset="0"/>
+                </a:rPr>
+                <a:t> ~18ºC, 100k cells/mL</a:t>
+              </a:r>
+            </a:p>
+          </p:txBody>
+        </p:sp>
+        <p:sp>
+          <p:nvSpPr>
+            <p:cNvPr id="91" name="Rectangle 90">
+              <a:extLst>
+                <a:ext uri="{FF2B5EF4-FFF2-40B4-BE49-F238E27FC236}">
+                  <a16:creationId xmlns:a16="http://schemas.microsoft.com/office/drawing/2014/main" id="{D0DFB891-C997-2049-BC1B-4E5FE8FED508}"/>
+                </a:ext>
+              </a:extLst>
+            </p:cNvPr>
+            <p:cNvSpPr/>
+            <p:nvPr/>
+          </p:nvSpPr>
+          <p:spPr>
+            <a:xfrm>
+              <a:off x="3895700" y="4642515"/>
+              <a:ext cx="2227771" cy="448786"/>
+            </a:xfrm>
+            <a:prstGeom prst="rect">
+              <a:avLst/>
+            </a:prstGeom>
+            <a:solidFill>
+              <a:schemeClr val="bg1">
+                <a:lumMod val="95000"/>
+              </a:schemeClr>
+            </a:solidFill>
+            <a:ln w="9525">
+              <a:noFill/>
+            </a:ln>
+          </p:spPr>
+          <p:style>
+            <a:lnRef idx="2">
+              <a:schemeClr val="accent1">
+                <a:shade val="50000"/>
+              </a:schemeClr>
+            </a:lnRef>
+            <a:fillRef idx="1">
+              <a:schemeClr val="accent1"/>
+            </a:fillRef>
+            <a:effectRef idx="0">
+              <a:schemeClr val="accent1"/>
+            </a:effectRef>
+            <a:fontRef idx="minor">
+              <a:schemeClr val="lt1"/>
+            </a:fontRef>
+          </p:style>
+          <p:txBody>
+            <a:bodyPr rtlCol="0" anchor="ctr"/>
+            <a:lstStyle/>
+            <a:p>
+              <a:pPr algn="ctr"/>
+              <a:r>
+                <a:rPr lang="en-US" sz="800" b="1" i="1" dirty="0">
+                  <a:solidFill>
+                    <a:schemeClr val="tx1">
+                      <a:lumMod val="95000"/>
+                      <a:lumOff val="5000"/>
+                    </a:schemeClr>
+                  </a:solidFill>
+                  <a:latin typeface="Arial" panose="020B0604020202020204" pitchFamily="34" charset="0"/>
+                  <a:cs typeface="Arial" panose="020B0604020202020204" pitchFamily="34" charset="0"/>
+                </a:rPr>
+                <a:t>Larvae reared</a:t>
+              </a:r>
+            </a:p>
+            <a:p>
+              <a:pPr algn="ctr"/>
+              <a:r>
+                <a:rPr lang="en-US" sz="800" dirty="0">
+                  <a:solidFill>
+                    <a:schemeClr val="tx1">
+                      <a:lumMod val="95000"/>
+                      <a:lumOff val="5000"/>
+                    </a:schemeClr>
+                  </a:solidFill>
+                  <a:latin typeface="Arial" panose="020B0604020202020204" pitchFamily="34" charset="0"/>
+                  <a:cs typeface="Arial" panose="020B0604020202020204" pitchFamily="34" charset="0"/>
+                </a:rPr>
+                <a:t>common conditions</a:t>
+              </a:r>
+            </a:p>
+            <a:p>
+              <a:pPr algn="ctr"/>
+              <a:r>
+                <a:rPr lang="en-US" sz="800" dirty="0">
+                  <a:solidFill>
+                    <a:schemeClr val="tx1">
+                      <a:lumMod val="95000"/>
+                      <a:lumOff val="5000"/>
+                    </a:schemeClr>
+                  </a:solidFill>
+                  <a:latin typeface="Arial" panose="020B0604020202020204" pitchFamily="34" charset="0"/>
+                  <a:cs typeface="Arial" panose="020B0604020202020204" pitchFamily="34" charset="0"/>
+                </a:rPr>
+                <a:t>static, ~18ºC, 100k cells/mL</a:t>
+              </a:r>
+            </a:p>
+          </p:txBody>
+        </p:sp>
+        <p:sp>
+          <p:nvSpPr>
+            <p:cNvPr id="93" name="Rectangle 92">
+              <a:extLst>
+                <a:ext uri="{FF2B5EF4-FFF2-40B4-BE49-F238E27FC236}">
+                  <a16:creationId xmlns:a16="http://schemas.microsoft.com/office/drawing/2014/main" id="{99BDB09C-DBEA-C444-8CC5-F9CF0D74406F}"/>
+                </a:ext>
+              </a:extLst>
+            </p:cNvPr>
+            <p:cNvSpPr/>
+            <p:nvPr/>
+          </p:nvSpPr>
+          <p:spPr>
+            <a:xfrm>
+              <a:off x="680181" y="3593432"/>
+              <a:ext cx="753549" cy="230832"/>
+            </a:xfrm>
+            <a:prstGeom prst="rect">
+              <a:avLst/>
+            </a:prstGeom>
+            <a:solidFill>
+              <a:schemeClr val="bg1">
+                <a:lumMod val="95000"/>
+              </a:schemeClr>
+            </a:solidFill>
+            <a:ln>
+              <a:noFill/>
+            </a:ln>
+          </p:spPr>
+          <p:txBody>
+            <a:bodyPr wrap="square">
+              <a:spAutoFit/>
+            </a:bodyPr>
+            <a:lstStyle/>
+            <a:p>
+              <a:r>
+                <a:rPr lang="en-US" sz="900" i="1" dirty="0">
+                  <a:solidFill>
+                    <a:schemeClr val="tx1">
+                      <a:lumMod val="85000"/>
+                      <a:lumOff val="15000"/>
+                    </a:schemeClr>
+                  </a:solidFill>
+                  <a:latin typeface="Arial" panose="020B0604020202020204" pitchFamily="34" charset="0"/>
+                  <a:cs typeface="Arial" panose="020B0604020202020204" pitchFamily="34" charset="0"/>
+                </a:rPr>
+                <a:t>ADULT</a:t>
+              </a:r>
+            </a:p>
+          </p:txBody>
+        </p:sp>
+      </p:grpSp>
+    </p:spTree>
+    <p:extLst>
+      <p:ext uri="{BB962C8B-B14F-4D97-AF65-F5344CB8AC3E}">
+        <p14:creationId xmlns:p14="http://schemas.microsoft.com/office/powerpoint/2010/main" val="2449998310"/>
+      </p:ext>
+    </p:extLst>
+  </p:cSld>
+  <p:clrMapOvr>
+    <a:masterClrMapping/>
+  </p:clrMapOvr>
+</p:sld>
+</file>
+
+<file path=ppt/slides/slide11.xml><?xml version="1.0" encoding="utf-8"?>
+<p:sld xmlns:a="http://schemas.openxmlformats.org/drawingml/2006/main" xmlns:r="http://schemas.openxmlformats.org/officeDocument/2006/relationships" xmlns:p="http://schemas.openxmlformats.org/presentationml/2006/main">
+  <p:cSld>
+    <p:spTree>
+      <p:nvGrpSpPr>
+        <p:cNvPr id="1" name=""/>
+        <p:cNvGrpSpPr/>
+        <p:nvPr/>
+      </p:nvGrpSpPr>
+      <p:grpSpPr>
+        <a:xfrm>
+          <a:off x="0" y="0"/>
+          <a:ext cx="0" cy="0"/>
+          <a:chOff x="0" y="0"/>
+          <a:chExt cx="0" cy="0"/>
+        </a:xfrm>
+      </p:grpSpPr>
+      <p:cxnSp>
+        <p:nvCxnSpPr>
+          <p:cNvPr id="71" name="40 Conector recto">
+            <a:extLst>
+              <a:ext uri="{FF2B5EF4-FFF2-40B4-BE49-F238E27FC236}">
+                <a16:creationId xmlns:a16="http://schemas.microsoft.com/office/drawing/2014/main" id="{CFDAD28D-D8A6-5442-8D48-D71F60757076}"/>
+              </a:ext>
+            </a:extLst>
+          </p:cNvPr>
+          <p:cNvCxnSpPr>
+            <a:cxnSpLocks/>
+          </p:cNvCxnSpPr>
+          <p:nvPr/>
+        </p:nvCxnSpPr>
+        <p:spPr>
+          <a:xfrm flipV="1">
+            <a:off x="2512511" y="1859348"/>
+            <a:ext cx="0" cy="1612641"/>
+          </a:xfrm>
+          <a:prstGeom prst="line">
+            <a:avLst/>
+          </a:prstGeom>
+          <a:ln w="12700">
+            <a:solidFill>
+              <a:schemeClr val="tx1">
+                <a:lumMod val="65000"/>
+                <a:lumOff val="35000"/>
+              </a:schemeClr>
+            </a:solidFill>
+          </a:ln>
+        </p:spPr>
+        <p:style>
+          <a:lnRef idx="1">
+            <a:schemeClr val="accent1"/>
+          </a:lnRef>
+          <a:fillRef idx="0">
+            <a:schemeClr val="accent1"/>
+          </a:fillRef>
+          <a:effectRef idx="0">
+            <a:schemeClr val="accent1"/>
+          </a:effectRef>
+          <a:fontRef idx="minor">
+            <a:schemeClr val="tx1"/>
+          </a:fontRef>
+        </p:style>
+      </p:cxnSp>
+      <p:cxnSp>
+        <p:nvCxnSpPr>
+          <p:cNvPr id="65" name="40 Conector recto">
+            <a:extLst>
+              <a:ext uri="{FF2B5EF4-FFF2-40B4-BE49-F238E27FC236}">
+                <a16:creationId xmlns:a16="http://schemas.microsoft.com/office/drawing/2014/main" id="{3F967D21-B4E5-2E48-B48D-E0965735EB7B}"/>
+              </a:ext>
+            </a:extLst>
+          </p:cNvPr>
+          <p:cNvCxnSpPr>
+            <a:cxnSpLocks/>
+          </p:cNvCxnSpPr>
+          <p:nvPr/>
+        </p:nvCxnSpPr>
+        <p:spPr>
+          <a:xfrm flipV="1">
+            <a:off x="4561763" y="2144220"/>
+            <a:ext cx="4124" cy="1317916"/>
+          </a:xfrm>
+          <a:prstGeom prst="line">
+            <a:avLst/>
+          </a:prstGeom>
+          <a:ln w="12700">
+            <a:solidFill>
+              <a:schemeClr val="tx1">
+                <a:lumMod val="65000"/>
+                <a:lumOff val="35000"/>
+              </a:schemeClr>
+            </a:solidFill>
+          </a:ln>
+        </p:spPr>
+        <p:style>
+          <a:lnRef idx="1">
+            <a:schemeClr val="accent1"/>
+          </a:lnRef>
+          <a:fillRef idx="0">
+            <a:schemeClr val="accent1"/>
+          </a:fillRef>
+          <a:effectRef idx="0">
+            <a:schemeClr val="accent1"/>
+          </a:effectRef>
+          <a:fontRef idx="minor">
+            <a:schemeClr val="tx1"/>
+          </a:fontRef>
+        </p:style>
+      </p:cxnSp>
+      <p:sp>
+        <p:nvSpPr>
+          <p:cNvPr id="92" name="Rectangle 91">
+            <a:extLst>
+              <a:ext uri="{FF2B5EF4-FFF2-40B4-BE49-F238E27FC236}">
+                <a16:creationId xmlns:a16="http://schemas.microsoft.com/office/drawing/2014/main" id="{ED806C97-1F68-9645-A8E7-45F47064A930}"/>
+              </a:ext>
+            </a:extLst>
+          </p:cNvPr>
+          <p:cNvSpPr/>
+          <p:nvPr/>
+        </p:nvSpPr>
+        <p:spPr>
+          <a:xfrm>
+            <a:off x="1701041" y="4612005"/>
+            <a:ext cx="5576104" cy="534200"/>
+          </a:xfrm>
+          <a:prstGeom prst="rect">
+            <a:avLst/>
+          </a:prstGeom>
+          <a:solidFill>
+            <a:schemeClr val="bg1">
+              <a:lumMod val="85000"/>
+            </a:schemeClr>
+          </a:solidFill>
+          <a:ln w="9525">
+            <a:noFill/>
+          </a:ln>
+        </p:spPr>
+        <p:style>
+          <a:lnRef idx="2">
+            <a:schemeClr val="accent1">
+              <a:shade val="50000"/>
+            </a:schemeClr>
+          </a:lnRef>
+          <a:fillRef idx="1">
+            <a:schemeClr val="accent1"/>
+          </a:fillRef>
+          <a:effectRef idx="0">
+            <a:schemeClr val="accent1"/>
+          </a:effectRef>
+          <a:fontRef idx="minor">
+            <a:schemeClr val="lt1"/>
+          </a:fontRef>
+        </p:style>
+        <p:txBody>
+          <a:bodyPr rtlCol="0" anchor="t"/>
+          <a:lstStyle/>
+          <a:p>
+            <a:pPr>
+              <a:spcBef>
+                <a:spcPts val="600"/>
+              </a:spcBef>
+            </a:pPr>
+            <a:endParaRPr lang="en-US" sz="1050" i="1" dirty="0">
+              <a:solidFill>
+                <a:schemeClr val="tx1">
+                  <a:lumMod val="65000"/>
+                  <a:lumOff val="35000"/>
+                </a:schemeClr>
+              </a:solidFill>
+              <a:latin typeface="Arial" panose="020B0604020202020204" pitchFamily="34" charset="0"/>
+              <a:cs typeface="Arial" panose="020B0604020202020204" pitchFamily="34" charset="0"/>
+            </a:endParaRPr>
+          </a:p>
+        </p:txBody>
+      </p:sp>
+      <p:cxnSp>
+        <p:nvCxnSpPr>
+          <p:cNvPr id="446" name="40 Conector recto">
+            <a:extLst>
+              <a:ext uri="{FF2B5EF4-FFF2-40B4-BE49-F238E27FC236}">
+                <a16:creationId xmlns:a16="http://schemas.microsoft.com/office/drawing/2014/main" id="{BCC49EBA-B4C1-404C-82FA-B7391AB87B6D}"/>
+              </a:ext>
+            </a:extLst>
+          </p:cNvPr>
+          <p:cNvCxnSpPr>
+            <a:cxnSpLocks/>
+            <a:stCxn id="438" idx="0"/>
+          </p:cNvCxnSpPr>
+          <p:nvPr/>
+        </p:nvCxnSpPr>
+        <p:spPr>
+          <a:xfrm flipV="1">
+            <a:off x="5440397" y="1805207"/>
+            <a:ext cx="0" cy="1612641"/>
+          </a:xfrm>
+          <a:prstGeom prst="line">
+            <a:avLst/>
+          </a:prstGeom>
+          <a:ln w="12700">
+            <a:solidFill>
+              <a:schemeClr val="tx1">
+                <a:lumMod val="65000"/>
+                <a:lumOff val="35000"/>
+              </a:schemeClr>
+            </a:solidFill>
+          </a:ln>
+        </p:spPr>
+        <p:style>
+          <a:lnRef idx="1">
+            <a:schemeClr val="accent1"/>
+          </a:lnRef>
+          <a:fillRef idx="0">
+            <a:schemeClr val="accent1"/>
+          </a:fillRef>
+          <a:effectRef idx="0">
+            <a:schemeClr val="accent1"/>
+          </a:effectRef>
+          <a:fontRef idx="minor">
+            <a:schemeClr val="tx1"/>
+          </a:fontRef>
+        </p:style>
+      </p:cxnSp>
+      <p:cxnSp>
+        <p:nvCxnSpPr>
+          <p:cNvPr id="9" name="40 Conector recto"/>
+          <p:cNvCxnSpPr>
+            <a:cxnSpLocks/>
+          </p:cNvCxnSpPr>
+          <p:nvPr/>
+        </p:nvCxnSpPr>
+        <p:spPr>
+          <a:xfrm flipV="1">
+            <a:off x="1774567" y="2157468"/>
+            <a:ext cx="0" cy="1313223"/>
+          </a:xfrm>
+          <a:prstGeom prst="line">
+            <a:avLst/>
+          </a:prstGeom>
+          <a:ln w="12700">
+            <a:solidFill>
+              <a:schemeClr val="tx1">
+                <a:lumMod val="65000"/>
+                <a:lumOff val="35000"/>
+              </a:schemeClr>
+            </a:solidFill>
+          </a:ln>
+        </p:spPr>
+        <p:style>
+          <a:lnRef idx="1">
+            <a:schemeClr val="accent1"/>
+          </a:lnRef>
+          <a:fillRef idx="0">
+            <a:schemeClr val="accent1"/>
+          </a:fillRef>
+          <a:effectRef idx="0">
+            <a:schemeClr val="accent1"/>
+          </a:effectRef>
+          <a:fontRef idx="minor">
+            <a:schemeClr val="tx1"/>
+          </a:fontRef>
+        </p:style>
+      </p:cxnSp>
+      <p:sp>
+        <p:nvSpPr>
+          <p:cNvPr id="267" name="Rectangle 266">
+            <a:extLst>
+              <a:ext uri="{FF2B5EF4-FFF2-40B4-BE49-F238E27FC236}">
+                <a16:creationId xmlns:a16="http://schemas.microsoft.com/office/drawing/2014/main" id="{19C204D0-A0DB-9243-A6DE-FDCF03846A0A}"/>
+              </a:ext>
+            </a:extLst>
+          </p:cNvPr>
+          <p:cNvSpPr/>
+          <p:nvPr/>
+        </p:nvSpPr>
+        <p:spPr>
+          <a:xfrm>
+            <a:off x="1709659" y="3470690"/>
+            <a:ext cx="5567916" cy="1081898"/>
+          </a:xfrm>
+          <a:prstGeom prst="rect">
+            <a:avLst/>
+          </a:prstGeom>
+          <a:solidFill>
+            <a:schemeClr val="bg1">
+              <a:lumMod val="95000"/>
+            </a:schemeClr>
+          </a:solidFill>
+          <a:ln w="9525">
+            <a:noFill/>
+          </a:ln>
+        </p:spPr>
+        <p:style>
+          <a:lnRef idx="2">
+            <a:schemeClr val="accent1">
+              <a:shade val="50000"/>
+            </a:schemeClr>
+          </a:lnRef>
+          <a:fillRef idx="1">
+            <a:schemeClr val="accent1"/>
+          </a:fillRef>
+          <a:effectRef idx="0">
+            <a:schemeClr val="accent1"/>
+          </a:effectRef>
+          <a:fontRef idx="minor">
+            <a:schemeClr val="lt1"/>
+          </a:fontRef>
+        </p:style>
+        <p:txBody>
+          <a:bodyPr rtlCol="0" anchor="t"/>
+          <a:lstStyle/>
+          <a:p>
+            <a:pPr>
+              <a:spcBef>
+                <a:spcPts val="600"/>
+              </a:spcBef>
+            </a:pPr>
+            <a:endParaRPr lang="en-US" sz="1050" i="1" dirty="0">
+              <a:solidFill>
+                <a:schemeClr val="tx1">
+                  <a:lumMod val="65000"/>
+                  <a:lumOff val="35000"/>
+                </a:schemeClr>
+              </a:solidFill>
+              <a:latin typeface="Arial" panose="020B0604020202020204" pitchFamily="34" charset="0"/>
+              <a:cs typeface="Arial" panose="020B0604020202020204" pitchFamily="34" charset="0"/>
+            </a:endParaRPr>
+          </a:p>
+        </p:txBody>
+      </p:sp>
+      <p:cxnSp>
+        <p:nvCxnSpPr>
+          <p:cNvPr id="4" name="18 Conector recto"/>
+          <p:cNvCxnSpPr>
+            <a:cxnSpLocks/>
+            <a:stCxn id="363" idx="2"/>
+            <a:endCxn id="496" idx="6"/>
+          </p:cNvCxnSpPr>
+          <p:nvPr/>
+        </p:nvCxnSpPr>
+        <p:spPr>
+          <a:xfrm flipV="1">
+            <a:off x="1734944" y="3461701"/>
+            <a:ext cx="5579366" cy="10410"/>
+          </a:xfrm>
+          <a:prstGeom prst="line">
+            <a:avLst/>
+          </a:prstGeom>
+          <a:ln w="15875">
+            <a:solidFill>
+              <a:schemeClr val="tx1">
+                <a:lumMod val="65000"/>
+                <a:lumOff val="35000"/>
+              </a:schemeClr>
+            </a:solidFill>
+          </a:ln>
+        </p:spPr>
+        <p:style>
+          <a:lnRef idx="1">
+            <a:schemeClr val="accent1"/>
+          </a:lnRef>
+          <a:fillRef idx="0">
+            <a:schemeClr val="accent1"/>
+          </a:fillRef>
+          <a:effectRef idx="0">
+            <a:schemeClr val="accent1"/>
+          </a:effectRef>
+          <a:fontRef idx="minor">
+            <a:schemeClr val="tx1"/>
+          </a:fontRef>
+        </p:style>
+      </p:cxnSp>
+      <p:sp>
+        <p:nvSpPr>
+          <p:cNvPr id="56" name="Rectangle 55"/>
+          <p:cNvSpPr/>
+          <p:nvPr/>
+        </p:nvSpPr>
+        <p:spPr>
+          <a:xfrm>
+            <a:off x="1729789" y="2116315"/>
+            <a:ext cx="743617" cy="830997"/>
+          </a:xfrm>
+          <a:prstGeom prst="rect">
+            <a:avLst/>
+          </a:prstGeom>
+        </p:spPr>
+        <p:txBody>
+          <a:bodyPr wrap="square">
+            <a:spAutoFit/>
+          </a:bodyPr>
+          <a:lstStyle/>
+          <a:p>
+            <a:r>
+              <a:rPr lang="en-US" sz="800" dirty="0">
+                <a:solidFill>
+                  <a:schemeClr val="tx1">
+                    <a:lumMod val="95000"/>
+                    <a:lumOff val="5000"/>
+                  </a:schemeClr>
+                </a:solidFill>
+                <a:latin typeface="Arial" panose="020B0604020202020204" pitchFamily="34" charset="0"/>
+                <a:cs typeface="Arial" panose="020B0604020202020204" pitchFamily="34" charset="0"/>
+              </a:rPr>
+              <a:t>Broodstock collected from Mud Bay, Bremerton, WA</a:t>
+            </a:r>
+          </a:p>
+        </p:txBody>
+      </p:sp>
+      <p:sp>
+        <p:nvSpPr>
+          <p:cNvPr id="112" name="Rectangle 111">
+            <a:extLst>
+              <a:ext uri="{FF2B5EF4-FFF2-40B4-BE49-F238E27FC236}">
+                <a16:creationId xmlns:a16="http://schemas.microsoft.com/office/drawing/2014/main" id="{12D56CDE-E781-DF4A-A372-E62F922CEBFC}"/>
+              </a:ext>
+            </a:extLst>
+          </p:cNvPr>
+          <p:cNvSpPr/>
+          <p:nvPr/>
+        </p:nvSpPr>
+        <p:spPr>
+          <a:xfrm>
+            <a:off x="2463209" y="1805413"/>
+            <a:ext cx="706802" cy="461665"/>
+          </a:xfrm>
+          <a:prstGeom prst="rect">
+            <a:avLst/>
+          </a:prstGeom>
+        </p:spPr>
+        <p:txBody>
+          <a:bodyPr wrap="square">
+            <a:spAutoFit/>
+          </a:bodyPr>
+          <a:lstStyle/>
+          <a:p>
+            <a:r>
+              <a:rPr lang="en-US" sz="800" dirty="0">
+                <a:latin typeface="Arial" panose="020B0604020202020204" pitchFamily="34" charset="0"/>
+                <a:cs typeface="Arial" panose="020B0604020202020204" pitchFamily="34" charset="0"/>
+              </a:rPr>
+              <a:t>Broodstock into winter treatments</a:t>
+            </a:r>
+          </a:p>
+        </p:txBody>
+      </p:sp>
+      <p:sp>
+        <p:nvSpPr>
+          <p:cNvPr id="126" name="Rectangle 125">
+            <a:extLst>
+              <a:ext uri="{FF2B5EF4-FFF2-40B4-BE49-F238E27FC236}">
+                <a16:creationId xmlns:a16="http://schemas.microsoft.com/office/drawing/2014/main" id="{D961CE0E-2E18-A044-8DD5-B6EC54AF21B8}"/>
+              </a:ext>
+            </a:extLst>
+          </p:cNvPr>
+          <p:cNvSpPr/>
+          <p:nvPr/>
+        </p:nvSpPr>
+        <p:spPr>
+          <a:xfrm>
+            <a:off x="2585225" y="3545084"/>
+            <a:ext cx="1914156" cy="461665"/>
+          </a:xfrm>
+          <a:prstGeom prst="rect">
+            <a:avLst/>
+          </a:prstGeom>
+          <a:solidFill>
+            <a:schemeClr val="accent1">
+              <a:lumMod val="20000"/>
+              <a:lumOff val="80000"/>
+            </a:schemeClr>
+          </a:solidFill>
+          <a:ln>
+            <a:noFill/>
+          </a:ln>
+        </p:spPr>
+        <p:txBody>
+          <a:bodyPr wrap="square">
+            <a:spAutoFit/>
+          </a:bodyPr>
+          <a:lstStyle/>
+          <a:p>
+            <a:pPr algn="ctr"/>
+            <a:r>
+              <a:rPr lang="en-US" sz="800" b="1" i="1" dirty="0">
+                <a:solidFill>
+                  <a:schemeClr val="tx1">
+                    <a:lumMod val="95000"/>
+                    <a:lumOff val="5000"/>
+                  </a:schemeClr>
+                </a:solidFill>
+                <a:latin typeface="Arial" panose="020B0604020202020204" pitchFamily="34" charset="0"/>
+                <a:cs typeface="Arial" panose="020B0604020202020204" pitchFamily="34" charset="0"/>
+              </a:rPr>
+              <a:t>Winter broodstock treatments</a:t>
+            </a:r>
+          </a:p>
+          <a:p>
+            <a:pPr algn="ctr"/>
+            <a:r>
+              <a:rPr lang="en-US" sz="800" dirty="0">
+                <a:solidFill>
+                  <a:srgbClr val="002060"/>
+                </a:solidFill>
+                <a:latin typeface="Arial" panose="020B0604020202020204" pitchFamily="34" charset="0"/>
+                <a:cs typeface="Arial" panose="020B0604020202020204" pitchFamily="34" charset="0"/>
+              </a:rPr>
+              <a:t>7ºC+high-food</a:t>
+            </a:r>
+            <a:r>
+              <a:rPr lang="en-US" sz="800" dirty="0">
+                <a:solidFill>
+                  <a:schemeClr val="tx1">
+                    <a:lumMod val="95000"/>
+                    <a:lumOff val="5000"/>
+                  </a:schemeClr>
+                </a:solidFill>
+                <a:latin typeface="Arial" panose="020B0604020202020204" pitchFamily="34" charset="0"/>
+                <a:cs typeface="Arial" panose="020B0604020202020204" pitchFamily="34" charset="0"/>
+              </a:rPr>
+              <a:t>, </a:t>
+            </a:r>
+            <a:r>
+              <a:rPr lang="en-US" sz="800" dirty="0">
+                <a:solidFill>
+                  <a:schemeClr val="accent5"/>
+                </a:solidFill>
+                <a:latin typeface="Arial" panose="020B0604020202020204" pitchFamily="34" charset="0"/>
+                <a:cs typeface="Arial" panose="020B0604020202020204" pitchFamily="34" charset="0"/>
+              </a:rPr>
+              <a:t>7ºC+low-food</a:t>
+            </a:r>
+          </a:p>
+          <a:p>
+            <a:pPr algn="ctr"/>
+            <a:r>
+              <a:rPr lang="en-US" sz="800" dirty="0">
+                <a:solidFill>
+                  <a:srgbClr val="C00000"/>
+                </a:solidFill>
+                <a:latin typeface="Arial" panose="020B0604020202020204" pitchFamily="34" charset="0"/>
+                <a:cs typeface="Arial" panose="020B0604020202020204" pitchFamily="34" charset="0"/>
+              </a:rPr>
+              <a:t>10ºC +high-food</a:t>
+            </a:r>
+            <a:r>
+              <a:rPr lang="en-US" sz="800" dirty="0">
+                <a:solidFill>
+                  <a:schemeClr val="tx1">
+                    <a:lumMod val="95000"/>
+                    <a:lumOff val="5000"/>
+                  </a:schemeClr>
+                </a:solidFill>
+                <a:latin typeface="Arial" panose="020B0604020202020204" pitchFamily="34" charset="0"/>
+                <a:cs typeface="Arial" panose="020B0604020202020204" pitchFamily="34" charset="0"/>
+              </a:rPr>
+              <a:t>, </a:t>
+            </a:r>
+            <a:r>
+              <a:rPr lang="en-US" sz="800" dirty="0">
+                <a:solidFill>
+                  <a:srgbClr val="FF7E79"/>
+                </a:solidFill>
+                <a:latin typeface="Arial" panose="020B0604020202020204" pitchFamily="34" charset="0"/>
+                <a:cs typeface="Arial" panose="020B0604020202020204" pitchFamily="34" charset="0"/>
+              </a:rPr>
+              <a:t>10ºC +low-food</a:t>
+            </a:r>
+          </a:p>
+        </p:txBody>
+      </p:sp>
+      <p:sp>
+        <p:nvSpPr>
+          <p:cNvPr id="271" name="Rectangle 270">
+            <a:extLst>
+              <a:ext uri="{FF2B5EF4-FFF2-40B4-BE49-F238E27FC236}">
+                <a16:creationId xmlns:a16="http://schemas.microsoft.com/office/drawing/2014/main" id="{19B589F5-BBB0-D746-8E74-A56D2DE737D0}"/>
+              </a:ext>
+            </a:extLst>
+          </p:cNvPr>
+          <p:cNvSpPr/>
+          <p:nvPr/>
+        </p:nvSpPr>
+        <p:spPr>
+          <a:xfrm>
+            <a:off x="1738255" y="4615731"/>
+            <a:ext cx="911811" cy="230832"/>
+          </a:xfrm>
+          <a:prstGeom prst="rect">
+            <a:avLst/>
+          </a:prstGeom>
+          <a:solidFill>
+            <a:schemeClr val="bg1">
+              <a:lumMod val="85000"/>
+            </a:schemeClr>
+          </a:solidFill>
+          <a:ln>
+            <a:noFill/>
+          </a:ln>
+        </p:spPr>
+        <p:txBody>
+          <a:bodyPr wrap="square">
+            <a:spAutoFit/>
+          </a:bodyPr>
+          <a:lstStyle/>
+          <a:p>
+            <a:r>
+              <a:rPr lang="en-US" sz="900" i="1" dirty="0">
+                <a:solidFill>
+                  <a:schemeClr val="tx1">
+                    <a:lumMod val="85000"/>
+                    <a:lumOff val="15000"/>
+                  </a:schemeClr>
+                </a:solidFill>
+                <a:latin typeface="Arial" panose="020B0604020202020204" pitchFamily="34" charset="0"/>
+                <a:cs typeface="Arial" panose="020B0604020202020204" pitchFamily="34" charset="0"/>
+              </a:rPr>
+              <a:t>OFFSPRING</a:t>
+            </a:r>
+          </a:p>
+        </p:txBody>
+      </p:sp>
+      <p:sp>
+        <p:nvSpPr>
+          <p:cNvPr id="279" name="Rectangle 278">
+            <a:extLst>
+              <a:ext uri="{FF2B5EF4-FFF2-40B4-BE49-F238E27FC236}">
+                <a16:creationId xmlns:a16="http://schemas.microsoft.com/office/drawing/2014/main" id="{B086AE53-07ED-3345-B760-86998D5557F7}"/>
+              </a:ext>
+            </a:extLst>
+          </p:cNvPr>
+          <p:cNvSpPr/>
+          <p:nvPr/>
+        </p:nvSpPr>
+        <p:spPr>
+          <a:xfrm rot="16200000">
+            <a:off x="521037" y="4390689"/>
+            <a:ext cx="2168562" cy="230832"/>
+          </a:xfrm>
+          <a:prstGeom prst="rect">
+            <a:avLst/>
+          </a:prstGeom>
+          <a:noFill/>
+          <a:ln>
+            <a:noFill/>
+          </a:ln>
+        </p:spPr>
+        <p:txBody>
+          <a:bodyPr wrap="square">
+            <a:spAutoFit/>
+          </a:bodyPr>
+          <a:lstStyle/>
+          <a:p>
+            <a:pPr algn="ctr"/>
+            <a:r>
+              <a:rPr lang="en-US" sz="900" i="1" dirty="0">
+                <a:solidFill>
+                  <a:schemeClr val="tx1">
+                    <a:lumMod val="95000"/>
+                    <a:lumOff val="5000"/>
+                  </a:schemeClr>
+                </a:solidFill>
+                <a:latin typeface="Arial" panose="020B0604020202020204" pitchFamily="34" charset="0"/>
+                <a:cs typeface="Arial" panose="020B0604020202020204" pitchFamily="34" charset="0"/>
+              </a:rPr>
+              <a:t>Environmental conditions </a:t>
+            </a:r>
+          </a:p>
+        </p:txBody>
+      </p:sp>
+      <p:sp>
+        <p:nvSpPr>
+          <p:cNvPr id="316" name="24 Elipse">
+            <a:extLst>
+              <a:ext uri="{FF2B5EF4-FFF2-40B4-BE49-F238E27FC236}">
+                <a16:creationId xmlns:a16="http://schemas.microsoft.com/office/drawing/2014/main" id="{7F6C334B-8033-7542-954E-39A0E5CF441D}"/>
+              </a:ext>
+            </a:extLst>
+          </p:cNvPr>
+          <p:cNvSpPr/>
+          <p:nvPr/>
+        </p:nvSpPr>
+        <p:spPr>
+          <a:xfrm>
+            <a:off x="4521828" y="3425790"/>
+            <a:ext cx="85157" cy="85149"/>
+          </a:xfrm>
+          <a:prstGeom prst="ellipse">
+            <a:avLst/>
+          </a:prstGeom>
+          <a:solidFill>
+            <a:schemeClr val="tx1">
+              <a:lumMod val="85000"/>
+              <a:lumOff val="15000"/>
+            </a:schemeClr>
+          </a:solidFill>
+          <a:ln>
+            <a:noFill/>
+          </a:ln>
+        </p:spPr>
+        <p:style>
+          <a:lnRef idx="2">
+            <a:schemeClr val="accent1">
+              <a:shade val="50000"/>
+            </a:schemeClr>
+          </a:lnRef>
+          <a:fillRef idx="1">
+            <a:schemeClr val="accent1"/>
+          </a:fillRef>
+          <a:effectRef idx="0">
+            <a:schemeClr val="accent1"/>
+          </a:effectRef>
+          <a:fontRef idx="minor">
+            <a:schemeClr val="lt1"/>
+          </a:fontRef>
+        </p:style>
+        <p:txBody>
+          <a:bodyPr lIns="68572" tIns="34286" rIns="68572" bIns="34286" rtlCol="0" anchor="ctr"/>
+          <a:lstStyle/>
+          <a:p>
+            <a:pPr algn="ctr"/>
+            <a:endParaRPr lang="es-MX" sz="900">
+              <a:solidFill>
+                <a:schemeClr val="tx1"/>
+              </a:solidFill>
+              <a:latin typeface="Arial" panose="020B0604020202020204" pitchFamily="34" charset="0"/>
+              <a:ea typeface="Segoe UI" panose="020B0502040204020203" pitchFamily="34" charset="0"/>
+              <a:cs typeface="Arial" panose="020B0604020202020204" pitchFamily="34" charset="0"/>
+            </a:endParaRPr>
+          </a:p>
+        </p:txBody>
+      </p:sp>
+      <p:sp>
+        <p:nvSpPr>
+          <p:cNvPr id="337" name="Rectangle 336">
+            <a:extLst>
+              <a:ext uri="{FF2B5EF4-FFF2-40B4-BE49-F238E27FC236}">
+                <a16:creationId xmlns:a16="http://schemas.microsoft.com/office/drawing/2014/main" id="{7935120D-0A48-9B43-886A-53957514746C}"/>
+              </a:ext>
+            </a:extLst>
+          </p:cNvPr>
+          <p:cNvSpPr/>
+          <p:nvPr/>
+        </p:nvSpPr>
+        <p:spPr>
+          <a:xfrm rot="16200000">
+            <a:off x="1147572" y="2481782"/>
+            <a:ext cx="1095237" cy="215444"/>
+          </a:xfrm>
+          <a:prstGeom prst="rect">
+            <a:avLst/>
+          </a:prstGeom>
+          <a:noFill/>
+          <a:ln>
+            <a:noFill/>
+          </a:ln>
+        </p:spPr>
+        <p:txBody>
+          <a:bodyPr wrap="square">
+            <a:spAutoFit/>
+          </a:bodyPr>
+          <a:lstStyle/>
+          <a:p>
+            <a:pPr algn="ctr"/>
+            <a:r>
+              <a:rPr lang="en-US" sz="800" b="1" dirty="0">
+                <a:solidFill>
+                  <a:schemeClr val="tx1">
+                    <a:lumMod val="85000"/>
+                    <a:lumOff val="15000"/>
+                  </a:schemeClr>
+                </a:solidFill>
+                <a:latin typeface="Arial" panose="020B0604020202020204" pitchFamily="34" charset="0"/>
+                <a:cs typeface="Arial" panose="020B0604020202020204" pitchFamily="34" charset="0"/>
+              </a:rPr>
+              <a:t>November  6, 2017</a:t>
+            </a:r>
+          </a:p>
+        </p:txBody>
+      </p:sp>
+      <p:sp>
+        <p:nvSpPr>
+          <p:cNvPr id="350" name="Rectangle 349">
+            <a:extLst>
+              <a:ext uri="{FF2B5EF4-FFF2-40B4-BE49-F238E27FC236}">
+                <a16:creationId xmlns:a16="http://schemas.microsoft.com/office/drawing/2014/main" id="{ABF45771-DFEB-5149-9D12-EC4B800667DE}"/>
+              </a:ext>
+            </a:extLst>
+          </p:cNvPr>
+          <p:cNvSpPr/>
+          <p:nvPr/>
+        </p:nvSpPr>
+        <p:spPr>
+          <a:xfrm rot="16200000">
+            <a:off x="1905751" y="2482137"/>
+            <a:ext cx="1061264" cy="215444"/>
+          </a:xfrm>
+          <a:prstGeom prst="rect">
+            <a:avLst/>
+          </a:prstGeom>
+          <a:noFill/>
+          <a:ln>
+            <a:noFill/>
+          </a:ln>
+        </p:spPr>
+        <p:txBody>
+          <a:bodyPr wrap="square">
+            <a:spAutoFit/>
+          </a:bodyPr>
+          <a:lstStyle/>
+          <a:p>
+            <a:pPr algn="ctr"/>
+            <a:r>
+              <a:rPr lang="en-US" sz="800" b="1" dirty="0">
+                <a:solidFill>
+                  <a:schemeClr val="tx1">
+                    <a:lumMod val="85000"/>
+                    <a:lumOff val="15000"/>
+                  </a:schemeClr>
+                </a:solidFill>
+                <a:latin typeface="Arial" panose="020B0604020202020204" pitchFamily="34" charset="0"/>
+                <a:cs typeface="Arial" panose="020B0604020202020204" pitchFamily="34" charset="0"/>
+              </a:rPr>
+              <a:t>December 8, 2018</a:t>
+            </a:r>
+          </a:p>
+        </p:txBody>
+      </p:sp>
+      <p:sp>
+        <p:nvSpPr>
+          <p:cNvPr id="363" name="24 Elipse">
+            <a:extLst>
+              <a:ext uri="{FF2B5EF4-FFF2-40B4-BE49-F238E27FC236}">
+                <a16:creationId xmlns:a16="http://schemas.microsoft.com/office/drawing/2014/main" id="{371590CC-5310-6749-8C12-2EAC7A9DC300}"/>
+              </a:ext>
+            </a:extLst>
+          </p:cNvPr>
+          <p:cNvSpPr/>
+          <p:nvPr/>
+        </p:nvSpPr>
+        <p:spPr>
+          <a:xfrm>
+            <a:off x="1734944" y="3429536"/>
+            <a:ext cx="85157" cy="85149"/>
+          </a:xfrm>
+          <a:prstGeom prst="ellipse">
+            <a:avLst/>
+          </a:prstGeom>
+          <a:solidFill>
+            <a:schemeClr val="tx1">
+              <a:lumMod val="85000"/>
+              <a:lumOff val="15000"/>
+            </a:schemeClr>
+          </a:solidFill>
+          <a:ln>
+            <a:noFill/>
+          </a:ln>
+        </p:spPr>
+        <p:style>
+          <a:lnRef idx="2">
+            <a:schemeClr val="accent1">
+              <a:shade val="50000"/>
+            </a:schemeClr>
+          </a:lnRef>
+          <a:fillRef idx="1">
+            <a:schemeClr val="accent1"/>
+          </a:fillRef>
+          <a:effectRef idx="0">
+            <a:schemeClr val="accent1"/>
+          </a:effectRef>
+          <a:fontRef idx="minor">
+            <a:schemeClr val="lt1"/>
+          </a:fontRef>
+        </p:style>
+        <p:txBody>
+          <a:bodyPr lIns="68572" tIns="34286" rIns="68572" bIns="34286" rtlCol="0" anchor="ctr"/>
+          <a:lstStyle/>
+          <a:p>
+            <a:pPr algn="ctr"/>
+            <a:endParaRPr lang="es-MX" sz="900">
+              <a:solidFill>
+                <a:schemeClr val="tx1"/>
+              </a:solidFill>
+              <a:latin typeface="Arial" panose="020B0604020202020204" pitchFamily="34" charset="0"/>
+              <a:ea typeface="Segoe UI" panose="020B0502040204020203" pitchFamily="34" charset="0"/>
+              <a:cs typeface="Arial" panose="020B0604020202020204" pitchFamily="34" charset="0"/>
+            </a:endParaRPr>
+          </a:p>
+        </p:txBody>
+      </p:sp>
+      <p:sp>
+        <p:nvSpPr>
+          <p:cNvPr id="369" name="24 Elipse">
+            <a:extLst>
+              <a:ext uri="{FF2B5EF4-FFF2-40B4-BE49-F238E27FC236}">
+                <a16:creationId xmlns:a16="http://schemas.microsoft.com/office/drawing/2014/main" id="{70E89508-788A-8F4F-88FE-87799C42A0E3}"/>
+              </a:ext>
+            </a:extLst>
+          </p:cNvPr>
+          <p:cNvSpPr/>
+          <p:nvPr/>
+        </p:nvSpPr>
+        <p:spPr>
+          <a:xfrm>
+            <a:off x="2469933" y="3433040"/>
+            <a:ext cx="85157" cy="85149"/>
+          </a:xfrm>
+          <a:prstGeom prst="ellipse">
+            <a:avLst/>
+          </a:prstGeom>
+          <a:solidFill>
+            <a:schemeClr val="tx1">
+              <a:lumMod val="85000"/>
+              <a:lumOff val="15000"/>
+            </a:schemeClr>
+          </a:solidFill>
+          <a:ln>
+            <a:noFill/>
+          </a:ln>
+        </p:spPr>
+        <p:style>
+          <a:lnRef idx="2">
+            <a:schemeClr val="accent1">
+              <a:shade val="50000"/>
+            </a:schemeClr>
+          </a:lnRef>
+          <a:fillRef idx="1">
+            <a:schemeClr val="accent1"/>
+          </a:fillRef>
+          <a:effectRef idx="0">
+            <a:schemeClr val="accent1"/>
+          </a:effectRef>
+          <a:fontRef idx="minor">
+            <a:schemeClr val="lt1"/>
+          </a:fontRef>
+        </p:style>
+        <p:txBody>
+          <a:bodyPr lIns="68572" tIns="34286" rIns="68572" bIns="34286" rtlCol="0" anchor="ctr"/>
+          <a:lstStyle/>
+          <a:p>
+            <a:pPr algn="ctr"/>
+            <a:endParaRPr lang="es-MX" sz="900">
+              <a:solidFill>
+                <a:schemeClr val="tx1"/>
+              </a:solidFill>
+              <a:latin typeface="Arial" panose="020B0604020202020204" pitchFamily="34" charset="0"/>
+              <a:ea typeface="Segoe UI" panose="020B0502040204020203" pitchFamily="34" charset="0"/>
+              <a:cs typeface="Arial" panose="020B0604020202020204" pitchFamily="34" charset="0"/>
+            </a:endParaRPr>
+          </a:p>
+        </p:txBody>
+      </p:sp>
+      <p:sp>
+        <p:nvSpPr>
+          <p:cNvPr id="373" name="Rectangle 372">
+            <a:extLst>
+              <a:ext uri="{FF2B5EF4-FFF2-40B4-BE49-F238E27FC236}">
+                <a16:creationId xmlns:a16="http://schemas.microsoft.com/office/drawing/2014/main" id="{E6F8D0A8-5705-694F-9134-822685FD564C}"/>
+              </a:ext>
+            </a:extLst>
+          </p:cNvPr>
+          <p:cNvSpPr/>
+          <p:nvPr/>
+        </p:nvSpPr>
+        <p:spPr>
+          <a:xfrm rot="16200000">
+            <a:off x="3956706" y="2480537"/>
+            <a:ext cx="1060855" cy="215444"/>
+          </a:xfrm>
+          <a:prstGeom prst="rect">
+            <a:avLst/>
+          </a:prstGeom>
+          <a:noFill/>
+          <a:ln>
+            <a:noFill/>
+          </a:ln>
+        </p:spPr>
+        <p:txBody>
+          <a:bodyPr wrap="square">
+            <a:spAutoFit/>
+          </a:bodyPr>
+          <a:lstStyle/>
+          <a:p>
+            <a:pPr algn="ctr"/>
+            <a:r>
+              <a:rPr lang="en-US" sz="800" b="1" dirty="0">
+                <a:solidFill>
+                  <a:schemeClr val="tx1">
+                    <a:lumMod val="85000"/>
+                    <a:lumOff val="15000"/>
+                  </a:schemeClr>
+                </a:solidFill>
+                <a:latin typeface="Arial" panose="020B0604020202020204" pitchFamily="34" charset="0"/>
+                <a:cs typeface="Arial" panose="020B0604020202020204" pitchFamily="34" charset="0"/>
+              </a:rPr>
+              <a:t>February 28, 2018</a:t>
+            </a:r>
+          </a:p>
+        </p:txBody>
+      </p:sp>
+      <p:sp>
+        <p:nvSpPr>
+          <p:cNvPr id="437" name="Rectangle 436">
+            <a:extLst>
+              <a:ext uri="{FF2B5EF4-FFF2-40B4-BE49-F238E27FC236}">
+                <a16:creationId xmlns:a16="http://schemas.microsoft.com/office/drawing/2014/main" id="{C76A8B28-467A-4C4E-B595-55E5005695CE}"/>
+              </a:ext>
+            </a:extLst>
+          </p:cNvPr>
+          <p:cNvSpPr/>
+          <p:nvPr/>
+        </p:nvSpPr>
+        <p:spPr>
+          <a:xfrm rot="16200000">
+            <a:off x="4822741" y="2386090"/>
+            <a:ext cx="1060856" cy="215444"/>
+          </a:xfrm>
+          <a:prstGeom prst="rect">
+            <a:avLst/>
+          </a:prstGeom>
+          <a:noFill/>
+          <a:ln>
+            <a:noFill/>
+          </a:ln>
+        </p:spPr>
+        <p:txBody>
+          <a:bodyPr wrap="square">
+            <a:spAutoFit/>
+          </a:bodyPr>
+          <a:lstStyle/>
+          <a:p>
+            <a:pPr algn="ctr"/>
+            <a:r>
+              <a:rPr lang="en-US" sz="800" b="1" dirty="0">
+                <a:solidFill>
+                  <a:schemeClr val="tx1">
+                    <a:lumMod val="85000"/>
+                    <a:lumOff val="15000"/>
+                  </a:schemeClr>
+                </a:solidFill>
+                <a:latin typeface="Arial" panose="020B0604020202020204" pitchFamily="34" charset="0"/>
+                <a:cs typeface="Arial" panose="020B0604020202020204" pitchFamily="34" charset="0"/>
+              </a:rPr>
+              <a:t>March 30, 2018</a:t>
+            </a:r>
+          </a:p>
+        </p:txBody>
+      </p:sp>
+      <p:sp>
+        <p:nvSpPr>
+          <p:cNvPr id="438" name="24 Elipse">
+            <a:extLst>
+              <a:ext uri="{FF2B5EF4-FFF2-40B4-BE49-F238E27FC236}">
+                <a16:creationId xmlns:a16="http://schemas.microsoft.com/office/drawing/2014/main" id="{4E38BD6F-76F2-9D44-B101-DD631AE41AEE}"/>
+              </a:ext>
+            </a:extLst>
+          </p:cNvPr>
+          <p:cNvSpPr/>
+          <p:nvPr/>
+        </p:nvSpPr>
+        <p:spPr>
+          <a:xfrm>
+            <a:off x="5397818" y="3417848"/>
+            <a:ext cx="85157" cy="85149"/>
+          </a:xfrm>
+          <a:prstGeom prst="ellipse">
+            <a:avLst/>
+          </a:prstGeom>
+          <a:solidFill>
+            <a:schemeClr val="tx1">
+              <a:lumMod val="85000"/>
+              <a:lumOff val="15000"/>
+            </a:schemeClr>
+          </a:solidFill>
+          <a:ln>
+            <a:noFill/>
+          </a:ln>
+        </p:spPr>
+        <p:style>
+          <a:lnRef idx="2">
+            <a:schemeClr val="accent1">
+              <a:shade val="50000"/>
+            </a:schemeClr>
+          </a:lnRef>
+          <a:fillRef idx="1">
+            <a:schemeClr val="accent1"/>
+          </a:fillRef>
+          <a:effectRef idx="0">
+            <a:schemeClr val="accent1"/>
+          </a:effectRef>
+          <a:fontRef idx="minor">
+            <a:schemeClr val="lt1"/>
+          </a:fontRef>
+        </p:style>
+        <p:txBody>
+          <a:bodyPr lIns="68572" tIns="34286" rIns="68572" bIns="34286" rtlCol="0" anchor="ctr"/>
+          <a:lstStyle/>
+          <a:p>
+            <a:pPr algn="ctr"/>
+            <a:endParaRPr lang="es-MX" sz="900">
+              <a:solidFill>
+                <a:schemeClr val="tx1"/>
+              </a:solidFill>
+              <a:latin typeface="Arial" panose="020B0604020202020204" pitchFamily="34" charset="0"/>
+              <a:ea typeface="Segoe UI" panose="020B0502040204020203" pitchFamily="34" charset="0"/>
+              <a:cs typeface="Arial" panose="020B0604020202020204" pitchFamily="34" charset="0"/>
+            </a:endParaRPr>
+          </a:p>
+        </p:txBody>
+      </p:sp>
+      <p:sp>
+        <p:nvSpPr>
+          <p:cNvPr id="439" name="Rectangle 438">
+            <a:extLst>
+              <a:ext uri="{FF2B5EF4-FFF2-40B4-BE49-F238E27FC236}">
+                <a16:creationId xmlns:a16="http://schemas.microsoft.com/office/drawing/2014/main" id="{3E0BCB37-09C8-8245-A034-624B8A22E1AF}"/>
+              </a:ext>
+            </a:extLst>
+          </p:cNvPr>
+          <p:cNvSpPr/>
+          <p:nvPr/>
+        </p:nvSpPr>
+        <p:spPr>
+          <a:xfrm>
+            <a:off x="5394509" y="1753528"/>
+            <a:ext cx="838946" cy="338554"/>
+          </a:xfrm>
+          <a:prstGeom prst="rect">
+            <a:avLst/>
+          </a:prstGeom>
+        </p:spPr>
+        <p:txBody>
+          <a:bodyPr wrap="square">
+            <a:spAutoFit/>
+          </a:bodyPr>
+          <a:lstStyle/>
+          <a:p>
+            <a:r>
+              <a:rPr lang="en-US" sz="800" dirty="0">
+                <a:solidFill>
+                  <a:schemeClr val="tx1">
+                    <a:lumMod val="95000"/>
+                    <a:lumOff val="5000"/>
+                  </a:schemeClr>
+                </a:solidFill>
+                <a:latin typeface="Arial" panose="020B0604020202020204" pitchFamily="34" charset="0"/>
+                <a:cs typeface="Arial" panose="020B0604020202020204" pitchFamily="34" charset="0"/>
+              </a:rPr>
+              <a:t>Larval rearing begins </a:t>
+            </a:r>
+          </a:p>
+        </p:txBody>
+      </p:sp>
+      <p:cxnSp>
+        <p:nvCxnSpPr>
+          <p:cNvPr id="455" name="40 Conector recto">
+            <a:extLst>
+              <a:ext uri="{FF2B5EF4-FFF2-40B4-BE49-F238E27FC236}">
+                <a16:creationId xmlns:a16="http://schemas.microsoft.com/office/drawing/2014/main" id="{B2632ED2-F000-F248-B6DA-725A768D53AE}"/>
+              </a:ext>
+            </a:extLst>
+          </p:cNvPr>
+          <p:cNvCxnSpPr>
+            <a:cxnSpLocks/>
+          </p:cNvCxnSpPr>
+          <p:nvPr/>
+        </p:nvCxnSpPr>
+        <p:spPr>
+          <a:xfrm flipV="1">
+            <a:off x="6151248" y="2210725"/>
+            <a:ext cx="0" cy="1203148"/>
+          </a:xfrm>
+          <a:prstGeom prst="line">
+            <a:avLst/>
+          </a:prstGeom>
+          <a:ln w="12700">
+            <a:solidFill>
+              <a:schemeClr val="tx1">
+                <a:lumMod val="65000"/>
+                <a:lumOff val="35000"/>
+              </a:schemeClr>
+            </a:solidFill>
+          </a:ln>
+        </p:spPr>
+        <p:style>
+          <a:lnRef idx="1">
+            <a:schemeClr val="accent1"/>
+          </a:lnRef>
+          <a:fillRef idx="0">
+            <a:schemeClr val="accent1"/>
+          </a:fillRef>
+          <a:effectRef idx="0">
+            <a:schemeClr val="accent1"/>
+          </a:effectRef>
+          <a:fontRef idx="minor">
+            <a:schemeClr val="tx1"/>
+          </a:fontRef>
+        </p:style>
+      </p:cxnSp>
+      <p:sp>
+        <p:nvSpPr>
+          <p:cNvPr id="456" name="24 Elipse">
+            <a:extLst>
+              <a:ext uri="{FF2B5EF4-FFF2-40B4-BE49-F238E27FC236}">
+                <a16:creationId xmlns:a16="http://schemas.microsoft.com/office/drawing/2014/main" id="{355874A9-B580-BC41-8224-27DDA81CA85E}"/>
+              </a:ext>
+            </a:extLst>
+          </p:cNvPr>
+          <p:cNvSpPr/>
+          <p:nvPr/>
+        </p:nvSpPr>
+        <p:spPr>
+          <a:xfrm>
+            <a:off x="6108669" y="3413873"/>
+            <a:ext cx="85157" cy="85149"/>
+          </a:xfrm>
+          <a:prstGeom prst="ellipse">
+            <a:avLst/>
+          </a:prstGeom>
+          <a:solidFill>
+            <a:schemeClr val="tx1">
+              <a:lumMod val="85000"/>
+              <a:lumOff val="15000"/>
+            </a:schemeClr>
+          </a:solidFill>
+          <a:ln>
+            <a:noFill/>
+          </a:ln>
+        </p:spPr>
+        <p:style>
+          <a:lnRef idx="2">
+            <a:schemeClr val="accent1">
+              <a:shade val="50000"/>
+            </a:schemeClr>
+          </a:lnRef>
+          <a:fillRef idx="1">
+            <a:schemeClr val="accent1"/>
+          </a:fillRef>
+          <a:effectRef idx="0">
+            <a:schemeClr val="accent1"/>
+          </a:effectRef>
+          <a:fontRef idx="minor">
+            <a:schemeClr val="lt1"/>
+          </a:fontRef>
+        </p:style>
+        <p:txBody>
+          <a:bodyPr lIns="68572" tIns="34286" rIns="68572" bIns="34286" rtlCol="0" anchor="ctr"/>
+          <a:lstStyle/>
+          <a:p>
+            <a:pPr algn="ctr"/>
+            <a:endParaRPr lang="es-MX" sz="900">
+              <a:solidFill>
+                <a:schemeClr val="tx1"/>
+              </a:solidFill>
+              <a:latin typeface="Arial" panose="020B0604020202020204" pitchFamily="34" charset="0"/>
+              <a:ea typeface="Segoe UI" panose="020B0502040204020203" pitchFamily="34" charset="0"/>
+              <a:cs typeface="Arial" panose="020B0604020202020204" pitchFamily="34" charset="0"/>
+            </a:endParaRPr>
+          </a:p>
+        </p:txBody>
+      </p:sp>
+      <p:sp>
+        <p:nvSpPr>
+          <p:cNvPr id="457" name="Rectangle 456">
+            <a:extLst>
+              <a:ext uri="{FF2B5EF4-FFF2-40B4-BE49-F238E27FC236}">
+                <a16:creationId xmlns:a16="http://schemas.microsoft.com/office/drawing/2014/main" id="{510EE2CD-46B7-CD43-A0BB-77E21038F195}"/>
+              </a:ext>
+            </a:extLst>
+          </p:cNvPr>
+          <p:cNvSpPr/>
+          <p:nvPr/>
+        </p:nvSpPr>
+        <p:spPr>
+          <a:xfrm>
+            <a:off x="6104717" y="2165629"/>
+            <a:ext cx="911715" cy="830997"/>
+          </a:xfrm>
+          <a:prstGeom prst="rect">
+            <a:avLst/>
+          </a:prstGeom>
+        </p:spPr>
+        <p:txBody>
+          <a:bodyPr wrap="square">
+            <a:spAutoFit/>
+          </a:bodyPr>
+          <a:lstStyle/>
+          <a:p>
+            <a:r>
+              <a:rPr lang="en-US" sz="800" dirty="0">
+                <a:solidFill>
+                  <a:schemeClr val="tx1">
+                    <a:lumMod val="95000"/>
+                    <a:lumOff val="5000"/>
+                  </a:schemeClr>
+                </a:solidFill>
+                <a:latin typeface="Arial" panose="020B0604020202020204" pitchFamily="34" charset="0"/>
+                <a:cs typeface="Arial" panose="020B0604020202020204" pitchFamily="34" charset="0"/>
+              </a:rPr>
+              <a:t>Last larval pulse collected to rear </a:t>
+            </a:r>
+          </a:p>
+          <a:p>
+            <a:endParaRPr lang="en-US" sz="800" dirty="0">
+              <a:solidFill>
+                <a:schemeClr val="tx1">
+                  <a:lumMod val="95000"/>
+                  <a:lumOff val="5000"/>
+                </a:schemeClr>
+              </a:solidFill>
+              <a:latin typeface="Arial" panose="020B0604020202020204" pitchFamily="34" charset="0"/>
+              <a:cs typeface="Arial" panose="020B0604020202020204" pitchFamily="34" charset="0"/>
+            </a:endParaRPr>
+          </a:p>
+          <a:p>
+            <a:r>
+              <a:rPr lang="en-US" sz="800" dirty="0">
+                <a:solidFill>
+                  <a:schemeClr val="tx1">
+                    <a:lumMod val="95000"/>
+                    <a:lumOff val="5000"/>
+                  </a:schemeClr>
+                </a:solidFill>
+                <a:latin typeface="Arial" panose="020B0604020202020204" pitchFamily="34" charset="0"/>
+                <a:cs typeface="Arial" panose="020B0604020202020204" pitchFamily="34" charset="0"/>
+              </a:rPr>
+              <a:t>(n=12 per treat. </a:t>
+            </a:r>
+          </a:p>
+          <a:p>
+            <a:r>
+              <a:rPr lang="en-US" sz="800" dirty="0">
+                <a:solidFill>
+                  <a:schemeClr val="tx1">
+                    <a:lumMod val="95000"/>
+                    <a:lumOff val="5000"/>
+                  </a:schemeClr>
+                </a:solidFill>
+                <a:latin typeface="Arial" panose="020B0604020202020204" pitchFamily="34" charset="0"/>
+                <a:cs typeface="Arial" panose="020B0604020202020204" pitchFamily="34" charset="0"/>
+              </a:rPr>
+              <a:t>48 total)</a:t>
+            </a:r>
+          </a:p>
+        </p:txBody>
+      </p:sp>
+      <p:sp>
+        <p:nvSpPr>
+          <p:cNvPr id="458" name="Rectangle 457">
+            <a:extLst>
+              <a:ext uri="{FF2B5EF4-FFF2-40B4-BE49-F238E27FC236}">
+                <a16:creationId xmlns:a16="http://schemas.microsoft.com/office/drawing/2014/main" id="{4F0AB9EF-20D7-214F-A62D-8D66DF1A4CC5}"/>
+              </a:ext>
+            </a:extLst>
+          </p:cNvPr>
+          <p:cNvSpPr/>
+          <p:nvPr/>
+        </p:nvSpPr>
+        <p:spPr>
+          <a:xfrm rot="16200000">
+            <a:off x="5586389" y="2457753"/>
+            <a:ext cx="963264" cy="215444"/>
+          </a:xfrm>
+          <a:prstGeom prst="rect">
+            <a:avLst/>
+          </a:prstGeom>
+          <a:noFill/>
+          <a:ln>
+            <a:noFill/>
+          </a:ln>
+        </p:spPr>
+        <p:txBody>
+          <a:bodyPr wrap="square">
+            <a:spAutoFit/>
+          </a:bodyPr>
+          <a:lstStyle/>
+          <a:p>
+            <a:pPr algn="ctr"/>
+            <a:r>
+              <a:rPr lang="en-US" sz="800" b="1" dirty="0">
+                <a:solidFill>
+                  <a:schemeClr val="tx1">
+                    <a:lumMod val="85000"/>
+                    <a:lumOff val="15000"/>
+                  </a:schemeClr>
+                </a:solidFill>
+                <a:latin typeface="Arial" panose="020B0604020202020204" pitchFamily="34" charset="0"/>
+                <a:cs typeface="Arial" panose="020B0604020202020204" pitchFamily="34" charset="0"/>
+              </a:rPr>
+              <a:t>April 19, 2018</a:t>
+            </a:r>
+          </a:p>
+        </p:txBody>
+      </p:sp>
+      <p:sp>
+        <p:nvSpPr>
+          <p:cNvPr id="481" name="Rectangle 480">
+            <a:extLst>
+              <a:ext uri="{FF2B5EF4-FFF2-40B4-BE49-F238E27FC236}">
+                <a16:creationId xmlns:a16="http://schemas.microsoft.com/office/drawing/2014/main" id="{30E7EDBE-6E2C-1C43-A6EC-27BAAAC56E58}"/>
+              </a:ext>
+            </a:extLst>
+          </p:cNvPr>
+          <p:cNvSpPr/>
+          <p:nvPr/>
+        </p:nvSpPr>
+        <p:spPr>
+          <a:xfrm>
+            <a:off x="4508008" y="2096017"/>
+            <a:ext cx="737437" cy="830997"/>
+          </a:xfrm>
+          <a:prstGeom prst="rect">
+            <a:avLst/>
+          </a:prstGeom>
+        </p:spPr>
+        <p:txBody>
+          <a:bodyPr wrap="square">
+            <a:spAutoFit/>
+          </a:bodyPr>
+          <a:lstStyle/>
+          <a:p>
+            <a:r>
+              <a:rPr lang="en-US" sz="800" dirty="0" err="1">
+                <a:solidFill>
+                  <a:schemeClr val="tx1">
+                    <a:lumMod val="95000"/>
+                    <a:lumOff val="5000"/>
+                  </a:schemeClr>
+                </a:solidFill>
+                <a:latin typeface="Arial" panose="020B0604020202020204" pitchFamily="34" charset="0"/>
+                <a:cs typeface="Arial" panose="020B0604020202020204" pitchFamily="34" charset="0"/>
+              </a:rPr>
+              <a:t>Broodstock</a:t>
+            </a:r>
+            <a:r>
+              <a:rPr lang="en-US" sz="800" dirty="0">
+                <a:solidFill>
+                  <a:schemeClr val="tx1">
+                    <a:lumMod val="95000"/>
+                    <a:lumOff val="5000"/>
+                  </a:schemeClr>
+                </a:solidFill>
+                <a:latin typeface="Arial" panose="020B0604020202020204" pitchFamily="34" charset="0"/>
+                <a:cs typeface="Arial" panose="020B0604020202020204" pitchFamily="34" charset="0"/>
+              </a:rPr>
+              <a:t> exposure ends, conditioning &amp; spawning begins</a:t>
+            </a:r>
+          </a:p>
+        </p:txBody>
+      </p:sp>
+      <p:cxnSp>
+        <p:nvCxnSpPr>
+          <p:cNvPr id="494" name="40 Conector recto">
+            <a:extLst>
+              <a:ext uri="{FF2B5EF4-FFF2-40B4-BE49-F238E27FC236}">
+                <a16:creationId xmlns:a16="http://schemas.microsoft.com/office/drawing/2014/main" id="{E652EB38-2288-0045-A577-8774720DAEBF}"/>
+              </a:ext>
+            </a:extLst>
+          </p:cNvPr>
+          <p:cNvCxnSpPr>
+            <a:cxnSpLocks/>
+          </p:cNvCxnSpPr>
+          <p:nvPr/>
+        </p:nvCxnSpPr>
+        <p:spPr>
+          <a:xfrm flipV="1">
+            <a:off x="7267205" y="2511030"/>
+            <a:ext cx="14494" cy="908096"/>
+          </a:xfrm>
+          <a:prstGeom prst="line">
+            <a:avLst/>
+          </a:prstGeom>
+          <a:ln w="12700">
+            <a:solidFill>
+              <a:schemeClr val="tx1">
+                <a:lumMod val="65000"/>
+                <a:lumOff val="35000"/>
+              </a:schemeClr>
+            </a:solidFill>
+          </a:ln>
+        </p:spPr>
+        <p:style>
+          <a:lnRef idx="1">
+            <a:schemeClr val="accent1"/>
+          </a:lnRef>
+          <a:fillRef idx="0">
+            <a:schemeClr val="accent1"/>
+          </a:fillRef>
+          <a:effectRef idx="0">
+            <a:schemeClr val="accent1"/>
+          </a:effectRef>
+          <a:fontRef idx="minor">
+            <a:schemeClr val="tx1"/>
+          </a:fontRef>
+        </p:style>
+      </p:cxnSp>
+      <p:sp>
+        <p:nvSpPr>
+          <p:cNvPr id="495" name="Rectangle 494">
+            <a:extLst>
+              <a:ext uri="{FF2B5EF4-FFF2-40B4-BE49-F238E27FC236}">
+                <a16:creationId xmlns:a16="http://schemas.microsoft.com/office/drawing/2014/main" id="{5B2CEB1E-2C3A-F74B-9AEB-32ABFAA5674B}"/>
+              </a:ext>
+            </a:extLst>
+          </p:cNvPr>
+          <p:cNvSpPr/>
+          <p:nvPr/>
+        </p:nvSpPr>
+        <p:spPr>
+          <a:xfrm rot="16200000">
+            <a:off x="6694909" y="2734289"/>
+            <a:ext cx="1007415" cy="215444"/>
+          </a:xfrm>
+          <a:prstGeom prst="rect">
+            <a:avLst/>
+          </a:prstGeom>
+          <a:noFill/>
+          <a:ln>
+            <a:noFill/>
+          </a:ln>
+        </p:spPr>
+        <p:txBody>
+          <a:bodyPr wrap="square">
+            <a:spAutoFit/>
+          </a:bodyPr>
+          <a:lstStyle/>
+          <a:p>
+            <a:pPr algn="ctr"/>
+            <a:r>
+              <a:rPr lang="en-US" sz="800" b="1" dirty="0">
+                <a:solidFill>
+                  <a:schemeClr val="tx1">
+                    <a:lumMod val="85000"/>
+                    <a:lumOff val="15000"/>
+                  </a:schemeClr>
+                </a:solidFill>
+                <a:latin typeface="Arial" panose="020B0604020202020204" pitchFamily="34" charset="0"/>
+                <a:cs typeface="Arial" panose="020B0604020202020204" pitchFamily="34" charset="0"/>
+              </a:rPr>
+              <a:t>May - June 2018</a:t>
+            </a:r>
+          </a:p>
+        </p:txBody>
+      </p:sp>
+      <p:sp>
+        <p:nvSpPr>
+          <p:cNvPr id="496" name="24 Elipse">
+            <a:extLst>
+              <a:ext uri="{FF2B5EF4-FFF2-40B4-BE49-F238E27FC236}">
+                <a16:creationId xmlns:a16="http://schemas.microsoft.com/office/drawing/2014/main" id="{58E9C3F3-04B8-EF43-A82D-BBC3C6EDC13D}"/>
+              </a:ext>
+            </a:extLst>
+          </p:cNvPr>
+          <p:cNvSpPr/>
+          <p:nvPr/>
+        </p:nvSpPr>
+        <p:spPr>
+          <a:xfrm>
+            <a:off x="7229153" y="3419126"/>
+            <a:ext cx="85157" cy="85149"/>
+          </a:xfrm>
+          <a:prstGeom prst="ellipse">
+            <a:avLst/>
+          </a:prstGeom>
+          <a:solidFill>
+            <a:schemeClr val="tx1">
+              <a:lumMod val="85000"/>
+              <a:lumOff val="15000"/>
+            </a:schemeClr>
+          </a:solidFill>
+          <a:ln>
+            <a:noFill/>
+          </a:ln>
+        </p:spPr>
+        <p:style>
+          <a:lnRef idx="2">
+            <a:schemeClr val="accent1">
+              <a:shade val="50000"/>
+            </a:schemeClr>
+          </a:lnRef>
+          <a:fillRef idx="1">
+            <a:schemeClr val="accent1"/>
+          </a:fillRef>
+          <a:effectRef idx="0">
+            <a:schemeClr val="accent1"/>
+          </a:effectRef>
+          <a:fontRef idx="minor">
+            <a:schemeClr val="lt1"/>
+          </a:fontRef>
+        </p:style>
+        <p:txBody>
+          <a:bodyPr lIns="68572" tIns="34286" rIns="68572" bIns="34286" rtlCol="0" anchor="ctr"/>
+          <a:lstStyle/>
+          <a:p>
+            <a:pPr algn="ctr"/>
+            <a:endParaRPr lang="es-MX" sz="900">
+              <a:solidFill>
+                <a:schemeClr val="tx1"/>
+              </a:solidFill>
+              <a:latin typeface="Arial" panose="020B0604020202020204" pitchFamily="34" charset="0"/>
+              <a:ea typeface="Segoe UI" panose="020B0502040204020203" pitchFamily="34" charset="0"/>
+              <a:cs typeface="Arial" panose="020B0604020202020204" pitchFamily="34" charset="0"/>
+            </a:endParaRPr>
+          </a:p>
+        </p:txBody>
+      </p:sp>
+      <p:sp>
+        <p:nvSpPr>
+          <p:cNvPr id="507" name="Rectangle 506">
+            <a:extLst>
+              <a:ext uri="{FF2B5EF4-FFF2-40B4-BE49-F238E27FC236}">
+                <a16:creationId xmlns:a16="http://schemas.microsoft.com/office/drawing/2014/main" id="{6CEF4D42-F47E-3148-98DD-E218067538AE}"/>
+              </a:ext>
+            </a:extLst>
+          </p:cNvPr>
+          <p:cNvSpPr/>
+          <p:nvPr/>
+        </p:nvSpPr>
+        <p:spPr>
+          <a:xfrm>
+            <a:off x="7263787" y="2395762"/>
+            <a:ext cx="804450" cy="707886"/>
+          </a:xfrm>
+          <a:prstGeom prst="rect">
+            <a:avLst/>
+          </a:prstGeom>
+        </p:spPr>
+        <p:txBody>
+          <a:bodyPr wrap="square">
+            <a:spAutoFit/>
+          </a:bodyPr>
+          <a:lstStyle/>
+          <a:p>
+            <a:r>
+              <a:rPr lang="en-US" sz="800" dirty="0">
+                <a:solidFill>
+                  <a:schemeClr val="tx1">
+                    <a:lumMod val="95000"/>
+                    <a:lumOff val="5000"/>
+                  </a:schemeClr>
+                </a:solidFill>
+                <a:latin typeface="Arial" panose="020B0604020202020204" pitchFamily="34" charset="0"/>
+                <a:cs typeface="Arial" panose="020B0604020202020204" pitchFamily="34" charset="0"/>
+              </a:rPr>
+              <a:t>Post-set counted for survival  </a:t>
+            </a:r>
+          </a:p>
+          <a:p>
+            <a:r>
+              <a:rPr lang="en-US" sz="800" dirty="0">
+                <a:solidFill>
+                  <a:schemeClr val="tx1">
+                    <a:lumMod val="95000"/>
+                    <a:lumOff val="5000"/>
+                  </a:schemeClr>
+                </a:solidFill>
+                <a:latin typeface="Arial" panose="020B0604020202020204" pitchFamily="34" charset="0"/>
+                <a:cs typeface="Arial" panose="020B0604020202020204" pitchFamily="34" charset="0"/>
+              </a:rPr>
+              <a:t>(35-days after release)</a:t>
+            </a:r>
+          </a:p>
+        </p:txBody>
+      </p:sp>
+      <p:sp>
+        <p:nvSpPr>
+          <p:cNvPr id="90" name="Rectangle 89">
+            <a:extLst>
+              <a:ext uri="{FF2B5EF4-FFF2-40B4-BE49-F238E27FC236}">
+                <a16:creationId xmlns:a16="http://schemas.microsoft.com/office/drawing/2014/main" id="{247F7FF4-786B-8D46-99D2-8F22F145AE05}"/>
+              </a:ext>
+            </a:extLst>
+          </p:cNvPr>
+          <p:cNvSpPr/>
+          <p:nvPr/>
+        </p:nvSpPr>
+        <p:spPr>
+          <a:xfrm>
+            <a:off x="4499381" y="4038823"/>
+            <a:ext cx="1734074" cy="448786"/>
+          </a:xfrm>
+          <a:prstGeom prst="rect">
+            <a:avLst/>
+          </a:prstGeom>
+          <a:solidFill>
+            <a:schemeClr val="bg1">
+              <a:lumMod val="85000"/>
+            </a:schemeClr>
+          </a:solidFill>
+          <a:ln w="9525">
+            <a:noFill/>
+          </a:ln>
+        </p:spPr>
+        <p:style>
+          <a:lnRef idx="2">
+            <a:schemeClr val="accent1">
+              <a:shade val="50000"/>
+            </a:schemeClr>
+          </a:lnRef>
+          <a:fillRef idx="1">
+            <a:schemeClr val="accent1"/>
+          </a:fillRef>
+          <a:effectRef idx="0">
+            <a:schemeClr val="accent1"/>
+          </a:effectRef>
+          <a:fontRef idx="minor">
+            <a:schemeClr val="lt1"/>
+          </a:fontRef>
+        </p:style>
+        <p:txBody>
+          <a:bodyPr rtlCol="0" anchor="ctr"/>
+          <a:lstStyle/>
+          <a:p>
+            <a:pPr algn="ctr"/>
+            <a:r>
+              <a:rPr lang="en-US" sz="800" b="1" i="1" dirty="0" err="1">
+                <a:solidFill>
+                  <a:schemeClr val="tx1">
+                    <a:lumMod val="95000"/>
+                    <a:lumOff val="5000"/>
+                  </a:schemeClr>
+                </a:solidFill>
+                <a:latin typeface="Arial" panose="020B0604020202020204" pitchFamily="34" charset="0"/>
+                <a:cs typeface="Arial" panose="020B0604020202020204" pitchFamily="34" charset="0"/>
+              </a:rPr>
+              <a:t>Broodstock</a:t>
+            </a:r>
+            <a:r>
+              <a:rPr lang="en-US" sz="800" b="1" i="1" dirty="0">
+                <a:solidFill>
+                  <a:schemeClr val="tx1">
+                    <a:lumMod val="95000"/>
+                    <a:lumOff val="5000"/>
+                  </a:schemeClr>
+                </a:solidFill>
+                <a:latin typeface="Arial" panose="020B0604020202020204" pitchFamily="34" charset="0"/>
+                <a:cs typeface="Arial" panose="020B0604020202020204" pitchFamily="34" charset="0"/>
+              </a:rPr>
+              <a:t> spawn</a:t>
+            </a:r>
+          </a:p>
+          <a:p>
+            <a:pPr algn="ctr"/>
+            <a:r>
+              <a:rPr lang="en-US" sz="800" dirty="0">
+                <a:solidFill>
+                  <a:schemeClr val="tx1">
+                    <a:lumMod val="95000"/>
+                    <a:lumOff val="5000"/>
+                  </a:schemeClr>
+                </a:solidFill>
+                <a:latin typeface="Arial" panose="020B0604020202020204" pitchFamily="34" charset="0"/>
+                <a:cs typeface="Arial" panose="020B0604020202020204" pitchFamily="34" charset="0"/>
+              </a:rPr>
+              <a:t>spawned common conditions</a:t>
+            </a:r>
+          </a:p>
+          <a:p>
+            <a:pPr algn="ctr"/>
+            <a:r>
+              <a:rPr lang="en-US" sz="800" dirty="0">
+                <a:solidFill>
+                  <a:schemeClr val="tx1">
+                    <a:lumMod val="95000"/>
+                    <a:lumOff val="5000"/>
+                  </a:schemeClr>
+                </a:solidFill>
+                <a:latin typeface="Arial" panose="020B0604020202020204" pitchFamily="34" charset="0"/>
+                <a:cs typeface="Arial" panose="020B0604020202020204" pitchFamily="34" charset="0"/>
+              </a:rPr>
+              <a:t> ~18ºC, 100k cells/mL</a:t>
+            </a:r>
+          </a:p>
+        </p:txBody>
+      </p:sp>
+      <p:sp>
+        <p:nvSpPr>
+          <p:cNvPr id="91" name="Rectangle 90">
+            <a:extLst>
+              <a:ext uri="{FF2B5EF4-FFF2-40B4-BE49-F238E27FC236}">
+                <a16:creationId xmlns:a16="http://schemas.microsoft.com/office/drawing/2014/main" id="{D0DFB891-C997-2049-BC1B-4E5FE8FED508}"/>
+              </a:ext>
+            </a:extLst>
+          </p:cNvPr>
+          <p:cNvSpPr/>
+          <p:nvPr/>
+        </p:nvSpPr>
+        <p:spPr>
+          <a:xfrm>
+            <a:off x="5001382" y="4652789"/>
+            <a:ext cx="2227771" cy="448786"/>
+          </a:xfrm>
+          <a:prstGeom prst="rect">
+            <a:avLst/>
+          </a:prstGeom>
+          <a:solidFill>
+            <a:schemeClr val="bg1">
+              <a:lumMod val="95000"/>
+            </a:schemeClr>
+          </a:solidFill>
+          <a:ln w="9525">
+            <a:noFill/>
+          </a:ln>
+        </p:spPr>
+        <p:style>
+          <a:lnRef idx="2">
+            <a:schemeClr val="accent1">
+              <a:shade val="50000"/>
+            </a:schemeClr>
+          </a:lnRef>
+          <a:fillRef idx="1">
+            <a:schemeClr val="accent1"/>
+          </a:fillRef>
+          <a:effectRef idx="0">
+            <a:schemeClr val="accent1"/>
+          </a:effectRef>
+          <a:fontRef idx="minor">
+            <a:schemeClr val="lt1"/>
+          </a:fontRef>
+        </p:style>
+        <p:txBody>
+          <a:bodyPr rtlCol="0" anchor="ctr"/>
+          <a:lstStyle/>
+          <a:p>
+            <a:pPr algn="ctr"/>
+            <a:r>
+              <a:rPr lang="en-US" sz="800" b="1" i="1" dirty="0">
+                <a:solidFill>
+                  <a:schemeClr val="tx1">
+                    <a:lumMod val="95000"/>
+                    <a:lumOff val="5000"/>
+                  </a:schemeClr>
+                </a:solidFill>
+                <a:latin typeface="Arial" panose="020B0604020202020204" pitchFamily="34" charset="0"/>
+                <a:cs typeface="Arial" panose="020B0604020202020204" pitchFamily="34" charset="0"/>
+              </a:rPr>
+              <a:t>Larvae reared</a:t>
+            </a:r>
+          </a:p>
+          <a:p>
+            <a:pPr algn="ctr"/>
+            <a:r>
+              <a:rPr lang="en-US" sz="800" dirty="0">
+                <a:solidFill>
+                  <a:schemeClr val="tx1">
+                    <a:lumMod val="95000"/>
+                    <a:lumOff val="5000"/>
+                  </a:schemeClr>
+                </a:solidFill>
+                <a:latin typeface="Arial" panose="020B0604020202020204" pitchFamily="34" charset="0"/>
+                <a:cs typeface="Arial" panose="020B0604020202020204" pitchFamily="34" charset="0"/>
+              </a:rPr>
+              <a:t>common conditions</a:t>
+            </a:r>
+          </a:p>
+          <a:p>
+            <a:pPr algn="ctr"/>
+            <a:r>
+              <a:rPr lang="en-US" sz="800" dirty="0">
+                <a:solidFill>
+                  <a:schemeClr val="tx1">
+                    <a:lumMod val="95000"/>
+                    <a:lumOff val="5000"/>
+                  </a:schemeClr>
+                </a:solidFill>
+                <a:latin typeface="Arial" panose="020B0604020202020204" pitchFamily="34" charset="0"/>
+                <a:cs typeface="Arial" panose="020B0604020202020204" pitchFamily="34" charset="0"/>
+              </a:rPr>
+              <a:t>static, ~18ºC, 100k cells/mL</a:t>
+            </a:r>
+          </a:p>
+        </p:txBody>
+      </p:sp>
+      <p:sp>
+        <p:nvSpPr>
+          <p:cNvPr id="93" name="Rectangle 92">
+            <a:extLst>
+              <a:ext uri="{FF2B5EF4-FFF2-40B4-BE49-F238E27FC236}">
+                <a16:creationId xmlns:a16="http://schemas.microsoft.com/office/drawing/2014/main" id="{99BDB09C-DBEA-C444-8CC5-F9CF0D74406F}"/>
+              </a:ext>
+            </a:extLst>
+          </p:cNvPr>
+          <p:cNvSpPr/>
+          <p:nvPr/>
+        </p:nvSpPr>
+        <p:spPr>
+          <a:xfrm>
+            <a:off x="1785863" y="3603706"/>
+            <a:ext cx="753549" cy="230832"/>
+          </a:xfrm>
+          <a:prstGeom prst="rect">
+            <a:avLst/>
+          </a:prstGeom>
+          <a:solidFill>
+            <a:schemeClr val="bg1">
+              <a:lumMod val="95000"/>
+            </a:schemeClr>
+          </a:solidFill>
+          <a:ln>
+            <a:noFill/>
+          </a:ln>
+        </p:spPr>
+        <p:txBody>
+          <a:bodyPr wrap="square">
+            <a:spAutoFit/>
+          </a:bodyPr>
+          <a:lstStyle/>
+          <a:p>
+            <a:r>
+              <a:rPr lang="en-US" sz="900" i="1" dirty="0">
+                <a:solidFill>
+                  <a:schemeClr val="tx1">
+                    <a:lumMod val="85000"/>
+                    <a:lumOff val="15000"/>
+                  </a:schemeClr>
+                </a:solidFill>
+                <a:latin typeface="Arial" panose="020B0604020202020204" pitchFamily="34" charset="0"/>
+                <a:cs typeface="Arial" panose="020B0604020202020204" pitchFamily="34" charset="0"/>
+              </a:rPr>
+              <a:t>ADULT</a:t>
+            </a:r>
+          </a:p>
+        </p:txBody>
+      </p:sp>
+    </p:spTree>
+    <p:extLst>
+      <p:ext uri="{BB962C8B-B14F-4D97-AF65-F5344CB8AC3E}">
+        <p14:creationId xmlns:p14="http://schemas.microsoft.com/office/powerpoint/2010/main" val="1496580234"/>
+      </p:ext>
+    </p:extLst>
+  </p:cSld>
+  <p:clrMapOvr>
+    <a:masterClrMapping/>
+  </p:clrMapOvr>
+</p:sld>
+</file>
+
+<file path=ppt/slides/slide12.xml><?xml version="1.0" encoding="utf-8"?>
+<p:sld xmlns:a="http://schemas.openxmlformats.org/drawingml/2006/main" xmlns:r="http://schemas.openxmlformats.org/officeDocument/2006/relationships" xmlns:p="http://schemas.openxmlformats.org/presentationml/2006/main">
+  <p:cSld>
+    <p:spTree>
+      <p:nvGrpSpPr>
+        <p:cNvPr id="1" name=""/>
+        <p:cNvGrpSpPr/>
+        <p:nvPr/>
+      </p:nvGrpSpPr>
+      <p:grpSpPr>
+        <a:xfrm>
+          <a:off x="0" y="0"/>
+          <a:ext cx="0" cy="0"/>
+          <a:chOff x="0" y="0"/>
+          <a:chExt cx="0" cy="0"/>
+        </a:xfrm>
+      </p:grpSpPr>
+      <p:sp>
+        <p:nvSpPr>
+          <p:cNvPr id="92" name="Rectangle 91">
+            <a:extLst>
+              <a:ext uri="{FF2B5EF4-FFF2-40B4-BE49-F238E27FC236}">
+                <a16:creationId xmlns:a16="http://schemas.microsoft.com/office/drawing/2014/main" id="{ED806C97-1F68-9645-A8E7-45F47064A930}"/>
+              </a:ext>
+            </a:extLst>
+          </p:cNvPr>
+          <p:cNvSpPr/>
+          <p:nvPr/>
+        </p:nvSpPr>
+        <p:spPr>
+          <a:xfrm>
+            <a:off x="1701041" y="4612005"/>
+            <a:ext cx="5576104" cy="534200"/>
+          </a:xfrm>
+          <a:prstGeom prst="rect">
+            <a:avLst/>
+          </a:prstGeom>
+          <a:solidFill>
+            <a:schemeClr val="bg1">
+              <a:lumMod val="85000"/>
+            </a:schemeClr>
+          </a:solidFill>
+          <a:ln w="9525">
+            <a:noFill/>
+          </a:ln>
+        </p:spPr>
+        <p:style>
+          <a:lnRef idx="2">
+            <a:schemeClr val="accent1">
+              <a:shade val="50000"/>
+            </a:schemeClr>
+          </a:lnRef>
+          <a:fillRef idx="1">
+            <a:schemeClr val="accent1"/>
+          </a:fillRef>
+          <a:effectRef idx="0">
+            <a:schemeClr val="accent1"/>
+          </a:effectRef>
+          <a:fontRef idx="minor">
+            <a:schemeClr val="lt1"/>
+          </a:fontRef>
+        </p:style>
+        <p:txBody>
+          <a:bodyPr rtlCol="0" anchor="t"/>
+          <a:lstStyle/>
+          <a:p>
+            <a:pPr>
+              <a:spcBef>
+                <a:spcPts val="600"/>
+              </a:spcBef>
+            </a:pPr>
+            <a:endParaRPr lang="en-US" sz="1050" i="1" dirty="0">
+              <a:solidFill>
+                <a:schemeClr val="tx1">
+                  <a:lumMod val="65000"/>
+                  <a:lumOff val="35000"/>
+                </a:schemeClr>
+              </a:solidFill>
+              <a:latin typeface="Arial" panose="020B0604020202020204" pitchFamily="34" charset="0"/>
+              <a:cs typeface="Arial" panose="020B0604020202020204" pitchFamily="34" charset="0"/>
+            </a:endParaRPr>
+          </a:p>
+        </p:txBody>
+      </p:sp>
+      <p:sp>
+        <p:nvSpPr>
+          <p:cNvPr id="267" name="Rectangle 266">
+            <a:extLst>
+              <a:ext uri="{FF2B5EF4-FFF2-40B4-BE49-F238E27FC236}">
+                <a16:creationId xmlns:a16="http://schemas.microsoft.com/office/drawing/2014/main" id="{19C204D0-A0DB-9243-A6DE-FDCF03846A0A}"/>
+              </a:ext>
+            </a:extLst>
+          </p:cNvPr>
+          <p:cNvSpPr/>
+          <p:nvPr/>
+        </p:nvSpPr>
+        <p:spPr>
+          <a:xfrm>
+            <a:off x="1709659" y="3555752"/>
+            <a:ext cx="5567916" cy="1081898"/>
+          </a:xfrm>
+          <a:prstGeom prst="rect">
+            <a:avLst/>
+          </a:prstGeom>
+          <a:solidFill>
+            <a:schemeClr val="bg1">
+              <a:lumMod val="95000"/>
+            </a:schemeClr>
+          </a:solidFill>
+          <a:ln w="9525">
+            <a:noFill/>
+          </a:ln>
+        </p:spPr>
+        <p:style>
+          <a:lnRef idx="2">
+            <a:schemeClr val="accent1">
+              <a:shade val="50000"/>
+            </a:schemeClr>
+          </a:lnRef>
+          <a:fillRef idx="1">
+            <a:schemeClr val="accent1"/>
+          </a:fillRef>
+          <a:effectRef idx="0">
+            <a:schemeClr val="accent1"/>
+          </a:effectRef>
+          <a:fontRef idx="minor">
+            <a:schemeClr val="lt1"/>
+          </a:fontRef>
+        </p:style>
+        <p:txBody>
+          <a:bodyPr rtlCol="0" anchor="t"/>
+          <a:lstStyle/>
+          <a:p>
+            <a:pPr>
+              <a:spcBef>
+                <a:spcPts val="600"/>
+              </a:spcBef>
+            </a:pPr>
+            <a:endParaRPr lang="en-US" sz="1050" i="1" dirty="0">
+              <a:solidFill>
+                <a:schemeClr val="tx1">
+                  <a:lumMod val="65000"/>
+                  <a:lumOff val="35000"/>
+                </a:schemeClr>
+              </a:solidFill>
+              <a:latin typeface="Arial" panose="020B0604020202020204" pitchFamily="34" charset="0"/>
+              <a:cs typeface="Arial" panose="020B0604020202020204" pitchFamily="34" charset="0"/>
+            </a:endParaRPr>
+          </a:p>
+        </p:txBody>
+      </p:sp>
+      <p:sp>
+        <p:nvSpPr>
+          <p:cNvPr id="126" name="Rectangle 125">
+            <a:extLst>
+              <a:ext uri="{FF2B5EF4-FFF2-40B4-BE49-F238E27FC236}">
+                <a16:creationId xmlns:a16="http://schemas.microsoft.com/office/drawing/2014/main" id="{D961CE0E-2E18-A044-8DD5-B6EC54AF21B8}"/>
+              </a:ext>
+            </a:extLst>
+          </p:cNvPr>
+          <p:cNvSpPr/>
+          <p:nvPr/>
+        </p:nvSpPr>
+        <p:spPr>
+          <a:xfrm>
+            <a:off x="2585225" y="3545084"/>
+            <a:ext cx="1914156" cy="461665"/>
+          </a:xfrm>
+          <a:prstGeom prst="rect">
+            <a:avLst/>
+          </a:prstGeom>
+          <a:solidFill>
+            <a:schemeClr val="accent1">
+              <a:lumMod val="20000"/>
+              <a:lumOff val="80000"/>
+            </a:schemeClr>
+          </a:solidFill>
+          <a:ln>
+            <a:noFill/>
+          </a:ln>
+        </p:spPr>
+        <p:txBody>
+          <a:bodyPr wrap="square">
+            <a:spAutoFit/>
+          </a:bodyPr>
+          <a:lstStyle/>
+          <a:p>
+            <a:pPr algn="ctr"/>
+            <a:r>
+              <a:rPr lang="en-US" sz="800" b="1" i="1" dirty="0">
+                <a:solidFill>
+                  <a:schemeClr val="tx1">
+                    <a:lumMod val="95000"/>
+                    <a:lumOff val="5000"/>
+                  </a:schemeClr>
+                </a:solidFill>
+                <a:latin typeface="Arial" panose="020B0604020202020204" pitchFamily="34" charset="0"/>
+                <a:cs typeface="Arial" panose="020B0604020202020204" pitchFamily="34" charset="0"/>
+              </a:rPr>
+              <a:t>Winter broodstock treatments</a:t>
+            </a:r>
+          </a:p>
+          <a:p>
+            <a:pPr algn="ctr"/>
+            <a:r>
+              <a:rPr lang="en-US" sz="800" dirty="0">
+                <a:solidFill>
+                  <a:srgbClr val="002060"/>
+                </a:solidFill>
+                <a:latin typeface="Arial" panose="020B0604020202020204" pitchFamily="34" charset="0"/>
+                <a:cs typeface="Arial" panose="020B0604020202020204" pitchFamily="34" charset="0"/>
+              </a:rPr>
+              <a:t>7ºC+high-food</a:t>
+            </a:r>
+            <a:r>
+              <a:rPr lang="en-US" sz="800" dirty="0">
+                <a:solidFill>
+                  <a:schemeClr val="tx1">
+                    <a:lumMod val="95000"/>
+                    <a:lumOff val="5000"/>
+                  </a:schemeClr>
+                </a:solidFill>
+                <a:latin typeface="Arial" panose="020B0604020202020204" pitchFamily="34" charset="0"/>
+                <a:cs typeface="Arial" panose="020B0604020202020204" pitchFamily="34" charset="0"/>
+              </a:rPr>
+              <a:t>, </a:t>
+            </a:r>
+            <a:r>
+              <a:rPr lang="en-US" sz="800" dirty="0">
+                <a:solidFill>
+                  <a:schemeClr val="accent5"/>
+                </a:solidFill>
+                <a:latin typeface="Arial" panose="020B0604020202020204" pitchFamily="34" charset="0"/>
+                <a:cs typeface="Arial" panose="020B0604020202020204" pitchFamily="34" charset="0"/>
+              </a:rPr>
+              <a:t>7ºC+low-food</a:t>
+            </a:r>
+          </a:p>
+          <a:p>
+            <a:pPr algn="ctr"/>
+            <a:r>
+              <a:rPr lang="en-US" sz="800" dirty="0">
+                <a:solidFill>
+                  <a:srgbClr val="C00000"/>
+                </a:solidFill>
+                <a:latin typeface="Arial" panose="020B0604020202020204" pitchFamily="34" charset="0"/>
+                <a:cs typeface="Arial" panose="020B0604020202020204" pitchFamily="34" charset="0"/>
+              </a:rPr>
+              <a:t>10ºC +high-food</a:t>
+            </a:r>
+            <a:r>
+              <a:rPr lang="en-US" sz="800" dirty="0">
+                <a:solidFill>
+                  <a:schemeClr val="tx1">
+                    <a:lumMod val="95000"/>
+                    <a:lumOff val="5000"/>
+                  </a:schemeClr>
+                </a:solidFill>
+                <a:latin typeface="Arial" panose="020B0604020202020204" pitchFamily="34" charset="0"/>
+                <a:cs typeface="Arial" panose="020B0604020202020204" pitchFamily="34" charset="0"/>
+              </a:rPr>
+              <a:t>, </a:t>
+            </a:r>
+            <a:r>
+              <a:rPr lang="en-US" sz="800" dirty="0">
+                <a:solidFill>
+                  <a:srgbClr val="FF7E79"/>
+                </a:solidFill>
+                <a:latin typeface="Arial" panose="020B0604020202020204" pitchFamily="34" charset="0"/>
+                <a:cs typeface="Arial" panose="020B0604020202020204" pitchFamily="34" charset="0"/>
+              </a:rPr>
+              <a:t>10ºC +low-food</a:t>
+            </a:r>
+          </a:p>
+        </p:txBody>
+      </p:sp>
+      <p:sp>
+        <p:nvSpPr>
+          <p:cNvPr id="271" name="Rectangle 270">
+            <a:extLst>
+              <a:ext uri="{FF2B5EF4-FFF2-40B4-BE49-F238E27FC236}">
+                <a16:creationId xmlns:a16="http://schemas.microsoft.com/office/drawing/2014/main" id="{19B589F5-BBB0-D746-8E74-A56D2DE737D0}"/>
+              </a:ext>
+            </a:extLst>
+          </p:cNvPr>
+          <p:cNvSpPr/>
+          <p:nvPr/>
+        </p:nvSpPr>
+        <p:spPr>
+          <a:xfrm>
+            <a:off x="1738255" y="4615731"/>
+            <a:ext cx="911811" cy="230832"/>
+          </a:xfrm>
+          <a:prstGeom prst="rect">
+            <a:avLst/>
+          </a:prstGeom>
+          <a:solidFill>
+            <a:schemeClr val="bg1">
+              <a:lumMod val="85000"/>
+            </a:schemeClr>
+          </a:solidFill>
+          <a:ln>
+            <a:noFill/>
+          </a:ln>
+        </p:spPr>
+        <p:txBody>
+          <a:bodyPr wrap="square">
+            <a:spAutoFit/>
+          </a:bodyPr>
+          <a:lstStyle/>
+          <a:p>
+            <a:r>
+              <a:rPr lang="en-US" sz="900" i="1" dirty="0">
+                <a:solidFill>
+                  <a:schemeClr val="tx1">
+                    <a:lumMod val="85000"/>
+                    <a:lumOff val="15000"/>
+                  </a:schemeClr>
+                </a:solidFill>
+                <a:latin typeface="Arial" panose="020B0604020202020204" pitchFamily="34" charset="0"/>
+                <a:cs typeface="Arial" panose="020B0604020202020204" pitchFamily="34" charset="0"/>
+              </a:rPr>
+              <a:t>OFFSPRING</a:t>
+            </a:r>
+          </a:p>
+        </p:txBody>
+      </p:sp>
+      <p:sp>
+        <p:nvSpPr>
+          <p:cNvPr id="279" name="Rectangle 278">
+            <a:extLst>
+              <a:ext uri="{FF2B5EF4-FFF2-40B4-BE49-F238E27FC236}">
+                <a16:creationId xmlns:a16="http://schemas.microsoft.com/office/drawing/2014/main" id="{B086AE53-07ED-3345-B760-86998D5557F7}"/>
+              </a:ext>
+            </a:extLst>
+          </p:cNvPr>
+          <p:cNvSpPr/>
+          <p:nvPr/>
+        </p:nvSpPr>
+        <p:spPr>
+          <a:xfrm rot="16200000">
+            <a:off x="521037" y="4390689"/>
+            <a:ext cx="2168562" cy="230832"/>
+          </a:xfrm>
+          <a:prstGeom prst="rect">
+            <a:avLst/>
+          </a:prstGeom>
+          <a:noFill/>
+          <a:ln>
+            <a:noFill/>
+          </a:ln>
+        </p:spPr>
+        <p:txBody>
+          <a:bodyPr wrap="square">
+            <a:spAutoFit/>
+          </a:bodyPr>
+          <a:lstStyle/>
+          <a:p>
+            <a:pPr algn="ctr"/>
+            <a:r>
+              <a:rPr lang="en-US" sz="900" i="1" dirty="0">
+                <a:solidFill>
+                  <a:schemeClr val="tx1">
+                    <a:lumMod val="95000"/>
+                    <a:lumOff val="5000"/>
+                  </a:schemeClr>
+                </a:solidFill>
+                <a:latin typeface="Arial" panose="020B0604020202020204" pitchFamily="34" charset="0"/>
+                <a:cs typeface="Arial" panose="020B0604020202020204" pitchFamily="34" charset="0"/>
+              </a:rPr>
+              <a:t>Environmental conditions </a:t>
+            </a:r>
+          </a:p>
+        </p:txBody>
+      </p:sp>
+      <p:grpSp>
+        <p:nvGrpSpPr>
+          <p:cNvPr id="2" name="Group 1">
+            <a:extLst>
+              <a:ext uri="{FF2B5EF4-FFF2-40B4-BE49-F238E27FC236}">
+                <a16:creationId xmlns:a16="http://schemas.microsoft.com/office/drawing/2014/main" id="{0A627307-39D8-D24B-A626-6150FE389348}"/>
+              </a:ext>
+            </a:extLst>
+          </p:cNvPr>
+          <p:cNvGrpSpPr/>
+          <p:nvPr/>
+        </p:nvGrpSpPr>
+        <p:grpSpPr>
+          <a:xfrm>
+            <a:off x="1587469" y="1772785"/>
+            <a:ext cx="5726841" cy="1490223"/>
+            <a:chOff x="1587469" y="1772785"/>
+            <a:chExt cx="5726841" cy="1490223"/>
+          </a:xfrm>
+        </p:grpSpPr>
+        <p:cxnSp>
+          <p:nvCxnSpPr>
+            <p:cNvPr id="71" name="40 Conector recto">
+              <a:extLst>
+                <a:ext uri="{FF2B5EF4-FFF2-40B4-BE49-F238E27FC236}">
+                  <a16:creationId xmlns:a16="http://schemas.microsoft.com/office/drawing/2014/main" id="{CFDAD28D-D8A6-5442-8D48-D71F60757076}"/>
+                </a:ext>
+              </a:extLst>
+            </p:cNvPr>
+            <p:cNvCxnSpPr>
+              <a:cxnSpLocks/>
+            </p:cNvCxnSpPr>
+            <p:nvPr/>
+          </p:nvCxnSpPr>
+          <p:spPr>
+            <a:xfrm flipV="1">
+              <a:off x="2512511" y="1859349"/>
+              <a:ext cx="0" cy="1372949"/>
+            </a:xfrm>
+            <a:prstGeom prst="line">
+              <a:avLst/>
+            </a:prstGeom>
+            <a:ln w="12700">
+              <a:solidFill>
+                <a:schemeClr val="tx1">
+                  <a:lumMod val="65000"/>
+                  <a:lumOff val="35000"/>
+                </a:schemeClr>
+              </a:solidFill>
+            </a:ln>
+          </p:spPr>
+          <p:style>
+            <a:lnRef idx="1">
+              <a:schemeClr val="accent1"/>
+            </a:lnRef>
+            <a:fillRef idx="0">
+              <a:schemeClr val="accent1"/>
+            </a:fillRef>
+            <a:effectRef idx="0">
+              <a:schemeClr val="accent1"/>
+            </a:effectRef>
+            <a:fontRef idx="minor">
+              <a:schemeClr val="tx1"/>
+            </a:fontRef>
+          </p:style>
+        </p:cxnSp>
+        <p:cxnSp>
+          <p:nvCxnSpPr>
+            <p:cNvPr id="9" name="40 Conector recto"/>
+            <p:cNvCxnSpPr>
+              <a:cxnSpLocks/>
+            </p:cNvCxnSpPr>
+            <p:nvPr/>
+          </p:nvCxnSpPr>
+          <p:spPr>
+            <a:xfrm flipV="1">
+              <a:off x="1774567" y="2157469"/>
+              <a:ext cx="0" cy="1074829"/>
+            </a:xfrm>
+            <a:prstGeom prst="line">
+              <a:avLst/>
+            </a:prstGeom>
+            <a:ln w="12700">
+              <a:solidFill>
+                <a:schemeClr val="tx1">
+                  <a:lumMod val="65000"/>
+                  <a:lumOff val="35000"/>
+                </a:schemeClr>
+              </a:solidFill>
+            </a:ln>
+          </p:spPr>
+          <p:style>
+            <a:lnRef idx="1">
+              <a:schemeClr val="accent1"/>
+            </a:lnRef>
+            <a:fillRef idx="0">
+              <a:schemeClr val="accent1"/>
+            </a:fillRef>
+            <a:effectRef idx="0">
+              <a:schemeClr val="accent1"/>
+            </a:effectRef>
+            <a:fontRef idx="minor">
+              <a:schemeClr val="tx1"/>
+            </a:fontRef>
+          </p:style>
+        </p:cxnSp>
+        <p:cxnSp>
+          <p:nvCxnSpPr>
+            <p:cNvPr id="4" name="18 Conector recto"/>
+            <p:cNvCxnSpPr>
+              <a:cxnSpLocks/>
+              <a:stCxn id="363" idx="2"/>
+            </p:cNvCxnSpPr>
+            <p:nvPr/>
+          </p:nvCxnSpPr>
+          <p:spPr>
+            <a:xfrm flipV="1">
+              <a:off x="1734944" y="3206520"/>
+              <a:ext cx="5579366" cy="10410"/>
+            </a:xfrm>
+            <a:prstGeom prst="line">
+              <a:avLst/>
+            </a:prstGeom>
+            <a:ln w="15875">
+              <a:solidFill>
+                <a:schemeClr val="tx1">
+                  <a:lumMod val="65000"/>
+                  <a:lumOff val="35000"/>
+                </a:schemeClr>
+              </a:solidFill>
+            </a:ln>
+          </p:spPr>
+          <p:style>
+            <a:lnRef idx="1">
+              <a:schemeClr val="accent1"/>
+            </a:lnRef>
+            <a:fillRef idx="0">
+              <a:schemeClr val="accent1"/>
+            </a:fillRef>
+            <a:effectRef idx="0">
+              <a:schemeClr val="accent1"/>
+            </a:effectRef>
+            <a:fontRef idx="minor">
+              <a:schemeClr val="tx1"/>
+            </a:fontRef>
+          </p:style>
+        </p:cxnSp>
+        <p:sp>
+          <p:nvSpPr>
+            <p:cNvPr id="56" name="Rectangle 55"/>
+            <p:cNvSpPr/>
+            <p:nvPr/>
+          </p:nvSpPr>
+          <p:spPr>
+            <a:xfrm>
+              <a:off x="1729789" y="2116315"/>
+              <a:ext cx="743617" cy="338554"/>
+            </a:xfrm>
+            <a:prstGeom prst="rect">
+              <a:avLst/>
+            </a:prstGeom>
+          </p:spPr>
+          <p:txBody>
+            <a:bodyPr wrap="square">
+              <a:spAutoFit/>
+            </a:bodyPr>
+            <a:lstStyle/>
+            <a:p>
+              <a:r>
+                <a:rPr lang="en-US" sz="800" dirty="0">
+                  <a:solidFill>
+                    <a:schemeClr val="tx1">
+                      <a:lumMod val="95000"/>
+                      <a:lumOff val="5000"/>
+                    </a:schemeClr>
+                  </a:solidFill>
+                  <a:latin typeface="Arial" panose="020B0604020202020204" pitchFamily="34" charset="0"/>
+                  <a:cs typeface="Arial" panose="020B0604020202020204" pitchFamily="34" charset="0"/>
+                </a:rPr>
+                <a:t>Adults collected</a:t>
+              </a:r>
+            </a:p>
+          </p:txBody>
+        </p:sp>
+        <p:sp>
+          <p:nvSpPr>
+            <p:cNvPr id="112" name="Rectangle 111">
+              <a:extLst>
+                <a:ext uri="{FF2B5EF4-FFF2-40B4-BE49-F238E27FC236}">
+                  <a16:creationId xmlns:a16="http://schemas.microsoft.com/office/drawing/2014/main" id="{12D56CDE-E781-DF4A-A372-E62F922CEBFC}"/>
+                </a:ext>
+              </a:extLst>
+            </p:cNvPr>
+            <p:cNvSpPr/>
+            <p:nvPr/>
+          </p:nvSpPr>
+          <p:spPr>
+            <a:xfrm>
+              <a:off x="2463209" y="1805413"/>
+              <a:ext cx="706802" cy="461665"/>
+            </a:xfrm>
+            <a:prstGeom prst="rect">
+              <a:avLst/>
+            </a:prstGeom>
+          </p:spPr>
+          <p:txBody>
+            <a:bodyPr wrap="square">
+              <a:spAutoFit/>
+            </a:bodyPr>
+            <a:lstStyle/>
+            <a:p>
+              <a:r>
+                <a:rPr lang="en-US" sz="800" dirty="0">
+                  <a:latin typeface="Arial" panose="020B0604020202020204" pitchFamily="34" charset="0"/>
+                  <a:cs typeface="Arial" panose="020B0604020202020204" pitchFamily="34" charset="0"/>
+                </a:rPr>
+                <a:t>Adults into winter treatments</a:t>
+              </a:r>
+            </a:p>
+          </p:txBody>
+        </p:sp>
+        <p:sp>
+          <p:nvSpPr>
+            <p:cNvPr id="337" name="Rectangle 336">
+              <a:extLst>
+                <a:ext uri="{FF2B5EF4-FFF2-40B4-BE49-F238E27FC236}">
+                  <a16:creationId xmlns:a16="http://schemas.microsoft.com/office/drawing/2014/main" id="{7935120D-0A48-9B43-886A-53957514746C}"/>
+                </a:ext>
+              </a:extLst>
+            </p:cNvPr>
+            <p:cNvSpPr/>
+            <p:nvPr/>
+          </p:nvSpPr>
+          <p:spPr>
+            <a:xfrm rot="16200000">
+              <a:off x="1147572" y="2481782"/>
+              <a:ext cx="1095237" cy="215444"/>
+            </a:xfrm>
+            <a:prstGeom prst="rect">
+              <a:avLst/>
+            </a:prstGeom>
+            <a:noFill/>
+            <a:ln>
+              <a:noFill/>
+            </a:ln>
+          </p:spPr>
+          <p:txBody>
+            <a:bodyPr wrap="square">
+              <a:spAutoFit/>
+            </a:bodyPr>
+            <a:lstStyle/>
+            <a:p>
+              <a:pPr algn="ctr"/>
+              <a:r>
+                <a:rPr lang="en-US" sz="800" b="1" dirty="0">
+                  <a:solidFill>
+                    <a:schemeClr val="tx1">
+                      <a:lumMod val="85000"/>
+                      <a:lumOff val="15000"/>
+                    </a:schemeClr>
+                  </a:solidFill>
+                  <a:latin typeface="Arial" panose="020B0604020202020204" pitchFamily="34" charset="0"/>
+                  <a:cs typeface="Arial" panose="020B0604020202020204" pitchFamily="34" charset="0"/>
+                </a:rPr>
+                <a:t>November  2017</a:t>
+              </a:r>
+            </a:p>
+          </p:txBody>
+        </p:sp>
+        <p:sp>
+          <p:nvSpPr>
+            <p:cNvPr id="350" name="Rectangle 349">
+              <a:extLst>
+                <a:ext uri="{FF2B5EF4-FFF2-40B4-BE49-F238E27FC236}">
+                  <a16:creationId xmlns:a16="http://schemas.microsoft.com/office/drawing/2014/main" id="{ABF45771-DFEB-5149-9D12-EC4B800667DE}"/>
+                </a:ext>
+              </a:extLst>
+            </p:cNvPr>
+            <p:cNvSpPr/>
+            <p:nvPr/>
+          </p:nvSpPr>
+          <p:spPr>
+            <a:xfrm rot="16200000">
+              <a:off x="1905751" y="2195695"/>
+              <a:ext cx="1061264" cy="215444"/>
+            </a:xfrm>
+            <a:prstGeom prst="rect">
+              <a:avLst/>
+            </a:prstGeom>
+            <a:noFill/>
+            <a:ln>
+              <a:noFill/>
+            </a:ln>
+          </p:spPr>
+          <p:txBody>
+            <a:bodyPr wrap="square">
+              <a:spAutoFit/>
+            </a:bodyPr>
+            <a:lstStyle/>
+            <a:p>
+              <a:pPr algn="ctr"/>
+              <a:r>
+                <a:rPr lang="en-US" sz="800" b="1" dirty="0">
+                  <a:solidFill>
+                    <a:schemeClr val="tx1">
+                      <a:lumMod val="85000"/>
+                      <a:lumOff val="15000"/>
+                    </a:schemeClr>
+                  </a:solidFill>
+                  <a:latin typeface="Arial" panose="020B0604020202020204" pitchFamily="34" charset="0"/>
+                  <a:cs typeface="Arial" panose="020B0604020202020204" pitchFamily="34" charset="0"/>
+                </a:rPr>
+                <a:t>December 2018</a:t>
+              </a:r>
+            </a:p>
+          </p:txBody>
+        </p:sp>
+        <p:sp>
+          <p:nvSpPr>
+            <p:cNvPr id="363" name="24 Elipse">
+              <a:extLst>
+                <a:ext uri="{FF2B5EF4-FFF2-40B4-BE49-F238E27FC236}">
+                  <a16:creationId xmlns:a16="http://schemas.microsoft.com/office/drawing/2014/main" id="{371590CC-5310-6749-8C12-2EAC7A9DC300}"/>
+                </a:ext>
+              </a:extLst>
+            </p:cNvPr>
+            <p:cNvSpPr/>
+            <p:nvPr/>
+          </p:nvSpPr>
+          <p:spPr>
+            <a:xfrm>
+              <a:off x="1734944" y="3174355"/>
+              <a:ext cx="85157" cy="85149"/>
+            </a:xfrm>
+            <a:prstGeom prst="ellipse">
+              <a:avLst/>
+            </a:prstGeom>
+            <a:solidFill>
+              <a:schemeClr val="tx1">
+                <a:lumMod val="85000"/>
+                <a:lumOff val="15000"/>
+              </a:schemeClr>
+            </a:solidFill>
+            <a:ln>
+              <a:noFill/>
+            </a:ln>
+          </p:spPr>
+          <p:style>
+            <a:lnRef idx="2">
+              <a:schemeClr val="accent1">
+                <a:shade val="50000"/>
+              </a:schemeClr>
+            </a:lnRef>
+            <a:fillRef idx="1">
+              <a:schemeClr val="accent1"/>
+            </a:fillRef>
+            <a:effectRef idx="0">
+              <a:schemeClr val="accent1"/>
+            </a:effectRef>
+            <a:fontRef idx="minor">
+              <a:schemeClr val="lt1"/>
+            </a:fontRef>
+          </p:style>
+          <p:txBody>
+            <a:bodyPr lIns="68572" tIns="34286" rIns="68572" bIns="34286" rtlCol="0" anchor="ctr"/>
+            <a:lstStyle/>
+            <a:p>
+              <a:pPr algn="ctr"/>
+              <a:endParaRPr lang="es-MX" sz="900">
+                <a:solidFill>
+                  <a:schemeClr val="tx1"/>
+                </a:solidFill>
+                <a:latin typeface="Arial" panose="020B0604020202020204" pitchFamily="34" charset="0"/>
+                <a:ea typeface="Segoe UI" panose="020B0502040204020203" pitchFamily="34" charset="0"/>
+                <a:cs typeface="Arial" panose="020B0604020202020204" pitchFamily="34" charset="0"/>
+              </a:endParaRPr>
+            </a:p>
+          </p:txBody>
+        </p:sp>
+        <p:sp>
+          <p:nvSpPr>
+            <p:cNvPr id="369" name="24 Elipse">
+              <a:extLst>
+                <a:ext uri="{FF2B5EF4-FFF2-40B4-BE49-F238E27FC236}">
+                  <a16:creationId xmlns:a16="http://schemas.microsoft.com/office/drawing/2014/main" id="{70E89508-788A-8F4F-88FE-87799C42A0E3}"/>
+                </a:ext>
+              </a:extLst>
+            </p:cNvPr>
+            <p:cNvSpPr/>
+            <p:nvPr/>
+          </p:nvSpPr>
+          <p:spPr>
+            <a:xfrm>
+              <a:off x="2469933" y="3177859"/>
+              <a:ext cx="85157" cy="85149"/>
+            </a:xfrm>
+            <a:prstGeom prst="ellipse">
+              <a:avLst/>
+            </a:prstGeom>
+            <a:solidFill>
+              <a:schemeClr val="tx1">
+                <a:lumMod val="85000"/>
+                <a:lumOff val="15000"/>
+              </a:schemeClr>
+            </a:solidFill>
+            <a:ln>
+              <a:noFill/>
+            </a:ln>
+          </p:spPr>
+          <p:style>
+            <a:lnRef idx="2">
+              <a:schemeClr val="accent1">
+                <a:shade val="50000"/>
+              </a:schemeClr>
+            </a:lnRef>
+            <a:fillRef idx="1">
+              <a:schemeClr val="accent1"/>
+            </a:fillRef>
+            <a:effectRef idx="0">
+              <a:schemeClr val="accent1"/>
+            </a:effectRef>
+            <a:fontRef idx="minor">
+              <a:schemeClr val="lt1"/>
+            </a:fontRef>
+          </p:style>
+          <p:txBody>
+            <a:bodyPr lIns="68572" tIns="34286" rIns="68572" bIns="34286" rtlCol="0" anchor="ctr"/>
+            <a:lstStyle/>
+            <a:p>
+              <a:pPr algn="ctr"/>
+              <a:endParaRPr lang="es-MX" sz="900">
+                <a:solidFill>
+                  <a:schemeClr val="tx1"/>
+                </a:solidFill>
+                <a:latin typeface="Arial" panose="020B0604020202020204" pitchFamily="34" charset="0"/>
+                <a:ea typeface="Segoe UI" panose="020B0502040204020203" pitchFamily="34" charset="0"/>
+                <a:cs typeface="Arial" panose="020B0604020202020204" pitchFamily="34" charset="0"/>
+              </a:endParaRPr>
+            </a:p>
+          </p:txBody>
+        </p:sp>
+      </p:grpSp>
+      <p:sp>
+        <p:nvSpPr>
+          <p:cNvPr id="90" name="Rectangle 89">
+            <a:extLst>
+              <a:ext uri="{FF2B5EF4-FFF2-40B4-BE49-F238E27FC236}">
+                <a16:creationId xmlns:a16="http://schemas.microsoft.com/office/drawing/2014/main" id="{247F7FF4-786B-8D46-99D2-8F22F145AE05}"/>
+              </a:ext>
+            </a:extLst>
+          </p:cNvPr>
+          <p:cNvSpPr/>
+          <p:nvPr/>
+        </p:nvSpPr>
+        <p:spPr>
+          <a:xfrm>
+            <a:off x="4499381" y="4038823"/>
+            <a:ext cx="1734074" cy="448786"/>
+          </a:xfrm>
+          <a:prstGeom prst="rect">
+            <a:avLst/>
+          </a:prstGeom>
+          <a:solidFill>
+            <a:schemeClr val="bg1">
+              <a:lumMod val="85000"/>
+            </a:schemeClr>
+          </a:solidFill>
+          <a:ln w="9525">
+            <a:noFill/>
+          </a:ln>
+        </p:spPr>
+        <p:style>
+          <a:lnRef idx="2">
+            <a:schemeClr val="accent1">
+              <a:shade val="50000"/>
+            </a:schemeClr>
+          </a:lnRef>
+          <a:fillRef idx="1">
+            <a:schemeClr val="accent1"/>
+          </a:fillRef>
+          <a:effectRef idx="0">
+            <a:schemeClr val="accent1"/>
+          </a:effectRef>
+          <a:fontRef idx="minor">
+            <a:schemeClr val="lt1"/>
+          </a:fontRef>
+        </p:style>
+        <p:txBody>
+          <a:bodyPr rtlCol="0" anchor="ctr"/>
+          <a:lstStyle/>
+          <a:p>
+            <a:pPr algn="ctr"/>
+            <a:r>
+              <a:rPr lang="en-US" sz="800" b="1" i="1" dirty="0" err="1">
+                <a:solidFill>
+                  <a:schemeClr val="tx1">
+                    <a:lumMod val="95000"/>
+                    <a:lumOff val="5000"/>
+                  </a:schemeClr>
+                </a:solidFill>
+                <a:latin typeface="Arial" panose="020B0604020202020204" pitchFamily="34" charset="0"/>
+                <a:cs typeface="Arial" panose="020B0604020202020204" pitchFamily="34" charset="0"/>
+              </a:rPr>
+              <a:t>Broodstock</a:t>
+            </a:r>
+            <a:r>
+              <a:rPr lang="en-US" sz="800" b="1" i="1" dirty="0">
+                <a:solidFill>
+                  <a:schemeClr val="tx1">
+                    <a:lumMod val="95000"/>
+                    <a:lumOff val="5000"/>
+                  </a:schemeClr>
+                </a:solidFill>
+                <a:latin typeface="Arial" panose="020B0604020202020204" pitchFamily="34" charset="0"/>
+                <a:cs typeface="Arial" panose="020B0604020202020204" pitchFamily="34" charset="0"/>
+              </a:rPr>
+              <a:t> spawn</a:t>
+            </a:r>
+          </a:p>
+          <a:p>
+            <a:pPr algn="ctr"/>
+            <a:r>
+              <a:rPr lang="en-US" sz="800" dirty="0">
+                <a:solidFill>
+                  <a:schemeClr val="tx1">
+                    <a:lumMod val="95000"/>
+                    <a:lumOff val="5000"/>
+                  </a:schemeClr>
+                </a:solidFill>
+                <a:latin typeface="Arial" panose="020B0604020202020204" pitchFamily="34" charset="0"/>
+                <a:cs typeface="Arial" panose="020B0604020202020204" pitchFamily="34" charset="0"/>
+              </a:rPr>
+              <a:t>spawned common conditions</a:t>
+            </a:r>
+          </a:p>
+          <a:p>
+            <a:pPr algn="ctr"/>
+            <a:r>
+              <a:rPr lang="en-US" sz="800" dirty="0">
+                <a:solidFill>
+                  <a:schemeClr val="tx1">
+                    <a:lumMod val="95000"/>
+                    <a:lumOff val="5000"/>
+                  </a:schemeClr>
+                </a:solidFill>
+                <a:latin typeface="Arial" panose="020B0604020202020204" pitchFamily="34" charset="0"/>
+                <a:cs typeface="Arial" panose="020B0604020202020204" pitchFamily="34" charset="0"/>
+              </a:rPr>
+              <a:t> ~18ºC, 100k cells/mL</a:t>
+            </a:r>
+          </a:p>
+        </p:txBody>
+      </p:sp>
+      <p:sp>
+        <p:nvSpPr>
+          <p:cNvPr id="91" name="Rectangle 90">
+            <a:extLst>
+              <a:ext uri="{FF2B5EF4-FFF2-40B4-BE49-F238E27FC236}">
+                <a16:creationId xmlns:a16="http://schemas.microsoft.com/office/drawing/2014/main" id="{D0DFB891-C997-2049-BC1B-4E5FE8FED508}"/>
+              </a:ext>
+            </a:extLst>
+          </p:cNvPr>
+          <p:cNvSpPr/>
+          <p:nvPr/>
+        </p:nvSpPr>
+        <p:spPr>
+          <a:xfrm>
+            <a:off x="5001382" y="4652789"/>
+            <a:ext cx="2227771" cy="448786"/>
+          </a:xfrm>
+          <a:prstGeom prst="rect">
+            <a:avLst/>
+          </a:prstGeom>
+          <a:solidFill>
+            <a:schemeClr val="bg1">
+              <a:lumMod val="95000"/>
+            </a:schemeClr>
+          </a:solidFill>
+          <a:ln w="9525">
+            <a:noFill/>
+          </a:ln>
+        </p:spPr>
+        <p:style>
+          <a:lnRef idx="2">
+            <a:schemeClr val="accent1">
+              <a:shade val="50000"/>
+            </a:schemeClr>
+          </a:lnRef>
+          <a:fillRef idx="1">
+            <a:schemeClr val="accent1"/>
+          </a:fillRef>
+          <a:effectRef idx="0">
+            <a:schemeClr val="accent1"/>
+          </a:effectRef>
+          <a:fontRef idx="minor">
+            <a:schemeClr val="lt1"/>
+          </a:fontRef>
+        </p:style>
+        <p:txBody>
+          <a:bodyPr rtlCol="0" anchor="ctr"/>
+          <a:lstStyle/>
+          <a:p>
+            <a:pPr algn="ctr"/>
+            <a:r>
+              <a:rPr lang="en-US" sz="800" b="1" i="1" dirty="0">
+                <a:solidFill>
+                  <a:schemeClr val="tx1">
+                    <a:lumMod val="95000"/>
+                    <a:lumOff val="5000"/>
+                  </a:schemeClr>
+                </a:solidFill>
+                <a:latin typeface="Arial" panose="020B0604020202020204" pitchFamily="34" charset="0"/>
+                <a:cs typeface="Arial" panose="020B0604020202020204" pitchFamily="34" charset="0"/>
+              </a:rPr>
+              <a:t>Larvae reared</a:t>
+            </a:r>
+          </a:p>
+          <a:p>
+            <a:pPr algn="ctr"/>
+            <a:r>
+              <a:rPr lang="en-US" sz="800" dirty="0">
+                <a:solidFill>
+                  <a:schemeClr val="tx1">
+                    <a:lumMod val="95000"/>
+                    <a:lumOff val="5000"/>
+                  </a:schemeClr>
+                </a:solidFill>
+                <a:latin typeface="Arial" panose="020B0604020202020204" pitchFamily="34" charset="0"/>
+                <a:cs typeface="Arial" panose="020B0604020202020204" pitchFamily="34" charset="0"/>
+              </a:rPr>
+              <a:t>common conditions</a:t>
+            </a:r>
+          </a:p>
+          <a:p>
+            <a:pPr algn="ctr"/>
+            <a:r>
+              <a:rPr lang="en-US" sz="800" dirty="0">
+                <a:solidFill>
+                  <a:schemeClr val="tx1">
+                    <a:lumMod val="95000"/>
+                    <a:lumOff val="5000"/>
+                  </a:schemeClr>
+                </a:solidFill>
+                <a:latin typeface="Arial" panose="020B0604020202020204" pitchFamily="34" charset="0"/>
+                <a:cs typeface="Arial" panose="020B0604020202020204" pitchFamily="34" charset="0"/>
+              </a:rPr>
+              <a:t>static, ~18ºC, 100k cells/mL</a:t>
+            </a:r>
+          </a:p>
+        </p:txBody>
+      </p:sp>
+      <p:sp>
+        <p:nvSpPr>
+          <p:cNvPr id="93" name="Rectangle 92">
+            <a:extLst>
+              <a:ext uri="{FF2B5EF4-FFF2-40B4-BE49-F238E27FC236}">
+                <a16:creationId xmlns:a16="http://schemas.microsoft.com/office/drawing/2014/main" id="{99BDB09C-DBEA-C444-8CC5-F9CF0D74406F}"/>
+              </a:ext>
+            </a:extLst>
+          </p:cNvPr>
+          <p:cNvSpPr/>
+          <p:nvPr/>
+        </p:nvSpPr>
+        <p:spPr>
+          <a:xfrm>
+            <a:off x="1785863" y="3603706"/>
+            <a:ext cx="753549" cy="230832"/>
+          </a:xfrm>
+          <a:prstGeom prst="rect">
+            <a:avLst/>
+          </a:prstGeom>
+          <a:solidFill>
+            <a:schemeClr val="bg1">
+              <a:lumMod val="95000"/>
+            </a:schemeClr>
+          </a:solidFill>
+          <a:ln>
+            <a:noFill/>
+          </a:ln>
+        </p:spPr>
+        <p:txBody>
+          <a:bodyPr wrap="square">
+            <a:spAutoFit/>
+          </a:bodyPr>
+          <a:lstStyle/>
+          <a:p>
+            <a:r>
+              <a:rPr lang="en-US" sz="900" i="1" dirty="0">
+                <a:solidFill>
+                  <a:schemeClr val="tx1">
+                    <a:lumMod val="85000"/>
+                    <a:lumOff val="15000"/>
+                  </a:schemeClr>
+                </a:solidFill>
+                <a:latin typeface="Arial" panose="020B0604020202020204" pitchFamily="34" charset="0"/>
+                <a:cs typeface="Arial" panose="020B0604020202020204" pitchFamily="34" charset="0"/>
+              </a:rPr>
+              <a:t>ADULT</a:t>
+            </a:r>
+          </a:p>
+        </p:txBody>
+      </p:sp>
+      <p:cxnSp>
+        <p:nvCxnSpPr>
+          <p:cNvPr id="41" name="40 Conector recto">
+            <a:extLst>
+              <a:ext uri="{FF2B5EF4-FFF2-40B4-BE49-F238E27FC236}">
+                <a16:creationId xmlns:a16="http://schemas.microsoft.com/office/drawing/2014/main" id="{CEFC0E11-BE8D-4F4A-B2B0-88BD0EDF92C0}"/>
+              </a:ext>
+            </a:extLst>
+          </p:cNvPr>
+          <p:cNvCxnSpPr>
+            <a:cxnSpLocks/>
+            <a:stCxn id="43" idx="4"/>
+          </p:cNvCxnSpPr>
+          <p:nvPr/>
+        </p:nvCxnSpPr>
+        <p:spPr>
+          <a:xfrm flipV="1">
+            <a:off x="4564407" y="2144220"/>
+            <a:ext cx="1480" cy="1113328"/>
+          </a:xfrm>
+          <a:prstGeom prst="line">
+            <a:avLst/>
+          </a:prstGeom>
+          <a:ln w="12700">
+            <a:solidFill>
+              <a:schemeClr val="tx1">
+                <a:lumMod val="65000"/>
+                <a:lumOff val="35000"/>
+              </a:schemeClr>
+            </a:solidFill>
+          </a:ln>
+        </p:spPr>
+        <p:style>
+          <a:lnRef idx="1">
+            <a:schemeClr val="accent1"/>
+          </a:lnRef>
+          <a:fillRef idx="0">
+            <a:schemeClr val="accent1"/>
+          </a:fillRef>
+          <a:effectRef idx="0">
+            <a:schemeClr val="accent1"/>
+          </a:effectRef>
+          <a:fontRef idx="minor">
+            <a:schemeClr val="tx1"/>
+          </a:fontRef>
+        </p:style>
+      </p:cxnSp>
+      <p:cxnSp>
+        <p:nvCxnSpPr>
+          <p:cNvPr id="42" name="40 Conector recto">
+            <a:extLst>
+              <a:ext uri="{FF2B5EF4-FFF2-40B4-BE49-F238E27FC236}">
+                <a16:creationId xmlns:a16="http://schemas.microsoft.com/office/drawing/2014/main" id="{82B73042-01AD-EA46-9CFE-1CE0031861B9}"/>
+              </a:ext>
+            </a:extLst>
+          </p:cNvPr>
+          <p:cNvCxnSpPr>
+            <a:cxnSpLocks/>
+            <a:stCxn id="46" idx="0"/>
+          </p:cNvCxnSpPr>
+          <p:nvPr/>
+        </p:nvCxnSpPr>
+        <p:spPr>
+          <a:xfrm flipV="1">
+            <a:off x="5440397" y="2083842"/>
+            <a:ext cx="0" cy="1080615"/>
+          </a:xfrm>
+          <a:prstGeom prst="line">
+            <a:avLst/>
+          </a:prstGeom>
+          <a:ln w="12700">
+            <a:solidFill>
+              <a:schemeClr val="tx1">
+                <a:lumMod val="65000"/>
+                <a:lumOff val="35000"/>
+              </a:schemeClr>
+            </a:solidFill>
+          </a:ln>
+        </p:spPr>
+        <p:style>
+          <a:lnRef idx="1">
+            <a:schemeClr val="accent1"/>
+          </a:lnRef>
+          <a:fillRef idx="0">
+            <a:schemeClr val="accent1"/>
+          </a:fillRef>
+          <a:effectRef idx="0">
+            <a:schemeClr val="accent1"/>
+          </a:effectRef>
+          <a:fontRef idx="minor">
+            <a:schemeClr val="tx1"/>
+          </a:fontRef>
+        </p:style>
+      </p:cxnSp>
+      <p:sp>
+        <p:nvSpPr>
+          <p:cNvPr id="43" name="24 Elipse">
+            <a:extLst>
+              <a:ext uri="{FF2B5EF4-FFF2-40B4-BE49-F238E27FC236}">
+                <a16:creationId xmlns:a16="http://schemas.microsoft.com/office/drawing/2014/main" id="{F8B0579A-0C6B-2144-9FE0-37EE99D03338}"/>
+              </a:ext>
+            </a:extLst>
+          </p:cNvPr>
+          <p:cNvSpPr/>
+          <p:nvPr/>
+        </p:nvSpPr>
+        <p:spPr>
+          <a:xfrm>
+            <a:off x="4521828" y="3172399"/>
+            <a:ext cx="85157" cy="85149"/>
+          </a:xfrm>
+          <a:prstGeom prst="ellipse">
+            <a:avLst/>
+          </a:prstGeom>
+          <a:solidFill>
+            <a:schemeClr val="tx1">
+              <a:lumMod val="85000"/>
+              <a:lumOff val="15000"/>
+            </a:schemeClr>
+          </a:solidFill>
+          <a:ln>
+            <a:noFill/>
+          </a:ln>
+        </p:spPr>
+        <p:style>
+          <a:lnRef idx="2">
+            <a:schemeClr val="accent1">
+              <a:shade val="50000"/>
+            </a:schemeClr>
+          </a:lnRef>
+          <a:fillRef idx="1">
+            <a:schemeClr val="accent1"/>
+          </a:fillRef>
+          <a:effectRef idx="0">
+            <a:schemeClr val="accent1"/>
+          </a:effectRef>
+          <a:fontRef idx="minor">
+            <a:schemeClr val="lt1"/>
+          </a:fontRef>
+        </p:style>
+        <p:txBody>
+          <a:bodyPr lIns="68572" tIns="34286" rIns="68572" bIns="34286" rtlCol="0" anchor="ctr"/>
+          <a:lstStyle/>
+          <a:p>
+            <a:pPr algn="ctr"/>
+            <a:endParaRPr lang="es-MX" sz="900">
+              <a:solidFill>
+                <a:schemeClr val="tx1"/>
+              </a:solidFill>
+              <a:latin typeface="Arial" panose="020B0604020202020204" pitchFamily="34" charset="0"/>
+              <a:ea typeface="Segoe UI" panose="020B0502040204020203" pitchFamily="34" charset="0"/>
+              <a:cs typeface="Arial" panose="020B0604020202020204" pitchFamily="34" charset="0"/>
+            </a:endParaRPr>
+          </a:p>
+        </p:txBody>
+      </p:sp>
+      <p:sp>
+        <p:nvSpPr>
+          <p:cNvPr id="44" name="Rectangle 43">
+            <a:extLst>
+              <a:ext uri="{FF2B5EF4-FFF2-40B4-BE49-F238E27FC236}">
+                <a16:creationId xmlns:a16="http://schemas.microsoft.com/office/drawing/2014/main" id="{6D738CC3-2F7B-B240-A62A-A67CC192BF13}"/>
+              </a:ext>
+            </a:extLst>
+          </p:cNvPr>
+          <p:cNvSpPr/>
+          <p:nvPr/>
+        </p:nvSpPr>
+        <p:spPr>
+          <a:xfrm rot="16200000">
+            <a:off x="3956706" y="2315282"/>
+            <a:ext cx="1060855" cy="215444"/>
+          </a:xfrm>
+          <a:prstGeom prst="rect">
+            <a:avLst/>
+          </a:prstGeom>
+          <a:noFill/>
+          <a:ln>
+            <a:noFill/>
+          </a:ln>
+        </p:spPr>
+        <p:txBody>
+          <a:bodyPr wrap="square">
+            <a:spAutoFit/>
+          </a:bodyPr>
+          <a:lstStyle/>
+          <a:p>
+            <a:pPr algn="ctr"/>
+            <a:r>
+              <a:rPr lang="en-US" sz="800" b="1" dirty="0">
+                <a:solidFill>
+                  <a:schemeClr val="tx1">
+                    <a:lumMod val="85000"/>
+                    <a:lumOff val="15000"/>
+                  </a:schemeClr>
+                </a:solidFill>
+                <a:latin typeface="Arial" panose="020B0604020202020204" pitchFamily="34" charset="0"/>
+                <a:cs typeface="Arial" panose="020B0604020202020204" pitchFamily="34" charset="0"/>
+              </a:rPr>
+              <a:t>March 2018</a:t>
+            </a:r>
+          </a:p>
+        </p:txBody>
+      </p:sp>
+      <p:sp>
+        <p:nvSpPr>
+          <p:cNvPr id="45" name="Rectangle 44">
+            <a:extLst>
+              <a:ext uri="{FF2B5EF4-FFF2-40B4-BE49-F238E27FC236}">
+                <a16:creationId xmlns:a16="http://schemas.microsoft.com/office/drawing/2014/main" id="{DE14B075-416F-F84A-B7DD-65B4297DA3A3}"/>
+              </a:ext>
+            </a:extLst>
+          </p:cNvPr>
+          <p:cNvSpPr/>
+          <p:nvPr/>
+        </p:nvSpPr>
+        <p:spPr>
+          <a:xfrm rot="16200000">
+            <a:off x="4833758" y="2253886"/>
+            <a:ext cx="1060856" cy="215444"/>
+          </a:xfrm>
+          <a:prstGeom prst="rect">
+            <a:avLst/>
+          </a:prstGeom>
+          <a:noFill/>
+          <a:ln>
+            <a:noFill/>
+          </a:ln>
+        </p:spPr>
+        <p:txBody>
+          <a:bodyPr wrap="square">
+            <a:spAutoFit/>
+          </a:bodyPr>
+          <a:lstStyle/>
+          <a:p>
+            <a:pPr algn="ctr"/>
+            <a:r>
+              <a:rPr lang="en-US" sz="800" b="1" dirty="0">
+                <a:solidFill>
+                  <a:schemeClr val="tx1">
+                    <a:lumMod val="85000"/>
+                    <a:lumOff val="15000"/>
+                  </a:schemeClr>
+                </a:solidFill>
+                <a:latin typeface="Arial" panose="020B0604020202020204" pitchFamily="34" charset="0"/>
+                <a:cs typeface="Arial" panose="020B0604020202020204" pitchFamily="34" charset="0"/>
+              </a:rPr>
+              <a:t>April 2018</a:t>
+            </a:r>
+          </a:p>
+        </p:txBody>
+      </p:sp>
+      <p:sp>
+        <p:nvSpPr>
+          <p:cNvPr id="46" name="24 Elipse">
+            <a:extLst>
+              <a:ext uri="{FF2B5EF4-FFF2-40B4-BE49-F238E27FC236}">
+                <a16:creationId xmlns:a16="http://schemas.microsoft.com/office/drawing/2014/main" id="{8727B0AB-4090-1841-93BB-014176C60652}"/>
+              </a:ext>
+            </a:extLst>
+          </p:cNvPr>
+          <p:cNvSpPr/>
+          <p:nvPr/>
+        </p:nvSpPr>
+        <p:spPr>
+          <a:xfrm>
+            <a:off x="5397818" y="3164457"/>
+            <a:ext cx="85157" cy="85149"/>
+          </a:xfrm>
+          <a:prstGeom prst="ellipse">
+            <a:avLst/>
+          </a:prstGeom>
+          <a:solidFill>
+            <a:schemeClr val="tx1">
+              <a:lumMod val="85000"/>
+              <a:lumOff val="15000"/>
+            </a:schemeClr>
+          </a:solidFill>
+          <a:ln>
+            <a:noFill/>
+          </a:ln>
+        </p:spPr>
+        <p:style>
+          <a:lnRef idx="2">
+            <a:schemeClr val="accent1">
+              <a:shade val="50000"/>
+            </a:schemeClr>
+          </a:lnRef>
+          <a:fillRef idx="1">
+            <a:schemeClr val="accent1"/>
+          </a:fillRef>
+          <a:effectRef idx="0">
+            <a:schemeClr val="accent1"/>
+          </a:effectRef>
+          <a:fontRef idx="minor">
+            <a:schemeClr val="lt1"/>
+          </a:fontRef>
+        </p:style>
+        <p:txBody>
+          <a:bodyPr lIns="68572" tIns="34286" rIns="68572" bIns="34286" rtlCol="0" anchor="ctr"/>
+          <a:lstStyle/>
+          <a:p>
+            <a:pPr algn="ctr"/>
+            <a:endParaRPr lang="es-MX" sz="900">
+              <a:solidFill>
+                <a:schemeClr val="tx1"/>
+              </a:solidFill>
+              <a:latin typeface="Arial" panose="020B0604020202020204" pitchFamily="34" charset="0"/>
+              <a:ea typeface="Segoe UI" panose="020B0502040204020203" pitchFamily="34" charset="0"/>
+              <a:cs typeface="Arial" panose="020B0604020202020204" pitchFamily="34" charset="0"/>
+            </a:endParaRPr>
+          </a:p>
+        </p:txBody>
+      </p:sp>
+      <p:sp>
+        <p:nvSpPr>
+          <p:cNvPr id="47" name="Rectangle 46">
+            <a:extLst>
+              <a:ext uri="{FF2B5EF4-FFF2-40B4-BE49-F238E27FC236}">
+                <a16:creationId xmlns:a16="http://schemas.microsoft.com/office/drawing/2014/main" id="{C5379690-6567-314C-A2DC-2B2429D8DFE6}"/>
+              </a:ext>
+            </a:extLst>
+          </p:cNvPr>
+          <p:cNvSpPr/>
+          <p:nvPr/>
+        </p:nvSpPr>
+        <p:spPr>
+          <a:xfrm>
+            <a:off x="5400667" y="2050994"/>
+            <a:ext cx="528420" cy="338554"/>
+          </a:xfrm>
+          <a:prstGeom prst="rect">
+            <a:avLst/>
+          </a:prstGeom>
+        </p:spPr>
+        <p:txBody>
+          <a:bodyPr wrap="square">
+            <a:spAutoFit/>
+          </a:bodyPr>
+          <a:lstStyle/>
+          <a:p>
+            <a:r>
+              <a:rPr lang="en-US" sz="800" dirty="0">
+                <a:solidFill>
+                  <a:schemeClr val="tx1">
+                    <a:lumMod val="95000"/>
+                    <a:lumOff val="5000"/>
+                  </a:schemeClr>
+                </a:solidFill>
+                <a:latin typeface="Arial" panose="020B0604020202020204" pitchFamily="34" charset="0"/>
+                <a:cs typeface="Arial" panose="020B0604020202020204" pitchFamily="34" charset="0"/>
+              </a:rPr>
+              <a:t>Larval rearing</a:t>
+            </a:r>
+          </a:p>
+        </p:txBody>
+      </p:sp>
+      <p:sp>
+        <p:nvSpPr>
+          <p:cNvPr id="52" name="Rectangle 51">
+            <a:extLst>
+              <a:ext uri="{FF2B5EF4-FFF2-40B4-BE49-F238E27FC236}">
+                <a16:creationId xmlns:a16="http://schemas.microsoft.com/office/drawing/2014/main" id="{450FA78D-0C6D-1048-B11C-EA22BE65E785}"/>
+              </a:ext>
+            </a:extLst>
+          </p:cNvPr>
+          <p:cNvSpPr/>
+          <p:nvPr/>
+        </p:nvSpPr>
+        <p:spPr>
+          <a:xfrm>
+            <a:off x="4530042" y="2096017"/>
+            <a:ext cx="737437" cy="584775"/>
+          </a:xfrm>
+          <a:prstGeom prst="rect">
+            <a:avLst/>
+          </a:prstGeom>
+        </p:spPr>
+        <p:txBody>
+          <a:bodyPr wrap="square">
+            <a:spAutoFit/>
+          </a:bodyPr>
+          <a:lstStyle/>
+          <a:p>
+            <a:r>
+              <a:rPr lang="en-US" sz="800" dirty="0">
+                <a:solidFill>
+                  <a:schemeClr val="tx1">
+                    <a:lumMod val="95000"/>
+                    <a:lumOff val="5000"/>
+                  </a:schemeClr>
+                </a:solidFill>
+                <a:latin typeface="Arial" panose="020B0604020202020204" pitchFamily="34" charset="0"/>
+                <a:cs typeface="Arial" panose="020B0604020202020204" pitchFamily="34" charset="0"/>
+              </a:rPr>
+              <a:t>Adults begin conditioning &amp; spawning</a:t>
+            </a:r>
+          </a:p>
+        </p:txBody>
+      </p:sp>
+      <p:cxnSp>
+        <p:nvCxnSpPr>
+          <p:cNvPr id="53" name="40 Conector recto">
+            <a:extLst>
+              <a:ext uri="{FF2B5EF4-FFF2-40B4-BE49-F238E27FC236}">
+                <a16:creationId xmlns:a16="http://schemas.microsoft.com/office/drawing/2014/main" id="{B2122C73-CF51-6948-B3E5-9426B1EAA29D}"/>
+              </a:ext>
+            </a:extLst>
+          </p:cNvPr>
+          <p:cNvCxnSpPr>
+            <a:cxnSpLocks/>
+            <a:stCxn id="55" idx="4"/>
+          </p:cNvCxnSpPr>
+          <p:nvPr/>
+        </p:nvCxnSpPr>
+        <p:spPr>
+          <a:xfrm flipV="1">
+            <a:off x="7271732" y="2195082"/>
+            <a:ext cx="0" cy="1055802"/>
+          </a:xfrm>
+          <a:prstGeom prst="line">
+            <a:avLst/>
+          </a:prstGeom>
+          <a:ln w="12700">
+            <a:solidFill>
+              <a:schemeClr val="tx1">
+                <a:lumMod val="65000"/>
+                <a:lumOff val="35000"/>
+              </a:schemeClr>
+            </a:solidFill>
+          </a:ln>
+        </p:spPr>
+        <p:style>
+          <a:lnRef idx="1">
+            <a:schemeClr val="accent1"/>
+          </a:lnRef>
+          <a:fillRef idx="0">
+            <a:schemeClr val="accent1"/>
+          </a:fillRef>
+          <a:effectRef idx="0">
+            <a:schemeClr val="accent1"/>
+          </a:effectRef>
+          <a:fontRef idx="minor">
+            <a:schemeClr val="tx1"/>
+          </a:fontRef>
+        </p:style>
+      </p:cxnSp>
+      <p:sp>
+        <p:nvSpPr>
+          <p:cNvPr id="54" name="Rectangle 53">
+            <a:extLst>
+              <a:ext uri="{FF2B5EF4-FFF2-40B4-BE49-F238E27FC236}">
+                <a16:creationId xmlns:a16="http://schemas.microsoft.com/office/drawing/2014/main" id="{00C315EB-8829-0945-B741-8754CB406CD6}"/>
+              </a:ext>
+            </a:extLst>
+          </p:cNvPr>
+          <p:cNvSpPr/>
+          <p:nvPr/>
+        </p:nvSpPr>
+        <p:spPr>
+          <a:xfrm rot="16200000">
+            <a:off x="6683892" y="2524966"/>
+            <a:ext cx="1007415" cy="215444"/>
+          </a:xfrm>
+          <a:prstGeom prst="rect">
+            <a:avLst/>
+          </a:prstGeom>
+          <a:noFill/>
+          <a:ln>
+            <a:noFill/>
+          </a:ln>
+        </p:spPr>
+        <p:txBody>
+          <a:bodyPr wrap="square">
+            <a:spAutoFit/>
+          </a:bodyPr>
+          <a:lstStyle/>
+          <a:p>
+            <a:pPr algn="ctr"/>
+            <a:r>
+              <a:rPr lang="en-US" sz="800" b="1" dirty="0">
+                <a:solidFill>
+                  <a:schemeClr val="tx1">
+                    <a:lumMod val="85000"/>
+                    <a:lumOff val="15000"/>
+                  </a:schemeClr>
+                </a:solidFill>
+                <a:latin typeface="Arial" panose="020B0604020202020204" pitchFamily="34" charset="0"/>
+                <a:cs typeface="Arial" panose="020B0604020202020204" pitchFamily="34" charset="0"/>
+              </a:rPr>
+              <a:t>May - June 2018</a:t>
+            </a:r>
+          </a:p>
+        </p:txBody>
+      </p:sp>
+      <p:sp>
+        <p:nvSpPr>
+          <p:cNvPr id="55" name="24 Elipse">
+            <a:extLst>
+              <a:ext uri="{FF2B5EF4-FFF2-40B4-BE49-F238E27FC236}">
+                <a16:creationId xmlns:a16="http://schemas.microsoft.com/office/drawing/2014/main" id="{AFE621AB-B4A2-1A40-86A1-C0BDABDADFB8}"/>
+              </a:ext>
+            </a:extLst>
+          </p:cNvPr>
+          <p:cNvSpPr/>
+          <p:nvPr/>
+        </p:nvSpPr>
+        <p:spPr>
+          <a:xfrm>
+            <a:off x="7229153" y="3165735"/>
+            <a:ext cx="85157" cy="85149"/>
+          </a:xfrm>
+          <a:prstGeom prst="ellipse">
+            <a:avLst/>
+          </a:prstGeom>
+          <a:solidFill>
+            <a:schemeClr val="tx1">
+              <a:lumMod val="85000"/>
+              <a:lumOff val="15000"/>
+            </a:schemeClr>
+          </a:solidFill>
+          <a:ln>
+            <a:noFill/>
+          </a:ln>
+        </p:spPr>
+        <p:style>
+          <a:lnRef idx="2">
+            <a:schemeClr val="accent1">
+              <a:shade val="50000"/>
+            </a:schemeClr>
+          </a:lnRef>
+          <a:fillRef idx="1">
+            <a:schemeClr val="accent1"/>
+          </a:fillRef>
+          <a:effectRef idx="0">
+            <a:schemeClr val="accent1"/>
+          </a:effectRef>
+          <a:fontRef idx="minor">
+            <a:schemeClr val="lt1"/>
+          </a:fontRef>
+        </p:style>
+        <p:txBody>
+          <a:bodyPr lIns="68572" tIns="34286" rIns="68572" bIns="34286" rtlCol="0" anchor="ctr"/>
+          <a:lstStyle/>
+          <a:p>
+            <a:pPr algn="ctr"/>
+            <a:endParaRPr lang="es-MX" sz="900">
+              <a:solidFill>
+                <a:schemeClr val="tx1"/>
+              </a:solidFill>
+              <a:latin typeface="Arial" panose="020B0604020202020204" pitchFamily="34" charset="0"/>
+              <a:ea typeface="Segoe UI" panose="020B0502040204020203" pitchFamily="34" charset="0"/>
+              <a:cs typeface="Arial" panose="020B0604020202020204" pitchFamily="34" charset="0"/>
+            </a:endParaRPr>
+          </a:p>
+        </p:txBody>
+      </p:sp>
+      <p:sp>
+        <p:nvSpPr>
+          <p:cNvPr id="57" name="Rectangle 56">
+            <a:extLst>
+              <a:ext uri="{FF2B5EF4-FFF2-40B4-BE49-F238E27FC236}">
+                <a16:creationId xmlns:a16="http://schemas.microsoft.com/office/drawing/2014/main" id="{F8E0F5F3-5197-B042-9D25-5673FE5261C1}"/>
+              </a:ext>
+            </a:extLst>
+          </p:cNvPr>
+          <p:cNvSpPr/>
+          <p:nvPr/>
+        </p:nvSpPr>
+        <p:spPr>
+          <a:xfrm>
+            <a:off x="7229153" y="2179943"/>
+            <a:ext cx="804450" cy="338554"/>
+          </a:xfrm>
+          <a:prstGeom prst="rect">
+            <a:avLst/>
+          </a:prstGeom>
+        </p:spPr>
+        <p:txBody>
+          <a:bodyPr wrap="square">
+            <a:spAutoFit/>
+          </a:bodyPr>
+          <a:lstStyle/>
+          <a:p>
+            <a:r>
+              <a:rPr lang="en-US" sz="800" dirty="0">
+                <a:solidFill>
+                  <a:schemeClr val="tx1">
+                    <a:lumMod val="95000"/>
+                    <a:lumOff val="5000"/>
+                  </a:schemeClr>
+                </a:solidFill>
+                <a:latin typeface="Arial" panose="020B0604020202020204" pitchFamily="34" charset="0"/>
+                <a:cs typeface="Arial" panose="020B0604020202020204" pitchFamily="34" charset="0"/>
+              </a:rPr>
+              <a:t>Survival assessed</a:t>
+            </a:r>
+          </a:p>
+        </p:txBody>
+      </p:sp>
+    </p:spTree>
+    <p:extLst>
+      <p:ext uri="{BB962C8B-B14F-4D97-AF65-F5344CB8AC3E}">
+        <p14:creationId xmlns:p14="http://schemas.microsoft.com/office/powerpoint/2010/main" val="2205565685"/>
+      </p:ext>
+    </p:extLst>
+  </p:cSld>
+  <p:clrMapOvr>
+    <a:masterClrMapping/>
+  </p:clrMapOvr>
+</p:sld>
+</file>
+
+<file path=ppt/slides/slide13.xml><?xml version="1.0" encoding="utf-8"?>
+<p:sld xmlns:a="http://schemas.openxmlformats.org/drawingml/2006/main" xmlns:r="http://schemas.openxmlformats.org/officeDocument/2006/relationships" xmlns:p="http://schemas.openxmlformats.org/presentationml/2006/main">
+  <p:cSld>
+    <p:spTree>
+      <p:nvGrpSpPr>
+        <p:cNvPr id="1" name=""/>
+        <p:cNvGrpSpPr/>
+        <p:nvPr/>
+      </p:nvGrpSpPr>
+      <p:grpSpPr>
+        <a:xfrm>
+          <a:off x="0" y="0"/>
+          <a:ext cx="0" cy="0"/>
+          <a:chOff x="0" y="0"/>
+          <a:chExt cx="0" cy="0"/>
+        </a:xfrm>
+      </p:grpSpPr>
+      <p:sp>
+        <p:nvSpPr>
+          <p:cNvPr id="92" name="Rectangle 91">
+            <a:extLst>
+              <a:ext uri="{FF2B5EF4-FFF2-40B4-BE49-F238E27FC236}">
+                <a16:creationId xmlns:a16="http://schemas.microsoft.com/office/drawing/2014/main" id="{ED806C97-1F68-9645-A8E7-45F47064A930}"/>
+              </a:ext>
+            </a:extLst>
+          </p:cNvPr>
+          <p:cNvSpPr/>
+          <p:nvPr/>
+        </p:nvSpPr>
+        <p:spPr>
+          <a:xfrm>
+            <a:off x="1701041" y="4612005"/>
+            <a:ext cx="5576104" cy="534200"/>
+          </a:xfrm>
+          <a:prstGeom prst="rect">
+            <a:avLst/>
+          </a:prstGeom>
+          <a:solidFill>
+            <a:schemeClr val="bg1">
+              <a:lumMod val="85000"/>
+            </a:schemeClr>
+          </a:solidFill>
+          <a:ln w="9525">
+            <a:noFill/>
+          </a:ln>
+        </p:spPr>
+        <p:style>
+          <a:lnRef idx="2">
+            <a:schemeClr val="accent1">
+              <a:shade val="50000"/>
+            </a:schemeClr>
+          </a:lnRef>
+          <a:fillRef idx="1">
+            <a:schemeClr val="accent1"/>
+          </a:fillRef>
+          <a:effectRef idx="0">
+            <a:schemeClr val="accent1"/>
+          </a:effectRef>
+          <a:fontRef idx="minor">
+            <a:schemeClr val="lt1"/>
+          </a:fontRef>
+        </p:style>
+        <p:txBody>
+          <a:bodyPr rtlCol="0" anchor="t"/>
+          <a:lstStyle/>
+          <a:p>
+            <a:pPr>
+              <a:spcBef>
+                <a:spcPts val="600"/>
+              </a:spcBef>
+            </a:pPr>
+            <a:endParaRPr lang="en-US" sz="1050" i="1" dirty="0">
+              <a:solidFill>
+                <a:schemeClr val="tx1">
+                  <a:lumMod val="65000"/>
+                  <a:lumOff val="35000"/>
+                </a:schemeClr>
+              </a:solidFill>
+              <a:latin typeface="Arial" panose="020B0604020202020204" pitchFamily="34" charset="0"/>
+              <a:cs typeface="Arial" panose="020B0604020202020204" pitchFamily="34" charset="0"/>
+            </a:endParaRPr>
+          </a:p>
+        </p:txBody>
+      </p:sp>
+      <p:sp>
+        <p:nvSpPr>
+          <p:cNvPr id="267" name="Rectangle 266">
+            <a:extLst>
+              <a:ext uri="{FF2B5EF4-FFF2-40B4-BE49-F238E27FC236}">
+                <a16:creationId xmlns:a16="http://schemas.microsoft.com/office/drawing/2014/main" id="{19C204D0-A0DB-9243-A6DE-FDCF03846A0A}"/>
+              </a:ext>
+            </a:extLst>
+          </p:cNvPr>
+          <p:cNvSpPr/>
+          <p:nvPr/>
+        </p:nvSpPr>
+        <p:spPr>
+          <a:xfrm>
+            <a:off x="1709659" y="3555752"/>
+            <a:ext cx="5567916" cy="1081898"/>
+          </a:xfrm>
+          <a:prstGeom prst="rect">
+            <a:avLst/>
+          </a:prstGeom>
+          <a:solidFill>
+            <a:schemeClr val="bg1">
+              <a:lumMod val="95000"/>
+            </a:schemeClr>
+          </a:solidFill>
+          <a:ln w="9525">
+            <a:noFill/>
+          </a:ln>
+        </p:spPr>
+        <p:style>
+          <a:lnRef idx="2">
+            <a:schemeClr val="accent1">
+              <a:shade val="50000"/>
+            </a:schemeClr>
+          </a:lnRef>
+          <a:fillRef idx="1">
+            <a:schemeClr val="accent1"/>
+          </a:fillRef>
+          <a:effectRef idx="0">
+            <a:schemeClr val="accent1"/>
+          </a:effectRef>
+          <a:fontRef idx="minor">
+            <a:schemeClr val="lt1"/>
+          </a:fontRef>
+        </p:style>
+        <p:txBody>
+          <a:bodyPr rtlCol="0" anchor="t"/>
+          <a:lstStyle/>
+          <a:p>
+            <a:pPr>
+              <a:spcBef>
+                <a:spcPts val="600"/>
+              </a:spcBef>
+            </a:pPr>
+            <a:endParaRPr lang="en-US" sz="1050" i="1" dirty="0">
+              <a:solidFill>
+                <a:schemeClr val="tx1">
+                  <a:lumMod val="65000"/>
+                  <a:lumOff val="35000"/>
+                </a:schemeClr>
+              </a:solidFill>
+              <a:latin typeface="Arial" panose="020B0604020202020204" pitchFamily="34" charset="0"/>
+              <a:cs typeface="Arial" panose="020B0604020202020204" pitchFamily="34" charset="0"/>
+            </a:endParaRPr>
+          </a:p>
+        </p:txBody>
+      </p:sp>
+      <p:sp>
+        <p:nvSpPr>
+          <p:cNvPr id="126" name="Rectangle 125">
+            <a:extLst>
+              <a:ext uri="{FF2B5EF4-FFF2-40B4-BE49-F238E27FC236}">
+                <a16:creationId xmlns:a16="http://schemas.microsoft.com/office/drawing/2014/main" id="{D961CE0E-2E18-A044-8DD5-B6EC54AF21B8}"/>
+              </a:ext>
+            </a:extLst>
+          </p:cNvPr>
+          <p:cNvSpPr/>
+          <p:nvPr/>
+        </p:nvSpPr>
+        <p:spPr>
+          <a:xfrm>
+            <a:off x="2585225" y="3545084"/>
+            <a:ext cx="1914156" cy="461665"/>
+          </a:xfrm>
+          <a:prstGeom prst="rect">
+            <a:avLst/>
+          </a:prstGeom>
+          <a:solidFill>
+            <a:schemeClr val="accent1">
+              <a:lumMod val="20000"/>
+              <a:lumOff val="80000"/>
+            </a:schemeClr>
+          </a:solidFill>
+          <a:ln>
+            <a:noFill/>
+          </a:ln>
+        </p:spPr>
+        <p:txBody>
+          <a:bodyPr wrap="square">
+            <a:spAutoFit/>
+          </a:bodyPr>
+          <a:lstStyle/>
+          <a:p>
+            <a:pPr algn="ctr"/>
+            <a:r>
+              <a:rPr lang="en-US" sz="800" b="1" i="1" dirty="0">
+                <a:solidFill>
+                  <a:schemeClr val="tx1">
+                    <a:lumMod val="95000"/>
+                    <a:lumOff val="5000"/>
+                  </a:schemeClr>
+                </a:solidFill>
+                <a:latin typeface="Arial" panose="020B0604020202020204" pitchFamily="34" charset="0"/>
+                <a:cs typeface="Arial" panose="020B0604020202020204" pitchFamily="34" charset="0"/>
+              </a:rPr>
+              <a:t>Winter broodstock treatments</a:t>
+            </a:r>
+          </a:p>
+          <a:p>
+            <a:pPr algn="ctr"/>
+            <a:r>
+              <a:rPr lang="en-US" sz="800" dirty="0">
+                <a:solidFill>
+                  <a:srgbClr val="002060"/>
+                </a:solidFill>
+                <a:latin typeface="Arial" panose="020B0604020202020204" pitchFamily="34" charset="0"/>
+                <a:cs typeface="Arial" panose="020B0604020202020204" pitchFamily="34" charset="0"/>
+              </a:rPr>
+              <a:t>7ºC+high-food</a:t>
+            </a:r>
+            <a:r>
+              <a:rPr lang="en-US" sz="800" dirty="0">
+                <a:solidFill>
+                  <a:schemeClr val="tx1">
+                    <a:lumMod val="95000"/>
+                    <a:lumOff val="5000"/>
+                  </a:schemeClr>
+                </a:solidFill>
+                <a:latin typeface="Arial" panose="020B0604020202020204" pitchFamily="34" charset="0"/>
+                <a:cs typeface="Arial" panose="020B0604020202020204" pitchFamily="34" charset="0"/>
+              </a:rPr>
+              <a:t>, </a:t>
+            </a:r>
+            <a:r>
+              <a:rPr lang="en-US" sz="800" dirty="0">
+                <a:solidFill>
+                  <a:schemeClr val="accent5"/>
+                </a:solidFill>
+                <a:latin typeface="Arial" panose="020B0604020202020204" pitchFamily="34" charset="0"/>
+                <a:cs typeface="Arial" panose="020B0604020202020204" pitchFamily="34" charset="0"/>
+              </a:rPr>
+              <a:t>7ºC+low-food</a:t>
+            </a:r>
+          </a:p>
+          <a:p>
+            <a:pPr algn="ctr"/>
+            <a:r>
+              <a:rPr lang="en-US" sz="800" dirty="0">
+                <a:solidFill>
+                  <a:srgbClr val="C00000"/>
+                </a:solidFill>
+                <a:latin typeface="Arial" panose="020B0604020202020204" pitchFamily="34" charset="0"/>
+                <a:cs typeface="Arial" panose="020B0604020202020204" pitchFamily="34" charset="0"/>
+              </a:rPr>
+              <a:t>10ºC +high-food</a:t>
+            </a:r>
+            <a:r>
+              <a:rPr lang="en-US" sz="800" dirty="0">
+                <a:solidFill>
+                  <a:schemeClr val="tx1">
+                    <a:lumMod val="95000"/>
+                    <a:lumOff val="5000"/>
+                  </a:schemeClr>
+                </a:solidFill>
+                <a:latin typeface="Arial" panose="020B0604020202020204" pitchFamily="34" charset="0"/>
+                <a:cs typeface="Arial" panose="020B0604020202020204" pitchFamily="34" charset="0"/>
+              </a:rPr>
+              <a:t>, </a:t>
+            </a:r>
+            <a:r>
+              <a:rPr lang="en-US" sz="800" dirty="0">
+                <a:solidFill>
+                  <a:srgbClr val="FF7E79"/>
+                </a:solidFill>
+                <a:latin typeface="Arial" panose="020B0604020202020204" pitchFamily="34" charset="0"/>
+                <a:cs typeface="Arial" panose="020B0604020202020204" pitchFamily="34" charset="0"/>
+              </a:rPr>
+              <a:t>10ºC +low-food</a:t>
+            </a:r>
+          </a:p>
+        </p:txBody>
+      </p:sp>
+      <p:sp>
+        <p:nvSpPr>
+          <p:cNvPr id="271" name="Rectangle 270">
+            <a:extLst>
+              <a:ext uri="{FF2B5EF4-FFF2-40B4-BE49-F238E27FC236}">
+                <a16:creationId xmlns:a16="http://schemas.microsoft.com/office/drawing/2014/main" id="{19B589F5-BBB0-D746-8E74-A56D2DE737D0}"/>
+              </a:ext>
+            </a:extLst>
+          </p:cNvPr>
+          <p:cNvSpPr/>
+          <p:nvPr/>
+        </p:nvSpPr>
+        <p:spPr>
+          <a:xfrm>
+            <a:off x="1738255" y="4615731"/>
+            <a:ext cx="911811" cy="230832"/>
+          </a:xfrm>
+          <a:prstGeom prst="rect">
+            <a:avLst/>
+          </a:prstGeom>
+          <a:solidFill>
+            <a:schemeClr val="bg1">
+              <a:lumMod val="85000"/>
+            </a:schemeClr>
+          </a:solidFill>
+          <a:ln>
+            <a:noFill/>
+          </a:ln>
+        </p:spPr>
+        <p:txBody>
+          <a:bodyPr wrap="square">
+            <a:spAutoFit/>
+          </a:bodyPr>
+          <a:lstStyle/>
+          <a:p>
+            <a:r>
+              <a:rPr lang="en-US" sz="900" i="1" dirty="0">
+                <a:solidFill>
+                  <a:schemeClr val="tx1">
+                    <a:lumMod val="85000"/>
+                    <a:lumOff val="15000"/>
+                  </a:schemeClr>
+                </a:solidFill>
+                <a:latin typeface="Arial" panose="020B0604020202020204" pitchFamily="34" charset="0"/>
+                <a:cs typeface="Arial" panose="020B0604020202020204" pitchFamily="34" charset="0"/>
+              </a:rPr>
+              <a:t>OFFSPRING</a:t>
+            </a:r>
+          </a:p>
+        </p:txBody>
+      </p:sp>
+      <p:sp>
+        <p:nvSpPr>
+          <p:cNvPr id="279" name="Rectangle 278">
+            <a:extLst>
+              <a:ext uri="{FF2B5EF4-FFF2-40B4-BE49-F238E27FC236}">
+                <a16:creationId xmlns:a16="http://schemas.microsoft.com/office/drawing/2014/main" id="{B086AE53-07ED-3345-B760-86998D5557F7}"/>
+              </a:ext>
+            </a:extLst>
+          </p:cNvPr>
+          <p:cNvSpPr/>
+          <p:nvPr/>
+        </p:nvSpPr>
+        <p:spPr>
+          <a:xfrm rot="16200000">
+            <a:off x="521037" y="4390689"/>
+            <a:ext cx="2168562" cy="230832"/>
+          </a:xfrm>
+          <a:prstGeom prst="rect">
+            <a:avLst/>
+          </a:prstGeom>
+          <a:noFill/>
+          <a:ln>
+            <a:noFill/>
+          </a:ln>
+        </p:spPr>
+        <p:txBody>
+          <a:bodyPr wrap="square">
+            <a:spAutoFit/>
+          </a:bodyPr>
+          <a:lstStyle/>
+          <a:p>
+            <a:pPr algn="ctr"/>
+            <a:r>
+              <a:rPr lang="en-US" sz="900" i="1" dirty="0">
+                <a:solidFill>
+                  <a:schemeClr val="tx1">
+                    <a:lumMod val="95000"/>
+                    <a:lumOff val="5000"/>
+                  </a:schemeClr>
+                </a:solidFill>
+                <a:latin typeface="Arial" panose="020B0604020202020204" pitchFamily="34" charset="0"/>
+                <a:cs typeface="Arial" panose="020B0604020202020204" pitchFamily="34" charset="0"/>
+              </a:rPr>
+              <a:t>Environmental conditions </a:t>
+            </a:r>
+          </a:p>
+        </p:txBody>
+      </p:sp>
+      <p:sp>
+        <p:nvSpPr>
+          <p:cNvPr id="90" name="Rectangle 89">
+            <a:extLst>
+              <a:ext uri="{FF2B5EF4-FFF2-40B4-BE49-F238E27FC236}">
+                <a16:creationId xmlns:a16="http://schemas.microsoft.com/office/drawing/2014/main" id="{247F7FF4-786B-8D46-99D2-8F22F145AE05}"/>
+              </a:ext>
+            </a:extLst>
+          </p:cNvPr>
+          <p:cNvSpPr/>
+          <p:nvPr/>
+        </p:nvSpPr>
+        <p:spPr>
+          <a:xfrm>
+            <a:off x="4499381" y="4038823"/>
+            <a:ext cx="1734074" cy="448786"/>
+          </a:xfrm>
+          <a:prstGeom prst="rect">
+            <a:avLst/>
+          </a:prstGeom>
+          <a:solidFill>
+            <a:schemeClr val="bg1">
+              <a:lumMod val="85000"/>
+            </a:schemeClr>
+          </a:solidFill>
+          <a:ln w="9525">
+            <a:noFill/>
+          </a:ln>
+        </p:spPr>
+        <p:style>
+          <a:lnRef idx="2">
+            <a:schemeClr val="accent1">
+              <a:shade val="50000"/>
+            </a:schemeClr>
+          </a:lnRef>
+          <a:fillRef idx="1">
+            <a:schemeClr val="accent1"/>
+          </a:fillRef>
+          <a:effectRef idx="0">
+            <a:schemeClr val="accent1"/>
+          </a:effectRef>
+          <a:fontRef idx="minor">
+            <a:schemeClr val="lt1"/>
+          </a:fontRef>
+        </p:style>
+        <p:txBody>
+          <a:bodyPr rtlCol="0" anchor="ctr"/>
+          <a:lstStyle/>
+          <a:p>
+            <a:pPr algn="ctr"/>
+            <a:r>
+              <a:rPr lang="en-US" sz="800" b="1" i="1" dirty="0" err="1">
+                <a:solidFill>
+                  <a:schemeClr val="tx1">
+                    <a:lumMod val="95000"/>
+                    <a:lumOff val="5000"/>
+                  </a:schemeClr>
+                </a:solidFill>
+                <a:latin typeface="Arial" panose="020B0604020202020204" pitchFamily="34" charset="0"/>
+                <a:cs typeface="Arial" panose="020B0604020202020204" pitchFamily="34" charset="0"/>
+              </a:rPr>
+              <a:t>Broodstock</a:t>
+            </a:r>
+            <a:r>
+              <a:rPr lang="en-US" sz="800" b="1" i="1" dirty="0">
+                <a:solidFill>
+                  <a:schemeClr val="tx1">
+                    <a:lumMod val="95000"/>
+                    <a:lumOff val="5000"/>
+                  </a:schemeClr>
+                </a:solidFill>
+                <a:latin typeface="Arial" panose="020B0604020202020204" pitchFamily="34" charset="0"/>
+                <a:cs typeface="Arial" panose="020B0604020202020204" pitchFamily="34" charset="0"/>
+              </a:rPr>
+              <a:t> spawn</a:t>
+            </a:r>
+          </a:p>
+          <a:p>
+            <a:pPr algn="ctr"/>
+            <a:r>
+              <a:rPr lang="en-US" sz="800" dirty="0">
+                <a:solidFill>
+                  <a:schemeClr val="tx1">
+                    <a:lumMod val="95000"/>
+                    <a:lumOff val="5000"/>
+                  </a:schemeClr>
+                </a:solidFill>
+                <a:latin typeface="Arial" panose="020B0604020202020204" pitchFamily="34" charset="0"/>
+                <a:cs typeface="Arial" panose="020B0604020202020204" pitchFamily="34" charset="0"/>
+              </a:rPr>
+              <a:t>spawned common conditions</a:t>
+            </a:r>
+          </a:p>
+          <a:p>
+            <a:pPr algn="ctr"/>
+            <a:r>
+              <a:rPr lang="en-US" sz="800" dirty="0">
+                <a:solidFill>
+                  <a:schemeClr val="tx1">
+                    <a:lumMod val="95000"/>
+                    <a:lumOff val="5000"/>
+                  </a:schemeClr>
+                </a:solidFill>
+                <a:latin typeface="Arial" panose="020B0604020202020204" pitchFamily="34" charset="0"/>
+                <a:cs typeface="Arial" panose="020B0604020202020204" pitchFamily="34" charset="0"/>
+              </a:rPr>
+              <a:t> ~18ºC, 100k cells/mL</a:t>
+            </a:r>
+          </a:p>
+        </p:txBody>
+      </p:sp>
+      <p:sp>
+        <p:nvSpPr>
+          <p:cNvPr id="91" name="Rectangle 90">
+            <a:extLst>
+              <a:ext uri="{FF2B5EF4-FFF2-40B4-BE49-F238E27FC236}">
+                <a16:creationId xmlns:a16="http://schemas.microsoft.com/office/drawing/2014/main" id="{D0DFB891-C997-2049-BC1B-4E5FE8FED508}"/>
+              </a:ext>
+            </a:extLst>
+          </p:cNvPr>
+          <p:cNvSpPr/>
+          <p:nvPr/>
+        </p:nvSpPr>
+        <p:spPr>
+          <a:xfrm>
+            <a:off x="5001382" y="4652789"/>
+            <a:ext cx="2227771" cy="448786"/>
+          </a:xfrm>
+          <a:prstGeom prst="rect">
+            <a:avLst/>
+          </a:prstGeom>
+          <a:solidFill>
+            <a:schemeClr val="bg1">
+              <a:lumMod val="95000"/>
+            </a:schemeClr>
+          </a:solidFill>
+          <a:ln w="9525">
+            <a:noFill/>
+          </a:ln>
+        </p:spPr>
+        <p:style>
+          <a:lnRef idx="2">
+            <a:schemeClr val="accent1">
+              <a:shade val="50000"/>
+            </a:schemeClr>
+          </a:lnRef>
+          <a:fillRef idx="1">
+            <a:schemeClr val="accent1"/>
+          </a:fillRef>
+          <a:effectRef idx="0">
+            <a:schemeClr val="accent1"/>
+          </a:effectRef>
+          <a:fontRef idx="minor">
+            <a:schemeClr val="lt1"/>
+          </a:fontRef>
+        </p:style>
+        <p:txBody>
+          <a:bodyPr rtlCol="0" anchor="ctr"/>
+          <a:lstStyle/>
+          <a:p>
+            <a:pPr algn="ctr"/>
+            <a:r>
+              <a:rPr lang="en-US" sz="800" b="1" i="1" dirty="0">
+                <a:solidFill>
+                  <a:schemeClr val="tx1">
+                    <a:lumMod val="95000"/>
+                    <a:lumOff val="5000"/>
+                  </a:schemeClr>
+                </a:solidFill>
+                <a:latin typeface="Arial" panose="020B0604020202020204" pitchFamily="34" charset="0"/>
+                <a:cs typeface="Arial" panose="020B0604020202020204" pitchFamily="34" charset="0"/>
+              </a:rPr>
+              <a:t>Larvae reared</a:t>
+            </a:r>
+          </a:p>
+          <a:p>
+            <a:pPr algn="ctr"/>
+            <a:r>
+              <a:rPr lang="en-US" sz="800" dirty="0">
+                <a:solidFill>
+                  <a:schemeClr val="tx1">
+                    <a:lumMod val="95000"/>
+                    <a:lumOff val="5000"/>
+                  </a:schemeClr>
+                </a:solidFill>
+                <a:latin typeface="Arial" panose="020B0604020202020204" pitchFamily="34" charset="0"/>
+                <a:cs typeface="Arial" panose="020B0604020202020204" pitchFamily="34" charset="0"/>
+              </a:rPr>
+              <a:t>common conditions</a:t>
+            </a:r>
+          </a:p>
+          <a:p>
+            <a:pPr algn="ctr"/>
+            <a:r>
+              <a:rPr lang="en-US" sz="800" dirty="0">
+                <a:solidFill>
+                  <a:schemeClr val="tx1">
+                    <a:lumMod val="95000"/>
+                    <a:lumOff val="5000"/>
+                  </a:schemeClr>
+                </a:solidFill>
+                <a:latin typeface="Arial" panose="020B0604020202020204" pitchFamily="34" charset="0"/>
+                <a:cs typeface="Arial" panose="020B0604020202020204" pitchFamily="34" charset="0"/>
+              </a:rPr>
+              <a:t>static, ~18ºC, 100k cells/mL</a:t>
+            </a:r>
+          </a:p>
+        </p:txBody>
+      </p:sp>
+      <p:sp>
+        <p:nvSpPr>
+          <p:cNvPr id="93" name="Rectangle 92">
+            <a:extLst>
+              <a:ext uri="{FF2B5EF4-FFF2-40B4-BE49-F238E27FC236}">
+                <a16:creationId xmlns:a16="http://schemas.microsoft.com/office/drawing/2014/main" id="{99BDB09C-DBEA-C444-8CC5-F9CF0D74406F}"/>
+              </a:ext>
+            </a:extLst>
+          </p:cNvPr>
+          <p:cNvSpPr/>
+          <p:nvPr/>
+        </p:nvSpPr>
+        <p:spPr>
+          <a:xfrm>
+            <a:off x="1785863" y="3603706"/>
+            <a:ext cx="753549" cy="230832"/>
+          </a:xfrm>
+          <a:prstGeom prst="rect">
+            <a:avLst/>
+          </a:prstGeom>
+          <a:solidFill>
+            <a:schemeClr val="bg1">
+              <a:lumMod val="95000"/>
+            </a:schemeClr>
+          </a:solidFill>
+          <a:ln>
+            <a:noFill/>
+          </a:ln>
+        </p:spPr>
+        <p:txBody>
+          <a:bodyPr wrap="square">
+            <a:spAutoFit/>
+          </a:bodyPr>
+          <a:lstStyle/>
+          <a:p>
+            <a:r>
+              <a:rPr lang="en-US" sz="900" i="1" dirty="0">
+                <a:solidFill>
+                  <a:schemeClr val="tx1">
+                    <a:lumMod val="85000"/>
+                    <a:lumOff val="15000"/>
+                  </a:schemeClr>
+                </a:solidFill>
+                <a:latin typeface="Arial" panose="020B0604020202020204" pitchFamily="34" charset="0"/>
+                <a:cs typeface="Arial" panose="020B0604020202020204" pitchFamily="34" charset="0"/>
+              </a:rPr>
+              <a:t>ADULT</a:t>
+            </a:r>
+          </a:p>
+        </p:txBody>
+      </p:sp>
+      <p:grpSp>
+        <p:nvGrpSpPr>
+          <p:cNvPr id="7" name="Group 6">
+            <a:extLst>
+              <a:ext uri="{FF2B5EF4-FFF2-40B4-BE49-F238E27FC236}">
+                <a16:creationId xmlns:a16="http://schemas.microsoft.com/office/drawing/2014/main" id="{714AC177-6B5F-CE4B-8A91-BA6C09DD3381}"/>
+              </a:ext>
+            </a:extLst>
+          </p:cNvPr>
+          <p:cNvGrpSpPr/>
+          <p:nvPr/>
+        </p:nvGrpSpPr>
+        <p:grpSpPr>
+          <a:xfrm>
+            <a:off x="1587469" y="1772785"/>
+            <a:ext cx="6085912" cy="1490223"/>
+            <a:chOff x="1587469" y="1772785"/>
+            <a:chExt cx="6085912" cy="1490223"/>
+          </a:xfrm>
+        </p:grpSpPr>
+        <p:grpSp>
+          <p:nvGrpSpPr>
+            <p:cNvPr id="3" name="Group 2">
+              <a:extLst>
+                <a:ext uri="{FF2B5EF4-FFF2-40B4-BE49-F238E27FC236}">
+                  <a16:creationId xmlns:a16="http://schemas.microsoft.com/office/drawing/2014/main" id="{2899737C-1122-704B-B13D-9BB42EDF5558}"/>
+                </a:ext>
+              </a:extLst>
+            </p:cNvPr>
+            <p:cNvGrpSpPr/>
+            <p:nvPr/>
+          </p:nvGrpSpPr>
+          <p:grpSpPr>
+            <a:xfrm>
+              <a:off x="1587469" y="1772785"/>
+              <a:ext cx="6085912" cy="1490223"/>
+              <a:chOff x="1587469" y="1772785"/>
+              <a:chExt cx="6085912" cy="1490223"/>
+            </a:xfrm>
+          </p:grpSpPr>
+          <p:grpSp>
+            <p:nvGrpSpPr>
+              <p:cNvPr id="2" name="Group 1">
+                <a:extLst>
+                  <a:ext uri="{FF2B5EF4-FFF2-40B4-BE49-F238E27FC236}">
+                    <a16:creationId xmlns:a16="http://schemas.microsoft.com/office/drawing/2014/main" id="{0A627307-39D8-D24B-A626-6150FE389348}"/>
+                  </a:ext>
+                </a:extLst>
+              </p:cNvPr>
+              <p:cNvGrpSpPr/>
+              <p:nvPr/>
+            </p:nvGrpSpPr>
+            <p:grpSpPr>
+              <a:xfrm>
+                <a:off x="1587469" y="1772785"/>
+                <a:ext cx="5267609" cy="1490223"/>
+                <a:chOff x="1587469" y="1772785"/>
+                <a:chExt cx="5267609" cy="1490223"/>
+              </a:xfrm>
+            </p:grpSpPr>
+            <p:cxnSp>
+              <p:nvCxnSpPr>
+                <p:cNvPr id="71" name="40 Conector recto">
+                  <a:extLst>
+                    <a:ext uri="{FF2B5EF4-FFF2-40B4-BE49-F238E27FC236}">
+                      <a16:creationId xmlns:a16="http://schemas.microsoft.com/office/drawing/2014/main" id="{CFDAD28D-D8A6-5442-8D48-D71F60757076}"/>
+                    </a:ext>
+                  </a:extLst>
+                </p:cNvPr>
+                <p:cNvCxnSpPr>
+                  <a:cxnSpLocks/>
+                </p:cNvCxnSpPr>
+                <p:nvPr/>
+              </p:nvCxnSpPr>
+              <p:spPr>
+                <a:xfrm flipV="1">
+                  <a:off x="2512511" y="1859349"/>
+                  <a:ext cx="0" cy="1372949"/>
+                </a:xfrm>
+                <a:prstGeom prst="line">
+                  <a:avLst/>
+                </a:prstGeom>
+                <a:ln w="12700">
+                  <a:solidFill>
+                    <a:schemeClr val="tx1">
+                      <a:lumMod val="65000"/>
+                      <a:lumOff val="35000"/>
+                    </a:schemeClr>
+                  </a:solidFill>
+                </a:ln>
+              </p:spPr>
+              <p:style>
+                <a:lnRef idx="1">
+                  <a:schemeClr val="accent1"/>
+                </a:lnRef>
+                <a:fillRef idx="0">
+                  <a:schemeClr val="accent1"/>
+                </a:fillRef>
+                <a:effectRef idx="0">
+                  <a:schemeClr val="accent1"/>
+                </a:effectRef>
+                <a:fontRef idx="minor">
+                  <a:schemeClr val="tx1"/>
+                </a:fontRef>
+              </p:style>
+            </p:cxnSp>
+            <p:cxnSp>
+              <p:nvCxnSpPr>
+                <p:cNvPr id="9" name="40 Conector recto"/>
+                <p:cNvCxnSpPr>
+                  <a:cxnSpLocks/>
+                </p:cNvCxnSpPr>
+                <p:nvPr/>
+              </p:nvCxnSpPr>
+              <p:spPr>
+                <a:xfrm flipV="1">
+                  <a:off x="1774567" y="2157469"/>
+                  <a:ext cx="0" cy="1074829"/>
+                </a:xfrm>
+                <a:prstGeom prst="line">
+                  <a:avLst/>
+                </a:prstGeom>
+                <a:ln w="12700">
+                  <a:solidFill>
+                    <a:schemeClr val="tx1">
+                      <a:lumMod val="65000"/>
+                      <a:lumOff val="35000"/>
+                    </a:schemeClr>
+                  </a:solidFill>
+                </a:ln>
+              </p:spPr>
+              <p:style>
+                <a:lnRef idx="1">
+                  <a:schemeClr val="accent1"/>
+                </a:lnRef>
+                <a:fillRef idx="0">
+                  <a:schemeClr val="accent1"/>
+                </a:fillRef>
+                <a:effectRef idx="0">
+                  <a:schemeClr val="accent1"/>
+                </a:effectRef>
+                <a:fontRef idx="minor">
+                  <a:schemeClr val="tx1"/>
+                </a:fontRef>
+              </p:style>
+            </p:cxnSp>
+            <p:cxnSp>
+              <p:nvCxnSpPr>
+                <p:cNvPr id="4" name="18 Conector recto"/>
+                <p:cNvCxnSpPr>
+                  <a:cxnSpLocks/>
+                  <a:stCxn id="363" idx="2"/>
+                  <a:endCxn id="37" idx="2"/>
+                </p:cNvCxnSpPr>
+                <p:nvPr/>
+              </p:nvCxnSpPr>
+              <p:spPr>
+                <a:xfrm flipV="1">
+                  <a:off x="1734944" y="3208310"/>
+                  <a:ext cx="5120134" cy="8620"/>
+                </a:xfrm>
+                <a:prstGeom prst="line">
+                  <a:avLst/>
+                </a:prstGeom>
+                <a:ln w="15875">
+                  <a:solidFill>
+                    <a:schemeClr val="tx1">
+                      <a:lumMod val="65000"/>
+                      <a:lumOff val="35000"/>
+                    </a:schemeClr>
+                  </a:solidFill>
+                </a:ln>
+              </p:spPr>
+              <p:style>
+                <a:lnRef idx="1">
+                  <a:schemeClr val="accent1"/>
+                </a:lnRef>
+                <a:fillRef idx="0">
+                  <a:schemeClr val="accent1"/>
+                </a:fillRef>
+                <a:effectRef idx="0">
+                  <a:schemeClr val="accent1"/>
+                </a:effectRef>
+                <a:fontRef idx="minor">
+                  <a:schemeClr val="tx1"/>
+                </a:fontRef>
+              </p:style>
+            </p:cxnSp>
+            <p:sp>
+              <p:nvSpPr>
+                <p:cNvPr id="56" name="Rectangle 55"/>
+                <p:cNvSpPr/>
+                <p:nvPr/>
+              </p:nvSpPr>
+              <p:spPr>
+                <a:xfrm>
+                  <a:off x="1729789" y="2116315"/>
+                  <a:ext cx="743617" cy="338554"/>
+                </a:xfrm>
+                <a:prstGeom prst="rect">
+                  <a:avLst/>
+                </a:prstGeom>
+              </p:spPr>
+              <p:txBody>
+                <a:bodyPr wrap="square">
+                  <a:spAutoFit/>
+                </a:bodyPr>
+                <a:lstStyle/>
+                <a:p>
+                  <a:r>
+                    <a:rPr lang="en-US" sz="800" dirty="0">
+                      <a:solidFill>
+                        <a:schemeClr val="tx1">
+                          <a:lumMod val="95000"/>
+                          <a:lumOff val="5000"/>
+                        </a:schemeClr>
+                      </a:solidFill>
+                      <a:latin typeface="Arial" panose="020B0604020202020204" pitchFamily="34" charset="0"/>
+                      <a:cs typeface="Arial" panose="020B0604020202020204" pitchFamily="34" charset="0"/>
+                    </a:rPr>
+                    <a:t>Adults collected</a:t>
+                  </a:r>
+                </a:p>
+              </p:txBody>
+            </p:sp>
+            <p:sp>
+              <p:nvSpPr>
+                <p:cNvPr id="112" name="Rectangle 111">
+                  <a:extLst>
+                    <a:ext uri="{FF2B5EF4-FFF2-40B4-BE49-F238E27FC236}">
+                      <a16:creationId xmlns:a16="http://schemas.microsoft.com/office/drawing/2014/main" id="{12D56CDE-E781-DF4A-A372-E62F922CEBFC}"/>
+                    </a:ext>
+                  </a:extLst>
+                </p:cNvPr>
+                <p:cNvSpPr/>
+                <p:nvPr/>
+              </p:nvSpPr>
+              <p:spPr>
+                <a:xfrm>
+                  <a:off x="2463209" y="1805413"/>
+                  <a:ext cx="706802" cy="461665"/>
+                </a:xfrm>
+                <a:prstGeom prst="rect">
+                  <a:avLst/>
+                </a:prstGeom>
+              </p:spPr>
+              <p:txBody>
+                <a:bodyPr wrap="square">
+                  <a:spAutoFit/>
+                </a:bodyPr>
+                <a:lstStyle/>
+                <a:p>
+                  <a:r>
+                    <a:rPr lang="en-US" sz="800" dirty="0">
+                      <a:latin typeface="Arial" panose="020B0604020202020204" pitchFamily="34" charset="0"/>
+                      <a:cs typeface="Arial" panose="020B0604020202020204" pitchFamily="34" charset="0"/>
+                    </a:rPr>
+                    <a:t>Adults into winter treatments</a:t>
+                  </a:r>
+                </a:p>
+              </p:txBody>
+            </p:sp>
+            <p:sp>
+              <p:nvSpPr>
+                <p:cNvPr id="337" name="Rectangle 336">
+                  <a:extLst>
+                    <a:ext uri="{FF2B5EF4-FFF2-40B4-BE49-F238E27FC236}">
+                      <a16:creationId xmlns:a16="http://schemas.microsoft.com/office/drawing/2014/main" id="{7935120D-0A48-9B43-886A-53957514746C}"/>
+                    </a:ext>
+                  </a:extLst>
+                </p:cNvPr>
+                <p:cNvSpPr/>
+                <p:nvPr/>
+              </p:nvSpPr>
+              <p:spPr>
+                <a:xfrm rot="16200000">
+                  <a:off x="1147572" y="2481782"/>
+                  <a:ext cx="1095237" cy="215444"/>
+                </a:xfrm>
+                <a:prstGeom prst="rect">
+                  <a:avLst/>
+                </a:prstGeom>
+                <a:noFill/>
+                <a:ln>
+                  <a:noFill/>
+                </a:ln>
+              </p:spPr>
+              <p:txBody>
+                <a:bodyPr wrap="square">
+                  <a:spAutoFit/>
+                </a:bodyPr>
+                <a:lstStyle/>
+                <a:p>
+                  <a:pPr algn="ctr"/>
+                  <a:r>
+                    <a:rPr lang="en-US" sz="800" b="1" dirty="0">
+                      <a:solidFill>
+                        <a:schemeClr val="tx1">
+                          <a:lumMod val="85000"/>
+                          <a:lumOff val="15000"/>
+                        </a:schemeClr>
+                      </a:solidFill>
+                      <a:latin typeface="Arial" panose="020B0604020202020204" pitchFamily="34" charset="0"/>
+                      <a:cs typeface="Arial" panose="020B0604020202020204" pitchFamily="34" charset="0"/>
+                    </a:rPr>
+                    <a:t>November  2017</a:t>
+                  </a:r>
+                </a:p>
+              </p:txBody>
+            </p:sp>
+            <p:sp>
+              <p:nvSpPr>
+                <p:cNvPr id="350" name="Rectangle 349">
+                  <a:extLst>
+                    <a:ext uri="{FF2B5EF4-FFF2-40B4-BE49-F238E27FC236}">
+                      <a16:creationId xmlns:a16="http://schemas.microsoft.com/office/drawing/2014/main" id="{ABF45771-DFEB-5149-9D12-EC4B800667DE}"/>
+                    </a:ext>
+                  </a:extLst>
+                </p:cNvPr>
+                <p:cNvSpPr/>
+                <p:nvPr/>
+              </p:nvSpPr>
+              <p:spPr>
+                <a:xfrm rot="16200000">
+                  <a:off x="1905751" y="2195695"/>
+                  <a:ext cx="1061264" cy="215444"/>
+                </a:xfrm>
+                <a:prstGeom prst="rect">
+                  <a:avLst/>
+                </a:prstGeom>
+                <a:noFill/>
+                <a:ln>
+                  <a:noFill/>
+                </a:ln>
+              </p:spPr>
+              <p:txBody>
+                <a:bodyPr wrap="square">
+                  <a:spAutoFit/>
+                </a:bodyPr>
+                <a:lstStyle/>
+                <a:p>
+                  <a:pPr algn="ctr"/>
+                  <a:r>
+                    <a:rPr lang="en-US" sz="800" b="1" dirty="0">
+                      <a:solidFill>
+                        <a:schemeClr val="tx1">
+                          <a:lumMod val="85000"/>
+                          <a:lumOff val="15000"/>
+                        </a:schemeClr>
+                      </a:solidFill>
+                      <a:latin typeface="Arial" panose="020B0604020202020204" pitchFamily="34" charset="0"/>
+                      <a:cs typeface="Arial" panose="020B0604020202020204" pitchFamily="34" charset="0"/>
+                    </a:rPr>
+                    <a:t>December 2018</a:t>
+                  </a:r>
+                </a:p>
+              </p:txBody>
+            </p:sp>
+            <p:sp>
+              <p:nvSpPr>
+                <p:cNvPr id="363" name="24 Elipse">
+                  <a:extLst>
+                    <a:ext uri="{FF2B5EF4-FFF2-40B4-BE49-F238E27FC236}">
+                      <a16:creationId xmlns:a16="http://schemas.microsoft.com/office/drawing/2014/main" id="{371590CC-5310-6749-8C12-2EAC7A9DC300}"/>
+                    </a:ext>
+                  </a:extLst>
+                </p:cNvPr>
+                <p:cNvSpPr/>
+                <p:nvPr/>
+              </p:nvSpPr>
+              <p:spPr>
+                <a:xfrm>
+                  <a:off x="1734944" y="3174355"/>
+                  <a:ext cx="85157" cy="85149"/>
+                </a:xfrm>
+                <a:prstGeom prst="ellipse">
+                  <a:avLst/>
+                </a:prstGeom>
+                <a:solidFill>
+                  <a:schemeClr val="tx1">
+                    <a:lumMod val="85000"/>
+                    <a:lumOff val="15000"/>
+                  </a:schemeClr>
+                </a:solidFill>
+                <a:ln>
+                  <a:noFill/>
+                </a:ln>
+              </p:spPr>
+              <p:style>
+                <a:lnRef idx="2">
+                  <a:schemeClr val="accent1">
+                    <a:shade val="50000"/>
+                  </a:schemeClr>
+                </a:lnRef>
+                <a:fillRef idx="1">
+                  <a:schemeClr val="accent1"/>
+                </a:fillRef>
+                <a:effectRef idx="0">
+                  <a:schemeClr val="accent1"/>
+                </a:effectRef>
+                <a:fontRef idx="minor">
+                  <a:schemeClr val="lt1"/>
+                </a:fontRef>
+              </p:style>
+              <p:txBody>
+                <a:bodyPr lIns="68572" tIns="34286" rIns="68572" bIns="34286" rtlCol="0" anchor="ctr"/>
+                <a:lstStyle/>
+                <a:p>
+                  <a:pPr algn="ctr"/>
+                  <a:endParaRPr lang="es-MX" sz="900">
+                    <a:solidFill>
+                      <a:schemeClr val="tx1"/>
+                    </a:solidFill>
+                    <a:latin typeface="Arial" panose="020B0604020202020204" pitchFamily="34" charset="0"/>
+                    <a:ea typeface="Segoe UI" panose="020B0502040204020203" pitchFamily="34" charset="0"/>
+                    <a:cs typeface="Arial" panose="020B0604020202020204" pitchFamily="34" charset="0"/>
+                  </a:endParaRPr>
+                </a:p>
+              </p:txBody>
+            </p:sp>
+            <p:sp>
+              <p:nvSpPr>
+                <p:cNvPr id="369" name="24 Elipse">
+                  <a:extLst>
+                    <a:ext uri="{FF2B5EF4-FFF2-40B4-BE49-F238E27FC236}">
+                      <a16:creationId xmlns:a16="http://schemas.microsoft.com/office/drawing/2014/main" id="{70E89508-788A-8F4F-88FE-87799C42A0E3}"/>
+                    </a:ext>
+                  </a:extLst>
+                </p:cNvPr>
+                <p:cNvSpPr/>
+                <p:nvPr/>
+              </p:nvSpPr>
+              <p:spPr>
+                <a:xfrm>
+                  <a:off x="2469933" y="3177859"/>
+                  <a:ext cx="85157" cy="85149"/>
+                </a:xfrm>
+                <a:prstGeom prst="ellipse">
+                  <a:avLst/>
+                </a:prstGeom>
+                <a:solidFill>
+                  <a:schemeClr val="tx1">
+                    <a:lumMod val="85000"/>
+                    <a:lumOff val="15000"/>
+                  </a:schemeClr>
+                </a:solidFill>
+                <a:ln>
+                  <a:noFill/>
+                </a:ln>
+              </p:spPr>
+              <p:style>
+                <a:lnRef idx="2">
+                  <a:schemeClr val="accent1">
+                    <a:shade val="50000"/>
+                  </a:schemeClr>
+                </a:lnRef>
+                <a:fillRef idx="1">
+                  <a:schemeClr val="accent1"/>
+                </a:fillRef>
+                <a:effectRef idx="0">
+                  <a:schemeClr val="accent1"/>
+                </a:effectRef>
+                <a:fontRef idx="minor">
+                  <a:schemeClr val="lt1"/>
+                </a:fontRef>
+              </p:style>
+              <p:txBody>
+                <a:bodyPr lIns="68572" tIns="34286" rIns="68572" bIns="34286" rtlCol="0" anchor="ctr"/>
+                <a:lstStyle/>
+                <a:p>
+                  <a:pPr algn="ctr"/>
+                  <a:endParaRPr lang="es-MX" sz="900">
+                    <a:solidFill>
+                      <a:schemeClr val="tx1"/>
+                    </a:solidFill>
+                    <a:latin typeface="Arial" panose="020B0604020202020204" pitchFamily="34" charset="0"/>
+                    <a:ea typeface="Segoe UI" panose="020B0502040204020203" pitchFamily="34" charset="0"/>
+                    <a:cs typeface="Arial" panose="020B0604020202020204" pitchFamily="34" charset="0"/>
+                  </a:endParaRPr>
+                </a:p>
+              </p:txBody>
+            </p:sp>
+          </p:grpSp>
+          <p:cxnSp>
+            <p:nvCxnSpPr>
+              <p:cNvPr id="41" name="40 Conector recto">
+                <a:extLst>
+                  <a:ext uri="{FF2B5EF4-FFF2-40B4-BE49-F238E27FC236}">
+                    <a16:creationId xmlns:a16="http://schemas.microsoft.com/office/drawing/2014/main" id="{CEFC0E11-BE8D-4F4A-B2B0-88BD0EDF92C0}"/>
+                  </a:ext>
+                </a:extLst>
+              </p:cNvPr>
+              <p:cNvCxnSpPr>
+                <a:cxnSpLocks/>
+              </p:cNvCxnSpPr>
+              <p:nvPr/>
+            </p:nvCxnSpPr>
+            <p:spPr>
+              <a:xfrm flipV="1">
+                <a:off x="4564407" y="2130365"/>
+                <a:ext cx="1480" cy="1113328"/>
+              </a:xfrm>
+              <a:prstGeom prst="line">
+                <a:avLst/>
+              </a:prstGeom>
+              <a:ln w="12700">
+                <a:solidFill>
+                  <a:schemeClr val="tx1">
+                    <a:lumMod val="65000"/>
+                    <a:lumOff val="35000"/>
+                  </a:schemeClr>
+                </a:solidFill>
+              </a:ln>
+            </p:spPr>
+            <p:style>
+              <a:lnRef idx="1">
+                <a:schemeClr val="accent1"/>
+              </a:lnRef>
+              <a:fillRef idx="0">
+                <a:schemeClr val="accent1"/>
+              </a:fillRef>
+              <a:effectRef idx="0">
+                <a:schemeClr val="accent1"/>
+              </a:effectRef>
+              <a:fontRef idx="minor">
+                <a:schemeClr val="tx1"/>
+              </a:fontRef>
+            </p:style>
+          </p:cxnSp>
+          <p:sp>
+            <p:nvSpPr>
+              <p:cNvPr id="43" name="24 Elipse">
+                <a:extLst>
+                  <a:ext uri="{FF2B5EF4-FFF2-40B4-BE49-F238E27FC236}">
+                    <a16:creationId xmlns:a16="http://schemas.microsoft.com/office/drawing/2014/main" id="{F8B0579A-0C6B-2144-9FE0-37EE99D03338}"/>
+                  </a:ext>
+                </a:extLst>
+              </p:cNvPr>
+              <p:cNvSpPr/>
+              <p:nvPr/>
+            </p:nvSpPr>
+            <p:spPr>
+              <a:xfrm>
+                <a:off x="4521828" y="3172399"/>
+                <a:ext cx="85157" cy="85149"/>
+              </a:xfrm>
+              <a:prstGeom prst="ellipse">
+                <a:avLst/>
+              </a:prstGeom>
+              <a:solidFill>
+                <a:schemeClr val="tx1">
+                  <a:lumMod val="85000"/>
+                  <a:lumOff val="15000"/>
+                </a:schemeClr>
+              </a:solidFill>
+              <a:ln>
+                <a:noFill/>
+              </a:ln>
+            </p:spPr>
+            <p:style>
+              <a:lnRef idx="2">
+                <a:schemeClr val="accent1">
+                  <a:shade val="50000"/>
+                </a:schemeClr>
+              </a:lnRef>
+              <a:fillRef idx="1">
+                <a:schemeClr val="accent1"/>
+              </a:fillRef>
+              <a:effectRef idx="0">
+                <a:schemeClr val="accent1"/>
+              </a:effectRef>
+              <a:fontRef idx="minor">
+                <a:schemeClr val="lt1"/>
+              </a:fontRef>
+            </p:style>
+            <p:txBody>
+              <a:bodyPr lIns="68572" tIns="34286" rIns="68572" bIns="34286" rtlCol="0" anchor="ctr"/>
+              <a:lstStyle/>
+              <a:p>
+                <a:pPr algn="ctr"/>
+                <a:endParaRPr lang="es-MX" sz="900">
+                  <a:solidFill>
+                    <a:schemeClr val="tx1"/>
+                  </a:solidFill>
+                  <a:latin typeface="Arial" panose="020B0604020202020204" pitchFamily="34" charset="0"/>
+                  <a:ea typeface="Segoe UI" panose="020B0502040204020203" pitchFamily="34" charset="0"/>
+                  <a:cs typeface="Arial" panose="020B0604020202020204" pitchFamily="34" charset="0"/>
+                </a:endParaRPr>
+              </a:p>
+            </p:txBody>
+          </p:sp>
+          <p:sp>
+            <p:nvSpPr>
+              <p:cNvPr id="44" name="Rectangle 43">
+                <a:extLst>
+                  <a:ext uri="{FF2B5EF4-FFF2-40B4-BE49-F238E27FC236}">
+                    <a16:creationId xmlns:a16="http://schemas.microsoft.com/office/drawing/2014/main" id="{6D738CC3-2F7B-B240-A62A-A67CC192BF13}"/>
+                  </a:ext>
+                </a:extLst>
+              </p:cNvPr>
+              <p:cNvSpPr/>
+              <p:nvPr/>
+            </p:nvSpPr>
+            <p:spPr>
+              <a:xfrm rot="16200000">
+                <a:off x="3956706" y="2315282"/>
+                <a:ext cx="1060855" cy="215444"/>
+              </a:xfrm>
+              <a:prstGeom prst="rect">
+                <a:avLst/>
+              </a:prstGeom>
+              <a:noFill/>
+              <a:ln>
+                <a:noFill/>
+              </a:ln>
+            </p:spPr>
+            <p:txBody>
+              <a:bodyPr wrap="square">
+                <a:spAutoFit/>
+              </a:bodyPr>
+              <a:lstStyle/>
+              <a:p>
+                <a:pPr algn="ctr"/>
+                <a:r>
+                  <a:rPr lang="en-US" sz="800" b="1" dirty="0">
+                    <a:solidFill>
+                      <a:schemeClr val="tx1">
+                        <a:lumMod val="85000"/>
+                        <a:lumOff val="15000"/>
+                      </a:schemeClr>
+                    </a:solidFill>
+                    <a:latin typeface="Arial" panose="020B0604020202020204" pitchFamily="34" charset="0"/>
+                    <a:cs typeface="Arial" panose="020B0604020202020204" pitchFamily="34" charset="0"/>
+                  </a:rPr>
+                  <a:t>March 2018</a:t>
+                </a:r>
+              </a:p>
+            </p:txBody>
+          </p:sp>
+          <p:sp>
+            <p:nvSpPr>
+              <p:cNvPr id="52" name="Rectangle 51">
+                <a:extLst>
+                  <a:ext uri="{FF2B5EF4-FFF2-40B4-BE49-F238E27FC236}">
+                    <a16:creationId xmlns:a16="http://schemas.microsoft.com/office/drawing/2014/main" id="{450FA78D-0C6D-1048-B11C-EA22BE65E785}"/>
+                  </a:ext>
+                </a:extLst>
+              </p:cNvPr>
+              <p:cNvSpPr/>
+              <p:nvPr/>
+            </p:nvSpPr>
+            <p:spPr>
+              <a:xfrm>
+                <a:off x="4530042" y="2096017"/>
+                <a:ext cx="737437" cy="584775"/>
+              </a:xfrm>
+              <a:prstGeom prst="rect">
+                <a:avLst/>
+              </a:prstGeom>
+            </p:spPr>
+            <p:txBody>
+              <a:bodyPr wrap="square">
+                <a:spAutoFit/>
+              </a:bodyPr>
+              <a:lstStyle/>
+              <a:p>
+                <a:r>
+                  <a:rPr lang="en-US" sz="800" dirty="0">
+                    <a:solidFill>
+                      <a:schemeClr val="tx1">
+                        <a:lumMod val="95000"/>
+                        <a:lumOff val="5000"/>
+                      </a:schemeClr>
+                    </a:solidFill>
+                    <a:latin typeface="Arial" panose="020B0604020202020204" pitchFamily="34" charset="0"/>
+                    <a:cs typeface="Arial" panose="020B0604020202020204" pitchFamily="34" charset="0"/>
+                  </a:rPr>
+                  <a:t>Adults begin conditioning &amp; spawning</a:t>
+                </a:r>
+              </a:p>
+            </p:txBody>
+          </p:sp>
+          <p:cxnSp>
+            <p:nvCxnSpPr>
+              <p:cNvPr id="32" name="40 Conector recto">
+                <a:extLst>
+                  <a:ext uri="{FF2B5EF4-FFF2-40B4-BE49-F238E27FC236}">
+                    <a16:creationId xmlns:a16="http://schemas.microsoft.com/office/drawing/2014/main" id="{5905FDC5-329A-544A-908E-D6F9DB55A067}"/>
+                  </a:ext>
+                </a:extLst>
+              </p:cNvPr>
+              <p:cNvCxnSpPr>
+                <a:cxnSpLocks/>
+                <a:stCxn id="33" idx="0"/>
+              </p:cNvCxnSpPr>
+              <p:nvPr/>
+            </p:nvCxnSpPr>
+            <p:spPr>
+              <a:xfrm flipV="1">
+                <a:off x="5440397" y="2083842"/>
+                <a:ext cx="0" cy="1080615"/>
+              </a:xfrm>
+              <a:prstGeom prst="line">
+                <a:avLst/>
+              </a:prstGeom>
+              <a:ln w="12700">
+                <a:solidFill>
+                  <a:schemeClr val="tx1">
+                    <a:lumMod val="65000"/>
+                    <a:lumOff val="35000"/>
+                  </a:schemeClr>
+                </a:solidFill>
+              </a:ln>
+            </p:spPr>
+            <p:style>
+              <a:lnRef idx="1">
+                <a:schemeClr val="accent1"/>
+              </a:lnRef>
+              <a:fillRef idx="0">
+                <a:schemeClr val="accent1"/>
+              </a:fillRef>
+              <a:effectRef idx="0">
+                <a:schemeClr val="accent1"/>
+              </a:effectRef>
+              <a:fontRef idx="minor">
+                <a:schemeClr val="tx1"/>
+              </a:fontRef>
+            </p:style>
+          </p:cxnSp>
+          <p:sp>
+            <p:nvSpPr>
+              <p:cNvPr id="33" name="24 Elipse">
+                <a:extLst>
+                  <a:ext uri="{FF2B5EF4-FFF2-40B4-BE49-F238E27FC236}">
+                    <a16:creationId xmlns:a16="http://schemas.microsoft.com/office/drawing/2014/main" id="{5AD9E583-A5A1-CF41-96CA-61FCD700C297}"/>
+                  </a:ext>
+                </a:extLst>
+              </p:cNvPr>
+              <p:cNvSpPr/>
+              <p:nvPr/>
+            </p:nvSpPr>
+            <p:spPr>
+              <a:xfrm>
+                <a:off x="5397818" y="3164457"/>
+                <a:ext cx="85157" cy="85149"/>
+              </a:xfrm>
+              <a:prstGeom prst="ellipse">
+                <a:avLst/>
+              </a:prstGeom>
+              <a:solidFill>
+                <a:schemeClr val="tx1">
+                  <a:lumMod val="85000"/>
+                  <a:lumOff val="15000"/>
+                </a:schemeClr>
+              </a:solidFill>
+              <a:ln>
+                <a:noFill/>
+              </a:ln>
+            </p:spPr>
+            <p:style>
+              <a:lnRef idx="2">
+                <a:schemeClr val="accent1">
+                  <a:shade val="50000"/>
+                </a:schemeClr>
+              </a:lnRef>
+              <a:fillRef idx="1">
+                <a:schemeClr val="accent1"/>
+              </a:fillRef>
+              <a:effectRef idx="0">
+                <a:schemeClr val="accent1"/>
+              </a:effectRef>
+              <a:fontRef idx="minor">
+                <a:schemeClr val="lt1"/>
+              </a:fontRef>
+            </p:style>
+            <p:txBody>
+              <a:bodyPr lIns="68572" tIns="34286" rIns="68572" bIns="34286" rtlCol="0" anchor="ctr"/>
+              <a:lstStyle/>
+              <a:p>
+                <a:pPr algn="ctr"/>
+                <a:endParaRPr lang="es-MX" sz="900">
+                  <a:solidFill>
+                    <a:schemeClr val="tx1"/>
+                  </a:solidFill>
+                  <a:latin typeface="Arial" panose="020B0604020202020204" pitchFamily="34" charset="0"/>
+                  <a:ea typeface="Segoe UI" panose="020B0502040204020203" pitchFamily="34" charset="0"/>
+                  <a:cs typeface="Arial" panose="020B0604020202020204" pitchFamily="34" charset="0"/>
+                </a:endParaRPr>
+              </a:p>
+            </p:txBody>
+          </p:sp>
+          <p:sp>
+            <p:nvSpPr>
+              <p:cNvPr id="34" name="Rectangle 33">
+                <a:extLst>
+                  <a:ext uri="{FF2B5EF4-FFF2-40B4-BE49-F238E27FC236}">
+                    <a16:creationId xmlns:a16="http://schemas.microsoft.com/office/drawing/2014/main" id="{B560F72B-EFFF-8A4F-93A3-75287505D798}"/>
+                  </a:ext>
+                </a:extLst>
+              </p:cNvPr>
+              <p:cNvSpPr/>
+              <p:nvPr/>
+            </p:nvSpPr>
+            <p:spPr>
+              <a:xfrm>
+                <a:off x="5400667" y="2050994"/>
+                <a:ext cx="528420" cy="338554"/>
+              </a:xfrm>
+              <a:prstGeom prst="rect">
+                <a:avLst/>
+              </a:prstGeom>
+            </p:spPr>
+            <p:txBody>
+              <a:bodyPr wrap="square">
+                <a:spAutoFit/>
+              </a:bodyPr>
+              <a:lstStyle/>
+              <a:p>
+                <a:r>
+                  <a:rPr lang="en-US" sz="800" dirty="0">
+                    <a:solidFill>
+                      <a:schemeClr val="tx1">
+                        <a:lumMod val="95000"/>
+                        <a:lumOff val="5000"/>
+                      </a:schemeClr>
+                    </a:solidFill>
+                    <a:latin typeface="Arial" panose="020B0604020202020204" pitchFamily="34" charset="0"/>
+                    <a:cs typeface="Arial" panose="020B0604020202020204" pitchFamily="34" charset="0"/>
+                  </a:rPr>
+                  <a:t>Larval rearing</a:t>
+                </a:r>
+              </a:p>
+            </p:txBody>
+          </p:sp>
+          <p:cxnSp>
+            <p:nvCxnSpPr>
+              <p:cNvPr id="35" name="40 Conector recto">
+                <a:extLst>
+                  <a:ext uri="{FF2B5EF4-FFF2-40B4-BE49-F238E27FC236}">
+                    <a16:creationId xmlns:a16="http://schemas.microsoft.com/office/drawing/2014/main" id="{6D3B1817-B451-9249-BAA4-8DA1700DB689}"/>
+                  </a:ext>
+                </a:extLst>
+              </p:cNvPr>
+              <p:cNvCxnSpPr>
+                <a:cxnSpLocks/>
+                <a:stCxn id="37" idx="0"/>
+              </p:cNvCxnSpPr>
+              <p:nvPr/>
+            </p:nvCxnSpPr>
+            <p:spPr>
+              <a:xfrm flipV="1">
+                <a:off x="6897657" y="2195083"/>
+                <a:ext cx="0" cy="970652"/>
+              </a:xfrm>
+              <a:prstGeom prst="line">
+                <a:avLst/>
+              </a:prstGeom>
+              <a:ln w="12700">
+                <a:solidFill>
+                  <a:schemeClr val="tx1">
+                    <a:lumMod val="65000"/>
+                    <a:lumOff val="35000"/>
+                  </a:schemeClr>
+                </a:solidFill>
+              </a:ln>
+            </p:spPr>
+            <p:style>
+              <a:lnRef idx="1">
+                <a:schemeClr val="accent1"/>
+              </a:lnRef>
+              <a:fillRef idx="0">
+                <a:schemeClr val="accent1"/>
+              </a:fillRef>
+              <a:effectRef idx="0">
+                <a:schemeClr val="accent1"/>
+              </a:effectRef>
+              <a:fontRef idx="minor">
+                <a:schemeClr val="tx1"/>
+              </a:fontRef>
+            </p:style>
+          </p:cxnSp>
+          <p:sp>
+            <p:nvSpPr>
+              <p:cNvPr id="36" name="Rectangle 35">
+                <a:extLst>
+                  <a:ext uri="{FF2B5EF4-FFF2-40B4-BE49-F238E27FC236}">
+                    <a16:creationId xmlns:a16="http://schemas.microsoft.com/office/drawing/2014/main" id="{7F1B51F5-DA5F-8645-847D-E798B3D44262}"/>
+                  </a:ext>
+                </a:extLst>
+              </p:cNvPr>
+              <p:cNvSpPr/>
+              <p:nvPr/>
+            </p:nvSpPr>
+            <p:spPr>
+              <a:xfrm rot="16200000">
+                <a:off x="6309817" y="2524966"/>
+                <a:ext cx="1007415" cy="215444"/>
+              </a:xfrm>
+              <a:prstGeom prst="rect">
+                <a:avLst/>
+              </a:prstGeom>
+              <a:noFill/>
+              <a:ln>
+                <a:noFill/>
+              </a:ln>
+            </p:spPr>
+            <p:txBody>
+              <a:bodyPr wrap="square">
+                <a:spAutoFit/>
+              </a:bodyPr>
+              <a:lstStyle/>
+              <a:p>
+                <a:pPr algn="ctr"/>
+                <a:r>
+                  <a:rPr lang="en-US" sz="800" b="1" dirty="0">
+                    <a:solidFill>
+                      <a:schemeClr val="tx1">
+                        <a:lumMod val="85000"/>
+                        <a:lumOff val="15000"/>
+                      </a:schemeClr>
+                    </a:solidFill>
+                    <a:latin typeface="Arial" panose="020B0604020202020204" pitchFamily="34" charset="0"/>
+                    <a:cs typeface="Arial" panose="020B0604020202020204" pitchFamily="34" charset="0"/>
+                  </a:rPr>
+                  <a:t>May - June 2018</a:t>
+                </a:r>
+              </a:p>
+            </p:txBody>
+          </p:sp>
+          <p:sp>
+            <p:nvSpPr>
+              <p:cNvPr id="37" name="24 Elipse">
+                <a:extLst>
+                  <a:ext uri="{FF2B5EF4-FFF2-40B4-BE49-F238E27FC236}">
+                    <a16:creationId xmlns:a16="http://schemas.microsoft.com/office/drawing/2014/main" id="{C127927D-76A0-D142-8FD6-25CCA9BF59F6}"/>
+                  </a:ext>
+                </a:extLst>
+              </p:cNvPr>
+              <p:cNvSpPr/>
+              <p:nvPr/>
+            </p:nvSpPr>
+            <p:spPr>
+              <a:xfrm>
+                <a:off x="6855078" y="3165735"/>
+                <a:ext cx="85157" cy="85149"/>
+              </a:xfrm>
+              <a:prstGeom prst="ellipse">
+                <a:avLst/>
+              </a:prstGeom>
+              <a:solidFill>
+                <a:schemeClr val="tx1">
+                  <a:lumMod val="85000"/>
+                  <a:lumOff val="15000"/>
+                </a:schemeClr>
+              </a:solidFill>
+              <a:ln>
+                <a:noFill/>
+              </a:ln>
+            </p:spPr>
+            <p:style>
+              <a:lnRef idx="2">
+                <a:schemeClr val="accent1">
+                  <a:shade val="50000"/>
+                </a:schemeClr>
+              </a:lnRef>
+              <a:fillRef idx="1">
+                <a:schemeClr val="accent1"/>
+              </a:fillRef>
+              <a:effectRef idx="0">
+                <a:schemeClr val="accent1"/>
+              </a:effectRef>
+              <a:fontRef idx="minor">
+                <a:schemeClr val="lt1"/>
+              </a:fontRef>
+            </p:style>
+            <p:txBody>
+              <a:bodyPr lIns="68572" tIns="34286" rIns="68572" bIns="34286" rtlCol="0" anchor="ctr"/>
+              <a:lstStyle/>
+              <a:p>
+                <a:pPr algn="ctr"/>
+                <a:endParaRPr lang="es-MX" sz="900">
+                  <a:solidFill>
+                    <a:schemeClr val="tx1"/>
+                  </a:solidFill>
+                  <a:latin typeface="Arial" panose="020B0604020202020204" pitchFamily="34" charset="0"/>
+                  <a:ea typeface="Segoe UI" panose="020B0502040204020203" pitchFamily="34" charset="0"/>
+                  <a:cs typeface="Arial" panose="020B0604020202020204" pitchFamily="34" charset="0"/>
+                </a:endParaRPr>
+              </a:p>
+            </p:txBody>
+          </p:sp>
+          <p:sp>
+            <p:nvSpPr>
+              <p:cNvPr id="38" name="Rectangle 37">
+                <a:extLst>
+                  <a:ext uri="{FF2B5EF4-FFF2-40B4-BE49-F238E27FC236}">
+                    <a16:creationId xmlns:a16="http://schemas.microsoft.com/office/drawing/2014/main" id="{9E96BA35-696E-EA40-B1A9-4C8DD8C115C1}"/>
+                  </a:ext>
+                </a:extLst>
+              </p:cNvPr>
+              <p:cNvSpPr/>
+              <p:nvPr/>
+            </p:nvSpPr>
+            <p:spPr>
+              <a:xfrm>
+                <a:off x="6868931" y="2179943"/>
+                <a:ext cx="804450" cy="338554"/>
+              </a:xfrm>
+              <a:prstGeom prst="rect">
+                <a:avLst/>
+              </a:prstGeom>
+            </p:spPr>
+            <p:txBody>
+              <a:bodyPr wrap="square">
+                <a:spAutoFit/>
+              </a:bodyPr>
+              <a:lstStyle/>
+              <a:p>
+                <a:r>
+                  <a:rPr lang="en-US" sz="800" dirty="0">
+                    <a:solidFill>
+                      <a:schemeClr val="tx1">
+                        <a:lumMod val="95000"/>
+                        <a:lumOff val="5000"/>
+                      </a:schemeClr>
+                    </a:solidFill>
+                    <a:latin typeface="Arial" panose="020B0604020202020204" pitchFamily="34" charset="0"/>
+                    <a:cs typeface="Arial" panose="020B0604020202020204" pitchFamily="34" charset="0"/>
+                  </a:rPr>
+                  <a:t>Survival assessed</a:t>
+                </a:r>
+              </a:p>
+            </p:txBody>
+          </p:sp>
+        </p:grpSp>
+        <p:sp>
+          <p:nvSpPr>
+            <p:cNvPr id="62" name="Rectangle 61">
+              <a:extLst>
+                <a:ext uri="{FF2B5EF4-FFF2-40B4-BE49-F238E27FC236}">
+                  <a16:creationId xmlns:a16="http://schemas.microsoft.com/office/drawing/2014/main" id="{54E361F7-A4E4-BB48-B95C-2776D89EDE7D}"/>
+                </a:ext>
+              </a:extLst>
+            </p:cNvPr>
+            <p:cNvSpPr/>
+            <p:nvPr/>
+          </p:nvSpPr>
+          <p:spPr>
+            <a:xfrm rot="16200000">
+              <a:off x="4833758" y="2253886"/>
+              <a:ext cx="1060856" cy="215444"/>
+            </a:xfrm>
+            <a:prstGeom prst="rect">
+              <a:avLst/>
+            </a:prstGeom>
+            <a:noFill/>
+            <a:ln>
+              <a:noFill/>
+            </a:ln>
+          </p:spPr>
+          <p:txBody>
+            <a:bodyPr wrap="square">
+              <a:spAutoFit/>
+            </a:bodyPr>
+            <a:lstStyle/>
+            <a:p>
+              <a:pPr algn="ctr"/>
+              <a:r>
+                <a:rPr lang="en-US" sz="800" b="1" dirty="0">
+                  <a:solidFill>
+                    <a:schemeClr val="tx1">
+                      <a:lumMod val="85000"/>
+                      <a:lumOff val="15000"/>
+                    </a:schemeClr>
+                  </a:solidFill>
+                  <a:latin typeface="Arial" panose="020B0604020202020204" pitchFamily="34" charset="0"/>
+                  <a:cs typeface="Arial" panose="020B0604020202020204" pitchFamily="34" charset="0"/>
+                </a:rPr>
+                <a:t>April 2018</a:t>
+              </a:r>
+            </a:p>
+          </p:txBody>
+        </p:sp>
+      </p:grpSp>
+    </p:spTree>
+    <p:extLst>
+      <p:ext uri="{BB962C8B-B14F-4D97-AF65-F5344CB8AC3E}">
+        <p14:creationId xmlns:p14="http://schemas.microsoft.com/office/powerpoint/2010/main" val="1870144300"/>
+      </p:ext>
+    </p:extLst>
+  </p:cSld>
+  <p:clrMapOvr>
+    <a:masterClrMapping/>
+  </p:clrMapOvr>
+</p:sld>
+</file>
+
 <file path=ppt/slides/slide2.xml><?xml version="1.0" encoding="utf-8"?>
 <p:sld xmlns:a="http://schemas.openxmlformats.org/drawingml/2006/main" xmlns:r="http://schemas.openxmlformats.org/officeDocument/2006/relationships" xmlns:p="http://schemas.openxmlformats.org/presentationml/2006/main">
   <p:cSld>
@@ -6427,10 +14084,10 @@
       </p:grpSpPr>
       <p:grpSp>
         <p:nvGrpSpPr>
-          <p:cNvPr id="20" name="Group 19">
+          <p:cNvPr id="6" name="Group 5">
             <a:extLst>
               <a:ext uri="{FF2B5EF4-FFF2-40B4-BE49-F238E27FC236}">
-                <a16:creationId xmlns:a16="http://schemas.microsoft.com/office/drawing/2014/main" id="{BF62BA24-0033-CC48-8690-EEBBD18DAAF4}"/>
+                <a16:creationId xmlns:a16="http://schemas.microsoft.com/office/drawing/2014/main" id="{A54A872F-DB78-3A4B-97AC-B9AC090C241F}"/>
               </a:ext>
             </a:extLst>
           </p:cNvPr>
@@ -6439,18 +14096,725 @@
         </p:nvGrpSpPr>
         <p:grpSpPr>
           <a:xfrm>
-            <a:off x="129551" y="635557"/>
-            <a:ext cx="8425618" cy="4889279"/>
-            <a:chOff x="129551" y="635557"/>
-            <a:chExt cx="8425618" cy="4889279"/>
+            <a:off x="129551" y="632358"/>
+            <a:ext cx="8425618" cy="4892478"/>
+            <a:chOff x="129551" y="632358"/>
+            <a:chExt cx="8425618" cy="4892478"/>
           </a:xfrm>
         </p:grpSpPr>
+        <p:grpSp>
+          <p:nvGrpSpPr>
+            <p:cNvPr id="20" name="Group 19">
+              <a:extLst>
+                <a:ext uri="{FF2B5EF4-FFF2-40B4-BE49-F238E27FC236}">
+                  <a16:creationId xmlns:a16="http://schemas.microsoft.com/office/drawing/2014/main" id="{BF62BA24-0033-CC48-8690-EEBBD18DAAF4}"/>
+                </a:ext>
+              </a:extLst>
+            </p:cNvPr>
+            <p:cNvGrpSpPr/>
+            <p:nvPr/>
+          </p:nvGrpSpPr>
+          <p:grpSpPr>
+            <a:xfrm>
+              <a:off x="129551" y="632358"/>
+              <a:ext cx="8425618" cy="4892478"/>
+              <a:chOff x="129551" y="632358"/>
+              <a:chExt cx="8425618" cy="4892478"/>
+            </a:xfrm>
+          </p:grpSpPr>
+          <p:pic>
+            <p:nvPicPr>
+              <p:cNvPr id="19" name="Picture 18">
+                <a:extLst>
+                  <a:ext uri="{FF2B5EF4-FFF2-40B4-BE49-F238E27FC236}">
+                    <a16:creationId xmlns:a16="http://schemas.microsoft.com/office/drawing/2014/main" id="{EE3D3E7C-0F4C-1E4D-B2DD-FE4872BA20E0}"/>
+                  </a:ext>
+                </a:extLst>
+              </p:cNvPr>
+              <p:cNvPicPr>
+                <a:picLocks noChangeAspect="1"/>
+              </p:cNvPicPr>
+              <p:nvPr/>
+            </p:nvPicPr>
+            <p:blipFill>
+              <a:blip r:embed="rId2"/>
+              <a:stretch>
+                <a:fillRect/>
+              </a:stretch>
+            </p:blipFill>
+            <p:spPr>
+              <a:xfrm>
+                <a:off x="5760710" y="896866"/>
+                <a:ext cx="2523857" cy="4213743"/>
+              </a:xfrm>
+              <a:prstGeom prst="rect">
+                <a:avLst/>
+              </a:prstGeom>
+            </p:spPr>
+          </p:pic>
+          <p:pic>
+            <p:nvPicPr>
+              <p:cNvPr id="17" name="Picture 16">
+                <a:extLst>
+                  <a:ext uri="{FF2B5EF4-FFF2-40B4-BE49-F238E27FC236}">
+                    <a16:creationId xmlns:a16="http://schemas.microsoft.com/office/drawing/2014/main" id="{44F70E73-ACCD-A74A-A554-11C62795C50D}"/>
+                  </a:ext>
+                </a:extLst>
+              </p:cNvPr>
+              <p:cNvPicPr>
+                <a:picLocks noChangeAspect="1"/>
+              </p:cNvPicPr>
+              <p:nvPr/>
+            </p:nvPicPr>
+            <p:blipFill>
+              <a:blip r:embed="rId3"/>
+              <a:stretch>
+                <a:fillRect/>
+              </a:stretch>
+            </p:blipFill>
+            <p:spPr>
+              <a:xfrm>
+                <a:off x="3352863" y="898053"/>
+                <a:ext cx="2373346" cy="4219281"/>
+              </a:xfrm>
+              <a:prstGeom prst="rect">
+                <a:avLst/>
+              </a:prstGeom>
+            </p:spPr>
+          </p:pic>
+          <p:pic>
+            <p:nvPicPr>
+              <p:cNvPr id="15" name="Picture 14">
+                <a:extLst>
+                  <a:ext uri="{FF2B5EF4-FFF2-40B4-BE49-F238E27FC236}">
+                    <a16:creationId xmlns:a16="http://schemas.microsoft.com/office/drawing/2014/main" id="{F99B17E9-95EF-624D-906F-DA9FA88C2CD8}"/>
+                  </a:ext>
+                </a:extLst>
+              </p:cNvPr>
+              <p:cNvPicPr>
+                <a:picLocks noChangeAspect="1"/>
+              </p:cNvPicPr>
+              <p:nvPr/>
+            </p:nvPicPr>
+            <p:blipFill>
+              <a:blip r:embed="rId4"/>
+              <a:stretch>
+                <a:fillRect/>
+              </a:stretch>
+            </p:blipFill>
+            <p:spPr>
+              <a:xfrm>
+                <a:off x="949617" y="896867"/>
+                <a:ext cx="2376156" cy="4224277"/>
+              </a:xfrm>
+              <a:prstGeom prst="rect">
+                <a:avLst/>
+              </a:prstGeom>
+            </p:spPr>
+          </p:pic>
+          <p:grpSp>
+            <p:nvGrpSpPr>
+              <p:cNvPr id="11" name="Group 10">
+                <a:extLst>
+                  <a:ext uri="{FF2B5EF4-FFF2-40B4-BE49-F238E27FC236}">
+                    <a16:creationId xmlns:a16="http://schemas.microsoft.com/office/drawing/2014/main" id="{A2044059-DDF2-2346-8666-6B772F47ADC0}"/>
+                  </a:ext>
+                </a:extLst>
+              </p:cNvPr>
+              <p:cNvGrpSpPr/>
+              <p:nvPr/>
+            </p:nvGrpSpPr>
+            <p:grpSpPr>
+              <a:xfrm>
+                <a:off x="844342" y="632358"/>
+                <a:ext cx="7710827" cy="4892478"/>
+                <a:chOff x="501442" y="281286"/>
+                <a:chExt cx="7710827" cy="4892478"/>
+              </a:xfrm>
+            </p:grpSpPr>
+            <p:grpSp>
+              <p:nvGrpSpPr>
+                <p:cNvPr id="91" name="Group 90">
+                  <a:extLst>
+                    <a:ext uri="{FF2B5EF4-FFF2-40B4-BE49-F238E27FC236}">
+                      <a16:creationId xmlns:a16="http://schemas.microsoft.com/office/drawing/2014/main" id="{0AF64FDD-70D0-6C46-9EBB-3D5FC3D00D94}"/>
+                    </a:ext>
+                  </a:extLst>
+                </p:cNvPr>
+                <p:cNvGrpSpPr/>
+                <p:nvPr/>
+              </p:nvGrpSpPr>
+              <p:grpSpPr>
+                <a:xfrm>
+                  <a:off x="951905" y="281286"/>
+                  <a:ext cx="7260364" cy="3395483"/>
+                  <a:chOff x="951905" y="281286"/>
+                  <a:chExt cx="7260364" cy="3395483"/>
+                </a:xfrm>
+              </p:grpSpPr>
+              <p:sp>
+                <p:nvSpPr>
+                  <p:cNvPr id="7" name="TextBox 6">
+                    <a:extLst>
+                      <a:ext uri="{FF2B5EF4-FFF2-40B4-BE49-F238E27FC236}">
+                        <a16:creationId xmlns:a16="http://schemas.microsoft.com/office/drawing/2014/main" id="{DCD07132-0EF3-C045-AD85-4BE035150493}"/>
+                      </a:ext>
+                    </a:extLst>
+                  </p:cNvPr>
+                  <p:cNvSpPr txBox="1"/>
+                  <p:nvPr/>
+                </p:nvSpPr>
+                <p:spPr>
+                  <a:xfrm>
+                    <a:off x="951905" y="281286"/>
+                    <a:ext cx="2111501" cy="261610"/>
+                  </a:xfrm>
+                  <a:prstGeom prst="rect">
+                    <a:avLst/>
+                  </a:prstGeom>
+                  <a:noFill/>
+                </p:spPr>
+                <p:txBody>
+                  <a:bodyPr wrap="square" rtlCol="0">
+                    <a:spAutoFit/>
+                  </a:bodyPr>
+                  <a:lstStyle/>
+                  <a:p>
+                    <a:r>
+                      <a:rPr lang="en-US" sz="1100" dirty="0">
+                        <a:solidFill>
+                          <a:schemeClr val="tx1">
+                            <a:lumMod val="75000"/>
+                            <a:lumOff val="25000"/>
+                          </a:schemeClr>
+                        </a:solidFill>
+                        <a:latin typeface="Arial" panose="020B0604020202020204" pitchFamily="34" charset="0"/>
+                        <a:cs typeface="Arial" panose="020B0604020202020204" pitchFamily="34" charset="0"/>
+                      </a:rPr>
+                      <a:t>Predominant Gonad Sex</a:t>
+                    </a:r>
+                  </a:p>
+                </p:txBody>
+              </p:sp>
+              <p:sp>
+                <p:nvSpPr>
+                  <p:cNvPr id="8" name="TextBox 7">
+                    <a:extLst>
+                      <a:ext uri="{FF2B5EF4-FFF2-40B4-BE49-F238E27FC236}">
+                        <a16:creationId xmlns:a16="http://schemas.microsoft.com/office/drawing/2014/main" id="{9DA0215A-45C1-C74D-BF67-DEB80016112A}"/>
+                      </a:ext>
+                    </a:extLst>
+                  </p:cNvPr>
+                  <p:cNvSpPr txBox="1"/>
+                  <p:nvPr/>
+                </p:nvSpPr>
+                <p:spPr>
+                  <a:xfrm>
+                    <a:off x="3255109" y="285798"/>
+                    <a:ext cx="1625177" cy="261610"/>
+                  </a:xfrm>
+                  <a:prstGeom prst="rect">
+                    <a:avLst/>
+                  </a:prstGeom>
+                  <a:noFill/>
+                </p:spPr>
+                <p:txBody>
+                  <a:bodyPr wrap="square" rtlCol="0">
+                    <a:spAutoFit/>
+                  </a:bodyPr>
+                  <a:lstStyle/>
+                  <a:p>
+                    <a:pPr algn="ctr"/>
+                    <a:r>
+                      <a:rPr lang="en-US" sz="1100" dirty="0">
+                        <a:solidFill>
+                          <a:schemeClr val="tx1">
+                            <a:lumMod val="75000"/>
+                            <a:lumOff val="25000"/>
+                          </a:schemeClr>
+                        </a:solidFill>
+                        <a:latin typeface="Arial" panose="020B0604020202020204" pitchFamily="34" charset="0"/>
+                        <a:cs typeface="Arial" panose="020B0604020202020204" pitchFamily="34" charset="0"/>
+                      </a:rPr>
+                      <a:t>Oocyte stage</a:t>
+                    </a:r>
+                  </a:p>
+                </p:txBody>
+              </p:sp>
+              <p:sp>
+                <p:nvSpPr>
+                  <p:cNvPr id="10" name="TextBox 9">
+                    <a:extLst>
+                      <a:ext uri="{FF2B5EF4-FFF2-40B4-BE49-F238E27FC236}">
+                        <a16:creationId xmlns:a16="http://schemas.microsoft.com/office/drawing/2014/main" id="{8E4D9B60-852D-5240-AB7C-E27CF74004EF}"/>
+                      </a:ext>
+                    </a:extLst>
+                  </p:cNvPr>
+                  <p:cNvSpPr txBox="1"/>
+                  <p:nvPr/>
+                </p:nvSpPr>
+                <p:spPr>
+                  <a:xfrm>
+                    <a:off x="5858659" y="284485"/>
+                    <a:ext cx="1923204" cy="261610"/>
+                  </a:xfrm>
+                  <a:prstGeom prst="rect">
+                    <a:avLst/>
+                  </a:prstGeom>
+                  <a:noFill/>
+                </p:spPr>
+                <p:txBody>
+                  <a:bodyPr wrap="square" rtlCol="0">
+                    <a:spAutoFit/>
+                  </a:bodyPr>
+                  <a:lstStyle/>
+                  <a:p>
+                    <a:r>
+                      <a:rPr lang="en-US" sz="1100" dirty="0">
+                        <a:solidFill>
+                          <a:schemeClr val="tx1">
+                            <a:lumMod val="75000"/>
+                            <a:lumOff val="25000"/>
+                          </a:schemeClr>
+                        </a:solidFill>
+                        <a:latin typeface="Arial" panose="020B0604020202020204" pitchFamily="34" charset="0"/>
+                        <a:cs typeface="Arial" panose="020B0604020202020204" pitchFamily="34" charset="0"/>
+                      </a:rPr>
+                      <a:t>Spermatocyte Stage</a:t>
+                    </a:r>
+                  </a:p>
+                </p:txBody>
+              </p:sp>
+              <p:sp>
+                <p:nvSpPr>
+                  <p:cNvPr id="49" name="TextBox 48">
+                    <a:extLst>
+                      <a:ext uri="{FF2B5EF4-FFF2-40B4-BE49-F238E27FC236}">
+                        <a16:creationId xmlns:a16="http://schemas.microsoft.com/office/drawing/2014/main" id="{C995DEEA-F2B9-9A43-8A23-F6C7C2515277}"/>
+                      </a:ext>
+                    </a:extLst>
+                  </p:cNvPr>
+                  <p:cNvSpPr txBox="1"/>
+                  <p:nvPr/>
+                </p:nvSpPr>
+                <p:spPr>
+                  <a:xfrm rot="5400000">
+                    <a:off x="6764341" y="2228840"/>
+                    <a:ext cx="2618858" cy="276999"/>
+                  </a:xfrm>
+                  <a:prstGeom prst="rect">
+                    <a:avLst/>
+                  </a:prstGeom>
+                  <a:noFill/>
+                </p:spPr>
+                <p:txBody>
+                  <a:bodyPr wrap="square" rtlCol="0">
+                    <a:spAutoFit/>
+                  </a:bodyPr>
+                  <a:lstStyle/>
+                  <a:p>
+                    <a:pPr algn="r"/>
+                    <a:r>
+                      <a:rPr lang="en-US" sz="1200" dirty="0">
+                        <a:solidFill>
+                          <a:schemeClr val="tx1">
+                            <a:lumMod val="75000"/>
+                            <a:lumOff val="25000"/>
+                          </a:schemeClr>
+                        </a:solidFill>
+                        <a:latin typeface="Arial" panose="020B0604020202020204" pitchFamily="34" charset="0"/>
+                        <a:cs typeface="Arial" panose="020B0604020202020204" pitchFamily="34" charset="0"/>
+                      </a:rPr>
+                      <a:t>Number of oysters</a:t>
+                    </a:r>
+                  </a:p>
+                </p:txBody>
+              </p:sp>
+            </p:grpSp>
+            <p:pic>
+              <p:nvPicPr>
+                <p:cNvPr id="9" name="Picture 8">
+                  <a:extLst>
+                    <a:ext uri="{FF2B5EF4-FFF2-40B4-BE49-F238E27FC236}">
+                      <a16:creationId xmlns:a16="http://schemas.microsoft.com/office/drawing/2014/main" id="{E046EBFC-676B-C347-9B08-E54AD7C8849F}"/>
+                    </a:ext>
+                  </a:extLst>
+                </p:cNvPr>
+                <p:cNvPicPr>
+                  <a:picLocks noChangeAspect="1"/>
+                </p:cNvPicPr>
+                <p:nvPr/>
+              </p:nvPicPr>
+              <p:blipFill rotWithShape="1">
+                <a:blip r:embed="rId5"/>
+                <a:srcRect t="75142"/>
+                <a:stretch/>
+              </p:blipFill>
+              <p:spPr>
+                <a:xfrm>
+                  <a:off x="5393498" y="4909902"/>
+                  <a:ext cx="2388365" cy="263861"/>
+                </a:xfrm>
+                <a:prstGeom prst="rect">
+                  <a:avLst/>
+                </a:prstGeom>
+              </p:spPr>
+            </p:pic>
+            <p:pic>
+              <p:nvPicPr>
+                <p:cNvPr id="38" name="Picture 37">
+                  <a:extLst>
+                    <a:ext uri="{FF2B5EF4-FFF2-40B4-BE49-F238E27FC236}">
+                      <a16:creationId xmlns:a16="http://schemas.microsoft.com/office/drawing/2014/main" id="{487FC253-E6F5-D744-8AC5-32310D9CD796}"/>
+                    </a:ext>
+                  </a:extLst>
+                </p:cNvPr>
+                <p:cNvPicPr>
+                  <a:picLocks noChangeAspect="1"/>
+                </p:cNvPicPr>
+                <p:nvPr/>
+              </p:nvPicPr>
+              <p:blipFill rotWithShape="1">
+                <a:blip r:embed="rId5"/>
+                <a:srcRect t="67629"/>
+                <a:stretch/>
+              </p:blipFill>
+              <p:spPr>
+                <a:xfrm>
+                  <a:off x="2982874" y="4830143"/>
+                  <a:ext cx="2388365" cy="343621"/>
+                </a:xfrm>
+                <a:prstGeom prst="rect">
+                  <a:avLst/>
+                </a:prstGeom>
+              </p:spPr>
+            </p:pic>
+            <p:pic>
+              <p:nvPicPr>
+                <p:cNvPr id="39" name="Picture 38">
+                  <a:extLst>
+                    <a:ext uri="{FF2B5EF4-FFF2-40B4-BE49-F238E27FC236}">
+                      <a16:creationId xmlns:a16="http://schemas.microsoft.com/office/drawing/2014/main" id="{D3935997-124D-B548-B9AA-EEF6368B2BD4}"/>
+                    </a:ext>
+                  </a:extLst>
+                </p:cNvPr>
+                <p:cNvPicPr>
+                  <a:picLocks noChangeAspect="1"/>
+                </p:cNvPicPr>
+                <p:nvPr/>
+              </p:nvPicPr>
+              <p:blipFill rotWithShape="1">
+                <a:blip r:embed="rId6"/>
+                <a:srcRect t="72864"/>
+                <a:stretch/>
+              </p:blipFill>
+              <p:spPr>
+                <a:xfrm>
+                  <a:off x="501442" y="4871409"/>
+                  <a:ext cx="2482885" cy="299456"/>
+                </a:xfrm>
+                <a:prstGeom prst="rect">
+                  <a:avLst/>
+                </a:prstGeom>
+              </p:spPr>
+            </p:pic>
+          </p:grpSp>
+          <p:sp>
+            <p:nvSpPr>
+              <p:cNvPr id="25" name="TextBox 24">
+                <a:extLst>
+                  <a:ext uri="{FF2B5EF4-FFF2-40B4-BE49-F238E27FC236}">
+                    <a16:creationId xmlns:a16="http://schemas.microsoft.com/office/drawing/2014/main" id="{26B44784-6193-F449-8A4B-595196E3F621}"/>
+                  </a:ext>
+                </a:extLst>
+              </p:cNvPr>
+              <p:cNvSpPr txBox="1"/>
+              <p:nvPr/>
+            </p:nvSpPr>
+            <p:spPr>
+              <a:xfrm>
+                <a:off x="427510" y="1155066"/>
+                <a:ext cx="519201" cy="253916"/>
+              </a:xfrm>
+              <a:prstGeom prst="rect">
+                <a:avLst/>
+              </a:prstGeom>
+              <a:noFill/>
+            </p:spPr>
+            <p:txBody>
+              <a:bodyPr wrap="square" rtlCol="0">
+                <a:spAutoFit/>
+              </a:bodyPr>
+              <a:lstStyle/>
+              <a:p>
+                <a:pPr algn="r"/>
+                <a:r>
+                  <a:rPr lang="en-US" sz="1050" dirty="0">
+                    <a:solidFill>
+                      <a:schemeClr val="tx1">
+                        <a:lumMod val="75000"/>
+                        <a:lumOff val="25000"/>
+                      </a:schemeClr>
+                    </a:solidFill>
+                    <a:latin typeface="Arial" panose="020B0604020202020204" pitchFamily="34" charset="0"/>
+                    <a:cs typeface="Arial" panose="020B0604020202020204" pitchFamily="34" charset="0"/>
+                  </a:rPr>
+                  <a:t>Wild</a:t>
+                </a:r>
+              </a:p>
+            </p:txBody>
+          </p:sp>
+          <p:sp>
+            <p:nvSpPr>
+              <p:cNvPr id="26" name="TextBox 25">
+                <a:extLst>
+                  <a:ext uri="{FF2B5EF4-FFF2-40B4-BE49-F238E27FC236}">
+                    <a16:creationId xmlns:a16="http://schemas.microsoft.com/office/drawing/2014/main" id="{B3878E72-09F9-524A-9914-F34843124E5E}"/>
+                  </a:ext>
+                </a:extLst>
+              </p:cNvPr>
+              <p:cNvSpPr txBox="1"/>
+              <p:nvPr/>
+            </p:nvSpPr>
+            <p:spPr>
+              <a:xfrm>
+                <a:off x="138069" y="1974572"/>
+                <a:ext cx="850032" cy="415498"/>
+              </a:xfrm>
+              <a:prstGeom prst="rect">
+                <a:avLst/>
+              </a:prstGeom>
+              <a:noFill/>
+            </p:spPr>
+            <p:txBody>
+              <a:bodyPr wrap="square" rtlCol="0">
+                <a:spAutoFit/>
+              </a:bodyPr>
+              <a:lstStyle/>
+              <a:p>
+                <a:pPr algn="r"/>
+                <a:r>
+                  <a:rPr lang="en-US" sz="1050" dirty="0">
+                    <a:solidFill>
+                      <a:schemeClr val="tx1">
+                        <a:lumMod val="75000"/>
+                        <a:lumOff val="25000"/>
+                      </a:schemeClr>
+                    </a:solidFill>
+                    <a:latin typeface="Arial" panose="020B0604020202020204" pitchFamily="34" charset="0"/>
+                    <a:cs typeface="Arial" panose="020B0604020202020204" pitchFamily="34" charset="0"/>
+                  </a:rPr>
+                  <a:t>7°C+ </a:t>
+                </a:r>
+              </a:p>
+              <a:p>
+                <a:pPr algn="r"/>
+                <a:r>
+                  <a:rPr lang="en-US" sz="1050" dirty="0">
+                    <a:solidFill>
+                      <a:schemeClr val="tx1">
+                        <a:lumMod val="75000"/>
+                        <a:lumOff val="25000"/>
+                      </a:schemeClr>
+                    </a:solidFill>
+                    <a:latin typeface="Arial" panose="020B0604020202020204" pitchFamily="34" charset="0"/>
+                    <a:cs typeface="Arial" panose="020B0604020202020204" pitchFamily="34" charset="0"/>
+                  </a:rPr>
+                  <a:t>low-food</a:t>
+                </a:r>
+              </a:p>
+            </p:txBody>
+          </p:sp>
+          <p:sp>
+            <p:nvSpPr>
+              <p:cNvPr id="27" name="TextBox 26">
+                <a:extLst>
+                  <a:ext uri="{FF2B5EF4-FFF2-40B4-BE49-F238E27FC236}">
+                    <a16:creationId xmlns:a16="http://schemas.microsoft.com/office/drawing/2014/main" id="{4DA35E14-E139-094F-8BBA-5BF01ADEC28D}"/>
+                  </a:ext>
+                </a:extLst>
+              </p:cNvPr>
+              <p:cNvSpPr txBox="1"/>
+              <p:nvPr/>
+            </p:nvSpPr>
+            <p:spPr>
+              <a:xfrm>
+                <a:off x="129551" y="2838407"/>
+                <a:ext cx="850032" cy="415498"/>
+              </a:xfrm>
+              <a:prstGeom prst="rect">
+                <a:avLst/>
+              </a:prstGeom>
+              <a:noFill/>
+            </p:spPr>
+            <p:txBody>
+              <a:bodyPr wrap="square" rtlCol="0">
+                <a:spAutoFit/>
+              </a:bodyPr>
+              <a:lstStyle/>
+              <a:p>
+                <a:pPr algn="r"/>
+                <a:r>
+                  <a:rPr lang="en-US" sz="1050" dirty="0">
+                    <a:solidFill>
+                      <a:schemeClr val="tx1">
+                        <a:lumMod val="75000"/>
+                        <a:lumOff val="25000"/>
+                      </a:schemeClr>
+                    </a:solidFill>
+                    <a:latin typeface="Arial" panose="020B0604020202020204" pitchFamily="34" charset="0"/>
+                    <a:cs typeface="Arial" panose="020B0604020202020204" pitchFamily="34" charset="0"/>
+                  </a:rPr>
+                  <a:t>10°C+</a:t>
+                </a:r>
+              </a:p>
+              <a:p>
+                <a:pPr algn="r"/>
+                <a:r>
+                  <a:rPr lang="en-US" sz="1050" dirty="0">
+                    <a:solidFill>
+                      <a:schemeClr val="tx1">
+                        <a:lumMod val="75000"/>
+                        <a:lumOff val="25000"/>
+                      </a:schemeClr>
+                    </a:solidFill>
+                    <a:latin typeface="Arial" panose="020B0604020202020204" pitchFamily="34" charset="0"/>
+                    <a:cs typeface="Arial" panose="020B0604020202020204" pitchFamily="34" charset="0"/>
+                  </a:rPr>
+                  <a:t>low-food</a:t>
+                </a:r>
+              </a:p>
+            </p:txBody>
+          </p:sp>
+          <p:sp>
+            <p:nvSpPr>
+              <p:cNvPr id="28" name="TextBox 27">
+                <a:extLst>
+                  <a:ext uri="{FF2B5EF4-FFF2-40B4-BE49-F238E27FC236}">
+                    <a16:creationId xmlns:a16="http://schemas.microsoft.com/office/drawing/2014/main" id="{133458E7-DFAC-1D49-AC30-3B2ADB842070}"/>
+                  </a:ext>
+                </a:extLst>
+              </p:cNvPr>
+              <p:cNvSpPr txBox="1"/>
+              <p:nvPr/>
+            </p:nvSpPr>
+            <p:spPr>
+              <a:xfrm>
+                <a:off x="129551" y="3649317"/>
+                <a:ext cx="850032" cy="415498"/>
+              </a:xfrm>
+              <a:prstGeom prst="rect">
+                <a:avLst/>
+              </a:prstGeom>
+              <a:noFill/>
+            </p:spPr>
+            <p:txBody>
+              <a:bodyPr wrap="square" rtlCol="0">
+                <a:spAutoFit/>
+              </a:bodyPr>
+              <a:lstStyle/>
+              <a:p>
+                <a:pPr algn="r"/>
+                <a:r>
+                  <a:rPr lang="en-US" sz="1050" dirty="0">
+                    <a:solidFill>
+                      <a:schemeClr val="tx1">
+                        <a:lumMod val="75000"/>
+                        <a:lumOff val="25000"/>
+                      </a:schemeClr>
+                    </a:solidFill>
+                    <a:latin typeface="Arial" panose="020B0604020202020204" pitchFamily="34" charset="0"/>
+                    <a:cs typeface="Arial" panose="020B0604020202020204" pitchFamily="34" charset="0"/>
+                  </a:rPr>
+                  <a:t>7°C+</a:t>
+                </a:r>
+              </a:p>
+              <a:p>
+                <a:pPr algn="r"/>
+                <a:r>
+                  <a:rPr lang="en-US" sz="1050" dirty="0">
+                    <a:solidFill>
+                      <a:schemeClr val="tx1">
+                        <a:lumMod val="75000"/>
+                        <a:lumOff val="25000"/>
+                      </a:schemeClr>
+                    </a:solidFill>
+                    <a:latin typeface="Arial" panose="020B0604020202020204" pitchFamily="34" charset="0"/>
+                    <a:cs typeface="Arial" panose="020B0604020202020204" pitchFamily="34" charset="0"/>
+                  </a:rPr>
+                  <a:t>high-food</a:t>
+                </a:r>
+              </a:p>
+            </p:txBody>
+          </p:sp>
+          <p:sp>
+            <p:nvSpPr>
+              <p:cNvPr id="29" name="TextBox 28">
+                <a:extLst>
+                  <a:ext uri="{FF2B5EF4-FFF2-40B4-BE49-F238E27FC236}">
+                    <a16:creationId xmlns:a16="http://schemas.microsoft.com/office/drawing/2014/main" id="{81042790-3F90-5D4D-B5EC-E33B5D50FCBE}"/>
+                  </a:ext>
+                </a:extLst>
+              </p:cNvPr>
+              <p:cNvSpPr txBox="1"/>
+              <p:nvPr/>
+            </p:nvSpPr>
+            <p:spPr>
+              <a:xfrm>
+                <a:off x="129551" y="4478913"/>
+                <a:ext cx="850032" cy="415498"/>
+              </a:xfrm>
+              <a:prstGeom prst="rect">
+                <a:avLst/>
+              </a:prstGeom>
+              <a:noFill/>
+            </p:spPr>
+            <p:txBody>
+              <a:bodyPr wrap="square" rtlCol="0">
+                <a:spAutoFit/>
+              </a:bodyPr>
+              <a:lstStyle/>
+              <a:p>
+                <a:pPr algn="r"/>
+                <a:r>
+                  <a:rPr lang="en-US" sz="1050" dirty="0">
+                    <a:solidFill>
+                      <a:schemeClr val="tx1">
+                        <a:lumMod val="75000"/>
+                        <a:lumOff val="25000"/>
+                      </a:schemeClr>
+                    </a:solidFill>
+                    <a:latin typeface="Arial" panose="020B0604020202020204" pitchFamily="34" charset="0"/>
+                    <a:cs typeface="Arial" panose="020B0604020202020204" pitchFamily="34" charset="0"/>
+                  </a:rPr>
+                  <a:t>10°C+</a:t>
+                </a:r>
+              </a:p>
+              <a:p>
+                <a:pPr algn="r"/>
+                <a:r>
+                  <a:rPr lang="en-US" sz="1050" dirty="0">
+                    <a:solidFill>
+                      <a:schemeClr val="tx1">
+                        <a:lumMod val="75000"/>
+                        <a:lumOff val="25000"/>
+                      </a:schemeClr>
+                    </a:solidFill>
+                    <a:latin typeface="Arial" panose="020B0604020202020204" pitchFamily="34" charset="0"/>
+                    <a:cs typeface="Arial" panose="020B0604020202020204" pitchFamily="34" charset="0"/>
+                  </a:rPr>
+                  <a:t>high-food</a:t>
+                </a:r>
+              </a:p>
+            </p:txBody>
+          </p:sp>
+        </p:grpSp>
         <p:pic>
           <p:nvPicPr>
-            <p:cNvPr id="19" name="Picture 18">
+            <p:cNvPr id="4" name="Picture 3">
               <a:extLst>
                 <a:ext uri="{FF2B5EF4-FFF2-40B4-BE49-F238E27FC236}">
-                  <a16:creationId xmlns:a16="http://schemas.microsoft.com/office/drawing/2014/main" id="{EE3D3E7C-0F4C-1E4D-B2DD-FE4872BA20E0}"/>
+                  <a16:creationId xmlns:a16="http://schemas.microsoft.com/office/drawing/2014/main" id="{711E4E57-E6B3-8941-A647-4C4C13F0BA4C}"/>
                 </a:ext>
               </a:extLst>
             </p:cNvPr>
@@ -6459,16 +14823,15 @@
             </p:cNvPicPr>
             <p:nvPr/>
           </p:nvPicPr>
-          <p:blipFill>
-            <a:blip r:embed="rId2"/>
-            <a:stretch>
-              <a:fillRect/>
-            </a:stretch>
+          <p:blipFill rotWithShape="1">
+            <a:blip r:embed="rId7"/>
+            <a:srcRect t="57805" b="29787"/>
+            <a:stretch/>
           </p:blipFill>
           <p:spPr>
             <a:xfrm>
-              <a:off x="5760710" y="896865"/>
-              <a:ext cx="2523857" cy="4213745"/>
+              <a:off x="949617" y="5060272"/>
+              <a:ext cx="2372981" cy="130863"/>
             </a:xfrm>
             <a:prstGeom prst="rect">
               <a:avLst/>
@@ -6477,10 +14840,10 @@
         </p:pic>
         <p:pic>
           <p:nvPicPr>
-            <p:cNvPr id="17" name="Picture 16">
+            <p:cNvPr id="24" name="Picture 23">
               <a:extLst>
                 <a:ext uri="{FF2B5EF4-FFF2-40B4-BE49-F238E27FC236}">
-                  <a16:creationId xmlns:a16="http://schemas.microsoft.com/office/drawing/2014/main" id="{44F70E73-ACCD-A74A-A554-11C62795C50D}"/>
+                  <a16:creationId xmlns:a16="http://schemas.microsoft.com/office/drawing/2014/main" id="{B596A0B9-580F-B24E-A09F-86D85CB91787}"/>
                 </a:ext>
               </a:extLst>
             </p:cNvPr>
@@ -6489,16 +14852,15 @@
             </p:cNvPicPr>
             <p:nvPr/>
           </p:nvPicPr>
-          <p:blipFill>
-            <a:blip r:embed="rId3"/>
-            <a:stretch>
-              <a:fillRect/>
-            </a:stretch>
+          <p:blipFill rotWithShape="1">
+            <a:blip r:embed="rId7"/>
+            <a:srcRect t="57805" b="29787"/>
+            <a:stretch/>
           </p:blipFill>
           <p:spPr>
             <a:xfrm>
-              <a:off x="3352863" y="898052"/>
-              <a:ext cx="2373346" cy="4219283"/>
+              <a:off x="3353045" y="5057306"/>
+              <a:ext cx="2372981" cy="130863"/>
             </a:xfrm>
             <a:prstGeom prst="rect">
               <a:avLst/>
@@ -6507,10 +14869,10 @@
         </p:pic>
         <p:pic>
           <p:nvPicPr>
-            <p:cNvPr id="15" name="Picture 14">
+            <p:cNvPr id="30" name="Picture 29">
               <a:extLst>
                 <a:ext uri="{FF2B5EF4-FFF2-40B4-BE49-F238E27FC236}">
-                  <a16:creationId xmlns:a16="http://schemas.microsoft.com/office/drawing/2014/main" id="{F99B17E9-95EF-624D-906F-DA9FA88C2CD8}"/>
+                  <a16:creationId xmlns:a16="http://schemas.microsoft.com/office/drawing/2014/main" id="{68E7D301-30F0-334C-8B65-AA089FFD97ED}"/>
                 </a:ext>
               </a:extLst>
             </p:cNvPr>
@@ -6519,676 +14881,21 @@
             </p:cNvPicPr>
             <p:nvPr/>
           </p:nvPicPr>
-          <p:blipFill>
-            <a:blip r:embed="rId4"/>
-            <a:stretch>
-              <a:fillRect/>
-            </a:stretch>
+          <p:blipFill rotWithShape="1">
+            <a:blip r:embed="rId7"/>
+            <a:srcRect t="57805" b="29787"/>
+            <a:stretch/>
           </p:blipFill>
           <p:spPr>
             <a:xfrm>
-              <a:off x="949617" y="896866"/>
-              <a:ext cx="2376156" cy="4224279"/>
+              <a:off x="5744089" y="5050352"/>
+              <a:ext cx="2425186" cy="133742"/>
             </a:xfrm>
             <a:prstGeom prst="rect">
               <a:avLst/>
             </a:prstGeom>
           </p:spPr>
         </p:pic>
-        <p:grpSp>
-          <p:nvGrpSpPr>
-            <p:cNvPr id="11" name="Group 10">
-              <a:extLst>
-                <a:ext uri="{FF2B5EF4-FFF2-40B4-BE49-F238E27FC236}">
-                  <a16:creationId xmlns:a16="http://schemas.microsoft.com/office/drawing/2014/main" id="{A2044059-DDF2-2346-8666-6B772F47ADC0}"/>
-                </a:ext>
-              </a:extLst>
-            </p:cNvPr>
-            <p:cNvGrpSpPr/>
-            <p:nvPr/>
-          </p:nvGrpSpPr>
-          <p:grpSpPr>
-            <a:xfrm>
-              <a:off x="844342" y="635557"/>
-              <a:ext cx="7710827" cy="4889279"/>
-              <a:chOff x="501442" y="284485"/>
-              <a:chExt cx="7710827" cy="4889279"/>
-            </a:xfrm>
-          </p:grpSpPr>
-          <p:grpSp>
-            <p:nvGrpSpPr>
-              <p:cNvPr id="91" name="Group 90">
-                <a:extLst>
-                  <a:ext uri="{FF2B5EF4-FFF2-40B4-BE49-F238E27FC236}">
-                    <a16:creationId xmlns:a16="http://schemas.microsoft.com/office/drawing/2014/main" id="{0AF64FDD-70D0-6C46-9EBB-3D5FC3D00D94}"/>
-                  </a:ext>
-                </a:extLst>
-              </p:cNvPr>
-              <p:cNvGrpSpPr/>
-              <p:nvPr/>
-            </p:nvGrpSpPr>
-            <p:grpSpPr>
-              <a:xfrm>
-                <a:off x="965732" y="284485"/>
-                <a:ext cx="7246537" cy="3392284"/>
-                <a:chOff x="965732" y="284485"/>
-                <a:chExt cx="7246537" cy="3392284"/>
-              </a:xfrm>
-            </p:grpSpPr>
-            <p:sp>
-              <p:nvSpPr>
-                <p:cNvPr id="7" name="TextBox 6">
-                  <a:extLst>
-                    <a:ext uri="{FF2B5EF4-FFF2-40B4-BE49-F238E27FC236}">
-                      <a16:creationId xmlns:a16="http://schemas.microsoft.com/office/drawing/2014/main" id="{DCD07132-0EF3-C045-AD85-4BE035150493}"/>
-                    </a:ext>
-                  </a:extLst>
-                </p:cNvPr>
-                <p:cNvSpPr txBox="1"/>
-                <p:nvPr/>
-              </p:nvSpPr>
-              <p:spPr>
-                <a:xfrm>
-                  <a:off x="965732" y="307154"/>
-                  <a:ext cx="2111501" cy="261610"/>
-                </a:xfrm>
-                <a:prstGeom prst="rect">
-                  <a:avLst/>
-                </a:prstGeom>
-                <a:noFill/>
-              </p:spPr>
-              <p:txBody>
-                <a:bodyPr wrap="square" rtlCol="0">
-                  <a:spAutoFit/>
-                </a:bodyPr>
-                <a:lstStyle/>
-                <a:p>
-                  <a:r>
-                    <a:rPr lang="en-US" sz="1100" dirty="0">
-                      <a:solidFill>
-                        <a:schemeClr val="tx1">
-                          <a:lumMod val="75000"/>
-                          <a:lumOff val="25000"/>
-                        </a:schemeClr>
-                      </a:solidFill>
-                      <a:latin typeface="Arial" panose="020B0604020202020204" pitchFamily="34" charset="0"/>
-                      <a:cs typeface="Arial" panose="020B0604020202020204" pitchFamily="34" charset="0"/>
-                    </a:rPr>
-                    <a:t>Predominant Gonad Sex</a:t>
-                  </a:r>
-                </a:p>
-              </p:txBody>
-            </p:sp>
-            <p:sp>
-              <p:nvSpPr>
-                <p:cNvPr id="8" name="TextBox 7">
-                  <a:extLst>
-                    <a:ext uri="{FF2B5EF4-FFF2-40B4-BE49-F238E27FC236}">
-                      <a16:creationId xmlns:a16="http://schemas.microsoft.com/office/drawing/2014/main" id="{9DA0215A-45C1-C74D-BF67-DEB80016112A}"/>
-                    </a:ext>
-                  </a:extLst>
-                </p:cNvPr>
-                <p:cNvSpPr txBox="1"/>
-                <p:nvPr/>
-              </p:nvSpPr>
-              <p:spPr>
-                <a:xfrm>
-                  <a:off x="3255109" y="285798"/>
-                  <a:ext cx="1625177" cy="261610"/>
-                </a:xfrm>
-                <a:prstGeom prst="rect">
-                  <a:avLst/>
-                </a:prstGeom>
-                <a:noFill/>
-              </p:spPr>
-              <p:txBody>
-                <a:bodyPr wrap="square" rtlCol="0">
-                  <a:spAutoFit/>
-                </a:bodyPr>
-                <a:lstStyle/>
-                <a:p>
-                  <a:pPr algn="ctr"/>
-                  <a:r>
-                    <a:rPr lang="en-US" sz="1100" dirty="0">
-                      <a:solidFill>
-                        <a:schemeClr val="tx1">
-                          <a:lumMod val="75000"/>
-                          <a:lumOff val="25000"/>
-                        </a:schemeClr>
-                      </a:solidFill>
-                      <a:latin typeface="Arial" panose="020B0604020202020204" pitchFamily="34" charset="0"/>
-                      <a:cs typeface="Arial" panose="020B0604020202020204" pitchFamily="34" charset="0"/>
-                    </a:rPr>
-                    <a:t>Oocyte stage</a:t>
-                  </a:r>
-                </a:p>
-              </p:txBody>
-            </p:sp>
-            <p:sp>
-              <p:nvSpPr>
-                <p:cNvPr id="10" name="TextBox 9">
-                  <a:extLst>
-                    <a:ext uri="{FF2B5EF4-FFF2-40B4-BE49-F238E27FC236}">
-                      <a16:creationId xmlns:a16="http://schemas.microsoft.com/office/drawing/2014/main" id="{8E4D9B60-852D-5240-AB7C-E27CF74004EF}"/>
-                    </a:ext>
-                  </a:extLst>
-                </p:cNvPr>
-                <p:cNvSpPr txBox="1"/>
-                <p:nvPr/>
-              </p:nvSpPr>
-              <p:spPr>
-                <a:xfrm>
-                  <a:off x="5858659" y="284485"/>
-                  <a:ext cx="1923204" cy="261610"/>
-                </a:xfrm>
-                <a:prstGeom prst="rect">
-                  <a:avLst/>
-                </a:prstGeom>
-                <a:noFill/>
-              </p:spPr>
-              <p:txBody>
-                <a:bodyPr wrap="square" rtlCol="0">
-                  <a:spAutoFit/>
-                </a:bodyPr>
-                <a:lstStyle/>
-                <a:p>
-                  <a:r>
-                    <a:rPr lang="en-US" sz="1100" dirty="0">
-                      <a:solidFill>
-                        <a:schemeClr val="tx1">
-                          <a:lumMod val="75000"/>
-                          <a:lumOff val="25000"/>
-                        </a:schemeClr>
-                      </a:solidFill>
-                      <a:latin typeface="Arial" panose="020B0604020202020204" pitchFamily="34" charset="0"/>
-                      <a:cs typeface="Arial" panose="020B0604020202020204" pitchFamily="34" charset="0"/>
-                    </a:rPr>
-                    <a:t>Spermatocyte Stage</a:t>
-                  </a:r>
-                </a:p>
-              </p:txBody>
-            </p:sp>
-            <p:sp>
-              <p:nvSpPr>
-                <p:cNvPr id="49" name="TextBox 48">
-                  <a:extLst>
-                    <a:ext uri="{FF2B5EF4-FFF2-40B4-BE49-F238E27FC236}">
-                      <a16:creationId xmlns:a16="http://schemas.microsoft.com/office/drawing/2014/main" id="{C995DEEA-F2B9-9A43-8A23-F6C7C2515277}"/>
-                    </a:ext>
-                  </a:extLst>
-                </p:cNvPr>
-                <p:cNvSpPr txBox="1"/>
-                <p:nvPr/>
-              </p:nvSpPr>
-              <p:spPr>
-                <a:xfrm rot="5400000">
-                  <a:off x="6764341" y="2228840"/>
-                  <a:ext cx="2618858" cy="276999"/>
-                </a:xfrm>
-                <a:prstGeom prst="rect">
-                  <a:avLst/>
-                </a:prstGeom>
-                <a:noFill/>
-              </p:spPr>
-              <p:txBody>
-                <a:bodyPr wrap="square" rtlCol="0">
-                  <a:spAutoFit/>
-                </a:bodyPr>
-                <a:lstStyle/>
-                <a:p>
-                  <a:pPr algn="r"/>
-                  <a:r>
-                    <a:rPr lang="en-US" sz="1200" dirty="0">
-                      <a:solidFill>
-                        <a:schemeClr val="tx1">
-                          <a:lumMod val="75000"/>
-                          <a:lumOff val="25000"/>
-                        </a:schemeClr>
-                      </a:solidFill>
-                      <a:latin typeface="Arial" panose="020B0604020202020204" pitchFamily="34" charset="0"/>
-                      <a:cs typeface="Arial" panose="020B0604020202020204" pitchFamily="34" charset="0"/>
-                    </a:rPr>
-                    <a:t>Percent of oysters sampled</a:t>
-                  </a:r>
-                </a:p>
-              </p:txBody>
-            </p:sp>
-          </p:grpSp>
-          <p:pic>
-            <p:nvPicPr>
-              <p:cNvPr id="3" name="Picture 2">
-                <a:extLst>
-                  <a:ext uri="{FF2B5EF4-FFF2-40B4-BE49-F238E27FC236}">
-                    <a16:creationId xmlns:a16="http://schemas.microsoft.com/office/drawing/2014/main" id="{5D59D35F-C058-2F41-A619-03812C72C1F9}"/>
-                  </a:ext>
-                </a:extLst>
-              </p:cNvPr>
-              <p:cNvPicPr>
-                <a:picLocks noChangeAspect="1"/>
-              </p:cNvPicPr>
-              <p:nvPr/>
-            </p:nvPicPr>
-            <p:blipFill rotWithShape="1">
-              <a:blip r:embed="rId5"/>
-              <a:srcRect t="57380" b="25879"/>
-              <a:stretch/>
-            </p:blipFill>
-            <p:spPr>
-              <a:xfrm>
-                <a:off x="3011722" y="4712098"/>
-                <a:ext cx="2373347" cy="176583"/>
-              </a:xfrm>
-              <a:prstGeom prst="rect">
-                <a:avLst/>
-              </a:prstGeom>
-            </p:spPr>
-          </p:pic>
-          <p:pic>
-            <p:nvPicPr>
-              <p:cNvPr id="9" name="Picture 8">
-                <a:extLst>
-                  <a:ext uri="{FF2B5EF4-FFF2-40B4-BE49-F238E27FC236}">
-                    <a16:creationId xmlns:a16="http://schemas.microsoft.com/office/drawing/2014/main" id="{E046EBFC-676B-C347-9B08-E54AD7C8849F}"/>
-                  </a:ext>
-                </a:extLst>
-              </p:cNvPr>
-              <p:cNvPicPr>
-                <a:picLocks noChangeAspect="1"/>
-              </p:cNvPicPr>
-              <p:nvPr/>
-            </p:nvPicPr>
-            <p:blipFill rotWithShape="1">
-              <a:blip r:embed="rId6"/>
-              <a:srcRect t="57529"/>
-              <a:stretch/>
-            </p:blipFill>
-            <p:spPr>
-              <a:xfrm>
-                <a:off x="5393498" y="4722940"/>
-                <a:ext cx="2388365" cy="450824"/>
-              </a:xfrm>
-              <a:prstGeom prst="rect">
-                <a:avLst/>
-              </a:prstGeom>
-            </p:spPr>
-          </p:pic>
-          <p:pic>
-            <p:nvPicPr>
-              <p:cNvPr id="5" name="Picture 4">
-                <a:extLst>
-                  <a:ext uri="{FF2B5EF4-FFF2-40B4-BE49-F238E27FC236}">
-                    <a16:creationId xmlns:a16="http://schemas.microsoft.com/office/drawing/2014/main" id="{4FD53668-9271-8841-8EF5-C92E9F552462}"/>
-                  </a:ext>
-                </a:extLst>
-              </p:cNvPr>
-              <p:cNvPicPr>
-                <a:picLocks noChangeAspect="1"/>
-              </p:cNvPicPr>
-              <p:nvPr/>
-            </p:nvPicPr>
-            <p:blipFill rotWithShape="1">
-              <a:blip r:embed="rId7"/>
-              <a:srcRect t="57430" b="26991"/>
-              <a:stretch/>
-            </p:blipFill>
-            <p:spPr>
-              <a:xfrm>
-                <a:off x="502895" y="4716764"/>
-                <a:ext cx="2482885" cy="171918"/>
-              </a:xfrm>
-              <a:prstGeom prst="rect">
-                <a:avLst/>
-              </a:prstGeom>
-            </p:spPr>
-          </p:pic>
-          <p:pic>
-            <p:nvPicPr>
-              <p:cNvPr id="38" name="Picture 37">
-                <a:extLst>
-                  <a:ext uri="{FF2B5EF4-FFF2-40B4-BE49-F238E27FC236}">
-                    <a16:creationId xmlns:a16="http://schemas.microsoft.com/office/drawing/2014/main" id="{487FC253-E6F5-D744-8AC5-32310D9CD796}"/>
-                  </a:ext>
-                </a:extLst>
-              </p:cNvPr>
-              <p:cNvPicPr>
-                <a:picLocks noChangeAspect="1"/>
-              </p:cNvPicPr>
-              <p:nvPr/>
-            </p:nvPicPr>
-            <p:blipFill rotWithShape="1">
-              <a:blip r:embed="rId6"/>
-              <a:srcRect t="67629"/>
-              <a:stretch/>
-            </p:blipFill>
-            <p:spPr>
-              <a:xfrm>
-                <a:off x="2982874" y="4830143"/>
-                <a:ext cx="2388365" cy="343621"/>
-              </a:xfrm>
-              <a:prstGeom prst="rect">
-                <a:avLst/>
-              </a:prstGeom>
-            </p:spPr>
-          </p:pic>
-          <p:pic>
-            <p:nvPicPr>
-              <p:cNvPr id="39" name="Picture 38">
-                <a:extLst>
-                  <a:ext uri="{FF2B5EF4-FFF2-40B4-BE49-F238E27FC236}">
-                    <a16:creationId xmlns:a16="http://schemas.microsoft.com/office/drawing/2014/main" id="{D3935997-124D-B548-B9AA-EEF6368B2BD4}"/>
-                  </a:ext>
-                </a:extLst>
-              </p:cNvPr>
-              <p:cNvPicPr>
-                <a:picLocks noChangeAspect="1"/>
-              </p:cNvPicPr>
-              <p:nvPr/>
-            </p:nvPicPr>
-            <p:blipFill rotWithShape="1">
-              <a:blip r:embed="rId7"/>
-              <a:srcRect t="72864"/>
-              <a:stretch/>
-            </p:blipFill>
-            <p:spPr>
-              <a:xfrm>
-                <a:off x="501442" y="4871409"/>
-                <a:ext cx="2482885" cy="299456"/>
-              </a:xfrm>
-              <a:prstGeom prst="rect">
-                <a:avLst/>
-              </a:prstGeom>
-            </p:spPr>
-          </p:pic>
-        </p:grpSp>
-        <p:sp>
-          <p:nvSpPr>
-            <p:cNvPr id="25" name="TextBox 24">
-              <a:extLst>
-                <a:ext uri="{FF2B5EF4-FFF2-40B4-BE49-F238E27FC236}">
-                  <a16:creationId xmlns:a16="http://schemas.microsoft.com/office/drawing/2014/main" id="{26B44784-6193-F449-8A4B-595196E3F621}"/>
-                </a:ext>
-              </a:extLst>
-            </p:cNvPr>
-            <p:cNvSpPr txBox="1"/>
-            <p:nvPr/>
-          </p:nvSpPr>
-          <p:spPr>
-            <a:xfrm>
-              <a:off x="427510" y="1155066"/>
-              <a:ext cx="519201" cy="253916"/>
-            </a:xfrm>
-            <a:prstGeom prst="rect">
-              <a:avLst/>
-            </a:prstGeom>
-            <a:noFill/>
-          </p:spPr>
-          <p:txBody>
-            <a:bodyPr wrap="square" rtlCol="0">
-              <a:spAutoFit/>
-            </a:bodyPr>
-            <a:lstStyle/>
-            <a:p>
-              <a:pPr algn="r"/>
-              <a:r>
-                <a:rPr lang="en-US" sz="1050" dirty="0">
-                  <a:solidFill>
-                    <a:schemeClr val="tx1">
-                      <a:lumMod val="75000"/>
-                      <a:lumOff val="25000"/>
-                    </a:schemeClr>
-                  </a:solidFill>
-                  <a:latin typeface="Arial" panose="020B0604020202020204" pitchFamily="34" charset="0"/>
-                  <a:cs typeface="Arial" panose="020B0604020202020204" pitchFamily="34" charset="0"/>
-                </a:rPr>
-                <a:t>Wild</a:t>
-              </a:r>
-            </a:p>
-          </p:txBody>
-        </p:sp>
-        <p:sp>
-          <p:nvSpPr>
-            <p:cNvPr id="26" name="TextBox 25">
-              <a:extLst>
-                <a:ext uri="{FF2B5EF4-FFF2-40B4-BE49-F238E27FC236}">
-                  <a16:creationId xmlns:a16="http://schemas.microsoft.com/office/drawing/2014/main" id="{B3878E72-09F9-524A-9914-F34843124E5E}"/>
-                </a:ext>
-              </a:extLst>
-            </p:cNvPr>
-            <p:cNvSpPr txBox="1"/>
-            <p:nvPr/>
-          </p:nvSpPr>
-          <p:spPr>
-            <a:xfrm>
-              <a:off x="138069" y="1974572"/>
-              <a:ext cx="850032" cy="415498"/>
-            </a:xfrm>
-            <a:prstGeom prst="rect">
-              <a:avLst/>
-            </a:prstGeom>
-            <a:noFill/>
-          </p:spPr>
-          <p:txBody>
-            <a:bodyPr wrap="square" rtlCol="0">
-              <a:spAutoFit/>
-            </a:bodyPr>
-            <a:lstStyle/>
-            <a:p>
-              <a:pPr algn="r"/>
-              <a:r>
-                <a:rPr lang="en-US" sz="1050" dirty="0">
-                  <a:solidFill>
-                    <a:schemeClr val="tx1">
-                      <a:lumMod val="75000"/>
-                      <a:lumOff val="25000"/>
-                    </a:schemeClr>
-                  </a:solidFill>
-                  <a:latin typeface="Arial" panose="020B0604020202020204" pitchFamily="34" charset="0"/>
-                  <a:cs typeface="Arial" panose="020B0604020202020204" pitchFamily="34" charset="0"/>
-                </a:rPr>
-                <a:t>7°C+ </a:t>
-              </a:r>
-            </a:p>
-            <a:p>
-              <a:pPr algn="r"/>
-              <a:r>
-                <a:rPr lang="en-US" sz="1050" dirty="0">
-                  <a:solidFill>
-                    <a:schemeClr val="tx1">
-                      <a:lumMod val="75000"/>
-                      <a:lumOff val="25000"/>
-                    </a:schemeClr>
-                  </a:solidFill>
-                  <a:latin typeface="Arial" panose="020B0604020202020204" pitchFamily="34" charset="0"/>
-                  <a:cs typeface="Arial" panose="020B0604020202020204" pitchFamily="34" charset="0"/>
-                </a:rPr>
-                <a:t>high-food</a:t>
-              </a:r>
-            </a:p>
-          </p:txBody>
-        </p:sp>
-        <p:sp>
-          <p:nvSpPr>
-            <p:cNvPr id="27" name="TextBox 26">
-              <a:extLst>
-                <a:ext uri="{FF2B5EF4-FFF2-40B4-BE49-F238E27FC236}">
-                  <a16:creationId xmlns:a16="http://schemas.microsoft.com/office/drawing/2014/main" id="{4DA35E14-E139-094F-8BBA-5BF01ADEC28D}"/>
-                </a:ext>
-              </a:extLst>
-            </p:cNvPr>
-            <p:cNvSpPr txBox="1"/>
-            <p:nvPr/>
-          </p:nvSpPr>
-          <p:spPr>
-            <a:xfrm>
-              <a:off x="129551" y="2838407"/>
-              <a:ext cx="850032" cy="415498"/>
-            </a:xfrm>
-            <a:prstGeom prst="rect">
-              <a:avLst/>
-            </a:prstGeom>
-            <a:noFill/>
-          </p:spPr>
-          <p:txBody>
-            <a:bodyPr wrap="square" rtlCol="0">
-              <a:spAutoFit/>
-            </a:bodyPr>
-            <a:lstStyle/>
-            <a:p>
-              <a:pPr algn="r"/>
-              <a:r>
-                <a:rPr lang="en-US" sz="1050" dirty="0">
-                  <a:solidFill>
-                    <a:schemeClr val="tx1">
-                      <a:lumMod val="75000"/>
-                      <a:lumOff val="25000"/>
-                    </a:schemeClr>
-                  </a:solidFill>
-                  <a:latin typeface="Arial" panose="020B0604020202020204" pitchFamily="34" charset="0"/>
-                  <a:cs typeface="Arial" panose="020B0604020202020204" pitchFamily="34" charset="0"/>
-                </a:rPr>
-                <a:t>7°C+</a:t>
-              </a:r>
-            </a:p>
-            <a:p>
-              <a:pPr algn="r"/>
-              <a:r>
-                <a:rPr lang="en-US" sz="1050" dirty="0">
-                  <a:solidFill>
-                    <a:schemeClr val="tx1">
-                      <a:lumMod val="75000"/>
-                      <a:lumOff val="25000"/>
-                    </a:schemeClr>
-                  </a:solidFill>
-                  <a:latin typeface="Arial" panose="020B0604020202020204" pitchFamily="34" charset="0"/>
-                  <a:cs typeface="Arial" panose="020B0604020202020204" pitchFamily="34" charset="0"/>
-                </a:rPr>
-                <a:t>low-food</a:t>
-              </a:r>
-            </a:p>
-          </p:txBody>
-        </p:sp>
-        <p:sp>
-          <p:nvSpPr>
-            <p:cNvPr id="28" name="TextBox 27">
-              <a:extLst>
-                <a:ext uri="{FF2B5EF4-FFF2-40B4-BE49-F238E27FC236}">
-                  <a16:creationId xmlns:a16="http://schemas.microsoft.com/office/drawing/2014/main" id="{133458E7-DFAC-1D49-AC30-3B2ADB842070}"/>
-                </a:ext>
-              </a:extLst>
-            </p:cNvPr>
-            <p:cNvSpPr txBox="1"/>
-            <p:nvPr/>
-          </p:nvSpPr>
-          <p:spPr>
-            <a:xfrm>
-              <a:off x="129551" y="3649317"/>
-              <a:ext cx="850032" cy="415498"/>
-            </a:xfrm>
-            <a:prstGeom prst="rect">
-              <a:avLst/>
-            </a:prstGeom>
-            <a:noFill/>
-          </p:spPr>
-          <p:txBody>
-            <a:bodyPr wrap="square" rtlCol="0">
-              <a:spAutoFit/>
-            </a:bodyPr>
-            <a:lstStyle/>
-            <a:p>
-              <a:pPr algn="r"/>
-              <a:r>
-                <a:rPr lang="en-US" sz="1050" dirty="0">
-                  <a:solidFill>
-                    <a:schemeClr val="tx1">
-                      <a:lumMod val="75000"/>
-                      <a:lumOff val="25000"/>
-                    </a:schemeClr>
-                  </a:solidFill>
-                  <a:latin typeface="Arial" panose="020B0604020202020204" pitchFamily="34" charset="0"/>
-                  <a:cs typeface="Arial" panose="020B0604020202020204" pitchFamily="34" charset="0"/>
-                </a:rPr>
-                <a:t>10°C+</a:t>
-              </a:r>
-            </a:p>
-            <a:p>
-              <a:pPr algn="r"/>
-              <a:r>
-                <a:rPr lang="en-US" sz="1050" dirty="0">
-                  <a:solidFill>
-                    <a:schemeClr val="tx1">
-                      <a:lumMod val="75000"/>
-                      <a:lumOff val="25000"/>
-                    </a:schemeClr>
-                  </a:solidFill>
-                  <a:latin typeface="Arial" panose="020B0604020202020204" pitchFamily="34" charset="0"/>
-                  <a:cs typeface="Arial" panose="020B0604020202020204" pitchFamily="34" charset="0"/>
-                </a:rPr>
-                <a:t>high-food</a:t>
-              </a:r>
-            </a:p>
-          </p:txBody>
-        </p:sp>
-        <p:sp>
-          <p:nvSpPr>
-            <p:cNvPr id="29" name="TextBox 28">
-              <a:extLst>
-                <a:ext uri="{FF2B5EF4-FFF2-40B4-BE49-F238E27FC236}">
-                  <a16:creationId xmlns:a16="http://schemas.microsoft.com/office/drawing/2014/main" id="{81042790-3F90-5D4D-B5EC-E33B5D50FCBE}"/>
-                </a:ext>
-              </a:extLst>
-            </p:cNvPr>
-            <p:cNvSpPr txBox="1"/>
-            <p:nvPr/>
-          </p:nvSpPr>
-          <p:spPr>
-            <a:xfrm>
-              <a:off x="129551" y="4478913"/>
-              <a:ext cx="850032" cy="415498"/>
-            </a:xfrm>
-            <a:prstGeom prst="rect">
-              <a:avLst/>
-            </a:prstGeom>
-            <a:noFill/>
-          </p:spPr>
-          <p:txBody>
-            <a:bodyPr wrap="square" rtlCol="0">
-              <a:spAutoFit/>
-            </a:bodyPr>
-            <a:lstStyle/>
-            <a:p>
-              <a:pPr algn="r"/>
-              <a:r>
-                <a:rPr lang="en-US" sz="1050" dirty="0">
-                  <a:solidFill>
-                    <a:schemeClr val="tx1">
-                      <a:lumMod val="75000"/>
-                      <a:lumOff val="25000"/>
-                    </a:schemeClr>
-                  </a:solidFill>
-                  <a:latin typeface="Arial" panose="020B0604020202020204" pitchFamily="34" charset="0"/>
-                  <a:cs typeface="Arial" panose="020B0604020202020204" pitchFamily="34" charset="0"/>
-                </a:rPr>
-                <a:t>10°C+</a:t>
-              </a:r>
-            </a:p>
-            <a:p>
-              <a:pPr algn="r"/>
-              <a:r>
-                <a:rPr lang="en-US" sz="1050" dirty="0">
-                  <a:solidFill>
-                    <a:schemeClr val="tx1">
-                      <a:lumMod val="75000"/>
-                      <a:lumOff val="25000"/>
-                    </a:schemeClr>
-                  </a:solidFill>
-                  <a:latin typeface="Arial" panose="020B0604020202020204" pitchFamily="34" charset="0"/>
-                  <a:cs typeface="Arial" panose="020B0604020202020204" pitchFamily="34" charset="0"/>
-                </a:rPr>
-                <a:t>low-food</a:t>
-              </a:r>
-            </a:p>
-          </p:txBody>
-        </p:sp>
       </p:grpSp>
     </p:spTree>
     <p:extLst>

--- a/admin/plot-editing.pptx
+++ b/admin/plot-editing.pptx
@@ -5,22 +5,25 @@
     <p:sldMasterId id="2147483660" r:id="rId1"/>
   </p:sldMasterIdLst>
   <p:notesMasterIdLst>
-    <p:notesMasterId r:id="rId15"/>
+    <p:notesMasterId r:id="rId18"/>
   </p:notesMasterIdLst>
   <p:sldIdLst>
     <p:sldId id="316" r:id="rId2"/>
     <p:sldId id="260" r:id="rId3"/>
     <p:sldId id="318" r:id="rId4"/>
     <p:sldId id="261" r:id="rId5"/>
-    <p:sldId id="262" r:id="rId6"/>
-    <p:sldId id="264" r:id="rId7"/>
-    <p:sldId id="263" r:id="rId8"/>
-    <p:sldId id="317" r:id="rId9"/>
-    <p:sldId id="319" r:id="rId10"/>
-    <p:sldId id="320" r:id="rId11"/>
-    <p:sldId id="322" r:id="rId12"/>
-    <p:sldId id="321" r:id="rId13"/>
-    <p:sldId id="323" r:id="rId14"/>
+    <p:sldId id="326" r:id="rId6"/>
+    <p:sldId id="262" r:id="rId7"/>
+    <p:sldId id="264" r:id="rId8"/>
+    <p:sldId id="324" r:id="rId9"/>
+    <p:sldId id="263" r:id="rId10"/>
+    <p:sldId id="317" r:id="rId11"/>
+    <p:sldId id="325" r:id="rId12"/>
+    <p:sldId id="319" r:id="rId13"/>
+    <p:sldId id="320" r:id="rId14"/>
+    <p:sldId id="322" r:id="rId15"/>
+    <p:sldId id="321" r:id="rId16"/>
+    <p:sldId id="323" r:id="rId17"/>
   </p:sldIdLst>
   <p:sldSz cx="9144000" cy="6858000" type="screen4x3"/>
   <p:notesSz cx="6858000" cy="9144000"/>
@@ -209,7 +212,7 @@
           <a:p>
             <a:fld id="{28BB845A-8D3D-7546-82B5-222C64D3BA4D}" type="datetimeFigureOut">
               <a:rPr lang="en-US" smtClean="0"/>
-              <a:t>10/28/20</a:t>
+              <a:t>11/16/20</a:t>
             </a:fld>
             <a:endParaRPr lang="en-US"/>
           </a:p>
@@ -625,7 +628,7 @@
           <a:p>
             <a:fld id="{B68D2766-C49B-4C1A-9FEE-6F146754B02B}" type="slidenum">
               <a:rPr lang="en-US" smtClean="0"/>
-              <a:t>10</a:t>
+              <a:t>13</a:t>
             </a:fld>
             <a:endParaRPr lang="en-US"/>
           </a:p>
@@ -709,7 +712,7 @@
           <a:p>
             <a:fld id="{B68D2766-C49B-4C1A-9FEE-6F146754B02B}" type="slidenum">
               <a:rPr lang="en-US" smtClean="0"/>
-              <a:t>11</a:t>
+              <a:t>14</a:t>
             </a:fld>
             <a:endParaRPr lang="en-US"/>
           </a:p>
@@ -793,7 +796,7 @@
           <a:p>
             <a:fld id="{B68D2766-C49B-4C1A-9FEE-6F146754B02B}" type="slidenum">
               <a:rPr lang="en-US" smtClean="0"/>
-              <a:t>12</a:t>
+              <a:t>15</a:t>
             </a:fld>
             <a:endParaRPr lang="en-US"/>
           </a:p>
@@ -877,7 +880,7 @@
           <a:p>
             <a:fld id="{B68D2766-C49B-4C1A-9FEE-6F146754B02B}" type="slidenum">
               <a:rPr lang="en-US" smtClean="0"/>
-              <a:t>13</a:t>
+              <a:t>16</a:t>
             </a:fld>
             <a:endParaRPr lang="en-US"/>
           </a:p>
@@ -1027,7 +1030,7 @@
           <a:p>
             <a:fld id="{9347E118-E456-1F40-BBD6-4856F8C7E635}" type="datetimeFigureOut">
               <a:rPr lang="en-US" smtClean="0"/>
-              <a:t>10/28/20</a:t>
+              <a:t>11/16/20</a:t>
             </a:fld>
             <a:endParaRPr lang="en-US"/>
           </a:p>
@@ -1197,7 +1200,7 @@
           <a:p>
             <a:fld id="{9347E118-E456-1F40-BBD6-4856F8C7E635}" type="datetimeFigureOut">
               <a:rPr lang="en-US" smtClean="0"/>
-              <a:t>10/28/20</a:t>
+              <a:t>11/16/20</a:t>
             </a:fld>
             <a:endParaRPr lang="en-US"/>
           </a:p>
@@ -1377,7 +1380,7 @@
           <a:p>
             <a:fld id="{9347E118-E456-1F40-BBD6-4856F8C7E635}" type="datetimeFigureOut">
               <a:rPr lang="en-US" smtClean="0"/>
-              <a:t>10/28/20</a:t>
+              <a:t>11/16/20</a:t>
             </a:fld>
             <a:endParaRPr lang="en-US"/>
           </a:p>
@@ -1547,7 +1550,7 @@
           <a:p>
             <a:fld id="{9347E118-E456-1F40-BBD6-4856F8C7E635}" type="datetimeFigureOut">
               <a:rPr lang="en-US" smtClean="0"/>
-              <a:t>10/28/20</a:t>
+              <a:t>11/16/20</a:t>
             </a:fld>
             <a:endParaRPr lang="en-US"/>
           </a:p>
@@ -1791,7 +1794,7 @@
           <a:p>
             <a:fld id="{9347E118-E456-1F40-BBD6-4856F8C7E635}" type="datetimeFigureOut">
               <a:rPr lang="en-US" smtClean="0"/>
-              <a:t>10/28/20</a:t>
+              <a:t>11/16/20</a:t>
             </a:fld>
             <a:endParaRPr lang="en-US"/>
           </a:p>
@@ -2023,7 +2026,7 @@
           <a:p>
             <a:fld id="{9347E118-E456-1F40-BBD6-4856F8C7E635}" type="datetimeFigureOut">
               <a:rPr lang="en-US" smtClean="0"/>
-              <a:t>10/28/20</a:t>
+              <a:t>11/16/20</a:t>
             </a:fld>
             <a:endParaRPr lang="en-US"/>
           </a:p>
@@ -2390,7 +2393,7 @@
           <a:p>
             <a:fld id="{9347E118-E456-1F40-BBD6-4856F8C7E635}" type="datetimeFigureOut">
               <a:rPr lang="en-US" smtClean="0"/>
-              <a:t>10/28/20</a:t>
+              <a:t>11/16/20</a:t>
             </a:fld>
             <a:endParaRPr lang="en-US"/>
           </a:p>
@@ -2508,7 +2511,7 @@
           <a:p>
             <a:fld id="{9347E118-E456-1F40-BBD6-4856F8C7E635}" type="datetimeFigureOut">
               <a:rPr lang="en-US" smtClean="0"/>
-              <a:t>10/28/20</a:t>
+              <a:t>11/16/20</a:t>
             </a:fld>
             <a:endParaRPr lang="en-US"/>
           </a:p>
@@ -2603,7 +2606,7 @@
           <a:p>
             <a:fld id="{9347E118-E456-1F40-BBD6-4856F8C7E635}" type="datetimeFigureOut">
               <a:rPr lang="en-US" smtClean="0"/>
-              <a:t>10/28/20</a:t>
+              <a:t>11/16/20</a:t>
             </a:fld>
             <a:endParaRPr lang="en-US"/>
           </a:p>
@@ -2880,7 +2883,7 @@
           <a:p>
             <a:fld id="{9347E118-E456-1F40-BBD6-4856F8C7E635}" type="datetimeFigureOut">
               <a:rPr lang="en-US" smtClean="0"/>
-              <a:t>10/28/20</a:t>
+              <a:t>11/16/20</a:t>
             </a:fld>
             <a:endParaRPr lang="en-US"/>
           </a:p>
@@ -3137,7 +3140,7 @@
           <a:p>
             <a:fld id="{9347E118-E456-1F40-BBD6-4856F8C7E635}" type="datetimeFigureOut">
               <a:rPr lang="en-US" smtClean="0"/>
-              <a:t>10/28/20</a:t>
+              <a:t>11/16/20</a:t>
             </a:fld>
             <a:endParaRPr lang="en-US"/>
           </a:p>
@@ -3350,7 +3353,7 @@
           <a:p>
             <a:fld id="{9347E118-E456-1F40-BBD6-4856F8C7E635}" type="datetimeFigureOut">
               <a:rPr lang="en-US" smtClean="0"/>
-              <a:t>10/28/20</a:t>
+              <a:t>11/16/20</a:t>
             </a:fld>
             <a:endParaRPr lang="en-US"/>
           </a:p>
@@ -3755,12 +3758,2285 @@
           <a:chExt cx="0" cy="0"/>
         </a:xfrm>
       </p:grpSpPr>
+      <p:cxnSp>
+        <p:nvCxnSpPr>
+          <p:cNvPr id="71" name="40 Conector recto">
+            <a:extLst>
+              <a:ext uri="{FF2B5EF4-FFF2-40B4-BE49-F238E27FC236}">
+                <a16:creationId xmlns:a16="http://schemas.microsoft.com/office/drawing/2014/main" id="{CFDAD28D-D8A6-5442-8D48-D71F60757076}"/>
+              </a:ext>
+            </a:extLst>
+          </p:cNvPr>
+          <p:cNvCxnSpPr>
+            <a:cxnSpLocks/>
+          </p:cNvCxnSpPr>
+          <p:nvPr/>
+        </p:nvCxnSpPr>
+        <p:spPr>
+          <a:xfrm flipV="1">
+            <a:off x="2512511" y="1859348"/>
+            <a:ext cx="0" cy="1612641"/>
+          </a:xfrm>
+          <a:prstGeom prst="line">
+            <a:avLst/>
+          </a:prstGeom>
+          <a:ln w="12700">
+            <a:solidFill>
+              <a:schemeClr val="tx1">
+                <a:lumMod val="65000"/>
+                <a:lumOff val="35000"/>
+              </a:schemeClr>
+            </a:solidFill>
+          </a:ln>
+        </p:spPr>
+        <p:style>
+          <a:lnRef idx="1">
+            <a:schemeClr val="accent1"/>
+          </a:lnRef>
+          <a:fillRef idx="0">
+            <a:schemeClr val="accent1"/>
+          </a:fillRef>
+          <a:effectRef idx="0">
+            <a:schemeClr val="accent1"/>
+          </a:effectRef>
+          <a:fontRef idx="minor">
+            <a:schemeClr val="tx1"/>
+          </a:fontRef>
+        </p:style>
+      </p:cxnSp>
+      <p:cxnSp>
+        <p:nvCxnSpPr>
+          <p:cNvPr id="65" name="40 Conector recto">
+            <a:extLst>
+              <a:ext uri="{FF2B5EF4-FFF2-40B4-BE49-F238E27FC236}">
+                <a16:creationId xmlns:a16="http://schemas.microsoft.com/office/drawing/2014/main" id="{3F967D21-B4E5-2E48-B48D-E0965735EB7B}"/>
+              </a:ext>
+            </a:extLst>
+          </p:cNvPr>
+          <p:cNvCxnSpPr>
+            <a:cxnSpLocks/>
+          </p:cNvCxnSpPr>
+          <p:nvPr/>
+        </p:nvCxnSpPr>
+        <p:spPr>
+          <a:xfrm flipV="1">
+            <a:off x="4561763" y="2144220"/>
+            <a:ext cx="4124" cy="1317916"/>
+          </a:xfrm>
+          <a:prstGeom prst="line">
+            <a:avLst/>
+          </a:prstGeom>
+          <a:ln w="12700">
+            <a:solidFill>
+              <a:schemeClr val="tx1">
+                <a:lumMod val="65000"/>
+                <a:lumOff val="35000"/>
+              </a:schemeClr>
+            </a:solidFill>
+          </a:ln>
+        </p:spPr>
+        <p:style>
+          <a:lnRef idx="1">
+            <a:schemeClr val="accent1"/>
+          </a:lnRef>
+          <a:fillRef idx="0">
+            <a:schemeClr val="accent1"/>
+          </a:fillRef>
+          <a:effectRef idx="0">
+            <a:schemeClr val="accent1"/>
+          </a:effectRef>
+          <a:fontRef idx="minor">
+            <a:schemeClr val="tx1"/>
+          </a:fontRef>
+        </p:style>
+      </p:cxnSp>
+      <p:cxnSp>
+        <p:nvCxnSpPr>
+          <p:cNvPr id="162" name="Straight Connector 161">
+            <a:extLst>
+              <a:ext uri="{FF2B5EF4-FFF2-40B4-BE49-F238E27FC236}">
+                <a16:creationId xmlns:a16="http://schemas.microsoft.com/office/drawing/2014/main" id="{BC0B9CA1-6DD7-024C-A3F5-57E1481794B6}"/>
+              </a:ext>
+            </a:extLst>
+          </p:cNvPr>
+          <p:cNvCxnSpPr>
+            <a:cxnSpLocks/>
+          </p:cNvCxnSpPr>
+          <p:nvPr/>
+        </p:nvCxnSpPr>
+        <p:spPr>
+          <a:xfrm>
+            <a:off x="2296878" y="3338620"/>
+            <a:ext cx="0" cy="130154"/>
+          </a:xfrm>
+          <a:prstGeom prst="line">
+            <a:avLst/>
+          </a:prstGeom>
+          <a:ln w="9525">
+            <a:solidFill>
+              <a:schemeClr val="tx1">
+                <a:lumMod val="65000"/>
+                <a:lumOff val="35000"/>
+              </a:schemeClr>
+            </a:solidFill>
+          </a:ln>
+        </p:spPr>
+        <p:style>
+          <a:lnRef idx="1">
+            <a:schemeClr val="accent1"/>
+          </a:lnRef>
+          <a:fillRef idx="0">
+            <a:schemeClr val="accent1"/>
+          </a:fillRef>
+          <a:effectRef idx="0">
+            <a:schemeClr val="accent1"/>
+          </a:effectRef>
+          <a:fontRef idx="minor">
+            <a:schemeClr val="tx1"/>
+          </a:fontRef>
+        </p:style>
+      </p:cxnSp>
+      <p:cxnSp>
+        <p:nvCxnSpPr>
+          <p:cNvPr id="157" name="Straight Connector 156">
+            <a:extLst>
+              <a:ext uri="{FF2B5EF4-FFF2-40B4-BE49-F238E27FC236}">
+                <a16:creationId xmlns:a16="http://schemas.microsoft.com/office/drawing/2014/main" id="{28467253-7E87-674A-B78D-4EFD854F5652}"/>
+              </a:ext>
+            </a:extLst>
+          </p:cNvPr>
+          <p:cNvCxnSpPr>
+            <a:cxnSpLocks/>
+          </p:cNvCxnSpPr>
+          <p:nvPr/>
+        </p:nvCxnSpPr>
+        <p:spPr>
+          <a:xfrm>
+            <a:off x="2764091" y="3338620"/>
+            <a:ext cx="0" cy="130154"/>
+          </a:xfrm>
+          <a:prstGeom prst="line">
+            <a:avLst/>
+          </a:prstGeom>
+          <a:ln w="9525">
+            <a:solidFill>
+              <a:schemeClr val="tx1">
+                <a:lumMod val="65000"/>
+                <a:lumOff val="35000"/>
+              </a:schemeClr>
+            </a:solidFill>
+          </a:ln>
+        </p:spPr>
+        <p:style>
+          <a:lnRef idx="1">
+            <a:schemeClr val="accent1"/>
+          </a:lnRef>
+          <a:fillRef idx="0">
+            <a:schemeClr val="accent1"/>
+          </a:fillRef>
+          <a:effectRef idx="0">
+            <a:schemeClr val="accent1"/>
+          </a:effectRef>
+          <a:fontRef idx="minor">
+            <a:schemeClr val="tx1"/>
+          </a:fontRef>
+        </p:style>
+      </p:cxnSp>
+      <p:cxnSp>
+        <p:nvCxnSpPr>
+          <p:cNvPr id="148" name="Straight Connector 147">
+            <a:extLst>
+              <a:ext uri="{FF2B5EF4-FFF2-40B4-BE49-F238E27FC236}">
+                <a16:creationId xmlns:a16="http://schemas.microsoft.com/office/drawing/2014/main" id="{99B6B09F-38DE-924F-B103-87FF3D2B0349}"/>
+              </a:ext>
+            </a:extLst>
+          </p:cNvPr>
+          <p:cNvCxnSpPr>
+            <a:cxnSpLocks/>
+          </p:cNvCxnSpPr>
+          <p:nvPr/>
+        </p:nvCxnSpPr>
+        <p:spPr>
+          <a:xfrm>
+            <a:off x="3134965" y="3341872"/>
+            <a:ext cx="0" cy="130154"/>
+          </a:xfrm>
+          <a:prstGeom prst="line">
+            <a:avLst/>
+          </a:prstGeom>
+          <a:ln w="9525">
+            <a:solidFill>
+              <a:schemeClr val="tx1">
+                <a:lumMod val="65000"/>
+                <a:lumOff val="35000"/>
+              </a:schemeClr>
+            </a:solidFill>
+          </a:ln>
+        </p:spPr>
+        <p:style>
+          <a:lnRef idx="1">
+            <a:schemeClr val="accent1"/>
+          </a:lnRef>
+          <a:fillRef idx="0">
+            <a:schemeClr val="accent1"/>
+          </a:fillRef>
+          <a:effectRef idx="0">
+            <a:schemeClr val="accent1"/>
+          </a:effectRef>
+          <a:fontRef idx="minor">
+            <a:schemeClr val="tx1"/>
+          </a:fontRef>
+        </p:style>
+      </p:cxnSp>
+      <p:cxnSp>
+        <p:nvCxnSpPr>
+          <p:cNvPr id="144" name="Straight Connector 143">
+            <a:extLst>
+              <a:ext uri="{FF2B5EF4-FFF2-40B4-BE49-F238E27FC236}">
+                <a16:creationId xmlns:a16="http://schemas.microsoft.com/office/drawing/2014/main" id="{990CC7EC-C3D6-7040-8C2B-B5F598C34680}"/>
+              </a:ext>
+            </a:extLst>
+          </p:cNvPr>
+          <p:cNvCxnSpPr>
+            <a:cxnSpLocks/>
+          </p:cNvCxnSpPr>
+          <p:nvPr/>
+        </p:nvCxnSpPr>
+        <p:spPr>
+          <a:xfrm>
+            <a:off x="3631228" y="3340647"/>
+            <a:ext cx="0" cy="130154"/>
+          </a:xfrm>
+          <a:prstGeom prst="line">
+            <a:avLst/>
+          </a:prstGeom>
+          <a:ln w="9525">
+            <a:solidFill>
+              <a:schemeClr val="tx1">
+                <a:lumMod val="65000"/>
+                <a:lumOff val="35000"/>
+              </a:schemeClr>
+            </a:solidFill>
+          </a:ln>
+        </p:spPr>
+        <p:style>
+          <a:lnRef idx="1">
+            <a:schemeClr val="accent1"/>
+          </a:lnRef>
+          <a:fillRef idx="0">
+            <a:schemeClr val="accent1"/>
+          </a:fillRef>
+          <a:effectRef idx="0">
+            <a:schemeClr val="accent1"/>
+          </a:effectRef>
+          <a:fontRef idx="minor">
+            <a:schemeClr val="tx1"/>
+          </a:fontRef>
+        </p:style>
+      </p:cxnSp>
+      <p:cxnSp>
+        <p:nvCxnSpPr>
+          <p:cNvPr id="142" name="Straight Connector 141">
+            <a:extLst>
+              <a:ext uri="{FF2B5EF4-FFF2-40B4-BE49-F238E27FC236}">
+                <a16:creationId xmlns:a16="http://schemas.microsoft.com/office/drawing/2014/main" id="{3A9EA9D9-0D59-C74F-B5AF-FABF926BCACA}"/>
+              </a:ext>
+            </a:extLst>
+          </p:cNvPr>
+          <p:cNvCxnSpPr>
+            <a:cxnSpLocks/>
+          </p:cNvCxnSpPr>
+          <p:nvPr/>
+        </p:nvCxnSpPr>
+        <p:spPr>
+          <a:xfrm>
+            <a:off x="4057461" y="3333437"/>
+            <a:ext cx="0" cy="130154"/>
+          </a:xfrm>
+          <a:prstGeom prst="line">
+            <a:avLst/>
+          </a:prstGeom>
+          <a:ln w="9525">
+            <a:solidFill>
+              <a:schemeClr val="tx1">
+                <a:lumMod val="65000"/>
+                <a:lumOff val="35000"/>
+              </a:schemeClr>
+            </a:solidFill>
+          </a:ln>
+        </p:spPr>
+        <p:style>
+          <a:lnRef idx="1">
+            <a:schemeClr val="accent1"/>
+          </a:lnRef>
+          <a:fillRef idx="0">
+            <a:schemeClr val="accent1"/>
+          </a:fillRef>
+          <a:effectRef idx="0">
+            <a:schemeClr val="accent1"/>
+          </a:effectRef>
+          <a:fontRef idx="minor">
+            <a:schemeClr val="tx1"/>
+          </a:fontRef>
+        </p:style>
+      </p:cxnSp>
+      <p:cxnSp>
+        <p:nvCxnSpPr>
+          <p:cNvPr id="133" name="Straight Connector 132">
+            <a:extLst>
+              <a:ext uri="{FF2B5EF4-FFF2-40B4-BE49-F238E27FC236}">
+                <a16:creationId xmlns:a16="http://schemas.microsoft.com/office/drawing/2014/main" id="{E47AB478-01CB-9F47-BDBD-82383B06936A}"/>
+              </a:ext>
+            </a:extLst>
+          </p:cNvPr>
+          <p:cNvCxnSpPr>
+            <a:cxnSpLocks/>
+          </p:cNvCxnSpPr>
+          <p:nvPr/>
+        </p:nvCxnSpPr>
+        <p:spPr>
+          <a:xfrm>
+            <a:off x="4746178" y="3330780"/>
+            <a:ext cx="0" cy="130154"/>
+          </a:xfrm>
+          <a:prstGeom prst="line">
+            <a:avLst/>
+          </a:prstGeom>
+          <a:ln w="9525">
+            <a:solidFill>
+              <a:schemeClr val="tx1">
+                <a:lumMod val="65000"/>
+                <a:lumOff val="35000"/>
+              </a:schemeClr>
+            </a:solidFill>
+          </a:ln>
+        </p:spPr>
+        <p:style>
+          <a:lnRef idx="1">
+            <a:schemeClr val="accent1"/>
+          </a:lnRef>
+          <a:fillRef idx="0">
+            <a:schemeClr val="accent1"/>
+          </a:fillRef>
+          <a:effectRef idx="0">
+            <a:schemeClr val="accent1"/>
+          </a:effectRef>
+          <a:fontRef idx="minor">
+            <a:schemeClr val="tx1"/>
+          </a:fontRef>
+        </p:style>
+      </p:cxnSp>
+      <p:cxnSp>
+        <p:nvCxnSpPr>
+          <p:cNvPr id="135" name="Straight Connector 134">
+            <a:extLst>
+              <a:ext uri="{FF2B5EF4-FFF2-40B4-BE49-F238E27FC236}">
+                <a16:creationId xmlns:a16="http://schemas.microsoft.com/office/drawing/2014/main" id="{C9B14E8E-0FC1-EF4D-B7FA-95B5A9F270D8}"/>
+              </a:ext>
+            </a:extLst>
+          </p:cNvPr>
+          <p:cNvCxnSpPr>
+            <a:cxnSpLocks/>
+          </p:cNvCxnSpPr>
+          <p:nvPr/>
+        </p:nvCxnSpPr>
+        <p:spPr>
+          <a:xfrm flipH="1">
+            <a:off x="4507031" y="3330780"/>
+            <a:ext cx="978" cy="138171"/>
+          </a:xfrm>
+          <a:prstGeom prst="line">
+            <a:avLst/>
+          </a:prstGeom>
+          <a:ln w="9525">
+            <a:solidFill>
+              <a:schemeClr val="tx1">
+                <a:lumMod val="65000"/>
+                <a:lumOff val="35000"/>
+              </a:schemeClr>
+            </a:solidFill>
+          </a:ln>
+        </p:spPr>
+        <p:style>
+          <a:lnRef idx="1">
+            <a:schemeClr val="accent1"/>
+          </a:lnRef>
+          <a:fillRef idx="0">
+            <a:schemeClr val="accent1"/>
+          </a:fillRef>
+          <a:effectRef idx="0">
+            <a:schemeClr val="accent1"/>
+          </a:effectRef>
+          <a:fontRef idx="minor">
+            <a:schemeClr val="tx1"/>
+          </a:fontRef>
+        </p:style>
+      </p:cxnSp>
+      <p:cxnSp>
+        <p:nvCxnSpPr>
+          <p:cNvPr id="108" name="Straight Connector 107">
+            <a:extLst>
+              <a:ext uri="{FF2B5EF4-FFF2-40B4-BE49-F238E27FC236}">
+                <a16:creationId xmlns:a16="http://schemas.microsoft.com/office/drawing/2014/main" id="{72B4D89F-802A-3743-B67A-11FA6604D65E}"/>
+              </a:ext>
+            </a:extLst>
+          </p:cNvPr>
+          <p:cNvCxnSpPr>
+            <a:cxnSpLocks/>
+          </p:cNvCxnSpPr>
+          <p:nvPr/>
+        </p:nvCxnSpPr>
+        <p:spPr>
+          <a:xfrm>
+            <a:off x="5240981" y="3331547"/>
+            <a:ext cx="0" cy="130154"/>
+          </a:xfrm>
+          <a:prstGeom prst="line">
+            <a:avLst/>
+          </a:prstGeom>
+          <a:ln w="9525">
+            <a:solidFill>
+              <a:schemeClr val="tx1">
+                <a:lumMod val="65000"/>
+                <a:lumOff val="35000"/>
+              </a:schemeClr>
+            </a:solidFill>
+          </a:ln>
+        </p:spPr>
+        <p:style>
+          <a:lnRef idx="1">
+            <a:schemeClr val="accent1"/>
+          </a:lnRef>
+          <a:fillRef idx="0">
+            <a:schemeClr val="accent1"/>
+          </a:fillRef>
+          <a:effectRef idx="0">
+            <a:schemeClr val="accent1"/>
+          </a:effectRef>
+          <a:fontRef idx="minor">
+            <a:schemeClr val="tx1"/>
+          </a:fontRef>
+        </p:style>
+      </p:cxnSp>
+      <p:cxnSp>
+        <p:nvCxnSpPr>
+          <p:cNvPr id="446" name="40 Conector recto">
+            <a:extLst>
+              <a:ext uri="{FF2B5EF4-FFF2-40B4-BE49-F238E27FC236}">
+                <a16:creationId xmlns:a16="http://schemas.microsoft.com/office/drawing/2014/main" id="{BCC49EBA-B4C1-404C-82FA-B7391AB87B6D}"/>
+              </a:ext>
+            </a:extLst>
+          </p:cNvPr>
+          <p:cNvCxnSpPr>
+            <a:cxnSpLocks/>
+            <a:stCxn id="438" idx="0"/>
+          </p:cNvCxnSpPr>
+          <p:nvPr/>
+        </p:nvCxnSpPr>
+        <p:spPr>
+          <a:xfrm flipV="1">
+            <a:off x="5440397" y="1805207"/>
+            <a:ext cx="0" cy="1612641"/>
+          </a:xfrm>
+          <a:prstGeom prst="line">
+            <a:avLst/>
+          </a:prstGeom>
+          <a:ln w="12700">
+            <a:solidFill>
+              <a:schemeClr val="tx1">
+                <a:lumMod val="65000"/>
+                <a:lumOff val="35000"/>
+              </a:schemeClr>
+            </a:solidFill>
+          </a:ln>
+        </p:spPr>
+        <p:style>
+          <a:lnRef idx="1">
+            <a:schemeClr val="accent1"/>
+          </a:lnRef>
+          <a:fillRef idx="0">
+            <a:schemeClr val="accent1"/>
+          </a:fillRef>
+          <a:effectRef idx="0">
+            <a:schemeClr val="accent1"/>
+          </a:effectRef>
+          <a:fontRef idx="minor">
+            <a:schemeClr val="tx1"/>
+          </a:fontRef>
+        </p:style>
+      </p:cxnSp>
+      <p:cxnSp>
+        <p:nvCxnSpPr>
+          <p:cNvPr id="9" name="40 Conector recto"/>
+          <p:cNvCxnSpPr>
+            <a:cxnSpLocks/>
+          </p:cNvCxnSpPr>
+          <p:nvPr/>
+        </p:nvCxnSpPr>
+        <p:spPr>
+          <a:xfrm flipV="1">
+            <a:off x="1774567" y="2157468"/>
+            <a:ext cx="0" cy="1313223"/>
+          </a:xfrm>
+          <a:prstGeom prst="line">
+            <a:avLst/>
+          </a:prstGeom>
+          <a:ln w="12700">
+            <a:solidFill>
+              <a:schemeClr val="tx1">
+                <a:lumMod val="65000"/>
+                <a:lumOff val="35000"/>
+              </a:schemeClr>
+            </a:solidFill>
+          </a:ln>
+        </p:spPr>
+        <p:style>
+          <a:lnRef idx="1">
+            <a:schemeClr val="accent1"/>
+          </a:lnRef>
+          <a:fillRef idx="0">
+            <a:schemeClr val="accent1"/>
+          </a:fillRef>
+          <a:effectRef idx="0">
+            <a:schemeClr val="accent1"/>
+          </a:effectRef>
+          <a:fontRef idx="minor">
+            <a:schemeClr val="tx1"/>
+          </a:fontRef>
+        </p:style>
+      </p:cxnSp>
+      <p:sp>
+        <p:nvSpPr>
+          <p:cNvPr id="267" name="Rectangle 266">
+            <a:extLst>
+              <a:ext uri="{FF2B5EF4-FFF2-40B4-BE49-F238E27FC236}">
+                <a16:creationId xmlns:a16="http://schemas.microsoft.com/office/drawing/2014/main" id="{19C204D0-A0DB-9243-A6DE-FDCF03846A0A}"/>
+              </a:ext>
+            </a:extLst>
+          </p:cNvPr>
+          <p:cNvSpPr/>
+          <p:nvPr/>
+        </p:nvSpPr>
+        <p:spPr>
+          <a:xfrm>
+            <a:off x="1709659" y="3470690"/>
+            <a:ext cx="5567916" cy="1076590"/>
+          </a:xfrm>
+          <a:prstGeom prst="rect">
+            <a:avLst/>
+          </a:prstGeom>
+          <a:solidFill>
+            <a:schemeClr val="bg1">
+              <a:lumMod val="95000"/>
+            </a:schemeClr>
+          </a:solidFill>
+          <a:ln w="9525">
+            <a:noFill/>
+          </a:ln>
+        </p:spPr>
+        <p:style>
+          <a:lnRef idx="2">
+            <a:schemeClr val="accent1">
+              <a:shade val="50000"/>
+            </a:schemeClr>
+          </a:lnRef>
+          <a:fillRef idx="1">
+            <a:schemeClr val="accent1"/>
+          </a:fillRef>
+          <a:effectRef idx="0">
+            <a:schemeClr val="accent1"/>
+          </a:effectRef>
+          <a:fontRef idx="minor">
+            <a:schemeClr val="lt1"/>
+          </a:fontRef>
+        </p:style>
+        <p:txBody>
+          <a:bodyPr rtlCol="0" anchor="t"/>
+          <a:lstStyle/>
+          <a:p>
+            <a:pPr>
+              <a:spcBef>
+                <a:spcPts val="600"/>
+              </a:spcBef>
+            </a:pPr>
+            <a:endParaRPr lang="en-US" sz="1050" i="1" dirty="0">
+              <a:solidFill>
+                <a:schemeClr val="tx1">
+                  <a:lumMod val="65000"/>
+                  <a:lumOff val="35000"/>
+                </a:schemeClr>
+              </a:solidFill>
+              <a:latin typeface="Arial" panose="020B0604020202020204" pitchFamily="34" charset="0"/>
+              <a:cs typeface="Arial" panose="020B0604020202020204" pitchFamily="34" charset="0"/>
+            </a:endParaRPr>
+          </a:p>
+        </p:txBody>
+      </p:sp>
+      <p:cxnSp>
+        <p:nvCxnSpPr>
+          <p:cNvPr id="4" name="18 Conector recto"/>
+          <p:cNvCxnSpPr>
+            <a:cxnSpLocks/>
+            <a:stCxn id="363" idx="2"/>
+            <a:endCxn id="496" idx="6"/>
+          </p:cNvCxnSpPr>
+          <p:nvPr/>
+        </p:nvCxnSpPr>
+        <p:spPr>
+          <a:xfrm flipV="1">
+            <a:off x="1734944" y="3461701"/>
+            <a:ext cx="5579366" cy="10410"/>
+          </a:xfrm>
+          <a:prstGeom prst="line">
+            <a:avLst/>
+          </a:prstGeom>
+          <a:ln w="15875">
+            <a:solidFill>
+              <a:schemeClr val="tx1">
+                <a:lumMod val="65000"/>
+                <a:lumOff val="35000"/>
+              </a:schemeClr>
+            </a:solidFill>
+          </a:ln>
+        </p:spPr>
+        <p:style>
+          <a:lnRef idx="1">
+            <a:schemeClr val="accent1"/>
+          </a:lnRef>
+          <a:fillRef idx="0">
+            <a:schemeClr val="accent1"/>
+          </a:fillRef>
+          <a:effectRef idx="0">
+            <a:schemeClr val="accent1"/>
+          </a:effectRef>
+          <a:fontRef idx="minor">
+            <a:schemeClr val="tx1"/>
+          </a:fontRef>
+        </p:style>
+      </p:cxnSp>
+      <p:sp>
+        <p:nvSpPr>
+          <p:cNvPr id="56" name="Rectangle 55"/>
+          <p:cNvSpPr/>
+          <p:nvPr/>
+        </p:nvSpPr>
+        <p:spPr>
+          <a:xfrm>
+            <a:off x="1729789" y="2116315"/>
+            <a:ext cx="743617" cy="830997"/>
+          </a:xfrm>
+          <a:prstGeom prst="rect">
+            <a:avLst/>
+          </a:prstGeom>
+        </p:spPr>
+        <p:txBody>
+          <a:bodyPr wrap="square">
+            <a:spAutoFit/>
+          </a:bodyPr>
+          <a:lstStyle/>
+          <a:p>
+            <a:r>
+              <a:rPr lang="en-US" sz="800" dirty="0">
+                <a:solidFill>
+                  <a:schemeClr val="tx1">
+                    <a:lumMod val="95000"/>
+                    <a:lumOff val="5000"/>
+                  </a:schemeClr>
+                </a:solidFill>
+                <a:latin typeface="Arial" panose="020B0604020202020204" pitchFamily="34" charset="0"/>
+                <a:cs typeface="Arial" panose="020B0604020202020204" pitchFamily="34" charset="0"/>
+              </a:rPr>
+              <a:t>Adults collected from Mud Bay, Bremerton, WA</a:t>
+            </a:r>
+          </a:p>
+        </p:txBody>
+      </p:sp>
+      <p:sp>
+        <p:nvSpPr>
+          <p:cNvPr id="112" name="Rectangle 111">
+            <a:extLst>
+              <a:ext uri="{FF2B5EF4-FFF2-40B4-BE49-F238E27FC236}">
+                <a16:creationId xmlns:a16="http://schemas.microsoft.com/office/drawing/2014/main" id="{12D56CDE-E781-DF4A-A372-E62F922CEBFC}"/>
+              </a:ext>
+            </a:extLst>
+          </p:cNvPr>
+          <p:cNvSpPr/>
+          <p:nvPr/>
+        </p:nvSpPr>
+        <p:spPr>
+          <a:xfrm>
+            <a:off x="2463209" y="1805413"/>
+            <a:ext cx="706802" cy="461665"/>
+          </a:xfrm>
+          <a:prstGeom prst="rect">
+            <a:avLst/>
+          </a:prstGeom>
+        </p:spPr>
+        <p:txBody>
+          <a:bodyPr wrap="square">
+            <a:spAutoFit/>
+          </a:bodyPr>
+          <a:lstStyle/>
+          <a:p>
+            <a:r>
+              <a:rPr lang="en-US" sz="800" dirty="0">
+                <a:solidFill>
+                  <a:schemeClr val="tx1">
+                    <a:lumMod val="95000"/>
+                    <a:lumOff val="5000"/>
+                  </a:schemeClr>
+                </a:solidFill>
+                <a:latin typeface="Arial" panose="020B0604020202020204" pitchFamily="34" charset="0"/>
+                <a:cs typeface="Arial" panose="020B0604020202020204" pitchFamily="34" charset="0"/>
+              </a:rPr>
+              <a:t>Adults into winter treatments</a:t>
+            </a:r>
+          </a:p>
+        </p:txBody>
+      </p:sp>
+      <p:sp>
+        <p:nvSpPr>
+          <p:cNvPr id="316" name="24 Elipse">
+            <a:extLst>
+              <a:ext uri="{FF2B5EF4-FFF2-40B4-BE49-F238E27FC236}">
+                <a16:creationId xmlns:a16="http://schemas.microsoft.com/office/drawing/2014/main" id="{7F6C334B-8033-7542-954E-39A0E5CF441D}"/>
+              </a:ext>
+            </a:extLst>
+          </p:cNvPr>
+          <p:cNvSpPr/>
+          <p:nvPr/>
+        </p:nvSpPr>
+        <p:spPr>
+          <a:xfrm>
+            <a:off x="4521828" y="3425790"/>
+            <a:ext cx="85157" cy="85149"/>
+          </a:xfrm>
+          <a:prstGeom prst="ellipse">
+            <a:avLst/>
+          </a:prstGeom>
+          <a:solidFill>
+            <a:schemeClr val="tx1">
+              <a:lumMod val="85000"/>
+              <a:lumOff val="15000"/>
+            </a:schemeClr>
+          </a:solidFill>
+          <a:ln>
+            <a:noFill/>
+          </a:ln>
+        </p:spPr>
+        <p:style>
+          <a:lnRef idx="2">
+            <a:schemeClr val="accent1">
+              <a:shade val="50000"/>
+            </a:schemeClr>
+          </a:lnRef>
+          <a:fillRef idx="1">
+            <a:schemeClr val="accent1"/>
+          </a:fillRef>
+          <a:effectRef idx="0">
+            <a:schemeClr val="accent1"/>
+          </a:effectRef>
+          <a:fontRef idx="minor">
+            <a:schemeClr val="lt1"/>
+          </a:fontRef>
+        </p:style>
+        <p:txBody>
+          <a:bodyPr lIns="68572" tIns="34286" rIns="68572" bIns="34286" rtlCol="0" anchor="ctr"/>
+          <a:lstStyle/>
+          <a:p>
+            <a:pPr algn="ctr"/>
+            <a:endParaRPr lang="es-MX" sz="900">
+              <a:solidFill>
+                <a:schemeClr val="tx1"/>
+              </a:solidFill>
+              <a:latin typeface="Arial" panose="020B0604020202020204" pitchFamily="34" charset="0"/>
+              <a:ea typeface="Segoe UI" panose="020B0502040204020203" pitchFamily="34" charset="0"/>
+              <a:cs typeface="Arial" panose="020B0604020202020204" pitchFamily="34" charset="0"/>
+            </a:endParaRPr>
+          </a:p>
+        </p:txBody>
+      </p:sp>
+      <p:sp>
+        <p:nvSpPr>
+          <p:cNvPr id="337" name="Rectangle 336">
+            <a:extLst>
+              <a:ext uri="{FF2B5EF4-FFF2-40B4-BE49-F238E27FC236}">
+                <a16:creationId xmlns:a16="http://schemas.microsoft.com/office/drawing/2014/main" id="{7935120D-0A48-9B43-886A-53957514746C}"/>
+              </a:ext>
+            </a:extLst>
+          </p:cNvPr>
+          <p:cNvSpPr/>
+          <p:nvPr/>
+        </p:nvSpPr>
+        <p:spPr>
+          <a:xfrm rot="16200000">
+            <a:off x="1147572" y="2481782"/>
+            <a:ext cx="1095237" cy="215444"/>
+          </a:xfrm>
+          <a:prstGeom prst="rect">
+            <a:avLst/>
+          </a:prstGeom>
+          <a:noFill/>
+          <a:ln>
+            <a:noFill/>
+          </a:ln>
+        </p:spPr>
+        <p:txBody>
+          <a:bodyPr wrap="square">
+            <a:spAutoFit/>
+          </a:bodyPr>
+          <a:lstStyle/>
+          <a:p>
+            <a:pPr algn="ctr"/>
+            <a:r>
+              <a:rPr lang="en-US" sz="800" b="1" dirty="0">
+                <a:solidFill>
+                  <a:schemeClr val="tx1">
+                    <a:lumMod val="85000"/>
+                    <a:lumOff val="15000"/>
+                  </a:schemeClr>
+                </a:solidFill>
+                <a:latin typeface="Arial" panose="020B0604020202020204" pitchFamily="34" charset="0"/>
+                <a:cs typeface="Arial" panose="020B0604020202020204" pitchFamily="34" charset="0"/>
+              </a:rPr>
+              <a:t>November  6, 2017</a:t>
+            </a:r>
+          </a:p>
+        </p:txBody>
+      </p:sp>
+      <p:sp>
+        <p:nvSpPr>
+          <p:cNvPr id="350" name="Rectangle 349">
+            <a:extLst>
+              <a:ext uri="{FF2B5EF4-FFF2-40B4-BE49-F238E27FC236}">
+                <a16:creationId xmlns:a16="http://schemas.microsoft.com/office/drawing/2014/main" id="{ABF45771-DFEB-5149-9D12-EC4B800667DE}"/>
+              </a:ext>
+            </a:extLst>
+          </p:cNvPr>
+          <p:cNvSpPr/>
+          <p:nvPr/>
+        </p:nvSpPr>
+        <p:spPr>
+          <a:xfrm rot="16200000">
+            <a:off x="1905751" y="2482137"/>
+            <a:ext cx="1061264" cy="215444"/>
+          </a:xfrm>
+          <a:prstGeom prst="rect">
+            <a:avLst/>
+          </a:prstGeom>
+          <a:noFill/>
+          <a:ln>
+            <a:noFill/>
+          </a:ln>
+        </p:spPr>
+        <p:txBody>
+          <a:bodyPr wrap="square">
+            <a:spAutoFit/>
+          </a:bodyPr>
+          <a:lstStyle/>
+          <a:p>
+            <a:pPr algn="ctr"/>
+            <a:r>
+              <a:rPr lang="en-US" sz="800" b="1" dirty="0">
+                <a:solidFill>
+                  <a:schemeClr val="tx1">
+                    <a:lumMod val="85000"/>
+                    <a:lumOff val="15000"/>
+                  </a:schemeClr>
+                </a:solidFill>
+                <a:latin typeface="Arial" panose="020B0604020202020204" pitchFamily="34" charset="0"/>
+                <a:cs typeface="Arial" panose="020B0604020202020204" pitchFamily="34" charset="0"/>
+              </a:rPr>
+              <a:t>December 8, 2018</a:t>
+            </a:r>
+          </a:p>
+        </p:txBody>
+      </p:sp>
+      <p:sp>
+        <p:nvSpPr>
+          <p:cNvPr id="363" name="24 Elipse">
+            <a:extLst>
+              <a:ext uri="{FF2B5EF4-FFF2-40B4-BE49-F238E27FC236}">
+                <a16:creationId xmlns:a16="http://schemas.microsoft.com/office/drawing/2014/main" id="{371590CC-5310-6749-8C12-2EAC7A9DC300}"/>
+              </a:ext>
+            </a:extLst>
+          </p:cNvPr>
+          <p:cNvSpPr/>
+          <p:nvPr/>
+        </p:nvSpPr>
+        <p:spPr>
+          <a:xfrm>
+            <a:off x="1734944" y="3429536"/>
+            <a:ext cx="85157" cy="85149"/>
+          </a:xfrm>
+          <a:prstGeom prst="ellipse">
+            <a:avLst/>
+          </a:prstGeom>
+          <a:solidFill>
+            <a:schemeClr val="tx1">
+              <a:lumMod val="85000"/>
+              <a:lumOff val="15000"/>
+            </a:schemeClr>
+          </a:solidFill>
+          <a:ln>
+            <a:noFill/>
+          </a:ln>
+        </p:spPr>
+        <p:style>
+          <a:lnRef idx="2">
+            <a:schemeClr val="accent1">
+              <a:shade val="50000"/>
+            </a:schemeClr>
+          </a:lnRef>
+          <a:fillRef idx="1">
+            <a:schemeClr val="accent1"/>
+          </a:fillRef>
+          <a:effectRef idx="0">
+            <a:schemeClr val="accent1"/>
+          </a:effectRef>
+          <a:fontRef idx="minor">
+            <a:schemeClr val="lt1"/>
+          </a:fontRef>
+        </p:style>
+        <p:txBody>
+          <a:bodyPr lIns="68572" tIns="34286" rIns="68572" bIns="34286" rtlCol="0" anchor="ctr"/>
+          <a:lstStyle/>
+          <a:p>
+            <a:pPr algn="ctr"/>
+            <a:endParaRPr lang="es-MX" sz="900">
+              <a:solidFill>
+                <a:schemeClr val="tx1"/>
+              </a:solidFill>
+              <a:latin typeface="Arial" panose="020B0604020202020204" pitchFamily="34" charset="0"/>
+              <a:ea typeface="Segoe UI" panose="020B0502040204020203" pitchFamily="34" charset="0"/>
+              <a:cs typeface="Arial" panose="020B0604020202020204" pitchFamily="34" charset="0"/>
+            </a:endParaRPr>
+          </a:p>
+        </p:txBody>
+      </p:sp>
+      <p:sp>
+        <p:nvSpPr>
+          <p:cNvPr id="369" name="24 Elipse">
+            <a:extLst>
+              <a:ext uri="{FF2B5EF4-FFF2-40B4-BE49-F238E27FC236}">
+                <a16:creationId xmlns:a16="http://schemas.microsoft.com/office/drawing/2014/main" id="{70E89508-788A-8F4F-88FE-87799C42A0E3}"/>
+              </a:ext>
+            </a:extLst>
+          </p:cNvPr>
+          <p:cNvSpPr/>
+          <p:nvPr/>
+        </p:nvSpPr>
+        <p:spPr>
+          <a:xfrm>
+            <a:off x="2469933" y="3433040"/>
+            <a:ext cx="85157" cy="85149"/>
+          </a:xfrm>
+          <a:prstGeom prst="ellipse">
+            <a:avLst/>
+          </a:prstGeom>
+          <a:solidFill>
+            <a:schemeClr val="tx1">
+              <a:lumMod val="85000"/>
+              <a:lumOff val="15000"/>
+            </a:schemeClr>
+          </a:solidFill>
+          <a:ln>
+            <a:noFill/>
+          </a:ln>
+        </p:spPr>
+        <p:style>
+          <a:lnRef idx="2">
+            <a:schemeClr val="accent1">
+              <a:shade val="50000"/>
+            </a:schemeClr>
+          </a:lnRef>
+          <a:fillRef idx="1">
+            <a:schemeClr val="accent1"/>
+          </a:fillRef>
+          <a:effectRef idx="0">
+            <a:schemeClr val="accent1"/>
+          </a:effectRef>
+          <a:fontRef idx="minor">
+            <a:schemeClr val="lt1"/>
+          </a:fontRef>
+        </p:style>
+        <p:txBody>
+          <a:bodyPr lIns="68572" tIns="34286" rIns="68572" bIns="34286" rtlCol="0" anchor="ctr"/>
+          <a:lstStyle/>
+          <a:p>
+            <a:pPr algn="ctr"/>
+            <a:endParaRPr lang="es-MX" sz="900">
+              <a:solidFill>
+                <a:schemeClr val="tx1"/>
+              </a:solidFill>
+              <a:latin typeface="Arial" panose="020B0604020202020204" pitchFamily="34" charset="0"/>
+              <a:ea typeface="Segoe UI" panose="020B0502040204020203" pitchFamily="34" charset="0"/>
+              <a:cs typeface="Arial" panose="020B0604020202020204" pitchFamily="34" charset="0"/>
+            </a:endParaRPr>
+          </a:p>
+        </p:txBody>
+      </p:sp>
+      <p:sp>
+        <p:nvSpPr>
+          <p:cNvPr id="373" name="Rectangle 372">
+            <a:extLst>
+              <a:ext uri="{FF2B5EF4-FFF2-40B4-BE49-F238E27FC236}">
+                <a16:creationId xmlns:a16="http://schemas.microsoft.com/office/drawing/2014/main" id="{E6F8D0A8-5705-694F-9134-822685FD564C}"/>
+              </a:ext>
+            </a:extLst>
+          </p:cNvPr>
+          <p:cNvSpPr/>
+          <p:nvPr/>
+        </p:nvSpPr>
+        <p:spPr>
+          <a:xfrm rot="16200000">
+            <a:off x="3956706" y="2480537"/>
+            <a:ext cx="1060855" cy="215444"/>
+          </a:xfrm>
+          <a:prstGeom prst="rect">
+            <a:avLst/>
+          </a:prstGeom>
+          <a:noFill/>
+          <a:ln>
+            <a:noFill/>
+          </a:ln>
+        </p:spPr>
+        <p:txBody>
+          <a:bodyPr wrap="square">
+            <a:spAutoFit/>
+          </a:bodyPr>
+          <a:lstStyle/>
+          <a:p>
+            <a:pPr algn="ctr"/>
+            <a:r>
+              <a:rPr lang="en-US" sz="800" b="1" dirty="0">
+                <a:solidFill>
+                  <a:schemeClr val="tx1">
+                    <a:lumMod val="85000"/>
+                    <a:lumOff val="15000"/>
+                  </a:schemeClr>
+                </a:solidFill>
+                <a:latin typeface="Arial" panose="020B0604020202020204" pitchFamily="34" charset="0"/>
+                <a:cs typeface="Arial" panose="020B0604020202020204" pitchFamily="34" charset="0"/>
+              </a:rPr>
+              <a:t>February 28, 2018</a:t>
+            </a:r>
+          </a:p>
+        </p:txBody>
+      </p:sp>
+      <p:sp>
+        <p:nvSpPr>
+          <p:cNvPr id="437" name="Rectangle 436">
+            <a:extLst>
+              <a:ext uri="{FF2B5EF4-FFF2-40B4-BE49-F238E27FC236}">
+                <a16:creationId xmlns:a16="http://schemas.microsoft.com/office/drawing/2014/main" id="{C76A8B28-467A-4C4E-B595-55E5005695CE}"/>
+              </a:ext>
+            </a:extLst>
+          </p:cNvPr>
+          <p:cNvSpPr/>
+          <p:nvPr/>
+        </p:nvSpPr>
+        <p:spPr>
+          <a:xfrm rot="16200000">
+            <a:off x="4822741" y="2386090"/>
+            <a:ext cx="1060856" cy="215444"/>
+          </a:xfrm>
+          <a:prstGeom prst="rect">
+            <a:avLst/>
+          </a:prstGeom>
+          <a:noFill/>
+          <a:ln>
+            <a:noFill/>
+          </a:ln>
+        </p:spPr>
+        <p:txBody>
+          <a:bodyPr wrap="square">
+            <a:spAutoFit/>
+          </a:bodyPr>
+          <a:lstStyle/>
+          <a:p>
+            <a:pPr algn="ctr"/>
+            <a:r>
+              <a:rPr lang="en-US" sz="800" b="1" dirty="0">
+                <a:solidFill>
+                  <a:schemeClr val="tx1">
+                    <a:lumMod val="85000"/>
+                    <a:lumOff val="15000"/>
+                  </a:schemeClr>
+                </a:solidFill>
+                <a:latin typeface="Arial" panose="020B0604020202020204" pitchFamily="34" charset="0"/>
+                <a:cs typeface="Arial" panose="020B0604020202020204" pitchFamily="34" charset="0"/>
+              </a:rPr>
+              <a:t>March 30, 2018</a:t>
+            </a:r>
+          </a:p>
+        </p:txBody>
+      </p:sp>
+      <p:sp>
+        <p:nvSpPr>
+          <p:cNvPr id="438" name="24 Elipse">
+            <a:extLst>
+              <a:ext uri="{FF2B5EF4-FFF2-40B4-BE49-F238E27FC236}">
+                <a16:creationId xmlns:a16="http://schemas.microsoft.com/office/drawing/2014/main" id="{4E38BD6F-76F2-9D44-B101-DD631AE41AEE}"/>
+              </a:ext>
+            </a:extLst>
+          </p:cNvPr>
+          <p:cNvSpPr/>
+          <p:nvPr/>
+        </p:nvSpPr>
+        <p:spPr>
+          <a:xfrm>
+            <a:off x="5397818" y="3417848"/>
+            <a:ext cx="85157" cy="85149"/>
+          </a:xfrm>
+          <a:prstGeom prst="ellipse">
+            <a:avLst/>
+          </a:prstGeom>
+          <a:solidFill>
+            <a:schemeClr val="tx1">
+              <a:lumMod val="85000"/>
+              <a:lumOff val="15000"/>
+            </a:schemeClr>
+          </a:solidFill>
+          <a:ln>
+            <a:noFill/>
+          </a:ln>
+        </p:spPr>
+        <p:style>
+          <a:lnRef idx="2">
+            <a:schemeClr val="accent1">
+              <a:shade val="50000"/>
+            </a:schemeClr>
+          </a:lnRef>
+          <a:fillRef idx="1">
+            <a:schemeClr val="accent1"/>
+          </a:fillRef>
+          <a:effectRef idx="0">
+            <a:schemeClr val="accent1"/>
+          </a:effectRef>
+          <a:fontRef idx="minor">
+            <a:schemeClr val="lt1"/>
+          </a:fontRef>
+        </p:style>
+        <p:txBody>
+          <a:bodyPr lIns="68572" tIns="34286" rIns="68572" bIns="34286" rtlCol="0" anchor="ctr"/>
+          <a:lstStyle/>
+          <a:p>
+            <a:pPr algn="ctr"/>
+            <a:endParaRPr lang="es-MX" sz="900">
+              <a:solidFill>
+                <a:schemeClr val="tx1"/>
+              </a:solidFill>
+              <a:latin typeface="Arial" panose="020B0604020202020204" pitchFamily="34" charset="0"/>
+              <a:ea typeface="Segoe UI" panose="020B0502040204020203" pitchFamily="34" charset="0"/>
+              <a:cs typeface="Arial" panose="020B0604020202020204" pitchFamily="34" charset="0"/>
+            </a:endParaRPr>
+          </a:p>
+        </p:txBody>
+      </p:sp>
+      <p:sp>
+        <p:nvSpPr>
+          <p:cNvPr id="439" name="Rectangle 438">
+            <a:extLst>
+              <a:ext uri="{FF2B5EF4-FFF2-40B4-BE49-F238E27FC236}">
+                <a16:creationId xmlns:a16="http://schemas.microsoft.com/office/drawing/2014/main" id="{3E0BCB37-09C8-8245-A034-624B8A22E1AF}"/>
+              </a:ext>
+            </a:extLst>
+          </p:cNvPr>
+          <p:cNvSpPr/>
+          <p:nvPr/>
+        </p:nvSpPr>
+        <p:spPr>
+          <a:xfrm>
+            <a:off x="5394509" y="1753528"/>
+            <a:ext cx="838946" cy="338554"/>
+          </a:xfrm>
+          <a:prstGeom prst="rect">
+            <a:avLst/>
+          </a:prstGeom>
+        </p:spPr>
+        <p:txBody>
+          <a:bodyPr wrap="square">
+            <a:spAutoFit/>
+          </a:bodyPr>
+          <a:lstStyle/>
+          <a:p>
+            <a:r>
+              <a:rPr lang="en-US" sz="800" dirty="0">
+                <a:solidFill>
+                  <a:schemeClr val="tx1">
+                    <a:lumMod val="95000"/>
+                    <a:lumOff val="5000"/>
+                  </a:schemeClr>
+                </a:solidFill>
+                <a:latin typeface="Arial" panose="020B0604020202020204" pitchFamily="34" charset="0"/>
+                <a:cs typeface="Arial" panose="020B0604020202020204" pitchFamily="34" charset="0"/>
+              </a:rPr>
+              <a:t>Larval rearing begins </a:t>
+            </a:r>
+          </a:p>
+        </p:txBody>
+      </p:sp>
+      <p:cxnSp>
+        <p:nvCxnSpPr>
+          <p:cNvPr id="455" name="40 Conector recto">
+            <a:extLst>
+              <a:ext uri="{FF2B5EF4-FFF2-40B4-BE49-F238E27FC236}">
+                <a16:creationId xmlns:a16="http://schemas.microsoft.com/office/drawing/2014/main" id="{B2632ED2-F000-F248-B6DA-725A768D53AE}"/>
+              </a:ext>
+            </a:extLst>
+          </p:cNvPr>
+          <p:cNvCxnSpPr>
+            <a:cxnSpLocks/>
+          </p:cNvCxnSpPr>
+          <p:nvPr/>
+        </p:nvCxnSpPr>
+        <p:spPr>
+          <a:xfrm flipV="1">
+            <a:off x="6151248" y="2210725"/>
+            <a:ext cx="0" cy="1203148"/>
+          </a:xfrm>
+          <a:prstGeom prst="line">
+            <a:avLst/>
+          </a:prstGeom>
+          <a:ln w="12700">
+            <a:solidFill>
+              <a:schemeClr val="tx1">
+                <a:lumMod val="65000"/>
+                <a:lumOff val="35000"/>
+              </a:schemeClr>
+            </a:solidFill>
+          </a:ln>
+        </p:spPr>
+        <p:style>
+          <a:lnRef idx="1">
+            <a:schemeClr val="accent1"/>
+          </a:lnRef>
+          <a:fillRef idx="0">
+            <a:schemeClr val="accent1"/>
+          </a:fillRef>
+          <a:effectRef idx="0">
+            <a:schemeClr val="accent1"/>
+          </a:effectRef>
+          <a:fontRef idx="minor">
+            <a:schemeClr val="tx1"/>
+          </a:fontRef>
+        </p:style>
+      </p:cxnSp>
+      <p:sp>
+        <p:nvSpPr>
+          <p:cNvPr id="456" name="24 Elipse">
+            <a:extLst>
+              <a:ext uri="{FF2B5EF4-FFF2-40B4-BE49-F238E27FC236}">
+                <a16:creationId xmlns:a16="http://schemas.microsoft.com/office/drawing/2014/main" id="{355874A9-B580-BC41-8224-27DDA81CA85E}"/>
+              </a:ext>
+            </a:extLst>
+          </p:cNvPr>
+          <p:cNvSpPr/>
+          <p:nvPr/>
+        </p:nvSpPr>
+        <p:spPr>
+          <a:xfrm>
+            <a:off x="6108669" y="3413873"/>
+            <a:ext cx="85157" cy="85149"/>
+          </a:xfrm>
+          <a:prstGeom prst="ellipse">
+            <a:avLst/>
+          </a:prstGeom>
+          <a:solidFill>
+            <a:schemeClr val="tx1">
+              <a:lumMod val="85000"/>
+              <a:lumOff val="15000"/>
+            </a:schemeClr>
+          </a:solidFill>
+          <a:ln>
+            <a:noFill/>
+          </a:ln>
+        </p:spPr>
+        <p:style>
+          <a:lnRef idx="2">
+            <a:schemeClr val="accent1">
+              <a:shade val="50000"/>
+            </a:schemeClr>
+          </a:lnRef>
+          <a:fillRef idx="1">
+            <a:schemeClr val="accent1"/>
+          </a:fillRef>
+          <a:effectRef idx="0">
+            <a:schemeClr val="accent1"/>
+          </a:effectRef>
+          <a:fontRef idx="minor">
+            <a:schemeClr val="lt1"/>
+          </a:fontRef>
+        </p:style>
+        <p:txBody>
+          <a:bodyPr lIns="68572" tIns="34286" rIns="68572" bIns="34286" rtlCol="0" anchor="ctr"/>
+          <a:lstStyle/>
+          <a:p>
+            <a:pPr algn="ctr"/>
+            <a:endParaRPr lang="es-MX" sz="900">
+              <a:solidFill>
+                <a:schemeClr val="tx1"/>
+              </a:solidFill>
+              <a:latin typeface="Arial" panose="020B0604020202020204" pitchFamily="34" charset="0"/>
+              <a:ea typeface="Segoe UI" panose="020B0502040204020203" pitchFamily="34" charset="0"/>
+              <a:cs typeface="Arial" panose="020B0604020202020204" pitchFamily="34" charset="0"/>
+            </a:endParaRPr>
+          </a:p>
+        </p:txBody>
+      </p:sp>
+      <p:sp>
+        <p:nvSpPr>
+          <p:cNvPr id="457" name="Rectangle 456">
+            <a:extLst>
+              <a:ext uri="{FF2B5EF4-FFF2-40B4-BE49-F238E27FC236}">
+                <a16:creationId xmlns:a16="http://schemas.microsoft.com/office/drawing/2014/main" id="{510EE2CD-46B7-CD43-A0BB-77E21038F195}"/>
+              </a:ext>
+            </a:extLst>
+          </p:cNvPr>
+          <p:cNvSpPr/>
+          <p:nvPr/>
+        </p:nvSpPr>
+        <p:spPr>
+          <a:xfrm>
+            <a:off x="6104717" y="2165629"/>
+            <a:ext cx="911715" cy="830997"/>
+          </a:xfrm>
+          <a:prstGeom prst="rect">
+            <a:avLst/>
+          </a:prstGeom>
+        </p:spPr>
+        <p:txBody>
+          <a:bodyPr wrap="square">
+            <a:spAutoFit/>
+          </a:bodyPr>
+          <a:lstStyle/>
+          <a:p>
+            <a:r>
+              <a:rPr lang="en-US" sz="800" dirty="0">
+                <a:solidFill>
+                  <a:schemeClr val="tx1">
+                    <a:lumMod val="95000"/>
+                    <a:lumOff val="5000"/>
+                  </a:schemeClr>
+                </a:solidFill>
+                <a:latin typeface="Arial" panose="020B0604020202020204" pitchFamily="34" charset="0"/>
+                <a:cs typeface="Arial" panose="020B0604020202020204" pitchFamily="34" charset="0"/>
+              </a:rPr>
+              <a:t>Last larval pulse collected to rear </a:t>
+            </a:r>
+          </a:p>
+          <a:p>
+            <a:endParaRPr lang="en-US" sz="800" dirty="0">
+              <a:solidFill>
+                <a:schemeClr val="tx1">
+                  <a:lumMod val="95000"/>
+                  <a:lumOff val="5000"/>
+                </a:schemeClr>
+              </a:solidFill>
+              <a:latin typeface="Arial" panose="020B0604020202020204" pitchFamily="34" charset="0"/>
+              <a:cs typeface="Arial" panose="020B0604020202020204" pitchFamily="34" charset="0"/>
+            </a:endParaRPr>
+          </a:p>
+          <a:p>
+            <a:r>
+              <a:rPr lang="en-US" sz="800" dirty="0">
+                <a:solidFill>
+                  <a:schemeClr val="tx1">
+                    <a:lumMod val="95000"/>
+                    <a:lumOff val="5000"/>
+                  </a:schemeClr>
+                </a:solidFill>
+                <a:latin typeface="Arial" panose="020B0604020202020204" pitchFamily="34" charset="0"/>
+                <a:cs typeface="Arial" panose="020B0604020202020204" pitchFamily="34" charset="0"/>
+              </a:rPr>
+              <a:t>(n=12 per treat. </a:t>
+            </a:r>
+          </a:p>
+          <a:p>
+            <a:r>
+              <a:rPr lang="en-US" sz="800" dirty="0">
+                <a:solidFill>
+                  <a:schemeClr val="tx1">
+                    <a:lumMod val="95000"/>
+                    <a:lumOff val="5000"/>
+                  </a:schemeClr>
+                </a:solidFill>
+                <a:latin typeface="Arial" panose="020B0604020202020204" pitchFamily="34" charset="0"/>
+                <a:cs typeface="Arial" panose="020B0604020202020204" pitchFamily="34" charset="0"/>
+              </a:rPr>
+              <a:t>48 total)</a:t>
+            </a:r>
+          </a:p>
+        </p:txBody>
+      </p:sp>
+      <p:sp>
+        <p:nvSpPr>
+          <p:cNvPr id="458" name="Rectangle 457">
+            <a:extLst>
+              <a:ext uri="{FF2B5EF4-FFF2-40B4-BE49-F238E27FC236}">
+                <a16:creationId xmlns:a16="http://schemas.microsoft.com/office/drawing/2014/main" id="{4F0AB9EF-20D7-214F-A62D-8D66DF1A4CC5}"/>
+              </a:ext>
+            </a:extLst>
+          </p:cNvPr>
+          <p:cNvSpPr/>
+          <p:nvPr/>
+        </p:nvSpPr>
+        <p:spPr>
+          <a:xfrm rot="16200000">
+            <a:off x="5586389" y="2457753"/>
+            <a:ext cx="963264" cy="215444"/>
+          </a:xfrm>
+          <a:prstGeom prst="rect">
+            <a:avLst/>
+          </a:prstGeom>
+          <a:noFill/>
+          <a:ln>
+            <a:noFill/>
+          </a:ln>
+        </p:spPr>
+        <p:txBody>
+          <a:bodyPr wrap="square">
+            <a:spAutoFit/>
+          </a:bodyPr>
+          <a:lstStyle/>
+          <a:p>
+            <a:pPr algn="ctr"/>
+            <a:r>
+              <a:rPr lang="en-US" sz="800" b="1" dirty="0">
+                <a:solidFill>
+                  <a:schemeClr val="tx1">
+                    <a:lumMod val="85000"/>
+                    <a:lumOff val="15000"/>
+                  </a:schemeClr>
+                </a:solidFill>
+                <a:latin typeface="Arial" panose="020B0604020202020204" pitchFamily="34" charset="0"/>
+                <a:cs typeface="Arial" panose="020B0604020202020204" pitchFamily="34" charset="0"/>
+              </a:rPr>
+              <a:t>April 19, 2018</a:t>
+            </a:r>
+          </a:p>
+        </p:txBody>
+      </p:sp>
+      <p:sp>
+        <p:nvSpPr>
+          <p:cNvPr id="481" name="Rectangle 480">
+            <a:extLst>
+              <a:ext uri="{FF2B5EF4-FFF2-40B4-BE49-F238E27FC236}">
+                <a16:creationId xmlns:a16="http://schemas.microsoft.com/office/drawing/2014/main" id="{30E7EDBE-6E2C-1C43-A6EC-27BAAAC56E58}"/>
+              </a:ext>
+            </a:extLst>
+          </p:cNvPr>
+          <p:cNvSpPr/>
+          <p:nvPr/>
+        </p:nvSpPr>
+        <p:spPr>
+          <a:xfrm>
+            <a:off x="4508009" y="2096017"/>
+            <a:ext cx="665492" cy="707886"/>
+          </a:xfrm>
+          <a:prstGeom prst="rect">
+            <a:avLst/>
+          </a:prstGeom>
+        </p:spPr>
+        <p:txBody>
+          <a:bodyPr wrap="square">
+            <a:spAutoFit/>
+          </a:bodyPr>
+          <a:lstStyle/>
+          <a:p>
+            <a:r>
+              <a:rPr lang="en-US" sz="800" dirty="0">
+                <a:solidFill>
+                  <a:schemeClr val="tx1">
+                    <a:lumMod val="95000"/>
+                    <a:lumOff val="5000"/>
+                  </a:schemeClr>
+                </a:solidFill>
+                <a:latin typeface="Arial" panose="020B0604020202020204" pitchFamily="34" charset="0"/>
+                <a:cs typeface="Arial" panose="020B0604020202020204" pitchFamily="34" charset="0"/>
+              </a:rPr>
+              <a:t>Winter treatments end, spawning begins</a:t>
+            </a:r>
+          </a:p>
+        </p:txBody>
+      </p:sp>
+      <p:cxnSp>
+        <p:nvCxnSpPr>
+          <p:cNvPr id="494" name="40 Conector recto">
+            <a:extLst>
+              <a:ext uri="{FF2B5EF4-FFF2-40B4-BE49-F238E27FC236}">
+                <a16:creationId xmlns:a16="http://schemas.microsoft.com/office/drawing/2014/main" id="{E652EB38-2288-0045-A577-8774720DAEBF}"/>
+              </a:ext>
+            </a:extLst>
+          </p:cNvPr>
+          <p:cNvCxnSpPr>
+            <a:cxnSpLocks/>
+          </p:cNvCxnSpPr>
+          <p:nvPr/>
+        </p:nvCxnSpPr>
+        <p:spPr>
+          <a:xfrm flipV="1">
+            <a:off x="7267205" y="2511030"/>
+            <a:ext cx="14494" cy="908096"/>
+          </a:xfrm>
+          <a:prstGeom prst="line">
+            <a:avLst/>
+          </a:prstGeom>
+          <a:ln w="12700">
+            <a:solidFill>
+              <a:schemeClr val="tx1">
+                <a:lumMod val="65000"/>
+                <a:lumOff val="35000"/>
+              </a:schemeClr>
+            </a:solidFill>
+          </a:ln>
+        </p:spPr>
+        <p:style>
+          <a:lnRef idx="1">
+            <a:schemeClr val="accent1"/>
+          </a:lnRef>
+          <a:fillRef idx="0">
+            <a:schemeClr val="accent1"/>
+          </a:fillRef>
+          <a:effectRef idx="0">
+            <a:schemeClr val="accent1"/>
+          </a:effectRef>
+          <a:fontRef idx="minor">
+            <a:schemeClr val="tx1"/>
+          </a:fontRef>
+        </p:style>
+      </p:cxnSp>
+      <p:sp>
+        <p:nvSpPr>
+          <p:cNvPr id="495" name="Rectangle 494">
+            <a:extLst>
+              <a:ext uri="{FF2B5EF4-FFF2-40B4-BE49-F238E27FC236}">
+                <a16:creationId xmlns:a16="http://schemas.microsoft.com/office/drawing/2014/main" id="{5B2CEB1E-2C3A-F74B-9AEB-32ABFAA5674B}"/>
+              </a:ext>
+            </a:extLst>
+          </p:cNvPr>
+          <p:cNvSpPr/>
+          <p:nvPr/>
+        </p:nvSpPr>
+        <p:spPr>
+          <a:xfrm rot="16200000">
+            <a:off x="6694909" y="2734289"/>
+            <a:ext cx="1007415" cy="215444"/>
+          </a:xfrm>
+          <a:prstGeom prst="rect">
+            <a:avLst/>
+          </a:prstGeom>
+          <a:noFill/>
+          <a:ln>
+            <a:noFill/>
+          </a:ln>
+        </p:spPr>
+        <p:txBody>
+          <a:bodyPr wrap="square">
+            <a:spAutoFit/>
+          </a:bodyPr>
+          <a:lstStyle/>
+          <a:p>
+            <a:pPr algn="ctr"/>
+            <a:r>
+              <a:rPr lang="en-US" sz="800" b="1" dirty="0">
+                <a:solidFill>
+                  <a:schemeClr val="tx1">
+                    <a:lumMod val="85000"/>
+                    <a:lumOff val="15000"/>
+                  </a:schemeClr>
+                </a:solidFill>
+                <a:latin typeface="Arial" panose="020B0604020202020204" pitchFamily="34" charset="0"/>
+                <a:cs typeface="Arial" panose="020B0604020202020204" pitchFamily="34" charset="0"/>
+              </a:rPr>
+              <a:t>May - June 2018</a:t>
+            </a:r>
+          </a:p>
+        </p:txBody>
+      </p:sp>
+      <p:sp>
+        <p:nvSpPr>
+          <p:cNvPr id="496" name="24 Elipse">
+            <a:extLst>
+              <a:ext uri="{FF2B5EF4-FFF2-40B4-BE49-F238E27FC236}">
+                <a16:creationId xmlns:a16="http://schemas.microsoft.com/office/drawing/2014/main" id="{58E9C3F3-04B8-EF43-A82D-BBC3C6EDC13D}"/>
+              </a:ext>
+            </a:extLst>
+          </p:cNvPr>
+          <p:cNvSpPr/>
+          <p:nvPr/>
+        </p:nvSpPr>
+        <p:spPr>
+          <a:xfrm>
+            <a:off x="7229153" y="3419126"/>
+            <a:ext cx="85157" cy="85149"/>
+          </a:xfrm>
+          <a:prstGeom prst="ellipse">
+            <a:avLst/>
+          </a:prstGeom>
+          <a:solidFill>
+            <a:schemeClr val="tx1">
+              <a:lumMod val="85000"/>
+              <a:lumOff val="15000"/>
+            </a:schemeClr>
+          </a:solidFill>
+          <a:ln>
+            <a:noFill/>
+          </a:ln>
+        </p:spPr>
+        <p:style>
+          <a:lnRef idx="2">
+            <a:schemeClr val="accent1">
+              <a:shade val="50000"/>
+            </a:schemeClr>
+          </a:lnRef>
+          <a:fillRef idx="1">
+            <a:schemeClr val="accent1"/>
+          </a:fillRef>
+          <a:effectRef idx="0">
+            <a:schemeClr val="accent1"/>
+          </a:effectRef>
+          <a:fontRef idx="minor">
+            <a:schemeClr val="lt1"/>
+          </a:fontRef>
+        </p:style>
+        <p:txBody>
+          <a:bodyPr lIns="68572" tIns="34286" rIns="68572" bIns="34286" rtlCol="0" anchor="ctr"/>
+          <a:lstStyle/>
+          <a:p>
+            <a:pPr algn="ctr"/>
+            <a:endParaRPr lang="es-MX" sz="900">
+              <a:solidFill>
+                <a:schemeClr val="tx1"/>
+              </a:solidFill>
+              <a:latin typeface="Arial" panose="020B0604020202020204" pitchFamily="34" charset="0"/>
+              <a:ea typeface="Segoe UI" panose="020B0502040204020203" pitchFamily="34" charset="0"/>
+              <a:cs typeface="Arial" panose="020B0604020202020204" pitchFamily="34" charset="0"/>
+            </a:endParaRPr>
+          </a:p>
+        </p:txBody>
+      </p:sp>
+      <p:sp>
+        <p:nvSpPr>
+          <p:cNvPr id="507" name="Rectangle 506">
+            <a:extLst>
+              <a:ext uri="{FF2B5EF4-FFF2-40B4-BE49-F238E27FC236}">
+                <a16:creationId xmlns:a16="http://schemas.microsoft.com/office/drawing/2014/main" id="{6CEF4D42-F47E-3148-98DD-E218067538AE}"/>
+              </a:ext>
+            </a:extLst>
+          </p:cNvPr>
+          <p:cNvSpPr/>
+          <p:nvPr/>
+        </p:nvSpPr>
+        <p:spPr>
+          <a:xfrm>
+            <a:off x="7263787" y="2395762"/>
+            <a:ext cx="804450" cy="707886"/>
+          </a:xfrm>
+          <a:prstGeom prst="rect">
+            <a:avLst/>
+          </a:prstGeom>
+        </p:spPr>
+        <p:txBody>
+          <a:bodyPr wrap="square">
+            <a:spAutoFit/>
+          </a:bodyPr>
+          <a:lstStyle/>
+          <a:p>
+            <a:r>
+              <a:rPr lang="en-US" sz="800" dirty="0">
+                <a:solidFill>
+                  <a:schemeClr val="tx1">
+                    <a:lumMod val="95000"/>
+                    <a:lumOff val="5000"/>
+                  </a:schemeClr>
+                </a:solidFill>
+                <a:latin typeface="Arial" panose="020B0604020202020204" pitchFamily="34" charset="0"/>
+                <a:cs typeface="Arial" panose="020B0604020202020204" pitchFamily="34" charset="0"/>
+              </a:rPr>
+              <a:t>Post-set counted for survival  </a:t>
+            </a:r>
+          </a:p>
+          <a:p>
+            <a:r>
+              <a:rPr lang="en-US" sz="800" dirty="0">
+                <a:solidFill>
+                  <a:schemeClr val="tx1">
+                    <a:lumMod val="95000"/>
+                    <a:lumOff val="5000"/>
+                  </a:schemeClr>
+                </a:solidFill>
+                <a:latin typeface="Arial" panose="020B0604020202020204" pitchFamily="34" charset="0"/>
+                <a:cs typeface="Arial" panose="020B0604020202020204" pitchFamily="34" charset="0"/>
+              </a:rPr>
+              <a:t>(35-days after release)</a:t>
+            </a:r>
+          </a:p>
+        </p:txBody>
+      </p:sp>
+      <p:sp>
+        <p:nvSpPr>
+          <p:cNvPr id="169" name="Rectangle 168">
+            <a:extLst>
+              <a:ext uri="{FF2B5EF4-FFF2-40B4-BE49-F238E27FC236}">
+                <a16:creationId xmlns:a16="http://schemas.microsoft.com/office/drawing/2014/main" id="{557984DC-1A3A-C34B-BB77-E61E0D113850}"/>
+              </a:ext>
+            </a:extLst>
+          </p:cNvPr>
+          <p:cNvSpPr/>
+          <p:nvPr/>
+        </p:nvSpPr>
+        <p:spPr>
+          <a:xfrm>
+            <a:off x="4560534" y="3548371"/>
+            <a:ext cx="1603353" cy="461664"/>
+          </a:xfrm>
+          <a:prstGeom prst="rect">
+            <a:avLst/>
+          </a:prstGeom>
+          <a:solidFill>
+            <a:schemeClr val="bg1">
+              <a:lumMod val="85000"/>
+            </a:schemeClr>
+          </a:solidFill>
+          <a:ln w="9525">
+            <a:noFill/>
+          </a:ln>
+        </p:spPr>
+        <p:style>
+          <a:lnRef idx="2">
+            <a:schemeClr val="accent1">
+              <a:shade val="50000"/>
+            </a:schemeClr>
+          </a:lnRef>
+          <a:fillRef idx="1">
+            <a:schemeClr val="accent1"/>
+          </a:fillRef>
+          <a:effectRef idx="0">
+            <a:schemeClr val="accent1"/>
+          </a:effectRef>
+          <a:fontRef idx="minor">
+            <a:schemeClr val="lt1"/>
+          </a:fontRef>
+        </p:style>
+        <p:txBody>
+          <a:bodyPr rtlCol="0" anchor="ctr"/>
+          <a:lstStyle/>
+          <a:p>
+            <a:pPr algn="ctr"/>
+            <a:r>
+              <a:rPr lang="en-US" sz="750" b="1" i="1" dirty="0">
+                <a:solidFill>
+                  <a:schemeClr val="tx1">
+                    <a:lumMod val="95000"/>
+                    <a:lumOff val="5000"/>
+                  </a:schemeClr>
+                </a:solidFill>
+                <a:latin typeface="Arial" panose="020B0604020202020204" pitchFamily="34" charset="0"/>
+                <a:cs typeface="Arial" panose="020B0604020202020204" pitchFamily="34" charset="0"/>
+              </a:rPr>
+              <a:t>adult spawning and brooding</a:t>
+            </a:r>
+          </a:p>
+          <a:p>
+            <a:pPr algn="ctr"/>
+            <a:r>
+              <a:rPr lang="en-US" sz="800" dirty="0">
+                <a:solidFill>
+                  <a:schemeClr val="tx1">
+                    <a:lumMod val="95000"/>
+                    <a:lumOff val="5000"/>
+                  </a:schemeClr>
+                </a:solidFill>
+                <a:latin typeface="Arial" panose="020B0604020202020204" pitchFamily="34" charset="0"/>
+                <a:cs typeface="Arial" panose="020B0604020202020204" pitchFamily="34" charset="0"/>
+              </a:rPr>
+              <a:t>common conditions</a:t>
+            </a:r>
+          </a:p>
+          <a:p>
+            <a:pPr algn="ctr"/>
+            <a:r>
+              <a:rPr lang="en-US" sz="800" dirty="0">
+                <a:solidFill>
+                  <a:schemeClr val="tx1">
+                    <a:lumMod val="95000"/>
+                    <a:lumOff val="5000"/>
+                  </a:schemeClr>
+                </a:solidFill>
+                <a:latin typeface="Arial" panose="020B0604020202020204" pitchFamily="34" charset="0"/>
+                <a:cs typeface="Arial" panose="020B0604020202020204" pitchFamily="34" charset="0"/>
+              </a:rPr>
+              <a:t> ~18ºC, 100k cells/mL</a:t>
+            </a:r>
+          </a:p>
+        </p:txBody>
+      </p:sp>
+      <p:sp>
+        <p:nvSpPr>
+          <p:cNvPr id="91" name="Rectangle 90">
+            <a:extLst>
+              <a:ext uri="{FF2B5EF4-FFF2-40B4-BE49-F238E27FC236}">
+                <a16:creationId xmlns:a16="http://schemas.microsoft.com/office/drawing/2014/main" id="{D0DFB891-C997-2049-BC1B-4E5FE8FED508}"/>
+              </a:ext>
+            </a:extLst>
+          </p:cNvPr>
+          <p:cNvSpPr/>
+          <p:nvPr/>
+        </p:nvSpPr>
+        <p:spPr>
+          <a:xfrm>
+            <a:off x="5437494" y="4047788"/>
+            <a:ext cx="1791659" cy="448786"/>
+          </a:xfrm>
+          <a:prstGeom prst="rect">
+            <a:avLst/>
+          </a:prstGeom>
+          <a:solidFill>
+            <a:schemeClr val="bg1">
+              <a:lumMod val="85000"/>
+            </a:schemeClr>
+          </a:solidFill>
+          <a:ln w="9525">
+            <a:noFill/>
+          </a:ln>
+        </p:spPr>
+        <p:style>
+          <a:lnRef idx="2">
+            <a:schemeClr val="accent1">
+              <a:shade val="50000"/>
+            </a:schemeClr>
+          </a:lnRef>
+          <a:fillRef idx="1">
+            <a:schemeClr val="accent1"/>
+          </a:fillRef>
+          <a:effectRef idx="0">
+            <a:schemeClr val="accent1"/>
+          </a:effectRef>
+          <a:fontRef idx="minor">
+            <a:schemeClr val="lt1"/>
+          </a:fontRef>
+        </p:style>
+        <p:txBody>
+          <a:bodyPr rtlCol="0" anchor="ctr"/>
+          <a:lstStyle/>
+          <a:p>
+            <a:pPr algn="ctr"/>
+            <a:r>
+              <a:rPr lang="en-US" sz="800" b="1" i="1" dirty="0">
+                <a:solidFill>
+                  <a:schemeClr val="tx1">
+                    <a:lumMod val="95000"/>
+                    <a:lumOff val="5000"/>
+                  </a:schemeClr>
+                </a:solidFill>
+                <a:latin typeface="Arial" panose="020B0604020202020204" pitchFamily="34" charset="0"/>
+                <a:cs typeface="Arial" panose="020B0604020202020204" pitchFamily="34" charset="0"/>
+              </a:rPr>
+              <a:t>larval rearing</a:t>
+            </a:r>
+          </a:p>
+          <a:p>
+            <a:pPr algn="ctr"/>
+            <a:r>
+              <a:rPr lang="en-US" sz="800" dirty="0">
+                <a:solidFill>
+                  <a:schemeClr val="tx1">
+                    <a:lumMod val="95000"/>
+                    <a:lumOff val="5000"/>
+                  </a:schemeClr>
+                </a:solidFill>
+                <a:latin typeface="Arial" panose="020B0604020202020204" pitchFamily="34" charset="0"/>
+                <a:cs typeface="Arial" panose="020B0604020202020204" pitchFamily="34" charset="0"/>
+              </a:rPr>
+              <a:t>common conditions</a:t>
+            </a:r>
+          </a:p>
+          <a:p>
+            <a:pPr algn="ctr"/>
+            <a:r>
+              <a:rPr lang="en-US" sz="800" dirty="0">
+                <a:solidFill>
+                  <a:schemeClr val="tx1">
+                    <a:lumMod val="95000"/>
+                    <a:lumOff val="5000"/>
+                  </a:schemeClr>
+                </a:solidFill>
+                <a:latin typeface="Arial" panose="020B0604020202020204" pitchFamily="34" charset="0"/>
+                <a:cs typeface="Arial" panose="020B0604020202020204" pitchFamily="34" charset="0"/>
+              </a:rPr>
+              <a:t>~18ºC, 100k cells/mL, static</a:t>
+            </a:r>
+          </a:p>
+        </p:txBody>
+      </p:sp>
+      <p:sp>
+        <p:nvSpPr>
+          <p:cNvPr id="164" name="Rectangle 163">
+            <a:extLst>
+              <a:ext uri="{FF2B5EF4-FFF2-40B4-BE49-F238E27FC236}">
+                <a16:creationId xmlns:a16="http://schemas.microsoft.com/office/drawing/2014/main" id="{A78331B5-D6E3-9E49-870F-89EEDB4C2D8F}"/>
+              </a:ext>
+            </a:extLst>
+          </p:cNvPr>
+          <p:cNvSpPr/>
+          <p:nvPr/>
+        </p:nvSpPr>
+        <p:spPr>
+          <a:xfrm>
+            <a:off x="2062895" y="3185805"/>
+            <a:ext cx="505503" cy="200055"/>
+          </a:xfrm>
+          <a:prstGeom prst="rect">
+            <a:avLst/>
+          </a:prstGeom>
+        </p:spPr>
+        <p:txBody>
+          <a:bodyPr wrap="square">
+            <a:spAutoFit/>
+          </a:bodyPr>
+          <a:lstStyle/>
+          <a:p>
+            <a:r>
+              <a:rPr lang="en-US" sz="700" dirty="0">
+                <a:solidFill>
+                  <a:srgbClr val="F08A62"/>
+                </a:solidFill>
+                <a:latin typeface="Arial" panose="020B0604020202020204" pitchFamily="34" charset="0"/>
+                <a:cs typeface="Arial" panose="020B0604020202020204" pitchFamily="34" charset="0"/>
+              </a:rPr>
+              <a:t>Nov 30</a:t>
+            </a:r>
+          </a:p>
+        </p:txBody>
+      </p:sp>
+      <p:sp>
+        <p:nvSpPr>
+          <p:cNvPr id="170" name="Rectangle 169">
+            <a:extLst>
+              <a:ext uri="{FF2B5EF4-FFF2-40B4-BE49-F238E27FC236}">
+                <a16:creationId xmlns:a16="http://schemas.microsoft.com/office/drawing/2014/main" id="{845C95C7-A089-5146-9906-C54C52C5C802}"/>
+              </a:ext>
+            </a:extLst>
+          </p:cNvPr>
+          <p:cNvSpPr/>
+          <p:nvPr/>
+        </p:nvSpPr>
+        <p:spPr>
+          <a:xfrm>
+            <a:off x="1699219" y="3532007"/>
+            <a:ext cx="869179" cy="323165"/>
+          </a:xfrm>
+          <a:prstGeom prst="rect">
+            <a:avLst/>
+          </a:prstGeom>
+        </p:spPr>
+        <p:txBody>
+          <a:bodyPr wrap="square">
+            <a:spAutoFit/>
+          </a:bodyPr>
+          <a:lstStyle/>
+          <a:p>
+            <a:r>
+              <a:rPr lang="en-US" sz="750" dirty="0">
+                <a:solidFill>
+                  <a:srgbClr val="F08A62"/>
+                </a:solidFill>
+                <a:latin typeface="Arial" panose="020B0604020202020204" pitchFamily="34" charset="0"/>
+                <a:cs typeface="Arial" panose="020B0604020202020204" pitchFamily="34" charset="0"/>
+              </a:rPr>
+              <a:t>Dates adults sampled</a:t>
+            </a:r>
+          </a:p>
+        </p:txBody>
+      </p:sp>
+      <p:sp>
+        <p:nvSpPr>
+          <p:cNvPr id="59" name="Rectangle 58">
+            <a:extLst>
+              <a:ext uri="{FF2B5EF4-FFF2-40B4-BE49-F238E27FC236}">
+                <a16:creationId xmlns:a16="http://schemas.microsoft.com/office/drawing/2014/main" id="{84902DE0-CD72-E045-A806-E3CF07EAB360}"/>
+              </a:ext>
+            </a:extLst>
+          </p:cNvPr>
+          <p:cNvSpPr/>
+          <p:nvPr/>
+        </p:nvSpPr>
+        <p:spPr>
+          <a:xfrm>
+            <a:off x="2511068" y="3182705"/>
+            <a:ext cx="505503" cy="200055"/>
+          </a:xfrm>
+          <a:prstGeom prst="rect">
+            <a:avLst/>
+          </a:prstGeom>
+        </p:spPr>
+        <p:txBody>
+          <a:bodyPr wrap="square">
+            <a:spAutoFit/>
+          </a:bodyPr>
+          <a:lstStyle/>
+          <a:p>
+            <a:r>
+              <a:rPr lang="en-US" sz="700" dirty="0">
+                <a:solidFill>
+                  <a:srgbClr val="F08A62"/>
+                </a:solidFill>
+                <a:latin typeface="Arial" panose="020B0604020202020204" pitchFamily="34" charset="0"/>
+                <a:cs typeface="Arial" panose="020B0604020202020204" pitchFamily="34" charset="0"/>
+              </a:rPr>
+              <a:t>Dec 20</a:t>
+            </a:r>
+          </a:p>
+        </p:txBody>
+      </p:sp>
+      <p:sp>
+        <p:nvSpPr>
+          <p:cNvPr id="60" name="Rectangle 59">
+            <a:extLst>
+              <a:ext uri="{FF2B5EF4-FFF2-40B4-BE49-F238E27FC236}">
+                <a16:creationId xmlns:a16="http://schemas.microsoft.com/office/drawing/2014/main" id="{E9FF3352-08C3-5B4D-BAD6-140D7E757B0C}"/>
+              </a:ext>
+            </a:extLst>
+          </p:cNvPr>
+          <p:cNvSpPr/>
+          <p:nvPr/>
+        </p:nvSpPr>
+        <p:spPr>
+          <a:xfrm>
+            <a:off x="2931015" y="3186250"/>
+            <a:ext cx="505503" cy="200055"/>
+          </a:xfrm>
+          <a:prstGeom prst="rect">
+            <a:avLst/>
+          </a:prstGeom>
+        </p:spPr>
+        <p:txBody>
+          <a:bodyPr wrap="square">
+            <a:spAutoFit/>
+          </a:bodyPr>
+          <a:lstStyle/>
+          <a:p>
+            <a:r>
+              <a:rPr lang="en-US" sz="700" dirty="0">
+                <a:solidFill>
+                  <a:srgbClr val="F08A62"/>
+                </a:solidFill>
+                <a:latin typeface="Arial" panose="020B0604020202020204" pitchFamily="34" charset="0"/>
+                <a:cs typeface="Arial" panose="020B0604020202020204" pitchFamily="34" charset="0"/>
+              </a:rPr>
+              <a:t>Jan 4</a:t>
+            </a:r>
+          </a:p>
+        </p:txBody>
+      </p:sp>
+      <p:sp>
+        <p:nvSpPr>
+          <p:cNvPr id="61" name="Rectangle 60">
+            <a:extLst>
+              <a:ext uri="{FF2B5EF4-FFF2-40B4-BE49-F238E27FC236}">
+                <a16:creationId xmlns:a16="http://schemas.microsoft.com/office/drawing/2014/main" id="{303F7BD3-5B0C-A84E-B95F-F29AD8B244BE}"/>
+              </a:ext>
+            </a:extLst>
+          </p:cNvPr>
+          <p:cNvSpPr/>
+          <p:nvPr/>
+        </p:nvSpPr>
+        <p:spPr>
+          <a:xfrm>
+            <a:off x="3316255" y="3187506"/>
+            <a:ext cx="505503" cy="200055"/>
+          </a:xfrm>
+          <a:prstGeom prst="rect">
+            <a:avLst/>
+          </a:prstGeom>
+        </p:spPr>
+        <p:txBody>
+          <a:bodyPr wrap="square">
+            <a:spAutoFit/>
+          </a:bodyPr>
+          <a:lstStyle/>
+          <a:p>
+            <a:r>
+              <a:rPr lang="en-US" sz="700" dirty="0">
+                <a:solidFill>
+                  <a:srgbClr val="F08A62"/>
+                </a:solidFill>
+                <a:latin typeface="Arial" panose="020B0604020202020204" pitchFamily="34" charset="0"/>
+                <a:cs typeface="Arial" panose="020B0604020202020204" pitchFamily="34" charset="0"/>
+              </a:rPr>
+              <a:t>Jan 23</a:t>
+            </a:r>
+          </a:p>
+        </p:txBody>
+      </p:sp>
+      <p:sp>
+        <p:nvSpPr>
+          <p:cNvPr id="62" name="Rectangle 61">
+            <a:extLst>
+              <a:ext uri="{FF2B5EF4-FFF2-40B4-BE49-F238E27FC236}">
+                <a16:creationId xmlns:a16="http://schemas.microsoft.com/office/drawing/2014/main" id="{56D51ADE-3028-7644-A08B-224EDB075E11}"/>
+              </a:ext>
+            </a:extLst>
+          </p:cNvPr>
+          <p:cNvSpPr/>
+          <p:nvPr/>
+        </p:nvSpPr>
+        <p:spPr>
+          <a:xfrm>
+            <a:off x="3813138" y="3184307"/>
+            <a:ext cx="505503" cy="200055"/>
+          </a:xfrm>
+          <a:prstGeom prst="rect">
+            <a:avLst/>
+          </a:prstGeom>
+        </p:spPr>
+        <p:txBody>
+          <a:bodyPr wrap="square">
+            <a:spAutoFit/>
+          </a:bodyPr>
+          <a:lstStyle/>
+          <a:p>
+            <a:r>
+              <a:rPr lang="en-US" sz="700" dirty="0">
+                <a:solidFill>
+                  <a:srgbClr val="F08A62"/>
+                </a:solidFill>
+                <a:latin typeface="Arial" panose="020B0604020202020204" pitchFamily="34" charset="0"/>
+                <a:cs typeface="Arial" panose="020B0604020202020204" pitchFamily="34" charset="0"/>
+              </a:rPr>
+              <a:t>Feb 9</a:t>
+            </a:r>
+          </a:p>
+        </p:txBody>
+      </p:sp>
+      <p:sp>
+        <p:nvSpPr>
+          <p:cNvPr id="66" name="Rectangle 65">
+            <a:extLst>
+              <a:ext uri="{FF2B5EF4-FFF2-40B4-BE49-F238E27FC236}">
+                <a16:creationId xmlns:a16="http://schemas.microsoft.com/office/drawing/2014/main" id="{C2CFEBC5-2A6F-EE4E-ADEA-E5393D5A73F0}"/>
+              </a:ext>
+            </a:extLst>
+          </p:cNvPr>
+          <p:cNvSpPr/>
+          <p:nvPr/>
+        </p:nvSpPr>
+        <p:spPr>
+          <a:xfrm>
+            <a:off x="4163614" y="3180510"/>
+            <a:ext cx="505503" cy="200055"/>
+          </a:xfrm>
+          <a:prstGeom prst="rect">
+            <a:avLst/>
+          </a:prstGeom>
+        </p:spPr>
+        <p:txBody>
+          <a:bodyPr wrap="square">
+            <a:spAutoFit/>
+          </a:bodyPr>
+          <a:lstStyle/>
+          <a:p>
+            <a:r>
+              <a:rPr lang="en-US" sz="700" dirty="0">
+                <a:solidFill>
+                  <a:srgbClr val="F08A62"/>
+                </a:solidFill>
+                <a:latin typeface="Arial" panose="020B0604020202020204" pitchFamily="34" charset="0"/>
+                <a:cs typeface="Arial" panose="020B0604020202020204" pitchFamily="34" charset="0"/>
+              </a:rPr>
+              <a:t>Feb 27</a:t>
+            </a:r>
+          </a:p>
+        </p:txBody>
+      </p:sp>
+      <p:sp>
+        <p:nvSpPr>
+          <p:cNvPr id="68" name="Rectangle 67">
+            <a:extLst>
+              <a:ext uri="{FF2B5EF4-FFF2-40B4-BE49-F238E27FC236}">
+                <a16:creationId xmlns:a16="http://schemas.microsoft.com/office/drawing/2014/main" id="{09C40E39-6563-1A44-93EE-E54FE7EF1DF3}"/>
+              </a:ext>
+            </a:extLst>
+          </p:cNvPr>
+          <p:cNvSpPr/>
+          <p:nvPr/>
+        </p:nvSpPr>
+        <p:spPr>
+          <a:xfrm>
+            <a:off x="4547895" y="3172467"/>
+            <a:ext cx="505503" cy="200055"/>
+          </a:xfrm>
+          <a:prstGeom prst="rect">
+            <a:avLst/>
+          </a:prstGeom>
+        </p:spPr>
+        <p:txBody>
+          <a:bodyPr wrap="square">
+            <a:spAutoFit/>
+          </a:bodyPr>
+          <a:lstStyle/>
+          <a:p>
+            <a:r>
+              <a:rPr lang="en-US" sz="700" dirty="0">
+                <a:solidFill>
+                  <a:srgbClr val="F08A62"/>
+                </a:solidFill>
+                <a:latin typeface="Arial" panose="020B0604020202020204" pitchFamily="34" charset="0"/>
+                <a:cs typeface="Arial" panose="020B0604020202020204" pitchFamily="34" charset="0"/>
+              </a:rPr>
+              <a:t>Mar 13</a:t>
+            </a:r>
+          </a:p>
+        </p:txBody>
+      </p:sp>
+      <p:sp>
+        <p:nvSpPr>
+          <p:cNvPr id="69" name="Rectangle 68">
+            <a:extLst>
+              <a:ext uri="{FF2B5EF4-FFF2-40B4-BE49-F238E27FC236}">
+                <a16:creationId xmlns:a16="http://schemas.microsoft.com/office/drawing/2014/main" id="{FCECF6C7-5A9E-8A46-9102-7B0A299794E1}"/>
+              </a:ext>
+            </a:extLst>
+          </p:cNvPr>
+          <p:cNvSpPr/>
+          <p:nvPr/>
+        </p:nvSpPr>
+        <p:spPr>
+          <a:xfrm>
+            <a:off x="5002718" y="3168670"/>
+            <a:ext cx="505503" cy="200055"/>
+          </a:xfrm>
+          <a:prstGeom prst="rect">
+            <a:avLst/>
+          </a:prstGeom>
+        </p:spPr>
+        <p:txBody>
+          <a:bodyPr wrap="square">
+            <a:spAutoFit/>
+          </a:bodyPr>
+          <a:lstStyle/>
+          <a:p>
+            <a:r>
+              <a:rPr lang="en-US" sz="700" dirty="0">
+                <a:solidFill>
+                  <a:srgbClr val="F08A62"/>
+                </a:solidFill>
+                <a:latin typeface="Arial" panose="020B0604020202020204" pitchFamily="34" charset="0"/>
+                <a:cs typeface="Arial" panose="020B0604020202020204" pitchFamily="34" charset="0"/>
+              </a:rPr>
+              <a:t>Mar 23</a:t>
+            </a:r>
+          </a:p>
+        </p:txBody>
+      </p:sp>
       <p:grpSp>
         <p:nvGrpSpPr>
-          <p:cNvPr id="33" name="Group 32">
+          <p:cNvPr id="2" name="Group 1">
             <a:extLst>
               <a:ext uri="{FF2B5EF4-FFF2-40B4-BE49-F238E27FC236}">
-                <a16:creationId xmlns:a16="http://schemas.microsoft.com/office/drawing/2014/main" id="{CDA72E83-F87C-AA46-8F59-5ED51B9934FA}"/>
+                <a16:creationId xmlns:a16="http://schemas.microsoft.com/office/drawing/2014/main" id="{4385109F-E79C-084B-9396-3E1AFD9D536B}"/>
               </a:ext>
             </a:extLst>
           </p:cNvPr>
@@ -3769,901 +6045,12 @@
         </p:nvGrpSpPr>
         <p:grpSpPr>
           <a:xfrm>
-            <a:off x="1489902" y="1753528"/>
-            <a:ext cx="6578335" cy="3836858"/>
-            <a:chOff x="384220" y="1743254"/>
-            <a:chExt cx="6578335" cy="3836858"/>
+            <a:off x="2556334" y="3547872"/>
+            <a:ext cx="1956111" cy="459325"/>
+            <a:chOff x="2543272" y="3547872"/>
+            <a:chExt cx="1956111" cy="459325"/>
           </a:xfrm>
         </p:grpSpPr>
-        <p:cxnSp>
-          <p:nvCxnSpPr>
-            <p:cNvPr id="71" name="40 Conector recto">
-              <a:extLst>
-                <a:ext uri="{FF2B5EF4-FFF2-40B4-BE49-F238E27FC236}">
-                  <a16:creationId xmlns:a16="http://schemas.microsoft.com/office/drawing/2014/main" id="{CFDAD28D-D8A6-5442-8D48-D71F60757076}"/>
-                </a:ext>
-              </a:extLst>
-            </p:cNvPr>
-            <p:cNvCxnSpPr>
-              <a:cxnSpLocks/>
-            </p:cNvCxnSpPr>
-            <p:nvPr/>
-          </p:nvCxnSpPr>
-          <p:spPr>
-            <a:xfrm flipV="1">
-              <a:off x="1406829" y="1849074"/>
-              <a:ext cx="0" cy="1612641"/>
-            </a:xfrm>
-            <a:prstGeom prst="line">
-              <a:avLst/>
-            </a:prstGeom>
-            <a:ln w="12700">
-              <a:solidFill>
-                <a:schemeClr val="tx1">
-                  <a:lumMod val="65000"/>
-                  <a:lumOff val="35000"/>
-                </a:schemeClr>
-              </a:solidFill>
-            </a:ln>
-          </p:spPr>
-          <p:style>
-            <a:lnRef idx="1">
-              <a:schemeClr val="accent1"/>
-            </a:lnRef>
-            <a:fillRef idx="0">
-              <a:schemeClr val="accent1"/>
-            </a:fillRef>
-            <a:effectRef idx="0">
-              <a:schemeClr val="accent1"/>
-            </a:effectRef>
-            <a:fontRef idx="minor">
-              <a:schemeClr val="tx1"/>
-            </a:fontRef>
-          </p:style>
-        </p:cxnSp>
-        <p:cxnSp>
-          <p:nvCxnSpPr>
-            <p:cNvPr id="64" name="40 Conector recto">
-              <a:extLst>
-                <a:ext uri="{FF2B5EF4-FFF2-40B4-BE49-F238E27FC236}">
-                  <a16:creationId xmlns:a16="http://schemas.microsoft.com/office/drawing/2014/main" id="{94E227CE-11C4-024D-ABD6-CF269E8EFB1B}"/>
-                </a:ext>
-              </a:extLst>
-            </p:cNvPr>
-            <p:cNvCxnSpPr>
-              <a:cxnSpLocks/>
-            </p:cNvCxnSpPr>
-            <p:nvPr/>
-          </p:nvCxnSpPr>
-          <p:spPr>
-            <a:xfrm flipV="1">
-              <a:off x="2537599" y="2139956"/>
-              <a:ext cx="4124" cy="1317916"/>
-            </a:xfrm>
-            <a:prstGeom prst="line">
-              <a:avLst/>
-            </a:prstGeom>
-            <a:ln w="12700">
-              <a:solidFill>
-                <a:schemeClr val="tx1">
-                  <a:lumMod val="65000"/>
-                  <a:lumOff val="35000"/>
-                </a:schemeClr>
-              </a:solidFill>
-            </a:ln>
-          </p:spPr>
-          <p:style>
-            <a:lnRef idx="1">
-              <a:schemeClr val="accent1"/>
-            </a:lnRef>
-            <a:fillRef idx="0">
-              <a:schemeClr val="accent1"/>
-            </a:fillRef>
-            <a:effectRef idx="0">
-              <a:schemeClr val="accent1"/>
-            </a:effectRef>
-            <a:fontRef idx="minor">
-              <a:schemeClr val="tx1"/>
-            </a:fontRef>
-          </p:style>
-        </p:cxnSp>
-        <p:cxnSp>
-          <p:nvCxnSpPr>
-            <p:cNvPr id="65" name="40 Conector recto">
-              <a:extLst>
-                <a:ext uri="{FF2B5EF4-FFF2-40B4-BE49-F238E27FC236}">
-                  <a16:creationId xmlns:a16="http://schemas.microsoft.com/office/drawing/2014/main" id="{3F967D21-B4E5-2E48-B48D-E0965735EB7B}"/>
-                </a:ext>
-              </a:extLst>
-            </p:cNvPr>
-            <p:cNvCxnSpPr>
-              <a:cxnSpLocks/>
-            </p:cNvCxnSpPr>
-            <p:nvPr/>
-          </p:nvCxnSpPr>
-          <p:spPr>
-            <a:xfrm flipV="1">
-              <a:off x="3456081" y="2133946"/>
-              <a:ext cx="4124" cy="1317916"/>
-            </a:xfrm>
-            <a:prstGeom prst="line">
-              <a:avLst/>
-            </a:prstGeom>
-            <a:ln w="12700">
-              <a:solidFill>
-                <a:schemeClr val="tx1">
-                  <a:lumMod val="65000"/>
-                  <a:lumOff val="35000"/>
-                </a:schemeClr>
-              </a:solidFill>
-            </a:ln>
-          </p:spPr>
-          <p:style>
-            <a:lnRef idx="1">
-              <a:schemeClr val="accent1"/>
-            </a:lnRef>
-            <a:fillRef idx="0">
-              <a:schemeClr val="accent1"/>
-            </a:fillRef>
-            <a:effectRef idx="0">
-              <a:schemeClr val="accent1"/>
-            </a:effectRef>
-            <a:fontRef idx="minor">
-              <a:schemeClr val="tx1"/>
-            </a:fontRef>
-          </p:style>
-        </p:cxnSp>
-        <p:cxnSp>
-          <p:nvCxnSpPr>
-            <p:cNvPr id="162" name="Straight Connector 161">
-              <a:extLst>
-                <a:ext uri="{FF2B5EF4-FFF2-40B4-BE49-F238E27FC236}">
-                  <a16:creationId xmlns:a16="http://schemas.microsoft.com/office/drawing/2014/main" id="{BC0B9CA1-6DD7-024C-A3F5-57E1481794B6}"/>
-                </a:ext>
-              </a:extLst>
-            </p:cNvPr>
-            <p:cNvCxnSpPr>
-              <a:cxnSpLocks/>
-            </p:cNvCxnSpPr>
-            <p:nvPr/>
-          </p:nvCxnSpPr>
-          <p:spPr>
-            <a:xfrm>
-              <a:off x="1191196" y="3328346"/>
-              <a:ext cx="0" cy="130154"/>
-            </a:xfrm>
-            <a:prstGeom prst="line">
-              <a:avLst/>
-            </a:prstGeom>
-            <a:ln w="9525">
-              <a:solidFill>
-                <a:schemeClr val="tx1">
-                  <a:lumMod val="65000"/>
-                  <a:lumOff val="35000"/>
-                </a:schemeClr>
-              </a:solidFill>
-            </a:ln>
-          </p:spPr>
-          <p:style>
-            <a:lnRef idx="1">
-              <a:schemeClr val="accent1"/>
-            </a:lnRef>
-            <a:fillRef idx="0">
-              <a:schemeClr val="accent1"/>
-            </a:fillRef>
-            <a:effectRef idx="0">
-              <a:schemeClr val="accent1"/>
-            </a:effectRef>
-            <a:fontRef idx="minor">
-              <a:schemeClr val="tx1"/>
-            </a:fontRef>
-          </p:style>
-        </p:cxnSp>
-        <p:cxnSp>
-          <p:nvCxnSpPr>
-            <p:cNvPr id="157" name="Straight Connector 156">
-              <a:extLst>
-                <a:ext uri="{FF2B5EF4-FFF2-40B4-BE49-F238E27FC236}">
-                  <a16:creationId xmlns:a16="http://schemas.microsoft.com/office/drawing/2014/main" id="{28467253-7E87-674A-B78D-4EFD854F5652}"/>
-                </a:ext>
-              </a:extLst>
-            </p:cNvPr>
-            <p:cNvCxnSpPr>
-              <a:cxnSpLocks/>
-            </p:cNvCxnSpPr>
-            <p:nvPr/>
-          </p:nvCxnSpPr>
-          <p:spPr>
-            <a:xfrm>
-              <a:off x="1669911" y="3328346"/>
-              <a:ext cx="0" cy="130154"/>
-            </a:xfrm>
-            <a:prstGeom prst="line">
-              <a:avLst/>
-            </a:prstGeom>
-            <a:ln w="9525">
-              <a:solidFill>
-                <a:schemeClr val="tx1">
-                  <a:lumMod val="65000"/>
-                  <a:lumOff val="35000"/>
-                </a:schemeClr>
-              </a:solidFill>
-            </a:ln>
-          </p:spPr>
-          <p:style>
-            <a:lnRef idx="1">
-              <a:schemeClr val="accent1"/>
-            </a:lnRef>
-            <a:fillRef idx="0">
-              <a:schemeClr val="accent1"/>
-            </a:fillRef>
-            <a:effectRef idx="0">
-              <a:schemeClr val="accent1"/>
-            </a:effectRef>
-            <a:fontRef idx="minor">
-              <a:schemeClr val="tx1"/>
-            </a:fontRef>
-          </p:style>
-        </p:cxnSp>
-        <p:cxnSp>
-          <p:nvCxnSpPr>
-            <p:cNvPr id="148" name="Straight Connector 147">
-              <a:extLst>
-                <a:ext uri="{FF2B5EF4-FFF2-40B4-BE49-F238E27FC236}">
-                  <a16:creationId xmlns:a16="http://schemas.microsoft.com/office/drawing/2014/main" id="{99B6B09F-38DE-924F-B103-87FF3D2B0349}"/>
-                </a:ext>
-              </a:extLst>
-            </p:cNvPr>
-            <p:cNvCxnSpPr>
-              <a:cxnSpLocks/>
-            </p:cNvCxnSpPr>
-            <p:nvPr/>
-          </p:nvCxnSpPr>
-          <p:spPr>
-            <a:xfrm>
-              <a:off x="2017781" y="3331598"/>
-              <a:ext cx="0" cy="130154"/>
-            </a:xfrm>
-            <a:prstGeom prst="line">
-              <a:avLst/>
-            </a:prstGeom>
-            <a:ln w="9525">
-              <a:solidFill>
-                <a:schemeClr val="tx1">
-                  <a:lumMod val="65000"/>
-                  <a:lumOff val="35000"/>
-                </a:schemeClr>
-              </a:solidFill>
-            </a:ln>
-          </p:spPr>
-          <p:style>
-            <a:lnRef idx="1">
-              <a:schemeClr val="accent1"/>
-            </a:lnRef>
-            <a:fillRef idx="0">
-              <a:schemeClr val="accent1"/>
-            </a:fillRef>
-            <a:effectRef idx="0">
-              <a:schemeClr val="accent1"/>
-            </a:effectRef>
-            <a:fontRef idx="minor">
-              <a:schemeClr val="tx1"/>
-            </a:fontRef>
-          </p:style>
-        </p:cxnSp>
-        <p:cxnSp>
-          <p:nvCxnSpPr>
-            <p:cNvPr id="144" name="Straight Connector 143">
-              <a:extLst>
-                <a:ext uri="{FF2B5EF4-FFF2-40B4-BE49-F238E27FC236}">
-                  <a16:creationId xmlns:a16="http://schemas.microsoft.com/office/drawing/2014/main" id="{990CC7EC-C3D6-7040-8C2B-B5F598C34680}"/>
-                </a:ext>
-              </a:extLst>
-            </p:cNvPr>
-            <p:cNvCxnSpPr>
-              <a:cxnSpLocks/>
-            </p:cNvCxnSpPr>
-            <p:nvPr/>
-          </p:nvCxnSpPr>
-          <p:spPr>
-            <a:xfrm>
-              <a:off x="2473787" y="3330373"/>
-              <a:ext cx="0" cy="130154"/>
-            </a:xfrm>
-            <a:prstGeom prst="line">
-              <a:avLst/>
-            </a:prstGeom>
-            <a:ln w="9525">
-              <a:solidFill>
-                <a:schemeClr val="tx1">
-                  <a:lumMod val="65000"/>
-                  <a:lumOff val="35000"/>
-                </a:schemeClr>
-              </a:solidFill>
-            </a:ln>
-          </p:spPr>
-          <p:style>
-            <a:lnRef idx="1">
-              <a:schemeClr val="accent1"/>
-            </a:lnRef>
-            <a:fillRef idx="0">
-              <a:schemeClr val="accent1"/>
-            </a:fillRef>
-            <a:effectRef idx="0">
-              <a:schemeClr val="accent1"/>
-            </a:effectRef>
-            <a:fontRef idx="minor">
-              <a:schemeClr val="tx1"/>
-            </a:fontRef>
-          </p:style>
-        </p:cxnSp>
-        <p:cxnSp>
-          <p:nvCxnSpPr>
-            <p:cNvPr id="142" name="Straight Connector 141">
-              <a:extLst>
-                <a:ext uri="{FF2B5EF4-FFF2-40B4-BE49-F238E27FC236}">
-                  <a16:creationId xmlns:a16="http://schemas.microsoft.com/office/drawing/2014/main" id="{3A9EA9D9-0D59-C74F-B5AF-FABF926BCACA}"/>
-                </a:ext>
-              </a:extLst>
-            </p:cNvPr>
-            <p:cNvCxnSpPr>
-              <a:cxnSpLocks/>
-            </p:cNvCxnSpPr>
-            <p:nvPr/>
-          </p:nvCxnSpPr>
-          <p:spPr>
-            <a:xfrm>
-              <a:off x="2986285" y="3323163"/>
-              <a:ext cx="0" cy="130154"/>
-            </a:xfrm>
-            <a:prstGeom prst="line">
-              <a:avLst/>
-            </a:prstGeom>
-            <a:ln w="9525">
-              <a:solidFill>
-                <a:schemeClr val="tx1">
-                  <a:lumMod val="65000"/>
-                  <a:lumOff val="35000"/>
-                </a:schemeClr>
-              </a:solidFill>
-            </a:ln>
-          </p:spPr>
-          <p:style>
-            <a:lnRef idx="1">
-              <a:schemeClr val="accent1"/>
-            </a:lnRef>
-            <a:fillRef idx="0">
-              <a:schemeClr val="accent1"/>
-            </a:fillRef>
-            <a:effectRef idx="0">
-              <a:schemeClr val="accent1"/>
-            </a:effectRef>
-            <a:fontRef idx="minor">
-              <a:schemeClr val="tx1"/>
-            </a:fontRef>
-          </p:style>
-        </p:cxnSp>
-        <p:cxnSp>
-          <p:nvCxnSpPr>
-            <p:cNvPr id="133" name="Straight Connector 132">
-              <a:extLst>
-                <a:ext uri="{FF2B5EF4-FFF2-40B4-BE49-F238E27FC236}">
-                  <a16:creationId xmlns:a16="http://schemas.microsoft.com/office/drawing/2014/main" id="{E47AB478-01CB-9F47-BDBD-82383B06936A}"/>
-                </a:ext>
-              </a:extLst>
-            </p:cNvPr>
-            <p:cNvCxnSpPr>
-              <a:cxnSpLocks/>
-            </p:cNvCxnSpPr>
-            <p:nvPr/>
-          </p:nvCxnSpPr>
-          <p:spPr>
-            <a:xfrm>
-              <a:off x="3640496" y="3320506"/>
-              <a:ext cx="0" cy="130154"/>
-            </a:xfrm>
-            <a:prstGeom prst="line">
-              <a:avLst/>
-            </a:prstGeom>
-            <a:ln w="9525">
-              <a:solidFill>
-                <a:schemeClr val="tx1">
-                  <a:lumMod val="65000"/>
-                  <a:lumOff val="35000"/>
-                </a:schemeClr>
-              </a:solidFill>
-            </a:ln>
-          </p:spPr>
-          <p:style>
-            <a:lnRef idx="1">
-              <a:schemeClr val="accent1"/>
-            </a:lnRef>
-            <a:fillRef idx="0">
-              <a:schemeClr val="accent1"/>
-            </a:fillRef>
-            <a:effectRef idx="0">
-              <a:schemeClr val="accent1"/>
-            </a:effectRef>
-            <a:fontRef idx="minor">
-              <a:schemeClr val="tx1"/>
-            </a:fontRef>
-          </p:style>
-        </p:cxnSp>
-        <p:cxnSp>
-          <p:nvCxnSpPr>
-            <p:cNvPr id="135" name="Straight Connector 134">
-              <a:extLst>
-                <a:ext uri="{FF2B5EF4-FFF2-40B4-BE49-F238E27FC236}">
-                  <a16:creationId xmlns:a16="http://schemas.microsoft.com/office/drawing/2014/main" id="{C9B14E8E-0FC1-EF4D-B7FA-95B5A9F270D8}"/>
-                </a:ext>
-              </a:extLst>
-            </p:cNvPr>
-            <p:cNvCxnSpPr>
-              <a:cxnSpLocks/>
-            </p:cNvCxnSpPr>
-            <p:nvPr/>
-          </p:nvCxnSpPr>
-          <p:spPr>
-            <a:xfrm flipH="1">
-              <a:off x="3401349" y="3320506"/>
-              <a:ext cx="978" cy="138171"/>
-            </a:xfrm>
-            <a:prstGeom prst="line">
-              <a:avLst/>
-            </a:prstGeom>
-            <a:ln w="9525">
-              <a:solidFill>
-                <a:schemeClr val="tx1">
-                  <a:lumMod val="65000"/>
-                  <a:lumOff val="35000"/>
-                </a:schemeClr>
-              </a:solidFill>
-            </a:ln>
-          </p:spPr>
-          <p:style>
-            <a:lnRef idx="1">
-              <a:schemeClr val="accent1"/>
-            </a:lnRef>
-            <a:fillRef idx="0">
-              <a:schemeClr val="accent1"/>
-            </a:fillRef>
-            <a:effectRef idx="0">
-              <a:schemeClr val="accent1"/>
-            </a:effectRef>
-            <a:fontRef idx="minor">
-              <a:schemeClr val="tx1"/>
-            </a:fontRef>
-          </p:style>
-        </p:cxnSp>
-        <p:cxnSp>
-          <p:nvCxnSpPr>
-            <p:cNvPr id="108" name="Straight Connector 107">
-              <a:extLst>
-                <a:ext uri="{FF2B5EF4-FFF2-40B4-BE49-F238E27FC236}">
-                  <a16:creationId xmlns:a16="http://schemas.microsoft.com/office/drawing/2014/main" id="{72B4D89F-802A-3743-B67A-11FA6604D65E}"/>
-                </a:ext>
-              </a:extLst>
-            </p:cNvPr>
-            <p:cNvCxnSpPr>
-              <a:cxnSpLocks/>
-            </p:cNvCxnSpPr>
-            <p:nvPr/>
-          </p:nvCxnSpPr>
-          <p:spPr>
-            <a:xfrm>
-              <a:off x="4135299" y="3321273"/>
-              <a:ext cx="0" cy="130154"/>
-            </a:xfrm>
-            <a:prstGeom prst="line">
-              <a:avLst/>
-            </a:prstGeom>
-            <a:ln w="9525">
-              <a:solidFill>
-                <a:schemeClr val="tx1">
-                  <a:lumMod val="65000"/>
-                  <a:lumOff val="35000"/>
-                </a:schemeClr>
-              </a:solidFill>
-            </a:ln>
-          </p:spPr>
-          <p:style>
-            <a:lnRef idx="1">
-              <a:schemeClr val="accent1"/>
-            </a:lnRef>
-            <a:fillRef idx="0">
-              <a:schemeClr val="accent1"/>
-            </a:fillRef>
-            <a:effectRef idx="0">
-              <a:schemeClr val="accent1"/>
-            </a:effectRef>
-            <a:fontRef idx="minor">
-              <a:schemeClr val="tx1"/>
-            </a:fontRef>
-          </p:style>
-        </p:cxnSp>
-        <p:sp>
-          <p:nvSpPr>
-            <p:cNvPr id="92" name="Rectangle 91">
-              <a:extLst>
-                <a:ext uri="{FF2B5EF4-FFF2-40B4-BE49-F238E27FC236}">
-                  <a16:creationId xmlns:a16="http://schemas.microsoft.com/office/drawing/2014/main" id="{ED806C97-1F68-9645-A8E7-45F47064A930}"/>
-                </a:ext>
-              </a:extLst>
-            </p:cNvPr>
-            <p:cNvSpPr/>
-            <p:nvPr/>
-          </p:nvSpPr>
-          <p:spPr>
-            <a:xfrm>
-              <a:off x="595359" y="5008126"/>
-              <a:ext cx="5576104" cy="534200"/>
-            </a:xfrm>
-            <a:prstGeom prst="rect">
-              <a:avLst/>
-            </a:prstGeom>
-            <a:solidFill>
-              <a:schemeClr val="bg1">
-                <a:lumMod val="85000"/>
-              </a:schemeClr>
-            </a:solidFill>
-            <a:ln w="9525">
-              <a:noFill/>
-            </a:ln>
-          </p:spPr>
-          <p:style>
-            <a:lnRef idx="2">
-              <a:schemeClr val="accent1">
-                <a:shade val="50000"/>
-              </a:schemeClr>
-            </a:lnRef>
-            <a:fillRef idx="1">
-              <a:schemeClr val="accent1"/>
-            </a:fillRef>
-            <a:effectRef idx="0">
-              <a:schemeClr val="accent1"/>
-            </a:effectRef>
-            <a:fontRef idx="minor">
-              <a:schemeClr val="lt1"/>
-            </a:fontRef>
-          </p:style>
-          <p:txBody>
-            <a:bodyPr rtlCol="0" anchor="t"/>
-            <a:lstStyle/>
-            <a:p>
-              <a:pPr>
-                <a:spcBef>
-                  <a:spcPts val="600"/>
-                </a:spcBef>
-              </a:pPr>
-              <a:endParaRPr lang="en-US" sz="1050" i="1" dirty="0">
-                <a:solidFill>
-                  <a:schemeClr val="tx1">
-                    <a:lumMod val="65000"/>
-                    <a:lumOff val="35000"/>
-                  </a:schemeClr>
-                </a:solidFill>
-                <a:latin typeface="Arial" panose="020B0604020202020204" pitchFamily="34" charset="0"/>
-                <a:cs typeface="Arial" panose="020B0604020202020204" pitchFamily="34" charset="0"/>
-              </a:endParaRPr>
-            </a:p>
-          </p:txBody>
-        </p:sp>
-        <p:cxnSp>
-          <p:nvCxnSpPr>
-            <p:cNvPr id="446" name="40 Conector recto">
-              <a:extLst>
-                <a:ext uri="{FF2B5EF4-FFF2-40B4-BE49-F238E27FC236}">
-                  <a16:creationId xmlns:a16="http://schemas.microsoft.com/office/drawing/2014/main" id="{BCC49EBA-B4C1-404C-82FA-B7391AB87B6D}"/>
-                </a:ext>
-              </a:extLst>
-            </p:cNvPr>
-            <p:cNvCxnSpPr>
-              <a:cxnSpLocks/>
-              <a:stCxn id="438" idx="0"/>
-            </p:cNvCxnSpPr>
-            <p:nvPr/>
-          </p:nvCxnSpPr>
-          <p:spPr>
-            <a:xfrm flipV="1">
-              <a:off x="4334715" y="1794933"/>
-              <a:ext cx="0" cy="1612641"/>
-            </a:xfrm>
-            <a:prstGeom prst="line">
-              <a:avLst/>
-            </a:prstGeom>
-            <a:ln w="12700">
-              <a:solidFill>
-                <a:schemeClr val="tx1">
-                  <a:lumMod val="65000"/>
-                  <a:lumOff val="35000"/>
-                </a:schemeClr>
-              </a:solidFill>
-            </a:ln>
-          </p:spPr>
-          <p:style>
-            <a:lnRef idx="1">
-              <a:schemeClr val="accent1"/>
-            </a:lnRef>
-            <a:fillRef idx="0">
-              <a:schemeClr val="accent1"/>
-            </a:fillRef>
-            <a:effectRef idx="0">
-              <a:schemeClr val="accent1"/>
-            </a:effectRef>
-            <a:fontRef idx="minor">
-              <a:schemeClr val="tx1"/>
-            </a:fontRef>
-          </p:style>
-        </p:cxnSp>
-        <p:cxnSp>
-          <p:nvCxnSpPr>
-            <p:cNvPr id="9" name="40 Conector recto"/>
-            <p:cNvCxnSpPr>
-              <a:cxnSpLocks/>
-            </p:cNvCxnSpPr>
-            <p:nvPr/>
-          </p:nvCxnSpPr>
-          <p:spPr>
-            <a:xfrm flipV="1">
-              <a:off x="668885" y="2147194"/>
-              <a:ext cx="0" cy="1313223"/>
-            </a:xfrm>
-            <a:prstGeom prst="line">
-              <a:avLst/>
-            </a:prstGeom>
-            <a:ln w="12700">
-              <a:solidFill>
-                <a:schemeClr val="tx1">
-                  <a:lumMod val="65000"/>
-                  <a:lumOff val="35000"/>
-                </a:schemeClr>
-              </a:solidFill>
-            </a:ln>
-          </p:spPr>
-          <p:style>
-            <a:lnRef idx="1">
-              <a:schemeClr val="accent1"/>
-            </a:lnRef>
-            <a:fillRef idx="0">
-              <a:schemeClr val="accent1"/>
-            </a:fillRef>
-            <a:effectRef idx="0">
-              <a:schemeClr val="accent1"/>
-            </a:effectRef>
-            <a:fontRef idx="minor">
-              <a:schemeClr val="tx1"/>
-            </a:fontRef>
-          </p:style>
-        </p:cxnSp>
-        <p:sp>
-          <p:nvSpPr>
-            <p:cNvPr id="267" name="Rectangle 266">
-              <a:extLst>
-                <a:ext uri="{FF2B5EF4-FFF2-40B4-BE49-F238E27FC236}">
-                  <a16:creationId xmlns:a16="http://schemas.microsoft.com/office/drawing/2014/main" id="{19C204D0-A0DB-9243-A6DE-FDCF03846A0A}"/>
-                </a:ext>
-              </a:extLst>
-            </p:cNvPr>
-            <p:cNvSpPr/>
-            <p:nvPr/>
-          </p:nvSpPr>
-          <p:spPr>
-            <a:xfrm>
-              <a:off x="603977" y="3460415"/>
-              <a:ext cx="5567916" cy="1529811"/>
-            </a:xfrm>
-            <a:prstGeom prst="rect">
-              <a:avLst/>
-            </a:prstGeom>
-            <a:solidFill>
-              <a:schemeClr val="bg1">
-                <a:lumMod val="95000"/>
-              </a:schemeClr>
-            </a:solidFill>
-            <a:ln w="9525">
-              <a:noFill/>
-            </a:ln>
-          </p:spPr>
-          <p:style>
-            <a:lnRef idx="2">
-              <a:schemeClr val="accent1">
-                <a:shade val="50000"/>
-              </a:schemeClr>
-            </a:lnRef>
-            <a:fillRef idx="1">
-              <a:schemeClr val="accent1"/>
-            </a:fillRef>
-            <a:effectRef idx="0">
-              <a:schemeClr val="accent1"/>
-            </a:effectRef>
-            <a:fontRef idx="minor">
-              <a:schemeClr val="lt1"/>
-            </a:fontRef>
-          </p:style>
-          <p:txBody>
-            <a:bodyPr rtlCol="0" anchor="t"/>
-            <a:lstStyle/>
-            <a:p>
-              <a:pPr>
-                <a:spcBef>
-                  <a:spcPts val="600"/>
-                </a:spcBef>
-              </a:pPr>
-              <a:endParaRPr lang="en-US" sz="1050" i="1" dirty="0">
-                <a:solidFill>
-                  <a:schemeClr val="tx1">
-                    <a:lumMod val="65000"/>
-                    <a:lumOff val="35000"/>
-                  </a:schemeClr>
-                </a:solidFill>
-                <a:latin typeface="Arial" panose="020B0604020202020204" pitchFamily="34" charset="0"/>
-                <a:cs typeface="Arial" panose="020B0604020202020204" pitchFamily="34" charset="0"/>
-              </a:endParaRPr>
-            </a:p>
-          </p:txBody>
-        </p:sp>
-        <p:cxnSp>
-          <p:nvCxnSpPr>
-            <p:cNvPr id="4" name="18 Conector recto"/>
-            <p:cNvCxnSpPr>
-              <a:cxnSpLocks/>
-              <a:stCxn id="363" idx="2"/>
-              <a:endCxn id="496" idx="6"/>
-            </p:cNvCxnSpPr>
-            <p:nvPr/>
-          </p:nvCxnSpPr>
-          <p:spPr>
-            <a:xfrm flipV="1">
-              <a:off x="629262" y="3451427"/>
-              <a:ext cx="5579366" cy="10410"/>
-            </a:xfrm>
-            <a:prstGeom prst="line">
-              <a:avLst/>
-            </a:prstGeom>
-            <a:ln w="15875">
-              <a:solidFill>
-                <a:schemeClr val="tx1">
-                  <a:lumMod val="65000"/>
-                  <a:lumOff val="35000"/>
-                </a:schemeClr>
-              </a:solidFill>
-            </a:ln>
-          </p:spPr>
-          <p:style>
-            <a:lnRef idx="1">
-              <a:schemeClr val="accent1"/>
-            </a:lnRef>
-            <a:fillRef idx="0">
-              <a:schemeClr val="accent1"/>
-            </a:fillRef>
-            <a:effectRef idx="0">
-              <a:schemeClr val="accent1"/>
-            </a:effectRef>
-            <a:fontRef idx="minor">
-              <a:schemeClr val="tx1"/>
-            </a:fontRef>
-          </p:style>
-        </p:cxnSp>
-        <p:sp>
-          <p:nvSpPr>
-            <p:cNvPr id="56" name="Rectangle 55"/>
-            <p:cNvSpPr/>
-            <p:nvPr/>
-          </p:nvSpPr>
-          <p:spPr>
-            <a:xfrm>
-              <a:off x="624107" y="2106041"/>
-              <a:ext cx="743617" cy="830997"/>
-            </a:xfrm>
-            <a:prstGeom prst="rect">
-              <a:avLst/>
-            </a:prstGeom>
-          </p:spPr>
-          <p:txBody>
-            <a:bodyPr wrap="square">
-              <a:spAutoFit/>
-            </a:bodyPr>
-            <a:lstStyle/>
-            <a:p>
-              <a:r>
-                <a:rPr lang="en-US" sz="800" dirty="0">
-                  <a:solidFill>
-                    <a:schemeClr val="tx1">
-                      <a:lumMod val="95000"/>
-                      <a:lumOff val="5000"/>
-                    </a:schemeClr>
-                  </a:solidFill>
-                  <a:latin typeface="Arial" panose="020B0604020202020204" pitchFamily="34" charset="0"/>
-                  <a:cs typeface="Arial" panose="020B0604020202020204" pitchFamily="34" charset="0"/>
-                </a:rPr>
-                <a:t>Broodstock collected from Mud Bay, Bremerton, WA</a:t>
-              </a:r>
-            </a:p>
-          </p:txBody>
-        </p:sp>
-        <p:sp>
-          <p:nvSpPr>
-            <p:cNvPr id="112" name="Rectangle 111">
-              <a:extLst>
-                <a:ext uri="{FF2B5EF4-FFF2-40B4-BE49-F238E27FC236}">
-                  <a16:creationId xmlns:a16="http://schemas.microsoft.com/office/drawing/2014/main" id="{12D56CDE-E781-DF4A-A372-E62F922CEBFC}"/>
-                </a:ext>
-              </a:extLst>
-            </p:cNvPr>
-            <p:cNvSpPr/>
-            <p:nvPr/>
-          </p:nvSpPr>
-          <p:spPr>
-            <a:xfrm>
-              <a:off x="1357527" y="1795139"/>
-              <a:ext cx="706802" cy="461665"/>
-            </a:xfrm>
-            <a:prstGeom prst="rect">
-              <a:avLst/>
-            </a:prstGeom>
-          </p:spPr>
-          <p:txBody>
-            <a:bodyPr wrap="square">
-              <a:spAutoFit/>
-            </a:bodyPr>
-            <a:lstStyle/>
-            <a:p>
-              <a:r>
-                <a:rPr lang="en-US" sz="800" dirty="0">
-                  <a:solidFill>
-                    <a:srgbClr val="2066AC"/>
-                  </a:solidFill>
-                  <a:latin typeface="Arial" panose="020B0604020202020204" pitchFamily="34" charset="0"/>
-                  <a:cs typeface="Arial" panose="020B0604020202020204" pitchFamily="34" charset="0"/>
-                </a:rPr>
-                <a:t>Broodstock into winter treatments</a:t>
-              </a:r>
-            </a:p>
-          </p:txBody>
-        </p:sp>
-        <p:sp>
-          <p:nvSpPr>
-            <p:cNvPr id="117" name="Rectangle 116">
-              <a:extLst>
-                <a:ext uri="{FF2B5EF4-FFF2-40B4-BE49-F238E27FC236}">
-                  <a16:creationId xmlns:a16="http://schemas.microsoft.com/office/drawing/2014/main" id="{313E0CD4-DDCF-8844-898A-A6DF73EE2DE3}"/>
-                </a:ext>
-              </a:extLst>
-            </p:cNvPr>
-            <p:cNvSpPr/>
-            <p:nvPr/>
-          </p:nvSpPr>
-          <p:spPr>
-            <a:xfrm>
-              <a:off x="2479860" y="2111232"/>
-              <a:ext cx="796639" cy="707886"/>
-            </a:xfrm>
-            <a:prstGeom prst="rect">
-              <a:avLst/>
-            </a:prstGeom>
-          </p:spPr>
-          <p:txBody>
-            <a:bodyPr wrap="square">
-              <a:spAutoFit/>
-            </a:bodyPr>
-            <a:lstStyle/>
-            <a:p>
-              <a:r>
-                <a:rPr lang="en-US" sz="800" dirty="0">
-                  <a:solidFill>
-                    <a:schemeClr val="tx1">
-                      <a:lumMod val="95000"/>
-                      <a:lumOff val="5000"/>
-                    </a:schemeClr>
-                  </a:solidFill>
-                  <a:latin typeface="Arial" panose="020B0604020202020204" pitchFamily="34" charset="0"/>
-                  <a:cs typeface="Arial" panose="020B0604020202020204" pitchFamily="34" charset="0"/>
-                </a:rPr>
-                <a:t>7-week exposure ends, spawning begins</a:t>
-              </a:r>
-            </a:p>
-          </p:txBody>
-        </p:sp>
         <p:sp>
           <p:nvSpPr>
             <p:cNvPr id="126" name="Rectangle 125">
@@ -4678,8 +6065,8 @@
           </p:nvSpPr>
           <p:spPr>
             <a:xfrm>
-              <a:off x="1479543" y="3534810"/>
-              <a:ext cx="1914156" cy="461665"/>
+              <a:off x="2544106" y="3547872"/>
+              <a:ext cx="1955276" cy="187744"/>
             </a:xfrm>
             <a:prstGeom prst="rect">
               <a:avLst/>
@@ -4695,7 +6082,7 @@
             </a:ln>
           </p:spPr>
           <p:txBody>
-            <a:bodyPr wrap="square">
+            <a:bodyPr wrap="square" bIns="18288">
               <a:spAutoFit/>
             </a:bodyPr>
             <a:lstStyle/>
@@ -4712,13 +6099,50 @@
                   <a:latin typeface="Arial" panose="020B0604020202020204" pitchFamily="34" charset="0"/>
                   <a:cs typeface="Arial" panose="020B0604020202020204" pitchFamily="34" charset="0"/>
                 </a:rPr>
-                <a:t>Winter broodstock treatments</a:t>
+                <a:t>adult winter treatments</a:t>
               </a:r>
             </a:p>
+          </p:txBody>
+        </p:sp>
+        <p:sp>
+          <p:nvSpPr>
+            <p:cNvPr id="63" name="Rectangle 62">
+              <a:extLst>
+                <a:ext uri="{FF2B5EF4-FFF2-40B4-BE49-F238E27FC236}">
+                  <a16:creationId xmlns:a16="http://schemas.microsoft.com/office/drawing/2014/main" id="{20AA08C4-37E9-C745-B1E5-EC170D340135}"/>
+                </a:ext>
+              </a:extLst>
+            </p:cNvPr>
+            <p:cNvSpPr/>
+            <p:nvPr/>
+          </p:nvSpPr>
+          <p:spPr>
+            <a:xfrm>
+              <a:off x="2543272" y="3730198"/>
+              <a:ext cx="1001284" cy="276999"/>
+            </a:xfrm>
+            <a:prstGeom prst="rect">
+              <a:avLst/>
+            </a:prstGeom>
+            <a:solidFill>
+              <a:schemeClr val="accent1">
+                <a:lumMod val="20000"/>
+                <a:lumOff val="80000"/>
+              </a:schemeClr>
+            </a:solidFill>
+            <a:ln>
+              <a:noFill/>
+            </a:ln>
+          </p:spPr>
+          <p:txBody>
+            <a:bodyPr wrap="square" tIns="0">
+              <a:spAutoFit/>
+            </a:bodyPr>
+            <a:lstStyle/>
             <a:p>
-              <a:pPr algn="ctr"/>
+              <a:pPr algn="r"/>
               <a:r>
-                <a:rPr lang="en-US" sz="800" dirty="0">
+                <a:rPr lang="en-US" sz="750" dirty="0">
                   <a:solidFill>
                     <a:schemeClr val="tx1">
                       <a:lumMod val="95000"/>
@@ -4728,13 +6152,13 @@
                   <a:latin typeface="Arial" panose="020B0604020202020204" pitchFamily="34" charset="0"/>
                   <a:cs typeface="Arial" panose="020B0604020202020204" pitchFamily="34" charset="0"/>
                 </a:rPr>
-                <a:t>7ºC+high-food, 7ºC+low-food</a:t>
+                <a:t>7ºC+low-food</a:t>
               </a:r>
             </a:p>
             <a:p>
-              <a:pPr algn="ctr"/>
+              <a:pPr algn="r"/>
               <a:r>
-                <a:rPr lang="en-US" sz="800" dirty="0">
+                <a:rPr lang="en-US" sz="750" dirty="0">
                   <a:solidFill>
                     <a:schemeClr val="tx1">
                       <a:lumMod val="95000"/>
@@ -4744,60 +6168,17 @@
                   <a:latin typeface="Arial" panose="020B0604020202020204" pitchFamily="34" charset="0"/>
                   <a:cs typeface="Arial" panose="020B0604020202020204" pitchFamily="34" charset="0"/>
                 </a:rPr>
-                <a:t>10ºC +high-food, 10ºC +low-food</a:t>
+                <a:t>10ºC +low-food</a:t>
               </a:r>
             </a:p>
           </p:txBody>
         </p:sp>
-        <p:cxnSp>
-          <p:nvCxnSpPr>
-            <p:cNvPr id="167" name="40 Conector recto">
+        <p:sp>
+          <p:nvSpPr>
+            <p:cNvPr id="67" name="Rectangle 66">
               <a:extLst>
                 <a:ext uri="{FF2B5EF4-FFF2-40B4-BE49-F238E27FC236}">
-                  <a16:creationId xmlns:a16="http://schemas.microsoft.com/office/drawing/2014/main" id="{E4F646D8-78D7-6245-9619-F1E3BF32A6F3}"/>
-                </a:ext>
-              </a:extLst>
-            </p:cNvPr>
-            <p:cNvCxnSpPr>
-              <a:cxnSpLocks/>
-            </p:cNvCxnSpPr>
-            <p:nvPr/>
-          </p:nvCxnSpPr>
-          <p:spPr>
-            <a:xfrm>
-              <a:off x="4314453" y="5328857"/>
-              <a:ext cx="128296" cy="1"/>
-            </a:xfrm>
-            <a:prstGeom prst="line">
-              <a:avLst/>
-            </a:prstGeom>
-            <a:ln w="57150">
-              <a:solidFill>
-                <a:srgbClr val="F08A62"/>
-              </a:solidFill>
-            </a:ln>
-          </p:spPr>
-          <p:style>
-            <a:lnRef idx="1">
-              <a:schemeClr val="accent1"/>
-            </a:lnRef>
-            <a:fillRef idx="0">
-              <a:schemeClr val="accent1"/>
-            </a:fillRef>
-            <a:effectRef idx="0">
-              <a:schemeClr val="accent1"/>
-            </a:effectRef>
-            <a:fontRef idx="minor">
-              <a:schemeClr val="tx1"/>
-            </a:fontRef>
-          </p:style>
-        </p:cxnSp>
-        <p:sp>
-          <p:nvSpPr>
-            <p:cNvPr id="271" name="Rectangle 270">
-              <a:extLst>
-                <a:ext uri="{FF2B5EF4-FFF2-40B4-BE49-F238E27FC236}">
-                  <a16:creationId xmlns:a16="http://schemas.microsoft.com/office/drawing/2014/main" id="{19B589F5-BBB0-D746-8E74-A56D2DE737D0}"/>
+                  <a16:creationId xmlns:a16="http://schemas.microsoft.com/office/drawing/2014/main" id="{3F3D2149-6D69-8A40-B3D8-621E5CBC8AAE}"/>
                 </a:ext>
               </a:extLst>
             </p:cNvPr>
@@ -4806,15 +6187,16 @@
           </p:nvSpPr>
           <p:spPr>
             <a:xfrm>
-              <a:off x="624108" y="5038313"/>
-              <a:ext cx="805204" cy="230832"/>
+              <a:off x="3498099" y="3729650"/>
+              <a:ext cx="1001284" cy="276999"/>
             </a:xfrm>
             <a:prstGeom prst="rect">
               <a:avLst/>
             </a:prstGeom>
             <a:solidFill>
-              <a:schemeClr val="bg1">
-                <a:lumMod val="85000"/>
+              <a:schemeClr val="accent1">
+                <a:lumMod val="20000"/>
+                <a:lumOff val="80000"/>
               </a:schemeClr>
             </a:solidFill>
             <a:ln>
@@ -4822,62 +6204,14 @@
             </a:ln>
           </p:spPr>
           <p:txBody>
-            <a:bodyPr wrap="square">
+            <a:bodyPr wrap="square" tIns="0">
               <a:spAutoFit/>
             </a:bodyPr>
             <a:lstStyle/>
             <a:p>
-              <a:pPr algn="ctr"/>
+              <a:pPr algn="r"/>
               <a:r>
-                <a:rPr lang="en-US" sz="900" i="1" dirty="0">
-                  <a:solidFill>
-                    <a:schemeClr val="tx1">
-                      <a:lumMod val="85000"/>
-                      <a:lumOff val="15000"/>
-                    </a:schemeClr>
-                  </a:solidFill>
-                  <a:latin typeface="Arial" panose="020B0604020202020204" pitchFamily="34" charset="0"/>
-                  <a:cs typeface="Arial" panose="020B0604020202020204" pitchFamily="34" charset="0"/>
-                </a:rPr>
-                <a:t>Larvae</a:t>
-              </a:r>
-            </a:p>
-          </p:txBody>
-        </p:sp>
-        <p:sp>
-          <p:nvSpPr>
-            <p:cNvPr id="279" name="Rectangle 278">
-              <a:extLst>
-                <a:ext uri="{FF2B5EF4-FFF2-40B4-BE49-F238E27FC236}">
-                  <a16:creationId xmlns:a16="http://schemas.microsoft.com/office/drawing/2014/main" id="{B086AE53-07ED-3345-B760-86998D5557F7}"/>
-                </a:ext>
-              </a:extLst>
-            </p:cNvPr>
-            <p:cNvSpPr/>
-            <p:nvPr/>
-          </p:nvSpPr>
-          <p:spPr>
-            <a:xfrm rot="16200000">
-              <a:off x="-584645" y="4380415"/>
-              <a:ext cx="2168562" cy="230832"/>
-            </a:xfrm>
-            <a:prstGeom prst="rect">
-              <a:avLst/>
-            </a:prstGeom>
-            <a:noFill/>
-            <a:ln>
-              <a:noFill/>
-            </a:ln>
-          </p:spPr>
-          <p:txBody>
-            <a:bodyPr wrap="square">
-              <a:spAutoFit/>
-            </a:bodyPr>
-            <a:lstStyle/>
-            <a:p>
-              <a:pPr algn="ctr"/>
-              <a:r>
-                <a:rPr lang="en-US" sz="900" i="1" dirty="0">
+                <a:rPr lang="en-US" sz="750" dirty="0">
                   <a:solidFill>
                     <a:schemeClr val="tx1">
                       <a:lumMod val="95000"/>
@@ -4887,590 +6221,13 @@
                   <a:latin typeface="Arial" panose="020B0604020202020204" pitchFamily="34" charset="0"/>
                   <a:cs typeface="Arial" panose="020B0604020202020204" pitchFamily="34" charset="0"/>
                 </a:rPr>
-                <a:t>Environmental conditions </a:t>
+                <a:t>7ºC+high-food</a:t>
               </a:r>
             </a:p>
-          </p:txBody>
-        </p:sp>
-        <p:sp>
-          <p:nvSpPr>
-            <p:cNvPr id="316" name="24 Elipse">
-              <a:extLst>
-                <a:ext uri="{FF2B5EF4-FFF2-40B4-BE49-F238E27FC236}">
-                  <a16:creationId xmlns:a16="http://schemas.microsoft.com/office/drawing/2014/main" id="{7F6C334B-8033-7542-954E-39A0E5CF441D}"/>
-                </a:ext>
-              </a:extLst>
-            </p:cNvPr>
-            <p:cNvSpPr/>
-            <p:nvPr/>
-          </p:nvSpPr>
-          <p:spPr>
-            <a:xfrm>
-              <a:off x="3416146" y="3415516"/>
-              <a:ext cx="85157" cy="85149"/>
-            </a:xfrm>
-            <a:prstGeom prst="ellipse">
-              <a:avLst/>
-            </a:prstGeom>
-            <a:solidFill>
-              <a:schemeClr val="tx1">
-                <a:lumMod val="85000"/>
-                <a:lumOff val="15000"/>
-              </a:schemeClr>
-            </a:solidFill>
-            <a:ln>
-              <a:noFill/>
-            </a:ln>
-          </p:spPr>
-          <p:style>
-            <a:lnRef idx="2">
-              <a:schemeClr val="accent1">
-                <a:shade val="50000"/>
-              </a:schemeClr>
-            </a:lnRef>
-            <a:fillRef idx="1">
-              <a:schemeClr val="accent1"/>
-            </a:fillRef>
-            <a:effectRef idx="0">
-              <a:schemeClr val="accent1"/>
-            </a:effectRef>
-            <a:fontRef idx="minor">
-              <a:schemeClr val="lt1"/>
-            </a:fontRef>
-          </p:style>
-          <p:txBody>
-            <a:bodyPr lIns="68572" tIns="34286" rIns="68572" bIns="34286" rtlCol="0" anchor="ctr"/>
-            <a:lstStyle/>
             <a:p>
-              <a:pPr algn="ctr"/>
-              <a:endParaRPr lang="es-MX" sz="900">
-                <a:solidFill>
-                  <a:schemeClr val="tx1"/>
-                </a:solidFill>
-                <a:latin typeface="Arial" panose="020B0604020202020204" pitchFamily="34" charset="0"/>
-                <a:ea typeface="Segoe UI" panose="020B0502040204020203" pitchFamily="34" charset="0"/>
-                <a:cs typeface="Arial" panose="020B0604020202020204" pitchFamily="34" charset="0"/>
-              </a:endParaRPr>
-            </a:p>
-          </p:txBody>
-        </p:sp>
-        <p:sp>
-          <p:nvSpPr>
-            <p:cNvPr id="337" name="Rectangle 336">
-              <a:extLst>
-                <a:ext uri="{FF2B5EF4-FFF2-40B4-BE49-F238E27FC236}">
-                  <a16:creationId xmlns:a16="http://schemas.microsoft.com/office/drawing/2014/main" id="{7935120D-0A48-9B43-886A-53957514746C}"/>
-                </a:ext>
-              </a:extLst>
-            </p:cNvPr>
-            <p:cNvSpPr/>
-            <p:nvPr/>
-          </p:nvSpPr>
-          <p:spPr>
-            <a:xfrm rot="16200000">
-              <a:off x="41890" y="2471508"/>
-              <a:ext cx="1095237" cy="215444"/>
-            </a:xfrm>
-            <a:prstGeom prst="rect">
-              <a:avLst/>
-            </a:prstGeom>
-            <a:noFill/>
-            <a:ln>
-              <a:noFill/>
-            </a:ln>
-          </p:spPr>
-          <p:txBody>
-            <a:bodyPr wrap="square">
-              <a:spAutoFit/>
-            </a:bodyPr>
-            <a:lstStyle/>
-            <a:p>
-              <a:pPr algn="ctr"/>
+              <a:pPr algn="r"/>
               <a:r>
-                <a:rPr lang="en-US" sz="800" b="1" dirty="0">
-                  <a:solidFill>
-                    <a:schemeClr val="tx1">
-                      <a:lumMod val="85000"/>
-                      <a:lumOff val="15000"/>
-                    </a:schemeClr>
-                  </a:solidFill>
-                  <a:latin typeface="Arial" panose="020B0604020202020204" pitchFamily="34" charset="0"/>
-                  <a:cs typeface="Arial" panose="020B0604020202020204" pitchFamily="34" charset="0"/>
-                </a:rPr>
-                <a:t>November  6, 2017</a:t>
-              </a:r>
-            </a:p>
-          </p:txBody>
-        </p:sp>
-        <p:sp>
-          <p:nvSpPr>
-            <p:cNvPr id="350" name="Rectangle 349">
-              <a:extLst>
-                <a:ext uri="{FF2B5EF4-FFF2-40B4-BE49-F238E27FC236}">
-                  <a16:creationId xmlns:a16="http://schemas.microsoft.com/office/drawing/2014/main" id="{ABF45771-DFEB-5149-9D12-EC4B800667DE}"/>
-                </a:ext>
-              </a:extLst>
-            </p:cNvPr>
-            <p:cNvSpPr/>
-            <p:nvPr/>
-          </p:nvSpPr>
-          <p:spPr>
-            <a:xfrm rot="16200000">
-              <a:off x="800069" y="2471863"/>
-              <a:ext cx="1061264" cy="215444"/>
-            </a:xfrm>
-            <a:prstGeom prst="rect">
-              <a:avLst/>
-            </a:prstGeom>
-            <a:noFill/>
-            <a:ln>
-              <a:noFill/>
-            </a:ln>
-          </p:spPr>
-          <p:txBody>
-            <a:bodyPr wrap="square">
-              <a:spAutoFit/>
-            </a:bodyPr>
-            <a:lstStyle/>
-            <a:p>
-              <a:pPr algn="ctr"/>
-              <a:r>
-                <a:rPr lang="en-US" sz="800" b="1" dirty="0">
-                  <a:solidFill>
-                    <a:schemeClr val="tx1">
-                      <a:lumMod val="85000"/>
-                      <a:lumOff val="15000"/>
-                    </a:schemeClr>
-                  </a:solidFill>
-                  <a:latin typeface="Arial" panose="020B0604020202020204" pitchFamily="34" charset="0"/>
-                  <a:cs typeface="Arial" panose="020B0604020202020204" pitchFamily="34" charset="0"/>
-                </a:rPr>
-                <a:t>December 8, 2018</a:t>
-              </a:r>
-            </a:p>
-          </p:txBody>
-        </p:sp>
-        <p:sp>
-          <p:nvSpPr>
-            <p:cNvPr id="351" name="Rectangle 350">
-              <a:extLst>
-                <a:ext uri="{FF2B5EF4-FFF2-40B4-BE49-F238E27FC236}">
-                  <a16:creationId xmlns:a16="http://schemas.microsoft.com/office/drawing/2014/main" id="{9F003532-8309-034C-9B46-50513F247E68}"/>
-                </a:ext>
-              </a:extLst>
-            </p:cNvPr>
-            <p:cNvSpPr/>
-            <p:nvPr/>
-          </p:nvSpPr>
-          <p:spPr>
-            <a:xfrm rot="16200000">
-              <a:off x="1943162" y="2454350"/>
-              <a:ext cx="1039836" cy="215444"/>
-            </a:xfrm>
-            <a:prstGeom prst="rect">
-              <a:avLst/>
-            </a:prstGeom>
-            <a:noFill/>
-            <a:ln>
-              <a:noFill/>
-            </a:ln>
-          </p:spPr>
-          <p:txBody>
-            <a:bodyPr wrap="square">
-              <a:spAutoFit/>
-            </a:bodyPr>
-            <a:lstStyle/>
-            <a:p>
-              <a:pPr algn="ctr"/>
-              <a:r>
-                <a:rPr lang="en-US" sz="800" b="1" dirty="0">
-                  <a:solidFill>
-                    <a:schemeClr val="tx1">
-                      <a:lumMod val="85000"/>
-                      <a:lumOff val="15000"/>
-                    </a:schemeClr>
-                  </a:solidFill>
-                  <a:latin typeface="Arial" panose="020B0604020202020204" pitchFamily="34" charset="0"/>
-                  <a:cs typeface="Arial" panose="020B0604020202020204" pitchFamily="34" charset="0"/>
-                </a:rPr>
-                <a:t>January 24, 2018</a:t>
-              </a:r>
-            </a:p>
-          </p:txBody>
-        </p:sp>
-        <p:sp>
-          <p:nvSpPr>
-            <p:cNvPr id="363" name="24 Elipse">
-              <a:extLst>
-                <a:ext uri="{FF2B5EF4-FFF2-40B4-BE49-F238E27FC236}">
-                  <a16:creationId xmlns:a16="http://schemas.microsoft.com/office/drawing/2014/main" id="{371590CC-5310-6749-8C12-2EAC7A9DC300}"/>
-                </a:ext>
-              </a:extLst>
-            </p:cNvPr>
-            <p:cNvSpPr/>
-            <p:nvPr/>
-          </p:nvSpPr>
-          <p:spPr>
-            <a:xfrm>
-              <a:off x="629262" y="3419262"/>
-              <a:ext cx="85157" cy="85149"/>
-            </a:xfrm>
-            <a:prstGeom prst="ellipse">
-              <a:avLst/>
-            </a:prstGeom>
-            <a:solidFill>
-              <a:schemeClr val="tx1">
-                <a:lumMod val="85000"/>
-                <a:lumOff val="15000"/>
-              </a:schemeClr>
-            </a:solidFill>
-            <a:ln>
-              <a:noFill/>
-            </a:ln>
-          </p:spPr>
-          <p:style>
-            <a:lnRef idx="2">
-              <a:schemeClr val="accent1">
-                <a:shade val="50000"/>
-              </a:schemeClr>
-            </a:lnRef>
-            <a:fillRef idx="1">
-              <a:schemeClr val="accent1"/>
-            </a:fillRef>
-            <a:effectRef idx="0">
-              <a:schemeClr val="accent1"/>
-            </a:effectRef>
-            <a:fontRef idx="minor">
-              <a:schemeClr val="lt1"/>
-            </a:fontRef>
-          </p:style>
-          <p:txBody>
-            <a:bodyPr lIns="68572" tIns="34286" rIns="68572" bIns="34286" rtlCol="0" anchor="ctr"/>
-            <a:lstStyle/>
-            <a:p>
-              <a:pPr algn="ctr"/>
-              <a:endParaRPr lang="es-MX" sz="900">
-                <a:solidFill>
-                  <a:schemeClr val="tx1"/>
-                </a:solidFill>
-                <a:latin typeface="Arial" panose="020B0604020202020204" pitchFamily="34" charset="0"/>
-                <a:ea typeface="Segoe UI" panose="020B0502040204020203" pitchFamily="34" charset="0"/>
-                <a:cs typeface="Arial" panose="020B0604020202020204" pitchFamily="34" charset="0"/>
-              </a:endParaRPr>
-            </a:p>
-          </p:txBody>
-        </p:sp>
-        <p:sp>
-          <p:nvSpPr>
-            <p:cNvPr id="369" name="24 Elipse">
-              <a:extLst>
-                <a:ext uri="{FF2B5EF4-FFF2-40B4-BE49-F238E27FC236}">
-                  <a16:creationId xmlns:a16="http://schemas.microsoft.com/office/drawing/2014/main" id="{70E89508-788A-8F4F-88FE-87799C42A0E3}"/>
-                </a:ext>
-              </a:extLst>
-            </p:cNvPr>
-            <p:cNvSpPr/>
-            <p:nvPr/>
-          </p:nvSpPr>
-          <p:spPr>
-            <a:xfrm>
-              <a:off x="1364251" y="3422766"/>
-              <a:ext cx="85157" cy="85149"/>
-            </a:xfrm>
-            <a:prstGeom prst="ellipse">
-              <a:avLst/>
-            </a:prstGeom>
-            <a:solidFill>
-              <a:schemeClr val="tx1">
-                <a:lumMod val="85000"/>
-                <a:lumOff val="15000"/>
-              </a:schemeClr>
-            </a:solidFill>
-            <a:ln>
-              <a:noFill/>
-            </a:ln>
-          </p:spPr>
-          <p:style>
-            <a:lnRef idx="2">
-              <a:schemeClr val="accent1">
-                <a:shade val="50000"/>
-              </a:schemeClr>
-            </a:lnRef>
-            <a:fillRef idx="1">
-              <a:schemeClr val="accent1"/>
-            </a:fillRef>
-            <a:effectRef idx="0">
-              <a:schemeClr val="accent1"/>
-            </a:effectRef>
-            <a:fontRef idx="minor">
-              <a:schemeClr val="lt1"/>
-            </a:fontRef>
-          </p:style>
-          <p:txBody>
-            <a:bodyPr lIns="68572" tIns="34286" rIns="68572" bIns="34286" rtlCol="0" anchor="ctr"/>
-            <a:lstStyle/>
-            <a:p>
-              <a:pPr algn="ctr"/>
-              <a:endParaRPr lang="es-MX" sz="900">
-                <a:solidFill>
-                  <a:schemeClr val="tx1"/>
-                </a:solidFill>
-                <a:latin typeface="Arial" panose="020B0604020202020204" pitchFamily="34" charset="0"/>
-                <a:ea typeface="Segoe UI" panose="020B0502040204020203" pitchFamily="34" charset="0"/>
-                <a:cs typeface="Arial" panose="020B0604020202020204" pitchFamily="34" charset="0"/>
-              </a:endParaRPr>
-            </a:p>
-          </p:txBody>
-        </p:sp>
-        <p:sp>
-          <p:nvSpPr>
-            <p:cNvPr id="371" name="24 Elipse">
-              <a:extLst>
-                <a:ext uri="{FF2B5EF4-FFF2-40B4-BE49-F238E27FC236}">
-                  <a16:creationId xmlns:a16="http://schemas.microsoft.com/office/drawing/2014/main" id="{CA8F0316-D2C2-1F4F-A8FE-B4459CE135F3}"/>
-                </a:ext>
-              </a:extLst>
-            </p:cNvPr>
-            <p:cNvSpPr/>
-            <p:nvPr/>
-          </p:nvSpPr>
-          <p:spPr>
-            <a:xfrm>
-              <a:off x="2493616" y="3415320"/>
-              <a:ext cx="85157" cy="85149"/>
-            </a:xfrm>
-            <a:prstGeom prst="ellipse">
-              <a:avLst/>
-            </a:prstGeom>
-            <a:solidFill>
-              <a:schemeClr val="tx1">
-                <a:lumMod val="85000"/>
-                <a:lumOff val="15000"/>
-              </a:schemeClr>
-            </a:solidFill>
-            <a:ln>
-              <a:noFill/>
-            </a:ln>
-          </p:spPr>
-          <p:style>
-            <a:lnRef idx="2">
-              <a:schemeClr val="accent1">
-                <a:shade val="50000"/>
-              </a:schemeClr>
-            </a:lnRef>
-            <a:fillRef idx="1">
-              <a:schemeClr val="accent1"/>
-            </a:fillRef>
-            <a:effectRef idx="0">
-              <a:schemeClr val="accent1"/>
-            </a:effectRef>
-            <a:fontRef idx="minor">
-              <a:schemeClr val="lt1"/>
-            </a:fontRef>
-          </p:style>
-          <p:txBody>
-            <a:bodyPr lIns="68572" tIns="34286" rIns="68572" bIns="34286" rtlCol="0" anchor="ctr"/>
-            <a:lstStyle/>
-            <a:p>
-              <a:pPr algn="ctr"/>
-              <a:endParaRPr lang="es-MX" sz="900">
-                <a:solidFill>
-                  <a:schemeClr val="tx1"/>
-                </a:solidFill>
-                <a:latin typeface="Arial" panose="020B0604020202020204" pitchFamily="34" charset="0"/>
-                <a:ea typeface="Segoe UI" panose="020B0502040204020203" pitchFamily="34" charset="0"/>
-                <a:cs typeface="Arial" panose="020B0604020202020204" pitchFamily="34" charset="0"/>
-              </a:endParaRPr>
-            </a:p>
-          </p:txBody>
-        </p:sp>
-        <p:sp>
-          <p:nvSpPr>
-            <p:cNvPr id="373" name="Rectangle 372">
-              <a:extLst>
-                <a:ext uri="{FF2B5EF4-FFF2-40B4-BE49-F238E27FC236}">
-                  <a16:creationId xmlns:a16="http://schemas.microsoft.com/office/drawing/2014/main" id="{E6F8D0A8-5705-694F-9134-822685FD564C}"/>
-                </a:ext>
-              </a:extLst>
-            </p:cNvPr>
-            <p:cNvSpPr/>
-            <p:nvPr/>
-          </p:nvSpPr>
-          <p:spPr>
-            <a:xfrm rot="16200000">
-              <a:off x="2851024" y="2470263"/>
-              <a:ext cx="1060855" cy="215444"/>
-            </a:xfrm>
-            <a:prstGeom prst="rect">
-              <a:avLst/>
-            </a:prstGeom>
-            <a:noFill/>
-            <a:ln>
-              <a:noFill/>
-            </a:ln>
-          </p:spPr>
-          <p:txBody>
-            <a:bodyPr wrap="square">
-              <a:spAutoFit/>
-            </a:bodyPr>
-            <a:lstStyle/>
-            <a:p>
-              <a:pPr algn="ctr"/>
-              <a:r>
-                <a:rPr lang="en-US" sz="800" b="1" dirty="0">
-                  <a:solidFill>
-                    <a:schemeClr val="tx1">
-                      <a:lumMod val="85000"/>
-                      <a:lumOff val="15000"/>
-                    </a:schemeClr>
-                  </a:solidFill>
-                  <a:latin typeface="Arial" panose="020B0604020202020204" pitchFamily="34" charset="0"/>
-                  <a:cs typeface="Arial" panose="020B0604020202020204" pitchFamily="34" charset="0"/>
-                </a:rPr>
-                <a:t>February 28, 2018</a:t>
-              </a:r>
-            </a:p>
-          </p:txBody>
-        </p:sp>
-        <p:sp>
-          <p:nvSpPr>
-            <p:cNvPr id="437" name="Rectangle 436">
-              <a:extLst>
-                <a:ext uri="{FF2B5EF4-FFF2-40B4-BE49-F238E27FC236}">
-                  <a16:creationId xmlns:a16="http://schemas.microsoft.com/office/drawing/2014/main" id="{C76A8B28-467A-4C4E-B595-55E5005695CE}"/>
-                </a:ext>
-              </a:extLst>
-            </p:cNvPr>
-            <p:cNvSpPr/>
-            <p:nvPr/>
-          </p:nvSpPr>
-          <p:spPr>
-            <a:xfrm rot="16200000">
-              <a:off x="3717059" y="2375816"/>
-              <a:ext cx="1060856" cy="215444"/>
-            </a:xfrm>
-            <a:prstGeom prst="rect">
-              <a:avLst/>
-            </a:prstGeom>
-            <a:noFill/>
-            <a:ln>
-              <a:noFill/>
-            </a:ln>
-          </p:spPr>
-          <p:txBody>
-            <a:bodyPr wrap="square">
-              <a:spAutoFit/>
-            </a:bodyPr>
-            <a:lstStyle/>
-            <a:p>
-              <a:pPr algn="ctr"/>
-              <a:r>
-                <a:rPr lang="en-US" sz="800" b="1" dirty="0">
-                  <a:solidFill>
-                    <a:schemeClr val="tx1">
-                      <a:lumMod val="85000"/>
-                      <a:lumOff val="15000"/>
-                    </a:schemeClr>
-                  </a:solidFill>
-                  <a:latin typeface="Arial" panose="020B0604020202020204" pitchFamily="34" charset="0"/>
-                  <a:cs typeface="Arial" panose="020B0604020202020204" pitchFamily="34" charset="0"/>
-                </a:rPr>
-                <a:t>March 30, 2018</a:t>
-              </a:r>
-            </a:p>
-          </p:txBody>
-        </p:sp>
-        <p:sp>
-          <p:nvSpPr>
-            <p:cNvPr id="438" name="24 Elipse">
-              <a:extLst>
-                <a:ext uri="{FF2B5EF4-FFF2-40B4-BE49-F238E27FC236}">
-                  <a16:creationId xmlns:a16="http://schemas.microsoft.com/office/drawing/2014/main" id="{4E38BD6F-76F2-9D44-B101-DD631AE41AEE}"/>
-                </a:ext>
-              </a:extLst>
-            </p:cNvPr>
-            <p:cNvSpPr/>
-            <p:nvPr/>
-          </p:nvSpPr>
-          <p:spPr>
-            <a:xfrm>
-              <a:off x="4292136" y="3407574"/>
-              <a:ext cx="85157" cy="85149"/>
-            </a:xfrm>
-            <a:prstGeom prst="ellipse">
-              <a:avLst/>
-            </a:prstGeom>
-            <a:solidFill>
-              <a:schemeClr val="tx1">
-                <a:lumMod val="85000"/>
-                <a:lumOff val="15000"/>
-              </a:schemeClr>
-            </a:solidFill>
-            <a:ln>
-              <a:noFill/>
-            </a:ln>
-          </p:spPr>
-          <p:style>
-            <a:lnRef idx="2">
-              <a:schemeClr val="accent1">
-                <a:shade val="50000"/>
-              </a:schemeClr>
-            </a:lnRef>
-            <a:fillRef idx="1">
-              <a:schemeClr val="accent1"/>
-            </a:fillRef>
-            <a:effectRef idx="0">
-              <a:schemeClr val="accent1"/>
-            </a:effectRef>
-            <a:fontRef idx="minor">
-              <a:schemeClr val="lt1"/>
-            </a:fontRef>
-          </p:style>
-          <p:txBody>
-            <a:bodyPr lIns="68572" tIns="34286" rIns="68572" bIns="34286" rtlCol="0" anchor="ctr"/>
-            <a:lstStyle/>
-            <a:p>
-              <a:pPr algn="ctr"/>
-              <a:endParaRPr lang="es-MX" sz="900">
-                <a:solidFill>
-                  <a:schemeClr val="tx1"/>
-                </a:solidFill>
-                <a:latin typeface="Arial" panose="020B0604020202020204" pitchFamily="34" charset="0"/>
-                <a:ea typeface="Segoe UI" panose="020B0502040204020203" pitchFamily="34" charset="0"/>
-                <a:cs typeface="Arial" panose="020B0604020202020204" pitchFamily="34" charset="0"/>
-              </a:endParaRPr>
-            </a:p>
-          </p:txBody>
-        </p:sp>
-        <p:sp>
-          <p:nvSpPr>
-            <p:cNvPr id="439" name="Rectangle 438">
-              <a:extLst>
-                <a:ext uri="{FF2B5EF4-FFF2-40B4-BE49-F238E27FC236}">
-                  <a16:creationId xmlns:a16="http://schemas.microsoft.com/office/drawing/2014/main" id="{3E0BCB37-09C8-8245-A034-624B8A22E1AF}"/>
-                </a:ext>
-              </a:extLst>
-            </p:cNvPr>
-            <p:cNvSpPr/>
-            <p:nvPr/>
-          </p:nvSpPr>
-          <p:spPr>
-            <a:xfrm>
-              <a:off x="4288827" y="1743254"/>
-              <a:ext cx="838946" cy="584775"/>
-            </a:xfrm>
-            <a:prstGeom prst="rect">
-              <a:avLst/>
-            </a:prstGeom>
-          </p:spPr>
-          <p:txBody>
-            <a:bodyPr wrap="square">
-              <a:spAutoFit/>
-            </a:bodyPr>
-            <a:lstStyle/>
-            <a:p>
-              <a:r>
-                <a:rPr lang="en-US" sz="800" dirty="0">
+                <a:rPr lang="en-US" sz="750" dirty="0">
                   <a:solidFill>
                     <a:schemeClr val="tx1">
                       <a:lumMod val="95000"/>
@@ -5480,1261 +6237,55 @@
                   <a:latin typeface="Arial" panose="020B0604020202020204" pitchFamily="34" charset="0"/>
                   <a:cs typeface="Arial" panose="020B0604020202020204" pitchFamily="34" charset="0"/>
                 </a:rPr>
-                <a:t>Larval rearing begins </a:t>
-              </a:r>
-            </a:p>
-            <a:p>
-              <a:r>
-                <a:rPr lang="en-US" sz="800" dirty="0">
-                  <a:solidFill>
-                    <a:schemeClr val="tx1">
-                      <a:lumMod val="95000"/>
-                      <a:lumOff val="5000"/>
-                    </a:schemeClr>
-                  </a:solidFill>
-                  <a:latin typeface="Arial" panose="020B0604020202020204" pitchFamily="34" charset="0"/>
-                  <a:cs typeface="Arial" panose="020B0604020202020204" pitchFamily="34" charset="0"/>
-                </a:rPr>
-                <a:t>(12-week trial only)</a:t>
-              </a:r>
-            </a:p>
-          </p:txBody>
-        </p:sp>
-        <p:cxnSp>
-          <p:nvCxnSpPr>
-            <p:cNvPr id="455" name="40 Conector recto">
-              <a:extLst>
-                <a:ext uri="{FF2B5EF4-FFF2-40B4-BE49-F238E27FC236}">
-                  <a16:creationId xmlns:a16="http://schemas.microsoft.com/office/drawing/2014/main" id="{B2632ED2-F000-F248-B6DA-725A768D53AE}"/>
-                </a:ext>
-              </a:extLst>
-            </p:cNvPr>
-            <p:cNvCxnSpPr>
-              <a:cxnSpLocks/>
-            </p:cNvCxnSpPr>
-            <p:nvPr/>
-          </p:nvCxnSpPr>
-          <p:spPr>
-            <a:xfrm flipV="1">
-              <a:off x="5045566" y="2200451"/>
-              <a:ext cx="0" cy="1203148"/>
-            </a:xfrm>
-            <a:prstGeom prst="line">
-              <a:avLst/>
-            </a:prstGeom>
-            <a:ln w="12700">
-              <a:solidFill>
-                <a:schemeClr val="tx1">
-                  <a:lumMod val="65000"/>
-                  <a:lumOff val="35000"/>
-                </a:schemeClr>
-              </a:solidFill>
-            </a:ln>
-          </p:spPr>
-          <p:style>
-            <a:lnRef idx="1">
-              <a:schemeClr val="accent1"/>
-            </a:lnRef>
-            <a:fillRef idx="0">
-              <a:schemeClr val="accent1"/>
-            </a:fillRef>
-            <a:effectRef idx="0">
-              <a:schemeClr val="accent1"/>
-            </a:effectRef>
-            <a:fontRef idx="minor">
-              <a:schemeClr val="tx1"/>
-            </a:fontRef>
-          </p:style>
-        </p:cxnSp>
-        <p:sp>
-          <p:nvSpPr>
-            <p:cNvPr id="456" name="24 Elipse">
-              <a:extLst>
-                <a:ext uri="{FF2B5EF4-FFF2-40B4-BE49-F238E27FC236}">
-                  <a16:creationId xmlns:a16="http://schemas.microsoft.com/office/drawing/2014/main" id="{355874A9-B580-BC41-8224-27DDA81CA85E}"/>
-                </a:ext>
-              </a:extLst>
-            </p:cNvPr>
-            <p:cNvSpPr/>
-            <p:nvPr/>
-          </p:nvSpPr>
-          <p:spPr>
-            <a:xfrm>
-              <a:off x="5002987" y="3403599"/>
-              <a:ext cx="85157" cy="85149"/>
-            </a:xfrm>
-            <a:prstGeom prst="ellipse">
-              <a:avLst/>
-            </a:prstGeom>
-            <a:solidFill>
-              <a:schemeClr val="tx1">
-                <a:lumMod val="85000"/>
-                <a:lumOff val="15000"/>
-              </a:schemeClr>
-            </a:solidFill>
-            <a:ln>
-              <a:noFill/>
-            </a:ln>
-          </p:spPr>
-          <p:style>
-            <a:lnRef idx="2">
-              <a:schemeClr val="accent1">
-                <a:shade val="50000"/>
-              </a:schemeClr>
-            </a:lnRef>
-            <a:fillRef idx="1">
-              <a:schemeClr val="accent1"/>
-            </a:fillRef>
-            <a:effectRef idx="0">
-              <a:schemeClr val="accent1"/>
-            </a:effectRef>
-            <a:fontRef idx="minor">
-              <a:schemeClr val="lt1"/>
-            </a:fontRef>
-          </p:style>
-          <p:txBody>
-            <a:bodyPr lIns="68572" tIns="34286" rIns="68572" bIns="34286" rtlCol="0" anchor="ctr"/>
-            <a:lstStyle/>
-            <a:p>
-              <a:pPr algn="ctr"/>
-              <a:endParaRPr lang="es-MX" sz="900">
-                <a:solidFill>
-                  <a:schemeClr val="tx1"/>
-                </a:solidFill>
-                <a:latin typeface="Arial" panose="020B0604020202020204" pitchFamily="34" charset="0"/>
-                <a:ea typeface="Segoe UI" panose="020B0502040204020203" pitchFamily="34" charset="0"/>
-                <a:cs typeface="Arial" panose="020B0604020202020204" pitchFamily="34" charset="0"/>
-              </a:endParaRPr>
-            </a:p>
-          </p:txBody>
-        </p:sp>
-        <p:sp>
-          <p:nvSpPr>
-            <p:cNvPr id="457" name="Rectangle 456">
-              <a:extLst>
-                <a:ext uri="{FF2B5EF4-FFF2-40B4-BE49-F238E27FC236}">
-                  <a16:creationId xmlns:a16="http://schemas.microsoft.com/office/drawing/2014/main" id="{510EE2CD-46B7-CD43-A0BB-77E21038F195}"/>
-                </a:ext>
-              </a:extLst>
-            </p:cNvPr>
-            <p:cNvSpPr/>
-            <p:nvPr/>
-          </p:nvSpPr>
-          <p:spPr>
-            <a:xfrm>
-              <a:off x="4999035" y="2155355"/>
-              <a:ext cx="911715" cy="830997"/>
-            </a:xfrm>
-            <a:prstGeom prst="rect">
-              <a:avLst/>
-            </a:prstGeom>
-          </p:spPr>
-          <p:txBody>
-            <a:bodyPr wrap="square">
-              <a:spAutoFit/>
-            </a:bodyPr>
-            <a:lstStyle/>
-            <a:p>
-              <a:r>
-                <a:rPr lang="en-US" sz="800" dirty="0">
-                  <a:solidFill>
-                    <a:schemeClr val="tx1">
-                      <a:lumMod val="95000"/>
-                      <a:lumOff val="5000"/>
-                    </a:schemeClr>
-                  </a:solidFill>
-                  <a:latin typeface="Arial" panose="020B0604020202020204" pitchFamily="34" charset="0"/>
-                  <a:cs typeface="Arial" panose="020B0604020202020204" pitchFamily="34" charset="0"/>
-                </a:rPr>
-                <a:t>Last larval pulse collected to rear </a:t>
-              </a:r>
-            </a:p>
-            <a:p>
-              <a:endParaRPr lang="en-US" sz="800" dirty="0">
-                <a:solidFill>
-                  <a:schemeClr val="tx1">
-                    <a:lumMod val="95000"/>
-                    <a:lumOff val="5000"/>
-                  </a:schemeClr>
-                </a:solidFill>
-                <a:latin typeface="Arial" panose="020B0604020202020204" pitchFamily="34" charset="0"/>
-                <a:cs typeface="Arial" panose="020B0604020202020204" pitchFamily="34" charset="0"/>
-              </a:endParaRPr>
-            </a:p>
-            <a:p>
-              <a:r>
-                <a:rPr lang="en-US" sz="800" dirty="0">
-                  <a:solidFill>
-                    <a:schemeClr val="tx1">
-                      <a:lumMod val="95000"/>
-                      <a:lumOff val="5000"/>
-                    </a:schemeClr>
-                  </a:solidFill>
-                  <a:latin typeface="Arial" panose="020B0604020202020204" pitchFamily="34" charset="0"/>
-                  <a:cs typeface="Arial" panose="020B0604020202020204" pitchFamily="34" charset="0"/>
-                </a:rPr>
-                <a:t>(n=12 per treat. </a:t>
-              </a:r>
-            </a:p>
-            <a:p>
-              <a:r>
-                <a:rPr lang="en-US" sz="800" dirty="0">
-                  <a:solidFill>
-                    <a:schemeClr val="tx1">
-                      <a:lumMod val="95000"/>
-                      <a:lumOff val="5000"/>
-                    </a:schemeClr>
-                  </a:solidFill>
-                  <a:latin typeface="Arial" panose="020B0604020202020204" pitchFamily="34" charset="0"/>
-                  <a:cs typeface="Arial" panose="020B0604020202020204" pitchFamily="34" charset="0"/>
-                </a:rPr>
-                <a:t>48 total)</a:t>
-              </a:r>
-            </a:p>
-          </p:txBody>
-        </p:sp>
-        <p:sp>
-          <p:nvSpPr>
-            <p:cNvPr id="458" name="Rectangle 457">
-              <a:extLst>
-                <a:ext uri="{FF2B5EF4-FFF2-40B4-BE49-F238E27FC236}">
-                  <a16:creationId xmlns:a16="http://schemas.microsoft.com/office/drawing/2014/main" id="{4F0AB9EF-20D7-214F-A62D-8D66DF1A4CC5}"/>
-                </a:ext>
-              </a:extLst>
-            </p:cNvPr>
-            <p:cNvSpPr/>
-            <p:nvPr/>
-          </p:nvSpPr>
-          <p:spPr>
-            <a:xfrm rot="16200000">
-              <a:off x="4480707" y="2447479"/>
-              <a:ext cx="963264" cy="215444"/>
-            </a:xfrm>
-            <a:prstGeom prst="rect">
-              <a:avLst/>
-            </a:prstGeom>
-            <a:noFill/>
-            <a:ln>
-              <a:noFill/>
-            </a:ln>
-          </p:spPr>
-          <p:txBody>
-            <a:bodyPr wrap="square">
-              <a:spAutoFit/>
-            </a:bodyPr>
-            <a:lstStyle/>
-            <a:p>
-              <a:pPr algn="ctr"/>
-              <a:r>
-                <a:rPr lang="en-US" sz="800" b="1" dirty="0">
-                  <a:solidFill>
-                    <a:schemeClr val="tx1">
-                      <a:lumMod val="85000"/>
-                      <a:lumOff val="15000"/>
-                    </a:schemeClr>
-                  </a:solidFill>
-                  <a:latin typeface="Arial" panose="020B0604020202020204" pitchFamily="34" charset="0"/>
-                  <a:cs typeface="Arial" panose="020B0604020202020204" pitchFamily="34" charset="0"/>
-                </a:rPr>
-                <a:t>April 19, 2018</a:t>
-              </a:r>
-            </a:p>
-          </p:txBody>
-        </p:sp>
-        <p:sp>
-          <p:nvSpPr>
-            <p:cNvPr id="481" name="Rectangle 480">
-              <a:extLst>
-                <a:ext uri="{FF2B5EF4-FFF2-40B4-BE49-F238E27FC236}">
-                  <a16:creationId xmlns:a16="http://schemas.microsoft.com/office/drawing/2014/main" id="{30E7EDBE-6E2C-1C43-A6EC-27BAAAC56E58}"/>
-                </a:ext>
-              </a:extLst>
-            </p:cNvPr>
-            <p:cNvSpPr/>
-            <p:nvPr/>
-          </p:nvSpPr>
-          <p:spPr>
-            <a:xfrm>
-              <a:off x="3402327" y="2085743"/>
-              <a:ext cx="665492" cy="707886"/>
-            </a:xfrm>
-            <a:prstGeom prst="rect">
-              <a:avLst/>
-            </a:prstGeom>
-          </p:spPr>
-          <p:txBody>
-            <a:bodyPr wrap="square">
-              <a:spAutoFit/>
-            </a:bodyPr>
-            <a:lstStyle/>
-            <a:p>
-              <a:r>
-                <a:rPr lang="en-US" sz="800" dirty="0">
-                  <a:solidFill>
-                    <a:schemeClr val="tx1">
-                      <a:lumMod val="95000"/>
-                      <a:lumOff val="5000"/>
-                    </a:schemeClr>
-                  </a:solidFill>
-                  <a:latin typeface="Arial" panose="020B0604020202020204" pitchFamily="34" charset="0"/>
-                  <a:cs typeface="Arial" panose="020B0604020202020204" pitchFamily="34" charset="0"/>
-                </a:rPr>
-                <a:t>12-week exposure ends, spawning begins</a:t>
-              </a:r>
-            </a:p>
-          </p:txBody>
-        </p:sp>
-        <p:cxnSp>
-          <p:nvCxnSpPr>
-            <p:cNvPr id="494" name="40 Conector recto">
-              <a:extLst>
-                <a:ext uri="{FF2B5EF4-FFF2-40B4-BE49-F238E27FC236}">
-                  <a16:creationId xmlns:a16="http://schemas.microsoft.com/office/drawing/2014/main" id="{E652EB38-2288-0045-A577-8774720DAEBF}"/>
-                </a:ext>
-              </a:extLst>
-            </p:cNvPr>
-            <p:cNvCxnSpPr>
-              <a:cxnSpLocks/>
-            </p:cNvCxnSpPr>
-            <p:nvPr/>
-          </p:nvCxnSpPr>
-          <p:spPr>
-            <a:xfrm flipV="1">
-              <a:off x="6161523" y="2500756"/>
-              <a:ext cx="14494" cy="908096"/>
-            </a:xfrm>
-            <a:prstGeom prst="line">
-              <a:avLst/>
-            </a:prstGeom>
-            <a:ln w="12700">
-              <a:solidFill>
-                <a:schemeClr val="tx1">
-                  <a:lumMod val="65000"/>
-                  <a:lumOff val="35000"/>
-                </a:schemeClr>
-              </a:solidFill>
-            </a:ln>
-          </p:spPr>
-          <p:style>
-            <a:lnRef idx="1">
-              <a:schemeClr val="accent1"/>
-            </a:lnRef>
-            <a:fillRef idx="0">
-              <a:schemeClr val="accent1"/>
-            </a:fillRef>
-            <a:effectRef idx="0">
-              <a:schemeClr val="accent1"/>
-            </a:effectRef>
-            <a:fontRef idx="minor">
-              <a:schemeClr val="tx1"/>
-            </a:fontRef>
-          </p:style>
-        </p:cxnSp>
-        <p:sp>
-          <p:nvSpPr>
-            <p:cNvPr id="495" name="Rectangle 494">
-              <a:extLst>
-                <a:ext uri="{FF2B5EF4-FFF2-40B4-BE49-F238E27FC236}">
-                  <a16:creationId xmlns:a16="http://schemas.microsoft.com/office/drawing/2014/main" id="{5B2CEB1E-2C3A-F74B-9AEB-32ABFAA5674B}"/>
-                </a:ext>
-              </a:extLst>
-            </p:cNvPr>
-            <p:cNvSpPr/>
-            <p:nvPr/>
-          </p:nvSpPr>
-          <p:spPr>
-            <a:xfrm rot="16200000">
-              <a:off x="5589227" y="2724015"/>
-              <a:ext cx="1007415" cy="215444"/>
-            </a:xfrm>
-            <a:prstGeom prst="rect">
-              <a:avLst/>
-            </a:prstGeom>
-            <a:noFill/>
-            <a:ln>
-              <a:noFill/>
-            </a:ln>
-          </p:spPr>
-          <p:txBody>
-            <a:bodyPr wrap="square">
-              <a:spAutoFit/>
-            </a:bodyPr>
-            <a:lstStyle/>
-            <a:p>
-              <a:pPr algn="ctr"/>
-              <a:r>
-                <a:rPr lang="en-US" sz="800" b="1" dirty="0">
-                  <a:solidFill>
-                    <a:schemeClr val="tx1">
-                      <a:lumMod val="85000"/>
-                      <a:lumOff val="15000"/>
-                    </a:schemeClr>
-                  </a:solidFill>
-                  <a:latin typeface="Arial" panose="020B0604020202020204" pitchFamily="34" charset="0"/>
-                  <a:cs typeface="Arial" panose="020B0604020202020204" pitchFamily="34" charset="0"/>
-                </a:rPr>
-                <a:t>May - June 2018</a:t>
-              </a:r>
-            </a:p>
-          </p:txBody>
-        </p:sp>
-        <p:sp>
-          <p:nvSpPr>
-            <p:cNvPr id="496" name="24 Elipse">
-              <a:extLst>
-                <a:ext uri="{FF2B5EF4-FFF2-40B4-BE49-F238E27FC236}">
-                  <a16:creationId xmlns:a16="http://schemas.microsoft.com/office/drawing/2014/main" id="{58E9C3F3-04B8-EF43-A82D-BBC3C6EDC13D}"/>
-                </a:ext>
-              </a:extLst>
-            </p:cNvPr>
-            <p:cNvSpPr/>
-            <p:nvPr/>
-          </p:nvSpPr>
-          <p:spPr>
-            <a:xfrm>
-              <a:off x="6123471" y="3408852"/>
-              <a:ext cx="85157" cy="85149"/>
-            </a:xfrm>
-            <a:prstGeom prst="ellipse">
-              <a:avLst/>
-            </a:prstGeom>
-            <a:solidFill>
-              <a:schemeClr val="tx1">
-                <a:lumMod val="85000"/>
-                <a:lumOff val="15000"/>
-              </a:schemeClr>
-            </a:solidFill>
-            <a:ln>
-              <a:noFill/>
-            </a:ln>
-          </p:spPr>
-          <p:style>
-            <a:lnRef idx="2">
-              <a:schemeClr val="accent1">
-                <a:shade val="50000"/>
-              </a:schemeClr>
-            </a:lnRef>
-            <a:fillRef idx="1">
-              <a:schemeClr val="accent1"/>
-            </a:fillRef>
-            <a:effectRef idx="0">
-              <a:schemeClr val="accent1"/>
-            </a:effectRef>
-            <a:fontRef idx="minor">
-              <a:schemeClr val="lt1"/>
-            </a:fontRef>
-          </p:style>
-          <p:txBody>
-            <a:bodyPr lIns="68572" tIns="34286" rIns="68572" bIns="34286" rtlCol="0" anchor="ctr"/>
-            <a:lstStyle/>
-            <a:p>
-              <a:pPr algn="ctr"/>
-              <a:endParaRPr lang="es-MX" sz="900">
-                <a:solidFill>
-                  <a:schemeClr val="tx1"/>
-                </a:solidFill>
-                <a:latin typeface="Arial" panose="020B0604020202020204" pitchFamily="34" charset="0"/>
-                <a:ea typeface="Segoe UI" panose="020B0502040204020203" pitchFamily="34" charset="0"/>
-                <a:cs typeface="Arial" panose="020B0604020202020204" pitchFamily="34" charset="0"/>
-              </a:endParaRPr>
-            </a:p>
-          </p:txBody>
-        </p:sp>
-        <p:sp>
-          <p:nvSpPr>
-            <p:cNvPr id="507" name="Rectangle 506">
-              <a:extLst>
-                <a:ext uri="{FF2B5EF4-FFF2-40B4-BE49-F238E27FC236}">
-                  <a16:creationId xmlns:a16="http://schemas.microsoft.com/office/drawing/2014/main" id="{6CEF4D42-F47E-3148-98DD-E218067538AE}"/>
-                </a:ext>
-              </a:extLst>
-            </p:cNvPr>
-            <p:cNvSpPr/>
-            <p:nvPr/>
-          </p:nvSpPr>
-          <p:spPr>
-            <a:xfrm>
-              <a:off x="6158105" y="2385488"/>
-              <a:ext cx="804450" cy="707886"/>
-            </a:xfrm>
-            <a:prstGeom prst="rect">
-              <a:avLst/>
-            </a:prstGeom>
-          </p:spPr>
-          <p:txBody>
-            <a:bodyPr wrap="square">
-              <a:spAutoFit/>
-            </a:bodyPr>
-            <a:lstStyle/>
-            <a:p>
-              <a:r>
-                <a:rPr lang="en-US" sz="800" dirty="0">
-                  <a:solidFill>
-                    <a:schemeClr val="tx1">
-                      <a:lumMod val="95000"/>
-                      <a:lumOff val="5000"/>
-                    </a:schemeClr>
-                  </a:solidFill>
-                  <a:latin typeface="Arial" panose="020B0604020202020204" pitchFamily="34" charset="0"/>
-                  <a:cs typeface="Arial" panose="020B0604020202020204" pitchFamily="34" charset="0"/>
-                </a:rPr>
-                <a:t>Post-set counted for survival  </a:t>
-              </a:r>
-            </a:p>
-            <a:p>
-              <a:r>
-                <a:rPr lang="en-US" sz="800" dirty="0">
-                  <a:solidFill>
-                    <a:schemeClr val="tx1">
-                      <a:lumMod val="95000"/>
-                      <a:lumOff val="5000"/>
-                    </a:schemeClr>
-                  </a:solidFill>
-                  <a:latin typeface="Arial" panose="020B0604020202020204" pitchFamily="34" charset="0"/>
-                  <a:cs typeface="Arial" panose="020B0604020202020204" pitchFamily="34" charset="0"/>
-                </a:rPr>
-                <a:t>(35-days after release)</a:t>
-              </a:r>
-            </a:p>
-          </p:txBody>
-        </p:sp>
-        <p:sp>
-          <p:nvSpPr>
-            <p:cNvPr id="169" name="Rectangle 168">
-              <a:extLst>
-                <a:ext uri="{FF2B5EF4-FFF2-40B4-BE49-F238E27FC236}">
-                  <a16:creationId xmlns:a16="http://schemas.microsoft.com/office/drawing/2014/main" id="{557984DC-1A3A-C34B-BB77-E61E0D113850}"/>
-                </a:ext>
-              </a:extLst>
-            </p:cNvPr>
-            <p:cNvSpPr/>
-            <p:nvPr/>
-          </p:nvSpPr>
-          <p:spPr>
-            <a:xfrm>
-              <a:off x="2161625" y="4031917"/>
-              <a:ext cx="1734074" cy="448786"/>
-            </a:xfrm>
-            <a:prstGeom prst="rect">
-              <a:avLst/>
-            </a:prstGeom>
-            <a:solidFill>
-              <a:schemeClr val="bg1">
-                <a:lumMod val="85000"/>
-              </a:schemeClr>
-            </a:solidFill>
-            <a:ln w="9525">
-              <a:noFill/>
-            </a:ln>
-          </p:spPr>
-          <p:style>
-            <a:lnRef idx="2">
-              <a:schemeClr val="accent1">
-                <a:shade val="50000"/>
-              </a:schemeClr>
-            </a:lnRef>
-            <a:fillRef idx="1">
-              <a:schemeClr val="accent1"/>
-            </a:fillRef>
-            <a:effectRef idx="0">
-              <a:schemeClr val="accent1"/>
-            </a:effectRef>
-            <a:fontRef idx="minor">
-              <a:schemeClr val="lt1"/>
-            </a:fontRef>
-          </p:style>
-          <p:txBody>
-            <a:bodyPr rtlCol="0" anchor="ctr"/>
-            <a:lstStyle/>
-            <a:p>
-              <a:pPr algn="ctr"/>
-              <a:r>
-                <a:rPr lang="en-US" sz="800" b="1" i="1" dirty="0">
-                  <a:solidFill>
-                    <a:schemeClr val="tx1">
-                      <a:lumMod val="95000"/>
-                      <a:lumOff val="5000"/>
-                    </a:schemeClr>
-                  </a:solidFill>
-                  <a:latin typeface="Arial" panose="020B0604020202020204" pitchFamily="34" charset="0"/>
-                  <a:cs typeface="Arial" panose="020B0604020202020204" pitchFamily="34" charset="0"/>
-                </a:rPr>
-                <a:t>7-week trial, broodstock</a:t>
-              </a:r>
-            </a:p>
-            <a:p>
-              <a:pPr algn="ctr"/>
-              <a:r>
-                <a:rPr lang="en-US" sz="800" dirty="0">
-                  <a:solidFill>
-                    <a:schemeClr val="tx1">
-                      <a:lumMod val="95000"/>
-                      <a:lumOff val="5000"/>
-                    </a:schemeClr>
-                  </a:solidFill>
-                  <a:latin typeface="Arial" panose="020B0604020202020204" pitchFamily="34" charset="0"/>
-                  <a:cs typeface="Arial" panose="020B0604020202020204" pitchFamily="34" charset="0"/>
-                </a:rPr>
-                <a:t>spawned common conditions</a:t>
-              </a:r>
-            </a:p>
-            <a:p>
-              <a:pPr algn="ctr"/>
-              <a:r>
-                <a:rPr lang="en-US" sz="800" dirty="0">
-                  <a:solidFill>
-                    <a:schemeClr val="tx1">
-                      <a:lumMod val="95000"/>
-                      <a:lumOff val="5000"/>
-                    </a:schemeClr>
-                  </a:solidFill>
-                  <a:latin typeface="Arial" panose="020B0604020202020204" pitchFamily="34" charset="0"/>
-                  <a:cs typeface="Arial" panose="020B0604020202020204" pitchFamily="34" charset="0"/>
-                </a:rPr>
-                <a:t> ~18ºC, 100k cells/mL</a:t>
-              </a:r>
-            </a:p>
-          </p:txBody>
-        </p:sp>
-        <p:sp>
-          <p:nvSpPr>
-            <p:cNvPr id="90" name="Rectangle 89">
-              <a:extLst>
-                <a:ext uri="{FF2B5EF4-FFF2-40B4-BE49-F238E27FC236}">
-                  <a16:creationId xmlns:a16="http://schemas.microsoft.com/office/drawing/2014/main" id="{247F7FF4-786B-8D46-99D2-8F22F145AE05}"/>
-                </a:ext>
-              </a:extLst>
-            </p:cNvPr>
-            <p:cNvSpPr/>
-            <p:nvPr/>
-          </p:nvSpPr>
-          <p:spPr>
-            <a:xfrm>
-              <a:off x="3393699" y="4509640"/>
-              <a:ext cx="1734074" cy="448786"/>
-            </a:xfrm>
-            <a:prstGeom prst="rect">
-              <a:avLst/>
-            </a:prstGeom>
-            <a:solidFill>
-              <a:schemeClr val="bg1">
-                <a:lumMod val="85000"/>
-              </a:schemeClr>
-            </a:solidFill>
-            <a:ln w="9525">
-              <a:noFill/>
-            </a:ln>
-          </p:spPr>
-          <p:style>
-            <a:lnRef idx="2">
-              <a:schemeClr val="accent1">
-                <a:shade val="50000"/>
-              </a:schemeClr>
-            </a:lnRef>
-            <a:fillRef idx="1">
-              <a:schemeClr val="accent1"/>
-            </a:fillRef>
-            <a:effectRef idx="0">
-              <a:schemeClr val="accent1"/>
-            </a:effectRef>
-            <a:fontRef idx="minor">
-              <a:schemeClr val="lt1"/>
-            </a:fontRef>
-          </p:style>
-          <p:txBody>
-            <a:bodyPr rtlCol="0" anchor="ctr"/>
-            <a:lstStyle/>
-            <a:p>
-              <a:pPr algn="ctr"/>
-              <a:r>
-                <a:rPr lang="en-US" sz="800" b="1" i="1" dirty="0">
-                  <a:solidFill>
-                    <a:schemeClr val="tx1">
-                      <a:lumMod val="95000"/>
-                      <a:lumOff val="5000"/>
-                    </a:schemeClr>
-                  </a:solidFill>
-                  <a:latin typeface="Arial" panose="020B0604020202020204" pitchFamily="34" charset="0"/>
-                  <a:cs typeface="Arial" panose="020B0604020202020204" pitchFamily="34" charset="0"/>
-                </a:rPr>
-                <a:t>12-week trial, broodstock</a:t>
-              </a:r>
-            </a:p>
-            <a:p>
-              <a:pPr algn="ctr"/>
-              <a:r>
-                <a:rPr lang="en-US" sz="800" dirty="0">
-                  <a:solidFill>
-                    <a:schemeClr val="tx1">
-                      <a:lumMod val="95000"/>
-                      <a:lumOff val="5000"/>
-                    </a:schemeClr>
-                  </a:solidFill>
-                  <a:latin typeface="Arial" panose="020B0604020202020204" pitchFamily="34" charset="0"/>
-                  <a:cs typeface="Arial" panose="020B0604020202020204" pitchFamily="34" charset="0"/>
-                </a:rPr>
-                <a:t>spawned common conditions</a:t>
-              </a:r>
-            </a:p>
-            <a:p>
-              <a:pPr algn="ctr"/>
-              <a:r>
-                <a:rPr lang="en-US" sz="800" dirty="0">
-                  <a:solidFill>
-                    <a:schemeClr val="tx1">
-                      <a:lumMod val="95000"/>
-                      <a:lumOff val="5000"/>
-                    </a:schemeClr>
-                  </a:solidFill>
-                  <a:latin typeface="Arial" panose="020B0604020202020204" pitchFamily="34" charset="0"/>
-                  <a:cs typeface="Arial" panose="020B0604020202020204" pitchFamily="34" charset="0"/>
-                </a:rPr>
-                <a:t> ~18ºC, 100k cells/mL</a:t>
-              </a:r>
-            </a:p>
-          </p:txBody>
-        </p:sp>
-        <p:sp>
-          <p:nvSpPr>
-            <p:cNvPr id="91" name="Rectangle 90">
-              <a:extLst>
-                <a:ext uri="{FF2B5EF4-FFF2-40B4-BE49-F238E27FC236}">
-                  <a16:creationId xmlns:a16="http://schemas.microsoft.com/office/drawing/2014/main" id="{D0DFB891-C997-2049-BC1B-4E5FE8FED508}"/>
-                </a:ext>
-              </a:extLst>
-            </p:cNvPr>
-            <p:cNvSpPr/>
-            <p:nvPr/>
-          </p:nvSpPr>
-          <p:spPr>
-            <a:xfrm>
-              <a:off x="3895700" y="5048910"/>
-              <a:ext cx="2227771" cy="448786"/>
-            </a:xfrm>
-            <a:prstGeom prst="rect">
-              <a:avLst/>
-            </a:prstGeom>
-            <a:solidFill>
-              <a:schemeClr val="bg1">
-                <a:lumMod val="95000"/>
-              </a:schemeClr>
-            </a:solidFill>
-            <a:ln w="9525">
-              <a:noFill/>
-            </a:ln>
-          </p:spPr>
-          <p:style>
-            <a:lnRef idx="2">
-              <a:schemeClr val="accent1">
-                <a:shade val="50000"/>
-              </a:schemeClr>
-            </a:lnRef>
-            <a:fillRef idx="1">
-              <a:schemeClr val="accent1"/>
-            </a:fillRef>
-            <a:effectRef idx="0">
-              <a:schemeClr val="accent1"/>
-            </a:effectRef>
-            <a:fontRef idx="minor">
-              <a:schemeClr val="lt1"/>
-            </a:fontRef>
-          </p:style>
-          <p:txBody>
-            <a:bodyPr rtlCol="0" anchor="ctr"/>
-            <a:lstStyle/>
-            <a:p>
-              <a:pPr algn="ctr"/>
-              <a:r>
-                <a:rPr lang="en-US" sz="800" b="1" i="1" dirty="0">
-                  <a:solidFill>
-                    <a:schemeClr val="tx1">
-                      <a:lumMod val="95000"/>
-                      <a:lumOff val="5000"/>
-                    </a:schemeClr>
-                  </a:solidFill>
-                  <a:latin typeface="Arial" panose="020B0604020202020204" pitchFamily="34" charset="0"/>
-                  <a:cs typeface="Arial" panose="020B0604020202020204" pitchFamily="34" charset="0"/>
-                </a:rPr>
-                <a:t>12-week trial, larvae</a:t>
-              </a:r>
-            </a:p>
-            <a:p>
-              <a:pPr algn="ctr"/>
-              <a:r>
-                <a:rPr lang="en-US" sz="800" dirty="0">
-                  <a:solidFill>
-                    <a:schemeClr val="tx1">
-                      <a:lumMod val="95000"/>
-                      <a:lumOff val="5000"/>
-                    </a:schemeClr>
-                  </a:solidFill>
-                  <a:latin typeface="Arial" panose="020B0604020202020204" pitchFamily="34" charset="0"/>
-                  <a:cs typeface="Arial" panose="020B0604020202020204" pitchFamily="34" charset="0"/>
-                </a:rPr>
-                <a:t>reared common conditions</a:t>
-              </a:r>
-            </a:p>
-            <a:p>
-              <a:pPr algn="ctr"/>
-              <a:r>
-                <a:rPr lang="en-US" sz="800" dirty="0">
-                  <a:solidFill>
-                    <a:schemeClr val="tx1">
-                      <a:lumMod val="95000"/>
-                      <a:lumOff val="5000"/>
-                    </a:schemeClr>
-                  </a:solidFill>
-                  <a:latin typeface="Arial" panose="020B0604020202020204" pitchFamily="34" charset="0"/>
-                  <a:cs typeface="Arial" panose="020B0604020202020204" pitchFamily="34" charset="0"/>
-                </a:rPr>
-                <a:t>static, ~18ºC, 100k cells/mL</a:t>
-              </a:r>
-            </a:p>
-          </p:txBody>
-        </p:sp>
-        <p:sp>
-          <p:nvSpPr>
-            <p:cNvPr id="93" name="Rectangle 92">
-              <a:extLst>
-                <a:ext uri="{FF2B5EF4-FFF2-40B4-BE49-F238E27FC236}">
-                  <a16:creationId xmlns:a16="http://schemas.microsoft.com/office/drawing/2014/main" id="{99BDB09C-DBEA-C444-8CC5-F9CF0D74406F}"/>
-                </a:ext>
-              </a:extLst>
-            </p:cNvPr>
-            <p:cNvSpPr/>
-            <p:nvPr/>
-          </p:nvSpPr>
-          <p:spPr>
-            <a:xfrm>
-              <a:off x="603978" y="3593432"/>
-              <a:ext cx="802852" cy="230832"/>
-            </a:xfrm>
-            <a:prstGeom prst="rect">
-              <a:avLst/>
-            </a:prstGeom>
-            <a:solidFill>
-              <a:schemeClr val="bg1">
-                <a:lumMod val="95000"/>
-              </a:schemeClr>
-            </a:solidFill>
-            <a:ln>
-              <a:noFill/>
-            </a:ln>
-          </p:spPr>
-          <p:txBody>
-            <a:bodyPr wrap="square">
-              <a:spAutoFit/>
-            </a:bodyPr>
-            <a:lstStyle/>
-            <a:p>
-              <a:pPr algn="ctr"/>
-              <a:r>
-                <a:rPr lang="en-US" sz="900" i="1" dirty="0" err="1">
-                  <a:solidFill>
-                    <a:schemeClr val="tx1">
-                      <a:lumMod val="85000"/>
-                      <a:lumOff val="15000"/>
-                    </a:schemeClr>
-                  </a:solidFill>
-                  <a:latin typeface="Arial" panose="020B0604020202020204" pitchFamily="34" charset="0"/>
-                  <a:cs typeface="Arial" panose="020B0604020202020204" pitchFamily="34" charset="0"/>
-                </a:rPr>
-                <a:t>Broodstock</a:t>
-              </a:r>
-              <a:endParaRPr lang="en-US" sz="900" i="1" dirty="0">
-                <a:solidFill>
-                  <a:schemeClr val="tx1">
-                    <a:lumMod val="85000"/>
-                    <a:lumOff val="15000"/>
-                  </a:schemeClr>
-                </a:solidFill>
-                <a:latin typeface="Arial" panose="020B0604020202020204" pitchFamily="34" charset="0"/>
-                <a:cs typeface="Arial" panose="020B0604020202020204" pitchFamily="34" charset="0"/>
-              </a:endParaRPr>
-            </a:p>
-          </p:txBody>
-        </p:sp>
-        <p:sp>
-          <p:nvSpPr>
-            <p:cNvPr id="164" name="Rectangle 163">
-              <a:extLst>
-                <a:ext uri="{FF2B5EF4-FFF2-40B4-BE49-F238E27FC236}">
-                  <a16:creationId xmlns:a16="http://schemas.microsoft.com/office/drawing/2014/main" id="{A78331B5-D6E3-9E49-870F-89EEDB4C2D8F}"/>
-                </a:ext>
-              </a:extLst>
-            </p:cNvPr>
-            <p:cNvSpPr/>
-            <p:nvPr/>
-          </p:nvSpPr>
-          <p:spPr>
-            <a:xfrm>
-              <a:off x="957213" y="3175531"/>
-              <a:ext cx="505503" cy="200055"/>
-            </a:xfrm>
-            <a:prstGeom prst="rect">
-              <a:avLst/>
-            </a:prstGeom>
-          </p:spPr>
-          <p:txBody>
-            <a:bodyPr wrap="square">
-              <a:spAutoFit/>
-            </a:bodyPr>
-            <a:lstStyle/>
-            <a:p>
-              <a:r>
-                <a:rPr lang="en-US" sz="700" dirty="0">
-                  <a:solidFill>
-                    <a:srgbClr val="F08A62"/>
-                  </a:solidFill>
-                  <a:latin typeface="Arial" panose="020B0604020202020204" pitchFamily="34" charset="0"/>
-                  <a:cs typeface="Arial" panose="020B0604020202020204" pitchFamily="34" charset="0"/>
-                </a:rPr>
-                <a:t>Nov 30</a:t>
-              </a:r>
-            </a:p>
-          </p:txBody>
-        </p:sp>
-        <p:sp>
-          <p:nvSpPr>
-            <p:cNvPr id="170" name="Rectangle 169">
-              <a:extLst>
-                <a:ext uri="{FF2B5EF4-FFF2-40B4-BE49-F238E27FC236}">
-                  <a16:creationId xmlns:a16="http://schemas.microsoft.com/office/drawing/2014/main" id="{845C95C7-A089-5146-9906-C54C52C5C802}"/>
-                </a:ext>
-              </a:extLst>
-            </p:cNvPr>
-            <p:cNvSpPr/>
-            <p:nvPr/>
-          </p:nvSpPr>
-          <p:spPr>
-            <a:xfrm>
-              <a:off x="644962" y="4706793"/>
-              <a:ext cx="1791659" cy="230832"/>
-            </a:xfrm>
-            <a:prstGeom prst="rect">
-              <a:avLst/>
-            </a:prstGeom>
-          </p:spPr>
-          <p:txBody>
-            <a:bodyPr wrap="square">
-              <a:spAutoFit/>
-            </a:bodyPr>
-            <a:lstStyle/>
-            <a:p>
-              <a:r>
-                <a:rPr lang="en-US" sz="900" dirty="0">
-                  <a:solidFill>
-                    <a:srgbClr val="F08A62"/>
-                  </a:solidFill>
-                  <a:latin typeface="Arial" panose="020B0604020202020204" pitchFamily="34" charset="0"/>
-                  <a:cs typeface="Arial" panose="020B0604020202020204" pitchFamily="34" charset="0"/>
-                </a:rPr>
-                <a:t>Dates </a:t>
-              </a:r>
-              <a:r>
-                <a:rPr lang="en-US" sz="900" dirty="0" err="1">
-                  <a:solidFill>
-                    <a:srgbClr val="F08A62"/>
-                  </a:solidFill>
-                  <a:latin typeface="Arial" panose="020B0604020202020204" pitchFamily="34" charset="0"/>
-                  <a:cs typeface="Arial" panose="020B0604020202020204" pitchFamily="34" charset="0"/>
-                </a:rPr>
-                <a:t>broodstock</a:t>
-              </a:r>
-              <a:r>
-                <a:rPr lang="en-US" sz="900" dirty="0">
-                  <a:solidFill>
-                    <a:srgbClr val="F08A62"/>
-                  </a:solidFill>
-                  <a:latin typeface="Arial" panose="020B0604020202020204" pitchFamily="34" charset="0"/>
-                  <a:cs typeface="Arial" panose="020B0604020202020204" pitchFamily="34" charset="0"/>
-                </a:rPr>
-                <a:t> sampled</a:t>
-              </a:r>
-            </a:p>
-          </p:txBody>
-        </p:sp>
-        <p:sp>
-          <p:nvSpPr>
-            <p:cNvPr id="59" name="Rectangle 58">
-              <a:extLst>
-                <a:ext uri="{FF2B5EF4-FFF2-40B4-BE49-F238E27FC236}">
-                  <a16:creationId xmlns:a16="http://schemas.microsoft.com/office/drawing/2014/main" id="{84902DE0-CD72-E045-A806-E3CF07EAB360}"/>
-                </a:ext>
-              </a:extLst>
-            </p:cNvPr>
-            <p:cNvSpPr/>
-            <p:nvPr/>
-          </p:nvSpPr>
-          <p:spPr>
-            <a:xfrm>
-              <a:off x="1416888" y="3172431"/>
-              <a:ext cx="505503" cy="200055"/>
-            </a:xfrm>
-            <a:prstGeom prst="rect">
-              <a:avLst/>
-            </a:prstGeom>
-          </p:spPr>
-          <p:txBody>
-            <a:bodyPr wrap="square">
-              <a:spAutoFit/>
-            </a:bodyPr>
-            <a:lstStyle/>
-            <a:p>
-              <a:r>
-                <a:rPr lang="en-US" sz="700" dirty="0">
-                  <a:solidFill>
-                    <a:srgbClr val="F08A62"/>
-                  </a:solidFill>
-                  <a:latin typeface="Arial" panose="020B0604020202020204" pitchFamily="34" charset="0"/>
-                  <a:cs typeface="Arial" panose="020B0604020202020204" pitchFamily="34" charset="0"/>
-                </a:rPr>
-                <a:t>Dec 20</a:t>
-              </a:r>
-            </a:p>
-          </p:txBody>
-        </p:sp>
-        <p:sp>
-          <p:nvSpPr>
-            <p:cNvPr id="60" name="Rectangle 59">
-              <a:extLst>
-                <a:ext uri="{FF2B5EF4-FFF2-40B4-BE49-F238E27FC236}">
-                  <a16:creationId xmlns:a16="http://schemas.microsoft.com/office/drawing/2014/main" id="{E9FF3352-08C3-5B4D-BAD6-140D7E757B0C}"/>
-                </a:ext>
-              </a:extLst>
-            </p:cNvPr>
-            <p:cNvSpPr/>
-            <p:nvPr/>
-          </p:nvSpPr>
-          <p:spPr>
-            <a:xfrm>
-              <a:off x="1813831" y="3175976"/>
-              <a:ext cx="505503" cy="200055"/>
-            </a:xfrm>
-            <a:prstGeom prst="rect">
-              <a:avLst/>
-            </a:prstGeom>
-          </p:spPr>
-          <p:txBody>
-            <a:bodyPr wrap="square">
-              <a:spAutoFit/>
-            </a:bodyPr>
-            <a:lstStyle/>
-            <a:p>
-              <a:r>
-                <a:rPr lang="en-US" sz="700" dirty="0">
-                  <a:solidFill>
-                    <a:srgbClr val="F08A62"/>
-                  </a:solidFill>
-                  <a:latin typeface="Arial" panose="020B0604020202020204" pitchFamily="34" charset="0"/>
-                  <a:cs typeface="Arial" panose="020B0604020202020204" pitchFamily="34" charset="0"/>
-                </a:rPr>
-                <a:t>Jan 4</a:t>
-              </a:r>
-            </a:p>
-          </p:txBody>
-        </p:sp>
-        <p:sp>
-          <p:nvSpPr>
-            <p:cNvPr id="61" name="Rectangle 60">
-              <a:extLst>
-                <a:ext uri="{FF2B5EF4-FFF2-40B4-BE49-F238E27FC236}">
-                  <a16:creationId xmlns:a16="http://schemas.microsoft.com/office/drawing/2014/main" id="{303F7BD3-5B0C-A84E-B95F-F29AD8B244BE}"/>
-                </a:ext>
-              </a:extLst>
-            </p:cNvPr>
-            <p:cNvSpPr/>
-            <p:nvPr/>
-          </p:nvSpPr>
-          <p:spPr>
-            <a:xfrm>
-              <a:off x="2158814" y="3177232"/>
-              <a:ext cx="505503" cy="200055"/>
-            </a:xfrm>
-            <a:prstGeom prst="rect">
-              <a:avLst/>
-            </a:prstGeom>
-          </p:spPr>
-          <p:txBody>
-            <a:bodyPr wrap="square">
-              <a:spAutoFit/>
-            </a:bodyPr>
-            <a:lstStyle/>
-            <a:p>
-              <a:r>
-                <a:rPr lang="en-US" sz="700" dirty="0">
-                  <a:solidFill>
-                    <a:srgbClr val="F08A62"/>
-                  </a:solidFill>
-                  <a:latin typeface="Arial" panose="020B0604020202020204" pitchFamily="34" charset="0"/>
-                  <a:cs typeface="Arial" panose="020B0604020202020204" pitchFamily="34" charset="0"/>
-                </a:rPr>
-                <a:t>Jan 23</a:t>
-              </a:r>
-            </a:p>
-          </p:txBody>
-        </p:sp>
-        <p:sp>
-          <p:nvSpPr>
-            <p:cNvPr id="62" name="Rectangle 61">
-              <a:extLst>
-                <a:ext uri="{FF2B5EF4-FFF2-40B4-BE49-F238E27FC236}">
-                  <a16:creationId xmlns:a16="http://schemas.microsoft.com/office/drawing/2014/main" id="{56D51ADE-3028-7644-A08B-224EDB075E11}"/>
-                </a:ext>
-              </a:extLst>
-            </p:cNvPr>
-            <p:cNvSpPr/>
-            <p:nvPr/>
-          </p:nvSpPr>
-          <p:spPr>
-            <a:xfrm>
-              <a:off x="2741962" y="3174033"/>
-              <a:ext cx="505503" cy="200055"/>
-            </a:xfrm>
-            <a:prstGeom prst="rect">
-              <a:avLst/>
-            </a:prstGeom>
-          </p:spPr>
-          <p:txBody>
-            <a:bodyPr wrap="square">
-              <a:spAutoFit/>
-            </a:bodyPr>
-            <a:lstStyle/>
-            <a:p>
-              <a:r>
-                <a:rPr lang="en-US" sz="700" dirty="0">
-                  <a:solidFill>
-                    <a:srgbClr val="F08A62"/>
-                  </a:solidFill>
-                  <a:latin typeface="Arial" panose="020B0604020202020204" pitchFamily="34" charset="0"/>
-                  <a:cs typeface="Arial" panose="020B0604020202020204" pitchFamily="34" charset="0"/>
-                </a:rPr>
-                <a:t>Feb 9</a:t>
-              </a:r>
-            </a:p>
-          </p:txBody>
-        </p:sp>
-        <p:sp>
-          <p:nvSpPr>
-            <p:cNvPr id="66" name="Rectangle 65">
-              <a:extLst>
-                <a:ext uri="{FF2B5EF4-FFF2-40B4-BE49-F238E27FC236}">
-                  <a16:creationId xmlns:a16="http://schemas.microsoft.com/office/drawing/2014/main" id="{C2CFEBC5-2A6F-EE4E-ADEA-E5393D5A73F0}"/>
-                </a:ext>
-              </a:extLst>
-            </p:cNvPr>
-            <p:cNvSpPr/>
-            <p:nvPr/>
-          </p:nvSpPr>
-          <p:spPr>
-            <a:xfrm>
-              <a:off x="3057932" y="3170236"/>
-              <a:ext cx="505503" cy="200055"/>
-            </a:xfrm>
-            <a:prstGeom prst="rect">
-              <a:avLst/>
-            </a:prstGeom>
-          </p:spPr>
-          <p:txBody>
-            <a:bodyPr wrap="square">
-              <a:spAutoFit/>
-            </a:bodyPr>
-            <a:lstStyle/>
-            <a:p>
-              <a:r>
-                <a:rPr lang="en-US" sz="700" dirty="0">
-                  <a:solidFill>
-                    <a:srgbClr val="F08A62"/>
-                  </a:solidFill>
-                  <a:latin typeface="Arial" panose="020B0604020202020204" pitchFamily="34" charset="0"/>
-                  <a:cs typeface="Arial" panose="020B0604020202020204" pitchFamily="34" charset="0"/>
-                </a:rPr>
-                <a:t>Feb 27</a:t>
-              </a:r>
-            </a:p>
-          </p:txBody>
-        </p:sp>
-        <p:sp>
-          <p:nvSpPr>
-            <p:cNvPr id="68" name="Rectangle 67">
-              <a:extLst>
-                <a:ext uri="{FF2B5EF4-FFF2-40B4-BE49-F238E27FC236}">
-                  <a16:creationId xmlns:a16="http://schemas.microsoft.com/office/drawing/2014/main" id="{09C40E39-6563-1A44-93EE-E54FE7EF1DF3}"/>
-                </a:ext>
-              </a:extLst>
-            </p:cNvPr>
-            <p:cNvSpPr/>
-            <p:nvPr/>
-          </p:nvSpPr>
-          <p:spPr>
-            <a:xfrm>
-              <a:off x="3442213" y="3162193"/>
-              <a:ext cx="505503" cy="200055"/>
-            </a:xfrm>
-            <a:prstGeom prst="rect">
-              <a:avLst/>
-            </a:prstGeom>
-          </p:spPr>
-          <p:txBody>
-            <a:bodyPr wrap="square">
-              <a:spAutoFit/>
-            </a:bodyPr>
-            <a:lstStyle/>
-            <a:p>
-              <a:r>
-                <a:rPr lang="en-US" sz="700" dirty="0">
-                  <a:solidFill>
-                    <a:srgbClr val="F08A62"/>
-                  </a:solidFill>
-                  <a:latin typeface="Arial" panose="020B0604020202020204" pitchFamily="34" charset="0"/>
-                  <a:cs typeface="Arial" panose="020B0604020202020204" pitchFamily="34" charset="0"/>
-                </a:rPr>
-                <a:t>Mar 13</a:t>
-              </a:r>
-            </a:p>
-          </p:txBody>
-        </p:sp>
-        <p:sp>
-          <p:nvSpPr>
-            <p:cNvPr id="69" name="Rectangle 68">
-              <a:extLst>
-                <a:ext uri="{FF2B5EF4-FFF2-40B4-BE49-F238E27FC236}">
-                  <a16:creationId xmlns:a16="http://schemas.microsoft.com/office/drawing/2014/main" id="{FCECF6C7-5A9E-8A46-9102-7B0A299794E1}"/>
-                </a:ext>
-              </a:extLst>
-            </p:cNvPr>
-            <p:cNvSpPr/>
-            <p:nvPr/>
-          </p:nvSpPr>
-          <p:spPr>
-            <a:xfrm>
-              <a:off x="3897036" y="3158396"/>
-              <a:ext cx="505503" cy="200055"/>
-            </a:xfrm>
-            <a:prstGeom prst="rect">
-              <a:avLst/>
-            </a:prstGeom>
-          </p:spPr>
-          <p:txBody>
-            <a:bodyPr wrap="square">
-              <a:spAutoFit/>
-            </a:bodyPr>
-            <a:lstStyle/>
-            <a:p>
-              <a:r>
-                <a:rPr lang="en-US" sz="700" dirty="0">
-                  <a:solidFill>
-                    <a:srgbClr val="F08A62"/>
-                  </a:solidFill>
-                  <a:latin typeface="Arial" panose="020B0604020202020204" pitchFamily="34" charset="0"/>
-                  <a:cs typeface="Arial" panose="020B0604020202020204" pitchFamily="34" charset="0"/>
-                </a:rPr>
-                <a:t>Mar 23</a:t>
+                <a:t>10ºC +high-food </a:t>
               </a:r>
             </a:p>
           </p:txBody>
         </p:sp>
       </p:grpSp>
+      <p:sp>
+        <p:nvSpPr>
+          <p:cNvPr id="70" name="Rectangle 69">
+            <a:extLst>
+              <a:ext uri="{FF2B5EF4-FFF2-40B4-BE49-F238E27FC236}">
+                <a16:creationId xmlns:a16="http://schemas.microsoft.com/office/drawing/2014/main" id="{12EC3033-7754-3F4E-B42B-96C78DCF3F83}"/>
+              </a:ext>
+            </a:extLst>
+          </p:cNvPr>
+          <p:cNvSpPr/>
+          <p:nvPr/>
+        </p:nvSpPr>
+        <p:spPr>
+          <a:xfrm>
+            <a:off x="1692251" y="4156713"/>
+            <a:ext cx="1089278" cy="369332"/>
+          </a:xfrm>
+          <a:prstGeom prst="rect">
+            <a:avLst/>
+          </a:prstGeom>
+        </p:spPr>
+        <p:txBody>
+          <a:bodyPr wrap="square">
+            <a:spAutoFit/>
+          </a:bodyPr>
+          <a:lstStyle/>
+          <a:p>
+            <a:r>
+              <a:rPr lang="en-US" sz="900" i="1" dirty="0">
+                <a:solidFill>
+                  <a:schemeClr val="tx1">
+                    <a:lumMod val="75000"/>
+                    <a:lumOff val="25000"/>
+                  </a:schemeClr>
+                </a:solidFill>
+                <a:latin typeface="Arial" panose="020B0604020202020204" pitchFamily="34" charset="0"/>
+                <a:cs typeface="Arial" panose="020B0604020202020204" pitchFamily="34" charset="0"/>
+              </a:rPr>
+              <a:t>Experimental conditions</a:t>
+            </a:r>
+          </a:p>
+        </p:txBody>
+      </p:sp>
     </p:spTree>
     <p:extLst>
       <p:ext uri="{BB962C8B-B14F-4D97-AF65-F5344CB8AC3E}">
@@ -6749,6 +6300,237 @@
 </file>
 
 <file path=ppt/slides/slide10.xml><?xml version="1.0" encoding="utf-8"?>
+<p:sld xmlns:a="http://schemas.openxmlformats.org/drawingml/2006/main" xmlns:r="http://schemas.openxmlformats.org/officeDocument/2006/relationships" xmlns:p="http://schemas.openxmlformats.org/presentationml/2006/main">
+  <p:cSld>
+    <p:spTree>
+      <p:nvGrpSpPr>
+        <p:cNvPr id="1" name=""/>
+        <p:cNvGrpSpPr/>
+        <p:nvPr/>
+      </p:nvGrpSpPr>
+      <p:grpSpPr>
+        <a:xfrm>
+          <a:off x="0" y="0"/>
+          <a:ext cx="0" cy="0"/>
+          <a:chOff x="0" y="0"/>
+          <a:chExt cx="0" cy="0"/>
+        </a:xfrm>
+      </p:grpSpPr>
+      <p:grpSp>
+        <p:nvGrpSpPr>
+          <p:cNvPr id="4" name="Group 3">
+            <a:extLst>
+              <a:ext uri="{FF2B5EF4-FFF2-40B4-BE49-F238E27FC236}">
+                <a16:creationId xmlns:a16="http://schemas.microsoft.com/office/drawing/2014/main" id="{3BFDDE80-D3BA-7A44-8FC8-4CFB5126EED9}"/>
+              </a:ext>
+            </a:extLst>
+          </p:cNvPr>
+          <p:cNvGrpSpPr/>
+          <p:nvPr/>
+        </p:nvGrpSpPr>
+        <p:grpSpPr>
+          <a:xfrm>
+            <a:off x="603666" y="822914"/>
+            <a:ext cx="6895490" cy="4627090"/>
+            <a:chOff x="290420" y="740933"/>
+            <a:chExt cx="7935862" cy="5325213"/>
+          </a:xfrm>
+        </p:grpSpPr>
+        <p:pic>
+          <p:nvPicPr>
+            <p:cNvPr id="5" name="Picture 4">
+              <a:extLst>
+                <a:ext uri="{FF2B5EF4-FFF2-40B4-BE49-F238E27FC236}">
+                  <a16:creationId xmlns:a16="http://schemas.microsoft.com/office/drawing/2014/main" id="{F10F54B1-A393-0749-8C27-FC47CDD4768A}"/>
+                </a:ext>
+              </a:extLst>
+            </p:cNvPr>
+            <p:cNvPicPr>
+              <a:picLocks noChangeAspect="1"/>
+            </p:cNvPicPr>
+            <p:nvPr/>
+          </p:nvPicPr>
+          <p:blipFill>
+            <a:blip r:embed="rId2"/>
+            <a:stretch>
+              <a:fillRect/>
+            </a:stretch>
+          </p:blipFill>
+          <p:spPr>
+            <a:xfrm>
+              <a:off x="5183304" y="740933"/>
+              <a:ext cx="3042978" cy="5325213"/>
+            </a:xfrm>
+            <a:prstGeom prst="rect">
+              <a:avLst/>
+            </a:prstGeom>
+          </p:spPr>
+        </p:pic>
+        <p:pic>
+          <p:nvPicPr>
+            <p:cNvPr id="3" name="Picture 2">
+              <a:extLst>
+                <a:ext uri="{FF2B5EF4-FFF2-40B4-BE49-F238E27FC236}">
+                  <a16:creationId xmlns:a16="http://schemas.microsoft.com/office/drawing/2014/main" id="{56BDC90E-2808-2847-8B58-814D3336B4D6}"/>
+                </a:ext>
+              </a:extLst>
+            </p:cNvPr>
+            <p:cNvPicPr>
+              <a:picLocks noChangeAspect="1"/>
+            </p:cNvPicPr>
+            <p:nvPr/>
+          </p:nvPicPr>
+          <p:blipFill>
+            <a:blip r:embed="rId3"/>
+            <a:stretch>
+              <a:fillRect/>
+            </a:stretch>
+          </p:blipFill>
+          <p:spPr>
+            <a:xfrm>
+              <a:off x="290420" y="740933"/>
+              <a:ext cx="4881446" cy="5325213"/>
+            </a:xfrm>
+            <a:prstGeom prst="rect">
+              <a:avLst/>
+            </a:prstGeom>
+          </p:spPr>
+        </p:pic>
+      </p:grpSp>
+    </p:spTree>
+    <p:extLst>
+      <p:ext uri="{BB962C8B-B14F-4D97-AF65-F5344CB8AC3E}">
+        <p14:creationId xmlns:p14="http://schemas.microsoft.com/office/powerpoint/2010/main" val="1357512634"/>
+      </p:ext>
+    </p:extLst>
+  </p:cSld>
+  <p:clrMapOvr>
+    <a:masterClrMapping/>
+  </p:clrMapOvr>
+</p:sld>
+</file>
+
+<file path=ppt/slides/slide11.xml><?xml version="1.0" encoding="utf-8"?>
+<p:sld xmlns:a="http://schemas.openxmlformats.org/drawingml/2006/main" xmlns:r="http://schemas.openxmlformats.org/officeDocument/2006/relationships" xmlns:p="http://schemas.openxmlformats.org/presentationml/2006/main">
+  <p:cSld>
+    <p:spTree>
+      <p:nvGrpSpPr>
+        <p:cNvPr id="1" name=""/>
+        <p:cNvGrpSpPr/>
+        <p:nvPr/>
+      </p:nvGrpSpPr>
+      <p:grpSpPr>
+        <a:xfrm>
+          <a:off x="0" y="0"/>
+          <a:ext cx="0" cy="0"/>
+          <a:chOff x="0" y="0"/>
+          <a:chExt cx="0" cy="0"/>
+        </a:xfrm>
+      </p:grpSpPr>
+      <p:pic>
+        <p:nvPicPr>
+          <p:cNvPr id="6" name="Picture 5">
+            <a:extLst>
+              <a:ext uri="{FF2B5EF4-FFF2-40B4-BE49-F238E27FC236}">
+                <a16:creationId xmlns:a16="http://schemas.microsoft.com/office/drawing/2014/main" id="{F584EEE7-67BC-144E-B9D2-758525E58035}"/>
+              </a:ext>
+            </a:extLst>
+          </p:cNvPr>
+          <p:cNvPicPr>
+            <a:picLocks noChangeAspect="1"/>
+          </p:cNvPicPr>
+          <p:nvPr/>
+        </p:nvPicPr>
+        <p:blipFill>
+          <a:blip r:embed="rId2"/>
+          <a:stretch>
+            <a:fillRect/>
+          </a:stretch>
+        </p:blipFill>
+        <p:spPr>
+          <a:xfrm>
+            <a:off x="0" y="169607"/>
+            <a:ext cx="9144000" cy="5486400"/>
+          </a:xfrm>
+          <a:prstGeom prst="rect">
+            <a:avLst/>
+          </a:prstGeom>
+        </p:spPr>
+      </p:pic>
+    </p:spTree>
+    <p:extLst>
+      <p:ext uri="{BB962C8B-B14F-4D97-AF65-F5344CB8AC3E}">
+        <p14:creationId xmlns:p14="http://schemas.microsoft.com/office/powerpoint/2010/main" val="3486185000"/>
+      </p:ext>
+    </p:extLst>
+  </p:cSld>
+  <p:clrMapOvr>
+    <a:masterClrMapping/>
+  </p:clrMapOvr>
+</p:sld>
+</file>
+
+<file path=ppt/slides/slide12.xml><?xml version="1.0" encoding="utf-8"?>
+<p:sld xmlns:a="http://schemas.openxmlformats.org/drawingml/2006/main" xmlns:r="http://schemas.openxmlformats.org/officeDocument/2006/relationships" xmlns:p="http://schemas.openxmlformats.org/presentationml/2006/main">
+  <p:cSld>
+    <p:spTree>
+      <p:nvGrpSpPr>
+        <p:cNvPr id="1" name=""/>
+        <p:cNvGrpSpPr/>
+        <p:nvPr/>
+      </p:nvGrpSpPr>
+      <p:grpSpPr>
+        <a:xfrm>
+          <a:off x="0" y="0"/>
+          <a:ext cx="0" cy="0"/>
+          <a:chOff x="0" y="0"/>
+          <a:chExt cx="0" cy="0"/>
+        </a:xfrm>
+      </p:grpSpPr>
+      <p:pic>
+        <p:nvPicPr>
+          <p:cNvPr id="10" name="Picture 9">
+            <a:extLst>
+              <a:ext uri="{FF2B5EF4-FFF2-40B4-BE49-F238E27FC236}">
+                <a16:creationId xmlns:a16="http://schemas.microsoft.com/office/drawing/2014/main" id="{89D8B928-D21C-AA4C-B80F-1EF8B00707F7}"/>
+              </a:ext>
+            </a:extLst>
+          </p:cNvPr>
+          <p:cNvPicPr>
+            <a:picLocks noChangeAspect="1"/>
+          </p:cNvPicPr>
+          <p:nvPr/>
+        </p:nvPicPr>
+        <p:blipFill>
+          <a:blip r:embed="rId2"/>
+          <a:stretch>
+            <a:fillRect/>
+          </a:stretch>
+        </p:blipFill>
+        <p:spPr>
+          <a:xfrm>
+            <a:off x="1371600" y="1371600"/>
+            <a:ext cx="6400800" cy="4114800"/>
+          </a:xfrm>
+          <a:prstGeom prst="rect">
+            <a:avLst/>
+          </a:prstGeom>
+        </p:spPr>
+      </p:pic>
+    </p:spTree>
+    <p:extLst>
+      <p:ext uri="{BB962C8B-B14F-4D97-AF65-F5344CB8AC3E}">
+        <p14:creationId xmlns:p14="http://schemas.microsoft.com/office/powerpoint/2010/main" val="230629001"/>
+      </p:ext>
+    </p:extLst>
+  </p:cSld>
+  <p:clrMapOvr>
+    <a:masterClrMapping/>
+  </p:clrMapOvr>
+</p:sld>
+</file>
+
+<file path=ppt/slides/slide13.xml><?xml version="1.0" encoding="utf-8"?>
 <p:sld xmlns:a="http://schemas.openxmlformats.org/drawingml/2006/main" xmlns:r="http://schemas.openxmlformats.org/officeDocument/2006/relationships" xmlns:p="http://schemas.openxmlformats.org/presentationml/2006/main">
   <p:cSld>
     <p:spTree>
@@ -8706,7 +8488,7 @@
 </p:sld>
 </file>
 
-<file path=ppt/slides/slide11.xml><?xml version="1.0" encoding="utf-8"?>
+<file path=ppt/slides/slide14.xml><?xml version="1.0" encoding="utf-8"?>
 <p:sld xmlns:a="http://schemas.openxmlformats.org/drawingml/2006/main" xmlns:r="http://schemas.openxmlformats.org/officeDocument/2006/relationships" xmlns:p="http://schemas.openxmlformats.org/presentationml/2006/main">
   <p:cSld>
     <p:spTree>
@@ -10643,7 +10425,7 @@
 </p:sld>
 </file>
 
-<file path=ppt/slides/slide12.xml><?xml version="1.0" encoding="utf-8"?>
+<file path=ppt/slides/slide15.xml><?xml version="1.0" encoding="utf-8"?>
 <p:sld xmlns:a="http://schemas.openxmlformats.org/drawingml/2006/main" xmlns:r="http://schemas.openxmlformats.org/officeDocument/2006/relationships" xmlns:p="http://schemas.openxmlformats.org/presentationml/2006/main">
   <p:cSld>
     <p:spTree>
@@ -12333,7 +12115,7 @@
 </p:sld>
 </file>
 
-<file path=ppt/slides/slide13.xml><?xml version="1.0" encoding="utf-8"?>
+<file path=ppt/slides/slide16.xml><?xml version="1.0" encoding="utf-8"?>
 <p:sld xmlns:a="http://schemas.openxmlformats.org/drawingml/2006/main" xmlns:r="http://schemas.openxmlformats.org/officeDocument/2006/relationships" xmlns:p="http://schemas.openxmlformats.org/presentationml/2006/main">
   <p:cSld>
     <p:spTree>
@@ -16441,6 +16223,624 @@
 <file path=ppt/slides/slide5.xml><?xml version="1.0" encoding="utf-8"?>
 <p:sld xmlns:a="http://schemas.openxmlformats.org/drawingml/2006/main" xmlns:r="http://schemas.openxmlformats.org/officeDocument/2006/relationships" xmlns:p="http://schemas.openxmlformats.org/presentationml/2006/main">
   <p:cSld>
+    <p:bg>
+      <p:bgPr>
+        <a:solidFill>
+          <a:schemeClr val="bg1"/>
+        </a:solidFill>
+        <a:effectLst/>
+      </p:bgPr>
+    </p:bg>
+    <p:spTree>
+      <p:nvGrpSpPr>
+        <p:cNvPr id="1" name=""/>
+        <p:cNvGrpSpPr/>
+        <p:nvPr/>
+      </p:nvGrpSpPr>
+      <p:grpSpPr>
+        <a:xfrm>
+          <a:off x="0" y="0"/>
+          <a:ext cx="0" cy="0"/>
+          <a:chOff x="0" y="0"/>
+          <a:chExt cx="0" cy="0"/>
+        </a:xfrm>
+      </p:grpSpPr>
+      <p:grpSp>
+        <p:nvGrpSpPr>
+          <p:cNvPr id="106" name="Group 105">
+            <a:extLst>
+              <a:ext uri="{FF2B5EF4-FFF2-40B4-BE49-F238E27FC236}">
+                <a16:creationId xmlns:a16="http://schemas.microsoft.com/office/drawing/2014/main" id="{9BC29308-3B4B-1B46-8CF7-2E198CCE6CB4}"/>
+              </a:ext>
+            </a:extLst>
+          </p:cNvPr>
+          <p:cNvGrpSpPr/>
+          <p:nvPr/>
+        </p:nvGrpSpPr>
+        <p:grpSpPr>
+          <a:xfrm>
+            <a:off x="3616761" y="451972"/>
+            <a:ext cx="4747150" cy="5926594"/>
+            <a:chOff x="3616761" y="451972"/>
+            <a:chExt cx="4747150" cy="5926594"/>
+          </a:xfrm>
+        </p:grpSpPr>
+        <p:pic>
+          <p:nvPicPr>
+            <p:cNvPr id="83" name="Picture 82">
+              <a:extLst>
+                <a:ext uri="{FF2B5EF4-FFF2-40B4-BE49-F238E27FC236}">
+                  <a16:creationId xmlns:a16="http://schemas.microsoft.com/office/drawing/2014/main" id="{BC6DB0C7-3EBA-EB43-973D-68C4A8A942B1}"/>
+                </a:ext>
+              </a:extLst>
+            </p:cNvPr>
+            <p:cNvPicPr>
+              <a:picLocks noChangeAspect="1"/>
+            </p:cNvPicPr>
+            <p:nvPr/>
+          </p:nvPicPr>
+          <p:blipFill>
+            <a:blip r:embed="rId2"/>
+            <a:stretch>
+              <a:fillRect/>
+            </a:stretch>
+          </p:blipFill>
+          <p:spPr>
+            <a:xfrm>
+              <a:off x="4881996" y="807501"/>
+              <a:ext cx="3481915" cy="5571065"/>
+            </a:xfrm>
+            <a:prstGeom prst="rect">
+              <a:avLst/>
+            </a:prstGeom>
+          </p:spPr>
+        </p:pic>
+        <p:sp>
+          <p:nvSpPr>
+            <p:cNvPr id="85" name="TextBox 84">
+              <a:extLst>
+                <a:ext uri="{FF2B5EF4-FFF2-40B4-BE49-F238E27FC236}">
+                  <a16:creationId xmlns:a16="http://schemas.microsoft.com/office/drawing/2014/main" id="{82AB9524-4327-8B4C-9755-1E46F1968571}"/>
+                </a:ext>
+              </a:extLst>
+            </p:cNvPr>
+            <p:cNvSpPr txBox="1"/>
+            <p:nvPr/>
+          </p:nvSpPr>
+          <p:spPr>
+            <a:xfrm>
+              <a:off x="3616769" y="4030807"/>
+              <a:ext cx="1241498" cy="461665"/>
+            </a:xfrm>
+            <a:prstGeom prst="rect">
+              <a:avLst/>
+            </a:prstGeom>
+            <a:noFill/>
+          </p:spPr>
+          <p:txBody>
+            <a:bodyPr wrap="square" rtlCol="0">
+              <a:spAutoFit/>
+            </a:bodyPr>
+            <a:lstStyle/>
+            <a:p>
+              <a:pPr algn="r"/>
+              <a:r>
+                <a:rPr lang="en-US" sz="1200" dirty="0">
+                  <a:solidFill>
+                    <a:schemeClr val="tx1">
+                      <a:lumMod val="75000"/>
+                      <a:lumOff val="25000"/>
+                    </a:schemeClr>
+                  </a:solidFill>
+                  <a:latin typeface="Arial" panose="020B0604020202020204" pitchFamily="34" charset="0"/>
+                  <a:cs typeface="Arial" panose="020B0604020202020204" pitchFamily="34" charset="0"/>
+                </a:rPr>
+                <a:t>No. larvae </a:t>
+              </a:r>
+            </a:p>
+            <a:p>
+              <a:pPr algn="r"/>
+              <a:r>
+                <a:rPr lang="en-US" sz="1200" dirty="0">
+                  <a:solidFill>
+                    <a:schemeClr val="tx1">
+                      <a:lumMod val="75000"/>
+                      <a:lumOff val="25000"/>
+                    </a:schemeClr>
+                  </a:solidFill>
+                  <a:latin typeface="Arial" panose="020B0604020202020204" pitchFamily="34" charset="0"/>
+                  <a:cs typeface="Arial" panose="020B0604020202020204" pitchFamily="34" charset="0"/>
+                </a:rPr>
+                <a:t>released day</a:t>
+              </a:r>
+              <a:r>
+                <a:rPr lang="en-US" sz="1200" baseline="30000" dirty="0">
+                  <a:solidFill>
+                    <a:schemeClr val="tx1">
+                      <a:lumMod val="75000"/>
+                      <a:lumOff val="25000"/>
+                    </a:schemeClr>
+                  </a:solidFill>
+                  <a:latin typeface="Arial" panose="020B0604020202020204" pitchFamily="34" charset="0"/>
+                  <a:cs typeface="Arial" panose="020B0604020202020204" pitchFamily="34" charset="0"/>
+                </a:rPr>
+                <a:t> -1</a:t>
+              </a:r>
+            </a:p>
+          </p:txBody>
+        </p:sp>
+        <p:sp>
+          <p:nvSpPr>
+            <p:cNvPr id="86" name="TextBox 85">
+              <a:extLst>
+                <a:ext uri="{FF2B5EF4-FFF2-40B4-BE49-F238E27FC236}">
+                  <a16:creationId xmlns:a16="http://schemas.microsoft.com/office/drawing/2014/main" id="{C16DCF3B-86E7-A44B-B087-ED7B4AAB14FF}"/>
+                </a:ext>
+              </a:extLst>
+            </p:cNvPr>
+            <p:cNvSpPr txBox="1"/>
+            <p:nvPr/>
+          </p:nvSpPr>
+          <p:spPr>
+            <a:xfrm>
+              <a:off x="4870578" y="2723848"/>
+              <a:ext cx="850032" cy="415498"/>
+            </a:xfrm>
+            <a:prstGeom prst="rect">
+              <a:avLst/>
+            </a:prstGeom>
+            <a:noFill/>
+          </p:spPr>
+          <p:txBody>
+            <a:bodyPr wrap="square" rtlCol="0">
+              <a:spAutoFit/>
+            </a:bodyPr>
+            <a:lstStyle/>
+            <a:p>
+              <a:r>
+                <a:rPr lang="en-US" sz="1000" dirty="0">
+                  <a:solidFill>
+                    <a:schemeClr val="tx1">
+                      <a:lumMod val="75000"/>
+                      <a:lumOff val="25000"/>
+                    </a:schemeClr>
+                  </a:solidFill>
+                  <a:latin typeface="Arial" panose="020B0604020202020204" pitchFamily="34" charset="0"/>
+                  <a:cs typeface="Arial" panose="020B0604020202020204" pitchFamily="34" charset="0"/>
+                </a:rPr>
+                <a:t>7°C+</a:t>
+              </a:r>
+            </a:p>
+            <a:p>
+              <a:r>
+                <a:rPr lang="en-US" sz="1000" dirty="0">
+                  <a:solidFill>
+                    <a:schemeClr val="tx1">
+                      <a:lumMod val="75000"/>
+                      <a:lumOff val="25000"/>
+                    </a:schemeClr>
+                  </a:solidFill>
+                  <a:latin typeface="Arial" panose="020B0604020202020204" pitchFamily="34" charset="0"/>
+                  <a:cs typeface="Arial" panose="020B0604020202020204" pitchFamily="34" charset="0"/>
+                </a:rPr>
+                <a:t>low-food</a:t>
+              </a:r>
+            </a:p>
+          </p:txBody>
+        </p:sp>
+        <p:sp>
+          <p:nvSpPr>
+            <p:cNvPr id="87" name="TextBox 86">
+              <a:extLst>
+                <a:ext uri="{FF2B5EF4-FFF2-40B4-BE49-F238E27FC236}">
+                  <a16:creationId xmlns:a16="http://schemas.microsoft.com/office/drawing/2014/main" id="{C5FAF131-2821-3D4A-A92D-052FDDD5E198}"/>
+                </a:ext>
+              </a:extLst>
+            </p:cNvPr>
+            <p:cNvSpPr txBox="1"/>
+            <p:nvPr/>
+          </p:nvSpPr>
+          <p:spPr>
+            <a:xfrm>
+              <a:off x="4870578" y="3631731"/>
+              <a:ext cx="850032" cy="415498"/>
+            </a:xfrm>
+            <a:prstGeom prst="rect">
+              <a:avLst/>
+            </a:prstGeom>
+            <a:noFill/>
+          </p:spPr>
+          <p:txBody>
+            <a:bodyPr wrap="square" rtlCol="0">
+              <a:spAutoFit/>
+            </a:bodyPr>
+            <a:lstStyle/>
+            <a:p>
+              <a:r>
+                <a:rPr lang="en-US" sz="1000" dirty="0">
+                  <a:solidFill>
+                    <a:schemeClr val="tx1">
+                      <a:lumMod val="75000"/>
+                      <a:lumOff val="25000"/>
+                    </a:schemeClr>
+                  </a:solidFill>
+                  <a:latin typeface="Arial" panose="020B0604020202020204" pitchFamily="34" charset="0"/>
+                  <a:cs typeface="Arial" panose="020B0604020202020204" pitchFamily="34" charset="0"/>
+                </a:rPr>
+                <a:t>10°C+ </a:t>
+              </a:r>
+            </a:p>
+            <a:p>
+              <a:r>
+                <a:rPr lang="en-US" sz="1000" dirty="0">
+                  <a:solidFill>
+                    <a:schemeClr val="tx1">
+                      <a:lumMod val="75000"/>
+                      <a:lumOff val="25000"/>
+                    </a:schemeClr>
+                  </a:solidFill>
+                  <a:latin typeface="Arial" panose="020B0604020202020204" pitchFamily="34" charset="0"/>
+                  <a:cs typeface="Arial" panose="020B0604020202020204" pitchFamily="34" charset="0"/>
+                </a:rPr>
+                <a:t>low-food</a:t>
+              </a:r>
+            </a:p>
+          </p:txBody>
+        </p:sp>
+        <p:sp>
+          <p:nvSpPr>
+            <p:cNvPr id="88" name="TextBox 87">
+              <a:extLst>
+                <a:ext uri="{FF2B5EF4-FFF2-40B4-BE49-F238E27FC236}">
+                  <a16:creationId xmlns:a16="http://schemas.microsoft.com/office/drawing/2014/main" id="{AFD3D689-22AB-9345-8074-57F34A0B8DD3}"/>
+                </a:ext>
+              </a:extLst>
+            </p:cNvPr>
+            <p:cNvSpPr txBox="1"/>
+            <p:nvPr/>
+          </p:nvSpPr>
+          <p:spPr>
+            <a:xfrm>
+              <a:off x="4870578" y="4555037"/>
+              <a:ext cx="850032" cy="415498"/>
+            </a:xfrm>
+            <a:prstGeom prst="rect">
+              <a:avLst/>
+            </a:prstGeom>
+            <a:noFill/>
+          </p:spPr>
+          <p:txBody>
+            <a:bodyPr wrap="square" rtlCol="0">
+              <a:spAutoFit/>
+            </a:bodyPr>
+            <a:lstStyle/>
+            <a:p>
+              <a:r>
+                <a:rPr lang="en-US" sz="1000" dirty="0">
+                  <a:solidFill>
+                    <a:schemeClr val="tx1">
+                      <a:lumMod val="75000"/>
+                      <a:lumOff val="25000"/>
+                    </a:schemeClr>
+                  </a:solidFill>
+                  <a:latin typeface="Arial" panose="020B0604020202020204" pitchFamily="34" charset="0"/>
+                  <a:cs typeface="Arial" panose="020B0604020202020204" pitchFamily="34" charset="0"/>
+                </a:rPr>
+                <a:t>7°C+ </a:t>
+              </a:r>
+            </a:p>
+            <a:p>
+              <a:r>
+                <a:rPr lang="en-US" sz="1000" dirty="0">
+                  <a:solidFill>
+                    <a:schemeClr val="tx1">
+                      <a:lumMod val="75000"/>
+                      <a:lumOff val="25000"/>
+                    </a:schemeClr>
+                  </a:solidFill>
+                  <a:latin typeface="Arial" panose="020B0604020202020204" pitchFamily="34" charset="0"/>
+                  <a:cs typeface="Arial" panose="020B0604020202020204" pitchFamily="34" charset="0"/>
+                </a:rPr>
+                <a:t>high-food</a:t>
+              </a:r>
+            </a:p>
+          </p:txBody>
+        </p:sp>
+        <p:sp>
+          <p:nvSpPr>
+            <p:cNvPr id="89" name="TextBox 88">
+              <a:extLst>
+                <a:ext uri="{FF2B5EF4-FFF2-40B4-BE49-F238E27FC236}">
+                  <a16:creationId xmlns:a16="http://schemas.microsoft.com/office/drawing/2014/main" id="{494D5BDB-0AEF-974F-86D8-CF501CBC2355}"/>
+                </a:ext>
+              </a:extLst>
+            </p:cNvPr>
+            <p:cNvSpPr txBox="1"/>
+            <p:nvPr/>
+          </p:nvSpPr>
+          <p:spPr>
+            <a:xfrm>
+              <a:off x="4870578" y="5478343"/>
+              <a:ext cx="850032" cy="415498"/>
+            </a:xfrm>
+            <a:prstGeom prst="rect">
+              <a:avLst/>
+            </a:prstGeom>
+            <a:noFill/>
+          </p:spPr>
+          <p:txBody>
+            <a:bodyPr wrap="square" rtlCol="0">
+              <a:spAutoFit/>
+            </a:bodyPr>
+            <a:lstStyle/>
+            <a:p>
+              <a:r>
+                <a:rPr lang="en-US" sz="1000" dirty="0">
+                  <a:solidFill>
+                    <a:schemeClr val="tx1">
+                      <a:lumMod val="75000"/>
+                      <a:lumOff val="25000"/>
+                    </a:schemeClr>
+                  </a:solidFill>
+                  <a:latin typeface="Arial" panose="020B0604020202020204" pitchFamily="34" charset="0"/>
+                  <a:cs typeface="Arial" panose="020B0604020202020204" pitchFamily="34" charset="0"/>
+                </a:rPr>
+                <a:t>10°C+ </a:t>
+              </a:r>
+            </a:p>
+            <a:p>
+              <a:r>
+                <a:rPr lang="en-US" sz="1000" dirty="0">
+                  <a:solidFill>
+                    <a:schemeClr val="tx1">
+                      <a:lumMod val="75000"/>
+                      <a:lumOff val="25000"/>
+                    </a:schemeClr>
+                  </a:solidFill>
+                  <a:latin typeface="Arial" panose="020B0604020202020204" pitchFamily="34" charset="0"/>
+                  <a:cs typeface="Arial" panose="020B0604020202020204" pitchFamily="34" charset="0"/>
+                </a:rPr>
+                <a:t>high-food</a:t>
+              </a:r>
+            </a:p>
+          </p:txBody>
+        </p:sp>
+        <p:sp>
+          <p:nvSpPr>
+            <p:cNvPr id="90" name="TextBox 89">
+              <a:extLst>
+                <a:ext uri="{FF2B5EF4-FFF2-40B4-BE49-F238E27FC236}">
+                  <a16:creationId xmlns:a16="http://schemas.microsoft.com/office/drawing/2014/main" id="{C14559EE-C4CB-7F4A-8EDF-FF7000044A6D}"/>
+                </a:ext>
+              </a:extLst>
+            </p:cNvPr>
+            <p:cNvSpPr txBox="1"/>
+            <p:nvPr/>
+          </p:nvSpPr>
+          <p:spPr>
+            <a:xfrm>
+              <a:off x="3616761" y="1370163"/>
+              <a:ext cx="1230385" cy="646331"/>
+            </a:xfrm>
+            <a:prstGeom prst="rect">
+              <a:avLst/>
+            </a:prstGeom>
+            <a:noFill/>
+          </p:spPr>
+          <p:txBody>
+            <a:bodyPr wrap="square" rtlCol="0">
+              <a:spAutoFit/>
+            </a:bodyPr>
+            <a:lstStyle/>
+            <a:p>
+              <a:pPr algn="r"/>
+              <a:r>
+                <a:rPr lang="en-US" sz="1200" dirty="0">
+                  <a:solidFill>
+                    <a:schemeClr val="tx1">
+                      <a:lumMod val="75000"/>
+                      <a:lumOff val="25000"/>
+                    </a:schemeClr>
+                  </a:solidFill>
+                  <a:latin typeface="Arial" panose="020B0604020202020204" pitchFamily="34" charset="0"/>
+                  <a:cs typeface="Arial" panose="020B0604020202020204" pitchFamily="34" charset="0"/>
+                </a:rPr>
+                <a:t>Cumulative larvae released</a:t>
+              </a:r>
+            </a:p>
+            <a:p>
+              <a:pPr algn="r"/>
+              <a:r>
+                <a:rPr lang="en-US" sz="1200" dirty="0">
+                  <a:solidFill>
+                    <a:schemeClr val="tx1">
+                      <a:lumMod val="75000"/>
+                      <a:lumOff val="25000"/>
+                    </a:schemeClr>
+                  </a:solidFill>
+                  <a:latin typeface="Arial" panose="020B0604020202020204" pitchFamily="34" charset="0"/>
+                  <a:cs typeface="Arial" panose="020B0604020202020204" pitchFamily="34" charset="0"/>
+                </a:rPr>
+                <a:t>adult</a:t>
+              </a:r>
+              <a:r>
+                <a:rPr lang="en-US" sz="1200" baseline="30000" dirty="0">
+                  <a:solidFill>
+                    <a:schemeClr val="tx1">
+                      <a:lumMod val="75000"/>
+                      <a:lumOff val="25000"/>
+                    </a:schemeClr>
+                  </a:solidFill>
+                  <a:latin typeface="Arial" panose="020B0604020202020204" pitchFamily="34" charset="0"/>
+                  <a:cs typeface="Arial" panose="020B0604020202020204" pitchFamily="34" charset="0"/>
+                </a:rPr>
+                <a:t> -1</a:t>
+              </a:r>
+            </a:p>
+          </p:txBody>
+        </p:sp>
+        <p:cxnSp>
+          <p:nvCxnSpPr>
+            <p:cNvPr id="93" name="Straight Connector 92">
+              <a:extLst>
+                <a:ext uri="{FF2B5EF4-FFF2-40B4-BE49-F238E27FC236}">
+                  <a16:creationId xmlns:a16="http://schemas.microsoft.com/office/drawing/2014/main" id="{B5308FA0-AC67-4F47-956C-4DD21714C26C}"/>
+                </a:ext>
+              </a:extLst>
+            </p:cNvPr>
+            <p:cNvCxnSpPr>
+              <a:cxnSpLocks/>
+            </p:cNvCxnSpPr>
+            <p:nvPr/>
+          </p:nvCxnSpPr>
+          <p:spPr>
+            <a:xfrm flipV="1">
+              <a:off x="4874446" y="2713892"/>
+              <a:ext cx="0" cy="3557955"/>
+            </a:xfrm>
+            <a:prstGeom prst="line">
+              <a:avLst/>
+            </a:prstGeom>
+            <a:ln w="9525">
+              <a:solidFill>
+                <a:schemeClr val="bg1">
+                  <a:lumMod val="50000"/>
+                </a:schemeClr>
+              </a:solidFill>
+            </a:ln>
+          </p:spPr>
+          <p:style>
+            <a:lnRef idx="1">
+              <a:schemeClr val="accent1"/>
+            </a:lnRef>
+            <a:fillRef idx="0">
+              <a:schemeClr val="accent1"/>
+            </a:fillRef>
+            <a:effectRef idx="0">
+              <a:schemeClr val="accent1"/>
+            </a:effectRef>
+            <a:fontRef idx="minor">
+              <a:schemeClr val="tx1"/>
+            </a:fontRef>
+          </p:style>
+        </p:cxnSp>
+        <p:cxnSp>
+          <p:nvCxnSpPr>
+            <p:cNvPr id="95" name="Straight Connector 94">
+              <a:extLst>
+                <a:ext uri="{FF2B5EF4-FFF2-40B4-BE49-F238E27FC236}">
+                  <a16:creationId xmlns:a16="http://schemas.microsoft.com/office/drawing/2014/main" id="{718CE5C6-0FD1-CD40-A2B6-D34BCDDFD051}"/>
+                </a:ext>
+              </a:extLst>
+            </p:cNvPr>
+            <p:cNvCxnSpPr>
+              <a:cxnSpLocks/>
+            </p:cNvCxnSpPr>
+            <p:nvPr/>
+          </p:nvCxnSpPr>
+          <p:spPr>
+            <a:xfrm flipV="1">
+              <a:off x="4874446" y="765800"/>
+              <a:ext cx="0" cy="1672600"/>
+            </a:xfrm>
+            <a:prstGeom prst="line">
+              <a:avLst/>
+            </a:prstGeom>
+            <a:ln w="9525">
+              <a:solidFill>
+                <a:schemeClr val="bg1">
+                  <a:lumMod val="50000"/>
+                </a:schemeClr>
+              </a:solidFill>
+            </a:ln>
+          </p:spPr>
+          <p:style>
+            <a:lnRef idx="1">
+              <a:schemeClr val="accent1"/>
+            </a:lnRef>
+            <a:fillRef idx="0">
+              <a:schemeClr val="accent1"/>
+            </a:fillRef>
+            <a:effectRef idx="0">
+              <a:schemeClr val="accent1"/>
+            </a:effectRef>
+            <a:fontRef idx="minor">
+              <a:schemeClr val="tx1"/>
+            </a:fontRef>
+          </p:style>
+        </p:cxnSp>
+        <p:sp>
+          <p:nvSpPr>
+            <p:cNvPr id="15" name="TextBox 14">
+              <a:extLst>
+                <a:ext uri="{FF2B5EF4-FFF2-40B4-BE49-F238E27FC236}">
+                  <a16:creationId xmlns:a16="http://schemas.microsoft.com/office/drawing/2014/main" id="{128B7FB6-C246-E74E-8C3C-7F5FAE00E12B}"/>
+                </a:ext>
+              </a:extLst>
+            </p:cNvPr>
+            <p:cNvSpPr txBox="1"/>
+            <p:nvPr/>
+          </p:nvSpPr>
+          <p:spPr>
+            <a:xfrm>
+              <a:off x="5396948" y="451972"/>
+              <a:ext cx="1888431" cy="461665"/>
+            </a:xfrm>
+            <a:prstGeom prst="rect">
+              <a:avLst/>
+            </a:prstGeom>
+            <a:noFill/>
+          </p:spPr>
+          <p:txBody>
+            <a:bodyPr wrap="square" rtlCol="0">
+              <a:spAutoFit/>
+            </a:bodyPr>
+            <a:lstStyle/>
+            <a:p>
+              <a:pPr algn="ctr"/>
+              <a:r>
+                <a:rPr lang="en-US" sz="1200" dirty="0">
+                  <a:solidFill>
+                    <a:schemeClr val="tx1">
+                      <a:lumMod val="75000"/>
+                      <a:lumOff val="25000"/>
+                    </a:schemeClr>
+                  </a:solidFill>
+                  <a:latin typeface="Arial" panose="020B0604020202020204" pitchFamily="34" charset="0"/>
+                  <a:cs typeface="Arial" panose="020B0604020202020204" pitchFamily="34" charset="0"/>
+                </a:rPr>
+                <a:t>Larval production by adult winter treatment</a:t>
+              </a:r>
+              <a:endParaRPr lang="en-US" sz="1200" baseline="30000" dirty="0">
+                <a:solidFill>
+                  <a:schemeClr val="tx1">
+                    <a:lumMod val="75000"/>
+                    <a:lumOff val="25000"/>
+                  </a:schemeClr>
+                </a:solidFill>
+                <a:latin typeface="Arial" panose="020B0604020202020204" pitchFamily="34" charset="0"/>
+                <a:cs typeface="Arial" panose="020B0604020202020204" pitchFamily="34" charset="0"/>
+              </a:endParaRPr>
+            </a:p>
+          </p:txBody>
+        </p:sp>
+      </p:grpSp>
+    </p:spTree>
+    <p:extLst>
+      <p:ext uri="{BB962C8B-B14F-4D97-AF65-F5344CB8AC3E}">
+        <p14:creationId xmlns:p14="http://schemas.microsoft.com/office/powerpoint/2010/main" val="3832805100"/>
+      </p:ext>
+    </p:extLst>
+  </p:cSld>
+  <p:clrMapOvr>
+    <a:masterClrMapping/>
+  </p:clrMapOvr>
+</p:sld>
+</file>
+
+<file path=ppt/slides/slide6.xml><?xml version="1.0" encoding="utf-8"?>
+<p:sld xmlns:a="http://schemas.openxmlformats.org/drawingml/2006/main" xmlns:r="http://schemas.openxmlformats.org/officeDocument/2006/relationships" xmlns:p="http://schemas.openxmlformats.org/presentationml/2006/main">
+  <p:cSld>
     <p:spTree>
       <p:nvGrpSpPr>
         <p:cNvPr id="1" name=""/>
@@ -16498,7 +16898,7 @@
 </p:sld>
 </file>
 
-<file path=ppt/slides/slide6.xml><?xml version="1.0" encoding="utf-8"?>
+<file path=ppt/slides/slide7.xml><?xml version="1.0" encoding="utf-8"?>
 <p:sld xmlns:a="http://schemas.openxmlformats.org/drawingml/2006/main" xmlns:r="http://schemas.openxmlformats.org/officeDocument/2006/relationships" xmlns:p="http://schemas.openxmlformats.org/presentationml/2006/main">
   <p:cSld>
     <p:spTree>
@@ -16751,7 +17151,238 @@
 </p:sld>
 </file>
 
-<file path=ppt/slides/slide7.xml><?xml version="1.0" encoding="utf-8"?>
+<file path=ppt/slides/slide8.xml><?xml version="1.0" encoding="utf-8"?>
+<p:sld xmlns:a="http://schemas.openxmlformats.org/drawingml/2006/main" xmlns:r="http://schemas.openxmlformats.org/officeDocument/2006/relationships" xmlns:p="http://schemas.openxmlformats.org/presentationml/2006/main">
+  <p:cSld>
+    <p:spTree>
+      <p:nvGrpSpPr>
+        <p:cNvPr id="1" name=""/>
+        <p:cNvGrpSpPr/>
+        <p:nvPr/>
+      </p:nvGrpSpPr>
+      <p:grpSpPr>
+        <a:xfrm>
+          <a:off x="0" y="0"/>
+          <a:ext cx="0" cy="0"/>
+          <a:chOff x="0" y="0"/>
+          <a:chExt cx="0" cy="0"/>
+        </a:xfrm>
+      </p:grpSpPr>
+      <p:pic>
+        <p:nvPicPr>
+          <p:cNvPr id="13" name="Picture 12">
+            <a:extLst>
+              <a:ext uri="{FF2B5EF4-FFF2-40B4-BE49-F238E27FC236}">
+                <a16:creationId xmlns:a16="http://schemas.microsoft.com/office/drawing/2014/main" id="{A64EB255-77A5-9243-960C-B765454C9493}"/>
+              </a:ext>
+            </a:extLst>
+          </p:cNvPr>
+          <p:cNvPicPr>
+            <a:picLocks noChangeAspect="1"/>
+          </p:cNvPicPr>
+          <p:nvPr/>
+        </p:nvPicPr>
+        <p:blipFill rotWithShape="1">
+          <a:blip r:embed="rId2"/>
+          <a:srcRect l="67471" t="54339" b="21322"/>
+          <a:stretch/>
+        </p:blipFill>
+        <p:spPr>
+          <a:xfrm>
+            <a:off x="7032641" y="5113552"/>
+            <a:ext cx="1487214" cy="1112783"/>
+          </a:xfrm>
+          <a:prstGeom prst="rect">
+            <a:avLst/>
+          </a:prstGeom>
+        </p:spPr>
+      </p:pic>
+      <p:grpSp>
+        <p:nvGrpSpPr>
+          <p:cNvPr id="7" name="Group 6">
+            <a:extLst>
+              <a:ext uri="{FF2B5EF4-FFF2-40B4-BE49-F238E27FC236}">
+                <a16:creationId xmlns:a16="http://schemas.microsoft.com/office/drawing/2014/main" id="{BC41EB9A-7453-B846-9C8D-2F3BB955BB07}"/>
+              </a:ext>
+            </a:extLst>
+          </p:cNvPr>
+          <p:cNvGrpSpPr/>
+          <p:nvPr/>
+        </p:nvGrpSpPr>
+        <p:grpSpPr>
+          <a:xfrm>
+            <a:off x="858117" y="1559551"/>
+            <a:ext cx="5703491" cy="2482362"/>
+            <a:chOff x="858117" y="1559551"/>
+            <a:chExt cx="5703491" cy="2482362"/>
+          </a:xfrm>
+        </p:grpSpPr>
+        <p:grpSp>
+          <p:nvGrpSpPr>
+            <p:cNvPr id="5" name="Group 4">
+              <a:extLst>
+                <a:ext uri="{FF2B5EF4-FFF2-40B4-BE49-F238E27FC236}">
+                  <a16:creationId xmlns:a16="http://schemas.microsoft.com/office/drawing/2014/main" id="{DAEC8D80-9E9D-BE49-BF98-BFE01F64D8EB}"/>
+                </a:ext>
+              </a:extLst>
+            </p:cNvPr>
+            <p:cNvGrpSpPr/>
+            <p:nvPr/>
+          </p:nvGrpSpPr>
+          <p:grpSpPr>
+            <a:xfrm>
+              <a:off x="858117" y="1755913"/>
+              <a:ext cx="5703491" cy="2286000"/>
+              <a:chOff x="858117" y="1755913"/>
+              <a:chExt cx="5703491" cy="2286000"/>
+            </a:xfrm>
+          </p:grpSpPr>
+          <p:sp>
+            <p:nvSpPr>
+              <p:cNvPr id="8" name="TextBox 7">
+                <a:extLst>
+                  <a:ext uri="{FF2B5EF4-FFF2-40B4-BE49-F238E27FC236}">
+                    <a16:creationId xmlns:a16="http://schemas.microsoft.com/office/drawing/2014/main" id="{C90F28CE-1080-A44F-8926-20640D72D144}"/>
+                  </a:ext>
+                </a:extLst>
+              </p:cNvPr>
+              <p:cNvSpPr txBox="1"/>
+              <p:nvPr/>
+            </p:nvSpPr>
+            <p:spPr>
+              <a:xfrm rot="16200000">
+                <a:off x="197192" y="2930773"/>
+                <a:ext cx="1598849" cy="276999"/>
+              </a:xfrm>
+              <a:prstGeom prst="rect">
+                <a:avLst/>
+              </a:prstGeom>
+              <a:noFill/>
+            </p:spPr>
+            <p:txBody>
+              <a:bodyPr wrap="square" rtlCol="0">
+                <a:spAutoFit/>
+              </a:bodyPr>
+              <a:lstStyle/>
+              <a:p>
+                <a:pPr algn="r"/>
+                <a:r>
+                  <a:rPr lang="en-US" sz="1200" dirty="0">
+                    <a:solidFill>
+                      <a:schemeClr val="tx1">
+                        <a:lumMod val="75000"/>
+                        <a:lumOff val="25000"/>
+                      </a:schemeClr>
+                    </a:solidFill>
+                    <a:latin typeface="Arial" panose="020B0604020202020204" pitchFamily="34" charset="0"/>
+                    <a:cs typeface="Arial" panose="020B0604020202020204" pitchFamily="34" charset="0"/>
+                  </a:rPr>
+                  <a:t>Percent survival</a:t>
+                </a:r>
+                <a:endParaRPr lang="en-US" sz="1200" baseline="30000" dirty="0">
+                  <a:solidFill>
+                    <a:schemeClr val="tx1">
+                      <a:lumMod val="75000"/>
+                      <a:lumOff val="25000"/>
+                    </a:schemeClr>
+                  </a:solidFill>
+                  <a:latin typeface="Arial" panose="020B0604020202020204" pitchFamily="34" charset="0"/>
+                  <a:cs typeface="Arial" panose="020B0604020202020204" pitchFamily="34" charset="0"/>
+                </a:endParaRPr>
+              </a:p>
+            </p:txBody>
+          </p:sp>
+          <p:pic>
+            <p:nvPicPr>
+              <p:cNvPr id="3" name="Picture 2">
+                <a:extLst>
+                  <a:ext uri="{FF2B5EF4-FFF2-40B4-BE49-F238E27FC236}">
+                    <a16:creationId xmlns:a16="http://schemas.microsoft.com/office/drawing/2014/main" id="{11FAB325-04FE-CD41-8FFA-D85A597465C8}"/>
+                  </a:ext>
+                </a:extLst>
+              </p:cNvPr>
+              <p:cNvPicPr>
+                <a:picLocks noChangeAspect="1"/>
+              </p:cNvPicPr>
+              <p:nvPr/>
+            </p:nvPicPr>
+            <p:blipFill>
+              <a:blip r:embed="rId3"/>
+              <a:stretch>
+                <a:fillRect/>
+              </a:stretch>
+            </p:blipFill>
+            <p:spPr>
+              <a:xfrm>
+                <a:off x="1075208" y="1755913"/>
+                <a:ext cx="5486400" cy="2286000"/>
+              </a:xfrm>
+              <a:prstGeom prst="rect">
+                <a:avLst/>
+              </a:prstGeom>
+            </p:spPr>
+          </p:pic>
+        </p:grpSp>
+        <p:sp>
+          <p:nvSpPr>
+            <p:cNvPr id="15" name="TextBox 14">
+              <a:extLst>
+                <a:ext uri="{FF2B5EF4-FFF2-40B4-BE49-F238E27FC236}">
+                  <a16:creationId xmlns:a16="http://schemas.microsoft.com/office/drawing/2014/main" id="{C30EE3FA-E8A5-CB44-9994-3F31148B4B13}"/>
+                </a:ext>
+              </a:extLst>
+            </p:cNvPr>
+            <p:cNvSpPr txBox="1"/>
+            <p:nvPr/>
+          </p:nvSpPr>
+          <p:spPr>
+            <a:xfrm>
+              <a:off x="1104704" y="1559551"/>
+              <a:ext cx="2618858" cy="292388"/>
+            </a:xfrm>
+            <a:prstGeom prst="rect">
+              <a:avLst/>
+            </a:prstGeom>
+            <a:noFill/>
+          </p:spPr>
+          <p:txBody>
+            <a:bodyPr wrap="square" rtlCol="0">
+              <a:spAutoFit/>
+            </a:bodyPr>
+            <a:lstStyle/>
+            <a:p>
+              <a:pPr algn="ctr"/>
+              <a:r>
+                <a:rPr lang="en-US" sz="1300" dirty="0">
+                  <a:solidFill>
+                    <a:schemeClr val="tx1">
+                      <a:lumMod val="75000"/>
+                      <a:lumOff val="25000"/>
+                    </a:schemeClr>
+                  </a:solidFill>
+                  <a:latin typeface="Arial" panose="020B0604020202020204" pitchFamily="34" charset="0"/>
+                  <a:cs typeface="Arial" panose="020B0604020202020204" pitchFamily="34" charset="0"/>
+                </a:rPr>
+                <a:t>Adult survival over time</a:t>
+              </a:r>
+            </a:p>
+          </p:txBody>
+        </p:sp>
+      </p:grpSp>
+    </p:spTree>
+    <p:extLst>
+      <p:ext uri="{BB962C8B-B14F-4D97-AF65-F5344CB8AC3E}">
+        <p14:creationId xmlns:p14="http://schemas.microsoft.com/office/powerpoint/2010/main" val="3017482134"/>
+      </p:ext>
+    </p:extLst>
+  </p:cSld>
+  <p:clrMapOvr>
+    <a:masterClrMapping/>
+  </p:clrMapOvr>
+</p:sld>
+</file>
+
+<file path=ppt/slides/slide9.xml><?xml version="1.0" encoding="utf-8"?>
 <p:sld xmlns:a="http://schemas.openxmlformats.org/drawingml/2006/main" xmlns:r="http://schemas.openxmlformats.org/officeDocument/2006/relationships" xmlns:p="http://schemas.openxmlformats.org/presentationml/2006/main">
   <p:cSld>
     <p:spTree>
@@ -16831,224 +17462,6 @@
     <p:extLst>
       <p:ext uri="{BB962C8B-B14F-4D97-AF65-F5344CB8AC3E}">
         <p14:creationId xmlns:p14="http://schemas.microsoft.com/office/powerpoint/2010/main" val="1703919590"/>
-      </p:ext>
-    </p:extLst>
-  </p:cSld>
-  <p:clrMapOvr>
-    <a:masterClrMapping/>
-  </p:clrMapOvr>
-</p:sld>
-</file>
-
-<file path=ppt/slides/slide8.xml><?xml version="1.0" encoding="utf-8"?>
-<p:sld xmlns:a="http://schemas.openxmlformats.org/drawingml/2006/main" xmlns:r="http://schemas.openxmlformats.org/officeDocument/2006/relationships" xmlns:p="http://schemas.openxmlformats.org/presentationml/2006/main">
-  <p:cSld>
-    <p:spTree>
-      <p:nvGrpSpPr>
-        <p:cNvPr id="1" name=""/>
-        <p:cNvGrpSpPr/>
-        <p:nvPr/>
-      </p:nvGrpSpPr>
-      <p:grpSpPr>
-        <a:xfrm>
-          <a:off x="0" y="0"/>
-          <a:ext cx="0" cy="0"/>
-          <a:chOff x="0" y="0"/>
-          <a:chExt cx="0" cy="0"/>
-        </a:xfrm>
-      </p:grpSpPr>
-      <p:grpSp>
-        <p:nvGrpSpPr>
-          <p:cNvPr id="4" name="Group 3">
-            <a:extLst>
-              <a:ext uri="{FF2B5EF4-FFF2-40B4-BE49-F238E27FC236}">
-                <a16:creationId xmlns:a16="http://schemas.microsoft.com/office/drawing/2014/main" id="{3BFDDE80-D3BA-7A44-8FC8-4CFB5126EED9}"/>
-              </a:ext>
-            </a:extLst>
-          </p:cNvPr>
-          <p:cNvGrpSpPr/>
-          <p:nvPr/>
-        </p:nvGrpSpPr>
-        <p:grpSpPr>
-          <a:xfrm>
-            <a:off x="454524" y="775009"/>
-            <a:ext cx="7532540" cy="4767146"/>
-            <a:chOff x="433157" y="685800"/>
-            <a:chExt cx="8669029" cy="5486400"/>
-          </a:xfrm>
-        </p:grpSpPr>
-        <p:pic>
-          <p:nvPicPr>
-            <p:cNvPr id="5" name="Picture 4">
-              <a:extLst>
-                <a:ext uri="{FF2B5EF4-FFF2-40B4-BE49-F238E27FC236}">
-                  <a16:creationId xmlns:a16="http://schemas.microsoft.com/office/drawing/2014/main" id="{F10F54B1-A393-0749-8C27-FC47CDD4768A}"/>
-                </a:ext>
-              </a:extLst>
-            </p:cNvPr>
-            <p:cNvPicPr>
-              <a:picLocks noChangeAspect="1"/>
-            </p:cNvPicPr>
-            <p:nvPr/>
-          </p:nvPicPr>
-          <p:blipFill rotWithShape="1">
-            <a:blip r:embed="rId2"/>
-            <a:srcRect r="29948"/>
-            <a:stretch/>
-          </p:blipFill>
-          <p:spPr>
-            <a:xfrm>
-              <a:off x="433157" y="685800"/>
-              <a:ext cx="3843338" cy="5486400"/>
-            </a:xfrm>
-            <a:prstGeom prst="rect">
-              <a:avLst/>
-            </a:prstGeom>
-          </p:spPr>
-        </p:pic>
-        <p:pic>
-          <p:nvPicPr>
-            <p:cNvPr id="3" name="Picture 2">
-              <a:extLst>
-                <a:ext uri="{FF2B5EF4-FFF2-40B4-BE49-F238E27FC236}">
-                  <a16:creationId xmlns:a16="http://schemas.microsoft.com/office/drawing/2014/main" id="{56BDC90E-2808-2847-8B58-814D3336B4D6}"/>
-                </a:ext>
-              </a:extLst>
-            </p:cNvPr>
-            <p:cNvPicPr>
-              <a:picLocks noChangeAspect="1"/>
-            </p:cNvPicPr>
-            <p:nvPr/>
-          </p:nvPicPr>
-          <p:blipFill rotWithShape="1">
-            <a:blip r:embed="rId3"/>
-            <a:srcRect r="1685"/>
-            <a:stretch/>
-          </p:blipFill>
-          <p:spPr>
-            <a:xfrm>
-              <a:off x="4220740" y="744597"/>
-              <a:ext cx="4881446" cy="5416452"/>
-            </a:xfrm>
-            <a:prstGeom prst="rect">
-              <a:avLst/>
-            </a:prstGeom>
-          </p:spPr>
-        </p:pic>
-      </p:grpSp>
-    </p:spTree>
-    <p:extLst>
-      <p:ext uri="{BB962C8B-B14F-4D97-AF65-F5344CB8AC3E}">
-        <p14:creationId xmlns:p14="http://schemas.microsoft.com/office/powerpoint/2010/main" val="1357512634"/>
-      </p:ext>
-    </p:extLst>
-  </p:cSld>
-  <p:clrMapOvr>
-    <a:masterClrMapping/>
-  </p:clrMapOvr>
-</p:sld>
-</file>
-
-<file path=ppt/slides/slide9.xml><?xml version="1.0" encoding="utf-8"?>
-<p:sld xmlns:a="http://schemas.openxmlformats.org/drawingml/2006/main" xmlns:r="http://schemas.openxmlformats.org/officeDocument/2006/relationships" xmlns:p="http://schemas.openxmlformats.org/presentationml/2006/main">
-  <p:cSld>
-    <p:spTree>
-      <p:nvGrpSpPr>
-        <p:cNvPr id="1" name=""/>
-        <p:cNvGrpSpPr/>
-        <p:nvPr/>
-      </p:nvGrpSpPr>
-      <p:grpSpPr>
-        <a:xfrm>
-          <a:off x="0" y="0"/>
-          <a:ext cx="0" cy="0"/>
-          <a:chOff x="0" y="0"/>
-          <a:chExt cx="0" cy="0"/>
-        </a:xfrm>
-      </p:grpSpPr>
-      <p:grpSp>
-        <p:nvGrpSpPr>
-          <p:cNvPr id="8" name="Group 7">
-            <a:extLst>
-              <a:ext uri="{FF2B5EF4-FFF2-40B4-BE49-F238E27FC236}">
-                <a16:creationId xmlns:a16="http://schemas.microsoft.com/office/drawing/2014/main" id="{1D994E36-F81C-734F-BE8F-A593298D29E5}"/>
-              </a:ext>
-            </a:extLst>
-          </p:cNvPr>
-          <p:cNvGrpSpPr/>
-          <p:nvPr/>
-        </p:nvGrpSpPr>
-        <p:grpSpPr>
-          <a:xfrm>
-            <a:off x="914400" y="1035050"/>
-            <a:ext cx="5575610" cy="4787900"/>
-            <a:chOff x="914400" y="1035050"/>
-            <a:chExt cx="5575610" cy="4787900"/>
-          </a:xfrm>
-        </p:grpSpPr>
-        <p:pic>
-          <p:nvPicPr>
-            <p:cNvPr id="6" name="Picture 5">
-              <a:extLst>
-                <a:ext uri="{FF2B5EF4-FFF2-40B4-BE49-F238E27FC236}">
-                  <a16:creationId xmlns:a16="http://schemas.microsoft.com/office/drawing/2014/main" id="{6704E5DC-E6EA-5542-9CAE-490BD90A7D2C}"/>
-                </a:ext>
-              </a:extLst>
-            </p:cNvPr>
-            <p:cNvPicPr>
-              <a:picLocks noChangeAspect="1"/>
-            </p:cNvPicPr>
-            <p:nvPr/>
-          </p:nvPicPr>
-          <p:blipFill rotWithShape="1">
-            <a:blip r:embed="rId2"/>
-            <a:srcRect r="23780"/>
-            <a:stretch/>
-          </p:blipFill>
-          <p:spPr>
-            <a:xfrm>
-              <a:off x="914400" y="1035050"/>
-              <a:ext cx="5575610" cy="4787900"/>
-            </a:xfrm>
-            <a:prstGeom prst="rect">
-              <a:avLst/>
-            </a:prstGeom>
-          </p:spPr>
-        </p:pic>
-        <p:pic>
-          <p:nvPicPr>
-            <p:cNvPr id="7" name="Picture 6">
-              <a:extLst>
-                <a:ext uri="{FF2B5EF4-FFF2-40B4-BE49-F238E27FC236}">
-                  <a16:creationId xmlns:a16="http://schemas.microsoft.com/office/drawing/2014/main" id="{F983487C-2AF8-BF4F-94F9-9C85733B8AE5}"/>
-                </a:ext>
-              </a:extLst>
-            </p:cNvPr>
-            <p:cNvPicPr>
-              <a:picLocks noChangeAspect="1"/>
-            </p:cNvPicPr>
-            <p:nvPr/>
-          </p:nvPicPr>
-          <p:blipFill rotWithShape="1">
-            <a:blip r:embed="rId3"/>
-            <a:srcRect l="67471" t="53655" b="21322"/>
-            <a:stretch/>
-          </p:blipFill>
-          <p:spPr>
-            <a:xfrm>
-              <a:off x="1518716" y="1500372"/>
-              <a:ext cx="1487214" cy="1144046"/>
-            </a:xfrm>
-            <a:prstGeom prst="rect">
-              <a:avLst/>
-            </a:prstGeom>
-          </p:spPr>
-        </p:pic>
-      </p:grpSp>
-    </p:spTree>
-    <p:extLst>
-      <p:ext uri="{BB962C8B-B14F-4D97-AF65-F5344CB8AC3E}">
-        <p14:creationId xmlns:p14="http://schemas.microsoft.com/office/powerpoint/2010/main" val="230629001"/>
       </p:ext>
     </p:extLst>
   </p:cSld>
